--- a/ページデザイン.pptx
+++ b/ページデザイン.pptx
@@ -104,6 +104,11 @@
       </a:defRPr>
     </a:lvl9pPr>
   </p:defaultTextStyle>
+  <p:extLst>
+    <p:ext uri="{EFAFB233-063F-42B5-8137-9DF3F51BA10A}">
+      <p15:sldGuideLst xmlns:p15="http://schemas.microsoft.com/office/powerpoint/2012/main"/>
+    </p:ext>
+  </p:extLst>
 </p:presentation>
 </file>
 
@@ -3676,7 +3681,7 @@
         <p:spPr>
           <a:xfrm>
             <a:off x="179070" y="784859"/>
-            <a:ext cx="1306830" cy="5539729"/>
+            <a:ext cx="1606988" cy="5539729"/>
           </a:xfrm>
           <a:prstGeom prst="rect">
             <a:avLst/>
@@ -3687,6 +3692,13 @@
           <a:ln>
             <a:noFill/>
           </a:ln>
+          <a:effectLst>
+            <a:outerShdw blurRad="50800" dist="152400" dir="2700000" algn="ctr" rotWithShape="0">
+              <a:srgbClr val="000000">
+                <a:alpha val="43137"/>
+              </a:srgbClr>
+            </a:outerShdw>
+          </a:effectLst>
         </p:spPr>
         <p:style>
           <a:lnRef idx="2">
@@ -3776,6 +3788,13 @@
           <a:ln>
             <a:noFill/>
           </a:ln>
+          <a:effectLst>
+            <a:outerShdw blurRad="50800" dist="152400" dir="2700000" algn="ctr" rotWithShape="0">
+              <a:srgbClr val="000000">
+                <a:alpha val="43137"/>
+              </a:srgbClr>
+            </a:outerShdw>
+          </a:effectLst>
         </p:spPr>
         <p:style>
           <a:lnRef idx="2">
@@ -3818,7 +3837,7 @@
         </p:nvSpPr>
         <p:spPr>
           <a:xfrm>
-            <a:off x="2049780" y="554353"/>
+            <a:off x="2615565" y="554353"/>
             <a:ext cx="3192780" cy="1325563"/>
           </a:xfrm>
           <a:prstGeom prst="rect">
@@ -3851,7 +3870,15 @@
           <a:p>
             <a:r>
               <a:rPr lang="ja-JP" altLang="en-US" sz="2400" dirty="0"/>
-              <a:t>なししの　権兵衛</a:t>
+              <a:t>な</a:t>
+            </a:r>
+            <a:r>
+              <a:rPr lang="en-US" altLang="ja-JP" sz="2400" dirty="0"/>
+              <a:t>Na</a:t>
+            </a:r>
+            <a:r>
+              <a:rPr lang="ja-JP" altLang="en-US" sz="2400" dirty="0"/>
+              <a:t>シの　権兵∀</a:t>
             </a:r>
           </a:p>
         </p:txBody>
@@ -4418,7 +4445,7 @@
         </p:nvCxnSpPr>
         <p:spPr>
           <a:xfrm>
-            <a:off x="2011680" y="910591"/>
+            <a:off x="2585258" y="910591"/>
             <a:ext cx="4667250" cy="0"/>
           </a:xfrm>
           <a:prstGeom prst="line">
@@ -4459,7 +4486,7 @@
         </p:nvCxnSpPr>
         <p:spPr>
           <a:xfrm>
-            <a:off x="2049780" y="1485901"/>
+            <a:off x="2585258" y="1485901"/>
             <a:ext cx="4667250" cy="0"/>
           </a:xfrm>
           <a:prstGeom prst="line">
@@ -4502,7 +4529,7 @@
         </p:nvSpPr>
         <p:spPr>
           <a:xfrm>
-            <a:off x="87630" y="872006"/>
+            <a:off x="304800" y="872006"/>
             <a:ext cx="1337310" cy="5376394"/>
           </a:xfrm>
           <a:prstGeom prst="rect">
@@ -5126,6 +5153,1837 @@
           </a:p>
         </p:txBody>
       </p:sp>
+      <p:sp>
+        <p:nvSpPr>
+          <p:cNvPr id="6" name="楕円 5">
+            <a:extLst>
+              <a:ext uri="{FF2B5EF4-FFF2-40B4-BE49-F238E27FC236}">
+                <a16:creationId xmlns:a16="http://schemas.microsoft.com/office/drawing/2014/main" id="{CD1C5EB0-6982-FDB0-D416-3F6B9A7C21CE}"/>
+              </a:ext>
+            </a:extLst>
+          </p:cNvPr>
+          <p:cNvSpPr>
+            <a:spLocks noChangeAspect="1"/>
+          </p:cNvSpPr>
+          <p:nvPr/>
+        </p:nvSpPr>
+        <p:spPr>
+          <a:xfrm>
+            <a:off x="1988820" y="894229"/>
+            <a:ext cx="235320" cy="235320"/>
+          </a:xfrm>
+          <a:prstGeom prst="ellipse">
+            <a:avLst/>
+          </a:prstGeom>
+          <a:solidFill>
+            <a:srgbClr val="ECEBCD"/>
+          </a:solidFill>
+          <a:ln>
+            <a:noFill/>
+          </a:ln>
+          <a:effectLst>
+            <a:innerShdw blurRad="76200" dist="152400" dir="13500000">
+              <a:prstClr val="black">
+                <a:alpha val="50000"/>
+              </a:prstClr>
+            </a:innerShdw>
+          </a:effectLst>
+        </p:spPr>
+        <p:style>
+          <a:lnRef idx="2">
+            <a:schemeClr val="accent1">
+              <a:shade val="15000"/>
+            </a:schemeClr>
+          </a:lnRef>
+          <a:fillRef idx="1">
+            <a:schemeClr val="accent1"/>
+          </a:fillRef>
+          <a:effectRef idx="0">
+            <a:schemeClr val="accent1"/>
+          </a:effectRef>
+          <a:fontRef idx="minor">
+            <a:schemeClr val="lt1"/>
+          </a:fontRef>
+        </p:style>
+        <p:txBody>
+          <a:bodyPr rtlCol="0" anchor="ctr"/>
+          <a:lstStyle/>
+          <a:p>
+            <a:pPr algn="ctr"/>
+            <a:endParaRPr kumimoji="1" lang="ja-JP" altLang="en-US"/>
+          </a:p>
+        </p:txBody>
+      </p:sp>
+      <p:sp>
+        <p:nvSpPr>
+          <p:cNvPr id="8" name="楕円 7">
+            <a:extLst>
+              <a:ext uri="{FF2B5EF4-FFF2-40B4-BE49-F238E27FC236}">
+                <a16:creationId xmlns:a16="http://schemas.microsoft.com/office/drawing/2014/main" id="{BCE1B27A-2278-DB5A-890F-A774E6170CB4}"/>
+              </a:ext>
+            </a:extLst>
+          </p:cNvPr>
+          <p:cNvSpPr>
+            <a:spLocks noChangeAspect="1"/>
+          </p:cNvSpPr>
+          <p:nvPr/>
+        </p:nvSpPr>
+        <p:spPr>
+          <a:xfrm>
+            <a:off x="1988820" y="1288253"/>
+            <a:ext cx="235320" cy="235320"/>
+          </a:xfrm>
+          <a:prstGeom prst="ellipse">
+            <a:avLst/>
+          </a:prstGeom>
+          <a:solidFill>
+            <a:srgbClr val="ECEBCD"/>
+          </a:solidFill>
+          <a:ln>
+            <a:noFill/>
+          </a:ln>
+          <a:effectLst>
+            <a:innerShdw blurRad="76200" dist="152400" dir="13500000">
+              <a:prstClr val="black">
+                <a:alpha val="50000"/>
+              </a:prstClr>
+            </a:innerShdw>
+          </a:effectLst>
+        </p:spPr>
+        <p:style>
+          <a:lnRef idx="2">
+            <a:schemeClr val="accent1">
+              <a:shade val="15000"/>
+            </a:schemeClr>
+          </a:lnRef>
+          <a:fillRef idx="1">
+            <a:schemeClr val="accent1"/>
+          </a:fillRef>
+          <a:effectRef idx="0">
+            <a:schemeClr val="accent1"/>
+          </a:effectRef>
+          <a:fontRef idx="minor">
+            <a:schemeClr val="lt1"/>
+          </a:fontRef>
+        </p:style>
+        <p:txBody>
+          <a:bodyPr rtlCol="0" anchor="ctr"/>
+          <a:lstStyle/>
+          <a:p>
+            <a:pPr algn="ctr"/>
+            <a:endParaRPr kumimoji="1" lang="ja-JP" altLang="en-US"/>
+          </a:p>
+        </p:txBody>
+      </p:sp>
+      <p:sp>
+        <p:nvSpPr>
+          <p:cNvPr id="14" name="楕円 13">
+            <a:extLst>
+              <a:ext uri="{FF2B5EF4-FFF2-40B4-BE49-F238E27FC236}">
+                <a16:creationId xmlns:a16="http://schemas.microsoft.com/office/drawing/2014/main" id="{DDED9491-2021-725F-ACFF-565E48030B10}"/>
+              </a:ext>
+            </a:extLst>
+          </p:cNvPr>
+          <p:cNvSpPr>
+            <a:spLocks noChangeAspect="1"/>
+          </p:cNvSpPr>
+          <p:nvPr/>
+        </p:nvSpPr>
+        <p:spPr>
+          <a:xfrm>
+            <a:off x="1992387" y="1682193"/>
+            <a:ext cx="235320" cy="235320"/>
+          </a:xfrm>
+          <a:prstGeom prst="ellipse">
+            <a:avLst/>
+          </a:prstGeom>
+          <a:solidFill>
+            <a:srgbClr val="ECEBCD"/>
+          </a:solidFill>
+          <a:ln>
+            <a:noFill/>
+          </a:ln>
+          <a:effectLst>
+            <a:innerShdw blurRad="76200" dist="152400" dir="13500000">
+              <a:prstClr val="black">
+                <a:alpha val="50000"/>
+              </a:prstClr>
+            </a:innerShdw>
+          </a:effectLst>
+        </p:spPr>
+        <p:style>
+          <a:lnRef idx="2">
+            <a:schemeClr val="accent1">
+              <a:shade val="15000"/>
+            </a:schemeClr>
+          </a:lnRef>
+          <a:fillRef idx="1">
+            <a:schemeClr val="accent1"/>
+          </a:fillRef>
+          <a:effectRef idx="0">
+            <a:schemeClr val="accent1"/>
+          </a:effectRef>
+          <a:fontRef idx="minor">
+            <a:schemeClr val="lt1"/>
+          </a:fontRef>
+        </p:style>
+        <p:txBody>
+          <a:bodyPr rtlCol="0" anchor="ctr"/>
+          <a:lstStyle/>
+          <a:p>
+            <a:pPr algn="ctr"/>
+            <a:endParaRPr kumimoji="1" lang="ja-JP" altLang="en-US"/>
+          </a:p>
+        </p:txBody>
+      </p:sp>
+      <p:sp>
+        <p:nvSpPr>
+          <p:cNvPr id="15" name="楕円 14">
+            <a:extLst>
+              <a:ext uri="{FF2B5EF4-FFF2-40B4-BE49-F238E27FC236}">
+                <a16:creationId xmlns:a16="http://schemas.microsoft.com/office/drawing/2014/main" id="{B77297BB-693D-9401-AB1F-4DBE10EED46D}"/>
+              </a:ext>
+            </a:extLst>
+          </p:cNvPr>
+          <p:cNvSpPr>
+            <a:spLocks noChangeAspect="1"/>
+          </p:cNvSpPr>
+          <p:nvPr/>
+        </p:nvSpPr>
+        <p:spPr>
+          <a:xfrm>
+            <a:off x="1991937" y="2073111"/>
+            <a:ext cx="235320" cy="235320"/>
+          </a:xfrm>
+          <a:prstGeom prst="ellipse">
+            <a:avLst/>
+          </a:prstGeom>
+          <a:solidFill>
+            <a:srgbClr val="ECEBCD"/>
+          </a:solidFill>
+          <a:ln>
+            <a:noFill/>
+          </a:ln>
+          <a:effectLst>
+            <a:innerShdw blurRad="76200" dist="152400" dir="13500000">
+              <a:prstClr val="black">
+                <a:alpha val="50000"/>
+              </a:prstClr>
+            </a:innerShdw>
+          </a:effectLst>
+        </p:spPr>
+        <p:style>
+          <a:lnRef idx="2">
+            <a:schemeClr val="accent1">
+              <a:shade val="15000"/>
+            </a:schemeClr>
+          </a:lnRef>
+          <a:fillRef idx="1">
+            <a:schemeClr val="accent1"/>
+          </a:fillRef>
+          <a:effectRef idx="0">
+            <a:schemeClr val="accent1"/>
+          </a:effectRef>
+          <a:fontRef idx="minor">
+            <a:schemeClr val="lt1"/>
+          </a:fontRef>
+        </p:style>
+        <p:txBody>
+          <a:bodyPr rtlCol="0" anchor="ctr"/>
+          <a:lstStyle/>
+          <a:p>
+            <a:pPr algn="ctr"/>
+            <a:endParaRPr kumimoji="1" lang="ja-JP" altLang="en-US"/>
+          </a:p>
+        </p:txBody>
+      </p:sp>
+      <p:sp>
+        <p:nvSpPr>
+          <p:cNvPr id="16" name="楕円 15">
+            <a:extLst>
+              <a:ext uri="{FF2B5EF4-FFF2-40B4-BE49-F238E27FC236}">
+                <a16:creationId xmlns:a16="http://schemas.microsoft.com/office/drawing/2014/main" id="{F4025780-1019-E06A-9593-21DAE83D254D}"/>
+              </a:ext>
+            </a:extLst>
+          </p:cNvPr>
+          <p:cNvSpPr>
+            <a:spLocks noChangeAspect="1"/>
+          </p:cNvSpPr>
+          <p:nvPr/>
+        </p:nvSpPr>
+        <p:spPr>
+          <a:xfrm>
+            <a:off x="1988820" y="2464029"/>
+            <a:ext cx="235320" cy="235320"/>
+          </a:xfrm>
+          <a:prstGeom prst="ellipse">
+            <a:avLst/>
+          </a:prstGeom>
+          <a:solidFill>
+            <a:srgbClr val="ECEBCD"/>
+          </a:solidFill>
+          <a:ln>
+            <a:noFill/>
+          </a:ln>
+          <a:effectLst>
+            <a:innerShdw blurRad="76200" dist="152400" dir="13500000">
+              <a:prstClr val="black">
+                <a:alpha val="50000"/>
+              </a:prstClr>
+            </a:innerShdw>
+          </a:effectLst>
+        </p:spPr>
+        <p:style>
+          <a:lnRef idx="2">
+            <a:schemeClr val="accent1">
+              <a:shade val="15000"/>
+            </a:schemeClr>
+          </a:lnRef>
+          <a:fillRef idx="1">
+            <a:schemeClr val="accent1"/>
+          </a:fillRef>
+          <a:effectRef idx="0">
+            <a:schemeClr val="accent1"/>
+          </a:effectRef>
+          <a:fontRef idx="minor">
+            <a:schemeClr val="lt1"/>
+          </a:fontRef>
+        </p:style>
+        <p:txBody>
+          <a:bodyPr rtlCol="0" anchor="ctr"/>
+          <a:lstStyle/>
+          <a:p>
+            <a:pPr algn="ctr"/>
+            <a:endParaRPr kumimoji="1" lang="ja-JP" altLang="en-US"/>
+          </a:p>
+        </p:txBody>
+      </p:sp>
+      <p:sp>
+        <p:nvSpPr>
+          <p:cNvPr id="17" name="楕円 16">
+            <a:extLst>
+              <a:ext uri="{FF2B5EF4-FFF2-40B4-BE49-F238E27FC236}">
+                <a16:creationId xmlns:a16="http://schemas.microsoft.com/office/drawing/2014/main" id="{8580EB85-1ABD-907B-33B8-8DE65837C6EF}"/>
+              </a:ext>
+            </a:extLst>
+          </p:cNvPr>
+          <p:cNvSpPr>
+            <a:spLocks noChangeAspect="1"/>
+          </p:cNvSpPr>
+          <p:nvPr/>
+        </p:nvSpPr>
+        <p:spPr>
+          <a:xfrm>
+            <a:off x="1997272" y="2857969"/>
+            <a:ext cx="235320" cy="235320"/>
+          </a:xfrm>
+          <a:prstGeom prst="ellipse">
+            <a:avLst/>
+          </a:prstGeom>
+          <a:solidFill>
+            <a:srgbClr val="ECEBCD"/>
+          </a:solidFill>
+          <a:ln>
+            <a:noFill/>
+          </a:ln>
+          <a:effectLst>
+            <a:innerShdw blurRad="76200" dist="152400" dir="13500000">
+              <a:prstClr val="black">
+                <a:alpha val="50000"/>
+              </a:prstClr>
+            </a:innerShdw>
+          </a:effectLst>
+        </p:spPr>
+        <p:style>
+          <a:lnRef idx="2">
+            <a:schemeClr val="accent1">
+              <a:shade val="15000"/>
+            </a:schemeClr>
+          </a:lnRef>
+          <a:fillRef idx="1">
+            <a:schemeClr val="accent1"/>
+          </a:fillRef>
+          <a:effectRef idx="0">
+            <a:schemeClr val="accent1"/>
+          </a:effectRef>
+          <a:fontRef idx="minor">
+            <a:schemeClr val="lt1"/>
+          </a:fontRef>
+        </p:style>
+        <p:txBody>
+          <a:bodyPr rtlCol="0" anchor="ctr"/>
+          <a:lstStyle/>
+          <a:p>
+            <a:pPr algn="ctr"/>
+            <a:endParaRPr kumimoji="1" lang="ja-JP" altLang="en-US"/>
+          </a:p>
+        </p:txBody>
+      </p:sp>
+      <p:sp>
+        <p:nvSpPr>
+          <p:cNvPr id="18" name="楕円 17">
+            <a:extLst>
+              <a:ext uri="{FF2B5EF4-FFF2-40B4-BE49-F238E27FC236}">
+                <a16:creationId xmlns:a16="http://schemas.microsoft.com/office/drawing/2014/main" id="{8BA75759-BAD6-879F-4822-59308538554C}"/>
+              </a:ext>
+            </a:extLst>
+          </p:cNvPr>
+          <p:cNvSpPr>
+            <a:spLocks noChangeAspect="1"/>
+          </p:cNvSpPr>
+          <p:nvPr/>
+        </p:nvSpPr>
+        <p:spPr>
+          <a:xfrm>
+            <a:off x="1997272" y="3252014"/>
+            <a:ext cx="235320" cy="235320"/>
+          </a:xfrm>
+          <a:prstGeom prst="ellipse">
+            <a:avLst/>
+          </a:prstGeom>
+          <a:solidFill>
+            <a:srgbClr val="ECEBCD"/>
+          </a:solidFill>
+          <a:ln>
+            <a:noFill/>
+          </a:ln>
+          <a:effectLst>
+            <a:innerShdw blurRad="76200" dist="152400" dir="13500000">
+              <a:prstClr val="black">
+                <a:alpha val="50000"/>
+              </a:prstClr>
+            </a:innerShdw>
+          </a:effectLst>
+        </p:spPr>
+        <p:style>
+          <a:lnRef idx="2">
+            <a:schemeClr val="accent1">
+              <a:shade val="15000"/>
+            </a:schemeClr>
+          </a:lnRef>
+          <a:fillRef idx="1">
+            <a:schemeClr val="accent1"/>
+          </a:fillRef>
+          <a:effectRef idx="0">
+            <a:schemeClr val="accent1"/>
+          </a:effectRef>
+          <a:fontRef idx="minor">
+            <a:schemeClr val="lt1"/>
+          </a:fontRef>
+        </p:style>
+        <p:txBody>
+          <a:bodyPr rtlCol="0" anchor="ctr"/>
+          <a:lstStyle/>
+          <a:p>
+            <a:pPr algn="ctr"/>
+            <a:endParaRPr kumimoji="1" lang="ja-JP" altLang="en-US"/>
+          </a:p>
+        </p:txBody>
+      </p:sp>
+      <p:sp>
+        <p:nvSpPr>
+          <p:cNvPr id="19" name="楕円 18">
+            <a:extLst>
+              <a:ext uri="{FF2B5EF4-FFF2-40B4-BE49-F238E27FC236}">
+                <a16:creationId xmlns:a16="http://schemas.microsoft.com/office/drawing/2014/main" id="{2ECC8B88-F2D6-3319-7E3F-554A15065B6C}"/>
+              </a:ext>
+            </a:extLst>
+          </p:cNvPr>
+          <p:cNvSpPr>
+            <a:spLocks noChangeAspect="1"/>
+          </p:cNvSpPr>
+          <p:nvPr/>
+        </p:nvSpPr>
+        <p:spPr>
+          <a:xfrm>
+            <a:off x="1997167" y="3650453"/>
+            <a:ext cx="235320" cy="235320"/>
+          </a:xfrm>
+          <a:prstGeom prst="ellipse">
+            <a:avLst/>
+          </a:prstGeom>
+          <a:solidFill>
+            <a:srgbClr val="ECEBCD"/>
+          </a:solidFill>
+          <a:ln>
+            <a:noFill/>
+          </a:ln>
+          <a:effectLst>
+            <a:innerShdw blurRad="76200" dist="152400" dir="13500000">
+              <a:prstClr val="black">
+                <a:alpha val="50000"/>
+              </a:prstClr>
+            </a:innerShdw>
+          </a:effectLst>
+        </p:spPr>
+        <p:style>
+          <a:lnRef idx="2">
+            <a:schemeClr val="accent1">
+              <a:shade val="15000"/>
+            </a:schemeClr>
+          </a:lnRef>
+          <a:fillRef idx="1">
+            <a:schemeClr val="accent1"/>
+          </a:fillRef>
+          <a:effectRef idx="0">
+            <a:schemeClr val="accent1"/>
+          </a:effectRef>
+          <a:fontRef idx="minor">
+            <a:schemeClr val="lt1"/>
+          </a:fontRef>
+        </p:style>
+        <p:txBody>
+          <a:bodyPr rtlCol="0" anchor="ctr"/>
+          <a:lstStyle/>
+          <a:p>
+            <a:pPr algn="ctr"/>
+            <a:endParaRPr kumimoji="1" lang="ja-JP" altLang="en-US"/>
+          </a:p>
+        </p:txBody>
+      </p:sp>
+      <p:sp>
+        <p:nvSpPr>
+          <p:cNvPr id="20" name="楕円 19">
+            <a:extLst>
+              <a:ext uri="{FF2B5EF4-FFF2-40B4-BE49-F238E27FC236}">
+                <a16:creationId xmlns:a16="http://schemas.microsoft.com/office/drawing/2014/main" id="{EDBCCBB9-D3E4-4E48-367F-3998039F9826}"/>
+              </a:ext>
+            </a:extLst>
+          </p:cNvPr>
+          <p:cNvSpPr>
+            <a:spLocks noChangeAspect="1"/>
+          </p:cNvSpPr>
+          <p:nvPr/>
+        </p:nvSpPr>
+        <p:spPr>
+          <a:xfrm>
+            <a:off x="1997167" y="4044477"/>
+            <a:ext cx="235320" cy="235320"/>
+          </a:xfrm>
+          <a:prstGeom prst="ellipse">
+            <a:avLst/>
+          </a:prstGeom>
+          <a:solidFill>
+            <a:srgbClr val="ECEBCD"/>
+          </a:solidFill>
+          <a:ln>
+            <a:noFill/>
+          </a:ln>
+          <a:effectLst>
+            <a:innerShdw blurRad="76200" dist="152400" dir="13500000">
+              <a:prstClr val="black">
+                <a:alpha val="50000"/>
+              </a:prstClr>
+            </a:innerShdw>
+          </a:effectLst>
+        </p:spPr>
+        <p:style>
+          <a:lnRef idx="2">
+            <a:schemeClr val="accent1">
+              <a:shade val="15000"/>
+            </a:schemeClr>
+          </a:lnRef>
+          <a:fillRef idx="1">
+            <a:schemeClr val="accent1"/>
+          </a:fillRef>
+          <a:effectRef idx="0">
+            <a:schemeClr val="accent1"/>
+          </a:effectRef>
+          <a:fontRef idx="minor">
+            <a:schemeClr val="lt1"/>
+          </a:fontRef>
+        </p:style>
+        <p:txBody>
+          <a:bodyPr rtlCol="0" anchor="ctr"/>
+          <a:lstStyle/>
+          <a:p>
+            <a:pPr algn="ctr"/>
+            <a:endParaRPr kumimoji="1" lang="ja-JP" altLang="en-US"/>
+          </a:p>
+        </p:txBody>
+      </p:sp>
+      <p:sp>
+        <p:nvSpPr>
+          <p:cNvPr id="21" name="楕円 20">
+            <a:extLst>
+              <a:ext uri="{FF2B5EF4-FFF2-40B4-BE49-F238E27FC236}">
+                <a16:creationId xmlns:a16="http://schemas.microsoft.com/office/drawing/2014/main" id="{DD7D83F6-B8D0-2D27-6D02-9B65064E95D1}"/>
+              </a:ext>
+            </a:extLst>
+          </p:cNvPr>
+          <p:cNvSpPr>
+            <a:spLocks noChangeAspect="1"/>
+          </p:cNvSpPr>
+          <p:nvPr/>
+        </p:nvSpPr>
+        <p:spPr>
+          <a:xfrm>
+            <a:off x="2000734" y="4438417"/>
+            <a:ext cx="235320" cy="235320"/>
+          </a:xfrm>
+          <a:prstGeom prst="ellipse">
+            <a:avLst/>
+          </a:prstGeom>
+          <a:solidFill>
+            <a:srgbClr val="ECEBCD"/>
+          </a:solidFill>
+          <a:ln>
+            <a:noFill/>
+          </a:ln>
+          <a:effectLst>
+            <a:innerShdw blurRad="76200" dist="152400" dir="13500000">
+              <a:prstClr val="black">
+                <a:alpha val="50000"/>
+              </a:prstClr>
+            </a:innerShdw>
+          </a:effectLst>
+        </p:spPr>
+        <p:style>
+          <a:lnRef idx="2">
+            <a:schemeClr val="accent1">
+              <a:shade val="15000"/>
+            </a:schemeClr>
+          </a:lnRef>
+          <a:fillRef idx="1">
+            <a:schemeClr val="accent1"/>
+          </a:fillRef>
+          <a:effectRef idx="0">
+            <a:schemeClr val="accent1"/>
+          </a:effectRef>
+          <a:fontRef idx="minor">
+            <a:schemeClr val="lt1"/>
+          </a:fontRef>
+        </p:style>
+        <p:txBody>
+          <a:bodyPr rtlCol="0" anchor="ctr"/>
+          <a:lstStyle/>
+          <a:p>
+            <a:pPr algn="ctr"/>
+            <a:endParaRPr kumimoji="1" lang="ja-JP" altLang="en-US"/>
+          </a:p>
+        </p:txBody>
+      </p:sp>
+      <p:sp>
+        <p:nvSpPr>
+          <p:cNvPr id="22" name="楕円 21">
+            <a:extLst>
+              <a:ext uri="{FF2B5EF4-FFF2-40B4-BE49-F238E27FC236}">
+                <a16:creationId xmlns:a16="http://schemas.microsoft.com/office/drawing/2014/main" id="{2517401F-95A1-6E6E-1805-D612F432E3FB}"/>
+              </a:ext>
+            </a:extLst>
+          </p:cNvPr>
+          <p:cNvSpPr>
+            <a:spLocks noChangeAspect="1"/>
+          </p:cNvSpPr>
+          <p:nvPr/>
+        </p:nvSpPr>
+        <p:spPr>
+          <a:xfrm>
+            <a:off x="2000284" y="4829335"/>
+            <a:ext cx="235320" cy="235320"/>
+          </a:xfrm>
+          <a:prstGeom prst="ellipse">
+            <a:avLst/>
+          </a:prstGeom>
+          <a:solidFill>
+            <a:srgbClr val="ECEBCD"/>
+          </a:solidFill>
+          <a:ln>
+            <a:noFill/>
+          </a:ln>
+          <a:effectLst>
+            <a:innerShdw blurRad="76200" dist="152400" dir="13500000">
+              <a:prstClr val="black">
+                <a:alpha val="50000"/>
+              </a:prstClr>
+            </a:innerShdw>
+          </a:effectLst>
+        </p:spPr>
+        <p:style>
+          <a:lnRef idx="2">
+            <a:schemeClr val="accent1">
+              <a:shade val="15000"/>
+            </a:schemeClr>
+          </a:lnRef>
+          <a:fillRef idx="1">
+            <a:schemeClr val="accent1"/>
+          </a:fillRef>
+          <a:effectRef idx="0">
+            <a:schemeClr val="accent1"/>
+          </a:effectRef>
+          <a:fontRef idx="minor">
+            <a:schemeClr val="lt1"/>
+          </a:fontRef>
+        </p:style>
+        <p:txBody>
+          <a:bodyPr rtlCol="0" anchor="ctr"/>
+          <a:lstStyle/>
+          <a:p>
+            <a:pPr algn="ctr"/>
+            <a:endParaRPr kumimoji="1" lang="ja-JP" altLang="en-US"/>
+          </a:p>
+        </p:txBody>
+      </p:sp>
+      <p:sp>
+        <p:nvSpPr>
+          <p:cNvPr id="23" name="楕円 22">
+            <a:extLst>
+              <a:ext uri="{FF2B5EF4-FFF2-40B4-BE49-F238E27FC236}">
+                <a16:creationId xmlns:a16="http://schemas.microsoft.com/office/drawing/2014/main" id="{6331F62B-2B7C-E486-E0BE-73E8F0091109}"/>
+              </a:ext>
+            </a:extLst>
+          </p:cNvPr>
+          <p:cNvSpPr>
+            <a:spLocks noChangeAspect="1"/>
+          </p:cNvSpPr>
+          <p:nvPr/>
+        </p:nvSpPr>
+        <p:spPr>
+          <a:xfrm>
+            <a:off x="1997167" y="5220253"/>
+            <a:ext cx="235320" cy="235320"/>
+          </a:xfrm>
+          <a:prstGeom prst="ellipse">
+            <a:avLst/>
+          </a:prstGeom>
+          <a:solidFill>
+            <a:srgbClr val="ECEBCD"/>
+          </a:solidFill>
+          <a:ln>
+            <a:noFill/>
+          </a:ln>
+          <a:effectLst>
+            <a:innerShdw blurRad="76200" dist="152400" dir="13500000">
+              <a:prstClr val="black">
+                <a:alpha val="50000"/>
+              </a:prstClr>
+            </a:innerShdw>
+          </a:effectLst>
+        </p:spPr>
+        <p:style>
+          <a:lnRef idx="2">
+            <a:schemeClr val="accent1">
+              <a:shade val="15000"/>
+            </a:schemeClr>
+          </a:lnRef>
+          <a:fillRef idx="1">
+            <a:schemeClr val="accent1"/>
+          </a:fillRef>
+          <a:effectRef idx="0">
+            <a:schemeClr val="accent1"/>
+          </a:effectRef>
+          <a:fontRef idx="minor">
+            <a:schemeClr val="lt1"/>
+          </a:fontRef>
+        </p:style>
+        <p:txBody>
+          <a:bodyPr rtlCol="0" anchor="ctr"/>
+          <a:lstStyle/>
+          <a:p>
+            <a:pPr algn="ctr"/>
+            <a:endParaRPr kumimoji="1" lang="ja-JP" altLang="en-US"/>
+          </a:p>
+        </p:txBody>
+      </p:sp>
+      <p:sp>
+        <p:nvSpPr>
+          <p:cNvPr id="24" name="楕円 23">
+            <a:extLst>
+              <a:ext uri="{FF2B5EF4-FFF2-40B4-BE49-F238E27FC236}">
+                <a16:creationId xmlns:a16="http://schemas.microsoft.com/office/drawing/2014/main" id="{7624FBFC-4469-993B-8E0E-33A272AA19CD}"/>
+              </a:ext>
+            </a:extLst>
+          </p:cNvPr>
+          <p:cNvSpPr>
+            <a:spLocks noChangeAspect="1"/>
+          </p:cNvSpPr>
+          <p:nvPr/>
+        </p:nvSpPr>
+        <p:spPr>
+          <a:xfrm>
+            <a:off x="2005619" y="5614193"/>
+            <a:ext cx="235320" cy="235320"/>
+          </a:xfrm>
+          <a:prstGeom prst="ellipse">
+            <a:avLst/>
+          </a:prstGeom>
+          <a:solidFill>
+            <a:srgbClr val="ECEBCD"/>
+          </a:solidFill>
+          <a:ln>
+            <a:noFill/>
+          </a:ln>
+          <a:effectLst>
+            <a:innerShdw blurRad="76200" dist="152400" dir="13500000">
+              <a:prstClr val="black">
+                <a:alpha val="50000"/>
+              </a:prstClr>
+            </a:innerShdw>
+          </a:effectLst>
+        </p:spPr>
+        <p:style>
+          <a:lnRef idx="2">
+            <a:schemeClr val="accent1">
+              <a:shade val="15000"/>
+            </a:schemeClr>
+          </a:lnRef>
+          <a:fillRef idx="1">
+            <a:schemeClr val="accent1"/>
+          </a:fillRef>
+          <a:effectRef idx="0">
+            <a:schemeClr val="accent1"/>
+          </a:effectRef>
+          <a:fontRef idx="minor">
+            <a:schemeClr val="lt1"/>
+          </a:fontRef>
+        </p:style>
+        <p:txBody>
+          <a:bodyPr rtlCol="0" anchor="ctr"/>
+          <a:lstStyle/>
+          <a:p>
+            <a:pPr algn="ctr"/>
+            <a:endParaRPr kumimoji="1" lang="ja-JP" altLang="en-US"/>
+          </a:p>
+        </p:txBody>
+      </p:sp>
+      <p:sp>
+        <p:nvSpPr>
+          <p:cNvPr id="25" name="楕円 24">
+            <a:extLst>
+              <a:ext uri="{FF2B5EF4-FFF2-40B4-BE49-F238E27FC236}">
+                <a16:creationId xmlns:a16="http://schemas.microsoft.com/office/drawing/2014/main" id="{36D82646-6DDE-47AA-5015-1C1DF65AE505}"/>
+              </a:ext>
+            </a:extLst>
+          </p:cNvPr>
+          <p:cNvSpPr>
+            <a:spLocks noChangeAspect="1"/>
+          </p:cNvSpPr>
+          <p:nvPr/>
+        </p:nvSpPr>
+        <p:spPr>
+          <a:xfrm>
+            <a:off x="2005619" y="6008238"/>
+            <a:ext cx="235320" cy="235320"/>
+          </a:xfrm>
+          <a:prstGeom prst="ellipse">
+            <a:avLst/>
+          </a:prstGeom>
+          <a:solidFill>
+            <a:srgbClr val="ECEBCD"/>
+          </a:solidFill>
+          <a:ln>
+            <a:noFill/>
+          </a:ln>
+          <a:effectLst>
+            <a:innerShdw blurRad="76200" dist="152400" dir="13500000">
+              <a:prstClr val="black">
+                <a:alpha val="50000"/>
+              </a:prstClr>
+            </a:innerShdw>
+          </a:effectLst>
+        </p:spPr>
+        <p:style>
+          <a:lnRef idx="2">
+            <a:schemeClr val="accent1">
+              <a:shade val="15000"/>
+            </a:schemeClr>
+          </a:lnRef>
+          <a:fillRef idx="1">
+            <a:schemeClr val="accent1"/>
+          </a:fillRef>
+          <a:effectRef idx="0">
+            <a:schemeClr val="accent1"/>
+          </a:effectRef>
+          <a:fontRef idx="minor">
+            <a:schemeClr val="lt1"/>
+          </a:fontRef>
+        </p:style>
+        <p:txBody>
+          <a:bodyPr rtlCol="0" anchor="ctr"/>
+          <a:lstStyle/>
+          <a:p>
+            <a:pPr algn="ctr"/>
+            <a:endParaRPr kumimoji="1" lang="ja-JP" altLang="en-US"/>
+          </a:p>
+        </p:txBody>
+      </p:sp>
+      <p:sp>
+        <p:nvSpPr>
+          <p:cNvPr id="26" name="楕円 25">
+            <a:extLst>
+              <a:ext uri="{FF2B5EF4-FFF2-40B4-BE49-F238E27FC236}">
+                <a16:creationId xmlns:a16="http://schemas.microsoft.com/office/drawing/2014/main" id="{37D83A32-E90F-0417-71C4-14783465E622}"/>
+              </a:ext>
+            </a:extLst>
+          </p:cNvPr>
+          <p:cNvSpPr>
+            <a:spLocks noChangeAspect="1"/>
+          </p:cNvSpPr>
+          <p:nvPr/>
+        </p:nvSpPr>
+        <p:spPr>
+          <a:xfrm>
+            <a:off x="280589" y="856557"/>
+            <a:ext cx="235320" cy="235320"/>
+          </a:xfrm>
+          <a:prstGeom prst="ellipse">
+            <a:avLst/>
+          </a:prstGeom>
+          <a:solidFill>
+            <a:srgbClr val="ECEBCD"/>
+          </a:solidFill>
+          <a:ln>
+            <a:noFill/>
+          </a:ln>
+          <a:effectLst>
+            <a:innerShdw blurRad="76200" dist="152400" dir="13500000">
+              <a:prstClr val="black">
+                <a:alpha val="50000"/>
+              </a:prstClr>
+            </a:innerShdw>
+          </a:effectLst>
+        </p:spPr>
+        <p:style>
+          <a:lnRef idx="2">
+            <a:schemeClr val="accent1">
+              <a:shade val="15000"/>
+            </a:schemeClr>
+          </a:lnRef>
+          <a:fillRef idx="1">
+            <a:schemeClr val="accent1"/>
+          </a:fillRef>
+          <a:effectRef idx="0">
+            <a:schemeClr val="accent1"/>
+          </a:effectRef>
+          <a:fontRef idx="minor">
+            <a:schemeClr val="lt1"/>
+          </a:fontRef>
+        </p:style>
+        <p:txBody>
+          <a:bodyPr rtlCol="0" anchor="ctr"/>
+          <a:lstStyle/>
+          <a:p>
+            <a:pPr algn="ctr"/>
+            <a:endParaRPr kumimoji="1" lang="ja-JP" altLang="en-US"/>
+          </a:p>
+        </p:txBody>
+      </p:sp>
+      <p:sp>
+        <p:nvSpPr>
+          <p:cNvPr id="27" name="楕円 26">
+            <a:extLst>
+              <a:ext uri="{FF2B5EF4-FFF2-40B4-BE49-F238E27FC236}">
+                <a16:creationId xmlns:a16="http://schemas.microsoft.com/office/drawing/2014/main" id="{6F9C2666-0C8B-BB3D-0530-6B7D3F483AF4}"/>
+              </a:ext>
+            </a:extLst>
+          </p:cNvPr>
+          <p:cNvSpPr>
+            <a:spLocks noChangeAspect="1"/>
+          </p:cNvSpPr>
+          <p:nvPr/>
+        </p:nvSpPr>
+        <p:spPr>
+          <a:xfrm>
+            <a:off x="280589" y="1250581"/>
+            <a:ext cx="235320" cy="235320"/>
+          </a:xfrm>
+          <a:prstGeom prst="ellipse">
+            <a:avLst/>
+          </a:prstGeom>
+          <a:solidFill>
+            <a:srgbClr val="ECEBCD"/>
+          </a:solidFill>
+          <a:ln>
+            <a:noFill/>
+          </a:ln>
+          <a:effectLst>
+            <a:innerShdw blurRad="76200" dist="152400" dir="13500000">
+              <a:prstClr val="black">
+                <a:alpha val="50000"/>
+              </a:prstClr>
+            </a:innerShdw>
+          </a:effectLst>
+        </p:spPr>
+        <p:style>
+          <a:lnRef idx="2">
+            <a:schemeClr val="accent1">
+              <a:shade val="15000"/>
+            </a:schemeClr>
+          </a:lnRef>
+          <a:fillRef idx="1">
+            <a:schemeClr val="accent1"/>
+          </a:fillRef>
+          <a:effectRef idx="0">
+            <a:schemeClr val="accent1"/>
+          </a:effectRef>
+          <a:fontRef idx="minor">
+            <a:schemeClr val="lt1"/>
+          </a:fontRef>
+        </p:style>
+        <p:txBody>
+          <a:bodyPr rtlCol="0" anchor="ctr"/>
+          <a:lstStyle/>
+          <a:p>
+            <a:pPr algn="ctr"/>
+            <a:endParaRPr kumimoji="1" lang="ja-JP" altLang="en-US"/>
+          </a:p>
+        </p:txBody>
+      </p:sp>
+      <p:sp>
+        <p:nvSpPr>
+          <p:cNvPr id="28" name="楕円 27">
+            <a:extLst>
+              <a:ext uri="{FF2B5EF4-FFF2-40B4-BE49-F238E27FC236}">
+                <a16:creationId xmlns:a16="http://schemas.microsoft.com/office/drawing/2014/main" id="{8517E9B2-BA80-E786-04C4-FB415A787392}"/>
+              </a:ext>
+            </a:extLst>
+          </p:cNvPr>
+          <p:cNvSpPr>
+            <a:spLocks noChangeAspect="1"/>
+          </p:cNvSpPr>
+          <p:nvPr/>
+        </p:nvSpPr>
+        <p:spPr>
+          <a:xfrm>
+            <a:off x="284156" y="1644521"/>
+            <a:ext cx="235320" cy="235320"/>
+          </a:xfrm>
+          <a:prstGeom prst="ellipse">
+            <a:avLst/>
+          </a:prstGeom>
+          <a:solidFill>
+            <a:srgbClr val="ECEBCD"/>
+          </a:solidFill>
+          <a:ln>
+            <a:noFill/>
+          </a:ln>
+          <a:effectLst>
+            <a:innerShdw blurRad="76200" dist="152400" dir="13500000">
+              <a:prstClr val="black">
+                <a:alpha val="50000"/>
+              </a:prstClr>
+            </a:innerShdw>
+          </a:effectLst>
+        </p:spPr>
+        <p:style>
+          <a:lnRef idx="2">
+            <a:schemeClr val="accent1">
+              <a:shade val="15000"/>
+            </a:schemeClr>
+          </a:lnRef>
+          <a:fillRef idx="1">
+            <a:schemeClr val="accent1"/>
+          </a:fillRef>
+          <a:effectRef idx="0">
+            <a:schemeClr val="accent1"/>
+          </a:effectRef>
+          <a:fontRef idx="minor">
+            <a:schemeClr val="lt1"/>
+          </a:fontRef>
+        </p:style>
+        <p:txBody>
+          <a:bodyPr rtlCol="0" anchor="ctr"/>
+          <a:lstStyle/>
+          <a:p>
+            <a:pPr algn="ctr"/>
+            <a:endParaRPr kumimoji="1" lang="ja-JP" altLang="en-US"/>
+          </a:p>
+        </p:txBody>
+      </p:sp>
+      <p:sp>
+        <p:nvSpPr>
+          <p:cNvPr id="29" name="楕円 28">
+            <a:extLst>
+              <a:ext uri="{FF2B5EF4-FFF2-40B4-BE49-F238E27FC236}">
+                <a16:creationId xmlns:a16="http://schemas.microsoft.com/office/drawing/2014/main" id="{28F9A9D3-5353-B01A-DB19-32EE87556AC5}"/>
+              </a:ext>
+            </a:extLst>
+          </p:cNvPr>
+          <p:cNvSpPr>
+            <a:spLocks noChangeAspect="1"/>
+          </p:cNvSpPr>
+          <p:nvPr/>
+        </p:nvSpPr>
+        <p:spPr>
+          <a:xfrm>
+            <a:off x="283706" y="2035439"/>
+            <a:ext cx="235320" cy="235320"/>
+          </a:xfrm>
+          <a:prstGeom prst="ellipse">
+            <a:avLst/>
+          </a:prstGeom>
+          <a:solidFill>
+            <a:srgbClr val="ECEBCD"/>
+          </a:solidFill>
+          <a:ln>
+            <a:noFill/>
+          </a:ln>
+          <a:effectLst>
+            <a:innerShdw blurRad="76200" dist="152400" dir="13500000">
+              <a:prstClr val="black">
+                <a:alpha val="50000"/>
+              </a:prstClr>
+            </a:innerShdw>
+          </a:effectLst>
+        </p:spPr>
+        <p:style>
+          <a:lnRef idx="2">
+            <a:schemeClr val="accent1">
+              <a:shade val="15000"/>
+            </a:schemeClr>
+          </a:lnRef>
+          <a:fillRef idx="1">
+            <a:schemeClr val="accent1"/>
+          </a:fillRef>
+          <a:effectRef idx="0">
+            <a:schemeClr val="accent1"/>
+          </a:effectRef>
+          <a:fontRef idx="minor">
+            <a:schemeClr val="lt1"/>
+          </a:fontRef>
+        </p:style>
+        <p:txBody>
+          <a:bodyPr rtlCol="0" anchor="ctr"/>
+          <a:lstStyle/>
+          <a:p>
+            <a:pPr algn="ctr"/>
+            <a:endParaRPr kumimoji="1" lang="ja-JP" altLang="en-US"/>
+          </a:p>
+        </p:txBody>
+      </p:sp>
+      <p:sp>
+        <p:nvSpPr>
+          <p:cNvPr id="30" name="楕円 29">
+            <a:extLst>
+              <a:ext uri="{FF2B5EF4-FFF2-40B4-BE49-F238E27FC236}">
+                <a16:creationId xmlns:a16="http://schemas.microsoft.com/office/drawing/2014/main" id="{94AC24C1-535F-F733-78CC-3BB868C60981}"/>
+              </a:ext>
+            </a:extLst>
+          </p:cNvPr>
+          <p:cNvSpPr>
+            <a:spLocks noChangeAspect="1"/>
+          </p:cNvSpPr>
+          <p:nvPr/>
+        </p:nvSpPr>
+        <p:spPr>
+          <a:xfrm>
+            <a:off x="280589" y="2426357"/>
+            <a:ext cx="235320" cy="235320"/>
+          </a:xfrm>
+          <a:prstGeom prst="ellipse">
+            <a:avLst/>
+          </a:prstGeom>
+          <a:solidFill>
+            <a:srgbClr val="ECEBCD"/>
+          </a:solidFill>
+          <a:ln>
+            <a:noFill/>
+          </a:ln>
+          <a:effectLst>
+            <a:innerShdw blurRad="76200" dist="152400" dir="13500000">
+              <a:prstClr val="black">
+                <a:alpha val="50000"/>
+              </a:prstClr>
+            </a:innerShdw>
+          </a:effectLst>
+        </p:spPr>
+        <p:style>
+          <a:lnRef idx="2">
+            <a:schemeClr val="accent1">
+              <a:shade val="15000"/>
+            </a:schemeClr>
+          </a:lnRef>
+          <a:fillRef idx="1">
+            <a:schemeClr val="accent1"/>
+          </a:fillRef>
+          <a:effectRef idx="0">
+            <a:schemeClr val="accent1"/>
+          </a:effectRef>
+          <a:fontRef idx="minor">
+            <a:schemeClr val="lt1"/>
+          </a:fontRef>
+        </p:style>
+        <p:txBody>
+          <a:bodyPr rtlCol="0" anchor="ctr"/>
+          <a:lstStyle/>
+          <a:p>
+            <a:pPr algn="ctr"/>
+            <a:endParaRPr kumimoji="1" lang="ja-JP" altLang="en-US"/>
+          </a:p>
+        </p:txBody>
+      </p:sp>
+      <p:sp>
+        <p:nvSpPr>
+          <p:cNvPr id="31" name="楕円 30">
+            <a:extLst>
+              <a:ext uri="{FF2B5EF4-FFF2-40B4-BE49-F238E27FC236}">
+                <a16:creationId xmlns:a16="http://schemas.microsoft.com/office/drawing/2014/main" id="{AE5DC750-DC7D-08AE-F11D-FB4B0CC5CB1D}"/>
+              </a:ext>
+            </a:extLst>
+          </p:cNvPr>
+          <p:cNvSpPr>
+            <a:spLocks noChangeAspect="1"/>
+          </p:cNvSpPr>
+          <p:nvPr/>
+        </p:nvSpPr>
+        <p:spPr>
+          <a:xfrm>
+            <a:off x="289041" y="2820297"/>
+            <a:ext cx="235320" cy="235320"/>
+          </a:xfrm>
+          <a:prstGeom prst="ellipse">
+            <a:avLst/>
+          </a:prstGeom>
+          <a:solidFill>
+            <a:srgbClr val="ECEBCD"/>
+          </a:solidFill>
+          <a:ln>
+            <a:noFill/>
+          </a:ln>
+          <a:effectLst>
+            <a:innerShdw blurRad="76200" dist="152400" dir="13500000">
+              <a:prstClr val="black">
+                <a:alpha val="50000"/>
+              </a:prstClr>
+            </a:innerShdw>
+          </a:effectLst>
+        </p:spPr>
+        <p:style>
+          <a:lnRef idx="2">
+            <a:schemeClr val="accent1">
+              <a:shade val="15000"/>
+            </a:schemeClr>
+          </a:lnRef>
+          <a:fillRef idx="1">
+            <a:schemeClr val="accent1"/>
+          </a:fillRef>
+          <a:effectRef idx="0">
+            <a:schemeClr val="accent1"/>
+          </a:effectRef>
+          <a:fontRef idx="minor">
+            <a:schemeClr val="lt1"/>
+          </a:fontRef>
+        </p:style>
+        <p:txBody>
+          <a:bodyPr rtlCol="0" anchor="ctr"/>
+          <a:lstStyle/>
+          <a:p>
+            <a:pPr algn="ctr"/>
+            <a:endParaRPr kumimoji="1" lang="ja-JP" altLang="en-US"/>
+          </a:p>
+        </p:txBody>
+      </p:sp>
+      <p:sp>
+        <p:nvSpPr>
+          <p:cNvPr id="32" name="楕円 31">
+            <a:extLst>
+              <a:ext uri="{FF2B5EF4-FFF2-40B4-BE49-F238E27FC236}">
+                <a16:creationId xmlns:a16="http://schemas.microsoft.com/office/drawing/2014/main" id="{8791586B-A2B6-D596-0051-83073EBF1BA4}"/>
+              </a:ext>
+            </a:extLst>
+          </p:cNvPr>
+          <p:cNvSpPr>
+            <a:spLocks noChangeAspect="1"/>
+          </p:cNvSpPr>
+          <p:nvPr/>
+        </p:nvSpPr>
+        <p:spPr>
+          <a:xfrm>
+            <a:off x="289041" y="3214342"/>
+            <a:ext cx="235320" cy="235320"/>
+          </a:xfrm>
+          <a:prstGeom prst="ellipse">
+            <a:avLst/>
+          </a:prstGeom>
+          <a:solidFill>
+            <a:srgbClr val="ECEBCD"/>
+          </a:solidFill>
+          <a:ln>
+            <a:noFill/>
+          </a:ln>
+          <a:effectLst>
+            <a:innerShdw blurRad="76200" dist="152400" dir="13500000">
+              <a:prstClr val="black">
+                <a:alpha val="50000"/>
+              </a:prstClr>
+            </a:innerShdw>
+          </a:effectLst>
+        </p:spPr>
+        <p:style>
+          <a:lnRef idx="2">
+            <a:schemeClr val="accent1">
+              <a:shade val="15000"/>
+            </a:schemeClr>
+          </a:lnRef>
+          <a:fillRef idx="1">
+            <a:schemeClr val="accent1"/>
+          </a:fillRef>
+          <a:effectRef idx="0">
+            <a:schemeClr val="accent1"/>
+          </a:effectRef>
+          <a:fontRef idx="minor">
+            <a:schemeClr val="lt1"/>
+          </a:fontRef>
+        </p:style>
+        <p:txBody>
+          <a:bodyPr rtlCol="0" anchor="ctr"/>
+          <a:lstStyle/>
+          <a:p>
+            <a:pPr algn="ctr"/>
+            <a:endParaRPr kumimoji="1" lang="ja-JP" altLang="en-US"/>
+          </a:p>
+        </p:txBody>
+      </p:sp>
+      <p:sp>
+        <p:nvSpPr>
+          <p:cNvPr id="33" name="楕円 32">
+            <a:extLst>
+              <a:ext uri="{FF2B5EF4-FFF2-40B4-BE49-F238E27FC236}">
+                <a16:creationId xmlns:a16="http://schemas.microsoft.com/office/drawing/2014/main" id="{E7705D90-F3CD-7D4B-AEE2-8A4E8A968465}"/>
+              </a:ext>
+            </a:extLst>
+          </p:cNvPr>
+          <p:cNvSpPr>
+            <a:spLocks noChangeAspect="1"/>
+          </p:cNvSpPr>
+          <p:nvPr/>
+        </p:nvSpPr>
+        <p:spPr>
+          <a:xfrm>
+            <a:off x="288936" y="3612781"/>
+            <a:ext cx="235320" cy="235320"/>
+          </a:xfrm>
+          <a:prstGeom prst="ellipse">
+            <a:avLst/>
+          </a:prstGeom>
+          <a:solidFill>
+            <a:srgbClr val="ECEBCD"/>
+          </a:solidFill>
+          <a:ln>
+            <a:noFill/>
+          </a:ln>
+          <a:effectLst>
+            <a:innerShdw blurRad="76200" dist="152400" dir="13500000">
+              <a:prstClr val="black">
+                <a:alpha val="50000"/>
+              </a:prstClr>
+            </a:innerShdw>
+          </a:effectLst>
+        </p:spPr>
+        <p:style>
+          <a:lnRef idx="2">
+            <a:schemeClr val="accent1">
+              <a:shade val="15000"/>
+            </a:schemeClr>
+          </a:lnRef>
+          <a:fillRef idx="1">
+            <a:schemeClr val="accent1"/>
+          </a:fillRef>
+          <a:effectRef idx="0">
+            <a:schemeClr val="accent1"/>
+          </a:effectRef>
+          <a:fontRef idx="minor">
+            <a:schemeClr val="lt1"/>
+          </a:fontRef>
+        </p:style>
+        <p:txBody>
+          <a:bodyPr rtlCol="0" anchor="ctr"/>
+          <a:lstStyle/>
+          <a:p>
+            <a:pPr algn="ctr"/>
+            <a:endParaRPr kumimoji="1" lang="ja-JP" altLang="en-US"/>
+          </a:p>
+        </p:txBody>
+      </p:sp>
+      <p:sp>
+        <p:nvSpPr>
+          <p:cNvPr id="34" name="楕円 33">
+            <a:extLst>
+              <a:ext uri="{FF2B5EF4-FFF2-40B4-BE49-F238E27FC236}">
+                <a16:creationId xmlns:a16="http://schemas.microsoft.com/office/drawing/2014/main" id="{78926F89-3734-6FCF-0E0E-9EF4B56CA046}"/>
+              </a:ext>
+            </a:extLst>
+          </p:cNvPr>
+          <p:cNvSpPr>
+            <a:spLocks noChangeAspect="1"/>
+          </p:cNvSpPr>
+          <p:nvPr/>
+        </p:nvSpPr>
+        <p:spPr>
+          <a:xfrm>
+            <a:off x="288936" y="4006805"/>
+            <a:ext cx="235320" cy="235320"/>
+          </a:xfrm>
+          <a:prstGeom prst="ellipse">
+            <a:avLst/>
+          </a:prstGeom>
+          <a:solidFill>
+            <a:srgbClr val="ECEBCD"/>
+          </a:solidFill>
+          <a:ln>
+            <a:noFill/>
+          </a:ln>
+          <a:effectLst>
+            <a:innerShdw blurRad="76200" dist="152400" dir="13500000">
+              <a:prstClr val="black">
+                <a:alpha val="50000"/>
+              </a:prstClr>
+            </a:innerShdw>
+          </a:effectLst>
+        </p:spPr>
+        <p:style>
+          <a:lnRef idx="2">
+            <a:schemeClr val="accent1">
+              <a:shade val="15000"/>
+            </a:schemeClr>
+          </a:lnRef>
+          <a:fillRef idx="1">
+            <a:schemeClr val="accent1"/>
+          </a:fillRef>
+          <a:effectRef idx="0">
+            <a:schemeClr val="accent1"/>
+          </a:effectRef>
+          <a:fontRef idx="minor">
+            <a:schemeClr val="lt1"/>
+          </a:fontRef>
+        </p:style>
+        <p:txBody>
+          <a:bodyPr rtlCol="0" anchor="ctr"/>
+          <a:lstStyle/>
+          <a:p>
+            <a:pPr algn="ctr"/>
+            <a:endParaRPr kumimoji="1" lang="ja-JP" altLang="en-US"/>
+          </a:p>
+        </p:txBody>
+      </p:sp>
+      <p:sp>
+        <p:nvSpPr>
+          <p:cNvPr id="35" name="楕円 34">
+            <a:extLst>
+              <a:ext uri="{FF2B5EF4-FFF2-40B4-BE49-F238E27FC236}">
+                <a16:creationId xmlns:a16="http://schemas.microsoft.com/office/drawing/2014/main" id="{2BF71FAC-79F6-4DCE-99D5-E9092EFA3516}"/>
+              </a:ext>
+            </a:extLst>
+          </p:cNvPr>
+          <p:cNvSpPr>
+            <a:spLocks noChangeAspect="1"/>
+          </p:cNvSpPr>
+          <p:nvPr/>
+        </p:nvSpPr>
+        <p:spPr>
+          <a:xfrm>
+            <a:off x="292503" y="4400745"/>
+            <a:ext cx="235320" cy="235320"/>
+          </a:xfrm>
+          <a:prstGeom prst="ellipse">
+            <a:avLst/>
+          </a:prstGeom>
+          <a:solidFill>
+            <a:srgbClr val="ECEBCD"/>
+          </a:solidFill>
+          <a:ln>
+            <a:noFill/>
+          </a:ln>
+          <a:effectLst>
+            <a:innerShdw blurRad="76200" dist="152400" dir="13500000">
+              <a:prstClr val="black">
+                <a:alpha val="50000"/>
+              </a:prstClr>
+            </a:innerShdw>
+          </a:effectLst>
+        </p:spPr>
+        <p:style>
+          <a:lnRef idx="2">
+            <a:schemeClr val="accent1">
+              <a:shade val="15000"/>
+            </a:schemeClr>
+          </a:lnRef>
+          <a:fillRef idx="1">
+            <a:schemeClr val="accent1"/>
+          </a:fillRef>
+          <a:effectRef idx="0">
+            <a:schemeClr val="accent1"/>
+          </a:effectRef>
+          <a:fontRef idx="minor">
+            <a:schemeClr val="lt1"/>
+          </a:fontRef>
+        </p:style>
+        <p:txBody>
+          <a:bodyPr rtlCol="0" anchor="ctr"/>
+          <a:lstStyle/>
+          <a:p>
+            <a:pPr algn="ctr"/>
+            <a:endParaRPr kumimoji="1" lang="ja-JP" altLang="en-US"/>
+          </a:p>
+        </p:txBody>
+      </p:sp>
+      <p:sp>
+        <p:nvSpPr>
+          <p:cNvPr id="36" name="楕円 35">
+            <a:extLst>
+              <a:ext uri="{FF2B5EF4-FFF2-40B4-BE49-F238E27FC236}">
+                <a16:creationId xmlns:a16="http://schemas.microsoft.com/office/drawing/2014/main" id="{8DFAEE56-6051-7C42-8088-29E8AC164F5C}"/>
+              </a:ext>
+            </a:extLst>
+          </p:cNvPr>
+          <p:cNvSpPr>
+            <a:spLocks noChangeAspect="1"/>
+          </p:cNvSpPr>
+          <p:nvPr/>
+        </p:nvSpPr>
+        <p:spPr>
+          <a:xfrm>
+            <a:off x="292053" y="4791663"/>
+            <a:ext cx="235320" cy="235320"/>
+          </a:xfrm>
+          <a:prstGeom prst="ellipse">
+            <a:avLst/>
+          </a:prstGeom>
+          <a:solidFill>
+            <a:srgbClr val="ECEBCD"/>
+          </a:solidFill>
+          <a:ln>
+            <a:noFill/>
+          </a:ln>
+          <a:effectLst>
+            <a:innerShdw blurRad="76200" dist="152400" dir="13500000">
+              <a:prstClr val="black">
+                <a:alpha val="50000"/>
+              </a:prstClr>
+            </a:innerShdw>
+          </a:effectLst>
+        </p:spPr>
+        <p:style>
+          <a:lnRef idx="2">
+            <a:schemeClr val="accent1">
+              <a:shade val="15000"/>
+            </a:schemeClr>
+          </a:lnRef>
+          <a:fillRef idx="1">
+            <a:schemeClr val="accent1"/>
+          </a:fillRef>
+          <a:effectRef idx="0">
+            <a:schemeClr val="accent1"/>
+          </a:effectRef>
+          <a:fontRef idx="minor">
+            <a:schemeClr val="lt1"/>
+          </a:fontRef>
+        </p:style>
+        <p:txBody>
+          <a:bodyPr rtlCol="0" anchor="ctr"/>
+          <a:lstStyle/>
+          <a:p>
+            <a:pPr algn="ctr"/>
+            <a:endParaRPr kumimoji="1" lang="ja-JP" altLang="en-US"/>
+          </a:p>
+        </p:txBody>
+      </p:sp>
+      <p:sp>
+        <p:nvSpPr>
+          <p:cNvPr id="37" name="楕円 36">
+            <a:extLst>
+              <a:ext uri="{FF2B5EF4-FFF2-40B4-BE49-F238E27FC236}">
+                <a16:creationId xmlns:a16="http://schemas.microsoft.com/office/drawing/2014/main" id="{D24D3B3E-78EC-34D3-FE04-446446D01ABD}"/>
+              </a:ext>
+            </a:extLst>
+          </p:cNvPr>
+          <p:cNvSpPr>
+            <a:spLocks noChangeAspect="1"/>
+          </p:cNvSpPr>
+          <p:nvPr/>
+        </p:nvSpPr>
+        <p:spPr>
+          <a:xfrm>
+            <a:off x="288936" y="5182581"/>
+            <a:ext cx="235320" cy="235320"/>
+          </a:xfrm>
+          <a:prstGeom prst="ellipse">
+            <a:avLst/>
+          </a:prstGeom>
+          <a:solidFill>
+            <a:srgbClr val="ECEBCD"/>
+          </a:solidFill>
+          <a:ln>
+            <a:noFill/>
+          </a:ln>
+          <a:effectLst>
+            <a:innerShdw blurRad="76200" dist="152400" dir="13500000">
+              <a:prstClr val="black">
+                <a:alpha val="50000"/>
+              </a:prstClr>
+            </a:innerShdw>
+          </a:effectLst>
+        </p:spPr>
+        <p:style>
+          <a:lnRef idx="2">
+            <a:schemeClr val="accent1">
+              <a:shade val="15000"/>
+            </a:schemeClr>
+          </a:lnRef>
+          <a:fillRef idx="1">
+            <a:schemeClr val="accent1"/>
+          </a:fillRef>
+          <a:effectRef idx="0">
+            <a:schemeClr val="accent1"/>
+          </a:effectRef>
+          <a:fontRef idx="minor">
+            <a:schemeClr val="lt1"/>
+          </a:fontRef>
+        </p:style>
+        <p:txBody>
+          <a:bodyPr rtlCol="0" anchor="ctr"/>
+          <a:lstStyle/>
+          <a:p>
+            <a:pPr algn="ctr"/>
+            <a:endParaRPr kumimoji="1" lang="ja-JP" altLang="en-US"/>
+          </a:p>
+        </p:txBody>
+      </p:sp>
+      <p:sp>
+        <p:nvSpPr>
+          <p:cNvPr id="38" name="楕円 37">
+            <a:extLst>
+              <a:ext uri="{FF2B5EF4-FFF2-40B4-BE49-F238E27FC236}">
+                <a16:creationId xmlns:a16="http://schemas.microsoft.com/office/drawing/2014/main" id="{1913FE2C-FE6E-7708-04C5-096903F955D4}"/>
+              </a:ext>
+            </a:extLst>
+          </p:cNvPr>
+          <p:cNvSpPr>
+            <a:spLocks noChangeAspect="1"/>
+          </p:cNvSpPr>
+          <p:nvPr/>
+        </p:nvSpPr>
+        <p:spPr>
+          <a:xfrm>
+            <a:off x="297388" y="5576521"/>
+            <a:ext cx="235320" cy="235320"/>
+          </a:xfrm>
+          <a:prstGeom prst="ellipse">
+            <a:avLst/>
+          </a:prstGeom>
+          <a:solidFill>
+            <a:srgbClr val="ECEBCD"/>
+          </a:solidFill>
+          <a:ln>
+            <a:noFill/>
+          </a:ln>
+          <a:effectLst>
+            <a:innerShdw blurRad="76200" dist="152400" dir="13500000">
+              <a:prstClr val="black">
+                <a:alpha val="50000"/>
+              </a:prstClr>
+            </a:innerShdw>
+          </a:effectLst>
+        </p:spPr>
+        <p:style>
+          <a:lnRef idx="2">
+            <a:schemeClr val="accent1">
+              <a:shade val="15000"/>
+            </a:schemeClr>
+          </a:lnRef>
+          <a:fillRef idx="1">
+            <a:schemeClr val="accent1"/>
+          </a:fillRef>
+          <a:effectRef idx="0">
+            <a:schemeClr val="accent1"/>
+          </a:effectRef>
+          <a:fontRef idx="minor">
+            <a:schemeClr val="lt1"/>
+          </a:fontRef>
+        </p:style>
+        <p:txBody>
+          <a:bodyPr rtlCol="0" anchor="ctr"/>
+          <a:lstStyle/>
+          <a:p>
+            <a:pPr algn="ctr"/>
+            <a:endParaRPr kumimoji="1" lang="ja-JP" altLang="en-US"/>
+          </a:p>
+        </p:txBody>
+      </p:sp>
+      <p:sp>
+        <p:nvSpPr>
+          <p:cNvPr id="39" name="楕円 38">
+            <a:extLst>
+              <a:ext uri="{FF2B5EF4-FFF2-40B4-BE49-F238E27FC236}">
+                <a16:creationId xmlns:a16="http://schemas.microsoft.com/office/drawing/2014/main" id="{634AFD09-EC4B-1671-0898-99752A1FBD59}"/>
+              </a:ext>
+            </a:extLst>
+          </p:cNvPr>
+          <p:cNvSpPr>
+            <a:spLocks noChangeAspect="1"/>
+          </p:cNvSpPr>
+          <p:nvPr/>
+        </p:nvSpPr>
+        <p:spPr>
+          <a:xfrm>
+            <a:off x="297388" y="5970566"/>
+            <a:ext cx="235320" cy="235320"/>
+          </a:xfrm>
+          <a:prstGeom prst="ellipse">
+            <a:avLst/>
+          </a:prstGeom>
+          <a:solidFill>
+            <a:srgbClr val="ECEBCD"/>
+          </a:solidFill>
+          <a:ln>
+            <a:noFill/>
+          </a:ln>
+          <a:effectLst>
+            <a:innerShdw blurRad="76200" dist="152400" dir="13500000">
+              <a:prstClr val="black">
+                <a:alpha val="50000"/>
+              </a:prstClr>
+            </a:innerShdw>
+          </a:effectLst>
+        </p:spPr>
+        <p:style>
+          <a:lnRef idx="2">
+            <a:schemeClr val="accent1">
+              <a:shade val="15000"/>
+            </a:schemeClr>
+          </a:lnRef>
+          <a:fillRef idx="1">
+            <a:schemeClr val="accent1"/>
+          </a:fillRef>
+          <a:effectRef idx="0">
+            <a:schemeClr val="accent1"/>
+          </a:effectRef>
+          <a:fontRef idx="minor">
+            <a:schemeClr val="lt1"/>
+          </a:fontRef>
+        </p:style>
+        <p:txBody>
+          <a:bodyPr rtlCol="0" anchor="ctr"/>
+          <a:lstStyle/>
+          <a:p>
+            <a:pPr algn="ctr"/>
+            <a:endParaRPr kumimoji="1" lang="ja-JP" altLang="en-US"/>
+          </a:p>
+        </p:txBody>
+      </p:sp>
+      <p:cxnSp>
+        <p:nvCxnSpPr>
+          <p:cNvPr id="40" name="直線コネクタ 39">
+            <a:extLst>
+              <a:ext uri="{FF2B5EF4-FFF2-40B4-BE49-F238E27FC236}">
+                <a16:creationId xmlns:a16="http://schemas.microsoft.com/office/drawing/2014/main" id="{507D5311-10D2-4517-0365-54E5B7AE900E}"/>
+              </a:ext>
+            </a:extLst>
+          </p:cNvPr>
+          <p:cNvCxnSpPr/>
+          <p:nvPr/>
+        </p:nvCxnSpPr>
+        <p:spPr>
+          <a:xfrm>
+            <a:off x="2522740" y="1837806"/>
+            <a:ext cx="4667250" cy="0"/>
+          </a:xfrm>
+          <a:prstGeom prst="line">
+            <a:avLst/>
+          </a:prstGeom>
+          <a:ln>
+            <a:solidFill>
+              <a:srgbClr val="00ABF5"/>
+            </a:solidFill>
+          </a:ln>
+        </p:spPr>
+        <p:style>
+          <a:lnRef idx="1">
+            <a:schemeClr val="accent1"/>
+          </a:lnRef>
+          <a:fillRef idx="0">
+            <a:schemeClr val="accent1"/>
+          </a:fillRef>
+          <a:effectRef idx="0">
+            <a:schemeClr val="accent1"/>
+          </a:effectRef>
+          <a:fontRef idx="minor">
+            <a:schemeClr val="tx1"/>
+          </a:fontRef>
+        </p:style>
+      </p:cxnSp>
+      <p:cxnSp>
+        <p:nvCxnSpPr>
+          <p:cNvPr id="41" name="直線コネクタ 40">
+            <a:extLst>
+              <a:ext uri="{FF2B5EF4-FFF2-40B4-BE49-F238E27FC236}">
+                <a16:creationId xmlns:a16="http://schemas.microsoft.com/office/drawing/2014/main" id="{8E7B1FE9-CFF8-357A-7A0A-79672D9FC9DB}"/>
+              </a:ext>
+            </a:extLst>
+          </p:cNvPr>
+          <p:cNvCxnSpPr/>
+          <p:nvPr/>
+        </p:nvCxnSpPr>
+        <p:spPr>
+          <a:xfrm>
+            <a:off x="2522740" y="2035439"/>
+            <a:ext cx="4667250" cy="0"/>
+          </a:xfrm>
+          <a:prstGeom prst="line">
+            <a:avLst/>
+          </a:prstGeom>
+          <a:ln>
+            <a:solidFill>
+              <a:srgbClr val="00ABF5"/>
+            </a:solidFill>
+          </a:ln>
+        </p:spPr>
+        <p:style>
+          <a:lnRef idx="1">
+            <a:schemeClr val="accent1"/>
+          </a:lnRef>
+          <a:fillRef idx="0">
+            <a:schemeClr val="accent1"/>
+          </a:fillRef>
+          <a:effectRef idx="0">
+            <a:schemeClr val="accent1"/>
+          </a:effectRef>
+          <a:fontRef idx="minor">
+            <a:schemeClr val="tx1"/>
+          </a:fontRef>
+        </p:style>
+      </p:cxnSp>
+      <p:cxnSp>
+        <p:nvCxnSpPr>
+          <p:cNvPr id="42" name="直線コネクタ 41">
+            <a:extLst>
+              <a:ext uri="{FF2B5EF4-FFF2-40B4-BE49-F238E27FC236}">
+                <a16:creationId xmlns:a16="http://schemas.microsoft.com/office/drawing/2014/main" id="{27BFC7BE-3347-901D-A74F-CC955D86E8E1}"/>
+              </a:ext>
+            </a:extLst>
+          </p:cNvPr>
+          <p:cNvCxnSpPr/>
+          <p:nvPr/>
+        </p:nvCxnSpPr>
+        <p:spPr>
+          <a:xfrm>
+            <a:off x="2522740" y="2265910"/>
+            <a:ext cx="4667250" cy="0"/>
+          </a:xfrm>
+          <a:prstGeom prst="line">
+            <a:avLst/>
+          </a:prstGeom>
+          <a:ln>
+            <a:solidFill>
+              <a:srgbClr val="00ABF5"/>
+            </a:solidFill>
+          </a:ln>
+        </p:spPr>
+        <p:style>
+          <a:lnRef idx="1">
+            <a:schemeClr val="accent1"/>
+          </a:lnRef>
+          <a:fillRef idx="0">
+            <a:schemeClr val="accent1"/>
+          </a:fillRef>
+          <a:effectRef idx="0">
+            <a:schemeClr val="accent1"/>
+          </a:effectRef>
+          <a:fontRef idx="minor">
+            <a:schemeClr val="tx1"/>
+          </a:fontRef>
+        </p:style>
+      </p:cxnSp>
     </p:spTree>
     <p:extLst>
       <p:ext uri="{BB962C8B-B14F-4D97-AF65-F5344CB8AC3E}">

--- a/ページデザイン.pptx
+++ b/ページデザイン.pptx
@@ -3666,65 +3666,1916 @@
           </a:p>
         </p:txBody>
       </p:sp>
-      <p:sp>
-        <p:nvSpPr>
-          <p:cNvPr id="10" name="正方形/長方形 9">
+      <p:grpSp>
+        <p:nvGrpSpPr>
+          <p:cNvPr id="44" name="グループ化 43">
             <a:extLst>
               <a:ext uri="{FF2B5EF4-FFF2-40B4-BE49-F238E27FC236}">
-                <a16:creationId xmlns:a16="http://schemas.microsoft.com/office/drawing/2014/main" id="{B08902CA-B074-3D52-3A1D-9E410861EEA3}"/>
+                <a16:creationId xmlns:a16="http://schemas.microsoft.com/office/drawing/2014/main" id="{303AC28D-B19E-3F7C-ADBF-3F32E478C6B1}"/>
               </a:ext>
             </a:extLst>
           </p:cNvPr>
-          <p:cNvSpPr/>
+          <p:cNvGrpSpPr/>
           <p:nvPr/>
-        </p:nvSpPr>
-        <p:spPr>
+        </p:nvGrpSpPr>
+        <p:grpSpPr>
+          <a:xfrm>
+            <a:off x="1893570" y="784858"/>
+            <a:ext cx="10001250" cy="5539729"/>
+            <a:chOff x="1893570" y="784858"/>
+            <a:chExt cx="10001250" cy="5539729"/>
+          </a:xfrm>
+        </p:grpSpPr>
+        <p:sp>
+          <p:nvSpPr>
+            <p:cNvPr id="11" name="正方形/長方形 10">
+              <a:extLst>
+                <a:ext uri="{FF2B5EF4-FFF2-40B4-BE49-F238E27FC236}">
+                  <a16:creationId xmlns:a16="http://schemas.microsoft.com/office/drawing/2014/main" id="{933CF007-362F-44D6-2FA8-0BADFF478777}"/>
+                </a:ext>
+              </a:extLst>
+            </p:cNvPr>
+            <p:cNvSpPr/>
+            <p:nvPr/>
+          </p:nvSpPr>
+          <p:spPr>
+            <a:xfrm>
+              <a:off x="1893570" y="784858"/>
+              <a:ext cx="10001250" cy="5539729"/>
+            </a:xfrm>
+            <a:prstGeom prst="rect">
+              <a:avLst/>
+            </a:prstGeom>
+            <a:solidFill>
+              <a:schemeClr val="bg1"/>
+            </a:solidFill>
+            <a:ln>
+              <a:noFill/>
+            </a:ln>
+            <a:effectLst>
+              <a:outerShdw blurRad="50800" dist="152400" dir="2700000" algn="ctr" rotWithShape="0">
+                <a:srgbClr val="000000">
+                  <a:alpha val="43137"/>
+                </a:srgbClr>
+              </a:outerShdw>
+            </a:effectLst>
+          </p:spPr>
+          <p:style>
+            <a:lnRef idx="2">
+              <a:schemeClr val="accent1">
+                <a:shade val="15000"/>
+              </a:schemeClr>
+            </a:lnRef>
+            <a:fillRef idx="1">
+              <a:schemeClr val="accent1"/>
+            </a:fillRef>
+            <a:effectRef idx="0">
+              <a:schemeClr val="accent1"/>
+            </a:effectRef>
+            <a:fontRef idx="minor">
+              <a:schemeClr val="lt1"/>
+            </a:fontRef>
+          </p:style>
+          <p:txBody>
+            <a:bodyPr rtlCol="0" anchor="ctr"/>
+            <a:lstStyle/>
+            <a:p>
+              <a:pPr algn="ctr"/>
+              <a:endParaRPr kumimoji="1" lang="ja-JP" altLang="en-US"/>
+            </a:p>
+          </p:txBody>
+        </p:sp>
+        <p:grpSp>
+          <p:nvGrpSpPr>
+            <p:cNvPr id="43" name="グループ化 42">
+              <a:extLst>
+                <a:ext uri="{FF2B5EF4-FFF2-40B4-BE49-F238E27FC236}">
+                  <a16:creationId xmlns:a16="http://schemas.microsoft.com/office/drawing/2014/main" id="{9645533A-4C40-29CD-ADF8-190F8FF9474C}"/>
+                </a:ext>
+              </a:extLst>
+            </p:cNvPr>
+            <p:cNvGrpSpPr/>
+            <p:nvPr/>
+          </p:nvGrpSpPr>
+          <p:grpSpPr>
+            <a:xfrm>
+              <a:off x="1988820" y="894229"/>
+              <a:ext cx="252119" cy="5349329"/>
+              <a:chOff x="1988820" y="894229"/>
+              <a:chExt cx="252119" cy="5349329"/>
+            </a:xfrm>
+          </p:grpSpPr>
+          <p:sp>
+            <p:nvSpPr>
+              <p:cNvPr id="6" name="楕円 5">
+                <a:extLst>
+                  <a:ext uri="{FF2B5EF4-FFF2-40B4-BE49-F238E27FC236}">
+                    <a16:creationId xmlns:a16="http://schemas.microsoft.com/office/drawing/2014/main" id="{CD1C5EB0-6982-FDB0-D416-3F6B9A7C21CE}"/>
+                  </a:ext>
+                </a:extLst>
+              </p:cNvPr>
+              <p:cNvSpPr>
+                <a:spLocks noChangeAspect="1"/>
+              </p:cNvSpPr>
+              <p:nvPr/>
+            </p:nvSpPr>
+            <p:spPr>
+              <a:xfrm>
+                <a:off x="1988820" y="894229"/>
+                <a:ext cx="235320" cy="235320"/>
+              </a:xfrm>
+              <a:prstGeom prst="ellipse">
+                <a:avLst/>
+              </a:prstGeom>
+              <a:solidFill>
+                <a:srgbClr val="ECEBCD"/>
+              </a:solidFill>
+              <a:ln>
+                <a:noFill/>
+              </a:ln>
+              <a:effectLst>
+                <a:innerShdw blurRad="76200" dist="152400" dir="13500000">
+                  <a:prstClr val="black">
+                    <a:alpha val="50000"/>
+                  </a:prstClr>
+                </a:innerShdw>
+              </a:effectLst>
+            </p:spPr>
+            <p:style>
+              <a:lnRef idx="2">
+                <a:schemeClr val="accent1">
+                  <a:shade val="15000"/>
+                </a:schemeClr>
+              </a:lnRef>
+              <a:fillRef idx="1">
+                <a:schemeClr val="accent1"/>
+              </a:fillRef>
+              <a:effectRef idx="0">
+                <a:schemeClr val="accent1"/>
+              </a:effectRef>
+              <a:fontRef idx="minor">
+                <a:schemeClr val="lt1"/>
+              </a:fontRef>
+            </p:style>
+            <p:txBody>
+              <a:bodyPr rtlCol="0" anchor="ctr"/>
+              <a:lstStyle/>
+              <a:p>
+                <a:pPr algn="ctr"/>
+                <a:endParaRPr kumimoji="1" lang="ja-JP" altLang="en-US"/>
+              </a:p>
+            </p:txBody>
+          </p:sp>
+          <p:sp>
+            <p:nvSpPr>
+              <p:cNvPr id="8" name="楕円 7">
+                <a:extLst>
+                  <a:ext uri="{FF2B5EF4-FFF2-40B4-BE49-F238E27FC236}">
+                    <a16:creationId xmlns:a16="http://schemas.microsoft.com/office/drawing/2014/main" id="{BCE1B27A-2278-DB5A-890F-A774E6170CB4}"/>
+                  </a:ext>
+                </a:extLst>
+              </p:cNvPr>
+              <p:cNvSpPr>
+                <a:spLocks noChangeAspect="1"/>
+              </p:cNvSpPr>
+              <p:nvPr/>
+            </p:nvSpPr>
+            <p:spPr>
+              <a:xfrm>
+                <a:off x="1988820" y="1288253"/>
+                <a:ext cx="235320" cy="235320"/>
+              </a:xfrm>
+              <a:prstGeom prst="ellipse">
+                <a:avLst/>
+              </a:prstGeom>
+              <a:solidFill>
+                <a:srgbClr val="ECEBCD"/>
+              </a:solidFill>
+              <a:ln>
+                <a:noFill/>
+              </a:ln>
+              <a:effectLst>
+                <a:innerShdw blurRad="76200" dist="152400" dir="13500000">
+                  <a:prstClr val="black">
+                    <a:alpha val="50000"/>
+                  </a:prstClr>
+                </a:innerShdw>
+              </a:effectLst>
+            </p:spPr>
+            <p:style>
+              <a:lnRef idx="2">
+                <a:schemeClr val="accent1">
+                  <a:shade val="15000"/>
+                </a:schemeClr>
+              </a:lnRef>
+              <a:fillRef idx="1">
+                <a:schemeClr val="accent1"/>
+              </a:fillRef>
+              <a:effectRef idx="0">
+                <a:schemeClr val="accent1"/>
+              </a:effectRef>
+              <a:fontRef idx="minor">
+                <a:schemeClr val="lt1"/>
+              </a:fontRef>
+            </p:style>
+            <p:txBody>
+              <a:bodyPr rtlCol="0" anchor="ctr"/>
+              <a:lstStyle/>
+              <a:p>
+                <a:pPr algn="ctr"/>
+                <a:endParaRPr kumimoji="1" lang="ja-JP" altLang="en-US"/>
+              </a:p>
+            </p:txBody>
+          </p:sp>
+          <p:sp>
+            <p:nvSpPr>
+              <p:cNvPr id="14" name="楕円 13">
+                <a:extLst>
+                  <a:ext uri="{FF2B5EF4-FFF2-40B4-BE49-F238E27FC236}">
+                    <a16:creationId xmlns:a16="http://schemas.microsoft.com/office/drawing/2014/main" id="{DDED9491-2021-725F-ACFF-565E48030B10}"/>
+                  </a:ext>
+                </a:extLst>
+              </p:cNvPr>
+              <p:cNvSpPr>
+                <a:spLocks noChangeAspect="1"/>
+              </p:cNvSpPr>
+              <p:nvPr/>
+            </p:nvSpPr>
+            <p:spPr>
+              <a:xfrm>
+                <a:off x="1992387" y="1682193"/>
+                <a:ext cx="235320" cy="235320"/>
+              </a:xfrm>
+              <a:prstGeom prst="ellipse">
+                <a:avLst/>
+              </a:prstGeom>
+              <a:solidFill>
+                <a:srgbClr val="ECEBCD"/>
+              </a:solidFill>
+              <a:ln>
+                <a:noFill/>
+              </a:ln>
+              <a:effectLst>
+                <a:innerShdw blurRad="76200" dist="152400" dir="13500000">
+                  <a:prstClr val="black">
+                    <a:alpha val="50000"/>
+                  </a:prstClr>
+                </a:innerShdw>
+              </a:effectLst>
+            </p:spPr>
+            <p:style>
+              <a:lnRef idx="2">
+                <a:schemeClr val="accent1">
+                  <a:shade val="15000"/>
+                </a:schemeClr>
+              </a:lnRef>
+              <a:fillRef idx="1">
+                <a:schemeClr val="accent1"/>
+              </a:fillRef>
+              <a:effectRef idx="0">
+                <a:schemeClr val="accent1"/>
+              </a:effectRef>
+              <a:fontRef idx="minor">
+                <a:schemeClr val="lt1"/>
+              </a:fontRef>
+            </p:style>
+            <p:txBody>
+              <a:bodyPr rtlCol="0" anchor="ctr"/>
+              <a:lstStyle/>
+              <a:p>
+                <a:pPr algn="ctr"/>
+                <a:endParaRPr kumimoji="1" lang="ja-JP" altLang="en-US"/>
+              </a:p>
+            </p:txBody>
+          </p:sp>
+          <p:sp>
+            <p:nvSpPr>
+              <p:cNvPr id="15" name="楕円 14">
+                <a:extLst>
+                  <a:ext uri="{FF2B5EF4-FFF2-40B4-BE49-F238E27FC236}">
+                    <a16:creationId xmlns:a16="http://schemas.microsoft.com/office/drawing/2014/main" id="{B77297BB-693D-9401-AB1F-4DBE10EED46D}"/>
+                  </a:ext>
+                </a:extLst>
+              </p:cNvPr>
+              <p:cNvSpPr>
+                <a:spLocks noChangeAspect="1"/>
+              </p:cNvSpPr>
+              <p:nvPr/>
+            </p:nvSpPr>
+            <p:spPr>
+              <a:xfrm>
+                <a:off x="1991937" y="2073111"/>
+                <a:ext cx="235320" cy="235320"/>
+              </a:xfrm>
+              <a:prstGeom prst="ellipse">
+                <a:avLst/>
+              </a:prstGeom>
+              <a:solidFill>
+                <a:srgbClr val="ECEBCD"/>
+              </a:solidFill>
+              <a:ln>
+                <a:noFill/>
+              </a:ln>
+              <a:effectLst>
+                <a:innerShdw blurRad="76200" dist="152400" dir="13500000">
+                  <a:prstClr val="black">
+                    <a:alpha val="50000"/>
+                  </a:prstClr>
+                </a:innerShdw>
+              </a:effectLst>
+            </p:spPr>
+            <p:style>
+              <a:lnRef idx="2">
+                <a:schemeClr val="accent1">
+                  <a:shade val="15000"/>
+                </a:schemeClr>
+              </a:lnRef>
+              <a:fillRef idx="1">
+                <a:schemeClr val="accent1"/>
+              </a:fillRef>
+              <a:effectRef idx="0">
+                <a:schemeClr val="accent1"/>
+              </a:effectRef>
+              <a:fontRef idx="minor">
+                <a:schemeClr val="lt1"/>
+              </a:fontRef>
+            </p:style>
+            <p:txBody>
+              <a:bodyPr rtlCol="0" anchor="ctr"/>
+              <a:lstStyle/>
+              <a:p>
+                <a:pPr algn="ctr"/>
+                <a:endParaRPr kumimoji="1" lang="ja-JP" altLang="en-US"/>
+              </a:p>
+            </p:txBody>
+          </p:sp>
+          <p:sp>
+            <p:nvSpPr>
+              <p:cNvPr id="16" name="楕円 15">
+                <a:extLst>
+                  <a:ext uri="{FF2B5EF4-FFF2-40B4-BE49-F238E27FC236}">
+                    <a16:creationId xmlns:a16="http://schemas.microsoft.com/office/drawing/2014/main" id="{F4025780-1019-E06A-9593-21DAE83D254D}"/>
+                  </a:ext>
+                </a:extLst>
+              </p:cNvPr>
+              <p:cNvSpPr>
+                <a:spLocks noChangeAspect="1"/>
+              </p:cNvSpPr>
+              <p:nvPr/>
+            </p:nvSpPr>
+            <p:spPr>
+              <a:xfrm>
+                <a:off x="1988820" y="2464029"/>
+                <a:ext cx="235320" cy="235320"/>
+              </a:xfrm>
+              <a:prstGeom prst="ellipse">
+                <a:avLst/>
+              </a:prstGeom>
+              <a:solidFill>
+                <a:srgbClr val="ECEBCD"/>
+              </a:solidFill>
+              <a:ln>
+                <a:noFill/>
+              </a:ln>
+              <a:effectLst>
+                <a:innerShdw blurRad="76200" dist="152400" dir="13500000">
+                  <a:prstClr val="black">
+                    <a:alpha val="50000"/>
+                  </a:prstClr>
+                </a:innerShdw>
+              </a:effectLst>
+            </p:spPr>
+            <p:style>
+              <a:lnRef idx="2">
+                <a:schemeClr val="accent1">
+                  <a:shade val="15000"/>
+                </a:schemeClr>
+              </a:lnRef>
+              <a:fillRef idx="1">
+                <a:schemeClr val="accent1"/>
+              </a:fillRef>
+              <a:effectRef idx="0">
+                <a:schemeClr val="accent1"/>
+              </a:effectRef>
+              <a:fontRef idx="minor">
+                <a:schemeClr val="lt1"/>
+              </a:fontRef>
+            </p:style>
+            <p:txBody>
+              <a:bodyPr rtlCol="0" anchor="ctr"/>
+              <a:lstStyle/>
+              <a:p>
+                <a:pPr algn="ctr"/>
+                <a:endParaRPr kumimoji="1" lang="ja-JP" altLang="en-US"/>
+              </a:p>
+            </p:txBody>
+          </p:sp>
+          <p:sp>
+            <p:nvSpPr>
+              <p:cNvPr id="17" name="楕円 16">
+                <a:extLst>
+                  <a:ext uri="{FF2B5EF4-FFF2-40B4-BE49-F238E27FC236}">
+                    <a16:creationId xmlns:a16="http://schemas.microsoft.com/office/drawing/2014/main" id="{8580EB85-1ABD-907B-33B8-8DE65837C6EF}"/>
+                  </a:ext>
+                </a:extLst>
+              </p:cNvPr>
+              <p:cNvSpPr>
+                <a:spLocks noChangeAspect="1"/>
+              </p:cNvSpPr>
+              <p:nvPr/>
+            </p:nvSpPr>
+            <p:spPr>
+              <a:xfrm>
+                <a:off x="1997272" y="2857969"/>
+                <a:ext cx="235320" cy="235320"/>
+              </a:xfrm>
+              <a:prstGeom prst="ellipse">
+                <a:avLst/>
+              </a:prstGeom>
+              <a:solidFill>
+                <a:srgbClr val="ECEBCD"/>
+              </a:solidFill>
+              <a:ln>
+                <a:noFill/>
+              </a:ln>
+              <a:effectLst>
+                <a:innerShdw blurRad="76200" dist="152400" dir="13500000">
+                  <a:prstClr val="black">
+                    <a:alpha val="50000"/>
+                  </a:prstClr>
+                </a:innerShdw>
+              </a:effectLst>
+            </p:spPr>
+            <p:style>
+              <a:lnRef idx="2">
+                <a:schemeClr val="accent1">
+                  <a:shade val="15000"/>
+                </a:schemeClr>
+              </a:lnRef>
+              <a:fillRef idx="1">
+                <a:schemeClr val="accent1"/>
+              </a:fillRef>
+              <a:effectRef idx="0">
+                <a:schemeClr val="accent1"/>
+              </a:effectRef>
+              <a:fontRef idx="minor">
+                <a:schemeClr val="lt1"/>
+              </a:fontRef>
+            </p:style>
+            <p:txBody>
+              <a:bodyPr rtlCol="0" anchor="ctr"/>
+              <a:lstStyle/>
+              <a:p>
+                <a:pPr algn="ctr"/>
+                <a:endParaRPr kumimoji="1" lang="ja-JP" altLang="en-US"/>
+              </a:p>
+            </p:txBody>
+          </p:sp>
+          <p:sp>
+            <p:nvSpPr>
+              <p:cNvPr id="18" name="楕円 17">
+                <a:extLst>
+                  <a:ext uri="{FF2B5EF4-FFF2-40B4-BE49-F238E27FC236}">
+                    <a16:creationId xmlns:a16="http://schemas.microsoft.com/office/drawing/2014/main" id="{8BA75759-BAD6-879F-4822-59308538554C}"/>
+                  </a:ext>
+                </a:extLst>
+              </p:cNvPr>
+              <p:cNvSpPr>
+                <a:spLocks noChangeAspect="1"/>
+              </p:cNvSpPr>
+              <p:nvPr/>
+            </p:nvSpPr>
+            <p:spPr>
+              <a:xfrm>
+                <a:off x="1997272" y="3252014"/>
+                <a:ext cx="235320" cy="235320"/>
+              </a:xfrm>
+              <a:prstGeom prst="ellipse">
+                <a:avLst/>
+              </a:prstGeom>
+              <a:solidFill>
+                <a:srgbClr val="ECEBCD"/>
+              </a:solidFill>
+              <a:ln>
+                <a:noFill/>
+              </a:ln>
+              <a:effectLst>
+                <a:innerShdw blurRad="76200" dist="152400" dir="13500000">
+                  <a:prstClr val="black">
+                    <a:alpha val="50000"/>
+                  </a:prstClr>
+                </a:innerShdw>
+              </a:effectLst>
+            </p:spPr>
+            <p:style>
+              <a:lnRef idx="2">
+                <a:schemeClr val="accent1">
+                  <a:shade val="15000"/>
+                </a:schemeClr>
+              </a:lnRef>
+              <a:fillRef idx="1">
+                <a:schemeClr val="accent1"/>
+              </a:fillRef>
+              <a:effectRef idx="0">
+                <a:schemeClr val="accent1"/>
+              </a:effectRef>
+              <a:fontRef idx="minor">
+                <a:schemeClr val="lt1"/>
+              </a:fontRef>
+            </p:style>
+            <p:txBody>
+              <a:bodyPr rtlCol="0" anchor="ctr"/>
+              <a:lstStyle/>
+              <a:p>
+                <a:pPr algn="ctr"/>
+                <a:endParaRPr kumimoji="1" lang="ja-JP" altLang="en-US"/>
+              </a:p>
+            </p:txBody>
+          </p:sp>
+          <p:sp>
+            <p:nvSpPr>
+              <p:cNvPr id="19" name="楕円 18">
+                <a:extLst>
+                  <a:ext uri="{FF2B5EF4-FFF2-40B4-BE49-F238E27FC236}">
+                    <a16:creationId xmlns:a16="http://schemas.microsoft.com/office/drawing/2014/main" id="{2ECC8B88-F2D6-3319-7E3F-554A15065B6C}"/>
+                  </a:ext>
+                </a:extLst>
+              </p:cNvPr>
+              <p:cNvSpPr>
+                <a:spLocks noChangeAspect="1"/>
+              </p:cNvSpPr>
+              <p:nvPr/>
+            </p:nvSpPr>
+            <p:spPr>
+              <a:xfrm>
+                <a:off x="1997167" y="3650453"/>
+                <a:ext cx="235320" cy="235320"/>
+              </a:xfrm>
+              <a:prstGeom prst="ellipse">
+                <a:avLst/>
+              </a:prstGeom>
+              <a:solidFill>
+                <a:srgbClr val="ECEBCD"/>
+              </a:solidFill>
+              <a:ln>
+                <a:noFill/>
+              </a:ln>
+              <a:effectLst>
+                <a:innerShdw blurRad="76200" dist="152400" dir="13500000">
+                  <a:prstClr val="black">
+                    <a:alpha val="50000"/>
+                  </a:prstClr>
+                </a:innerShdw>
+              </a:effectLst>
+            </p:spPr>
+            <p:style>
+              <a:lnRef idx="2">
+                <a:schemeClr val="accent1">
+                  <a:shade val="15000"/>
+                </a:schemeClr>
+              </a:lnRef>
+              <a:fillRef idx="1">
+                <a:schemeClr val="accent1"/>
+              </a:fillRef>
+              <a:effectRef idx="0">
+                <a:schemeClr val="accent1"/>
+              </a:effectRef>
+              <a:fontRef idx="minor">
+                <a:schemeClr val="lt1"/>
+              </a:fontRef>
+            </p:style>
+            <p:txBody>
+              <a:bodyPr rtlCol="0" anchor="ctr"/>
+              <a:lstStyle/>
+              <a:p>
+                <a:pPr algn="ctr"/>
+                <a:endParaRPr kumimoji="1" lang="ja-JP" altLang="en-US"/>
+              </a:p>
+            </p:txBody>
+          </p:sp>
+          <p:sp>
+            <p:nvSpPr>
+              <p:cNvPr id="20" name="楕円 19">
+                <a:extLst>
+                  <a:ext uri="{FF2B5EF4-FFF2-40B4-BE49-F238E27FC236}">
+                    <a16:creationId xmlns:a16="http://schemas.microsoft.com/office/drawing/2014/main" id="{EDBCCBB9-D3E4-4E48-367F-3998039F9826}"/>
+                  </a:ext>
+                </a:extLst>
+              </p:cNvPr>
+              <p:cNvSpPr>
+                <a:spLocks noChangeAspect="1"/>
+              </p:cNvSpPr>
+              <p:nvPr/>
+            </p:nvSpPr>
+            <p:spPr>
+              <a:xfrm>
+                <a:off x="1997167" y="4044477"/>
+                <a:ext cx="235320" cy="235320"/>
+              </a:xfrm>
+              <a:prstGeom prst="ellipse">
+                <a:avLst/>
+              </a:prstGeom>
+              <a:solidFill>
+                <a:srgbClr val="ECEBCD"/>
+              </a:solidFill>
+              <a:ln>
+                <a:noFill/>
+              </a:ln>
+              <a:effectLst>
+                <a:innerShdw blurRad="76200" dist="152400" dir="13500000">
+                  <a:prstClr val="black">
+                    <a:alpha val="50000"/>
+                  </a:prstClr>
+                </a:innerShdw>
+              </a:effectLst>
+            </p:spPr>
+            <p:style>
+              <a:lnRef idx="2">
+                <a:schemeClr val="accent1">
+                  <a:shade val="15000"/>
+                </a:schemeClr>
+              </a:lnRef>
+              <a:fillRef idx="1">
+                <a:schemeClr val="accent1"/>
+              </a:fillRef>
+              <a:effectRef idx="0">
+                <a:schemeClr val="accent1"/>
+              </a:effectRef>
+              <a:fontRef idx="minor">
+                <a:schemeClr val="lt1"/>
+              </a:fontRef>
+            </p:style>
+            <p:txBody>
+              <a:bodyPr rtlCol="0" anchor="ctr"/>
+              <a:lstStyle/>
+              <a:p>
+                <a:pPr algn="ctr"/>
+                <a:endParaRPr kumimoji="1" lang="ja-JP" altLang="en-US"/>
+              </a:p>
+            </p:txBody>
+          </p:sp>
+          <p:sp>
+            <p:nvSpPr>
+              <p:cNvPr id="21" name="楕円 20">
+                <a:extLst>
+                  <a:ext uri="{FF2B5EF4-FFF2-40B4-BE49-F238E27FC236}">
+                    <a16:creationId xmlns:a16="http://schemas.microsoft.com/office/drawing/2014/main" id="{DD7D83F6-B8D0-2D27-6D02-9B65064E95D1}"/>
+                  </a:ext>
+                </a:extLst>
+              </p:cNvPr>
+              <p:cNvSpPr>
+                <a:spLocks noChangeAspect="1"/>
+              </p:cNvSpPr>
+              <p:nvPr/>
+            </p:nvSpPr>
+            <p:spPr>
+              <a:xfrm>
+                <a:off x="2000734" y="4438417"/>
+                <a:ext cx="235320" cy="235320"/>
+              </a:xfrm>
+              <a:prstGeom prst="ellipse">
+                <a:avLst/>
+              </a:prstGeom>
+              <a:solidFill>
+                <a:srgbClr val="ECEBCD"/>
+              </a:solidFill>
+              <a:ln>
+                <a:noFill/>
+              </a:ln>
+              <a:effectLst>
+                <a:innerShdw blurRad="76200" dist="152400" dir="13500000">
+                  <a:prstClr val="black">
+                    <a:alpha val="50000"/>
+                  </a:prstClr>
+                </a:innerShdw>
+              </a:effectLst>
+            </p:spPr>
+            <p:style>
+              <a:lnRef idx="2">
+                <a:schemeClr val="accent1">
+                  <a:shade val="15000"/>
+                </a:schemeClr>
+              </a:lnRef>
+              <a:fillRef idx="1">
+                <a:schemeClr val="accent1"/>
+              </a:fillRef>
+              <a:effectRef idx="0">
+                <a:schemeClr val="accent1"/>
+              </a:effectRef>
+              <a:fontRef idx="minor">
+                <a:schemeClr val="lt1"/>
+              </a:fontRef>
+            </p:style>
+            <p:txBody>
+              <a:bodyPr rtlCol="0" anchor="ctr"/>
+              <a:lstStyle/>
+              <a:p>
+                <a:pPr algn="ctr"/>
+                <a:endParaRPr kumimoji="1" lang="ja-JP" altLang="en-US"/>
+              </a:p>
+            </p:txBody>
+          </p:sp>
+          <p:sp>
+            <p:nvSpPr>
+              <p:cNvPr id="22" name="楕円 21">
+                <a:extLst>
+                  <a:ext uri="{FF2B5EF4-FFF2-40B4-BE49-F238E27FC236}">
+                    <a16:creationId xmlns:a16="http://schemas.microsoft.com/office/drawing/2014/main" id="{2517401F-95A1-6E6E-1805-D612F432E3FB}"/>
+                  </a:ext>
+                </a:extLst>
+              </p:cNvPr>
+              <p:cNvSpPr>
+                <a:spLocks noChangeAspect="1"/>
+              </p:cNvSpPr>
+              <p:nvPr/>
+            </p:nvSpPr>
+            <p:spPr>
+              <a:xfrm>
+                <a:off x="2000284" y="4829335"/>
+                <a:ext cx="235320" cy="235320"/>
+              </a:xfrm>
+              <a:prstGeom prst="ellipse">
+                <a:avLst/>
+              </a:prstGeom>
+              <a:solidFill>
+                <a:srgbClr val="ECEBCD"/>
+              </a:solidFill>
+              <a:ln>
+                <a:noFill/>
+              </a:ln>
+              <a:effectLst>
+                <a:innerShdw blurRad="76200" dist="152400" dir="13500000">
+                  <a:prstClr val="black">
+                    <a:alpha val="50000"/>
+                  </a:prstClr>
+                </a:innerShdw>
+              </a:effectLst>
+            </p:spPr>
+            <p:style>
+              <a:lnRef idx="2">
+                <a:schemeClr val="accent1">
+                  <a:shade val="15000"/>
+                </a:schemeClr>
+              </a:lnRef>
+              <a:fillRef idx="1">
+                <a:schemeClr val="accent1"/>
+              </a:fillRef>
+              <a:effectRef idx="0">
+                <a:schemeClr val="accent1"/>
+              </a:effectRef>
+              <a:fontRef idx="minor">
+                <a:schemeClr val="lt1"/>
+              </a:fontRef>
+            </p:style>
+            <p:txBody>
+              <a:bodyPr rtlCol="0" anchor="ctr"/>
+              <a:lstStyle/>
+              <a:p>
+                <a:pPr algn="ctr"/>
+                <a:endParaRPr kumimoji="1" lang="ja-JP" altLang="en-US"/>
+              </a:p>
+            </p:txBody>
+          </p:sp>
+          <p:sp>
+            <p:nvSpPr>
+              <p:cNvPr id="23" name="楕円 22">
+                <a:extLst>
+                  <a:ext uri="{FF2B5EF4-FFF2-40B4-BE49-F238E27FC236}">
+                    <a16:creationId xmlns:a16="http://schemas.microsoft.com/office/drawing/2014/main" id="{6331F62B-2B7C-E486-E0BE-73E8F0091109}"/>
+                  </a:ext>
+                </a:extLst>
+              </p:cNvPr>
+              <p:cNvSpPr>
+                <a:spLocks noChangeAspect="1"/>
+              </p:cNvSpPr>
+              <p:nvPr/>
+            </p:nvSpPr>
+            <p:spPr>
+              <a:xfrm>
+                <a:off x="1997167" y="5220253"/>
+                <a:ext cx="235320" cy="235320"/>
+              </a:xfrm>
+              <a:prstGeom prst="ellipse">
+                <a:avLst/>
+              </a:prstGeom>
+              <a:solidFill>
+                <a:srgbClr val="ECEBCD"/>
+              </a:solidFill>
+              <a:ln>
+                <a:noFill/>
+              </a:ln>
+              <a:effectLst>
+                <a:innerShdw blurRad="76200" dist="152400" dir="13500000">
+                  <a:prstClr val="black">
+                    <a:alpha val="50000"/>
+                  </a:prstClr>
+                </a:innerShdw>
+              </a:effectLst>
+            </p:spPr>
+            <p:style>
+              <a:lnRef idx="2">
+                <a:schemeClr val="accent1">
+                  <a:shade val="15000"/>
+                </a:schemeClr>
+              </a:lnRef>
+              <a:fillRef idx="1">
+                <a:schemeClr val="accent1"/>
+              </a:fillRef>
+              <a:effectRef idx="0">
+                <a:schemeClr val="accent1"/>
+              </a:effectRef>
+              <a:fontRef idx="minor">
+                <a:schemeClr val="lt1"/>
+              </a:fontRef>
+            </p:style>
+            <p:txBody>
+              <a:bodyPr rtlCol="0" anchor="ctr"/>
+              <a:lstStyle/>
+              <a:p>
+                <a:pPr algn="ctr"/>
+                <a:endParaRPr kumimoji="1" lang="ja-JP" altLang="en-US"/>
+              </a:p>
+            </p:txBody>
+          </p:sp>
+          <p:sp>
+            <p:nvSpPr>
+              <p:cNvPr id="24" name="楕円 23">
+                <a:extLst>
+                  <a:ext uri="{FF2B5EF4-FFF2-40B4-BE49-F238E27FC236}">
+                    <a16:creationId xmlns:a16="http://schemas.microsoft.com/office/drawing/2014/main" id="{7624FBFC-4469-993B-8E0E-33A272AA19CD}"/>
+                  </a:ext>
+                </a:extLst>
+              </p:cNvPr>
+              <p:cNvSpPr>
+                <a:spLocks noChangeAspect="1"/>
+              </p:cNvSpPr>
+              <p:nvPr/>
+            </p:nvSpPr>
+            <p:spPr>
+              <a:xfrm>
+                <a:off x="2005619" y="5614193"/>
+                <a:ext cx="235320" cy="235320"/>
+              </a:xfrm>
+              <a:prstGeom prst="ellipse">
+                <a:avLst/>
+              </a:prstGeom>
+              <a:solidFill>
+                <a:srgbClr val="ECEBCD"/>
+              </a:solidFill>
+              <a:ln>
+                <a:noFill/>
+              </a:ln>
+              <a:effectLst>
+                <a:innerShdw blurRad="76200" dist="152400" dir="13500000">
+                  <a:prstClr val="black">
+                    <a:alpha val="50000"/>
+                  </a:prstClr>
+                </a:innerShdw>
+              </a:effectLst>
+            </p:spPr>
+            <p:style>
+              <a:lnRef idx="2">
+                <a:schemeClr val="accent1">
+                  <a:shade val="15000"/>
+                </a:schemeClr>
+              </a:lnRef>
+              <a:fillRef idx="1">
+                <a:schemeClr val="accent1"/>
+              </a:fillRef>
+              <a:effectRef idx="0">
+                <a:schemeClr val="accent1"/>
+              </a:effectRef>
+              <a:fontRef idx="minor">
+                <a:schemeClr val="lt1"/>
+              </a:fontRef>
+            </p:style>
+            <p:txBody>
+              <a:bodyPr rtlCol="0" anchor="ctr"/>
+              <a:lstStyle/>
+              <a:p>
+                <a:pPr algn="ctr"/>
+                <a:endParaRPr kumimoji="1" lang="ja-JP" altLang="en-US"/>
+              </a:p>
+            </p:txBody>
+          </p:sp>
+          <p:sp>
+            <p:nvSpPr>
+              <p:cNvPr id="25" name="楕円 24">
+                <a:extLst>
+                  <a:ext uri="{FF2B5EF4-FFF2-40B4-BE49-F238E27FC236}">
+                    <a16:creationId xmlns:a16="http://schemas.microsoft.com/office/drawing/2014/main" id="{36D82646-6DDE-47AA-5015-1C1DF65AE505}"/>
+                  </a:ext>
+                </a:extLst>
+              </p:cNvPr>
+              <p:cNvSpPr>
+                <a:spLocks noChangeAspect="1"/>
+              </p:cNvSpPr>
+              <p:nvPr/>
+            </p:nvSpPr>
+            <p:spPr>
+              <a:xfrm>
+                <a:off x="2005619" y="6008238"/>
+                <a:ext cx="235320" cy="235320"/>
+              </a:xfrm>
+              <a:prstGeom prst="ellipse">
+                <a:avLst/>
+              </a:prstGeom>
+              <a:solidFill>
+                <a:srgbClr val="ECEBCD"/>
+              </a:solidFill>
+              <a:ln>
+                <a:noFill/>
+              </a:ln>
+              <a:effectLst>
+                <a:innerShdw blurRad="76200" dist="152400" dir="13500000">
+                  <a:prstClr val="black">
+                    <a:alpha val="50000"/>
+                  </a:prstClr>
+                </a:innerShdw>
+              </a:effectLst>
+            </p:spPr>
+            <p:style>
+              <a:lnRef idx="2">
+                <a:schemeClr val="accent1">
+                  <a:shade val="15000"/>
+                </a:schemeClr>
+              </a:lnRef>
+              <a:fillRef idx="1">
+                <a:schemeClr val="accent1"/>
+              </a:fillRef>
+              <a:effectRef idx="0">
+                <a:schemeClr val="accent1"/>
+              </a:effectRef>
+              <a:fontRef idx="minor">
+                <a:schemeClr val="lt1"/>
+              </a:fontRef>
+            </p:style>
+            <p:txBody>
+              <a:bodyPr rtlCol="0" anchor="ctr"/>
+              <a:lstStyle/>
+              <a:p>
+                <a:pPr algn="ctr"/>
+                <a:endParaRPr kumimoji="1" lang="ja-JP" altLang="en-US"/>
+              </a:p>
+            </p:txBody>
+          </p:sp>
+        </p:grpSp>
+      </p:grpSp>
+      <p:grpSp>
+        <p:nvGrpSpPr>
+          <p:cNvPr id="46" name="グループ化 45">
+            <a:extLst>
+              <a:ext uri="{FF2B5EF4-FFF2-40B4-BE49-F238E27FC236}">
+                <a16:creationId xmlns:a16="http://schemas.microsoft.com/office/drawing/2014/main" id="{14A7B122-5BB7-D03F-C33D-49ECA5EE9FE1}"/>
+              </a:ext>
+            </a:extLst>
+          </p:cNvPr>
+          <p:cNvGrpSpPr/>
+          <p:nvPr/>
+        </p:nvGrpSpPr>
+        <p:grpSpPr>
           <a:xfrm>
             <a:off x="179070" y="784859"/>
             <a:ext cx="1606988" cy="5539729"/>
+            <a:chOff x="179070" y="784859"/>
+            <a:chExt cx="1606988" cy="5539729"/>
           </a:xfrm>
-          <a:prstGeom prst="rect">
-            <a:avLst/>
-          </a:prstGeom>
-          <a:solidFill>
-            <a:schemeClr val="bg1"/>
-          </a:solidFill>
-          <a:ln>
-            <a:noFill/>
-          </a:ln>
-          <a:effectLst>
-            <a:outerShdw blurRad="50800" dist="152400" dir="2700000" algn="ctr" rotWithShape="0">
-              <a:srgbClr val="000000">
-                <a:alpha val="43137"/>
-              </a:srgbClr>
-            </a:outerShdw>
-          </a:effectLst>
-        </p:spPr>
-        <p:style>
-          <a:lnRef idx="2">
-            <a:schemeClr val="accent1">
-              <a:shade val="15000"/>
-            </a:schemeClr>
-          </a:lnRef>
-          <a:fillRef idx="1">
-            <a:schemeClr val="accent1"/>
-          </a:fillRef>
-          <a:effectRef idx="0">
-            <a:schemeClr val="accent1"/>
-          </a:effectRef>
-          <a:fontRef idx="minor">
-            <a:schemeClr val="lt1"/>
-          </a:fontRef>
-        </p:style>
-        <p:txBody>
-          <a:bodyPr rtlCol="0" anchor="ctr"/>
-          <a:lstStyle/>
-          <a:p>
-            <a:pPr algn="ctr"/>
-            <a:endParaRPr kumimoji="1" lang="ja-JP" altLang="en-US"/>
-          </a:p>
-        </p:txBody>
-      </p:sp>
+        </p:grpSpPr>
+        <p:sp>
+          <p:nvSpPr>
+            <p:cNvPr id="10" name="正方形/長方形 9">
+              <a:extLst>
+                <a:ext uri="{FF2B5EF4-FFF2-40B4-BE49-F238E27FC236}">
+                  <a16:creationId xmlns:a16="http://schemas.microsoft.com/office/drawing/2014/main" id="{B08902CA-B074-3D52-3A1D-9E410861EEA3}"/>
+                </a:ext>
+              </a:extLst>
+            </p:cNvPr>
+            <p:cNvSpPr/>
+            <p:nvPr/>
+          </p:nvSpPr>
+          <p:spPr>
+            <a:xfrm>
+              <a:off x="179070" y="784859"/>
+              <a:ext cx="1606988" cy="5539729"/>
+            </a:xfrm>
+            <a:prstGeom prst="rect">
+              <a:avLst/>
+            </a:prstGeom>
+            <a:solidFill>
+              <a:schemeClr val="bg1"/>
+            </a:solidFill>
+            <a:ln>
+              <a:noFill/>
+            </a:ln>
+            <a:effectLst>
+              <a:outerShdw blurRad="50800" dist="152400" dir="2700000" algn="ctr" rotWithShape="0">
+                <a:srgbClr val="000000">
+                  <a:alpha val="43137"/>
+                </a:srgbClr>
+              </a:outerShdw>
+            </a:effectLst>
+          </p:spPr>
+          <p:style>
+            <a:lnRef idx="2">
+              <a:schemeClr val="accent1">
+                <a:shade val="15000"/>
+              </a:schemeClr>
+            </a:lnRef>
+            <a:fillRef idx="1">
+              <a:schemeClr val="accent1"/>
+            </a:fillRef>
+            <a:effectRef idx="0">
+              <a:schemeClr val="accent1"/>
+            </a:effectRef>
+            <a:fontRef idx="minor">
+              <a:schemeClr val="lt1"/>
+            </a:fontRef>
+          </p:style>
+          <p:txBody>
+            <a:bodyPr rtlCol="0" anchor="ctr"/>
+            <a:lstStyle/>
+            <a:p>
+              <a:pPr algn="ctr"/>
+              <a:endParaRPr kumimoji="1" lang="ja-JP" altLang="en-US"/>
+            </a:p>
+          </p:txBody>
+        </p:sp>
+        <p:grpSp>
+          <p:nvGrpSpPr>
+            <p:cNvPr id="45" name="グループ化 44">
+              <a:extLst>
+                <a:ext uri="{FF2B5EF4-FFF2-40B4-BE49-F238E27FC236}">
+                  <a16:creationId xmlns:a16="http://schemas.microsoft.com/office/drawing/2014/main" id="{C0CA7DB6-7EDE-E066-A0EE-E8FE5A0B570F}"/>
+                </a:ext>
+              </a:extLst>
+            </p:cNvPr>
+            <p:cNvGrpSpPr/>
+            <p:nvPr/>
+          </p:nvGrpSpPr>
+          <p:grpSpPr>
+            <a:xfrm>
+              <a:off x="280589" y="856557"/>
+              <a:ext cx="252119" cy="5349329"/>
+              <a:chOff x="280589" y="856557"/>
+              <a:chExt cx="252119" cy="5349329"/>
+            </a:xfrm>
+          </p:grpSpPr>
+          <p:sp>
+            <p:nvSpPr>
+              <p:cNvPr id="26" name="楕円 25">
+                <a:extLst>
+                  <a:ext uri="{FF2B5EF4-FFF2-40B4-BE49-F238E27FC236}">
+                    <a16:creationId xmlns:a16="http://schemas.microsoft.com/office/drawing/2014/main" id="{37D83A32-E90F-0417-71C4-14783465E622}"/>
+                  </a:ext>
+                </a:extLst>
+              </p:cNvPr>
+              <p:cNvSpPr>
+                <a:spLocks noChangeAspect="1"/>
+              </p:cNvSpPr>
+              <p:nvPr/>
+            </p:nvSpPr>
+            <p:spPr>
+              <a:xfrm>
+                <a:off x="280589" y="856557"/>
+                <a:ext cx="235320" cy="235320"/>
+              </a:xfrm>
+              <a:prstGeom prst="ellipse">
+                <a:avLst/>
+              </a:prstGeom>
+              <a:solidFill>
+                <a:srgbClr val="ECEBCD"/>
+              </a:solidFill>
+              <a:ln>
+                <a:noFill/>
+              </a:ln>
+              <a:effectLst>
+                <a:innerShdw blurRad="76200" dist="152400" dir="13500000">
+                  <a:prstClr val="black">
+                    <a:alpha val="50000"/>
+                  </a:prstClr>
+                </a:innerShdw>
+              </a:effectLst>
+            </p:spPr>
+            <p:style>
+              <a:lnRef idx="2">
+                <a:schemeClr val="accent1">
+                  <a:shade val="15000"/>
+                </a:schemeClr>
+              </a:lnRef>
+              <a:fillRef idx="1">
+                <a:schemeClr val="accent1"/>
+              </a:fillRef>
+              <a:effectRef idx="0">
+                <a:schemeClr val="accent1"/>
+              </a:effectRef>
+              <a:fontRef idx="minor">
+                <a:schemeClr val="lt1"/>
+              </a:fontRef>
+            </p:style>
+            <p:txBody>
+              <a:bodyPr rtlCol="0" anchor="ctr"/>
+              <a:lstStyle/>
+              <a:p>
+                <a:pPr algn="ctr"/>
+                <a:endParaRPr kumimoji="1" lang="ja-JP" altLang="en-US"/>
+              </a:p>
+            </p:txBody>
+          </p:sp>
+          <p:sp>
+            <p:nvSpPr>
+              <p:cNvPr id="27" name="楕円 26">
+                <a:extLst>
+                  <a:ext uri="{FF2B5EF4-FFF2-40B4-BE49-F238E27FC236}">
+                    <a16:creationId xmlns:a16="http://schemas.microsoft.com/office/drawing/2014/main" id="{6F9C2666-0C8B-BB3D-0530-6B7D3F483AF4}"/>
+                  </a:ext>
+                </a:extLst>
+              </p:cNvPr>
+              <p:cNvSpPr>
+                <a:spLocks noChangeAspect="1"/>
+              </p:cNvSpPr>
+              <p:nvPr/>
+            </p:nvSpPr>
+            <p:spPr>
+              <a:xfrm>
+                <a:off x="280589" y="1250581"/>
+                <a:ext cx="235320" cy="235320"/>
+              </a:xfrm>
+              <a:prstGeom prst="ellipse">
+                <a:avLst/>
+              </a:prstGeom>
+              <a:solidFill>
+                <a:srgbClr val="ECEBCD"/>
+              </a:solidFill>
+              <a:ln>
+                <a:noFill/>
+              </a:ln>
+              <a:effectLst>
+                <a:innerShdw blurRad="76200" dist="152400" dir="13500000">
+                  <a:prstClr val="black">
+                    <a:alpha val="50000"/>
+                  </a:prstClr>
+                </a:innerShdw>
+              </a:effectLst>
+            </p:spPr>
+            <p:style>
+              <a:lnRef idx="2">
+                <a:schemeClr val="accent1">
+                  <a:shade val="15000"/>
+                </a:schemeClr>
+              </a:lnRef>
+              <a:fillRef idx="1">
+                <a:schemeClr val="accent1"/>
+              </a:fillRef>
+              <a:effectRef idx="0">
+                <a:schemeClr val="accent1"/>
+              </a:effectRef>
+              <a:fontRef idx="minor">
+                <a:schemeClr val="lt1"/>
+              </a:fontRef>
+            </p:style>
+            <p:txBody>
+              <a:bodyPr rtlCol="0" anchor="ctr"/>
+              <a:lstStyle/>
+              <a:p>
+                <a:pPr algn="ctr"/>
+                <a:endParaRPr kumimoji="1" lang="ja-JP" altLang="en-US"/>
+              </a:p>
+            </p:txBody>
+          </p:sp>
+          <p:sp>
+            <p:nvSpPr>
+              <p:cNvPr id="28" name="楕円 27">
+                <a:extLst>
+                  <a:ext uri="{FF2B5EF4-FFF2-40B4-BE49-F238E27FC236}">
+                    <a16:creationId xmlns:a16="http://schemas.microsoft.com/office/drawing/2014/main" id="{8517E9B2-BA80-E786-04C4-FB415A787392}"/>
+                  </a:ext>
+                </a:extLst>
+              </p:cNvPr>
+              <p:cNvSpPr>
+                <a:spLocks noChangeAspect="1"/>
+              </p:cNvSpPr>
+              <p:nvPr/>
+            </p:nvSpPr>
+            <p:spPr>
+              <a:xfrm>
+                <a:off x="284156" y="1644521"/>
+                <a:ext cx="235320" cy="235320"/>
+              </a:xfrm>
+              <a:prstGeom prst="ellipse">
+                <a:avLst/>
+              </a:prstGeom>
+              <a:solidFill>
+                <a:srgbClr val="ECEBCD"/>
+              </a:solidFill>
+              <a:ln>
+                <a:noFill/>
+              </a:ln>
+              <a:effectLst>
+                <a:innerShdw blurRad="76200" dist="152400" dir="13500000">
+                  <a:prstClr val="black">
+                    <a:alpha val="50000"/>
+                  </a:prstClr>
+                </a:innerShdw>
+              </a:effectLst>
+            </p:spPr>
+            <p:style>
+              <a:lnRef idx="2">
+                <a:schemeClr val="accent1">
+                  <a:shade val="15000"/>
+                </a:schemeClr>
+              </a:lnRef>
+              <a:fillRef idx="1">
+                <a:schemeClr val="accent1"/>
+              </a:fillRef>
+              <a:effectRef idx="0">
+                <a:schemeClr val="accent1"/>
+              </a:effectRef>
+              <a:fontRef idx="minor">
+                <a:schemeClr val="lt1"/>
+              </a:fontRef>
+            </p:style>
+            <p:txBody>
+              <a:bodyPr rtlCol="0" anchor="ctr"/>
+              <a:lstStyle/>
+              <a:p>
+                <a:pPr algn="ctr"/>
+                <a:endParaRPr kumimoji="1" lang="ja-JP" altLang="en-US"/>
+              </a:p>
+            </p:txBody>
+          </p:sp>
+          <p:sp>
+            <p:nvSpPr>
+              <p:cNvPr id="29" name="楕円 28">
+                <a:extLst>
+                  <a:ext uri="{FF2B5EF4-FFF2-40B4-BE49-F238E27FC236}">
+                    <a16:creationId xmlns:a16="http://schemas.microsoft.com/office/drawing/2014/main" id="{28F9A9D3-5353-B01A-DB19-32EE87556AC5}"/>
+                  </a:ext>
+                </a:extLst>
+              </p:cNvPr>
+              <p:cNvSpPr>
+                <a:spLocks noChangeAspect="1"/>
+              </p:cNvSpPr>
+              <p:nvPr/>
+            </p:nvSpPr>
+            <p:spPr>
+              <a:xfrm>
+                <a:off x="283706" y="2035439"/>
+                <a:ext cx="235320" cy="235320"/>
+              </a:xfrm>
+              <a:prstGeom prst="ellipse">
+                <a:avLst/>
+              </a:prstGeom>
+              <a:solidFill>
+                <a:srgbClr val="ECEBCD"/>
+              </a:solidFill>
+              <a:ln>
+                <a:noFill/>
+              </a:ln>
+              <a:effectLst>
+                <a:innerShdw blurRad="76200" dist="152400" dir="13500000">
+                  <a:prstClr val="black">
+                    <a:alpha val="50000"/>
+                  </a:prstClr>
+                </a:innerShdw>
+              </a:effectLst>
+            </p:spPr>
+            <p:style>
+              <a:lnRef idx="2">
+                <a:schemeClr val="accent1">
+                  <a:shade val="15000"/>
+                </a:schemeClr>
+              </a:lnRef>
+              <a:fillRef idx="1">
+                <a:schemeClr val="accent1"/>
+              </a:fillRef>
+              <a:effectRef idx="0">
+                <a:schemeClr val="accent1"/>
+              </a:effectRef>
+              <a:fontRef idx="minor">
+                <a:schemeClr val="lt1"/>
+              </a:fontRef>
+            </p:style>
+            <p:txBody>
+              <a:bodyPr rtlCol="0" anchor="ctr"/>
+              <a:lstStyle/>
+              <a:p>
+                <a:pPr algn="ctr"/>
+                <a:endParaRPr kumimoji="1" lang="ja-JP" altLang="en-US"/>
+              </a:p>
+            </p:txBody>
+          </p:sp>
+          <p:sp>
+            <p:nvSpPr>
+              <p:cNvPr id="30" name="楕円 29">
+                <a:extLst>
+                  <a:ext uri="{FF2B5EF4-FFF2-40B4-BE49-F238E27FC236}">
+                    <a16:creationId xmlns:a16="http://schemas.microsoft.com/office/drawing/2014/main" id="{94AC24C1-535F-F733-78CC-3BB868C60981}"/>
+                  </a:ext>
+                </a:extLst>
+              </p:cNvPr>
+              <p:cNvSpPr>
+                <a:spLocks noChangeAspect="1"/>
+              </p:cNvSpPr>
+              <p:nvPr/>
+            </p:nvSpPr>
+            <p:spPr>
+              <a:xfrm>
+                <a:off x="280589" y="2426357"/>
+                <a:ext cx="235320" cy="235320"/>
+              </a:xfrm>
+              <a:prstGeom prst="ellipse">
+                <a:avLst/>
+              </a:prstGeom>
+              <a:solidFill>
+                <a:srgbClr val="ECEBCD"/>
+              </a:solidFill>
+              <a:ln>
+                <a:noFill/>
+              </a:ln>
+              <a:effectLst>
+                <a:innerShdw blurRad="76200" dist="152400" dir="13500000">
+                  <a:prstClr val="black">
+                    <a:alpha val="50000"/>
+                  </a:prstClr>
+                </a:innerShdw>
+              </a:effectLst>
+            </p:spPr>
+            <p:style>
+              <a:lnRef idx="2">
+                <a:schemeClr val="accent1">
+                  <a:shade val="15000"/>
+                </a:schemeClr>
+              </a:lnRef>
+              <a:fillRef idx="1">
+                <a:schemeClr val="accent1"/>
+              </a:fillRef>
+              <a:effectRef idx="0">
+                <a:schemeClr val="accent1"/>
+              </a:effectRef>
+              <a:fontRef idx="minor">
+                <a:schemeClr val="lt1"/>
+              </a:fontRef>
+            </p:style>
+            <p:txBody>
+              <a:bodyPr rtlCol="0" anchor="ctr"/>
+              <a:lstStyle/>
+              <a:p>
+                <a:pPr algn="ctr"/>
+                <a:endParaRPr kumimoji="1" lang="ja-JP" altLang="en-US"/>
+              </a:p>
+            </p:txBody>
+          </p:sp>
+          <p:sp>
+            <p:nvSpPr>
+              <p:cNvPr id="31" name="楕円 30">
+                <a:extLst>
+                  <a:ext uri="{FF2B5EF4-FFF2-40B4-BE49-F238E27FC236}">
+                    <a16:creationId xmlns:a16="http://schemas.microsoft.com/office/drawing/2014/main" id="{AE5DC750-DC7D-08AE-F11D-FB4B0CC5CB1D}"/>
+                  </a:ext>
+                </a:extLst>
+              </p:cNvPr>
+              <p:cNvSpPr>
+                <a:spLocks noChangeAspect="1"/>
+              </p:cNvSpPr>
+              <p:nvPr/>
+            </p:nvSpPr>
+            <p:spPr>
+              <a:xfrm>
+                <a:off x="289041" y="2820297"/>
+                <a:ext cx="235320" cy="235320"/>
+              </a:xfrm>
+              <a:prstGeom prst="ellipse">
+                <a:avLst/>
+              </a:prstGeom>
+              <a:solidFill>
+                <a:srgbClr val="ECEBCD"/>
+              </a:solidFill>
+              <a:ln>
+                <a:noFill/>
+              </a:ln>
+              <a:effectLst>
+                <a:innerShdw blurRad="76200" dist="152400" dir="13500000">
+                  <a:prstClr val="black">
+                    <a:alpha val="50000"/>
+                  </a:prstClr>
+                </a:innerShdw>
+              </a:effectLst>
+            </p:spPr>
+            <p:style>
+              <a:lnRef idx="2">
+                <a:schemeClr val="accent1">
+                  <a:shade val="15000"/>
+                </a:schemeClr>
+              </a:lnRef>
+              <a:fillRef idx="1">
+                <a:schemeClr val="accent1"/>
+              </a:fillRef>
+              <a:effectRef idx="0">
+                <a:schemeClr val="accent1"/>
+              </a:effectRef>
+              <a:fontRef idx="minor">
+                <a:schemeClr val="lt1"/>
+              </a:fontRef>
+            </p:style>
+            <p:txBody>
+              <a:bodyPr rtlCol="0" anchor="ctr"/>
+              <a:lstStyle/>
+              <a:p>
+                <a:pPr algn="ctr"/>
+                <a:endParaRPr kumimoji="1" lang="ja-JP" altLang="en-US"/>
+              </a:p>
+            </p:txBody>
+          </p:sp>
+          <p:sp>
+            <p:nvSpPr>
+              <p:cNvPr id="32" name="楕円 31">
+                <a:extLst>
+                  <a:ext uri="{FF2B5EF4-FFF2-40B4-BE49-F238E27FC236}">
+                    <a16:creationId xmlns:a16="http://schemas.microsoft.com/office/drawing/2014/main" id="{8791586B-A2B6-D596-0051-83073EBF1BA4}"/>
+                  </a:ext>
+                </a:extLst>
+              </p:cNvPr>
+              <p:cNvSpPr>
+                <a:spLocks noChangeAspect="1"/>
+              </p:cNvSpPr>
+              <p:nvPr/>
+            </p:nvSpPr>
+            <p:spPr>
+              <a:xfrm>
+                <a:off x="289041" y="3214342"/>
+                <a:ext cx="235320" cy="235320"/>
+              </a:xfrm>
+              <a:prstGeom prst="ellipse">
+                <a:avLst/>
+              </a:prstGeom>
+              <a:solidFill>
+                <a:srgbClr val="ECEBCD"/>
+              </a:solidFill>
+              <a:ln>
+                <a:noFill/>
+              </a:ln>
+              <a:effectLst>
+                <a:innerShdw blurRad="76200" dist="152400" dir="13500000">
+                  <a:prstClr val="black">
+                    <a:alpha val="50000"/>
+                  </a:prstClr>
+                </a:innerShdw>
+              </a:effectLst>
+            </p:spPr>
+            <p:style>
+              <a:lnRef idx="2">
+                <a:schemeClr val="accent1">
+                  <a:shade val="15000"/>
+                </a:schemeClr>
+              </a:lnRef>
+              <a:fillRef idx="1">
+                <a:schemeClr val="accent1"/>
+              </a:fillRef>
+              <a:effectRef idx="0">
+                <a:schemeClr val="accent1"/>
+              </a:effectRef>
+              <a:fontRef idx="minor">
+                <a:schemeClr val="lt1"/>
+              </a:fontRef>
+            </p:style>
+            <p:txBody>
+              <a:bodyPr rtlCol="0" anchor="ctr"/>
+              <a:lstStyle/>
+              <a:p>
+                <a:pPr algn="ctr"/>
+                <a:endParaRPr kumimoji="1" lang="ja-JP" altLang="en-US"/>
+              </a:p>
+            </p:txBody>
+          </p:sp>
+          <p:sp>
+            <p:nvSpPr>
+              <p:cNvPr id="33" name="楕円 32">
+                <a:extLst>
+                  <a:ext uri="{FF2B5EF4-FFF2-40B4-BE49-F238E27FC236}">
+                    <a16:creationId xmlns:a16="http://schemas.microsoft.com/office/drawing/2014/main" id="{E7705D90-F3CD-7D4B-AEE2-8A4E8A968465}"/>
+                  </a:ext>
+                </a:extLst>
+              </p:cNvPr>
+              <p:cNvSpPr>
+                <a:spLocks noChangeAspect="1"/>
+              </p:cNvSpPr>
+              <p:nvPr/>
+            </p:nvSpPr>
+            <p:spPr>
+              <a:xfrm>
+                <a:off x="288936" y="3612781"/>
+                <a:ext cx="235320" cy="235320"/>
+              </a:xfrm>
+              <a:prstGeom prst="ellipse">
+                <a:avLst/>
+              </a:prstGeom>
+              <a:solidFill>
+                <a:srgbClr val="ECEBCD"/>
+              </a:solidFill>
+              <a:ln>
+                <a:noFill/>
+              </a:ln>
+              <a:effectLst>
+                <a:innerShdw blurRad="76200" dist="152400" dir="13500000">
+                  <a:prstClr val="black">
+                    <a:alpha val="50000"/>
+                  </a:prstClr>
+                </a:innerShdw>
+              </a:effectLst>
+            </p:spPr>
+            <p:style>
+              <a:lnRef idx="2">
+                <a:schemeClr val="accent1">
+                  <a:shade val="15000"/>
+                </a:schemeClr>
+              </a:lnRef>
+              <a:fillRef idx="1">
+                <a:schemeClr val="accent1"/>
+              </a:fillRef>
+              <a:effectRef idx="0">
+                <a:schemeClr val="accent1"/>
+              </a:effectRef>
+              <a:fontRef idx="minor">
+                <a:schemeClr val="lt1"/>
+              </a:fontRef>
+            </p:style>
+            <p:txBody>
+              <a:bodyPr rtlCol="0" anchor="ctr"/>
+              <a:lstStyle/>
+              <a:p>
+                <a:pPr algn="ctr"/>
+                <a:endParaRPr kumimoji="1" lang="ja-JP" altLang="en-US"/>
+              </a:p>
+            </p:txBody>
+          </p:sp>
+          <p:sp>
+            <p:nvSpPr>
+              <p:cNvPr id="34" name="楕円 33">
+                <a:extLst>
+                  <a:ext uri="{FF2B5EF4-FFF2-40B4-BE49-F238E27FC236}">
+                    <a16:creationId xmlns:a16="http://schemas.microsoft.com/office/drawing/2014/main" id="{78926F89-3734-6FCF-0E0E-9EF4B56CA046}"/>
+                  </a:ext>
+                </a:extLst>
+              </p:cNvPr>
+              <p:cNvSpPr>
+                <a:spLocks noChangeAspect="1"/>
+              </p:cNvSpPr>
+              <p:nvPr/>
+            </p:nvSpPr>
+            <p:spPr>
+              <a:xfrm>
+                <a:off x="288936" y="4006805"/>
+                <a:ext cx="235320" cy="235320"/>
+              </a:xfrm>
+              <a:prstGeom prst="ellipse">
+                <a:avLst/>
+              </a:prstGeom>
+              <a:solidFill>
+                <a:srgbClr val="ECEBCD"/>
+              </a:solidFill>
+              <a:ln>
+                <a:noFill/>
+              </a:ln>
+              <a:effectLst>
+                <a:innerShdw blurRad="76200" dist="152400" dir="13500000">
+                  <a:prstClr val="black">
+                    <a:alpha val="50000"/>
+                  </a:prstClr>
+                </a:innerShdw>
+              </a:effectLst>
+            </p:spPr>
+            <p:style>
+              <a:lnRef idx="2">
+                <a:schemeClr val="accent1">
+                  <a:shade val="15000"/>
+                </a:schemeClr>
+              </a:lnRef>
+              <a:fillRef idx="1">
+                <a:schemeClr val="accent1"/>
+              </a:fillRef>
+              <a:effectRef idx="0">
+                <a:schemeClr val="accent1"/>
+              </a:effectRef>
+              <a:fontRef idx="minor">
+                <a:schemeClr val="lt1"/>
+              </a:fontRef>
+            </p:style>
+            <p:txBody>
+              <a:bodyPr rtlCol="0" anchor="ctr"/>
+              <a:lstStyle/>
+              <a:p>
+                <a:pPr algn="ctr"/>
+                <a:endParaRPr kumimoji="1" lang="ja-JP" altLang="en-US"/>
+              </a:p>
+            </p:txBody>
+          </p:sp>
+          <p:sp>
+            <p:nvSpPr>
+              <p:cNvPr id="35" name="楕円 34">
+                <a:extLst>
+                  <a:ext uri="{FF2B5EF4-FFF2-40B4-BE49-F238E27FC236}">
+                    <a16:creationId xmlns:a16="http://schemas.microsoft.com/office/drawing/2014/main" id="{2BF71FAC-79F6-4DCE-99D5-E9092EFA3516}"/>
+                  </a:ext>
+                </a:extLst>
+              </p:cNvPr>
+              <p:cNvSpPr>
+                <a:spLocks noChangeAspect="1"/>
+              </p:cNvSpPr>
+              <p:nvPr/>
+            </p:nvSpPr>
+            <p:spPr>
+              <a:xfrm>
+                <a:off x="292503" y="4400745"/>
+                <a:ext cx="235320" cy="235320"/>
+              </a:xfrm>
+              <a:prstGeom prst="ellipse">
+                <a:avLst/>
+              </a:prstGeom>
+              <a:solidFill>
+                <a:srgbClr val="ECEBCD"/>
+              </a:solidFill>
+              <a:ln>
+                <a:noFill/>
+              </a:ln>
+              <a:effectLst>
+                <a:innerShdw blurRad="76200" dist="152400" dir="13500000">
+                  <a:prstClr val="black">
+                    <a:alpha val="50000"/>
+                  </a:prstClr>
+                </a:innerShdw>
+              </a:effectLst>
+            </p:spPr>
+            <p:style>
+              <a:lnRef idx="2">
+                <a:schemeClr val="accent1">
+                  <a:shade val="15000"/>
+                </a:schemeClr>
+              </a:lnRef>
+              <a:fillRef idx="1">
+                <a:schemeClr val="accent1"/>
+              </a:fillRef>
+              <a:effectRef idx="0">
+                <a:schemeClr val="accent1"/>
+              </a:effectRef>
+              <a:fontRef idx="minor">
+                <a:schemeClr val="lt1"/>
+              </a:fontRef>
+            </p:style>
+            <p:txBody>
+              <a:bodyPr rtlCol="0" anchor="ctr"/>
+              <a:lstStyle/>
+              <a:p>
+                <a:pPr algn="ctr"/>
+                <a:endParaRPr kumimoji="1" lang="ja-JP" altLang="en-US"/>
+              </a:p>
+            </p:txBody>
+          </p:sp>
+          <p:sp>
+            <p:nvSpPr>
+              <p:cNvPr id="36" name="楕円 35">
+                <a:extLst>
+                  <a:ext uri="{FF2B5EF4-FFF2-40B4-BE49-F238E27FC236}">
+                    <a16:creationId xmlns:a16="http://schemas.microsoft.com/office/drawing/2014/main" id="{8DFAEE56-6051-7C42-8088-29E8AC164F5C}"/>
+                  </a:ext>
+                </a:extLst>
+              </p:cNvPr>
+              <p:cNvSpPr>
+                <a:spLocks noChangeAspect="1"/>
+              </p:cNvSpPr>
+              <p:nvPr/>
+            </p:nvSpPr>
+            <p:spPr>
+              <a:xfrm>
+                <a:off x="292053" y="4791663"/>
+                <a:ext cx="235320" cy="235320"/>
+              </a:xfrm>
+              <a:prstGeom prst="ellipse">
+                <a:avLst/>
+              </a:prstGeom>
+              <a:solidFill>
+                <a:srgbClr val="ECEBCD"/>
+              </a:solidFill>
+              <a:ln>
+                <a:noFill/>
+              </a:ln>
+              <a:effectLst>
+                <a:innerShdw blurRad="76200" dist="152400" dir="13500000">
+                  <a:prstClr val="black">
+                    <a:alpha val="50000"/>
+                  </a:prstClr>
+                </a:innerShdw>
+              </a:effectLst>
+            </p:spPr>
+            <p:style>
+              <a:lnRef idx="2">
+                <a:schemeClr val="accent1">
+                  <a:shade val="15000"/>
+                </a:schemeClr>
+              </a:lnRef>
+              <a:fillRef idx="1">
+                <a:schemeClr val="accent1"/>
+              </a:fillRef>
+              <a:effectRef idx="0">
+                <a:schemeClr val="accent1"/>
+              </a:effectRef>
+              <a:fontRef idx="minor">
+                <a:schemeClr val="lt1"/>
+              </a:fontRef>
+            </p:style>
+            <p:txBody>
+              <a:bodyPr rtlCol="0" anchor="ctr"/>
+              <a:lstStyle/>
+              <a:p>
+                <a:pPr algn="ctr"/>
+                <a:endParaRPr kumimoji="1" lang="ja-JP" altLang="en-US"/>
+              </a:p>
+            </p:txBody>
+          </p:sp>
+          <p:sp>
+            <p:nvSpPr>
+              <p:cNvPr id="37" name="楕円 36">
+                <a:extLst>
+                  <a:ext uri="{FF2B5EF4-FFF2-40B4-BE49-F238E27FC236}">
+                    <a16:creationId xmlns:a16="http://schemas.microsoft.com/office/drawing/2014/main" id="{D24D3B3E-78EC-34D3-FE04-446446D01ABD}"/>
+                  </a:ext>
+                </a:extLst>
+              </p:cNvPr>
+              <p:cNvSpPr>
+                <a:spLocks noChangeAspect="1"/>
+              </p:cNvSpPr>
+              <p:nvPr/>
+            </p:nvSpPr>
+            <p:spPr>
+              <a:xfrm>
+                <a:off x="288936" y="5182581"/>
+                <a:ext cx="235320" cy="235320"/>
+              </a:xfrm>
+              <a:prstGeom prst="ellipse">
+                <a:avLst/>
+              </a:prstGeom>
+              <a:solidFill>
+                <a:srgbClr val="ECEBCD"/>
+              </a:solidFill>
+              <a:ln>
+                <a:noFill/>
+              </a:ln>
+              <a:effectLst>
+                <a:innerShdw blurRad="76200" dist="152400" dir="13500000">
+                  <a:prstClr val="black">
+                    <a:alpha val="50000"/>
+                  </a:prstClr>
+                </a:innerShdw>
+              </a:effectLst>
+            </p:spPr>
+            <p:style>
+              <a:lnRef idx="2">
+                <a:schemeClr val="accent1">
+                  <a:shade val="15000"/>
+                </a:schemeClr>
+              </a:lnRef>
+              <a:fillRef idx="1">
+                <a:schemeClr val="accent1"/>
+              </a:fillRef>
+              <a:effectRef idx="0">
+                <a:schemeClr val="accent1"/>
+              </a:effectRef>
+              <a:fontRef idx="minor">
+                <a:schemeClr val="lt1"/>
+              </a:fontRef>
+            </p:style>
+            <p:txBody>
+              <a:bodyPr rtlCol="0" anchor="ctr"/>
+              <a:lstStyle/>
+              <a:p>
+                <a:pPr algn="ctr"/>
+                <a:endParaRPr kumimoji="1" lang="ja-JP" altLang="en-US"/>
+              </a:p>
+            </p:txBody>
+          </p:sp>
+          <p:sp>
+            <p:nvSpPr>
+              <p:cNvPr id="38" name="楕円 37">
+                <a:extLst>
+                  <a:ext uri="{FF2B5EF4-FFF2-40B4-BE49-F238E27FC236}">
+                    <a16:creationId xmlns:a16="http://schemas.microsoft.com/office/drawing/2014/main" id="{1913FE2C-FE6E-7708-04C5-096903F955D4}"/>
+                  </a:ext>
+                </a:extLst>
+              </p:cNvPr>
+              <p:cNvSpPr>
+                <a:spLocks noChangeAspect="1"/>
+              </p:cNvSpPr>
+              <p:nvPr/>
+            </p:nvSpPr>
+            <p:spPr>
+              <a:xfrm>
+                <a:off x="297388" y="5576521"/>
+                <a:ext cx="235320" cy="235320"/>
+              </a:xfrm>
+              <a:prstGeom prst="ellipse">
+                <a:avLst/>
+              </a:prstGeom>
+              <a:solidFill>
+                <a:srgbClr val="ECEBCD"/>
+              </a:solidFill>
+              <a:ln>
+                <a:noFill/>
+              </a:ln>
+              <a:effectLst>
+                <a:innerShdw blurRad="76200" dist="152400" dir="13500000">
+                  <a:prstClr val="black">
+                    <a:alpha val="50000"/>
+                  </a:prstClr>
+                </a:innerShdw>
+              </a:effectLst>
+            </p:spPr>
+            <p:style>
+              <a:lnRef idx="2">
+                <a:schemeClr val="accent1">
+                  <a:shade val="15000"/>
+                </a:schemeClr>
+              </a:lnRef>
+              <a:fillRef idx="1">
+                <a:schemeClr val="accent1"/>
+              </a:fillRef>
+              <a:effectRef idx="0">
+                <a:schemeClr val="accent1"/>
+              </a:effectRef>
+              <a:fontRef idx="minor">
+                <a:schemeClr val="lt1"/>
+              </a:fontRef>
+            </p:style>
+            <p:txBody>
+              <a:bodyPr rtlCol="0" anchor="ctr"/>
+              <a:lstStyle/>
+              <a:p>
+                <a:pPr algn="ctr"/>
+                <a:endParaRPr kumimoji="1" lang="ja-JP" altLang="en-US"/>
+              </a:p>
+            </p:txBody>
+          </p:sp>
+          <p:sp>
+            <p:nvSpPr>
+              <p:cNvPr id="39" name="楕円 38">
+                <a:extLst>
+                  <a:ext uri="{FF2B5EF4-FFF2-40B4-BE49-F238E27FC236}">
+                    <a16:creationId xmlns:a16="http://schemas.microsoft.com/office/drawing/2014/main" id="{634AFD09-EC4B-1671-0898-99752A1FBD59}"/>
+                  </a:ext>
+                </a:extLst>
+              </p:cNvPr>
+              <p:cNvSpPr>
+                <a:spLocks noChangeAspect="1"/>
+              </p:cNvSpPr>
+              <p:nvPr/>
+            </p:nvSpPr>
+            <p:spPr>
+              <a:xfrm>
+                <a:off x="297388" y="5970566"/>
+                <a:ext cx="235320" cy="235320"/>
+              </a:xfrm>
+              <a:prstGeom prst="ellipse">
+                <a:avLst/>
+              </a:prstGeom>
+              <a:solidFill>
+                <a:srgbClr val="ECEBCD"/>
+              </a:solidFill>
+              <a:ln>
+                <a:noFill/>
+              </a:ln>
+              <a:effectLst>
+                <a:innerShdw blurRad="76200" dist="152400" dir="13500000">
+                  <a:prstClr val="black">
+                    <a:alpha val="50000"/>
+                  </a:prstClr>
+                </a:innerShdw>
+              </a:effectLst>
+            </p:spPr>
+            <p:style>
+              <a:lnRef idx="2">
+                <a:schemeClr val="accent1">
+                  <a:shade val="15000"/>
+                </a:schemeClr>
+              </a:lnRef>
+              <a:fillRef idx="1">
+                <a:schemeClr val="accent1"/>
+              </a:fillRef>
+              <a:effectRef idx="0">
+                <a:schemeClr val="accent1"/>
+              </a:effectRef>
+              <a:fontRef idx="minor">
+                <a:schemeClr val="lt1"/>
+              </a:fontRef>
+            </p:style>
+            <p:txBody>
+              <a:bodyPr rtlCol="0" anchor="ctr"/>
+              <a:lstStyle/>
+              <a:p>
+                <a:pPr algn="ctr"/>
+                <a:endParaRPr kumimoji="1" lang="ja-JP" altLang="en-US"/>
+              </a:p>
+            </p:txBody>
+          </p:sp>
+        </p:grpSp>
+      </p:grpSp>
       <p:sp>
         <p:nvSpPr>
           <p:cNvPr id="2" name="タイトル 1">
@@ -3759,65 +5610,6 @@
               <a:rPr kumimoji="1" lang="ja-JP" altLang="en-US" dirty="0"/>
               <a:t>名鑑</a:t>
             </a:r>
-          </a:p>
-        </p:txBody>
-      </p:sp>
-      <p:sp>
-        <p:nvSpPr>
-          <p:cNvPr id="11" name="正方形/長方形 10">
-            <a:extLst>
-              <a:ext uri="{FF2B5EF4-FFF2-40B4-BE49-F238E27FC236}">
-                <a16:creationId xmlns:a16="http://schemas.microsoft.com/office/drawing/2014/main" id="{933CF007-362F-44D6-2FA8-0BADFF478777}"/>
-              </a:ext>
-            </a:extLst>
-          </p:cNvPr>
-          <p:cNvSpPr/>
-          <p:nvPr/>
-        </p:nvSpPr>
-        <p:spPr>
-          <a:xfrm>
-            <a:off x="1893570" y="784858"/>
-            <a:ext cx="10001250" cy="5539729"/>
-          </a:xfrm>
-          <a:prstGeom prst="rect">
-            <a:avLst/>
-          </a:prstGeom>
-          <a:solidFill>
-            <a:schemeClr val="bg1"/>
-          </a:solidFill>
-          <a:ln>
-            <a:noFill/>
-          </a:ln>
-          <a:effectLst>
-            <a:outerShdw blurRad="50800" dist="152400" dir="2700000" algn="ctr" rotWithShape="0">
-              <a:srgbClr val="000000">
-                <a:alpha val="43137"/>
-              </a:srgbClr>
-            </a:outerShdw>
-          </a:effectLst>
-        </p:spPr>
-        <p:style>
-          <a:lnRef idx="2">
-            <a:schemeClr val="accent1">
-              <a:shade val="15000"/>
-            </a:schemeClr>
-          </a:lnRef>
-          <a:fillRef idx="1">
-            <a:schemeClr val="accent1"/>
-          </a:fillRef>
-          <a:effectRef idx="0">
-            <a:schemeClr val="accent1"/>
-          </a:effectRef>
-          <a:fontRef idx="minor">
-            <a:schemeClr val="lt1"/>
-          </a:fontRef>
-        </p:style>
-        <p:txBody>
-          <a:bodyPr rtlCol="0" anchor="ctr"/>
-          <a:lstStyle/>
-          <a:p>
-            <a:pPr algn="ctr"/>
-            <a:endParaRPr kumimoji="1" lang="ja-JP" altLang="en-US"/>
           </a:p>
         </p:txBody>
       </p:sp>
@@ -5153,1714 +6945,6 @@
           </a:p>
         </p:txBody>
       </p:sp>
-      <p:sp>
-        <p:nvSpPr>
-          <p:cNvPr id="6" name="楕円 5">
-            <a:extLst>
-              <a:ext uri="{FF2B5EF4-FFF2-40B4-BE49-F238E27FC236}">
-                <a16:creationId xmlns:a16="http://schemas.microsoft.com/office/drawing/2014/main" id="{CD1C5EB0-6982-FDB0-D416-3F6B9A7C21CE}"/>
-              </a:ext>
-            </a:extLst>
-          </p:cNvPr>
-          <p:cNvSpPr>
-            <a:spLocks noChangeAspect="1"/>
-          </p:cNvSpPr>
-          <p:nvPr/>
-        </p:nvSpPr>
-        <p:spPr>
-          <a:xfrm>
-            <a:off x="1988820" y="894229"/>
-            <a:ext cx="235320" cy="235320"/>
-          </a:xfrm>
-          <a:prstGeom prst="ellipse">
-            <a:avLst/>
-          </a:prstGeom>
-          <a:solidFill>
-            <a:srgbClr val="ECEBCD"/>
-          </a:solidFill>
-          <a:ln>
-            <a:noFill/>
-          </a:ln>
-          <a:effectLst>
-            <a:innerShdw blurRad="76200" dist="152400" dir="13500000">
-              <a:prstClr val="black">
-                <a:alpha val="50000"/>
-              </a:prstClr>
-            </a:innerShdw>
-          </a:effectLst>
-        </p:spPr>
-        <p:style>
-          <a:lnRef idx="2">
-            <a:schemeClr val="accent1">
-              <a:shade val="15000"/>
-            </a:schemeClr>
-          </a:lnRef>
-          <a:fillRef idx="1">
-            <a:schemeClr val="accent1"/>
-          </a:fillRef>
-          <a:effectRef idx="0">
-            <a:schemeClr val="accent1"/>
-          </a:effectRef>
-          <a:fontRef idx="minor">
-            <a:schemeClr val="lt1"/>
-          </a:fontRef>
-        </p:style>
-        <p:txBody>
-          <a:bodyPr rtlCol="0" anchor="ctr"/>
-          <a:lstStyle/>
-          <a:p>
-            <a:pPr algn="ctr"/>
-            <a:endParaRPr kumimoji="1" lang="ja-JP" altLang="en-US"/>
-          </a:p>
-        </p:txBody>
-      </p:sp>
-      <p:sp>
-        <p:nvSpPr>
-          <p:cNvPr id="8" name="楕円 7">
-            <a:extLst>
-              <a:ext uri="{FF2B5EF4-FFF2-40B4-BE49-F238E27FC236}">
-                <a16:creationId xmlns:a16="http://schemas.microsoft.com/office/drawing/2014/main" id="{BCE1B27A-2278-DB5A-890F-A774E6170CB4}"/>
-              </a:ext>
-            </a:extLst>
-          </p:cNvPr>
-          <p:cNvSpPr>
-            <a:spLocks noChangeAspect="1"/>
-          </p:cNvSpPr>
-          <p:nvPr/>
-        </p:nvSpPr>
-        <p:spPr>
-          <a:xfrm>
-            <a:off x="1988820" y="1288253"/>
-            <a:ext cx="235320" cy="235320"/>
-          </a:xfrm>
-          <a:prstGeom prst="ellipse">
-            <a:avLst/>
-          </a:prstGeom>
-          <a:solidFill>
-            <a:srgbClr val="ECEBCD"/>
-          </a:solidFill>
-          <a:ln>
-            <a:noFill/>
-          </a:ln>
-          <a:effectLst>
-            <a:innerShdw blurRad="76200" dist="152400" dir="13500000">
-              <a:prstClr val="black">
-                <a:alpha val="50000"/>
-              </a:prstClr>
-            </a:innerShdw>
-          </a:effectLst>
-        </p:spPr>
-        <p:style>
-          <a:lnRef idx="2">
-            <a:schemeClr val="accent1">
-              <a:shade val="15000"/>
-            </a:schemeClr>
-          </a:lnRef>
-          <a:fillRef idx="1">
-            <a:schemeClr val="accent1"/>
-          </a:fillRef>
-          <a:effectRef idx="0">
-            <a:schemeClr val="accent1"/>
-          </a:effectRef>
-          <a:fontRef idx="minor">
-            <a:schemeClr val="lt1"/>
-          </a:fontRef>
-        </p:style>
-        <p:txBody>
-          <a:bodyPr rtlCol="0" anchor="ctr"/>
-          <a:lstStyle/>
-          <a:p>
-            <a:pPr algn="ctr"/>
-            <a:endParaRPr kumimoji="1" lang="ja-JP" altLang="en-US"/>
-          </a:p>
-        </p:txBody>
-      </p:sp>
-      <p:sp>
-        <p:nvSpPr>
-          <p:cNvPr id="14" name="楕円 13">
-            <a:extLst>
-              <a:ext uri="{FF2B5EF4-FFF2-40B4-BE49-F238E27FC236}">
-                <a16:creationId xmlns:a16="http://schemas.microsoft.com/office/drawing/2014/main" id="{DDED9491-2021-725F-ACFF-565E48030B10}"/>
-              </a:ext>
-            </a:extLst>
-          </p:cNvPr>
-          <p:cNvSpPr>
-            <a:spLocks noChangeAspect="1"/>
-          </p:cNvSpPr>
-          <p:nvPr/>
-        </p:nvSpPr>
-        <p:spPr>
-          <a:xfrm>
-            <a:off x="1992387" y="1682193"/>
-            <a:ext cx="235320" cy="235320"/>
-          </a:xfrm>
-          <a:prstGeom prst="ellipse">
-            <a:avLst/>
-          </a:prstGeom>
-          <a:solidFill>
-            <a:srgbClr val="ECEBCD"/>
-          </a:solidFill>
-          <a:ln>
-            <a:noFill/>
-          </a:ln>
-          <a:effectLst>
-            <a:innerShdw blurRad="76200" dist="152400" dir="13500000">
-              <a:prstClr val="black">
-                <a:alpha val="50000"/>
-              </a:prstClr>
-            </a:innerShdw>
-          </a:effectLst>
-        </p:spPr>
-        <p:style>
-          <a:lnRef idx="2">
-            <a:schemeClr val="accent1">
-              <a:shade val="15000"/>
-            </a:schemeClr>
-          </a:lnRef>
-          <a:fillRef idx="1">
-            <a:schemeClr val="accent1"/>
-          </a:fillRef>
-          <a:effectRef idx="0">
-            <a:schemeClr val="accent1"/>
-          </a:effectRef>
-          <a:fontRef idx="minor">
-            <a:schemeClr val="lt1"/>
-          </a:fontRef>
-        </p:style>
-        <p:txBody>
-          <a:bodyPr rtlCol="0" anchor="ctr"/>
-          <a:lstStyle/>
-          <a:p>
-            <a:pPr algn="ctr"/>
-            <a:endParaRPr kumimoji="1" lang="ja-JP" altLang="en-US"/>
-          </a:p>
-        </p:txBody>
-      </p:sp>
-      <p:sp>
-        <p:nvSpPr>
-          <p:cNvPr id="15" name="楕円 14">
-            <a:extLst>
-              <a:ext uri="{FF2B5EF4-FFF2-40B4-BE49-F238E27FC236}">
-                <a16:creationId xmlns:a16="http://schemas.microsoft.com/office/drawing/2014/main" id="{B77297BB-693D-9401-AB1F-4DBE10EED46D}"/>
-              </a:ext>
-            </a:extLst>
-          </p:cNvPr>
-          <p:cNvSpPr>
-            <a:spLocks noChangeAspect="1"/>
-          </p:cNvSpPr>
-          <p:nvPr/>
-        </p:nvSpPr>
-        <p:spPr>
-          <a:xfrm>
-            <a:off x="1991937" y="2073111"/>
-            <a:ext cx="235320" cy="235320"/>
-          </a:xfrm>
-          <a:prstGeom prst="ellipse">
-            <a:avLst/>
-          </a:prstGeom>
-          <a:solidFill>
-            <a:srgbClr val="ECEBCD"/>
-          </a:solidFill>
-          <a:ln>
-            <a:noFill/>
-          </a:ln>
-          <a:effectLst>
-            <a:innerShdw blurRad="76200" dist="152400" dir="13500000">
-              <a:prstClr val="black">
-                <a:alpha val="50000"/>
-              </a:prstClr>
-            </a:innerShdw>
-          </a:effectLst>
-        </p:spPr>
-        <p:style>
-          <a:lnRef idx="2">
-            <a:schemeClr val="accent1">
-              <a:shade val="15000"/>
-            </a:schemeClr>
-          </a:lnRef>
-          <a:fillRef idx="1">
-            <a:schemeClr val="accent1"/>
-          </a:fillRef>
-          <a:effectRef idx="0">
-            <a:schemeClr val="accent1"/>
-          </a:effectRef>
-          <a:fontRef idx="minor">
-            <a:schemeClr val="lt1"/>
-          </a:fontRef>
-        </p:style>
-        <p:txBody>
-          <a:bodyPr rtlCol="0" anchor="ctr"/>
-          <a:lstStyle/>
-          <a:p>
-            <a:pPr algn="ctr"/>
-            <a:endParaRPr kumimoji="1" lang="ja-JP" altLang="en-US"/>
-          </a:p>
-        </p:txBody>
-      </p:sp>
-      <p:sp>
-        <p:nvSpPr>
-          <p:cNvPr id="16" name="楕円 15">
-            <a:extLst>
-              <a:ext uri="{FF2B5EF4-FFF2-40B4-BE49-F238E27FC236}">
-                <a16:creationId xmlns:a16="http://schemas.microsoft.com/office/drawing/2014/main" id="{F4025780-1019-E06A-9593-21DAE83D254D}"/>
-              </a:ext>
-            </a:extLst>
-          </p:cNvPr>
-          <p:cNvSpPr>
-            <a:spLocks noChangeAspect="1"/>
-          </p:cNvSpPr>
-          <p:nvPr/>
-        </p:nvSpPr>
-        <p:spPr>
-          <a:xfrm>
-            <a:off x="1988820" y="2464029"/>
-            <a:ext cx="235320" cy="235320"/>
-          </a:xfrm>
-          <a:prstGeom prst="ellipse">
-            <a:avLst/>
-          </a:prstGeom>
-          <a:solidFill>
-            <a:srgbClr val="ECEBCD"/>
-          </a:solidFill>
-          <a:ln>
-            <a:noFill/>
-          </a:ln>
-          <a:effectLst>
-            <a:innerShdw blurRad="76200" dist="152400" dir="13500000">
-              <a:prstClr val="black">
-                <a:alpha val="50000"/>
-              </a:prstClr>
-            </a:innerShdw>
-          </a:effectLst>
-        </p:spPr>
-        <p:style>
-          <a:lnRef idx="2">
-            <a:schemeClr val="accent1">
-              <a:shade val="15000"/>
-            </a:schemeClr>
-          </a:lnRef>
-          <a:fillRef idx="1">
-            <a:schemeClr val="accent1"/>
-          </a:fillRef>
-          <a:effectRef idx="0">
-            <a:schemeClr val="accent1"/>
-          </a:effectRef>
-          <a:fontRef idx="minor">
-            <a:schemeClr val="lt1"/>
-          </a:fontRef>
-        </p:style>
-        <p:txBody>
-          <a:bodyPr rtlCol="0" anchor="ctr"/>
-          <a:lstStyle/>
-          <a:p>
-            <a:pPr algn="ctr"/>
-            <a:endParaRPr kumimoji="1" lang="ja-JP" altLang="en-US"/>
-          </a:p>
-        </p:txBody>
-      </p:sp>
-      <p:sp>
-        <p:nvSpPr>
-          <p:cNvPr id="17" name="楕円 16">
-            <a:extLst>
-              <a:ext uri="{FF2B5EF4-FFF2-40B4-BE49-F238E27FC236}">
-                <a16:creationId xmlns:a16="http://schemas.microsoft.com/office/drawing/2014/main" id="{8580EB85-1ABD-907B-33B8-8DE65837C6EF}"/>
-              </a:ext>
-            </a:extLst>
-          </p:cNvPr>
-          <p:cNvSpPr>
-            <a:spLocks noChangeAspect="1"/>
-          </p:cNvSpPr>
-          <p:nvPr/>
-        </p:nvSpPr>
-        <p:spPr>
-          <a:xfrm>
-            <a:off x="1997272" y="2857969"/>
-            <a:ext cx="235320" cy="235320"/>
-          </a:xfrm>
-          <a:prstGeom prst="ellipse">
-            <a:avLst/>
-          </a:prstGeom>
-          <a:solidFill>
-            <a:srgbClr val="ECEBCD"/>
-          </a:solidFill>
-          <a:ln>
-            <a:noFill/>
-          </a:ln>
-          <a:effectLst>
-            <a:innerShdw blurRad="76200" dist="152400" dir="13500000">
-              <a:prstClr val="black">
-                <a:alpha val="50000"/>
-              </a:prstClr>
-            </a:innerShdw>
-          </a:effectLst>
-        </p:spPr>
-        <p:style>
-          <a:lnRef idx="2">
-            <a:schemeClr val="accent1">
-              <a:shade val="15000"/>
-            </a:schemeClr>
-          </a:lnRef>
-          <a:fillRef idx="1">
-            <a:schemeClr val="accent1"/>
-          </a:fillRef>
-          <a:effectRef idx="0">
-            <a:schemeClr val="accent1"/>
-          </a:effectRef>
-          <a:fontRef idx="minor">
-            <a:schemeClr val="lt1"/>
-          </a:fontRef>
-        </p:style>
-        <p:txBody>
-          <a:bodyPr rtlCol="0" anchor="ctr"/>
-          <a:lstStyle/>
-          <a:p>
-            <a:pPr algn="ctr"/>
-            <a:endParaRPr kumimoji="1" lang="ja-JP" altLang="en-US"/>
-          </a:p>
-        </p:txBody>
-      </p:sp>
-      <p:sp>
-        <p:nvSpPr>
-          <p:cNvPr id="18" name="楕円 17">
-            <a:extLst>
-              <a:ext uri="{FF2B5EF4-FFF2-40B4-BE49-F238E27FC236}">
-                <a16:creationId xmlns:a16="http://schemas.microsoft.com/office/drawing/2014/main" id="{8BA75759-BAD6-879F-4822-59308538554C}"/>
-              </a:ext>
-            </a:extLst>
-          </p:cNvPr>
-          <p:cNvSpPr>
-            <a:spLocks noChangeAspect="1"/>
-          </p:cNvSpPr>
-          <p:nvPr/>
-        </p:nvSpPr>
-        <p:spPr>
-          <a:xfrm>
-            <a:off x="1997272" y="3252014"/>
-            <a:ext cx="235320" cy="235320"/>
-          </a:xfrm>
-          <a:prstGeom prst="ellipse">
-            <a:avLst/>
-          </a:prstGeom>
-          <a:solidFill>
-            <a:srgbClr val="ECEBCD"/>
-          </a:solidFill>
-          <a:ln>
-            <a:noFill/>
-          </a:ln>
-          <a:effectLst>
-            <a:innerShdw blurRad="76200" dist="152400" dir="13500000">
-              <a:prstClr val="black">
-                <a:alpha val="50000"/>
-              </a:prstClr>
-            </a:innerShdw>
-          </a:effectLst>
-        </p:spPr>
-        <p:style>
-          <a:lnRef idx="2">
-            <a:schemeClr val="accent1">
-              <a:shade val="15000"/>
-            </a:schemeClr>
-          </a:lnRef>
-          <a:fillRef idx="1">
-            <a:schemeClr val="accent1"/>
-          </a:fillRef>
-          <a:effectRef idx="0">
-            <a:schemeClr val="accent1"/>
-          </a:effectRef>
-          <a:fontRef idx="minor">
-            <a:schemeClr val="lt1"/>
-          </a:fontRef>
-        </p:style>
-        <p:txBody>
-          <a:bodyPr rtlCol="0" anchor="ctr"/>
-          <a:lstStyle/>
-          <a:p>
-            <a:pPr algn="ctr"/>
-            <a:endParaRPr kumimoji="1" lang="ja-JP" altLang="en-US"/>
-          </a:p>
-        </p:txBody>
-      </p:sp>
-      <p:sp>
-        <p:nvSpPr>
-          <p:cNvPr id="19" name="楕円 18">
-            <a:extLst>
-              <a:ext uri="{FF2B5EF4-FFF2-40B4-BE49-F238E27FC236}">
-                <a16:creationId xmlns:a16="http://schemas.microsoft.com/office/drawing/2014/main" id="{2ECC8B88-F2D6-3319-7E3F-554A15065B6C}"/>
-              </a:ext>
-            </a:extLst>
-          </p:cNvPr>
-          <p:cNvSpPr>
-            <a:spLocks noChangeAspect="1"/>
-          </p:cNvSpPr>
-          <p:nvPr/>
-        </p:nvSpPr>
-        <p:spPr>
-          <a:xfrm>
-            <a:off x="1997167" y="3650453"/>
-            <a:ext cx="235320" cy="235320"/>
-          </a:xfrm>
-          <a:prstGeom prst="ellipse">
-            <a:avLst/>
-          </a:prstGeom>
-          <a:solidFill>
-            <a:srgbClr val="ECEBCD"/>
-          </a:solidFill>
-          <a:ln>
-            <a:noFill/>
-          </a:ln>
-          <a:effectLst>
-            <a:innerShdw blurRad="76200" dist="152400" dir="13500000">
-              <a:prstClr val="black">
-                <a:alpha val="50000"/>
-              </a:prstClr>
-            </a:innerShdw>
-          </a:effectLst>
-        </p:spPr>
-        <p:style>
-          <a:lnRef idx="2">
-            <a:schemeClr val="accent1">
-              <a:shade val="15000"/>
-            </a:schemeClr>
-          </a:lnRef>
-          <a:fillRef idx="1">
-            <a:schemeClr val="accent1"/>
-          </a:fillRef>
-          <a:effectRef idx="0">
-            <a:schemeClr val="accent1"/>
-          </a:effectRef>
-          <a:fontRef idx="minor">
-            <a:schemeClr val="lt1"/>
-          </a:fontRef>
-        </p:style>
-        <p:txBody>
-          <a:bodyPr rtlCol="0" anchor="ctr"/>
-          <a:lstStyle/>
-          <a:p>
-            <a:pPr algn="ctr"/>
-            <a:endParaRPr kumimoji="1" lang="ja-JP" altLang="en-US"/>
-          </a:p>
-        </p:txBody>
-      </p:sp>
-      <p:sp>
-        <p:nvSpPr>
-          <p:cNvPr id="20" name="楕円 19">
-            <a:extLst>
-              <a:ext uri="{FF2B5EF4-FFF2-40B4-BE49-F238E27FC236}">
-                <a16:creationId xmlns:a16="http://schemas.microsoft.com/office/drawing/2014/main" id="{EDBCCBB9-D3E4-4E48-367F-3998039F9826}"/>
-              </a:ext>
-            </a:extLst>
-          </p:cNvPr>
-          <p:cNvSpPr>
-            <a:spLocks noChangeAspect="1"/>
-          </p:cNvSpPr>
-          <p:nvPr/>
-        </p:nvSpPr>
-        <p:spPr>
-          <a:xfrm>
-            <a:off x="1997167" y="4044477"/>
-            <a:ext cx="235320" cy="235320"/>
-          </a:xfrm>
-          <a:prstGeom prst="ellipse">
-            <a:avLst/>
-          </a:prstGeom>
-          <a:solidFill>
-            <a:srgbClr val="ECEBCD"/>
-          </a:solidFill>
-          <a:ln>
-            <a:noFill/>
-          </a:ln>
-          <a:effectLst>
-            <a:innerShdw blurRad="76200" dist="152400" dir="13500000">
-              <a:prstClr val="black">
-                <a:alpha val="50000"/>
-              </a:prstClr>
-            </a:innerShdw>
-          </a:effectLst>
-        </p:spPr>
-        <p:style>
-          <a:lnRef idx="2">
-            <a:schemeClr val="accent1">
-              <a:shade val="15000"/>
-            </a:schemeClr>
-          </a:lnRef>
-          <a:fillRef idx="1">
-            <a:schemeClr val="accent1"/>
-          </a:fillRef>
-          <a:effectRef idx="0">
-            <a:schemeClr val="accent1"/>
-          </a:effectRef>
-          <a:fontRef idx="minor">
-            <a:schemeClr val="lt1"/>
-          </a:fontRef>
-        </p:style>
-        <p:txBody>
-          <a:bodyPr rtlCol="0" anchor="ctr"/>
-          <a:lstStyle/>
-          <a:p>
-            <a:pPr algn="ctr"/>
-            <a:endParaRPr kumimoji="1" lang="ja-JP" altLang="en-US"/>
-          </a:p>
-        </p:txBody>
-      </p:sp>
-      <p:sp>
-        <p:nvSpPr>
-          <p:cNvPr id="21" name="楕円 20">
-            <a:extLst>
-              <a:ext uri="{FF2B5EF4-FFF2-40B4-BE49-F238E27FC236}">
-                <a16:creationId xmlns:a16="http://schemas.microsoft.com/office/drawing/2014/main" id="{DD7D83F6-B8D0-2D27-6D02-9B65064E95D1}"/>
-              </a:ext>
-            </a:extLst>
-          </p:cNvPr>
-          <p:cNvSpPr>
-            <a:spLocks noChangeAspect="1"/>
-          </p:cNvSpPr>
-          <p:nvPr/>
-        </p:nvSpPr>
-        <p:spPr>
-          <a:xfrm>
-            <a:off x="2000734" y="4438417"/>
-            <a:ext cx="235320" cy="235320"/>
-          </a:xfrm>
-          <a:prstGeom prst="ellipse">
-            <a:avLst/>
-          </a:prstGeom>
-          <a:solidFill>
-            <a:srgbClr val="ECEBCD"/>
-          </a:solidFill>
-          <a:ln>
-            <a:noFill/>
-          </a:ln>
-          <a:effectLst>
-            <a:innerShdw blurRad="76200" dist="152400" dir="13500000">
-              <a:prstClr val="black">
-                <a:alpha val="50000"/>
-              </a:prstClr>
-            </a:innerShdw>
-          </a:effectLst>
-        </p:spPr>
-        <p:style>
-          <a:lnRef idx="2">
-            <a:schemeClr val="accent1">
-              <a:shade val="15000"/>
-            </a:schemeClr>
-          </a:lnRef>
-          <a:fillRef idx="1">
-            <a:schemeClr val="accent1"/>
-          </a:fillRef>
-          <a:effectRef idx="0">
-            <a:schemeClr val="accent1"/>
-          </a:effectRef>
-          <a:fontRef idx="minor">
-            <a:schemeClr val="lt1"/>
-          </a:fontRef>
-        </p:style>
-        <p:txBody>
-          <a:bodyPr rtlCol="0" anchor="ctr"/>
-          <a:lstStyle/>
-          <a:p>
-            <a:pPr algn="ctr"/>
-            <a:endParaRPr kumimoji="1" lang="ja-JP" altLang="en-US"/>
-          </a:p>
-        </p:txBody>
-      </p:sp>
-      <p:sp>
-        <p:nvSpPr>
-          <p:cNvPr id="22" name="楕円 21">
-            <a:extLst>
-              <a:ext uri="{FF2B5EF4-FFF2-40B4-BE49-F238E27FC236}">
-                <a16:creationId xmlns:a16="http://schemas.microsoft.com/office/drawing/2014/main" id="{2517401F-95A1-6E6E-1805-D612F432E3FB}"/>
-              </a:ext>
-            </a:extLst>
-          </p:cNvPr>
-          <p:cNvSpPr>
-            <a:spLocks noChangeAspect="1"/>
-          </p:cNvSpPr>
-          <p:nvPr/>
-        </p:nvSpPr>
-        <p:spPr>
-          <a:xfrm>
-            <a:off x="2000284" y="4829335"/>
-            <a:ext cx="235320" cy="235320"/>
-          </a:xfrm>
-          <a:prstGeom prst="ellipse">
-            <a:avLst/>
-          </a:prstGeom>
-          <a:solidFill>
-            <a:srgbClr val="ECEBCD"/>
-          </a:solidFill>
-          <a:ln>
-            <a:noFill/>
-          </a:ln>
-          <a:effectLst>
-            <a:innerShdw blurRad="76200" dist="152400" dir="13500000">
-              <a:prstClr val="black">
-                <a:alpha val="50000"/>
-              </a:prstClr>
-            </a:innerShdw>
-          </a:effectLst>
-        </p:spPr>
-        <p:style>
-          <a:lnRef idx="2">
-            <a:schemeClr val="accent1">
-              <a:shade val="15000"/>
-            </a:schemeClr>
-          </a:lnRef>
-          <a:fillRef idx="1">
-            <a:schemeClr val="accent1"/>
-          </a:fillRef>
-          <a:effectRef idx="0">
-            <a:schemeClr val="accent1"/>
-          </a:effectRef>
-          <a:fontRef idx="minor">
-            <a:schemeClr val="lt1"/>
-          </a:fontRef>
-        </p:style>
-        <p:txBody>
-          <a:bodyPr rtlCol="0" anchor="ctr"/>
-          <a:lstStyle/>
-          <a:p>
-            <a:pPr algn="ctr"/>
-            <a:endParaRPr kumimoji="1" lang="ja-JP" altLang="en-US"/>
-          </a:p>
-        </p:txBody>
-      </p:sp>
-      <p:sp>
-        <p:nvSpPr>
-          <p:cNvPr id="23" name="楕円 22">
-            <a:extLst>
-              <a:ext uri="{FF2B5EF4-FFF2-40B4-BE49-F238E27FC236}">
-                <a16:creationId xmlns:a16="http://schemas.microsoft.com/office/drawing/2014/main" id="{6331F62B-2B7C-E486-E0BE-73E8F0091109}"/>
-              </a:ext>
-            </a:extLst>
-          </p:cNvPr>
-          <p:cNvSpPr>
-            <a:spLocks noChangeAspect="1"/>
-          </p:cNvSpPr>
-          <p:nvPr/>
-        </p:nvSpPr>
-        <p:spPr>
-          <a:xfrm>
-            <a:off x="1997167" y="5220253"/>
-            <a:ext cx="235320" cy="235320"/>
-          </a:xfrm>
-          <a:prstGeom prst="ellipse">
-            <a:avLst/>
-          </a:prstGeom>
-          <a:solidFill>
-            <a:srgbClr val="ECEBCD"/>
-          </a:solidFill>
-          <a:ln>
-            <a:noFill/>
-          </a:ln>
-          <a:effectLst>
-            <a:innerShdw blurRad="76200" dist="152400" dir="13500000">
-              <a:prstClr val="black">
-                <a:alpha val="50000"/>
-              </a:prstClr>
-            </a:innerShdw>
-          </a:effectLst>
-        </p:spPr>
-        <p:style>
-          <a:lnRef idx="2">
-            <a:schemeClr val="accent1">
-              <a:shade val="15000"/>
-            </a:schemeClr>
-          </a:lnRef>
-          <a:fillRef idx="1">
-            <a:schemeClr val="accent1"/>
-          </a:fillRef>
-          <a:effectRef idx="0">
-            <a:schemeClr val="accent1"/>
-          </a:effectRef>
-          <a:fontRef idx="minor">
-            <a:schemeClr val="lt1"/>
-          </a:fontRef>
-        </p:style>
-        <p:txBody>
-          <a:bodyPr rtlCol="0" anchor="ctr"/>
-          <a:lstStyle/>
-          <a:p>
-            <a:pPr algn="ctr"/>
-            <a:endParaRPr kumimoji="1" lang="ja-JP" altLang="en-US"/>
-          </a:p>
-        </p:txBody>
-      </p:sp>
-      <p:sp>
-        <p:nvSpPr>
-          <p:cNvPr id="24" name="楕円 23">
-            <a:extLst>
-              <a:ext uri="{FF2B5EF4-FFF2-40B4-BE49-F238E27FC236}">
-                <a16:creationId xmlns:a16="http://schemas.microsoft.com/office/drawing/2014/main" id="{7624FBFC-4469-993B-8E0E-33A272AA19CD}"/>
-              </a:ext>
-            </a:extLst>
-          </p:cNvPr>
-          <p:cNvSpPr>
-            <a:spLocks noChangeAspect="1"/>
-          </p:cNvSpPr>
-          <p:nvPr/>
-        </p:nvSpPr>
-        <p:spPr>
-          <a:xfrm>
-            <a:off x="2005619" y="5614193"/>
-            <a:ext cx="235320" cy="235320"/>
-          </a:xfrm>
-          <a:prstGeom prst="ellipse">
-            <a:avLst/>
-          </a:prstGeom>
-          <a:solidFill>
-            <a:srgbClr val="ECEBCD"/>
-          </a:solidFill>
-          <a:ln>
-            <a:noFill/>
-          </a:ln>
-          <a:effectLst>
-            <a:innerShdw blurRad="76200" dist="152400" dir="13500000">
-              <a:prstClr val="black">
-                <a:alpha val="50000"/>
-              </a:prstClr>
-            </a:innerShdw>
-          </a:effectLst>
-        </p:spPr>
-        <p:style>
-          <a:lnRef idx="2">
-            <a:schemeClr val="accent1">
-              <a:shade val="15000"/>
-            </a:schemeClr>
-          </a:lnRef>
-          <a:fillRef idx="1">
-            <a:schemeClr val="accent1"/>
-          </a:fillRef>
-          <a:effectRef idx="0">
-            <a:schemeClr val="accent1"/>
-          </a:effectRef>
-          <a:fontRef idx="minor">
-            <a:schemeClr val="lt1"/>
-          </a:fontRef>
-        </p:style>
-        <p:txBody>
-          <a:bodyPr rtlCol="0" anchor="ctr"/>
-          <a:lstStyle/>
-          <a:p>
-            <a:pPr algn="ctr"/>
-            <a:endParaRPr kumimoji="1" lang="ja-JP" altLang="en-US"/>
-          </a:p>
-        </p:txBody>
-      </p:sp>
-      <p:sp>
-        <p:nvSpPr>
-          <p:cNvPr id="25" name="楕円 24">
-            <a:extLst>
-              <a:ext uri="{FF2B5EF4-FFF2-40B4-BE49-F238E27FC236}">
-                <a16:creationId xmlns:a16="http://schemas.microsoft.com/office/drawing/2014/main" id="{36D82646-6DDE-47AA-5015-1C1DF65AE505}"/>
-              </a:ext>
-            </a:extLst>
-          </p:cNvPr>
-          <p:cNvSpPr>
-            <a:spLocks noChangeAspect="1"/>
-          </p:cNvSpPr>
-          <p:nvPr/>
-        </p:nvSpPr>
-        <p:spPr>
-          <a:xfrm>
-            <a:off x="2005619" y="6008238"/>
-            <a:ext cx="235320" cy="235320"/>
-          </a:xfrm>
-          <a:prstGeom prst="ellipse">
-            <a:avLst/>
-          </a:prstGeom>
-          <a:solidFill>
-            <a:srgbClr val="ECEBCD"/>
-          </a:solidFill>
-          <a:ln>
-            <a:noFill/>
-          </a:ln>
-          <a:effectLst>
-            <a:innerShdw blurRad="76200" dist="152400" dir="13500000">
-              <a:prstClr val="black">
-                <a:alpha val="50000"/>
-              </a:prstClr>
-            </a:innerShdw>
-          </a:effectLst>
-        </p:spPr>
-        <p:style>
-          <a:lnRef idx="2">
-            <a:schemeClr val="accent1">
-              <a:shade val="15000"/>
-            </a:schemeClr>
-          </a:lnRef>
-          <a:fillRef idx="1">
-            <a:schemeClr val="accent1"/>
-          </a:fillRef>
-          <a:effectRef idx="0">
-            <a:schemeClr val="accent1"/>
-          </a:effectRef>
-          <a:fontRef idx="minor">
-            <a:schemeClr val="lt1"/>
-          </a:fontRef>
-        </p:style>
-        <p:txBody>
-          <a:bodyPr rtlCol="0" anchor="ctr"/>
-          <a:lstStyle/>
-          <a:p>
-            <a:pPr algn="ctr"/>
-            <a:endParaRPr kumimoji="1" lang="ja-JP" altLang="en-US"/>
-          </a:p>
-        </p:txBody>
-      </p:sp>
-      <p:sp>
-        <p:nvSpPr>
-          <p:cNvPr id="26" name="楕円 25">
-            <a:extLst>
-              <a:ext uri="{FF2B5EF4-FFF2-40B4-BE49-F238E27FC236}">
-                <a16:creationId xmlns:a16="http://schemas.microsoft.com/office/drawing/2014/main" id="{37D83A32-E90F-0417-71C4-14783465E622}"/>
-              </a:ext>
-            </a:extLst>
-          </p:cNvPr>
-          <p:cNvSpPr>
-            <a:spLocks noChangeAspect="1"/>
-          </p:cNvSpPr>
-          <p:nvPr/>
-        </p:nvSpPr>
-        <p:spPr>
-          <a:xfrm>
-            <a:off x="280589" y="856557"/>
-            <a:ext cx="235320" cy="235320"/>
-          </a:xfrm>
-          <a:prstGeom prst="ellipse">
-            <a:avLst/>
-          </a:prstGeom>
-          <a:solidFill>
-            <a:srgbClr val="ECEBCD"/>
-          </a:solidFill>
-          <a:ln>
-            <a:noFill/>
-          </a:ln>
-          <a:effectLst>
-            <a:innerShdw blurRad="76200" dist="152400" dir="13500000">
-              <a:prstClr val="black">
-                <a:alpha val="50000"/>
-              </a:prstClr>
-            </a:innerShdw>
-          </a:effectLst>
-        </p:spPr>
-        <p:style>
-          <a:lnRef idx="2">
-            <a:schemeClr val="accent1">
-              <a:shade val="15000"/>
-            </a:schemeClr>
-          </a:lnRef>
-          <a:fillRef idx="1">
-            <a:schemeClr val="accent1"/>
-          </a:fillRef>
-          <a:effectRef idx="0">
-            <a:schemeClr val="accent1"/>
-          </a:effectRef>
-          <a:fontRef idx="minor">
-            <a:schemeClr val="lt1"/>
-          </a:fontRef>
-        </p:style>
-        <p:txBody>
-          <a:bodyPr rtlCol="0" anchor="ctr"/>
-          <a:lstStyle/>
-          <a:p>
-            <a:pPr algn="ctr"/>
-            <a:endParaRPr kumimoji="1" lang="ja-JP" altLang="en-US"/>
-          </a:p>
-        </p:txBody>
-      </p:sp>
-      <p:sp>
-        <p:nvSpPr>
-          <p:cNvPr id="27" name="楕円 26">
-            <a:extLst>
-              <a:ext uri="{FF2B5EF4-FFF2-40B4-BE49-F238E27FC236}">
-                <a16:creationId xmlns:a16="http://schemas.microsoft.com/office/drawing/2014/main" id="{6F9C2666-0C8B-BB3D-0530-6B7D3F483AF4}"/>
-              </a:ext>
-            </a:extLst>
-          </p:cNvPr>
-          <p:cNvSpPr>
-            <a:spLocks noChangeAspect="1"/>
-          </p:cNvSpPr>
-          <p:nvPr/>
-        </p:nvSpPr>
-        <p:spPr>
-          <a:xfrm>
-            <a:off x="280589" y="1250581"/>
-            <a:ext cx="235320" cy="235320"/>
-          </a:xfrm>
-          <a:prstGeom prst="ellipse">
-            <a:avLst/>
-          </a:prstGeom>
-          <a:solidFill>
-            <a:srgbClr val="ECEBCD"/>
-          </a:solidFill>
-          <a:ln>
-            <a:noFill/>
-          </a:ln>
-          <a:effectLst>
-            <a:innerShdw blurRad="76200" dist="152400" dir="13500000">
-              <a:prstClr val="black">
-                <a:alpha val="50000"/>
-              </a:prstClr>
-            </a:innerShdw>
-          </a:effectLst>
-        </p:spPr>
-        <p:style>
-          <a:lnRef idx="2">
-            <a:schemeClr val="accent1">
-              <a:shade val="15000"/>
-            </a:schemeClr>
-          </a:lnRef>
-          <a:fillRef idx="1">
-            <a:schemeClr val="accent1"/>
-          </a:fillRef>
-          <a:effectRef idx="0">
-            <a:schemeClr val="accent1"/>
-          </a:effectRef>
-          <a:fontRef idx="minor">
-            <a:schemeClr val="lt1"/>
-          </a:fontRef>
-        </p:style>
-        <p:txBody>
-          <a:bodyPr rtlCol="0" anchor="ctr"/>
-          <a:lstStyle/>
-          <a:p>
-            <a:pPr algn="ctr"/>
-            <a:endParaRPr kumimoji="1" lang="ja-JP" altLang="en-US"/>
-          </a:p>
-        </p:txBody>
-      </p:sp>
-      <p:sp>
-        <p:nvSpPr>
-          <p:cNvPr id="28" name="楕円 27">
-            <a:extLst>
-              <a:ext uri="{FF2B5EF4-FFF2-40B4-BE49-F238E27FC236}">
-                <a16:creationId xmlns:a16="http://schemas.microsoft.com/office/drawing/2014/main" id="{8517E9B2-BA80-E786-04C4-FB415A787392}"/>
-              </a:ext>
-            </a:extLst>
-          </p:cNvPr>
-          <p:cNvSpPr>
-            <a:spLocks noChangeAspect="1"/>
-          </p:cNvSpPr>
-          <p:nvPr/>
-        </p:nvSpPr>
-        <p:spPr>
-          <a:xfrm>
-            <a:off x="284156" y="1644521"/>
-            <a:ext cx="235320" cy="235320"/>
-          </a:xfrm>
-          <a:prstGeom prst="ellipse">
-            <a:avLst/>
-          </a:prstGeom>
-          <a:solidFill>
-            <a:srgbClr val="ECEBCD"/>
-          </a:solidFill>
-          <a:ln>
-            <a:noFill/>
-          </a:ln>
-          <a:effectLst>
-            <a:innerShdw blurRad="76200" dist="152400" dir="13500000">
-              <a:prstClr val="black">
-                <a:alpha val="50000"/>
-              </a:prstClr>
-            </a:innerShdw>
-          </a:effectLst>
-        </p:spPr>
-        <p:style>
-          <a:lnRef idx="2">
-            <a:schemeClr val="accent1">
-              <a:shade val="15000"/>
-            </a:schemeClr>
-          </a:lnRef>
-          <a:fillRef idx="1">
-            <a:schemeClr val="accent1"/>
-          </a:fillRef>
-          <a:effectRef idx="0">
-            <a:schemeClr val="accent1"/>
-          </a:effectRef>
-          <a:fontRef idx="minor">
-            <a:schemeClr val="lt1"/>
-          </a:fontRef>
-        </p:style>
-        <p:txBody>
-          <a:bodyPr rtlCol="0" anchor="ctr"/>
-          <a:lstStyle/>
-          <a:p>
-            <a:pPr algn="ctr"/>
-            <a:endParaRPr kumimoji="1" lang="ja-JP" altLang="en-US"/>
-          </a:p>
-        </p:txBody>
-      </p:sp>
-      <p:sp>
-        <p:nvSpPr>
-          <p:cNvPr id="29" name="楕円 28">
-            <a:extLst>
-              <a:ext uri="{FF2B5EF4-FFF2-40B4-BE49-F238E27FC236}">
-                <a16:creationId xmlns:a16="http://schemas.microsoft.com/office/drawing/2014/main" id="{28F9A9D3-5353-B01A-DB19-32EE87556AC5}"/>
-              </a:ext>
-            </a:extLst>
-          </p:cNvPr>
-          <p:cNvSpPr>
-            <a:spLocks noChangeAspect="1"/>
-          </p:cNvSpPr>
-          <p:nvPr/>
-        </p:nvSpPr>
-        <p:spPr>
-          <a:xfrm>
-            <a:off x="283706" y="2035439"/>
-            <a:ext cx="235320" cy="235320"/>
-          </a:xfrm>
-          <a:prstGeom prst="ellipse">
-            <a:avLst/>
-          </a:prstGeom>
-          <a:solidFill>
-            <a:srgbClr val="ECEBCD"/>
-          </a:solidFill>
-          <a:ln>
-            <a:noFill/>
-          </a:ln>
-          <a:effectLst>
-            <a:innerShdw blurRad="76200" dist="152400" dir="13500000">
-              <a:prstClr val="black">
-                <a:alpha val="50000"/>
-              </a:prstClr>
-            </a:innerShdw>
-          </a:effectLst>
-        </p:spPr>
-        <p:style>
-          <a:lnRef idx="2">
-            <a:schemeClr val="accent1">
-              <a:shade val="15000"/>
-            </a:schemeClr>
-          </a:lnRef>
-          <a:fillRef idx="1">
-            <a:schemeClr val="accent1"/>
-          </a:fillRef>
-          <a:effectRef idx="0">
-            <a:schemeClr val="accent1"/>
-          </a:effectRef>
-          <a:fontRef idx="minor">
-            <a:schemeClr val="lt1"/>
-          </a:fontRef>
-        </p:style>
-        <p:txBody>
-          <a:bodyPr rtlCol="0" anchor="ctr"/>
-          <a:lstStyle/>
-          <a:p>
-            <a:pPr algn="ctr"/>
-            <a:endParaRPr kumimoji="1" lang="ja-JP" altLang="en-US"/>
-          </a:p>
-        </p:txBody>
-      </p:sp>
-      <p:sp>
-        <p:nvSpPr>
-          <p:cNvPr id="30" name="楕円 29">
-            <a:extLst>
-              <a:ext uri="{FF2B5EF4-FFF2-40B4-BE49-F238E27FC236}">
-                <a16:creationId xmlns:a16="http://schemas.microsoft.com/office/drawing/2014/main" id="{94AC24C1-535F-F733-78CC-3BB868C60981}"/>
-              </a:ext>
-            </a:extLst>
-          </p:cNvPr>
-          <p:cNvSpPr>
-            <a:spLocks noChangeAspect="1"/>
-          </p:cNvSpPr>
-          <p:nvPr/>
-        </p:nvSpPr>
-        <p:spPr>
-          <a:xfrm>
-            <a:off x="280589" y="2426357"/>
-            <a:ext cx="235320" cy="235320"/>
-          </a:xfrm>
-          <a:prstGeom prst="ellipse">
-            <a:avLst/>
-          </a:prstGeom>
-          <a:solidFill>
-            <a:srgbClr val="ECEBCD"/>
-          </a:solidFill>
-          <a:ln>
-            <a:noFill/>
-          </a:ln>
-          <a:effectLst>
-            <a:innerShdw blurRad="76200" dist="152400" dir="13500000">
-              <a:prstClr val="black">
-                <a:alpha val="50000"/>
-              </a:prstClr>
-            </a:innerShdw>
-          </a:effectLst>
-        </p:spPr>
-        <p:style>
-          <a:lnRef idx="2">
-            <a:schemeClr val="accent1">
-              <a:shade val="15000"/>
-            </a:schemeClr>
-          </a:lnRef>
-          <a:fillRef idx="1">
-            <a:schemeClr val="accent1"/>
-          </a:fillRef>
-          <a:effectRef idx="0">
-            <a:schemeClr val="accent1"/>
-          </a:effectRef>
-          <a:fontRef idx="minor">
-            <a:schemeClr val="lt1"/>
-          </a:fontRef>
-        </p:style>
-        <p:txBody>
-          <a:bodyPr rtlCol="0" anchor="ctr"/>
-          <a:lstStyle/>
-          <a:p>
-            <a:pPr algn="ctr"/>
-            <a:endParaRPr kumimoji="1" lang="ja-JP" altLang="en-US"/>
-          </a:p>
-        </p:txBody>
-      </p:sp>
-      <p:sp>
-        <p:nvSpPr>
-          <p:cNvPr id="31" name="楕円 30">
-            <a:extLst>
-              <a:ext uri="{FF2B5EF4-FFF2-40B4-BE49-F238E27FC236}">
-                <a16:creationId xmlns:a16="http://schemas.microsoft.com/office/drawing/2014/main" id="{AE5DC750-DC7D-08AE-F11D-FB4B0CC5CB1D}"/>
-              </a:ext>
-            </a:extLst>
-          </p:cNvPr>
-          <p:cNvSpPr>
-            <a:spLocks noChangeAspect="1"/>
-          </p:cNvSpPr>
-          <p:nvPr/>
-        </p:nvSpPr>
-        <p:spPr>
-          <a:xfrm>
-            <a:off x="289041" y="2820297"/>
-            <a:ext cx="235320" cy="235320"/>
-          </a:xfrm>
-          <a:prstGeom prst="ellipse">
-            <a:avLst/>
-          </a:prstGeom>
-          <a:solidFill>
-            <a:srgbClr val="ECEBCD"/>
-          </a:solidFill>
-          <a:ln>
-            <a:noFill/>
-          </a:ln>
-          <a:effectLst>
-            <a:innerShdw blurRad="76200" dist="152400" dir="13500000">
-              <a:prstClr val="black">
-                <a:alpha val="50000"/>
-              </a:prstClr>
-            </a:innerShdw>
-          </a:effectLst>
-        </p:spPr>
-        <p:style>
-          <a:lnRef idx="2">
-            <a:schemeClr val="accent1">
-              <a:shade val="15000"/>
-            </a:schemeClr>
-          </a:lnRef>
-          <a:fillRef idx="1">
-            <a:schemeClr val="accent1"/>
-          </a:fillRef>
-          <a:effectRef idx="0">
-            <a:schemeClr val="accent1"/>
-          </a:effectRef>
-          <a:fontRef idx="minor">
-            <a:schemeClr val="lt1"/>
-          </a:fontRef>
-        </p:style>
-        <p:txBody>
-          <a:bodyPr rtlCol="0" anchor="ctr"/>
-          <a:lstStyle/>
-          <a:p>
-            <a:pPr algn="ctr"/>
-            <a:endParaRPr kumimoji="1" lang="ja-JP" altLang="en-US"/>
-          </a:p>
-        </p:txBody>
-      </p:sp>
-      <p:sp>
-        <p:nvSpPr>
-          <p:cNvPr id="32" name="楕円 31">
-            <a:extLst>
-              <a:ext uri="{FF2B5EF4-FFF2-40B4-BE49-F238E27FC236}">
-                <a16:creationId xmlns:a16="http://schemas.microsoft.com/office/drawing/2014/main" id="{8791586B-A2B6-D596-0051-83073EBF1BA4}"/>
-              </a:ext>
-            </a:extLst>
-          </p:cNvPr>
-          <p:cNvSpPr>
-            <a:spLocks noChangeAspect="1"/>
-          </p:cNvSpPr>
-          <p:nvPr/>
-        </p:nvSpPr>
-        <p:spPr>
-          <a:xfrm>
-            <a:off x="289041" y="3214342"/>
-            <a:ext cx="235320" cy="235320"/>
-          </a:xfrm>
-          <a:prstGeom prst="ellipse">
-            <a:avLst/>
-          </a:prstGeom>
-          <a:solidFill>
-            <a:srgbClr val="ECEBCD"/>
-          </a:solidFill>
-          <a:ln>
-            <a:noFill/>
-          </a:ln>
-          <a:effectLst>
-            <a:innerShdw blurRad="76200" dist="152400" dir="13500000">
-              <a:prstClr val="black">
-                <a:alpha val="50000"/>
-              </a:prstClr>
-            </a:innerShdw>
-          </a:effectLst>
-        </p:spPr>
-        <p:style>
-          <a:lnRef idx="2">
-            <a:schemeClr val="accent1">
-              <a:shade val="15000"/>
-            </a:schemeClr>
-          </a:lnRef>
-          <a:fillRef idx="1">
-            <a:schemeClr val="accent1"/>
-          </a:fillRef>
-          <a:effectRef idx="0">
-            <a:schemeClr val="accent1"/>
-          </a:effectRef>
-          <a:fontRef idx="minor">
-            <a:schemeClr val="lt1"/>
-          </a:fontRef>
-        </p:style>
-        <p:txBody>
-          <a:bodyPr rtlCol="0" anchor="ctr"/>
-          <a:lstStyle/>
-          <a:p>
-            <a:pPr algn="ctr"/>
-            <a:endParaRPr kumimoji="1" lang="ja-JP" altLang="en-US"/>
-          </a:p>
-        </p:txBody>
-      </p:sp>
-      <p:sp>
-        <p:nvSpPr>
-          <p:cNvPr id="33" name="楕円 32">
-            <a:extLst>
-              <a:ext uri="{FF2B5EF4-FFF2-40B4-BE49-F238E27FC236}">
-                <a16:creationId xmlns:a16="http://schemas.microsoft.com/office/drawing/2014/main" id="{E7705D90-F3CD-7D4B-AEE2-8A4E8A968465}"/>
-              </a:ext>
-            </a:extLst>
-          </p:cNvPr>
-          <p:cNvSpPr>
-            <a:spLocks noChangeAspect="1"/>
-          </p:cNvSpPr>
-          <p:nvPr/>
-        </p:nvSpPr>
-        <p:spPr>
-          <a:xfrm>
-            <a:off x="288936" y="3612781"/>
-            <a:ext cx="235320" cy="235320"/>
-          </a:xfrm>
-          <a:prstGeom prst="ellipse">
-            <a:avLst/>
-          </a:prstGeom>
-          <a:solidFill>
-            <a:srgbClr val="ECEBCD"/>
-          </a:solidFill>
-          <a:ln>
-            <a:noFill/>
-          </a:ln>
-          <a:effectLst>
-            <a:innerShdw blurRad="76200" dist="152400" dir="13500000">
-              <a:prstClr val="black">
-                <a:alpha val="50000"/>
-              </a:prstClr>
-            </a:innerShdw>
-          </a:effectLst>
-        </p:spPr>
-        <p:style>
-          <a:lnRef idx="2">
-            <a:schemeClr val="accent1">
-              <a:shade val="15000"/>
-            </a:schemeClr>
-          </a:lnRef>
-          <a:fillRef idx="1">
-            <a:schemeClr val="accent1"/>
-          </a:fillRef>
-          <a:effectRef idx="0">
-            <a:schemeClr val="accent1"/>
-          </a:effectRef>
-          <a:fontRef idx="minor">
-            <a:schemeClr val="lt1"/>
-          </a:fontRef>
-        </p:style>
-        <p:txBody>
-          <a:bodyPr rtlCol="0" anchor="ctr"/>
-          <a:lstStyle/>
-          <a:p>
-            <a:pPr algn="ctr"/>
-            <a:endParaRPr kumimoji="1" lang="ja-JP" altLang="en-US"/>
-          </a:p>
-        </p:txBody>
-      </p:sp>
-      <p:sp>
-        <p:nvSpPr>
-          <p:cNvPr id="34" name="楕円 33">
-            <a:extLst>
-              <a:ext uri="{FF2B5EF4-FFF2-40B4-BE49-F238E27FC236}">
-                <a16:creationId xmlns:a16="http://schemas.microsoft.com/office/drawing/2014/main" id="{78926F89-3734-6FCF-0E0E-9EF4B56CA046}"/>
-              </a:ext>
-            </a:extLst>
-          </p:cNvPr>
-          <p:cNvSpPr>
-            <a:spLocks noChangeAspect="1"/>
-          </p:cNvSpPr>
-          <p:nvPr/>
-        </p:nvSpPr>
-        <p:spPr>
-          <a:xfrm>
-            <a:off x="288936" y="4006805"/>
-            <a:ext cx="235320" cy="235320"/>
-          </a:xfrm>
-          <a:prstGeom prst="ellipse">
-            <a:avLst/>
-          </a:prstGeom>
-          <a:solidFill>
-            <a:srgbClr val="ECEBCD"/>
-          </a:solidFill>
-          <a:ln>
-            <a:noFill/>
-          </a:ln>
-          <a:effectLst>
-            <a:innerShdw blurRad="76200" dist="152400" dir="13500000">
-              <a:prstClr val="black">
-                <a:alpha val="50000"/>
-              </a:prstClr>
-            </a:innerShdw>
-          </a:effectLst>
-        </p:spPr>
-        <p:style>
-          <a:lnRef idx="2">
-            <a:schemeClr val="accent1">
-              <a:shade val="15000"/>
-            </a:schemeClr>
-          </a:lnRef>
-          <a:fillRef idx="1">
-            <a:schemeClr val="accent1"/>
-          </a:fillRef>
-          <a:effectRef idx="0">
-            <a:schemeClr val="accent1"/>
-          </a:effectRef>
-          <a:fontRef idx="minor">
-            <a:schemeClr val="lt1"/>
-          </a:fontRef>
-        </p:style>
-        <p:txBody>
-          <a:bodyPr rtlCol="0" anchor="ctr"/>
-          <a:lstStyle/>
-          <a:p>
-            <a:pPr algn="ctr"/>
-            <a:endParaRPr kumimoji="1" lang="ja-JP" altLang="en-US"/>
-          </a:p>
-        </p:txBody>
-      </p:sp>
-      <p:sp>
-        <p:nvSpPr>
-          <p:cNvPr id="35" name="楕円 34">
-            <a:extLst>
-              <a:ext uri="{FF2B5EF4-FFF2-40B4-BE49-F238E27FC236}">
-                <a16:creationId xmlns:a16="http://schemas.microsoft.com/office/drawing/2014/main" id="{2BF71FAC-79F6-4DCE-99D5-E9092EFA3516}"/>
-              </a:ext>
-            </a:extLst>
-          </p:cNvPr>
-          <p:cNvSpPr>
-            <a:spLocks noChangeAspect="1"/>
-          </p:cNvSpPr>
-          <p:nvPr/>
-        </p:nvSpPr>
-        <p:spPr>
-          <a:xfrm>
-            <a:off x="292503" y="4400745"/>
-            <a:ext cx="235320" cy="235320"/>
-          </a:xfrm>
-          <a:prstGeom prst="ellipse">
-            <a:avLst/>
-          </a:prstGeom>
-          <a:solidFill>
-            <a:srgbClr val="ECEBCD"/>
-          </a:solidFill>
-          <a:ln>
-            <a:noFill/>
-          </a:ln>
-          <a:effectLst>
-            <a:innerShdw blurRad="76200" dist="152400" dir="13500000">
-              <a:prstClr val="black">
-                <a:alpha val="50000"/>
-              </a:prstClr>
-            </a:innerShdw>
-          </a:effectLst>
-        </p:spPr>
-        <p:style>
-          <a:lnRef idx="2">
-            <a:schemeClr val="accent1">
-              <a:shade val="15000"/>
-            </a:schemeClr>
-          </a:lnRef>
-          <a:fillRef idx="1">
-            <a:schemeClr val="accent1"/>
-          </a:fillRef>
-          <a:effectRef idx="0">
-            <a:schemeClr val="accent1"/>
-          </a:effectRef>
-          <a:fontRef idx="minor">
-            <a:schemeClr val="lt1"/>
-          </a:fontRef>
-        </p:style>
-        <p:txBody>
-          <a:bodyPr rtlCol="0" anchor="ctr"/>
-          <a:lstStyle/>
-          <a:p>
-            <a:pPr algn="ctr"/>
-            <a:endParaRPr kumimoji="1" lang="ja-JP" altLang="en-US"/>
-          </a:p>
-        </p:txBody>
-      </p:sp>
-      <p:sp>
-        <p:nvSpPr>
-          <p:cNvPr id="36" name="楕円 35">
-            <a:extLst>
-              <a:ext uri="{FF2B5EF4-FFF2-40B4-BE49-F238E27FC236}">
-                <a16:creationId xmlns:a16="http://schemas.microsoft.com/office/drawing/2014/main" id="{8DFAEE56-6051-7C42-8088-29E8AC164F5C}"/>
-              </a:ext>
-            </a:extLst>
-          </p:cNvPr>
-          <p:cNvSpPr>
-            <a:spLocks noChangeAspect="1"/>
-          </p:cNvSpPr>
-          <p:nvPr/>
-        </p:nvSpPr>
-        <p:spPr>
-          <a:xfrm>
-            <a:off x="292053" y="4791663"/>
-            <a:ext cx="235320" cy="235320"/>
-          </a:xfrm>
-          <a:prstGeom prst="ellipse">
-            <a:avLst/>
-          </a:prstGeom>
-          <a:solidFill>
-            <a:srgbClr val="ECEBCD"/>
-          </a:solidFill>
-          <a:ln>
-            <a:noFill/>
-          </a:ln>
-          <a:effectLst>
-            <a:innerShdw blurRad="76200" dist="152400" dir="13500000">
-              <a:prstClr val="black">
-                <a:alpha val="50000"/>
-              </a:prstClr>
-            </a:innerShdw>
-          </a:effectLst>
-        </p:spPr>
-        <p:style>
-          <a:lnRef idx="2">
-            <a:schemeClr val="accent1">
-              <a:shade val="15000"/>
-            </a:schemeClr>
-          </a:lnRef>
-          <a:fillRef idx="1">
-            <a:schemeClr val="accent1"/>
-          </a:fillRef>
-          <a:effectRef idx="0">
-            <a:schemeClr val="accent1"/>
-          </a:effectRef>
-          <a:fontRef idx="minor">
-            <a:schemeClr val="lt1"/>
-          </a:fontRef>
-        </p:style>
-        <p:txBody>
-          <a:bodyPr rtlCol="0" anchor="ctr"/>
-          <a:lstStyle/>
-          <a:p>
-            <a:pPr algn="ctr"/>
-            <a:endParaRPr kumimoji="1" lang="ja-JP" altLang="en-US"/>
-          </a:p>
-        </p:txBody>
-      </p:sp>
-      <p:sp>
-        <p:nvSpPr>
-          <p:cNvPr id="37" name="楕円 36">
-            <a:extLst>
-              <a:ext uri="{FF2B5EF4-FFF2-40B4-BE49-F238E27FC236}">
-                <a16:creationId xmlns:a16="http://schemas.microsoft.com/office/drawing/2014/main" id="{D24D3B3E-78EC-34D3-FE04-446446D01ABD}"/>
-              </a:ext>
-            </a:extLst>
-          </p:cNvPr>
-          <p:cNvSpPr>
-            <a:spLocks noChangeAspect="1"/>
-          </p:cNvSpPr>
-          <p:nvPr/>
-        </p:nvSpPr>
-        <p:spPr>
-          <a:xfrm>
-            <a:off x="288936" y="5182581"/>
-            <a:ext cx="235320" cy="235320"/>
-          </a:xfrm>
-          <a:prstGeom prst="ellipse">
-            <a:avLst/>
-          </a:prstGeom>
-          <a:solidFill>
-            <a:srgbClr val="ECEBCD"/>
-          </a:solidFill>
-          <a:ln>
-            <a:noFill/>
-          </a:ln>
-          <a:effectLst>
-            <a:innerShdw blurRad="76200" dist="152400" dir="13500000">
-              <a:prstClr val="black">
-                <a:alpha val="50000"/>
-              </a:prstClr>
-            </a:innerShdw>
-          </a:effectLst>
-        </p:spPr>
-        <p:style>
-          <a:lnRef idx="2">
-            <a:schemeClr val="accent1">
-              <a:shade val="15000"/>
-            </a:schemeClr>
-          </a:lnRef>
-          <a:fillRef idx="1">
-            <a:schemeClr val="accent1"/>
-          </a:fillRef>
-          <a:effectRef idx="0">
-            <a:schemeClr val="accent1"/>
-          </a:effectRef>
-          <a:fontRef idx="minor">
-            <a:schemeClr val="lt1"/>
-          </a:fontRef>
-        </p:style>
-        <p:txBody>
-          <a:bodyPr rtlCol="0" anchor="ctr"/>
-          <a:lstStyle/>
-          <a:p>
-            <a:pPr algn="ctr"/>
-            <a:endParaRPr kumimoji="1" lang="ja-JP" altLang="en-US"/>
-          </a:p>
-        </p:txBody>
-      </p:sp>
-      <p:sp>
-        <p:nvSpPr>
-          <p:cNvPr id="38" name="楕円 37">
-            <a:extLst>
-              <a:ext uri="{FF2B5EF4-FFF2-40B4-BE49-F238E27FC236}">
-                <a16:creationId xmlns:a16="http://schemas.microsoft.com/office/drawing/2014/main" id="{1913FE2C-FE6E-7708-04C5-096903F955D4}"/>
-              </a:ext>
-            </a:extLst>
-          </p:cNvPr>
-          <p:cNvSpPr>
-            <a:spLocks noChangeAspect="1"/>
-          </p:cNvSpPr>
-          <p:nvPr/>
-        </p:nvSpPr>
-        <p:spPr>
-          <a:xfrm>
-            <a:off x="297388" y="5576521"/>
-            <a:ext cx="235320" cy="235320"/>
-          </a:xfrm>
-          <a:prstGeom prst="ellipse">
-            <a:avLst/>
-          </a:prstGeom>
-          <a:solidFill>
-            <a:srgbClr val="ECEBCD"/>
-          </a:solidFill>
-          <a:ln>
-            <a:noFill/>
-          </a:ln>
-          <a:effectLst>
-            <a:innerShdw blurRad="76200" dist="152400" dir="13500000">
-              <a:prstClr val="black">
-                <a:alpha val="50000"/>
-              </a:prstClr>
-            </a:innerShdw>
-          </a:effectLst>
-        </p:spPr>
-        <p:style>
-          <a:lnRef idx="2">
-            <a:schemeClr val="accent1">
-              <a:shade val="15000"/>
-            </a:schemeClr>
-          </a:lnRef>
-          <a:fillRef idx="1">
-            <a:schemeClr val="accent1"/>
-          </a:fillRef>
-          <a:effectRef idx="0">
-            <a:schemeClr val="accent1"/>
-          </a:effectRef>
-          <a:fontRef idx="minor">
-            <a:schemeClr val="lt1"/>
-          </a:fontRef>
-        </p:style>
-        <p:txBody>
-          <a:bodyPr rtlCol="0" anchor="ctr"/>
-          <a:lstStyle/>
-          <a:p>
-            <a:pPr algn="ctr"/>
-            <a:endParaRPr kumimoji="1" lang="ja-JP" altLang="en-US"/>
-          </a:p>
-        </p:txBody>
-      </p:sp>
-      <p:sp>
-        <p:nvSpPr>
-          <p:cNvPr id="39" name="楕円 38">
-            <a:extLst>
-              <a:ext uri="{FF2B5EF4-FFF2-40B4-BE49-F238E27FC236}">
-                <a16:creationId xmlns:a16="http://schemas.microsoft.com/office/drawing/2014/main" id="{634AFD09-EC4B-1671-0898-99752A1FBD59}"/>
-              </a:ext>
-            </a:extLst>
-          </p:cNvPr>
-          <p:cNvSpPr>
-            <a:spLocks noChangeAspect="1"/>
-          </p:cNvSpPr>
-          <p:nvPr/>
-        </p:nvSpPr>
-        <p:spPr>
-          <a:xfrm>
-            <a:off x="297388" y="5970566"/>
-            <a:ext cx="235320" cy="235320"/>
-          </a:xfrm>
-          <a:prstGeom prst="ellipse">
-            <a:avLst/>
-          </a:prstGeom>
-          <a:solidFill>
-            <a:srgbClr val="ECEBCD"/>
-          </a:solidFill>
-          <a:ln>
-            <a:noFill/>
-          </a:ln>
-          <a:effectLst>
-            <a:innerShdw blurRad="76200" dist="152400" dir="13500000">
-              <a:prstClr val="black">
-                <a:alpha val="50000"/>
-              </a:prstClr>
-            </a:innerShdw>
-          </a:effectLst>
-        </p:spPr>
-        <p:style>
-          <a:lnRef idx="2">
-            <a:schemeClr val="accent1">
-              <a:shade val="15000"/>
-            </a:schemeClr>
-          </a:lnRef>
-          <a:fillRef idx="1">
-            <a:schemeClr val="accent1"/>
-          </a:fillRef>
-          <a:effectRef idx="0">
-            <a:schemeClr val="accent1"/>
-          </a:effectRef>
-          <a:fontRef idx="minor">
-            <a:schemeClr val="lt1"/>
-          </a:fontRef>
-        </p:style>
-        <p:txBody>
-          <a:bodyPr rtlCol="0" anchor="ctr"/>
-          <a:lstStyle/>
-          <a:p>
-            <a:pPr algn="ctr"/>
-            <a:endParaRPr kumimoji="1" lang="ja-JP" altLang="en-US"/>
-          </a:p>
-        </p:txBody>
-      </p:sp>
       <p:cxnSp>
         <p:nvCxnSpPr>
           <p:cNvPr id="40" name="直線コネクタ 39">
@@ -6984,6 +7068,295 @@
           </a:fontRef>
         </p:style>
       </p:cxnSp>
+      <p:grpSp>
+        <p:nvGrpSpPr>
+          <p:cNvPr id="49" name="グループ化 48">
+            <a:extLst>
+              <a:ext uri="{FF2B5EF4-FFF2-40B4-BE49-F238E27FC236}">
+                <a16:creationId xmlns:a16="http://schemas.microsoft.com/office/drawing/2014/main" id="{E7BB6B22-DA45-F365-236A-5B16325CB0E0}"/>
+              </a:ext>
+            </a:extLst>
+          </p:cNvPr>
+          <p:cNvGrpSpPr/>
+          <p:nvPr/>
+        </p:nvGrpSpPr>
+        <p:grpSpPr>
+          <a:xfrm>
+            <a:off x="0" y="5695953"/>
+            <a:ext cx="12192000" cy="1166336"/>
+            <a:chOff x="0" y="5695953"/>
+            <a:chExt cx="12192000" cy="1166336"/>
+          </a:xfrm>
+        </p:grpSpPr>
+        <p:sp>
+          <p:nvSpPr>
+            <p:cNvPr id="48" name="正方形/長方形 47">
+              <a:extLst>
+                <a:ext uri="{FF2B5EF4-FFF2-40B4-BE49-F238E27FC236}">
+                  <a16:creationId xmlns:a16="http://schemas.microsoft.com/office/drawing/2014/main" id="{36A84794-A3C1-8E01-A5B0-B20861366437}"/>
+                </a:ext>
+              </a:extLst>
+            </p:cNvPr>
+            <p:cNvSpPr/>
+            <p:nvPr/>
+          </p:nvSpPr>
+          <p:spPr>
+            <a:xfrm>
+              <a:off x="0" y="5695953"/>
+              <a:ext cx="12192000" cy="1166336"/>
+            </a:xfrm>
+            <a:prstGeom prst="rect">
+              <a:avLst/>
+            </a:prstGeom>
+            <a:gradFill>
+              <a:gsLst>
+                <a:gs pos="0">
+                  <a:srgbClr val="F6F8FC">
+                    <a:alpha val="0"/>
+                  </a:srgbClr>
+                </a:gs>
+                <a:gs pos="52000">
+                  <a:srgbClr val="ECEBCD"/>
+                </a:gs>
+              </a:gsLst>
+              <a:lin ang="5400000" scaled="1"/>
+            </a:gradFill>
+            <a:ln>
+              <a:noFill/>
+            </a:ln>
+          </p:spPr>
+          <p:style>
+            <a:lnRef idx="2">
+              <a:schemeClr val="accent1">
+                <a:shade val="15000"/>
+              </a:schemeClr>
+            </a:lnRef>
+            <a:fillRef idx="1">
+              <a:schemeClr val="accent1"/>
+            </a:fillRef>
+            <a:effectRef idx="0">
+              <a:schemeClr val="accent1"/>
+            </a:effectRef>
+            <a:fontRef idx="minor">
+              <a:schemeClr val="lt1"/>
+            </a:fontRef>
+          </p:style>
+          <p:txBody>
+            <a:bodyPr rtlCol="0" anchor="ctr"/>
+            <a:lstStyle/>
+            <a:p>
+              <a:pPr algn="ctr"/>
+              <a:endParaRPr kumimoji="1" lang="ja-JP" altLang="en-US" dirty="0"/>
+            </a:p>
+          </p:txBody>
+        </p:sp>
+        <p:sp>
+          <p:nvSpPr>
+            <p:cNvPr id="47" name="コンテンツ プレースホルダー 2">
+              <a:extLst>
+                <a:ext uri="{FF2B5EF4-FFF2-40B4-BE49-F238E27FC236}">
+                  <a16:creationId xmlns:a16="http://schemas.microsoft.com/office/drawing/2014/main" id="{D098ACCF-5964-637F-FBB0-1F18CFE77A63}"/>
+                </a:ext>
+              </a:extLst>
+            </p:cNvPr>
+            <p:cNvSpPr txBox="1">
+              <a:spLocks/>
+            </p:cNvSpPr>
+            <p:nvPr/>
+          </p:nvSpPr>
+          <p:spPr>
+            <a:xfrm>
+              <a:off x="5602432" y="6555057"/>
+              <a:ext cx="987136" cy="212702"/>
+            </a:xfrm>
+            <a:prstGeom prst="rect">
+              <a:avLst/>
+            </a:prstGeom>
+          </p:spPr>
+          <p:txBody>
+            <a:bodyPr vert="horz" lIns="91440" tIns="45720" rIns="91440" bIns="45720" rtlCol="0">
+              <a:normAutofit fontScale="92500" lnSpcReduction="20000"/>
+            </a:bodyPr>
+            <a:lstStyle>
+              <a:lvl1pPr marL="228600" indent="-228600" algn="l" defTabSz="914400" rtl="0" eaLnBrk="1" latinLnBrk="0" hangingPunct="1">
+                <a:lnSpc>
+                  <a:spcPct val="90000"/>
+                </a:lnSpc>
+                <a:spcBef>
+                  <a:spcPts val="1000"/>
+                </a:spcBef>
+                <a:buFont typeface="Arial" panose="020B0604020202020204" pitchFamily="34" charset="0"/>
+                <a:buChar char="•"/>
+                <a:defRPr kumimoji="1" sz="2800" kern="1200">
+                  <a:solidFill>
+                    <a:schemeClr val="tx1"/>
+                  </a:solidFill>
+                  <a:latin typeface="+mn-lt"/>
+                  <a:ea typeface="+mn-ea"/>
+                  <a:cs typeface="+mn-cs"/>
+                </a:defRPr>
+              </a:lvl1pPr>
+              <a:lvl2pPr marL="685800" indent="-228600" algn="l" defTabSz="914400" rtl="0" eaLnBrk="1" latinLnBrk="0" hangingPunct="1">
+                <a:lnSpc>
+                  <a:spcPct val="90000"/>
+                </a:lnSpc>
+                <a:spcBef>
+                  <a:spcPts val="500"/>
+                </a:spcBef>
+                <a:buFont typeface="Arial" panose="020B0604020202020204" pitchFamily="34" charset="0"/>
+                <a:buChar char="•"/>
+                <a:defRPr kumimoji="1" sz="2400" kern="1200">
+                  <a:solidFill>
+                    <a:schemeClr val="tx1"/>
+                  </a:solidFill>
+                  <a:latin typeface="+mn-lt"/>
+                  <a:ea typeface="+mn-ea"/>
+                  <a:cs typeface="+mn-cs"/>
+                </a:defRPr>
+              </a:lvl2pPr>
+              <a:lvl3pPr marL="1143000" indent="-228600" algn="l" defTabSz="914400" rtl="0" eaLnBrk="1" latinLnBrk="0" hangingPunct="1">
+                <a:lnSpc>
+                  <a:spcPct val="90000"/>
+                </a:lnSpc>
+                <a:spcBef>
+                  <a:spcPts val="500"/>
+                </a:spcBef>
+                <a:buFont typeface="Arial" panose="020B0604020202020204" pitchFamily="34" charset="0"/>
+                <a:buChar char="•"/>
+                <a:defRPr kumimoji="1" sz="2000" kern="1200">
+                  <a:solidFill>
+                    <a:schemeClr val="tx1"/>
+                  </a:solidFill>
+                  <a:latin typeface="+mn-lt"/>
+                  <a:ea typeface="+mn-ea"/>
+                  <a:cs typeface="+mn-cs"/>
+                </a:defRPr>
+              </a:lvl3pPr>
+              <a:lvl4pPr marL="1600200" indent="-228600" algn="l" defTabSz="914400" rtl="0" eaLnBrk="1" latinLnBrk="0" hangingPunct="1">
+                <a:lnSpc>
+                  <a:spcPct val="90000"/>
+                </a:lnSpc>
+                <a:spcBef>
+                  <a:spcPts val="500"/>
+                </a:spcBef>
+                <a:buFont typeface="Arial" panose="020B0604020202020204" pitchFamily="34" charset="0"/>
+                <a:buChar char="•"/>
+                <a:defRPr kumimoji="1" sz="1800" kern="1200">
+                  <a:solidFill>
+                    <a:schemeClr val="tx1"/>
+                  </a:solidFill>
+                  <a:latin typeface="+mn-lt"/>
+                  <a:ea typeface="+mn-ea"/>
+                  <a:cs typeface="+mn-cs"/>
+                </a:defRPr>
+              </a:lvl4pPr>
+              <a:lvl5pPr marL="2057400" indent="-228600" algn="l" defTabSz="914400" rtl="0" eaLnBrk="1" latinLnBrk="0" hangingPunct="1">
+                <a:lnSpc>
+                  <a:spcPct val="90000"/>
+                </a:lnSpc>
+                <a:spcBef>
+                  <a:spcPts val="500"/>
+                </a:spcBef>
+                <a:buFont typeface="Arial" panose="020B0604020202020204" pitchFamily="34" charset="0"/>
+                <a:buChar char="•"/>
+                <a:defRPr kumimoji="1" sz="1800" kern="1200">
+                  <a:solidFill>
+                    <a:schemeClr val="tx1"/>
+                  </a:solidFill>
+                  <a:latin typeface="+mn-lt"/>
+                  <a:ea typeface="+mn-ea"/>
+                  <a:cs typeface="+mn-cs"/>
+                </a:defRPr>
+              </a:lvl5pPr>
+              <a:lvl6pPr marL="2514600" indent="-228600" algn="l" defTabSz="914400" rtl="0" eaLnBrk="1" latinLnBrk="0" hangingPunct="1">
+                <a:lnSpc>
+                  <a:spcPct val="90000"/>
+                </a:lnSpc>
+                <a:spcBef>
+                  <a:spcPts val="500"/>
+                </a:spcBef>
+                <a:buFont typeface="Arial" panose="020B0604020202020204" pitchFamily="34" charset="0"/>
+                <a:buChar char="•"/>
+                <a:defRPr kumimoji="1" sz="1800" kern="1200">
+                  <a:solidFill>
+                    <a:schemeClr val="tx1"/>
+                  </a:solidFill>
+                  <a:latin typeface="+mn-lt"/>
+                  <a:ea typeface="+mn-ea"/>
+                  <a:cs typeface="+mn-cs"/>
+                </a:defRPr>
+              </a:lvl6pPr>
+              <a:lvl7pPr marL="2971800" indent="-228600" algn="l" defTabSz="914400" rtl="0" eaLnBrk="1" latinLnBrk="0" hangingPunct="1">
+                <a:lnSpc>
+                  <a:spcPct val="90000"/>
+                </a:lnSpc>
+                <a:spcBef>
+                  <a:spcPts val="500"/>
+                </a:spcBef>
+                <a:buFont typeface="Arial" panose="020B0604020202020204" pitchFamily="34" charset="0"/>
+                <a:buChar char="•"/>
+                <a:defRPr kumimoji="1" sz="1800" kern="1200">
+                  <a:solidFill>
+                    <a:schemeClr val="tx1"/>
+                  </a:solidFill>
+                  <a:latin typeface="+mn-lt"/>
+                  <a:ea typeface="+mn-ea"/>
+                  <a:cs typeface="+mn-cs"/>
+                </a:defRPr>
+              </a:lvl7pPr>
+              <a:lvl8pPr marL="3429000" indent="-228600" algn="l" defTabSz="914400" rtl="0" eaLnBrk="1" latinLnBrk="0" hangingPunct="1">
+                <a:lnSpc>
+                  <a:spcPct val="90000"/>
+                </a:lnSpc>
+                <a:spcBef>
+                  <a:spcPts val="500"/>
+                </a:spcBef>
+                <a:buFont typeface="Arial" panose="020B0604020202020204" pitchFamily="34" charset="0"/>
+                <a:buChar char="•"/>
+                <a:defRPr kumimoji="1" sz="1800" kern="1200">
+                  <a:solidFill>
+                    <a:schemeClr val="tx1"/>
+                  </a:solidFill>
+                  <a:latin typeface="+mn-lt"/>
+                  <a:ea typeface="+mn-ea"/>
+                  <a:cs typeface="+mn-cs"/>
+                </a:defRPr>
+              </a:lvl8pPr>
+              <a:lvl9pPr marL="3886200" indent="-228600" algn="l" defTabSz="914400" rtl="0" eaLnBrk="1" latinLnBrk="0" hangingPunct="1">
+                <a:lnSpc>
+                  <a:spcPct val="90000"/>
+                </a:lnSpc>
+                <a:spcBef>
+                  <a:spcPts val="500"/>
+                </a:spcBef>
+                <a:buFont typeface="Arial" panose="020B0604020202020204" pitchFamily="34" charset="0"/>
+                <a:buChar char="•"/>
+                <a:defRPr kumimoji="1" sz="1800" kern="1200">
+                  <a:solidFill>
+                    <a:schemeClr val="tx1"/>
+                  </a:solidFill>
+                  <a:latin typeface="+mn-lt"/>
+                  <a:ea typeface="+mn-ea"/>
+                  <a:cs typeface="+mn-cs"/>
+                </a:defRPr>
+              </a:lvl9pPr>
+            </a:lstStyle>
+            <a:p>
+              <a:pPr marL="0" indent="0" algn="ctr">
+                <a:buNone/>
+              </a:pPr>
+              <a:r>
+                <a:rPr lang="en-US" altLang="ja-JP" sz="1100" dirty="0"/>
+                <a:t>©</a:t>
+              </a:r>
+              <a:r>
+                <a:rPr lang="ja-JP" altLang="en-US" sz="1100" dirty="0"/>
+                <a:t>ソラノアナ</a:t>
+              </a:r>
+            </a:p>
+          </p:txBody>
+        </p:sp>
+      </p:grpSp>
     </p:spTree>
     <p:extLst>
       <p:ext uri="{BB962C8B-B14F-4D97-AF65-F5344CB8AC3E}">

--- a/ページデザイン.pptx
+++ b/ページデザイン.pptx
@@ -259,7 +259,7 @@
           <a:p>
             <a:fld id="{BABA1FC8-398B-47CD-8BE5-64901F5BCC36}" type="datetimeFigureOut">
               <a:rPr kumimoji="1" lang="ja-JP" altLang="en-US" smtClean="0"/>
-              <a:t>2024/1/21</a:t>
+              <a:t>2024/1/28</a:t>
             </a:fld>
             <a:endParaRPr kumimoji="1" lang="ja-JP" altLang="en-US"/>
           </a:p>
@@ -489,7 +489,7 @@
           <a:p>
             <a:fld id="{BABA1FC8-398B-47CD-8BE5-64901F5BCC36}" type="datetimeFigureOut">
               <a:rPr kumimoji="1" lang="ja-JP" altLang="en-US" smtClean="0"/>
-              <a:t>2024/1/21</a:t>
+              <a:t>2024/1/28</a:t>
             </a:fld>
             <a:endParaRPr kumimoji="1" lang="ja-JP" altLang="en-US"/>
           </a:p>
@@ -729,7 +729,7 @@
           <a:p>
             <a:fld id="{BABA1FC8-398B-47CD-8BE5-64901F5BCC36}" type="datetimeFigureOut">
               <a:rPr kumimoji="1" lang="ja-JP" altLang="en-US" smtClean="0"/>
-              <a:t>2024/1/21</a:t>
+              <a:t>2024/1/28</a:t>
             </a:fld>
             <a:endParaRPr kumimoji="1" lang="ja-JP" altLang="en-US"/>
           </a:p>
@@ -959,7 +959,7 @@
           <a:p>
             <a:fld id="{BABA1FC8-398B-47CD-8BE5-64901F5BCC36}" type="datetimeFigureOut">
               <a:rPr kumimoji="1" lang="ja-JP" altLang="en-US" smtClean="0"/>
-              <a:t>2024/1/21</a:t>
+              <a:t>2024/1/28</a:t>
             </a:fld>
             <a:endParaRPr kumimoji="1" lang="ja-JP" altLang="en-US"/>
           </a:p>
@@ -1234,7 +1234,7 @@
           <a:p>
             <a:fld id="{BABA1FC8-398B-47CD-8BE5-64901F5BCC36}" type="datetimeFigureOut">
               <a:rPr kumimoji="1" lang="ja-JP" altLang="en-US" smtClean="0"/>
-              <a:t>2024/1/21</a:t>
+              <a:t>2024/1/28</a:t>
             </a:fld>
             <a:endParaRPr kumimoji="1" lang="ja-JP" altLang="en-US"/>
           </a:p>
@@ -1563,7 +1563,7 @@
           <a:p>
             <a:fld id="{BABA1FC8-398B-47CD-8BE5-64901F5BCC36}" type="datetimeFigureOut">
               <a:rPr kumimoji="1" lang="ja-JP" altLang="en-US" smtClean="0"/>
-              <a:t>2024/1/21</a:t>
+              <a:t>2024/1/28</a:t>
             </a:fld>
             <a:endParaRPr kumimoji="1" lang="ja-JP" altLang="en-US"/>
           </a:p>
@@ -2039,7 +2039,7 @@
           <a:p>
             <a:fld id="{BABA1FC8-398B-47CD-8BE5-64901F5BCC36}" type="datetimeFigureOut">
               <a:rPr kumimoji="1" lang="ja-JP" altLang="en-US" smtClean="0"/>
-              <a:t>2024/1/21</a:t>
+              <a:t>2024/1/28</a:t>
             </a:fld>
             <a:endParaRPr kumimoji="1" lang="ja-JP" altLang="en-US"/>
           </a:p>
@@ -2180,7 +2180,7 @@
           <a:p>
             <a:fld id="{BABA1FC8-398B-47CD-8BE5-64901F5BCC36}" type="datetimeFigureOut">
               <a:rPr kumimoji="1" lang="ja-JP" altLang="en-US" smtClean="0"/>
-              <a:t>2024/1/21</a:t>
+              <a:t>2024/1/28</a:t>
             </a:fld>
             <a:endParaRPr kumimoji="1" lang="ja-JP" altLang="en-US"/>
           </a:p>
@@ -2293,7 +2293,7 @@
           <a:p>
             <a:fld id="{BABA1FC8-398B-47CD-8BE5-64901F5BCC36}" type="datetimeFigureOut">
               <a:rPr kumimoji="1" lang="ja-JP" altLang="en-US" smtClean="0"/>
-              <a:t>2024/1/21</a:t>
+              <a:t>2024/1/28</a:t>
             </a:fld>
             <a:endParaRPr kumimoji="1" lang="ja-JP" altLang="en-US"/>
           </a:p>
@@ -2636,7 +2636,7 @@
           <a:p>
             <a:fld id="{BABA1FC8-398B-47CD-8BE5-64901F5BCC36}" type="datetimeFigureOut">
               <a:rPr kumimoji="1" lang="ja-JP" altLang="en-US" smtClean="0"/>
-              <a:t>2024/1/21</a:t>
+              <a:t>2024/1/28</a:t>
             </a:fld>
             <a:endParaRPr kumimoji="1" lang="ja-JP" altLang="en-US"/>
           </a:p>
@@ -2924,7 +2924,7 @@
           <a:p>
             <a:fld id="{BABA1FC8-398B-47CD-8BE5-64901F5BCC36}" type="datetimeFigureOut">
               <a:rPr kumimoji="1" lang="ja-JP" altLang="en-US" smtClean="0"/>
-              <a:t>2024/1/21</a:t>
+              <a:t>2024/1/28</a:t>
             </a:fld>
             <a:endParaRPr kumimoji="1" lang="ja-JP" altLang="en-US"/>
           </a:p>
@@ -3197,7 +3197,7 @@
           <a:p>
             <a:fld id="{BABA1FC8-398B-47CD-8BE5-64901F5BCC36}" type="datetimeFigureOut">
               <a:rPr kumimoji="1" lang="ja-JP" altLang="en-US" smtClean="0"/>
-              <a:t>2024/1/21</a:t>
+              <a:t>2024/1/28</a:t>
             </a:fld>
             <a:endParaRPr kumimoji="1" lang="ja-JP" altLang="en-US"/>
           </a:p>
@@ -5599,7 +5599,9 @@
           </a:xfrm>
         </p:spPr>
         <p:txBody>
-          <a:bodyPr/>
+          <a:bodyPr>
+            <a:noAutofit/>
+          </a:bodyPr>
           <a:lstStyle/>
           <a:p>
             <a:r>
@@ -5638,7 +5640,7 @@
         </p:spPr>
         <p:txBody>
           <a:bodyPr vert="horz" lIns="91440" tIns="45720" rIns="91440" bIns="45720" rtlCol="0" anchor="ctr">
-            <a:normAutofit/>
+            <a:noAutofit/>
           </a:bodyPr>
           <a:lstStyle>
             <a:lvl1pPr algn="l" defTabSz="914400" rtl="0" eaLnBrk="1" latinLnBrk="0" hangingPunct="1">
@@ -5672,554 +5674,6 @@
               <a:rPr lang="ja-JP" altLang="en-US" sz="2400" dirty="0"/>
               <a:t>シの　権兵∀</a:t>
             </a:r>
-          </a:p>
-        </p:txBody>
-      </p:sp>
-      <p:sp>
-        <p:nvSpPr>
-          <p:cNvPr id="3" name="コンテンツ プレースホルダー 2">
-            <a:extLst>
-              <a:ext uri="{FF2B5EF4-FFF2-40B4-BE49-F238E27FC236}">
-                <a16:creationId xmlns:a16="http://schemas.microsoft.com/office/drawing/2014/main" id="{6D804F15-AC28-270B-5AD3-CF0DEF509F7B}"/>
-              </a:ext>
-            </a:extLst>
-          </p:cNvPr>
-          <p:cNvSpPr>
-            <a:spLocks noGrp="1"/>
-          </p:cNvSpPr>
-          <p:nvPr>
-            <p:ph idx="1"/>
-          </p:nvPr>
-        </p:nvSpPr>
-        <p:spPr>
-          <a:xfrm>
-            <a:off x="2202180" y="1661715"/>
-            <a:ext cx="10515600" cy="4351338"/>
-          </a:xfrm>
-        </p:spPr>
-        <p:txBody>
-          <a:bodyPr>
-            <a:normAutofit fontScale="40000" lnSpcReduction="20000"/>
-          </a:bodyPr>
-          <a:lstStyle/>
-          <a:p>
-            <a:pPr indent="133350" algn="just"/>
-            <a:r>
-              <a:rPr lang="ja-JP" altLang="ja-JP" sz="1800" kern="100" dirty="0">
-                <a:effectLst/>
-                <a:latin typeface="Century" panose="02040604050505020304" pitchFamily="18" charset="0"/>
-                <a:ea typeface="ＭＳ 明朝" panose="02020609040205080304" pitchFamily="17" charset="-128"/>
-                <a:cs typeface="Times New Roman" panose="02020603050405020304" pitchFamily="18" charset="0"/>
-              </a:rPr>
-              <a:t>名前</a:t>
-            </a:r>
-          </a:p>
-          <a:p>
-            <a:pPr indent="133350" algn="just"/>
-            <a:r>
-              <a:rPr lang="ja-JP" altLang="ja-JP" sz="1800" kern="100" dirty="0">
-                <a:effectLst/>
-                <a:latin typeface="Century" panose="02040604050505020304" pitchFamily="18" charset="0"/>
-                <a:ea typeface="ＭＳ 明朝" panose="02020609040205080304" pitchFamily="17" charset="-128"/>
-                <a:cs typeface="Times New Roman" panose="02020603050405020304" pitchFamily="18" charset="0"/>
-              </a:rPr>
-              <a:t>名前のよみがな</a:t>
-            </a:r>
-          </a:p>
-          <a:p>
-            <a:pPr indent="133350" algn="just"/>
-            <a:r>
-              <a:rPr lang="ja-JP" altLang="ja-JP" sz="1800" kern="100" dirty="0">
-                <a:effectLst/>
-                <a:latin typeface="Century" panose="02040604050505020304" pitchFamily="18" charset="0"/>
-                <a:ea typeface="ＭＳ 明朝" panose="02020609040205080304" pitchFamily="17" charset="-128"/>
-                <a:cs typeface="Times New Roman" panose="02020603050405020304" pitchFamily="18" charset="0"/>
-              </a:rPr>
-              <a:t>キャラモデル画像（複数。</a:t>
-            </a:r>
-            <a:r>
-              <a:rPr lang="en-US" altLang="ja-JP" sz="1800" kern="100" dirty="0">
-                <a:effectLst/>
-                <a:latin typeface="Century" panose="02040604050505020304" pitchFamily="18" charset="0"/>
-                <a:ea typeface="ＭＳ 明朝" panose="02020609040205080304" pitchFamily="17" charset="-128"/>
-                <a:cs typeface="Times New Roman" panose="02020603050405020304" pitchFamily="18" charset="0"/>
-              </a:rPr>
-              <a:t>3D</a:t>
-            </a:r>
-            <a:r>
-              <a:rPr lang="ja-JP" altLang="ja-JP" sz="1800" kern="100" dirty="0">
-                <a:effectLst/>
-                <a:latin typeface="Century" panose="02040604050505020304" pitchFamily="18" charset="0"/>
-                <a:ea typeface="ＭＳ 明朝" panose="02020609040205080304" pitchFamily="17" charset="-128"/>
-                <a:cs typeface="Times New Roman" panose="02020603050405020304" pitchFamily="18" charset="0"/>
-              </a:rPr>
-              <a:t>モデルをどうするか）</a:t>
-            </a:r>
-          </a:p>
-          <a:p>
-            <a:pPr indent="133350" algn="just"/>
-            <a:r>
-              <a:rPr lang="ja-JP" altLang="ja-JP" sz="1800" kern="100" dirty="0">
-                <a:effectLst/>
-                <a:latin typeface="Century" panose="02040604050505020304" pitchFamily="18" charset="0"/>
-                <a:ea typeface="ＭＳ 明朝" panose="02020609040205080304" pitchFamily="17" charset="-128"/>
-                <a:cs typeface="Times New Roman" panose="02020603050405020304" pitchFamily="18" charset="0"/>
-              </a:rPr>
-              <a:t>ママ（担当イラストレーター）</a:t>
-            </a:r>
-          </a:p>
-          <a:p>
-            <a:pPr indent="133350" algn="just"/>
-            <a:r>
-              <a:rPr lang="ja-JP" altLang="ja-JP" sz="1800" kern="100" dirty="0">
-                <a:effectLst/>
-                <a:latin typeface="Century" panose="02040604050505020304" pitchFamily="18" charset="0"/>
-                <a:ea typeface="ＭＳ 明朝" panose="02020609040205080304" pitchFamily="17" charset="-128"/>
-                <a:cs typeface="Times New Roman" panose="02020603050405020304" pitchFamily="18" charset="0"/>
-              </a:rPr>
-              <a:t>パパ（担当</a:t>
-            </a:r>
-            <a:r>
-              <a:rPr lang="en-US" altLang="ja-JP" sz="1800" kern="100" dirty="0">
-                <a:effectLst/>
-                <a:latin typeface="Century" panose="02040604050505020304" pitchFamily="18" charset="0"/>
-                <a:ea typeface="ＭＳ 明朝" panose="02020609040205080304" pitchFamily="17" charset="-128"/>
-                <a:cs typeface="Times New Roman" panose="02020603050405020304" pitchFamily="18" charset="0"/>
-              </a:rPr>
-              <a:t>Live2D</a:t>
-            </a:r>
-            <a:r>
-              <a:rPr lang="ja-JP" altLang="ja-JP" sz="1800" kern="100" dirty="0">
-                <a:effectLst/>
-                <a:latin typeface="Century" panose="02040604050505020304" pitchFamily="18" charset="0"/>
-                <a:ea typeface="ＭＳ 明朝" panose="02020609040205080304" pitchFamily="17" charset="-128"/>
-                <a:cs typeface="Times New Roman" panose="02020603050405020304" pitchFamily="18" charset="0"/>
-              </a:rPr>
-              <a:t>、</a:t>
-            </a:r>
-            <a:r>
-              <a:rPr lang="en-US" altLang="ja-JP" sz="1800" kern="100" dirty="0">
-                <a:effectLst/>
-                <a:latin typeface="Century" panose="02040604050505020304" pitchFamily="18" charset="0"/>
-                <a:ea typeface="ＭＳ 明朝" panose="02020609040205080304" pitchFamily="17" charset="-128"/>
-                <a:cs typeface="Times New Roman" panose="02020603050405020304" pitchFamily="18" charset="0"/>
-              </a:rPr>
-              <a:t>3D</a:t>
-            </a:r>
-            <a:r>
-              <a:rPr lang="ja-JP" altLang="ja-JP" sz="1800" kern="100" dirty="0">
-                <a:effectLst/>
-                <a:latin typeface="Century" panose="02040604050505020304" pitchFamily="18" charset="0"/>
-                <a:ea typeface="ＭＳ 明朝" panose="02020609040205080304" pitchFamily="17" charset="-128"/>
-                <a:cs typeface="Times New Roman" panose="02020603050405020304" pitchFamily="18" charset="0"/>
-              </a:rPr>
-              <a:t>モデリングなど）</a:t>
-            </a:r>
-          </a:p>
-          <a:p>
-            <a:pPr indent="133350" algn="just"/>
-            <a:r>
-              <a:rPr lang="ja-JP" altLang="ja-JP" sz="1800" kern="100" dirty="0">
-                <a:effectLst/>
-                <a:latin typeface="Century" panose="02040604050505020304" pitchFamily="18" charset="0"/>
-                <a:ea typeface="ＭＳ 明朝" panose="02020609040205080304" pitchFamily="17" charset="-128"/>
-                <a:cs typeface="Times New Roman" panose="02020603050405020304" pitchFamily="18" charset="0"/>
-              </a:rPr>
-              <a:t>箱（所属事務所）</a:t>
-            </a:r>
-          </a:p>
-          <a:p>
-            <a:pPr indent="133350" algn="just"/>
-            <a:r>
-              <a:rPr lang="ja-JP" altLang="ja-JP" sz="1800" kern="100" dirty="0">
-                <a:effectLst/>
-                <a:latin typeface="Century" panose="02040604050505020304" pitchFamily="18" charset="0"/>
-                <a:ea typeface="ＭＳ 明朝" panose="02020609040205080304" pitchFamily="17" charset="-128"/>
-                <a:cs typeface="Times New Roman" panose="02020603050405020304" pitchFamily="18" charset="0"/>
-              </a:rPr>
-              <a:t>性別（男、女、バ美肉、その他）</a:t>
-            </a:r>
-            <a:endParaRPr lang="en-US" altLang="ja-JP" sz="1800" kern="100" dirty="0">
-              <a:effectLst/>
-              <a:latin typeface="Century" panose="02040604050505020304" pitchFamily="18" charset="0"/>
-              <a:ea typeface="ＭＳ 明朝" panose="02020609040205080304" pitchFamily="17" charset="-128"/>
-              <a:cs typeface="Times New Roman" panose="02020603050405020304" pitchFamily="18" charset="0"/>
-            </a:endParaRPr>
-          </a:p>
-          <a:p>
-            <a:pPr indent="133350" algn="just"/>
-            <a:r>
-              <a:rPr lang="ja-JP" altLang="en-US" sz="1800" kern="100" dirty="0">
-                <a:effectLst/>
-                <a:latin typeface="Century" panose="02040604050505020304" pitchFamily="18" charset="0"/>
-                <a:ea typeface="ＭＳ 明朝" panose="02020609040205080304" pitchFamily="17" charset="-128"/>
-                <a:cs typeface="Times New Roman" panose="02020603050405020304" pitchFamily="18" charset="0"/>
-              </a:rPr>
-              <a:t>イメージカラー</a:t>
-            </a:r>
-            <a:endParaRPr lang="ja-JP" altLang="ja-JP" sz="1800" kern="100" dirty="0">
-              <a:effectLst/>
-              <a:latin typeface="Century" panose="02040604050505020304" pitchFamily="18" charset="0"/>
-              <a:ea typeface="ＭＳ 明朝" panose="02020609040205080304" pitchFamily="17" charset="-128"/>
-              <a:cs typeface="Times New Roman" panose="02020603050405020304" pitchFamily="18" charset="0"/>
-            </a:endParaRPr>
-          </a:p>
-          <a:p>
-            <a:pPr indent="133350" algn="just"/>
-            <a:r>
-              <a:rPr lang="en-US" altLang="ja-JP" sz="1800" kern="100" dirty="0" err="1">
-                <a:effectLst/>
-                <a:latin typeface="Century" panose="02040604050505020304" pitchFamily="18" charset="0"/>
-                <a:ea typeface="ＭＳ 明朝" panose="02020609040205080304" pitchFamily="17" charset="-128"/>
-                <a:cs typeface="Times New Roman" panose="02020603050405020304" pitchFamily="18" charset="0"/>
-              </a:rPr>
-              <a:t>Youtube</a:t>
-            </a:r>
-            <a:r>
-              <a:rPr lang="ja-JP" altLang="ja-JP" sz="1800" kern="100" dirty="0">
-                <a:effectLst/>
-                <a:latin typeface="Century" panose="02040604050505020304" pitchFamily="18" charset="0"/>
-                <a:ea typeface="ＭＳ 明朝" panose="02020609040205080304" pitchFamily="17" charset="-128"/>
-                <a:cs typeface="Times New Roman" panose="02020603050405020304" pitchFamily="18" charset="0"/>
-              </a:rPr>
-              <a:t>、</a:t>
-            </a:r>
-            <a:r>
-              <a:rPr lang="en-US" altLang="ja-JP" sz="1800" kern="100" dirty="0" err="1">
-                <a:effectLst/>
-                <a:latin typeface="Century" panose="02040604050505020304" pitchFamily="18" charset="0"/>
-                <a:ea typeface="ＭＳ 明朝" panose="02020609040205080304" pitchFamily="17" charset="-128"/>
-                <a:cs typeface="Times New Roman" panose="02020603050405020304" pitchFamily="18" charset="0"/>
-              </a:rPr>
-              <a:t>Tiktok</a:t>
-            </a:r>
-            <a:r>
-              <a:rPr lang="ja-JP" altLang="ja-JP" sz="1800" kern="100" dirty="0">
-                <a:effectLst/>
-                <a:latin typeface="Century" panose="02040604050505020304" pitchFamily="18" charset="0"/>
-                <a:ea typeface="ＭＳ 明朝" panose="02020609040205080304" pitchFamily="17" charset="-128"/>
-                <a:cs typeface="Times New Roman" panose="02020603050405020304" pitchFamily="18" charset="0"/>
-              </a:rPr>
-              <a:t>、</a:t>
-            </a:r>
-            <a:r>
-              <a:rPr lang="en-US" altLang="ja-JP" sz="1800" kern="100" dirty="0">
-                <a:effectLst/>
-                <a:latin typeface="Century" panose="02040604050505020304" pitchFamily="18" charset="0"/>
-                <a:ea typeface="ＭＳ 明朝" panose="02020609040205080304" pitchFamily="17" charset="-128"/>
-                <a:cs typeface="Times New Roman" panose="02020603050405020304" pitchFamily="18" charset="0"/>
-              </a:rPr>
-              <a:t>Twitter</a:t>
-            </a:r>
-            <a:r>
-              <a:rPr lang="ja-JP" altLang="ja-JP" sz="1800" kern="100" dirty="0">
-                <a:effectLst/>
-                <a:latin typeface="Century" panose="02040604050505020304" pitchFamily="18" charset="0"/>
-                <a:ea typeface="ＭＳ 明朝" panose="02020609040205080304" pitchFamily="17" charset="-128"/>
-                <a:cs typeface="Times New Roman" panose="02020603050405020304" pitchFamily="18" charset="0"/>
-              </a:rPr>
-              <a:t>、</a:t>
-            </a:r>
-            <a:r>
-              <a:rPr lang="en-US" altLang="ja-JP" sz="1800" kern="100" dirty="0">
-                <a:effectLst/>
-                <a:latin typeface="Century" panose="02040604050505020304" pitchFamily="18" charset="0"/>
-                <a:ea typeface="ＭＳ 明朝" panose="02020609040205080304" pitchFamily="17" charset="-128"/>
-                <a:cs typeface="Times New Roman" panose="02020603050405020304" pitchFamily="18" charset="0"/>
-              </a:rPr>
-              <a:t>Instagram</a:t>
-            </a:r>
-            <a:r>
-              <a:rPr lang="ja-JP" altLang="ja-JP" sz="1800" kern="100" dirty="0">
-                <a:effectLst/>
-                <a:latin typeface="Century" panose="02040604050505020304" pitchFamily="18" charset="0"/>
-                <a:ea typeface="ＭＳ 明朝" panose="02020609040205080304" pitchFamily="17" charset="-128"/>
-                <a:cs typeface="Times New Roman" panose="02020603050405020304" pitchFamily="18" charset="0"/>
-              </a:rPr>
-              <a:t>、公式</a:t>
-            </a:r>
-            <a:r>
-              <a:rPr lang="en-US" altLang="ja-JP" sz="1800" kern="100" dirty="0">
-                <a:effectLst/>
-                <a:latin typeface="Century" panose="02040604050505020304" pitchFamily="18" charset="0"/>
-                <a:ea typeface="ＭＳ 明朝" panose="02020609040205080304" pitchFamily="17" charset="-128"/>
-                <a:cs typeface="Times New Roman" panose="02020603050405020304" pitchFamily="18" charset="0"/>
-              </a:rPr>
-              <a:t>LINE</a:t>
-            </a:r>
-            <a:r>
-              <a:rPr lang="ja-JP" altLang="ja-JP" sz="1800" kern="100" dirty="0">
-                <a:effectLst/>
-                <a:latin typeface="Century" panose="02040604050505020304" pitchFamily="18" charset="0"/>
-                <a:ea typeface="ＭＳ 明朝" panose="02020609040205080304" pitchFamily="17" charset="-128"/>
-                <a:cs typeface="Times New Roman" panose="02020603050405020304" pitchFamily="18" charset="0"/>
-              </a:rPr>
-              <a:t>アカウント、</a:t>
-            </a:r>
-            <a:r>
-              <a:rPr lang="en-US" altLang="ja-JP" sz="1800" kern="100" dirty="0">
-                <a:effectLst/>
-                <a:latin typeface="Century" panose="02040604050505020304" pitchFamily="18" charset="0"/>
-                <a:ea typeface="ＭＳ 明朝" panose="02020609040205080304" pitchFamily="17" charset="-128"/>
-                <a:cs typeface="Times New Roman" panose="02020603050405020304" pitchFamily="18" charset="0"/>
-              </a:rPr>
-              <a:t>Twitch</a:t>
-            </a:r>
-            <a:r>
-              <a:rPr lang="ja-JP" altLang="ja-JP" sz="1800" kern="100" dirty="0">
-                <a:effectLst/>
-                <a:latin typeface="Century" panose="02040604050505020304" pitchFamily="18" charset="0"/>
-                <a:ea typeface="ＭＳ 明朝" panose="02020609040205080304" pitchFamily="17" charset="-128"/>
-                <a:cs typeface="Times New Roman" panose="02020603050405020304" pitchFamily="18" charset="0"/>
-              </a:rPr>
-              <a:t>、ミルダム、</a:t>
-            </a:r>
-            <a:r>
-              <a:rPr lang="en-US" altLang="ja-JP" sz="1800" kern="100" dirty="0" err="1">
-                <a:effectLst/>
-                <a:latin typeface="Century" panose="02040604050505020304" pitchFamily="18" charset="0"/>
-                <a:ea typeface="ＭＳ 明朝" panose="02020609040205080304" pitchFamily="17" charset="-128"/>
-                <a:cs typeface="Times New Roman" panose="02020603050405020304" pitchFamily="18" charset="0"/>
-              </a:rPr>
-              <a:t>Fantia</a:t>
-            </a:r>
-            <a:r>
-              <a:rPr lang="ja-JP" altLang="ja-JP" sz="1800" kern="100" dirty="0">
-                <a:effectLst/>
-                <a:latin typeface="Century" panose="02040604050505020304" pitchFamily="18" charset="0"/>
-                <a:ea typeface="ＭＳ 明朝" panose="02020609040205080304" pitchFamily="17" charset="-128"/>
-                <a:cs typeface="Times New Roman" panose="02020603050405020304" pitchFamily="18" charset="0"/>
-              </a:rPr>
-              <a:t>、マシュマロ、</a:t>
-            </a:r>
-            <a:r>
-              <a:rPr lang="en-US" altLang="ja-JP" sz="1800" kern="100" dirty="0">
-                <a:effectLst/>
-                <a:latin typeface="Century" panose="02040604050505020304" pitchFamily="18" charset="0"/>
-                <a:ea typeface="ＭＳ 明朝" panose="02020609040205080304" pitchFamily="17" charset="-128"/>
-                <a:cs typeface="Times New Roman" panose="02020603050405020304" pitchFamily="18" charset="0"/>
-              </a:rPr>
-              <a:t>Booth</a:t>
-            </a:r>
-            <a:r>
-              <a:rPr lang="ja-JP" altLang="ja-JP" sz="1800" kern="100" dirty="0">
-                <a:effectLst/>
-                <a:latin typeface="Century" panose="02040604050505020304" pitchFamily="18" charset="0"/>
-                <a:ea typeface="ＭＳ 明朝" panose="02020609040205080304" pitchFamily="17" charset="-128"/>
-                <a:cs typeface="Times New Roman" panose="02020603050405020304" pitchFamily="18" charset="0"/>
-              </a:rPr>
-              <a:t>等の活動プラットフォームのアカウントリンク</a:t>
-            </a:r>
-          </a:p>
-          <a:p>
-            <a:pPr indent="133350" algn="just"/>
-            <a:r>
-              <a:rPr lang="ja-JP" altLang="ja-JP" sz="1800" kern="100" dirty="0">
-                <a:effectLst/>
-                <a:latin typeface="Century" panose="02040604050505020304" pitchFamily="18" charset="0"/>
-                <a:ea typeface="ＭＳ 明朝" panose="02020609040205080304" pitchFamily="17" charset="-128"/>
-                <a:cs typeface="Times New Roman" panose="02020603050405020304" pitchFamily="18" charset="0"/>
-              </a:rPr>
-              <a:t>活動開始日</a:t>
-            </a:r>
-          </a:p>
-          <a:p>
-            <a:pPr indent="133350" algn="just"/>
-            <a:r>
-              <a:rPr lang="ja-JP" altLang="ja-JP" sz="1800" kern="100" dirty="0">
-                <a:effectLst/>
-                <a:latin typeface="Century" panose="02040604050505020304" pitchFamily="18" charset="0"/>
-                <a:ea typeface="ＭＳ 明朝" panose="02020609040205080304" pitchFamily="17" charset="-128"/>
-                <a:cs typeface="Times New Roman" panose="02020603050405020304" pitchFamily="18" charset="0"/>
-              </a:rPr>
-              <a:t>ファンの呼称</a:t>
-            </a:r>
-          </a:p>
-          <a:p>
-            <a:pPr indent="133350" algn="just"/>
-            <a:r>
-              <a:rPr lang="ja-JP" altLang="ja-JP" sz="1800" kern="100" dirty="0">
-                <a:effectLst/>
-                <a:latin typeface="Century" panose="02040604050505020304" pitchFamily="18" charset="0"/>
-                <a:ea typeface="ＭＳ 明朝" panose="02020609040205080304" pitchFamily="17" charset="-128"/>
-                <a:cs typeface="Times New Roman" panose="02020603050405020304" pitchFamily="18" charset="0"/>
-              </a:rPr>
-              <a:t>ファンマーク</a:t>
-            </a:r>
-          </a:p>
-          <a:p>
-            <a:pPr indent="133350" algn="just"/>
-            <a:r>
-              <a:rPr lang="ja-JP" altLang="ja-JP" sz="1800" kern="100" dirty="0">
-                <a:effectLst/>
-                <a:latin typeface="Century" panose="02040604050505020304" pitchFamily="18" charset="0"/>
-                <a:ea typeface="ＭＳ 明朝" panose="02020609040205080304" pitchFamily="17" charset="-128"/>
-                <a:cs typeface="Times New Roman" panose="02020603050405020304" pitchFamily="18" charset="0"/>
-              </a:rPr>
-              <a:t>一人称の呼び名</a:t>
-            </a:r>
-          </a:p>
-          <a:p>
-            <a:pPr indent="133350" algn="just"/>
-            <a:r>
-              <a:rPr lang="ja-JP" altLang="ja-JP" sz="1800" kern="100" dirty="0">
-                <a:effectLst/>
-                <a:latin typeface="Century" panose="02040604050505020304" pitchFamily="18" charset="0"/>
-                <a:ea typeface="ＭＳ 明朝" panose="02020609040205080304" pitchFamily="17" charset="-128"/>
-                <a:cs typeface="Times New Roman" panose="02020603050405020304" pitchFamily="18" charset="0"/>
-              </a:rPr>
-              <a:t>活動内容（動画投稿、ゲーム配信、雑談、</a:t>
-            </a:r>
-            <a:r>
-              <a:rPr lang="en-US" altLang="ja-JP" sz="1800" kern="100" dirty="0">
-                <a:effectLst/>
-                <a:latin typeface="Century" panose="02040604050505020304" pitchFamily="18" charset="0"/>
-                <a:ea typeface="ＭＳ 明朝" panose="02020609040205080304" pitchFamily="17" charset="-128"/>
-                <a:cs typeface="Times New Roman" panose="02020603050405020304" pitchFamily="18" charset="0"/>
-              </a:rPr>
-              <a:t>ASMR</a:t>
-            </a:r>
-            <a:r>
-              <a:rPr lang="ja-JP" altLang="ja-JP" sz="1800" kern="100" dirty="0">
-                <a:effectLst/>
-                <a:latin typeface="Century" panose="02040604050505020304" pitchFamily="18" charset="0"/>
-                <a:ea typeface="ＭＳ 明朝" panose="02020609040205080304" pitchFamily="17" charset="-128"/>
-                <a:cs typeface="Times New Roman" panose="02020603050405020304" pitchFamily="18" charset="0"/>
-              </a:rPr>
-              <a:t>、ものづくり、歌</a:t>
-            </a:r>
-            <a:r>
-              <a:rPr lang="en-US" altLang="ja-JP" sz="1800" kern="100" dirty="0" err="1">
-                <a:effectLst/>
-                <a:latin typeface="Century" panose="02040604050505020304" pitchFamily="18" charset="0"/>
-                <a:ea typeface="ＭＳ 明朝" panose="02020609040205080304" pitchFamily="17" charset="-128"/>
-                <a:cs typeface="Times New Roman" panose="02020603050405020304" pitchFamily="18" charset="0"/>
-              </a:rPr>
-              <a:t>etc</a:t>
-            </a:r>
-            <a:r>
-              <a:rPr lang="ja-JP" altLang="ja-JP" sz="1800" kern="100" dirty="0">
-                <a:effectLst/>
-                <a:latin typeface="Century" panose="02040604050505020304" pitchFamily="18" charset="0"/>
-                <a:ea typeface="ＭＳ 明朝" panose="02020609040205080304" pitchFamily="17" charset="-128"/>
-                <a:cs typeface="Times New Roman" panose="02020603050405020304" pitchFamily="18" charset="0"/>
-              </a:rPr>
-              <a:t>）</a:t>
-            </a:r>
-          </a:p>
-          <a:p>
-            <a:pPr indent="133350" algn="just"/>
-            <a:r>
-              <a:rPr lang="ja-JP" altLang="ja-JP" sz="1800" kern="100" dirty="0">
-                <a:effectLst/>
-                <a:latin typeface="Century" panose="02040604050505020304" pitchFamily="18" charset="0"/>
-                <a:ea typeface="ＭＳ 明朝" panose="02020609040205080304" pitchFamily="17" charset="-128"/>
-                <a:cs typeface="Times New Roman" panose="02020603050405020304" pitchFamily="18" charset="0"/>
-              </a:rPr>
-              <a:t>前世</a:t>
-            </a:r>
-          </a:p>
-          <a:p>
-            <a:pPr indent="133350" algn="just"/>
-            <a:r>
-              <a:rPr lang="ja-JP" altLang="ja-JP" sz="1800" kern="100" dirty="0">
-                <a:effectLst/>
-                <a:latin typeface="Century" panose="02040604050505020304" pitchFamily="18" charset="0"/>
-                <a:ea typeface="ＭＳ 明朝" panose="02020609040205080304" pitchFamily="17" charset="-128"/>
-                <a:cs typeface="Times New Roman" panose="02020603050405020304" pitchFamily="18" charset="0"/>
-              </a:rPr>
-              <a:t>卒業済みかどうか</a:t>
-            </a:r>
-          </a:p>
-          <a:p>
-            <a:pPr indent="133350" algn="just"/>
-            <a:r>
-              <a:rPr lang="ja-JP" altLang="ja-JP" sz="1800" kern="100" dirty="0">
-                <a:effectLst/>
-                <a:latin typeface="Century" panose="02040604050505020304" pitchFamily="18" charset="0"/>
-                <a:ea typeface="ＭＳ 明朝" panose="02020609040205080304" pitchFamily="17" charset="-128"/>
-                <a:cs typeface="Times New Roman" panose="02020603050405020304" pitchFamily="18" charset="0"/>
-              </a:rPr>
-              <a:t>各活動プラットフォームの登録者数</a:t>
-            </a:r>
-          </a:p>
-          <a:p>
-            <a:pPr indent="133350" algn="just"/>
-            <a:r>
-              <a:rPr lang="ja-JP" altLang="ja-JP" sz="1800" kern="100" dirty="0">
-                <a:effectLst/>
-                <a:latin typeface="Century" panose="02040604050505020304" pitchFamily="18" charset="0"/>
-                <a:ea typeface="ＭＳ 明朝" panose="02020609040205080304" pitchFamily="17" charset="-128"/>
-                <a:cs typeface="Times New Roman" panose="02020603050405020304" pitchFamily="18" charset="0"/>
-              </a:rPr>
-              <a:t>主なコンテンツ（動画、</a:t>
-            </a:r>
-            <a:r>
-              <a:rPr lang="en-US" altLang="ja-JP" sz="1800" kern="100" dirty="0">
-                <a:effectLst/>
-                <a:latin typeface="Century" panose="02040604050505020304" pitchFamily="18" charset="0"/>
-                <a:ea typeface="ＭＳ 明朝" panose="02020609040205080304" pitchFamily="17" charset="-128"/>
-                <a:cs typeface="Times New Roman" panose="02020603050405020304" pitchFamily="18" charset="0"/>
-              </a:rPr>
-              <a:t>short</a:t>
-            </a:r>
-            <a:r>
-              <a:rPr lang="ja-JP" altLang="ja-JP" sz="1800" kern="100" dirty="0">
-                <a:effectLst/>
-                <a:latin typeface="Century" panose="02040604050505020304" pitchFamily="18" charset="0"/>
-                <a:ea typeface="ＭＳ 明朝" panose="02020609040205080304" pitchFamily="17" charset="-128"/>
-                <a:cs typeface="Times New Roman" panose="02020603050405020304" pitchFamily="18" charset="0"/>
-              </a:rPr>
-              <a:t>動画、配信、そのほか）</a:t>
-            </a:r>
-          </a:p>
-          <a:p>
-            <a:pPr indent="133350" algn="just"/>
-            <a:r>
-              <a:rPr lang="ja-JP" altLang="ja-JP" sz="1800" kern="100" dirty="0">
-                <a:effectLst/>
-                <a:latin typeface="Century" panose="02040604050505020304" pitchFamily="18" charset="0"/>
-                <a:ea typeface="ＭＳ 明朝" panose="02020609040205080304" pitchFamily="17" charset="-128"/>
-                <a:cs typeface="Times New Roman" panose="02020603050405020304" pitchFamily="18" charset="0"/>
-              </a:rPr>
-              <a:t>タグ（サイト内での紐づけ）</a:t>
-            </a:r>
-          </a:p>
-          <a:p>
-            <a:pPr indent="133350" algn="just"/>
-            <a:r>
-              <a:rPr lang="en-US" altLang="ja-JP" sz="1800" kern="100" dirty="0">
-                <a:effectLst/>
-                <a:latin typeface="Century" panose="02040604050505020304" pitchFamily="18" charset="0"/>
-                <a:ea typeface="ＭＳ 明朝" panose="02020609040205080304" pitchFamily="17" charset="-128"/>
-                <a:cs typeface="Times New Roman" panose="02020603050405020304" pitchFamily="18" charset="0"/>
-              </a:rPr>
-              <a:t>Twitter</a:t>
-            </a:r>
-            <a:r>
-              <a:rPr lang="ja-JP" altLang="ja-JP" sz="1800" kern="100" dirty="0">
-                <a:effectLst/>
-                <a:latin typeface="Century" panose="02040604050505020304" pitchFamily="18" charset="0"/>
-                <a:ea typeface="ＭＳ 明朝" panose="02020609040205080304" pitchFamily="17" charset="-128"/>
-                <a:cs typeface="Times New Roman" panose="02020603050405020304" pitchFamily="18" charset="0"/>
-              </a:rPr>
-              <a:t>などでの配信時、ファンアート投稿などのハッシュタグ</a:t>
-            </a:r>
-          </a:p>
-          <a:p>
-            <a:pPr indent="133350" algn="just"/>
-            <a:r>
-              <a:rPr lang="ja-JP" altLang="ja-JP" sz="1800" kern="100" dirty="0">
-                <a:effectLst/>
-                <a:latin typeface="Century" panose="02040604050505020304" pitchFamily="18" charset="0"/>
-                <a:ea typeface="ＭＳ 明朝" panose="02020609040205080304" pitchFamily="17" charset="-128"/>
-                <a:cs typeface="Times New Roman" panose="02020603050405020304" pitchFamily="18" charset="0"/>
-              </a:rPr>
-              <a:t>フリーコメント</a:t>
-            </a:r>
-          </a:p>
-          <a:p>
-            <a:endParaRPr kumimoji="1" lang="ja-JP" altLang="en-US" dirty="0"/>
           </a:p>
         </p:txBody>
       </p:sp>
@@ -6305,646 +5759,6 @@
           </a:fontRef>
         </p:style>
       </p:cxnSp>
-      <p:sp>
-        <p:nvSpPr>
-          <p:cNvPr id="13" name="コンテンツ プレースホルダー 2">
-            <a:extLst>
-              <a:ext uri="{FF2B5EF4-FFF2-40B4-BE49-F238E27FC236}">
-                <a16:creationId xmlns:a16="http://schemas.microsoft.com/office/drawing/2014/main" id="{5488EAC0-0412-8D0B-ECA2-453E1863A5C8}"/>
-              </a:ext>
-            </a:extLst>
-          </p:cNvPr>
-          <p:cNvSpPr txBox="1">
-            <a:spLocks/>
-          </p:cNvSpPr>
-          <p:nvPr/>
-        </p:nvSpPr>
-        <p:spPr>
-          <a:xfrm>
-            <a:off x="304800" y="872006"/>
-            <a:ext cx="1337310" cy="5376394"/>
-          </a:xfrm>
-          <a:prstGeom prst="rect">
-            <a:avLst/>
-          </a:prstGeom>
-        </p:spPr>
-        <p:txBody>
-          <a:bodyPr vert="horz" lIns="91440" tIns="45720" rIns="91440" bIns="45720" rtlCol="0">
-            <a:normAutofit fontScale="32500" lnSpcReduction="20000"/>
-          </a:bodyPr>
-          <a:lstStyle>
-            <a:lvl1pPr marL="228600" indent="-228600" algn="l" defTabSz="914400" rtl="0" eaLnBrk="1" latinLnBrk="0" hangingPunct="1">
-              <a:lnSpc>
-                <a:spcPct val="90000"/>
-              </a:lnSpc>
-              <a:spcBef>
-                <a:spcPts val="1000"/>
-              </a:spcBef>
-              <a:buFont typeface="Arial" panose="020B0604020202020204" pitchFamily="34" charset="0"/>
-              <a:buChar char="•"/>
-              <a:defRPr kumimoji="1" sz="2800" kern="1200">
-                <a:solidFill>
-                  <a:schemeClr val="tx1"/>
-                </a:solidFill>
-                <a:latin typeface="+mn-lt"/>
-                <a:ea typeface="+mn-ea"/>
-                <a:cs typeface="+mn-cs"/>
-              </a:defRPr>
-            </a:lvl1pPr>
-            <a:lvl2pPr marL="685800" indent="-228600" algn="l" defTabSz="914400" rtl="0" eaLnBrk="1" latinLnBrk="0" hangingPunct="1">
-              <a:lnSpc>
-                <a:spcPct val="90000"/>
-              </a:lnSpc>
-              <a:spcBef>
-                <a:spcPts val="500"/>
-              </a:spcBef>
-              <a:buFont typeface="Arial" panose="020B0604020202020204" pitchFamily="34" charset="0"/>
-              <a:buChar char="•"/>
-              <a:defRPr kumimoji="1" sz="2400" kern="1200">
-                <a:solidFill>
-                  <a:schemeClr val="tx1"/>
-                </a:solidFill>
-                <a:latin typeface="+mn-lt"/>
-                <a:ea typeface="+mn-ea"/>
-                <a:cs typeface="+mn-cs"/>
-              </a:defRPr>
-            </a:lvl2pPr>
-            <a:lvl3pPr marL="1143000" indent="-228600" algn="l" defTabSz="914400" rtl="0" eaLnBrk="1" latinLnBrk="0" hangingPunct="1">
-              <a:lnSpc>
-                <a:spcPct val="90000"/>
-              </a:lnSpc>
-              <a:spcBef>
-                <a:spcPts val="500"/>
-              </a:spcBef>
-              <a:buFont typeface="Arial" panose="020B0604020202020204" pitchFamily="34" charset="0"/>
-              <a:buChar char="•"/>
-              <a:defRPr kumimoji="1" sz="2000" kern="1200">
-                <a:solidFill>
-                  <a:schemeClr val="tx1"/>
-                </a:solidFill>
-                <a:latin typeface="+mn-lt"/>
-                <a:ea typeface="+mn-ea"/>
-                <a:cs typeface="+mn-cs"/>
-              </a:defRPr>
-            </a:lvl3pPr>
-            <a:lvl4pPr marL="1600200" indent="-228600" algn="l" defTabSz="914400" rtl="0" eaLnBrk="1" latinLnBrk="0" hangingPunct="1">
-              <a:lnSpc>
-                <a:spcPct val="90000"/>
-              </a:lnSpc>
-              <a:spcBef>
-                <a:spcPts val="500"/>
-              </a:spcBef>
-              <a:buFont typeface="Arial" panose="020B0604020202020204" pitchFamily="34" charset="0"/>
-              <a:buChar char="•"/>
-              <a:defRPr kumimoji="1" sz="1800" kern="1200">
-                <a:solidFill>
-                  <a:schemeClr val="tx1"/>
-                </a:solidFill>
-                <a:latin typeface="+mn-lt"/>
-                <a:ea typeface="+mn-ea"/>
-                <a:cs typeface="+mn-cs"/>
-              </a:defRPr>
-            </a:lvl4pPr>
-            <a:lvl5pPr marL="2057400" indent="-228600" algn="l" defTabSz="914400" rtl="0" eaLnBrk="1" latinLnBrk="0" hangingPunct="1">
-              <a:lnSpc>
-                <a:spcPct val="90000"/>
-              </a:lnSpc>
-              <a:spcBef>
-                <a:spcPts val="500"/>
-              </a:spcBef>
-              <a:buFont typeface="Arial" panose="020B0604020202020204" pitchFamily="34" charset="0"/>
-              <a:buChar char="•"/>
-              <a:defRPr kumimoji="1" sz="1800" kern="1200">
-                <a:solidFill>
-                  <a:schemeClr val="tx1"/>
-                </a:solidFill>
-                <a:latin typeface="+mn-lt"/>
-                <a:ea typeface="+mn-ea"/>
-                <a:cs typeface="+mn-cs"/>
-              </a:defRPr>
-            </a:lvl5pPr>
-            <a:lvl6pPr marL="2514600" indent="-228600" algn="l" defTabSz="914400" rtl="0" eaLnBrk="1" latinLnBrk="0" hangingPunct="1">
-              <a:lnSpc>
-                <a:spcPct val="90000"/>
-              </a:lnSpc>
-              <a:spcBef>
-                <a:spcPts val="500"/>
-              </a:spcBef>
-              <a:buFont typeface="Arial" panose="020B0604020202020204" pitchFamily="34" charset="0"/>
-              <a:buChar char="•"/>
-              <a:defRPr kumimoji="1" sz="1800" kern="1200">
-                <a:solidFill>
-                  <a:schemeClr val="tx1"/>
-                </a:solidFill>
-                <a:latin typeface="+mn-lt"/>
-                <a:ea typeface="+mn-ea"/>
-                <a:cs typeface="+mn-cs"/>
-              </a:defRPr>
-            </a:lvl6pPr>
-            <a:lvl7pPr marL="2971800" indent="-228600" algn="l" defTabSz="914400" rtl="0" eaLnBrk="1" latinLnBrk="0" hangingPunct="1">
-              <a:lnSpc>
-                <a:spcPct val="90000"/>
-              </a:lnSpc>
-              <a:spcBef>
-                <a:spcPts val="500"/>
-              </a:spcBef>
-              <a:buFont typeface="Arial" panose="020B0604020202020204" pitchFamily="34" charset="0"/>
-              <a:buChar char="•"/>
-              <a:defRPr kumimoji="1" sz="1800" kern="1200">
-                <a:solidFill>
-                  <a:schemeClr val="tx1"/>
-                </a:solidFill>
-                <a:latin typeface="+mn-lt"/>
-                <a:ea typeface="+mn-ea"/>
-                <a:cs typeface="+mn-cs"/>
-              </a:defRPr>
-            </a:lvl7pPr>
-            <a:lvl8pPr marL="3429000" indent="-228600" algn="l" defTabSz="914400" rtl="0" eaLnBrk="1" latinLnBrk="0" hangingPunct="1">
-              <a:lnSpc>
-                <a:spcPct val="90000"/>
-              </a:lnSpc>
-              <a:spcBef>
-                <a:spcPts val="500"/>
-              </a:spcBef>
-              <a:buFont typeface="Arial" panose="020B0604020202020204" pitchFamily="34" charset="0"/>
-              <a:buChar char="•"/>
-              <a:defRPr kumimoji="1" sz="1800" kern="1200">
-                <a:solidFill>
-                  <a:schemeClr val="tx1"/>
-                </a:solidFill>
-                <a:latin typeface="+mn-lt"/>
-                <a:ea typeface="+mn-ea"/>
-                <a:cs typeface="+mn-cs"/>
-              </a:defRPr>
-            </a:lvl8pPr>
-            <a:lvl9pPr marL="3886200" indent="-228600" algn="l" defTabSz="914400" rtl="0" eaLnBrk="1" latinLnBrk="0" hangingPunct="1">
-              <a:lnSpc>
-                <a:spcPct val="90000"/>
-              </a:lnSpc>
-              <a:spcBef>
-                <a:spcPts val="500"/>
-              </a:spcBef>
-              <a:buFont typeface="Arial" panose="020B0604020202020204" pitchFamily="34" charset="0"/>
-              <a:buChar char="•"/>
-              <a:defRPr kumimoji="1" sz="1800" kern="1200">
-                <a:solidFill>
-                  <a:schemeClr val="tx1"/>
-                </a:solidFill>
-                <a:latin typeface="+mn-lt"/>
-                <a:ea typeface="+mn-ea"/>
-                <a:cs typeface="+mn-cs"/>
-              </a:defRPr>
-            </a:lvl9pPr>
-          </a:lstStyle>
-          <a:p>
-            <a:pPr indent="133350" algn="just"/>
-            <a:r>
-              <a:rPr lang="ja-JP" altLang="ja-JP" sz="1800" kern="100" dirty="0">
-                <a:latin typeface="Century" panose="02040604050505020304" pitchFamily="18" charset="0"/>
-                <a:ea typeface="ＭＳ 明朝" panose="02020609040205080304" pitchFamily="17" charset="-128"/>
-                <a:cs typeface="Times New Roman" panose="02020603050405020304" pitchFamily="18" charset="0"/>
-              </a:rPr>
-              <a:t>名前</a:t>
-            </a:r>
-          </a:p>
-          <a:p>
-            <a:pPr indent="133350" algn="just"/>
-            <a:r>
-              <a:rPr lang="ja-JP" altLang="ja-JP" sz="1800" kern="100" dirty="0">
-                <a:latin typeface="Century" panose="02040604050505020304" pitchFamily="18" charset="0"/>
-                <a:ea typeface="ＭＳ 明朝" panose="02020609040205080304" pitchFamily="17" charset="-128"/>
-                <a:cs typeface="Times New Roman" panose="02020603050405020304" pitchFamily="18" charset="0"/>
-              </a:rPr>
-              <a:t>名前のよみがな</a:t>
-            </a:r>
-          </a:p>
-          <a:p>
-            <a:pPr indent="133350" algn="just"/>
-            <a:r>
-              <a:rPr lang="ja-JP" altLang="ja-JP" sz="1800" kern="100" dirty="0">
-                <a:latin typeface="Century" panose="02040604050505020304" pitchFamily="18" charset="0"/>
-                <a:ea typeface="ＭＳ 明朝" panose="02020609040205080304" pitchFamily="17" charset="-128"/>
-                <a:cs typeface="Times New Roman" panose="02020603050405020304" pitchFamily="18" charset="0"/>
-              </a:rPr>
-              <a:t>キャラモデル画像（複数。</a:t>
-            </a:r>
-            <a:r>
-              <a:rPr lang="en-US" altLang="ja-JP" sz="1800" kern="100" dirty="0">
-                <a:latin typeface="Century" panose="02040604050505020304" pitchFamily="18" charset="0"/>
-                <a:ea typeface="ＭＳ 明朝" panose="02020609040205080304" pitchFamily="17" charset="-128"/>
-                <a:cs typeface="Times New Roman" panose="02020603050405020304" pitchFamily="18" charset="0"/>
-              </a:rPr>
-              <a:t>3D</a:t>
-            </a:r>
-            <a:r>
-              <a:rPr lang="ja-JP" altLang="ja-JP" sz="1800" kern="100" dirty="0">
-                <a:latin typeface="Century" panose="02040604050505020304" pitchFamily="18" charset="0"/>
-                <a:ea typeface="ＭＳ 明朝" panose="02020609040205080304" pitchFamily="17" charset="-128"/>
-                <a:cs typeface="Times New Roman" panose="02020603050405020304" pitchFamily="18" charset="0"/>
-              </a:rPr>
-              <a:t>モデルをどうするか）</a:t>
-            </a:r>
-          </a:p>
-          <a:p>
-            <a:pPr indent="133350" algn="just"/>
-            <a:r>
-              <a:rPr lang="ja-JP" altLang="ja-JP" sz="1800" kern="100" dirty="0">
-                <a:latin typeface="Century" panose="02040604050505020304" pitchFamily="18" charset="0"/>
-                <a:ea typeface="ＭＳ 明朝" panose="02020609040205080304" pitchFamily="17" charset="-128"/>
-                <a:cs typeface="Times New Roman" panose="02020603050405020304" pitchFamily="18" charset="0"/>
-              </a:rPr>
-              <a:t>ママ（担当イラストレーター）</a:t>
-            </a:r>
-          </a:p>
-          <a:p>
-            <a:pPr indent="133350" algn="just"/>
-            <a:r>
-              <a:rPr lang="ja-JP" altLang="ja-JP" sz="1800" kern="100" dirty="0">
-                <a:latin typeface="Century" panose="02040604050505020304" pitchFamily="18" charset="0"/>
-                <a:ea typeface="ＭＳ 明朝" panose="02020609040205080304" pitchFamily="17" charset="-128"/>
-                <a:cs typeface="Times New Roman" panose="02020603050405020304" pitchFamily="18" charset="0"/>
-              </a:rPr>
-              <a:t>パパ（担当</a:t>
-            </a:r>
-            <a:r>
-              <a:rPr lang="en-US" altLang="ja-JP" sz="1800" kern="100" dirty="0">
-                <a:latin typeface="Century" panose="02040604050505020304" pitchFamily="18" charset="0"/>
-                <a:ea typeface="ＭＳ 明朝" panose="02020609040205080304" pitchFamily="17" charset="-128"/>
-                <a:cs typeface="Times New Roman" panose="02020603050405020304" pitchFamily="18" charset="0"/>
-              </a:rPr>
-              <a:t>Live2D</a:t>
-            </a:r>
-            <a:r>
-              <a:rPr lang="ja-JP" altLang="ja-JP" sz="1800" kern="100" dirty="0">
-                <a:latin typeface="Century" panose="02040604050505020304" pitchFamily="18" charset="0"/>
-                <a:ea typeface="ＭＳ 明朝" panose="02020609040205080304" pitchFamily="17" charset="-128"/>
-                <a:cs typeface="Times New Roman" panose="02020603050405020304" pitchFamily="18" charset="0"/>
-              </a:rPr>
-              <a:t>、</a:t>
-            </a:r>
-            <a:r>
-              <a:rPr lang="en-US" altLang="ja-JP" sz="1800" kern="100" dirty="0">
-                <a:latin typeface="Century" panose="02040604050505020304" pitchFamily="18" charset="0"/>
-                <a:ea typeface="ＭＳ 明朝" panose="02020609040205080304" pitchFamily="17" charset="-128"/>
-                <a:cs typeface="Times New Roman" panose="02020603050405020304" pitchFamily="18" charset="0"/>
-              </a:rPr>
-              <a:t>3D</a:t>
-            </a:r>
-            <a:r>
-              <a:rPr lang="ja-JP" altLang="ja-JP" sz="1800" kern="100" dirty="0">
-                <a:latin typeface="Century" panose="02040604050505020304" pitchFamily="18" charset="0"/>
-                <a:ea typeface="ＭＳ 明朝" panose="02020609040205080304" pitchFamily="17" charset="-128"/>
-                <a:cs typeface="Times New Roman" panose="02020603050405020304" pitchFamily="18" charset="0"/>
-              </a:rPr>
-              <a:t>モデリングなど）</a:t>
-            </a:r>
-          </a:p>
-          <a:p>
-            <a:pPr indent="133350" algn="just"/>
-            <a:r>
-              <a:rPr lang="ja-JP" altLang="ja-JP" sz="1800" kern="100" dirty="0">
-                <a:latin typeface="Century" panose="02040604050505020304" pitchFamily="18" charset="0"/>
-                <a:ea typeface="ＭＳ 明朝" panose="02020609040205080304" pitchFamily="17" charset="-128"/>
-                <a:cs typeface="Times New Roman" panose="02020603050405020304" pitchFamily="18" charset="0"/>
-              </a:rPr>
-              <a:t>箱（所属事務所）</a:t>
-            </a:r>
-          </a:p>
-          <a:p>
-            <a:pPr indent="133350" algn="just"/>
-            <a:r>
-              <a:rPr lang="ja-JP" altLang="ja-JP" sz="1800" kern="100" dirty="0">
-                <a:latin typeface="Century" panose="02040604050505020304" pitchFamily="18" charset="0"/>
-                <a:ea typeface="ＭＳ 明朝" panose="02020609040205080304" pitchFamily="17" charset="-128"/>
-                <a:cs typeface="Times New Roman" panose="02020603050405020304" pitchFamily="18" charset="0"/>
-              </a:rPr>
-              <a:t>性別（男、女、バ美肉、その他）</a:t>
-            </a:r>
-          </a:p>
-          <a:p>
-            <a:pPr indent="133350" algn="just"/>
-            <a:r>
-              <a:rPr lang="en-US" altLang="ja-JP" sz="1800" kern="100" dirty="0" err="1">
-                <a:latin typeface="Century" panose="02040604050505020304" pitchFamily="18" charset="0"/>
-                <a:ea typeface="ＭＳ 明朝" panose="02020609040205080304" pitchFamily="17" charset="-128"/>
-                <a:cs typeface="Times New Roman" panose="02020603050405020304" pitchFamily="18" charset="0"/>
-              </a:rPr>
-              <a:t>Youtube</a:t>
-            </a:r>
-            <a:r>
-              <a:rPr lang="ja-JP" altLang="ja-JP" sz="1800" kern="100" dirty="0">
-                <a:latin typeface="Century" panose="02040604050505020304" pitchFamily="18" charset="0"/>
-                <a:ea typeface="ＭＳ 明朝" panose="02020609040205080304" pitchFamily="17" charset="-128"/>
-                <a:cs typeface="Times New Roman" panose="02020603050405020304" pitchFamily="18" charset="0"/>
-              </a:rPr>
-              <a:t>、</a:t>
-            </a:r>
-            <a:r>
-              <a:rPr lang="en-US" altLang="ja-JP" sz="1800" kern="100" dirty="0" err="1">
-                <a:latin typeface="Century" panose="02040604050505020304" pitchFamily="18" charset="0"/>
-                <a:ea typeface="ＭＳ 明朝" panose="02020609040205080304" pitchFamily="17" charset="-128"/>
-                <a:cs typeface="Times New Roman" panose="02020603050405020304" pitchFamily="18" charset="0"/>
-              </a:rPr>
-              <a:t>Tiktok</a:t>
-            </a:r>
-            <a:r>
-              <a:rPr lang="ja-JP" altLang="ja-JP" sz="1800" kern="100" dirty="0">
-                <a:latin typeface="Century" panose="02040604050505020304" pitchFamily="18" charset="0"/>
-                <a:ea typeface="ＭＳ 明朝" panose="02020609040205080304" pitchFamily="17" charset="-128"/>
-                <a:cs typeface="Times New Roman" panose="02020603050405020304" pitchFamily="18" charset="0"/>
-              </a:rPr>
-              <a:t>、</a:t>
-            </a:r>
-            <a:r>
-              <a:rPr lang="en-US" altLang="ja-JP" sz="1800" kern="100" dirty="0">
-                <a:latin typeface="Century" panose="02040604050505020304" pitchFamily="18" charset="0"/>
-                <a:ea typeface="ＭＳ 明朝" panose="02020609040205080304" pitchFamily="17" charset="-128"/>
-                <a:cs typeface="Times New Roman" panose="02020603050405020304" pitchFamily="18" charset="0"/>
-              </a:rPr>
-              <a:t>Twitter</a:t>
-            </a:r>
-            <a:r>
-              <a:rPr lang="ja-JP" altLang="ja-JP" sz="1800" kern="100" dirty="0">
-                <a:latin typeface="Century" panose="02040604050505020304" pitchFamily="18" charset="0"/>
-                <a:ea typeface="ＭＳ 明朝" panose="02020609040205080304" pitchFamily="17" charset="-128"/>
-                <a:cs typeface="Times New Roman" panose="02020603050405020304" pitchFamily="18" charset="0"/>
-              </a:rPr>
-              <a:t>、</a:t>
-            </a:r>
-            <a:r>
-              <a:rPr lang="en-US" altLang="ja-JP" sz="1800" kern="100" dirty="0">
-                <a:latin typeface="Century" panose="02040604050505020304" pitchFamily="18" charset="0"/>
-                <a:ea typeface="ＭＳ 明朝" panose="02020609040205080304" pitchFamily="17" charset="-128"/>
-                <a:cs typeface="Times New Roman" panose="02020603050405020304" pitchFamily="18" charset="0"/>
-              </a:rPr>
-              <a:t>Instagram</a:t>
-            </a:r>
-            <a:r>
-              <a:rPr lang="ja-JP" altLang="ja-JP" sz="1800" kern="100" dirty="0">
-                <a:latin typeface="Century" panose="02040604050505020304" pitchFamily="18" charset="0"/>
-                <a:ea typeface="ＭＳ 明朝" panose="02020609040205080304" pitchFamily="17" charset="-128"/>
-                <a:cs typeface="Times New Roman" panose="02020603050405020304" pitchFamily="18" charset="0"/>
-              </a:rPr>
-              <a:t>、公式</a:t>
-            </a:r>
-            <a:r>
-              <a:rPr lang="en-US" altLang="ja-JP" sz="1800" kern="100" dirty="0">
-                <a:latin typeface="Century" panose="02040604050505020304" pitchFamily="18" charset="0"/>
-                <a:ea typeface="ＭＳ 明朝" panose="02020609040205080304" pitchFamily="17" charset="-128"/>
-                <a:cs typeface="Times New Roman" panose="02020603050405020304" pitchFamily="18" charset="0"/>
-              </a:rPr>
-              <a:t>LINE</a:t>
-            </a:r>
-            <a:r>
-              <a:rPr lang="ja-JP" altLang="ja-JP" sz="1800" kern="100" dirty="0">
-                <a:latin typeface="Century" panose="02040604050505020304" pitchFamily="18" charset="0"/>
-                <a:ea typeface="ＭＳ 明朝" panose="02020609040205080304" pitchFamily="17" charset="-128"/>
-                <a:cs typeface="Times New Roman" panose="02020603050405020304" pitchFamily="18" charset="0"/>
-              </a:rPr>
-              <a:t>アカウント、</a:t>
-            </a:r>
-            <a:r>
-              <a:rPr lang="en-US" altLang="ja-JP" sz="1800" kern="100" dirty="0">
-                <a:latin typeface="Century" panose="02040604050505020304" pitchFamily="18" charset="0"/>
-                <a:ea typeface="ＭＳ 明朝" panose="02020609040205080304" pitchFamily="17" charset="-128"/>
-                <a:cs typeface="Times New Roman" panose="02020603050405020304" pitchFamily="18" charset="0"/>
-              </a:rPr>
-              <a:t>Twitch</a:t>
-            </a:r>
-            <a:r>
-              <a:rPr lang="ja-JP" altLang="ja-JP" sz="1800" kern="100" dirty="0">
-                <a:latin typeface="Century" panose="02040604050505020304" pitchFamily="18" charset="0"/>
-                <a:ea typeface="ＭＳ 明朝" panose="02020609040205080304" pitchFamily="17" charset="-128"/>
-                <a:cs typeface="Times New Roman" panose="02020603050405020304" pitchFamily="18" charset="0"/>
-              </a:rPr>
-              <a:t>、ミルダム、</a:t>
-            </a:r>
-            <a:r>
-              <a:rPr lang="en-US" altLang="ja-JP" sz="1800" kern="100" dirty="0" err="1">
-                <a:latin typeface="Century" panose="02040604050505020304" pitchFamily="18" charset="0"/>
-                <a:ea typeface="ＭＳ 明朝" panose="02020609040205080304" pitchFamily="17" charset="-128"/>
-                <a:cs typeface="Times New Roman" panose="02020603050405020304" pitchFamily="18" charset="0"/>
-              </a:rPr>
-              <a:t>Fantia</a:t>
-            </a:r>
-            <a:r>
-              <a:rPr lang="ja-JP" altLang="ja-JP" sz="1800" kern="100" dirty="0">
-                <a:latin typeface="Century" panose="02040604050505020304" pitchFamily="18" charset="0"/>
-                <a:ea typeface="ＭＳ 明朝" panose="02020609040205080304" pitchFamily="17" charset="-128"/>
-                <a:cs typeface="Times New Roman" panose="02020603050405020304" pitchFamily="18" charset="0"/>
-              </a:rPr>
-              <a:t>、マシュマロ、</a:t>
-            </a:r>
-            <a:r>
-              <a:rPr lang="en-US" altLang="ja-JP" sz="1800" kern="100" dirty="0">
-                <a:latin typeface="Century" panose="02040604050505020304" pitchFamily="18" charset="0"/>
-                <a:ea typeface="ＭＳ 明朝" panose="02020609040205080304" pitchFamily="17" charset="-128"/>
-                <a:cs typeface="Times New Roman" panose="02020603050405020304" pitchFamily="18" charset="0"/>
-              </a:rPr>
-              <a:t>Booth</a:t>
-            </a:r>
-            <a:r>
-              <a:rPr lang="ja-JP" altLang="ja-JP" sz="1800" kern="100" dirty="0">
-                <a:latin typeface="Century" panose="02040604050505020304" pitchFamily="18" charset="0"/>
-                <a:ea typeface="ＭＳ 明朝" panose="02020609040205080304" pitchFamily="17" charset="-128"/>
-                <a:cs typeface="Times New Roman" panose="02020603050405020304" pitchFamily="18" charset="0"/>
-              </a:rPr>
-              <a:t>等の活動プラットフォームのアカウントリンク</a:t>
-            </a:r>
-          </a:p>
-          <a:p>
-            <a:pPr indent="133350" algn="just"/>
-            <a:r>
-              <a:rPr lang="ja-JP" altLang="ja-JP" sz="1800" kern="100" dirty="0">
-                <a:latin typeface="Century" panose="02040604050505020304" pitchFamily="18" charset="0"/>
-                <a:ea typeface="ＭＳ 明朝" panose="02020609040205080304" pitchFamily="17" charset="-128"/>
-                <a:cs typeface="Times New Roman" panose="02020603050405020304" pitchFamily="18" charset="0"/>
-              </a:rPr>
-              <a:t>活動開始日</a:t>
-            </a:r>
-          </a:p>
-          <a:p>
-            <a:pPr indent="133350" algn="just"/>
-            <a:r>
-              <a:rPr lang="ja-JP" altLang="ja-JP" sz="1800" kern="100" dirty="0">
-                <a:latin typeface="Century" panose="02040604050505020304" pitchFamily="18" charset="0"/>
-                <a:ea typeface="ＭＳ 明朝" panose="02020609040205080304" pitchFamily="17" charset="-128"/>
-                <a:cs typeface="Times New Roman" panose="02020603050405020304" pitchFamily="18" charset="0"/>
-              </a:rPr>
-              <a:t>ファンの呼称</a:t>
-            </a:r>
-          </a:p>
-          <a:p>
-            <a:pPr indent="133350" algn="just"/>
-            <a:r>
-              <a:rPr lang="ja-JP" altLang="ja-JP" sz="1800" kern="100" dirty="0">
-                <a:latin typeface="Century" panose="02040604050505020304" pitchFamily="18" charset="0"/>
-                <a:ea typeface="ＭＳ 明朝" panose="02020609040205080304" pitchFamily="17" charset="-128"/>
-                <a:cs typeface="Times New Roman" panose="02020603050405020304" pitchFamily="18" charset="0"/>
-              </a:rPr>
-              <a:t>ファンマーク</a:t>
-            </a:r>
-          </a:p>
-          <a:p>
-            <a:pPr indent="133350" algn="just"/>
-            <a:r>
-              <a:rPr lang="ja-JP" altLang="ja-JP" sz="1800" kern="100" dirty="0">
-                <a:latin typeface="Century" panose="02040604050505020304" pitchFamily="18" charset="0"/>
-                <a:ea typeface="ＭＳ 明朝" panose="02020609040205080304" pitchFamily="17" charset="-128"/>
-                <a:cs typeface="Times New Roman" panose="02020603050405020304" pitchFamily="18" charset="0"/>
-              </a:rPr>
-              <a:t>一人称の呼び名</a:t>
-            </a:r>
-          </a:p>
-          <a:p>
-            <a:pPr indent="133350" algn="just"/>
-            <a:r>
-              <a:rPr lang="ja-JP" altLang="ja-JP" sz="1800" kern="100" dirty="0">
-                <a:latin typeface="Century" panose="02040604050505020304" pitchFamily="18" charset="0"/>
-                <a:ea typeface="ＭＳ 明朝" panose="02020609040205080304" pitchFamily="17" charset="-128"/>
-                <a:cs typeface="Times New Roman" panose="02020603050405020304" pitchFamily="18" charset="0"/>
-              </a:rPr>
-              <a:t>活動内容（動画投稿、ゲーム配信、雑談、</a:t>
-            </a:r>
-            <a:r>
-              <a:rPr lang="en-US" altLang="ja-JP" sz="1800" kern="100" dirty="0">
-                <a:latin typeface="Century" panose="02040604050505020304" pitchFamily="18" charset="0"/>
-                <a:ea typeface="ＭＳ 明朝" panose="02020609040205080304" pitchFamily="17" charset="-128"/>
-                <a:cs typeface="Times New Roman" panose="02020603050405020304" pitchFamily="18" charset="0"/>
-              </a:rPr>
-              <a:t>ASMR</a:t>
-            </a:r>
-            <a:r>
-              <a:rPr lang="ja-JP" altLang="ja-JP" sz="1800" kern="100" dirty="0">
-                <a:latin typeface="Century" panose="02040604050505020304" pitchFamily="18" charset="0"/>
-                <a:ea typeface="ＭＳ 明朝" panose="02020609040205080304" pitchFamily="17" charset="-128"/>
-                <a:cs typeface="Times New Roman" panose="02020603050405020304" pitchFamily="18" charset="0"/>
-              </a:rPr>
-              <a:t>、ものづくり、歌</a:t>
-            </a:r>
-            <a:r>
-              <a:rPr lang="en-US" altLang="ja-JP" sz="1800" kern="100" dirty="0" err="1">
-                <a:latin typeface="Century" panose="02040604050505020304" pitchFamily="18" charset="0"/>
-                <a:ea typeface="ＭＳ 明朝" panose="02020609040205080304" pitchFamily="17" charset="-128"/>
-                <a:cs typeface="Times New Roman" panose="02020603050405020304" pitchFamily="18" charset="0"/>
-              </a:rPr>
-              <a:t>etc</a:t>
-            </a:r>
-            <a:r>
-              <a:rPr lang="ja-JP" altLang="ja-JP" sz="1800" kern="100" dirty="0">
-                <a:latin typeface="Century" panose="02040604050505020304" pitchFamily="18" charset="0"/>
-                <a:ea typeface="ＭＳ 明朝" panose="02020609040205080304" pitchFamily="17" charset="-128"/>
-                <a:cs typeface="Times New Roman" panose="02020603050405020304" pitchFamily="18" charset="0"/>
-              </a:rPr>
-              <a:t>）</a:t>
-            </a:r>
-          </a:p>
-          <a:p>
-            <a:pPr indent="133350" algn="just"/>
-            <a:r>
-              <a:rPr lang="ja-JP" altLang="ja-JP" sz="1800" kern="100" dirty="0">
-                <a:latin typeface="Century" panose="02040604050505020304" pitchFamily="18" charset="0"/>
-                <a:ea typeface="ＭＳ 明朝" panose="02020609040205080304" pitchFamily="17" charset="-128"/>
-                <a:cs typeface="Times New Roman" panose="02020603050405020304" pitchFamily="18" charset="0"/>
-              </a:rPr>
-              <a:t>前世</a:t>
-            </a:r>
-          </a:p>
-          <a:p>
-            <a:pPr indent="133350" algn="just"/>
-            <a:r>
-              <a:rPr lang="ja-JP" altLang="ja-JP" sz="1800" kern="100" dirty="0">
-                <a:latin typeface="Century" panose="02040604050505020304" pitchFamily="18" charset="0"/>
-                <a:ea typeface="ＭＳ 明朝" panose="02020609040205080304" pitchFamily="17" charset="-128"/>
-                <a:cs typeface="Times New Roman" panose="02020603050405020304" pitchFamily="18" charset="0"/>
-              </a:rPr>
-              <a:t>卒業済みかどうか</a:t>
-            </a:r>
-          </a:p>
-          <a:p>
-            <a:pPr indent="133350" algn="just"/>
-            <a:r>
-              <a:rPr lang="ja-JP" altLang="ja-JP" sz="1800" kern="100" dirty="0">
-                <a:latin typeface="Century" panose="02040604050505020304" pitchFamily="18" charset="0"/>
-                <a:ea typeface="ＭＳ 明朝" panose="02020609040205080304" pitchFamily="17" charset="-128"/>
-                <a:cs typeface="Times New Roman" panose="02020603050405020304" pitchFamily="18" charset="0"/>
-              </a:rPr>
-              <a:t>各活動プラットフォームの登録者数</a:t>
-            </a:r>
-          </a:p>
-          <a:p>
-            <a:pPr indent="133350" algn="just"/>
-            <a:r>
-              <a:rPr lang="ja-JP" altLang="ja-JP" sz="1800" kern="100" dirty="0">
-                <a:latin typeface="Century" panose="02040604050505020304" pitchFamily="18" charset="0"/>
-                <a:ea typeface="ＭＳ 明朝" panose="02020609040205080304" pitchFamily="17" charset="-128"/>
-                <a:cs typeface="Times New Roman" panose="02020603050405020304" pitchFamily="18" charset="0"/>
-              </a:rPr>
-              <a:t>主なコンテンツ（動画、</a:t>
-            </a:r>
-            <a:r>
-              <a:rPr lang="en-US" altLang="ja-JP" sz="1800" kern="100" dirty="0">
-                <a:latin typeface="Century" panose="02040604050505020304" pitchFamily="18" charset="0"/>
-                <a:ea typeface="ＭＳ 明朝" panose="02020609040205080304" pitchFamily="17" charset="-128"/>
-                <a:cs typeface="Times New Roman" panose="02020603050405020304" pitchFamily="18" charset="0"/>
-              </a:rPr>
-              <a:t>short</a:t>
-            </a:r>
-            <a:r>
-              <a:rPr lang="ja-JP" altLang="ja-JP" sz="1800" kern="100" dirty="0">
-                <a:latin typeface="Century" panose="02040604050505020304" pitchFamily="18" charset="0"/>
-                <a:ea typeface="ＭＳ 明朝" panose="02020609040205080304" pitchFamily="17" charset="-128"/>
-                <a:cs typeface="Times New Roman" panose="02020603050405020304" pitchFamily="18" charset="0"/>
-              </a:rPr>
-              <a:t>動画、配信、そのほか）</a:t>
-            </a:r>
-          </a:p>
-          <a:p>
-            <a:pPr indent="133350" algn="just"/>
-            <a:r>
-              <a:rPr lang="ja-JP" altLang="ja-JP" sz="1800" kern="100" dirty="0">
-                <a:latin typeface="Century" panose="02040604050505020304" pitchFamily="18" charset="0"/>
-                <a:ea typeface="ＭＳ 明朝" panose="02020609040205080304" pitchFamily="17" charset="-128"/>
-                <a:cs typeface="Times New Roman" panose="02020603050405020304" pitchFamily="18" charset="0"/>
-              </a:rPr>
-              <a:t>タグ（サイト内での紐づけ）</a:t>
-            </a:r>
-          </a:p>
-          <a:p>
-            <a:pPr indent="133350" algn="just"/>
-            <a:r>
-              <a:rPr lang="en-US" altLang="ja-JP" sz="1800" kern="100" dirty="0">
-                <a:latin typeface="Century" panose="02040604050505020304" pitchFamily="18" charset="0"/>
-                <a:ea typeface="ＭＳ 明朝" panose="02020609040205080304" pitchFamily="17" charset="-128"/>
-                <a:cs typeface="Times New Roman" panose="02020603050405020304" pitchFamily="18" charset="0"/>
-              </a:rPr>
-              <a:t>Twitter</a:t>
-            </a:r>
-            <a:r>
-              <a:rPr lang="ja-JP" altLang="ja-JP" sz="1800" kern="100" dirty="0">
-                <a:latin typeface="Century" panose="02040604050505020304" pitchFamily="18" charset="0"/>
-                <a:ea typeface="ＭＳ 明朝" panose="02020609040205080304" pitchFamily="17" charset="-128"/>
-                <a:cs typeface="Times New Roman" panose="02020603050405020304" pitchFamily="18" charset="0"/>
-              </a:rPr>
-              <a:t>などでの配信時、ファンアート投稿などのハッシュタグ</a:t>
-            </a:r>
-          </a:p>
-          <a:p>
-            <a:pPr indent="133350" algn="just"/>
-            <a:r>
-              <a:rPr lang="ja-JP" altLang="ja-JP" sz="1800" kern="100" dirty="0">
-                <a:latin typeface="Century" panose="02040604050505020304" pitchFamily="18" charset="0"/>
-                <a:ea typeface="ＭＳ 明朝" panose="02020609040205080304" pitchFamily="17" charset="-128"/>
-                <a:cs typeface="Times New Roman" panose="02020603050405020304" pitchFamily="18" charset="0"/>
-              </a:rPr>
-              <a:t>フリーコメント</a:t>
-            </a:r>
-          </a:p>
-          <a:p>
-            <a:endParaRPr lang="ja-JP" altLang="en-US" dirty="0"/>
-          </a:p>
-        </p:txBody>
-      </p:sp>
       <p:cxnSp>
         <p:nvCxnSpPr>
           <p:cNvPr id="40" name="直線コネクタ 39">
@@ -7357,6 +6171,1848 @@
           </p:txBody>
         </p:sp>
       </p:grpSp>
+      <p:grpSp>
+        <p:nvGrpSpPr>
+          <p:cNvPr id="53" name="グループ化 52">
+            <a:extLst>
+              <a:ext uri="{FF2B5EF4-FFF2-40B4-BE49-F238E27FC236}">
+                <a16:creationId xmlns:a16="http://schemas.microsoft.com/office/drawing/2014/main" id="{8DBBF382-BBBA-663C-DD81-0E1DD89A8000}"/>
+              </a:ext>
+            </a:extLst>
+          </p:cNvPr>
+          <p:cNvGrpSpPr>
+            <a:grpSpLocks noChangeAspect="1"/>
+          </p:cNvGrpSpPr>
+          <p:nvPr/>
+        </p:nvGrpSpPr>
+        <p:grpSpPr>
+          <a:xfrm>
+            <a:off x="7513617" y="897324"/>
+            <a:ext cx="2105198" cy="2109488"/>
+            <a:chOff x="6894195" y="2304141"/>
+            <a:chExt cx="2105198" cy="2109488"/>
+          </a:xfrm>
+        </p:grpSpPr>
+        <p:pic>
+          <p:nvPicPr>
+            <p:cNvPr id="50" name="図 49">
+              <a:extLst>
+                <a:ext uri="{FF2B5EF4-FFF2-40B4-BE49-F238E27FC236}">
+                  <a16:creationId xmlns:a16="http://schemas.microsoft.com/office/drawing/2014/main" id="{BBD696FD-06DE-AB34-231C-FA28DC76F8E0}"/>
+                </a:ext>
+              </a:extLst>
+            </p:cNvPr>
+            <p:cNvPicPr>
+              <a:picLocks noChangeAspect="1"/>
+            </p:cNvPicPr>
+            <p:nvPr/>
+          </p:nvPicPr>
+          <p:blipFill>
+            <a:blip r:embed="rId2">
+              <a:extLst>
+                <a:ext uri="{28A0092B-C50C-407E-A947-70E740481C1C}">
+                  <a14:useLocalDpi xmlns:a14="http://schemas.microsoft.com/office/drawing/2010/main" val="0"/>
+                </a:ext>
+              </a:extLst>
+            </a:blip>
+            <a:stretch>
+              <a:fillRect/>
+            </a:stretch>
+          </p:blipFill>
+          <p:spPr>
+            <a:xfrm>
+              <a:off x="6894195" y="2308431"/>
+              <a:ext cx="2105198" cy="2105198"/>
+            </a:xfrm>
+            <a:prstGeom prst="rect">
+              <a:avLst/>
+            </a:prstGeom>
+          </p:spPr>
+        </p:pic>
+        <p:sp>
+          <p:nvSpPr>
+            <p:cNvPr id="52" name="正方形/長方形 51">
+              <a:extLst>
+                <a:ext uri="{FF2B5EF4-FFF2-40B4-BE49-F238E27FC236}">
+                  <a16:creationId xmlns:a16="http://schemas.microsoft.com/office/drawing/2014/main" id="{A27637ED-B4F5-8A2C-7200-A37F2ECC3A92}"/>
+                </a:ext>
+              </a:extLst>
+            </p:cNvPr>
+            <p:cNvSpPr>
+              <a:spLocks noChangeAspect="1"/>
+            </p:cNvSpPr>
+            <p:nvPr/>
+          </p:nvSpPr>
+          <p:spPr>
+            <a:xfrm>
+              <a:off x="6894200" y="2304141"/>
+              <a:ext cx="2105193" cy="2105193"/>
+            </a:xfrm>
+            <a:prstGeom prst="rect">
+              <a:avLst/>
+            </a:prstGeom>
+            <a:solidFill>
+              <a:srgbClr val="4472C4">
+                <a:alpha val="50196"/>
+              </a:srgbClr>
+            </a:solidFill>
+            <a:ln>
+              <a:noFill/>
+            </a:ln>
+          </p:spPr>
+          <p:style>
+            <a:lnRef idx="2">
+              <a:schemeClr val="accent1">
+                <a:shade val="15000"/>
+              </a:schemeClr>
+            </a:lnRef>
+            <a:fillRef idx="1">
+              <a:schemeClr val="accent1"/>
+            </a:fillRef>
+            <a:effectRef idx="0">
+              <a:schemeClr val="accent1"/>
+            </a:effectRef>
+            <a:fontRef idx="minor">
+              <a:schemeClr val="lt1"/>
+            </a:fontRef>
+          </p:style>
+          <p:txBody>
+            <a:bodyPr rtlCol="0" anchor="ctr"/>
+            <a:lstStyle/>
+            <a:p>
+              <a:pPr algn="ctr"/>
+              <a:r>
+                <a:rPr kumimoji="1" lang="en-US" altLang="ja-JP" sz="9600" dirty="0"/>
+                <a:t>1</a:t>
+              </a:r>
+              <a:endParaRPr kumimoji="1" lang="ja-JP" altLang="en-US" sz="9600" dirty="0"/>
+            </a:p>
+          </p:txBody>
+        </p:sp>
+      </p:grpSp>
+      <p:grpSp>
+        <p:nvGrpSpPr>
+          <p:cNvPr id="54" name="グループ化 53">
+            <a:extLst>
+              <a:ext uri="{FF2B5EF4-FFF2-40B4-BE49-F238E27FC236}">
+                <a16:creationId xmlns:a16="http://schemas.microsoft.com/office/drawing/2014/main" id="{1C855D4F-7347-9DAF-9A06-B38B01374B55}"/>
+              </a:ext>
+            </a:extLst>
+          </p:cNvPr>
+          <p:cNvGrpSpPr>
+            <a:grpSpLocks noChangeAspect="1"/>
+          </p:cNvGrpSpPr>
+          <p:nvPr/>
+        </p:nvGrpSpPr>
+        <p:grpSpPr>
+          <a:xfrm>
+            <a:off x="9823826" y="901614"/>
+            <a:ext cx="942994" cy="944915"/>
+            <a:chOff x="6894195" y="2304141"/>
+            <a:chExt cx="2105198" cy="2109488"/>
+          </a:xfrm>
+        </p:grpSpPr>
+        <p:pic>
+          <p:nvPicPr>
+            <p:cNvPr id="55" name="図 54">
+              <a:extLst>
+                <a:ext uri="{FF2B5EF4-FFF2-40B4-BE49-F238E27FC236}">
+                  <a16:creationId xmlns:a16="http://schemas.microsoft.com/office/drawing/2014/main" id="{9B33E000-603A-E32C-A8A7-5944CA121F2D}"/>
+                </a:ext>
+              </a:extLst>
+            </p:cNvPr>
+            <p:cNvPicPr>
+              <a:picLocks noChangeAspect="1"/>
+            </p:cNvPicPr>
+            <p:nvPr/>
+          </p:nvPicPr>
+          <p:blipFill>
+            <a:blip r:embed="rId2">
+              <a:extLst>
+                <a:ext uri="{28A0092B-C50C-407E-A947-70E740481C1C}">
+                  <a14:useLocalDpi xmlns:a14="http://schemas.microsoft.com/office/drawing/2010/main" val="0"/>
+                </a:ext>
+              </a:extLst>
+            </a:blip>
+            <a:stretch>
+              <a:fillRect/>
+            </a:stretch>
+          </p:blipFill>
+          <p:spPr>
+            <a:xfrm>
+              <a:off x="6894195" y="2308431"/>
+              <a:ext cx="2105198" cy="2105198"/>
+            </a:xfrm>
+            <a:prstGeom prst="rect">
+              <a:avLst/>
+            </a:prstGeom>
+          </p:spPr>
+        </p:pic>
+        <p:sp>
+          <p:nvSpPr>
+            <p:cNvPr id="56" name="正方形/長方形 55">
+              <a:extLst>
+                <a:ext uri="{FF2B5EF4-FFF2-40B4-BE49-F238E27FC236}">
+                  <a16:creationId xmlns:a16="http://schemas.microsoft.com/office/drawing/2014/main" id="{50A940CB-7552-4C03-1057-0D200818CA0F}"/>
+                </a:ext>
+              </a:extLst>
+            </p:cNvPr>
+            <p:cNvSpPr>
+              <a:spLocks noChangeAspect="1"/>
+            </p:cNvSpPr>
+            <p:nvPr/>
+          </p:nvSpPr>
+          <p:spPr>
+            <a:xfrm>
+              <a:off x="6894200" y="2304141"/>
+              <a:ext cx="2105193" cy="2105193"/>
+            </a:xfrm>
+            <a:prstGeom prst="rect">
+              <a:avLst/>
+            </a:prstGeom>
+            <a:solidFill>
+              <a:srgbClr val="4472C4">
+                <a:alpha val="50196"/>
+              </a:srgbClr>
+            </a:solidFill>
+            <a:ln>
+              <a:noFill/>
+            </a:ln>
+          </p:spPr>
+          <p:style>
+            <a:lnRef idx="2">
+              <a:schemeClr val="accent1">
+                <a:shade val="15000"/>
+              </a:schemeClr>
+            </a:lnRef>
+            <a:fillRef idx="1">
+              <a:schemeClr val="accent1"/>
+            </a:fillRef>
+            <a:effectRef idx="0">
+              <a:schemeClr val="accent1"/>
+            </a:effectRef>
+            <a:fontRef idx="minor">
+              <a:schemeClr val="lt1"/>
+            </a:fontRef>
+          </p:style>
+          <p:txBody>
+            <a:bodyPr rtlCol="0" anchor="ctr"/>
+            <a:lstStyle/>
+            <a:p>
+              <a:pPr algn="ctr"/>
+              <a:r>
+                <a:rPr kumimoji="1" lang="en-US" altLang="ja-JP" sz="4400" dirty="0"/>
+                <a:t>2</a:t>
+              </a:r>
+              <a:endParaRPr kumimoji="1" lang="ja-JP" altLang="en-US" sz="4400" dirty="0"/>
+            </a:p>
+          </p:txBody>
+        </p:sp>
+      </p:grpSp>
+      <p:grpSp>
+        <p:nvGrpSpPr>
+          <p:cNvPr id="57" name="グループ化 56">
+            <a:extLst>
+              <a:ext uri="{FF2B5EF4-FFF2-40B4-BE49-F238E27FC236}">
+                <a16:creationId xmlns:a16="http://schemas.microsoft.com/office/drawing/2014/main" id="{0E3B1506-AD63-2903-0485-19608B840E4F}"/>
+              </a:ext>
+            </a:extLst>
+          </p:cNvPr>
+          <p:cNvGrpSpPr>
+            <a:grpSpLocks noChangeAspect="1"/>
+          </p:cNvGrpSpPr>
+          <p:nvPr/>
+        </p:nvGrpSpPr>
+        <p:grpSpPr>
+          <a:xfrm>
+            <a:off x="9823826" y="2057602"/>
+            <a:ext cx="942994" cy="944915"/>
+            <a:chOff x="6894195" y="2304141"/>
+            <a:chExt cx="2105198" cy="2109488"/>
+          </a:xfrm>
+        </p:grpSpPr>
+        <p:pic>
+          <p:nvPicPr>
+            <p:cNvPr id="58" name="図 57">
+              <a:extLst>
+                <a:ext uri="{FF2B5EF4-FFF2-40B4-BE49-F238E27FC236}">
+                  <a16:creationId xmlns:a16="http://schemas.microsoft.com/office/drawing/2014/main" id="{A840E4C1-CF97-B6B5-B62C-EBA2E7C3DC09}"/>
+                </a:ext>
+              </a:extLst>
+            </p:cNvPr>
+            <p:cNvPicPr>
+              <a:picLocks noChangeAspect="1"/>
+            </p:cNvPicPr>
+            <p:nvPr/>
+          </p:nvPicPr>
+          <p:blipFill>
+            <a:blip r:embed="rId2">
+              <a:extLst>
+                <a:ext uri="{28A0092B-C50C-407E-A947-70E740481C1C}">
+                  <a14:useLocalDpi xmlns:a14="http://schemas.microsoft.com/office/drawing/2010/main" val="0"/>
+                </a:ext>
+              </a:extLst>
+            </a:blip>
+            <a:stretch>
+              <a:fillRect/>
+            </a:stretch>
+          </p:blipFill>
+          <p:spPr>
+            <a:xfrm>
+              <a:off x="6894195" y="2308431"/>
+              <a:ext cx="2105198" cy="2105198"/>
+            </a:xfrm>
+            <a:prstGeom prst="rect">
+              <a:avLst/>
+            </a:prstGeom>
+          </p:spPr>
+        </p:pic>
+        <p:sp>
+          <p:nvSpPr>
+            <p:cNvPr id="59" name="正方形/長方形 58">
+              <a:extLst>
+                <a:ext uri="{FF2B5EF4-FFF2-40B4-BE49-F238E27FC236}">
+                  <a16:creationId xmlns:a16="http://schemas.microsoft.com/office/drawing/2014/main" id="{C82499CA-15C1-29B3-3E2B-622AA911980E}"/>
+                </a:ext>
+              </a:extLst>
+            </p:cNvPr>
+            <p:cNvSpPr>
+              <a:spLocks noChangeAspect="1"/>
+            </p:cNvSpPr>
+            <p:nvPr/>
+          </p:nvSpPr>
+          <p:spPr>
+            <a:xfrm>
+              <a:off x="6894200" y="2304141"/>
+              <a:ext cx="2105193" cy="2105193"/>
+            </a:xfrm>
+            <a:prstGeom prst="rect">
+              <a:avLst/>
+            </a:prstGeom>
+            <a:solidFill>
+              <a:srgbClr val="4472C4">
+                <a:alpha val="50196"/>
+              </a:srgbClr>
+            </a:solidFill>
+            <a:ln>
+              <a:noFill/>
+            </a:ln>
+          </p:spPr>
+          <p:style>
+            <a:lnRef idx="2">
+              <a:schemeClr val="accent1">
+                <a:shade val="15000"/>
+              </a:schemeClr>
+            </a:lnRef>
+            <a:fillRef idx="1">
+              <a:schemeClr val="accent1"/>
+            </a:fillRef>
+            <a:effectRef idx="0">
+              <a:schemeClr val="accent1"/>
+            </a:effectRef>
+            <a:fontRef idx="minor">
+              <a:schemeClr val="lt1"/>
+            </a:fontRef>
+          </p:style>
+          <p:txBody>
+            <a:bodyPr rtlCol="0" anchor="ctr"/>
+            <a:lstStyle/>
+            <a:p>
+              <a:pPr algn="ctr"/>
+              <a:r>
+                <a:rPr kumimoji="1" lang="en-US" altLang="ja-JP" sz="4400" dirty="0"/>
+                <a:t>3+</a:t>
+              </a:r>
+              <a:endParaRPr kumimoji="1" lang="ja-JP" altLang="en-US" sz="9600" dirty="0"/>
+            </a:p>
+          </p:txBody>
+        </p:sp>
+      </p:grpSp>
+      <p:sp>
+        <p:nvSpPr>
+          <p:cNvPr id="3" name="コンテンツ プレースホルダー 2">
+            <a:extLst>
+              <a:ext uri="{FF2B5EF4-FFF2-40B4-BE49-F238E27FC236}">
+                <a16:creationId xmlns:a16="http://schemas.microsoft.com/office/drawing/2014/main" id="{6D804F15-AC28-270B-5AD3-CF0DEF509F7B}"/>
+              </a:ext>
+            </a:extLst>
+          </p:cNvPr>
+          <p:cNvSpPr>
+            <a:spLocks noGrp="1"/>
+          </p:cNvSpPr>
+          <p:nvPr>
+            <p:ph idx="1"/>
+          </p:nvPr>
+        </p:nvSpPr>
+        <p:spPr>
+          <a:xfrm>
+            <a:off x="2202180" y="1661715"/>
+            <a:ext cx="8463815" cy="4351338"/>
+          </a:xfrm>
+        </p:spPr>
+        <p:txBody>
+          <a:bodyPr>
+            <a:noAutofit/>
+          </a:bodyPr>
+          <a:lstStyle/>
+          <a:p>
+            <a:pPr indent="133350" algn="just"/>
+            <a:r>
+              <a:rPr lang="ja-JP" altLang="ja-JP" sz="700" kern="100" dirty="0">
+                <a:effectLst/>
+                <a:latin typeface="Century" panose="02040604050505020304" pitchFamily="18" charset="0"/>
+                <a:ea typeface="ＭＳ 明朝" panose="02020609040205080304" pitchFamily="17" charset="-128"/>
+                <a:cs typeface="Times New Roman" panose="02020603050405020304" pitchFamily="18" charset="0"/>
+              </a:rPr>
+              <a:t>名前</a:t>
+            </a:r>
+          </a:p>
+          <a:p>
+            <a:pPr indent="133350" algn="just"/>
+            <a:r>
+              <a:rPr lang="ja-JP" altLang="ja-JP" sz="700" kern="100" dirty="0">
+                <a:effectLst/>
+                <a:latin typeface="Century" panose="02040604050505020304" pitchFamily="18" charset="0"/>
+                <a:ea typeface="ＭＳ 明朝" panose="02020609040205080304" pitchFamily="17" charset="-128"/>
+                <a:cs typeface="Times New Roman" panose="02020603050405020304" pitchFamily="18" charset="0"/>
+              </a:rPr>
+              <a:t>名前のよみがな</a:t>
+            </a:r>
+          </a:p>
+          <a:p>
+            <a:pPr indent="133350" algn="just"/>
+            <a:r>
+              <a:rPr lang="ja-JP" altLang="ja-JP" sz="700" kern="100" dirty="0">
+                <a:effectLst/>
+                <a:latin typeface="Century" panose="02040604050505020304" pitchFamily="18" charset="0"/>
+                <a:ea typeface="ＭＳ 明朝" panose="02020609040205080304" pitchFamily="17" charset="-128"/>
+                <a:cs typeface="Times New Roman" panose="02020603050405020304" pitchFamily="18" charset="0"/>
+              </a:rPr>
+              <a:t>キャラモデル画像（複数。</a:t>
+            </a:r>
+            <a:r>
+              <a:rPr lang="en-US" altLang="ja-JP" sz="700" kern="100" dirty="0">
+                <a:effectLst/>
+                <a:latin typeface="Century" panose="02040604050505020304" pitchFamily="18" charset="0"/>
+                <a:ea typeface="ＭＳ 明朝" panose="02020609040205080304" pitchFamily="17" charset="-128"/>
+                <a:cs typeface="Times New Roman" panose="02020603050405020304" pitchFamily="18" charset="0"/>
+              </a:rPr>
+              <a:t>3D</a:t>
+            </a:r>
+            <a:r>
+              <a:rPr lang="ja-JP" altLang="ja-JP" sz="700" kern="100" dirty="0">
+                <a:effectLst/>
+                <a:latin typeface="Century" panose="02040604050505020304" pitchFamily="18" charset="0"/>
+                <a:ea typeface="ＭＳ 明朝" panose="02020609040205080304" pitchFamily="17" charset="-128"/>
+                <a:cs typeface="Times New Roman" panose="02020603050405020304" pitchFamily="18" charset="0"/>
+              </a:rPr>
+              <a:t>モデルをどうするか）</a:t>
+            </a:r>
+          </a:p>
+          <a:p>
+            <a:pPr indent="133350" algn="just"/>
+            <a:r>
+              <a:rPr lang="ja-JP" altLang="ja-JP" sz="700" kern="100" dirty="0">
+                <a:effectLst/>
+                <a:latin typeface="Century" panose="02040604050505020304" pitchFamily="18" charset="0"/>
+                <a:ea typeface="ＭＳ 明朝" panose="02020609040205080304" pitchFamily="17" charset="-128"/>
+                <a:cs typeface="Times New Roman" panose="02020603050405020304" pitchFamily="18" charset="0"/>
+              </a:rPr>
+              <a:t>ママ（担当イラストレーター）</a:t>
+            </a:r>
+          </a:p>
+          <a:p>
+            <a:pPr indent="133350" algn="just"/>
+            <a:r>
+              <a:rPr lang="ja-JP" altLang="ja-JP" sz="700" kern="100" dirty="0">
+                <a:effectLst/>
+                <a:latin typeface="Century" panose="02040604050505020304" pitchFamily="18" charset="0"/>
+                <a:ea typeface="ＭＳ 明朝" panose="02020609040205080304" pitchFamily="17" charset="-128"/>
+                <a:cs typeface="Times New Roman" panose="02020603050405020304" pitchFamily="18" charset="0"/>
+              </a:rPr>
+              <a:t>パパ（担当</a:t>
+            </a:r>
+            <a:r>
+              <a:rPr lang="en-US" altLang="ja-JP" sz="700" kern="100" dirty="0">
+                <a:effectLst/>
+                <a:latin typeface="Century" panose="02040604050505020304" pitchFamily="18" charset="0"/>
+                <a:ea typeface="ＭＳ 明朝" panose="02020609040205080304" pitchFamily="17" charset="-128"/>
+                <a:cs typeface="Times New Roman" panose="02020603050405020304" pitchFamily="18" charset="0"/>
+              </a:rPr>
+              <a:t>Live2D</a:t>
+            </a:r>
+            <a:r>
+              <a:rPr lang="ja-JP" altLang="ja-JP" sz="700" kern="100" dirty="0">
+                <a:effectLst/>
+                <a:latin typeface="Century" panose="02040604050505020304" pitchFamily="18" charset="0"/>
+                <a:ea typeface="ＭＳ 明朝" panose="02020609040205080304" pitchFamily="17" charset="-128"/>
+                <a:cs typeface="Times New Roman" panose="02020603050405020304" pitchFamily="18" charset="0"/>
+              </a:rPr>
+              <a:t>、</a:t>
+            </a:r>
+            <a:r>
+              <a:rPr lang="en-US" altLang="ja-JP" sz="700" kern="100" dirty="0">
+                <a:effectLst/>
+                <a:latin typeface="Century" panose="02040604050505020304" pitchFamily="18" charset="0"/>
+                <a:ea typeface="ＭＳ 明朝" panose="02020609040205080304" pitchFamily="17" charset="-128"/>
+                <a:cs typeface="Times New Roman" panose="02020603050405020304" pitchFamily="18" charset="0"/>
+              </a:rPr>
+              <a:t>3D</a:t>
+            </a:r>
+            <a:r>
+              <a:rPr lang="ja-JP" altLang="ja-JP" sz="700" kern="100" dirty="0">
+                <a:effectLst/>
+                <a:latin typeface="Century" panose="02040604050505020304" pitchFamily="18" charset="0"/>
+                <a:ea typeface="ＭＳ 明朝" panose="02020609040205080304" pitchFamily="17" charset="-128"/>
+                <a:cs typeface="Times New Roman" panose="02020603050405020304" pitchFamily="18" charset="0"/>
+              </a:rPr>
+              <a:t>モデリングなど）</a:t>
+            </a:r>
+          </a:p>
+          <a:p>
+            <a:pPr indent="133350" algn="just"/>
+            <a:r>
+              <a:rPr lang="ja-JP" altLang="ja-JP" sz="700" kern="100" dirty="0">
+                <a:effectLst/>
+                <a:latin typeface="Century" panose="02040604050505020304" pitchFamily="18" charset="0"/>
+                <a:ea typeface="ＭＳ 明朝" panose="02020609040205080304" pitchFamily="17" charset="-128"/>
+                <a:cs typeface="Times New Roman" panose="02020603050405020304" pitchFamily="18" charset="0"/>
+              </a:rPr>
+              <a:t>箱（所属事務所）</a:t>
+            </a:r>
+          </a:p>
+          <a:p>
+            <a:pPr indent="133350" algn="just"/>
+            <a:r>
+              <a:rPr lang="ja-JP" altLang="ja-JP" sz="700" kern="100" dirty="0">
+                <a:effectLst/>
+                <a:latin typeface="Century" panose="02040604050505020304" pitchFamily="18" charset="0"/>
+                <a:ea typeface="ＭＳ 明朝" panose="02020609040205080304" pitchFamily="17" charset="-128"/>
+                <a:cs typeface="Times New Roman" panose="02020603050405020304" pitchFamily="18" charset="0"/>
+              </a:rPr>
+              <a:t>性別（男、女、バ美肉、その他）</a:t>
+            </a:r>
+            <a:endParaRPr lang="en-US" altLang="ja-JP" sz="700" kern="100" dirty="0">
+              <a:effectLst/>
+              <a:latin typeface="Century" panose="02040604050505020304" pitchFamily="18" charset="0"/>
+              <a:ea typeface="ＭＳ 明朝" panose="02020609040205080304" pitchFamily="17" charset="-128"/>
+              <a:cs typeface="Times New Roman" panose="02020603050405020304" pitchFamily="18" charset="0"/>
+            </a:endParaRPr>
+          </a:p>
+          <a:p>
+            <a:pPr indent="133350" algn="just"/>
+            <a:r>
+              <a:rPr lang="ja-JP" altLang="en-US" sz="700" kern="100" dirty="0">
+                <a:effectLst/>
+                <a:latin typeface="Century" panose="02040604050505020304" pitchFamily="18" charset="0"/>
+                <a:ea typeface="ＭＳ 明朝" panose="02020609040205080304" pitchFamily="17" charset="-128"/>
+                <a:cs typeface="Times New Roman" panose="02020603050405020304" pitchFamily="18" charset="0"/>
+              </a:rPr>
+              <a:t>イメージカラー</a:t>
+            </a:r>
+            <a:endParaRPr lang="ja-JP" altLang="ja-JP" sz="700" kern="100" dirty="0">
+              <a:effectLst/>
+              <a:latin typeface="Century" panose="02040604050505020304" pitchFamily="18" charset="0"/>
+              <a:ea typeface="ＭＳ 明朝" panose="02020609040205080304" pitchFamily="17" charset="-128"/>
+              <a:cs typeface="Times New Roman" panose="02020603050405020304" pitchFamily="18" charset="0"/>
+            </a:endParaRPr>
+          </a:p>
+          <a:p>
+            <a:pPr indent="133350" algn="just"/>
+            <a:r>
+              <a:rPr lang="en-US" altLang="ja-JP" sz="700" kern="100" dirty="0" err="1">
+                <a:effectLst/>
+                <a:latin typeface="Century" panose="02040604050505020304" pitchFamily="18" charset="0"/>
+                <a:ea typeface="ＭＳ 明朝" panose="02020609040205080304" pitchFamily="17" charset="-128"/>
+                <a:cs typeface="Times New Roman" panose="02020603050405020304" pitchFamily="18" charset="0"/>
+              </a:rPr>
+              <a:t>Youtube</a:t>
+            </a:r>
+            <a:r>
+              <a:rPr lang="ja-JP" altLang="ja-JP" sz="700" kern="100" dirty="0">
+                <a:effectLst/>
+                <a:latin typeface="Century" panose="02040604050505020304" pitchFamily="18" charset="0"/>
+                <a:ea typeface="ＭＳ 明朝" panose="02020609040205080304" pitchFamily="17" charset="-128"/>
+                <a:cs typeface="Times New Roman" panose="02020603050405020304" pitchFamily="18" charset="0"/>
+              </a:rPr>
+              <a:t>、</a:t>
+            </a:r>
+            <a:r>
+              <a:rPr lang="en-US" altLang="ja-JP" sz="700" kern="100" dirty="0" err="1">
+                <a:effectLst/>
+                <a:latin typeface="Century" panose="02040604050505020304" pitchFamily="18" charset="0"/>
+                <a:ea typeface="ＭＳ 明朝" panose="02020609040205080304" pitchFamily="17" charset="-128"/>
+                <a:cs typeface="Times New Roman" panose="02020603050405020304" pitchFamily="18" charset="0"/>
+              </a:rPr>
+              <a:t>Tiktok</a:t>
+            </a:r>
+            <a:r>
+              <a:rPr lang="ja-JP" altLang="ja-JP" sz="700" kern="100" dirty="0">
+                <a:effectLst/>
+                <a:latin typeface="Century" panose="02040604050505020304" pitchFamily="18" charset="0"/>
+                <a:ea typeface="ＭＳ 明朝" panose="02020609040205080304" pitchFamily="17" charset="-128"/>
+                <a:cs typeface="Times New Roman" panose="02020603050405020304" pitchFamily="18" charset="0"/>
+              </a:rPr>
+              <a:t>、</a:t>
+            </a:r>
+            <a:r>
+              <a:rPr lang="en-US" altLang="ja-JP" sz="700" kern="100" dirty="0">
+                <a:effectLst/>
+                <a:latin typeface="Century" panose="02040604050505020304" pitchFamily="18" charset="0"/>
+                <a:ea typeface="ＭＳ 明朝" panose="02020609040205080304" pitchFamily="17" charset="-128"/>
+                <a:cs typeface="Times New Roman" panose="02020603050405020304" pitchFamily="18" charset="0"/>
+              </a:rPr>
+              <a:t>Twitter</a:t>
+            </a:r>
+            <a:r>
+              <a:rPr lang="ja-JP" altLang="ja-JP" sz="700" kern="100" dirty="0">
+                <a:effectLst/>
+                <a:latin typeface="Century" panose="02040604050505020304" pitchFamily="18" charset="0"/>
+                <a:ea typeface="ＭＳ 明朝" panose="02020609040205080304" pitchFamily="17" charset="-128"/>
+                <a:cs typeface="Times New Roman" panose="02020603050405020304" pitchFamily="18" charset="0"/>
+              </a:rPr>
+              <a:t>、</a:t>
+            </a:r>
+            <a:r>
+              <a:rPr lang="en-US" altLang="ja-JP" sz="700" kern="100" dirty="0">
+                <a:effectLst/>
+                <a:latin typeface="Century" panose="02040604050505020304" pitchFamily="18" charset="0"/>
+                <a:ea typeface="ＭＳ 明朝" panose="02020609040205080304" pitchFamily="17" charset="-128"/>
+                <a:cs typeface="Times New Roman" panose="02020603050405020304" pitchFamily="18" charset="0"/>
+              </a:rPr>
+              <a:t>Instagram</a:t>
+            </a:r>
+            <a:r>
+              <a:rPr lang="ja-JP" altLang="ja-JP" sz="700" kern="100" dirty="0">
+                <a:effectLst/>
+                <a:latin typeface="Century" panose="02040604050505020304" pitchFamily="18" charset="0"/>
+                <a:ea typeface="ＭＳ 明朝" panose="02020609040205080304" pitchFamily="17" charset="-128"/>
+                <a:cs typeface="Times New Roman" panose="02020603050405020304" pitchFamily="18" charset="0"/>
+              </a:rPr>
+              <a:t>、公式</a:t>
+            </a:r>
+            <a:r>
+              <a:rPr lang="en-US" altLang="ja-JP" sz="700" kern="100" dirty="0">
+                <a:effectLst/>
+                <a:latin typeface="Century" panose="02040604050505020304" pitchFamily="18" charset="0"/>
+                <a:ea typeface="ＭＳ 明朝" panose="02020609040205080304" pitchFamily="17" charset="-128"/>
+                <a:cs typeface="Times New Roman" panose="02020603050405020304" pitchFamily="18" charset="0"/>
+              </a:rPr>
+              <a:t>LINE</a:t>
+            </a:r>
+            <a:r>
+              <a:rPr lang="ja-JP" altLang="ja-JP" sz="700" kern="100" dirty="0">
+                <a:effectLst/>
+                <a:latin typeface="Century" panose="02040604050505020304" pitchFamily="18" charset="0"/>
+                <a:ea typeface="ＭＳ 明朝" panose="02020609040205080304" pitchFamily="17" charset="-128"/>
+                <a:cs typeface="Times New Roman" panose="02020603050405020304" pitchFamily="18" charset="0"/>
+              </a:rPr>
+              <a:t>アカウント、</a:t>
+            </a:r>
+            <a:r>
+              <a:rPr lang="en-US" altLang="ja-JP" sz="700" kern="100" dirty="0">
+                <a:effectLst/>
+                <a:latin typeface="Century" panose="02040604050505020304" pitchFamily="18" charset="0"/>
+                <a:ea typeface="ＭＳ 明朝" panose="02020609040205080304" pitchFamily="17" charset="-128"/>
+                <a:cs typeface="Times New Roman" panose="02020603050405020304" pitchFamily="18" charset="0"/>
+              </a:rPr>
+              <a:t>Twitch</a:t>
+            </a:r>
+            <a:r>
+              <a:rPr lang="ja-JP" altLang="ja-JP" sz="700" kern="100" dirty="0">
+                <a:effectLst/>
+                <a:latin typeface="Century" panose="02040604050505020304" pitchFamily="18" charset="0"/>
+                <a:ea typeface="ＭＳ 明朝" panose="02020609040205080304" pitchFamily="17" charset="-128"/>
+                <a:cs typeface="Times New Roman" panose="02020603050405020304" pitchFamily="18" charset="0"/>
+              </a:rPr>
+              <a:t>、ミルダム、</a:t>
+            </a:r>
+            <a:r>
+              <a:rPr lang="en-US" altLang="ja-JP" sz="700" kern="100" dirty="0" err="1">
+                <a:effectLst/>
+                <a:latin typeface="Century" panose="02040604050505020304" pitchFamily="18" charset="0"/>
+                <a:ea typeface="ＭＳ 明朝" panose="02020609040205080304" pitchFamily="17" charset="-128"/>
+                <a:cs typeface="Times New Roman" panose="02020603050405020304" pitchFamily="18" charset="0"/>
+              </a:rPr>
+              <a:t>Fantia</a:t>
+            </a:r>
+            <a:r>
+              <a:rPr lang="ja-JP" altLang="ja-JP" sz="700" kern="100" dirty="0">
+                <a:effectLst/>
+                <a:latin typeface="Century" panose="02040604050505020304" pitchFamily="18" charset="0"/>
+                <a:ea typeface="ＭＳ 明朝" panose="02020609040205080304" pitchFamily="17" charset="-128"/>
+                <a:cs typeface="Times New Roman" panose="02020603050405020304" pitchFamily="18" charset="0"/>
+              </a:rPr>
+              <a:t>、マシュマロ、</a:t>
+            </a:r>
+            <a:r>
+              <a:rPr lang="en-US" altLang="ja-JP" sz="700" kern="100" dirty="0">
+                <a:effectLst/>
+                <a:latin typeface="Century" panose="02040604050505020304" pitchFamily="18" charset="0"/>
+                <a:ea typeface="ＭＳ 明朝" panose="02020609040205080304" pitchFamily="17" charset="-128"/>
+                <a:cs typeface="Times New Roman" panose="02020603050405020304" pitchFamily="18" charset="0"/>
+              </a:rPr>
+              <a:t>Booth</a:t>
+            </a:r>
+            <a:r>
+              <a:rPr lang="ja-JP" altLang="ja-JP" sz="700" kern="100" dirty="0">
+                <a:effectLst/>
+                <a:latin typeface="Century" panose="02040604050505020304" pitchFamily="18" charset="0"/>
+                <a:ea typeface="ＭＳ 明朝" panose="02020609040205080304" pitchFamily="17" charset="-128"/>
+                <a:cs typeface="Times New Roman" panose="02020603050405020304" pitchFamily="18" charset="0"/>
+              </a:rPr>
+              <a:t>等の活動プラットフォームのアカウントリンク</a:t>
+            </a:r>
+          </a:p>
+          <a:p>
+            <a:pPr indent="133350" algn="just"/>
+            <a:r>
+              <a:rPr lang="ja-JP" altLang="ja-JP" sz="700" kern="100" dirty="0">
+                <a:effectLst/>
+                <a:latin typeface="Century" panose="02040604050505020304" pitchFamily="18" charset="0"/>
+                <a:ea typeface="ＭＳ 明朝" panose="02020609040205080304" pitchFamily="17" charset="-128"/>
+                <a:cs typeface="Times New Roman" panose="02020603050405020304" pitchFamily="18" charset="0"/>
+              </a:rPr>
+              <a:t>活動開始日</a:t>
+            </a:r>
+            <a:endParaRPr lang="en-US" altLang="ja-JP" sz="700" kern="100" dirty="0">
+              <a:effectLst/>
+              <a:latin typeface="Century" panose="02040604050505020304" pitchFamily="18" charset="0"/>
+              <a:ea typeface="ＭＳ 明朝" panose="02020609040205080304" pitchFamily="17" charset="-128"/>
+              <a:cs typeface="Times New Roman" panose="02020603050405020304" pitchFamily="18" charset="0"/>
+            </a:endParaRPr>
+          </a:p>
+          <a:p>
+            <a:pPr indent="133350" algn="just"/>
+            <a:r>
+              <a:rPr lang="ja-JP" altLang="en-US" sz="700" kern="100" dirty="0">
+                <a:effectLst/>
+                <a:latin typeface="Century" panose="02040604050505020304" pitchFamily="18" charset="0"/>
+                <a:ea typeface="ＭＳ 明朝" panose="02020609040205080304" pitchFamily="17" charset="-128"/>
+                <a:cs typeface="Times New Roman" panose="02020603050405020304" pitchFamily="18" charset="0"/>
+              </a:rPr>
+              <a:t>活動終了日</a:t>
+            </a:r>
+            <a:endParaRPr lang="ja-JP" altLang="ja-JP" sz="700" kern="100" dirty="0">
+              <a:effectLst/>
+              <a:latin typeface="Century" panose="02040604050505020304" pitchFamily="18" charset="0"/>
+              <a:ea typeface="ＭＳ 明朝" panose="02020609040205080304" pitchFamily="17" charset="-128"/>
+              <a:cs typeface="Times New Roman" panose="02020603050405020304" pitchFamily="18" charset="0"/>
+            </a:endParaRPr>
+          </a:p>
+          <a:p>
+            <a:pPr indent="133350" algn="just"/>
+            <a:r>
+              <a:rPr lang="ja-JP" altLang="ja-JP" sz="700" kern="100" dirty="0">
+                <a:effectLst/>
+                <a:latin typeface="Century" panose="02040604050505020304" pitchFamily="18" charset="0"/>
+                <a:ea typeface="ＭＳ 明朝" panose="02020609040205080304" pitchFamily="17" charset="-128"/>
+                <a:cs typeface="Times New Roman" panose="02020603050405020304" pitchFamily="18" charset="0"/>
+              </a:rPr>
+              <a:t>ファンの呼称</a:t>
+            </a:r>
+          </a:p>
+          <a:p>
+            <a:pPr indent="133350" algn="just"/>
+            <a:r>
+              <a:rPr lang="ja-JP" altLang="ja-JP" sz="700" kern="100" dirty="0">
+                <a:effectLst/>
+                <a:latin typeface="Century" panose="02040604050505020304" pitchFamily="18" charset="0"/>
+                <a:ea typeface="ＭＳ 明朝" panose="02020609040205080304" pitchFamily="17" charset="-128"/>
+                <a:cs typeface="Times New Roman" panose="02020603050405020304" pitchFamily="18" charset="0"/>
+              </a:rPr>
+              <a:t>ファンマーク</a:t>
+            </a:r>
+          </a:p>
+          <a:p>
+            <a:pPr indent="133350" algn="just"/>
+            <a:r>
+              <a:rPr lang="ja-JP" altLang="ja-JP" sz="700" kern="100" dirty="0">
+                <a:effectLst/>
+                <a:latin typeface="Century" panose="02040604050505020304" pitchFamily="18" charset="0"/>
+                <a:ea typeface="ＭＳ 明朝" panose="02020609040205080304" pitchFamily="17" charset="-128"/>
+                <a:cs typeface="Times New Roman" panose="02020603050405020304" pitchFamily="18" charset="0"/>
+              </a:rPr>
+              <a:t>一人称の呼び名</a:t>
+            </a:r>
+          </a:p>
+          <a:p>
+            <a:pPr indent="133350" algn="just"/>
+            <a:r>
+              <a:rPr lang="ja-JP" altLang="ja-JP" sz="700" kern="100" dirty="0">
+                <a:effectLst/>
+                <a:latin typeface="Century" panose="02040604050505020304" pitchFamily="18" charset="0"/>
+                <a:ea typeface="ＭＳ 明朝" panose="02020609040205080304" pitchFamily="17" charset="-128"/>
+                <a:cs typeface="Times New Roman" panose="02020603050405020304" pitchFamily="18" charset="0"/>
+              </a:rPr>
+              <a:t>活動内容（動画投稿、ゲーム配信、雑談、</a:t>
+            </a:r>
+            <a:r>
+              <a:rPr lang="en-US" altLang="ja-JP" sz="700" kern="100" dirty="0">
+                <a:effectLst/>
+                <a:latin typeface="Century" panose="02040604050505020304" pitchFamily="18" charset="0"/>
+                <a:ea typeface="ＭＳ 明朝" panose="02020609040205080304" pitchFamily="17" charset="-128"/>
+                <a:cs typeface="Times New Roman" panose="02020603050405020304" pitchFamily="18" charset="0"/>
+              </a:rPr>
+              <a:t>ASMR</a:t>
+            </a:r>
+            <a:r>
+              <a:rPr lang="ja-JP" altLang="ja-JP" sz="700" kern="100" dirty="0">
+                <a:effectLst/>
+                <a:latin typeface="Century" panose="02040604050505020304" pitchFamily="18" charset="0"/>
+                <a:ea typeface="ＭＳ 明朝" panose="02020609040205080304" pitchFamily="17" charset="-128"/>
+                <a:cs typeface="Times New Roman" panose="02020603050405020304" pitchFamily="18" charset="0"/>
+              </a:rPr>
+              <a:t>、ものづくり、歌</a:t>
+            </a:r>
+            <a:r>
+              <a:rPr lang="en-US" altLang="ja-JP" sz="700" kern="100" dirty="0" err="1">
+                <a:effectLst/>
+                <a:latin typeface="Century" panose="02040604050505020304" pitchFamily="18" charset="0"/>
+                <a:ea typeface="ＭＳ 明朝" panose="02020609040205080304" pitchFamily="17" charset="-128"/>
+                <a:cs typeface="Times New Roman" panose="02020603050405020304" pitchFamily="18" charset="0"/>
+              </a:rPr>
+              <a:t>etc</a:t>
+            </a:r>
+            <a:r>
+              <a:rPr lang="ja-JP" altLang="ja-JP" sz="700" kern="100" dirty="0">
+                <a:effectLst/>
+                <a:latin typeface="Century" panose="02040604050505020304" pitchFamily="18" charset="0"/>
+                <a:ea typeface="ＭＳ 明朝" panose="02020609040205080304" pitchFamily="17" charset="-128"/>
+                <a:cs typeface="Times New Roman" panose="02020603050405020304" pitchFamily="18" charset="0"/>
+              </a:rPr>
+              <a:t>）</a:t>
+            </a:r>
+          </a:p>
+          <a:p>
+            <a:pPr indent="133350" algn="just"/>
+            <a:r>
+              <a:rPr lang="ja-JP" altLang="ja-JP" sz="700" kern="100" dirty="0">
+                <a:effectLst/>
+                <a:latin typeface="Century" panose="02040604050505020304" pitchFamily="18" charset="0"/>
+                <a:ea typeface="ＭＳ 明朝" panose="02020609040205080304" pitchFamily="17" charset="-128"/>
+                <a:cs typeface="Times New Roman" panose="02020603050405020304" pitchFamily="18" charset="0"/>
+              </a:rPr>
+              <a:t>前世</a:t>
+            </a:r>
+          </a:p>
+          <a:p>
+            <a:pPr indent="133350" algn="just"/>
+            <a:r>
+              <a:rPr lang="ja-JP" altLang="ja-JP" sz="700" kern="100" dirty="0">
+                <a:effectLst/>
+                <a:latin typeface="Century" panose="02040604050505020304" pitchFamily="18" charset="0"/>
+                <a:ea typeface="ＭＳ 明朝" panose="02020609040205080304" pitchFamily="17" charset="-128"/>
+                <a:cs typeface="Times New Roman" panose="02020603050405020304" pitchFamily="18" charset="0"/>
+              </a:rPr>
+              <a:t>卒業済みかどうか</a:t>
+            </a:r>
+          </a:p>
+          <a:p>
+            <a:pPr indent="133350" algn="just"/>
+            <a:r>
+              <a:rPr lang="ja-JP" altLang="ja-JP" sz="700" kern="100" dirty="0">
+                <a:effectLst/>
+                <a:latin typeface="Century" panose="02040604050505020304" pitchFamily="18" charset="0"/>
+                <a:ea typeface="ＭＳ 明朝" panose="02020609040205080304" pitchFamily="17" charset="-128"/>
+                <a:cs typeface="Times New Roman" panose="02020603050405020304" pitchFamily="18" charset="0"/>
+              </a:rPr>
+              <a:t>各活動プラットフォームの登録者数</a:t>
+            </a:r>
+          </a:p>
+          <a:p>
+            <a:pPr indent="133350" algn="just"/>
+            <a:r>
+              <a:rPr lang="ja-JP" altLang="ja-JP" sz="700" kern="100" dirty="0">
+                <a:effectLst/>
+                <a:latin typeface="Century" panose="02040604050505020304" pitchFamily="18" charset="0"/>
+                <a:ea typeface="ＭＳ 明朝" panose="02020609040205080304" pitchFamily="17" charset="-128"/>
+                <a:cs typeface="Times New Roman" panose="02020603050405020304" pitchFamily="18" charset="0"/>
+              </a:rPr>
+              <a:t>主なコンテンツ（動画、</a:t>
+            </a:r>
+            <a:r>
+              <a:rPr lang="en-US" altLang="ja-JP" sz="700" kern="100" dirty="0">
+                <a:effectLst/>
+                <a:latin typeface="Century" panose="02040604050505020304" pitchFamily="18" charset="0"/>
+                <a:ea typeface="ＭＳ 明朝" panose="02020609040205080304" pitchFamily="17" charset="-128"/>
+                <a:cs typeface="Times New Roman" panose="02020603050405020304" pitchFamily="18" charset="0"/>
+              </a:rPr>
+              <a:t>short</a:t>
+            </a:r>
+            <a:r>
+              <a:rPr lang="ja-JP" altLang="ja-JP" sz="700" kern="100" dirty="0">
+                <a:effectLst/>
+                <a:latin typeface="Century" panose="02040604050505020304" pitchFamily="18" charset="0"/>
+                <a:ea typeface="ＭＳ 明朝" panose="02020609040205080304" pitchFamily="17" charset="-128"/>
+                <a:cs typeface="Times New Roman" panose="02020603050405020304" pitchFamily="18" charset="0"/>
+              </a:rPr>
+              <a:t>動画、配信、そのほか）</a:t>
+            </a:r>
+          </a:p>
+          <a:p>
+            <a:pPr indent="133350" algn="just"/>
+            <a:r>
+              <a:rPr lang="ja-JP" altLang="ja-JP" sz="700" kern="100" dirty="0">
+                <a:effectLst/>
+                <a:latin typeface="Century" panose="02040604050505020304" pitchFamily="18" charset="0"/>
+                <a:ea typeface="ＭＳ 明朝" panose="02020609040205080304" pitchFamily="17" charset="-128"/>
+                <a:cs typeface="Times New Roman" panose="02020603050405020304" pitchFamily="18" charset="0"/>
+              </a:rPr>
+              <a:t>タグ（サイト内での紐づけ）</a:t>
+            </a:r>
+          </a:p>
+          <a:p>
+            <a:pPr indent="133350" algn="just"/>
+            <a:r>
+              <a:rPr lang="en-US" altLang="ja-JP" sz="700" kern="100" dirty="0">
+                <a:effectLst/>
+                <a:latin typeface="Century" panose="02040604050505020304" pitchFamily="18" charset="0"/>
+                <a:ea typeface="ＭＳ 明朝" panose="02020609040205080304" pitchFamily="17" charset="-128"/>
+                <a:cs typeface="Times New Roman" panose="02020603050405020304" pitchFamily="18" charset="0"/>
+              </a:rPr>
+              <a:t>Twitter</a:t>
+            </a:r>
+            <a:r>
+              <a:rPr lang="ja-JP" altLang="ja-JP" sz="700" kern="100" dirty="0">
+                <a:effectLst/>
+                <a:latin typeface="Century" panose="02040604050505020304" pitchFamily="18" charset="0"/>
+                <a:ea typeface="ＭＳ 明朝" panose="02020609040205080304" pitchFamily="17" charset="-128"/>
+                <a:cs typeface="Times New Roman" panose="02020603050405020304" pitchFamily="18" charset="0"/>
+              </a:rPr>
+              <a:t>などでの配信時、ファンアート投稿などのハッシュタグ</a:t>
+            </a:r>
+          </a:p>
+          <a:p>
+            <a:pPr indent="133350" algn="just"/>
+            <a:r>
+              <a:rPr lang="ja-JP" altLang="ja-JP" sz="700" kern="100" dirty="0">
+                <a:effectLst/>
+                <a:latin typeface="Century" panose="02040604050505020304" pitchFamily="18" charset="0"/>
+                <a:ea typeface="ＭＳ 明朝" panose="02020609040205080304" pitchFamily="17" charset="-128"/>
+                <a:cs typeface="Times New Roman" panose="02020603050405020304" pitchFamily="18" charset="0"/>
+              </a:rPr>
+              <a:t>フリーコメント</a:t>
+            </a:r>
+            <a:endParaRPr lang="en-US" altLang="ja-JP" sz="700" kern="100" dirty="0">
+              <a:effectLst/>
+              <a:latin typeface="Century" panose="02040604050505020304" pitchFamily="18" charset="0"/>
+              <a:ea typeface="ＭＳ 明朝" panose="02020609040205080304" pitchFamily="17" charset="-128"/>
+              <a:cs typeface="Times New Roman" panose="02020603050405020304" pitchFamily="18" charset="0"/>
+            </a:endParaRPr>
+          </a:p>
+          <a:p>
+            <a:pPr indent="133350" algn="just"/>
+            <a:r>
+              <a:rPr lang="ja-JP" altLang="en-US" sz="700" kern="100" dirty="0">
+                <a:latin typeface="Century" panose="02040604050505020304" pitchFamily="18" charset="0"/>
+                <a:ea typeface="ＭＳ 明朝" panose="02020609040205080304" pitchFamily="17" charset="-128"/>
+                <a:cs typeface="Times New Roman" panose="02020603050405020304" pitchFamily="18" charset="0"/>
+              </a:rPr>
+              <a:t>掲示板（</a:t>
+            </a:r>
+            <a:r>
+              <a:rPr lang="en-US" altLang="ja-JP" sz="700" kern="100" dirty="0">
+                <a:latin typeface="Century" panose="02040604050505020304" pitchFamily="18" charset="0"/>
+                <a:ea typeface="ＭＳ 明朝" panose="02020609040205080304" pitchFamily="17" charset="-128"/>
+                <a:cs typeface="Times New Roman" panose="02020603050405020304" pitchFamily="18" charset="0"/>
+              </a:rPr>
+              <a:t>+</a:t>
+            </a:r>
+            <a:r>
+              <a:rPr lang="ja-JP" altLang="en-US" sz="700" kern="100" dirty="0">
+                <a:latin typeface="Century" panose="02040604050505020304" pitchFamily="18" charset="0"/>
+                <a:ea typeface="ＭＳ 明朝" panose="02020609040205080304" pitchFamily="17" charset="-128"/>
+                <a:cs typeface="Times New Roman" panose="02020603050405020304" pitchFamily="18" charset="0"/>
+              </a:rPr>
+              <a:t>修正履歴）</a:t>
+            </a:r>
+            <a:endParaRPr lang="en-US" altLang="ja-JP" sz="700" kern="100" dirty="0">
+              <a:latin typeface="Century" panose="02040604050505020304" pitchFamily="18" charset="0"/>
+              <a:ea typeface="ＭＳ 明朝" panose="02020609040205080304" pitchFamily="17" charset="-128"/>
+              <a:cs typeface="Times New Roman" panose="02020603050405020304" pitchFamily="18" charset="0"/>
+            </a:endParaRPr>
+          </a:p>
+        </p:txBody>
+      </p:sp>
+      <p:sp>
+        <p:nvSpPr>
+          <p:cNvPr id="60" name="コンテンツ プレースホルダー 2">
+            <a:extLst>
+              <a:ext uri="{FF2B5EF4-FFF2-40B4-BE49-F238E27FC236}">
+                <a16:creationId xmlns:a16="http://schemas.microsoft.com/office/drawing/2014/main" id="{673A1076-84FD-C8DD-44B4-78FACC3B4456}"/>
+              </a:ext>
+            </a:extLst>
+          </p:cNvPr>
+          <p:cNvSpPr txBox="1">
+            <a:spLocks/>
+          </p:cNvSpPr>
+          <p:nvPr/>
+        </p:nvSpPr>
+        <p:spPr>
+          <a:xfrm>
+            <a:off x="7172114" y="4439996"/>
+            <a:ext cx="5044097" cy="1659606"/>
+          </a:xfrm>
+          <a:prstGeom prst="rect">
+            <a:avLst/>
+          </a:prstGeom>
+        </p:spPr>
+        <p:txBody>
+          <a:bodyPr vert="horz" lIns="91440" tIns="45720" rIns="91440" bIns="45720" rtlCol="0">
+            <a:noAutofit/>
+          </a:bodyPr>
+          <a:lstStyle>
+            <a:lvl1pPr marL="228600" indent="-228600" algn="l" defTabSz="914400" rtl="0" eaLnBrk="1" latinLnBrk="0" hangingPunct="1">
+              <a:lnSpc>
+                <a:spcPct val="90000"/>
+              </a:lnSpc>
+              <a:spcBef>
+                <a:spcPts val="1000"/>
+              </a:spcBef>
+              <a:buFont typeface="Arial" panose="020B0604020202020204" pitchFamily="34" charset="0"/>
+              <a:buChar char="•"/>
+              <a:defRPr kumimoji="1" sz="2800" kern="1200">
+                <a:solidFill>
+                  <a:schemeClr val="tx1"/>
+                </a:solidFill>
+                <a:latin typeface="+mn-lt"/>
+                <a:ea typeface="+mn-ea"/>
+                <a:cs typeface="+mn-cs"/>
+              </a:defRPr>
+            </a:lvl1pPr>
+            <a:lvl2pPr marL="685800" indent="-228600" algn="l" defTabSz="914400" rtl="0" eaLnBrk="1" latinLnBrk="0" hangingPunct="1">
+              <a:lnSpc>
+                <a:spcPct val="90000"/>
+              </a:lnSpc>
+              <a:spcBef>
+                <a:spcPts val="500"/>
+              </a:spcBef>
+              <a:buFont typeface="Arial" panose="020B0604020202020204" pitchFamily="34" charset="0"/>
+              <a:buChar char="•"/>
+              <a:defRPr kumimoji="1" sz="2400" kern="1200">
+                <a:solidFill>
+                  <a:schemeClr val="tx1"/>
+                </a:solidFill>
+                <a:latin typeface="+mn-lt"/>
+                <a:ea typeface="+mn-ea"/>
+                <a:cs typeface="+mn-cs"/>
+              </a:defRPr>
+            </a:lvl2pPr>
+            <a:lvl3pPr marL="1143000" indent="-228600" algn="l" defTabSz="914400" rtl="0" eaLnBrk="1" latinLnBrk="0" hangingPunct="1">
+              <a:lnSpc>
+                <a:spcPct val="90000"/>
+              </a:lnSpc>
+              <a:spcBef>
+                <a:spcPts val="500"/>
+              </a:spcBef>
+              <a:buFont typeface="Arial" panose="020B0604020202020204" pitchFamily="34" charset="0"/>
+              <a:buChar char="•"/>
+              <a:defRPr kumimoji="1" sz="2000" kern="1200">
+                <a:solidFill>
+                  <a:schemeClr val="tx1"/>
+                </a:solidFill>
+                <a:latin typeface="+mn-lt"/>
+                <a:ea typeface="+mn-ea"/>
+                <a:cs typeface="+mn-cs"/>
+              </a:defRPr>
+            </a:lvl3pPr>
+            <a:lvl4pPr marL="1600200" indent="-228600" algn="l" defTabSz="914400" rtl="0" eaLnBrk="1" latinLnBrk="0" hangingPunct="1">
+              <a:lnSpc>
+                <a:spcPct val="90000"/>
+              </a:lnSpc>
+              <a:spcBef>
+                <a:spcPts val="500"/>
+              </a:spcBef>
+              <a:buFont typeface="Arial" panose="020B0604020202020204" pitchFamily="34" charset="0"/>
+              <a:buChar char="•"/>
+              <a:defRPr kumimoji="1" sz="1800" kern="1200">
+                <a:solidFill>
+                  <a:schemeClr val="tx1"/>
+                </a:solidFill>
+                <a:latin typeface="+mn-lt"/>
+                <a:ea typeface="+mn-ea"/>
+                <a:cs typeface="+mn-cs"/>
+              </a:defRPr>
+            </a:lvl4pPr>
+            <a:lvl5pPr marL="2057400" indent="-228600" algn="l" defTabSz="914400" rtl="0" eaLnBrk="1" latinLnBrk="0" hangingPunct="1">
+              <a:lnSpc>
+                <a:spcPct val="90000"/>
+              </a:lnSpc>
+              <a:spcBef>
+                <a:spcPts val="500"/>
+              </a:spcBef>
+              <a:buFont typeface="Arial" panose="020B0604020202020204" pitchFamily="34" charset="0"/>
+              <a:buChar char="•"/>
+              <a:defRPr kumimoji="1" sz="1800" kern="1200">
+                <a:solidFill>
+                  <a:schemeClr val="tx1"/>
+                </a:solidFill>
+                <a:latin typeface="+mn-lt"/>
+                <a:ea typeface="+mn-ea"/>
+                <a:cs typeface="+mn-cs"/>
+              </a:defRPr>
+            </a:lvl5pPr>
+            <a:lvl6pPr marL="2514600" indent="-228600" algn="l" defTabSz="914400" rtl="0" eaLnBrk="1" latinLnBrk="0" hangingPunct="1">
+              <a:lnSpc>
+                <a:spcPct val="90000"/>
+              </a:lnSpc>
+              <a:spcBef>
+                <a:spcPts val="500"/>
+              </a:spcBef>
+              <a:buFont typeface="Arial" panose="020B0604020202020204" pitchFamily="34" charset="0"/>
+              <a:buChar char="•"/>
+              <a:defRPr kumimoji="1" sz="1800" kern="1200">
+                <a:solidFill>
+                  <a:schemeClr val="tx1"/>
+                </a:solidFill>
+                <a:latin typeface="+mn-lt"/>
+                <a:ea typeface="+mn-ea"/>
+                <a:cs typeface="+mn-cs"/>
+              </a:defRPr>
+            </a:lvl6pPr>
+            <a:lvl7pPr marL="2971800" indent="-228600" algn="l" defTabSz="914400" rtl="0" eaLnBrk="1" latinLnBrk="0" hangingPunct="1">
+              <a:lnSpc>
+                <a:spcPct val="90000"/>
+              </a:lnSpc>
+              <a:spcBef>
+                <a:spcPts val="500"/>
+              </a:spcBef>
+              <a:buFont typeface="Arial" panose="020B0604020202020204" pitchFamily="34" charset="0"/>
+              <a:buChar char="•"/>
+              <a:defRPr kumimoji="1" sz="1800" kern="1200">
+                <a:solidFill>
+                  <a:schemeClr val="tx1"/>
+                </a:solidFill>
+                <a:latin typeface="+mn-lt"/>
+                <a:ea typeface="+mn-ea"/>
+                <a:cs typeface="+mn-cs"/>
+              </a:defRPr>
+            </a:lvl7pPr>
+            <a:lvl8pPr marL="3429000" indent="-228600" algn="l" defTabSz="914400" rtl="0" eaLnBrk="1" latinLnBrk="0" hangingPunct="1">
+              <a:lnSpc>
+                <a:spcPct val="90000"/>
+              </a:lnSpc>
+              <a:spcBef>
+                <a:spcPts val="500"/>
+              </a:spcBef>
+              <a:buFont typeface="Arial" panose="020B0604020202020204" pitchFamily="34" charset="0"/>
+              <a:buChar char="•"/>
+              <a:defRPr kumimoji="1" sz="1800" kern="1200">
+                <a:solidFill>
+                  <a:schemeClr val="tx1"/>
+                </a:solidFill>
+                <a:latin typeface="+mn-lt"/>
+                <a:ea typeface="+mn-ea"/>
+                <a:cs typeface="+mn-cs"/>
+              </a:defRPr>
+            </a:lvl8pPr>
+            <a:lvl9pPr marL="3886200" indent="-228600" algn="l" defTabSz="914400" rtl="0" eaLnBrk="1" latinLnBrk="0" hangingPunct="1">
+              <a:lnSpc>
+                <a:spcPct val="90000"/>
+              </a:lnSpc>
+              <a:spcBef>
+                <a:spcPts val="500"/>
+              </a:spcBef>
+              <a:buFont typeface="Arial" panose="020B0604020202020204" pitchFamily="34" charset="0"/>
+              <a:buChar char="•"/>
+              <a:defRPr kumimoji="1" sz="1800" kern="1200">
+                <a:solidFill>
+                  <a:schemeClr val="tx1"/>
+                </a:solidFill>
+                <a:latin typeface="+mn-lt"/>
+                <a:ea typeface="+mn-ea"/>
+                <a:cs typeface="+mn-cs"/>
+              </a:defRPr>
+            </a:lvl9pPr>
+          </a:lstStyle>
+          <a:p>
+            <a:pPr indent="133350" algn="just"/>
+            <a:r>
+              <a:rPr lang="ja-JP" altLang="en-US" sz="1800" kern="100" dirty="0">
+                <a:latin typeface="Century" panose="02040604050505020304" pitchFamily="18" charset="0"/>
+                <a:ea typeface="ＭＳ 明朝" panose="02020609040205080304" pitchFamily="17" charset="-128"/>
+                <a:cs typeface="Times New Roman" panose="02020603050405020304" pitchFamily="18" charset="0"/>
+              </a:rPr>
+              <a:t>お問い合わせ（著作権侵害申立、通報、ページ削除依頼、その他）</a:t>
+            </a:r>
+            <a:endParaRPr lang="en-US" altLang="ja-JP" sz="1800" kern="100" dirty="0">
+              <a:latin typeface="Century" panose="02040604050505020304" pitchFamily="18" charset="0"/>
+              <a:ea typeface="ＭＳ 明朝" panose="02020609040205080304" pitchFamily="17" charset="-128"/>
+              <a:cs typeface="Times New Roman" panose="02020603050405020304" pitchFamily="18" charset="0"/>
+            </a:endParaRPr>
+          </a:p>
+          <a:p>
+            <a:pPr indent="133350" algn="just"/>
+            <a:r>
+              <a:rPr lang="en-US" altLang="ja-JP" sz="1800" kern="100" dirty="0" err="1">
+                <a:latin typeface="Century" panose="02040604050505020304" pitchFamily="18" charset="0"/>
+                <a:ea typeface="ＭＳ 明朝" panose="02020609040205080304" pitchFamily="17" charset="-128"/>
+                <a:cs typeface="Times New Roman" panose="02020603050405020304" pitchFamily="18" charset="0"/>
+              </a:rPr>
+              <a:t>Vtuber</a:t>
+            </a:r>
+            <a:r>
+              <a:rPr lang="ja-JP" altLang="en-US" sz="1800" kern="100" dirty="0">
+                <a:latin typeface="Century" panose="02040604050505020304" pitchFamily="18" charset="0"/>
+                <a:ea typeface="ＭＳ 明朝" panose="02020609040205080304" pitchFamily="17" charset="-128"/>
+                <a:cs typeface="Times New Roman" panose="02020603050405020304" pitchFamily="18" charset="0"/>
+              </a:rPr>
+              <a:t>本人認証</a:t>
+            </a:r>
+            <a:endParaRPr lang="en-US" altLang="ja-JP" sz="1800" kern="100" dirty="0">
+              <a:latin typeface="Century" panose="02040604050505020304" pitchFamily="18" charset="0"/>
+              <a:ea typeface="ＭＳ 明朝" panose="02020609040205080304" pitchFamily="17" charset="-128"/>
+              <a:cs typeface="Times New Roman" panose="02020603050405020304" pitchFamily="18" charset="0"/>
+            </a:endParaRPr>
+          </a:p>
+          <a:p>
+            <a:pPr indent="133350" algn="just"/>
+            <a:endParaRPr lang="en-US" altLang="ja-JP" sz="1800" kern="100" dirty="0">
+              <a:latin typeface="Century" panose="02040604050505020304" pitchFamily="18" charset="0"/>
+              <a:ea typeface="ＭＳ 明朝" panose="02020609040205080304" pitchFamily="17" charset="-128"/>
+              <a:cs typeface="Times New Roman" panose="02020603050405020304" pitchFamily="18" charset="0"/>
+            </a:endParaRPr>
+          </a:p>
+        </p:txBody>
+      </p:sp>
+      <p:sp>
+        <p:nvSpPr>
+          <p:cNvPr id="13" name="コンテンツ プレースホルダー 2">
+            <a:extLst>
+              <a:ext uri="{FF2B5EF4-FFF2-40B4-BE49-F238E27FC236}">
+                <a16:creationId xmlns:a16="http://schemas.microsoft.com/office/drawing/2014/main" id="{5488EAC0-0412-8D0B-ECA2-453E1863A5C8}"/>
+              </a:ext>
+            </a:extLst>
+          </p:cNvPr>
+          <p:cNvSpPr txBox="1">
+            <a:spLocks/>
+          </p:cNvSpPr>
+          <p:nvPr/>
+        </p:nvSpPr>
+        <p:spPr>
+          <a:xfrm>
+            <a:off x="304800" y="872006"/>
+            <a:ext cx="1337310" cy="5376394"/>
+          </a:xfrm>
+          <a:prstGeom prst="rect">
+            <a:avLst/>
+          </a:prstGeom>
+        </p:spPr>
+        <p:txBody>
+          <a:bodyPr vert="horz" lIns="91440" tIns="45720" rIns="91440" bIns="45720" rtlCol="0">
+            <a:noAutofit/>
+          </a:bodyPr>
+          <a:lstStyle>
+            <a:lvl1pPr marL="228600" indent="-228600" algn="l" defTabSz="914400" rtl="0" eaLnBrk="1" latinLnBrk="0" hangingPunct="1">
+              <a:lnSpc>
+                <a:spcPct val="90000"/>
+              </a:lnSpc>
+              <a:spcBef>
+                <a:spcPts val="1000"/>
+              </a:spcBef>
+              <a:buFont typeface="Arial" panose="020B0604020202020204" pitchFamily="34" charset="0"/>
+              <a:buChar char="•"/>
+              <a:defRPr kumimoji="1" sz="2800" kern="1200">
+                <a:solidFill>
+                  <a:schemeClr val="tx1"/>
+                </a:solidFill>
+                <a:latin typeface="+mn-lt"/>
+                <a:ea typeface="+mn-ea"/>
+                <a:cs typeface="+mn-cs"/>
+              </a:defRPr>
+            </a:lvl1pPr>
+            <a:lvl2pPr marL="685800" indent="-228600" algn="l" defTabSz="914400" rtl="0" eaLnBrk="1" latinLnBrk="0" hangingPunct="1">
+              <a:lnSpc>
+                <a:spcPct val="90000"/>
+              </a:lnSpc>
+              <a:spcBef>
+                <a:spcPts val="500"/>
+              </a:spcBef>
+              <a:buFont typeface="Arial" panose="020B0604020202020204" pitchFamily="34" charset="0"/>
+              <a:buChar char="•"/>
+              <a:defRPr kumimoji="1" sz="2400" kern="1200">
+                <a:solidFill>
+                  <a:schemeClr val="tx1"/>
+                </a:solidFill>
+                <a:latin typeface="+mn-lt"/>
+                <a:ea typeface="+mn-ea"/>
+                <a:cs typeface="+mn-cs"/>
+              </a:defRPr>
+            </a:lvl2pPr>
+            <a:lvl3pPr marL="1143000" indent="-228600" algn="l" defTabSz="914400" rtl="0" eaLnBrk="1" latinLnBrk="0" hangingPunct="1">
+              <a:lnSpc>
+                <a:spcPct val="90000"/>
+              </a:lnSpc>
+              <a:spcBef>
+                <a:spcPts val="500"/>
+              </a:spcBef>
+              <a:buFont typeface="Arial" panose="020B0604020202020204" pitchFamily="34" charset="0"/>
+              <a:buChar char="•"/>
+              <a:defRPr kumimoji="1" sz="2000" kern="1200">
+                <a:solidFill>
+                  <a:schemeClr val="tx1"/>
+                </a:solidFill>
+                <a:latin typeface="+mn-lt"/>
+                <a:ea typeface="+mn-ea"/>
+                <a:cs typeface="+mn-cs"/>
+              </a:defRPr>
+            </a:lvl3pPr>
+            <a:lvl4pPr marL="1600200" indent="-228600" algn="l" defTabSz="914400" rtl="0" eaLnBrk="1" latinLnBrk="0" hangingPunct="1">
+              <a:lnSpc>
+                <a:spcPct val="90000"/>
+              </a:lnSpc>
+              <a:spcBef>
+                <a:spcPts val="500"/>
+              </a:spcBef>
+              <a:buFont typeface="Arial" panose="020B0604020202020204" pitchFamily="34" charset="0"/>
+              <a:buChar char="•"/>
+              <a:defRPr kumimoji="1" sz="1800" kern="1200">
+                <a:solidFill>
+                  <a:schemeClr val="tx1"/>
+                </a:solidFill>
+                <a:latin typeface="+mn-lt"/>
+                <a:ea typeface="+mn-ea"/>
+                <a:cs typeface="+mn-cs"/>
+              </a:defRPr>
+            </a:lvl4pPr>
+            <a:lvl5pPr marL="2057400" indent="-228600" algn="l" defTabSz="914400" rtl="0" eaLnBrk="1" latinLnBrk="0" hangingPunct="1">
+              <a:lnSpc>
+                <a:spcPct val="90000"/>
+              </a:lnSpc>
+              <a:spcBef>
+                <a:spcPts val="500"/>
+              </a:spcBef>
+              <a:buFont typeface="Arial" panose="020B0604020202020204" pitchFamily="34" charset="0"/>
+              <a:buChar char="•"/>
+              <a:defRPr kumimoji="1" sz="1800" kern="1200">
+                <a:solidFill>
+                  <a:schemeClr val="tx1"/>
+                </a:solidFill>
+                <a:latin typeface="+mn-lt"/>
+                <a:ea typeface="+mn-ea"/>
+                <a:cs typeface="+mn-cs"/>
+              </a:defRPr>
+            </a:lvl5pPr>
+            <a:lvl6pPr marL="2514600" indent="-228600" algn="l" defTabSz="914400" rtl="0" eaLnBrk="1" latinLnBrk="0" hangingPunct="1">
+              <a:lnSpc>
+                <a:spcPct val="90000"/>
+              </a:lnSpc>
+              <a:spcBef>
+                <a:spcPts val="500"/>
+              </a:spcBef>
+              <a:buFont typeface="Arial" panose="020B0604020202020204" pitchFamily="34" charset="0"/>
+              <a:buChar char="•"/>
+              <a:defRPr kumimoji="1" sz="1800" kern="1200">
+                <a:solidFill>
+                  <a:schemeClr val="tx1"/>
+                </a:solidFill>
+                <a:latin typeface="+mn-lt"/>
+                <a:ea typeface="+mn-ea"/>
+                <a:cs typeface="+mn-cs"/>
+              </a:defRPr>
+            </a:lvl6pPr>
+            <a:lvl7pPr marL="2971800" indent="-228600" algn="l" defTabSz="914400" rtl="0" eaLnBrk="1" latinLnBrk="0" hangingPunct="1">
+              <a:lnSpc>
+                <a:spcPct val="90000"/>
+              </a:lnSpc>
+              <a:spcBef>
+                <a:spcPts val="500"/>
+              </a:spcBef>
+              <a:buFont typeface="Arial" panose="020B0604020202020204" pitchFamily="34" charset="0"/>
+              <a:buChar char="•"/>
+              <a:defRPr kumimoji="1" sz="1800" kern="1200">
+                <a:solidFill>
+                  <a:schemeClr val="tx1"/>
+                </a:solidFill>
+                <a:latin typeface="+mn-lt"/>
+                <a:ea typeface="+mn-ea"/>
+                <a:cs typeface="+mn-cs"/>
+              </a:defRPr>
+            </a:lvl7pPr>
+            <a:lvl8pPr marL="3429000" indent="-228600" algn="l" defTabSz="914400" rtl="0" eaLnBrk="1" latinLnBrk="0" hangingPunct="1">
+              <a:lnSpc>
+                <a:spcPct val="90000"/>
+              </a:lnSpc>
+              <a:spcBef>
+                <a:spcPts val="500"/>
+              </a:spcBef>
+              <a:buFont typeface="Arial" panose="020B0604020202020204" pitchFamily="34" charset="0"/>
+              <a:buChar char="•"/>
+              <a:defRPr kumimoji="1" sz="1800" kern="1200">
+                <a:solidFill>
+                  <a:schemeClr val="tx1"/>
+                </a:solidFill>
+                <a:latin typeface="+mn-lt"/>
+                <a:ea typeface="+mn-ea"/>
+                <a:cs typeface="+mn-cs"/>
+              </a:defRPr>
+            </a:lvl8pPr>
+            <a:lvl9pPr marL="3886200" indent="-228600" algn="l" defTabSz="914400" rtl="0" eaLnBrk="1" latinLnBrk="0" hangingPunct="1">
+              <a:lnSpc>
+                <a:spcPct val="90000"/>
+              </a:lnSpc>
+              <a:spcBef>
+                <a:spcPts val="500"/>
+              </a:spcBef>
+              <a:buFont typeface="Arial" panose="020B0604020202020204" pitchFamily="34" charset="0"/>
+              <a:buChar char="•"/>
+              <a:defRPr kumimoji="1" sz="1800" kern="1200">
+                <a:solidFill>
+                  <a:schemeClr val="tx1"/>
+                </a:solidFill>
+                <a:latin typeface="+mn-lt"/>
+                <a:ea typeface="+mn-ea"/>
+                <a:cs typeface="+mn-cs"/>
+              </a:defRPr>
+            </a:lvl9pPr>
+          </a:lstStyle>
+          <a:p>
+            <a:pPr indent="133350" algn="just"/>
+            <a:r>
+              <a:rPr lang="ja-JP" altLang="ja-JP" sz="500" kern="100" dirty="0">
+                <a:latin typeface="Century" panose="02040604050505020304" pitchFamily="18" charset="0"/>
+                <a:ea typeface="ＭＳ 明朝" panose="02020609040205080304" pitchFamily="17" charset="-128"/>
+                <a:cs typeface="Times New Roman" panose="02020603050405020304" pitchFamily="18" charset="0"/>
+              </a:rPr>
+              <a:t>名前</a:t>
+            </a:r>
+          </a:p>
+          <a:p>
+            <a:pPr indent="133350" algn="just"/>
+            <a:r>
+              <a:rPr lang="ja-JP" altLang="ja-JP" sz="500" kern="100" dirty="0">
+                <a:latin typeface="Century" panose="02040604050505020304" pitchFamily="18" charset="0"/>
+                <a:ea typeface="ＭＳ 明朝" panose="02020609040205080304" pitchFamily="17" charset="-128"/>
+                <a:cs typeface="Times New Roman" panose="02020603050405020304" pitchFamily="18" charset="0"/>
+              </a:rPr>
+              <a:t>名前のよみがな</a:t>
+            </a:r>
+          </a:p>
+          <a:p>
+            <a:pPr indent="133350" algn="just"/>
+            <a:r>
+              <a:rPr lang="ja-JP" altLang="ja-JP" sz="500" kern="100" dirty="0">
+                <a:latin typeface="Century" panose="02040604050505020304" pitchFamily="18" charset="0"/>
+                <a:ea typeface="ＭＳ 明朝" panose="02020609040205080304" pitchFamily="17" charset="-128"/>
+                <a:cs typeface="Times New Roman" panose="02020603050405020304" pitchFamily="18" charset="0"/>
+              </a:rPr>
+              <a:t>キャラモデル画像（複数。</a:t>
+            </a:r>
+            <a:r>
+              <a:rPr lang="en-US" altLang="ja-JP" sz="500" kern="100" dirty="0">
+                <a:latin typeface="Century" panose="02040604050505020304" pitchFamily="18" charset="0"/>
+                <a:ea typeface="ＭＳ 明朝" panose="02020609040205080304" pitchFamily="17" charset="-128"/>
+                <a:cs typeface="Times New Roman" panose="02020603050405020304" pitchFamily="18" charset="0"/>
+              </a:rPr>
+              <a:t>3D</a:t>
+            </a:r>
+            <a:r>
+              <a:rPr lang="ja-JP" altLang="ja-JP" sz="500" kern="100" dirty="0">
+                <a:latin typeface="Century" panose="02040604050505020304" pitchFamily="18" charset="0"/>
+                <a:ea typeface="ＭＳ 明朝" panose="02020609040205080304" pitchFamily="17" charset="-128"/>
+                <a:cs typeface="Times New Roman" panose="02020603050405020304" pitchFamily="18" charset="0"/>
+              </a:rPr>
+              <a:t>モデルをどうするか）</a:t>
+            </a:r>
+          </a:p>
+          <a:p>
+            <a:pPr indent="133350" algn="just"/>
+            <a:r>
+              <a:rPr lang="ja-JP" altLang="ja-JP" sz="500" kern="100" dirty="0">
+                <a:latin typeface="Century" panose="02040604050505020304" pitchFamily="18" charset="0"/>
+                <a:ea typeface="ＭＳ 明朝" panose="02020609040205080304" pitchFamily="17" charset="-128"/>
+                <a:cs typeface="Times New Roman" panose="02020603050405020304" pitchFamily="18" charset="0"/>
+              </a:rPr>
+              <a:t>ママ（担当イラストレーター）</a:t>
+            </a:r>
+          </a:p>
+          <a:p>
+            <a:pPr indent="133350" algn="just"/>
+            <a:r>
+              <a:rPr lang="ja-JP" altLang="ja-JP" sz="500" kern="100" dirty="0">
+                <a:latin typeface="Century" panose="02040604050505020304" pitchFamily="18" charset="0"/>
+                <a:ea typeface="ＭＳ 明朝" panose="02020609040205080304" pitchFamily="17" charset="-128"/>
+                <a:cs typeface="Times New Roman" panose="02020603050405020304" pitchFamily="18" charset="0"/>
+              </a:rPr>
+              <a:t>パパ（担当</a:t>
+            </a:r>
+            <a:r>
+              <a:rPr lang="en-US" altLang="ja-JP" sz="500" kern="100" dirty="0">
+                <a:latin typeface="Century" panose="02040604050505020304" pitchFamily="18" charset="0"/>
+                <a:ea typeface="ＭＳ 明朝" panose="02020609040205080304" pitchFamily="17" charset="-128"/>
+                <a:cs typeface="Times New Roman" panose="02020603050405020304" pitchFamily="18" charset="0"/>
+              </a:rPr>
+              <a:t>Live2D</a:t>
+            </a:r>
+            <a:r>
+              <a:rPr lang="ja-JP" altLang="ja-JP" sz="500" kern="100" dirty="0">
+                <a:latin typeface="Century" panose="02040604050505020304" pitchFamily="18" charset="0"/>
+                <a:ea typeface="ＭＳ 明朝" panose="02020609040205080304" pitchFamily="17" charset="-128"/>
+                <a:cs typeface="Times New Roman" panose="02020603050405020304" pitchFamily="18" charset="0"/>
+              </a:rPr>
+              <a:t>、</a:t>
+            </a:r>
+            <a:r>
+              <a:rPr lang="en-US" altLang="ja-JP" sz="500" kern="100" dirty="0">
+                <a:latin typeface="Century" panose="02040604050505020304" pitchFamily="18" charset="0"/>
+                <a:ea typeface="ＭＳ 明朝" panose="02020609040205080304" pitchFamily="17" charset="-128"/>
+                <a:cs typeface="Times New Roman" panose="02020603050405020304" pitchFamily="18" charset="0"/>
+              </a:rPr>
+              <a:t>3D</a:t>
+            </a:r>
+            <a:r>
+              <a:rPr lang="ja-JP" altLang="ja-JP" sz="500" kern="100" dirty="0">
+                <a:latin typeface="Century" panose="02040604050505020304" pitchFamily="18" charset="0"/>
+                <a:ea typeface="ＭＳ 明朝" panose="02020609040205080304" pitchFamily="17" charset="-128"/>
+                <a:cs typeface="Times New Roman" panose="02020603050405020304" pitchFamily="18" charset="0"/>
+              </a:rPr>
+              <a:t>モデリングなど）</a:t>
+            </a:r>
+          </a:p>
+          <a:p>
+            <a:pPr indent="133350" algn="just"/>
+            <a:r>
+              <a:rPr lang="ja-JP" altLang="ja-JP" sz="500" kern="100" dirty="0">
+                <a:latin typeface="Century" panose="02040604050505020304" pitchFamily="18" charset="0"/>
+                <a:ea typeface="ＭＳ 明朝" panose="02020609040205080304" pitchFamily="17" charset="-128"/>
+                <a:cs typeface="Times New Roman" panose="02020603050405020304" pitchFamily="18" charset="0"/>
+              </a:rPr>
+              <a:t>箱（所属事務所）</a:t>
+            </a:r>
+          </a:p>
+          <a:p>
+            <a:pPr indent="133350" algn="just"/>
+            <a:r>
+              <a:rPr lang="ja-JP" altLang="ja-JP" sz="500" kern="100" dirty="0">
+                <a:latin typeface="Century" panose="02040604050505020304" pitchFamily="18" charset="0"/>
+                <a:ea typeface="ＭＳ 明朝" panose="02020609040205080304" pitchFamily="17" charset="-128"/>
+                <a:cs typeface="Times New Roman" panose="02020603050405020304" pitchFamily="18" charset="0"/>
+              </a:rPr>
+              <a:t>性別（男、女、バ美肉、その他）</a:t>
+            </a:r>
+          </a:p>
+          <a:p>
+            <a:pPr indent="133350" algn="just"/>
+            <a:r>
+              <a:rPr lang="en-US" altLang="ja-JP" sz="500" kern="100" dirty="0" err="1">
+                <a:latin typeface="Century" panose="02040604050505020304" pitchFamily="18" charset="0"/>
+                <a:ea typeface="ＭＳ 明朝" panose="02020609040205080304" pitchFamily="17" charset="-128"/>
+                <a:cs typeface="Times New Roman" panose="02020603050405020304" pitchFamily="18" charset="0"/>
+              </a:rPr>
+              <a:t>Youtube</a:t>
+            </a:r>
+            <a:r>
+              <a:rPr lang="ja-JP" altLang="ja-JP" sz="500" kern="100" dirty="0">
+                <a:latin typeface="Century" panose="02040604050505020304" pitchFamily="18" charset="0"/>
+                <a:ea typeface="ＭＳ 明朝" panose="02020609040205080304" pitchFamily="17" charset="-128"/>
+                <a:cs typeface="Times New Roman" panose="02020603050405020304" pitchFamily="18" charset="0"/>
+              </a:rPr>
+              <a:t>、</a:t>
+            </a:r>
+            <a:r>
+              <a:rPr lang="en-US" altLang="ja-JP" sz="500" kern="100" dirty="0" err="1">
+                <a:latin typeface="Century" panose="02040604050505020304" pitchFamily="18" charset="0"/>
+                <a:ea typeface="ＭＳ 明朝" panose="02020609040205080304" pitchFamily="17" charset="-128"/>
+                <a:cs typeface="Times New Roman" panose="02020603050405020304" pitchFamily="18" charset="0"/>
+              </a:rPr>
+              <a:t>Tiktok</a:t>
+            </a:r>
+            <a:r>
+              <a:rPr lang="ja-JP" altLang="ja-JP" sz="500" kern="100" dirty="0">
+                <a:latin typeface="Century" panose="02040604050505020304" pitchFamily="18" charset="0"/>
+                <a:ea typeface="ＭＳ 明朝" panose="02020609040205080304" pitchFamily="17" charset="-128"/>
+                <a:cs typeface="Times New Roman" panose="02020603050405020304" pitchFamily="18" charset="0"/>
+              </a:rPr>
+              <a:t>、</a:t>
+            </a:r>
+            <a:r>
+              <a:rPr lang="en-US" altLang="ja-JP" sz="500" kern="100" dirty="0">
+                <a:latin typeface="Century" panose="02040604050505020304" pitchFamily="18" charset="0"/>
+                <a:ea typeface="ＭＳ 明朝" panose="02020609040205080304" pitchFamily="17" charset="-128"/>
+                <a:cs typeface="Times New Roman" panose="02020603050405020304" pitchFamily="18" charset="0"/>
+              </a:rPr>
+              <a:t>Twitter</a:t>
+            </a:r>
+            <a:r>
+              <a:rPr lang="ja-JP" altLang="ja-JP" sz="500" kern="100" dirty="0">
+                <a:latin typeface="Century" panose="02040604050505020304" pitchFamily="18" charset="0"/>
+                <a:ea typeface="ＭＳ 明朝" panose="02020609040205080304" pitchFamily="17" charset="-128"/>
+                <a:cs typeface="Times New Roman" panose="02020603050405020304" pitchFamily="18" charset="0"/>
+              </a:rPr>
+              <a:t>、</a:t>
+            </a:r>
+            <a:r>
+              <a:rPr lang="en-US" altLang="ja-JP" sz="500" kern="100" dirty="0">
+                <a:latin typeface="Century" panose="02040604050505020304" pitchFamily="18" charset="0"/>
+                <a:ea typeface="ＭＳ 明朝" panose="02020609040205080304" pitchFamily="17" charset="-128"/>
+                <a:cs typeface="Times New Roman" panose="02020603050405020304" pitchFamily="18" charset="0"/>
+              </a:rPr>
+              <a:t>Instagram</a:t>
+            </a:r>
+            <a:r>
+              <a:rPr lang="ja-JP" altLang="ja-JP" sz="500" kern="100" dirty="0">
+                <a:latin typeface="Century" panose="02040604050505020304" pitchFamily="18" charset="0"/>
+                <a:ea typeface="ＭＳ 明朝" panose="02020609040205080304" pitchFamily="17" charset="-128"/>
+                <a:cs typeface="Times New Roman" panose="02020603050405020304" pitchFamily="18" charset="0"/>
+              </a:rPr>
+              <a:t>、公式</a:t>
+            </a:r>
+            <a:r>
+              <a:rPr lang="en-US" altLang="ja-JP" sz="500" kern="100" dirty="0">
+                <a:latin typeface="Century" panose="02040604050505020304" pitchFamily="18" charset="0"/>
+                <a:ea typeface="ＭＳ 明朝" panose="02020609040205080304" pitchFamily="17" charset="-128"/>
+                <a:cs typeface="Times New Roman" panose="02020603050405020304" pitchFamily="18" charset="0"/>
+              </a:rPr>
+              <a:t>LINE</a:t>
+            </a:r>
+            <a:r>
+              <a:rPr lang="ja-JP" altLang="ja-JP" sz="500" kern="100" dirty="0">
+                <a:latin typeface="Century" panose="02040604050505020304" pitchFamily="18" charset="0"/>
+                <a:ea typeface="ＭＳ 明朝" panose="02020609040205080304" pitchFamily="17" charset="-128"/>
+                <a:cs typeface="Times New Roman" panose="02020603050405020304" pitchFamily="18" charset="0"/>
+              </a:rPr>
+              <a:t>アカウント、</a:t>
+            </a:r>
+            <a:r>
+              <a:rPr lang="en-US" altLang="ja-JP" sz="500" kern="100" dirty="0">
+                <a:latin typeface="Century" panose="02040604050505020304" pitchFamily="18" charset="0"/>
+                <a:ea typeface="ＭＳ 明朝" panose="02020609040205080304" pitchFamily="17" charset="-128"/>
+                <a:cs typeface="Times New Roman" panose="02020603050405020304" pitchFamily="18" charset="0"/>
+              </a:rPr>
+              <a:t>Twitch</a:t>
+            </a:r>
+            <a:r>
+              <a:rPr lang="ja-JP" altLang="ja-JP" sz="500" kern="100" dirty="0">
+                <a:latin typeface="Century" panose="02040604050505020304" pitchFamily="18" charset="0"/>
+                <a:ea typeface="ＭＳ 明朝" panose="02020609040205080304" pitchFamily="17" charset="-128"/>
+                <a:cs typeface="Times New Roman" panose="02020603050405020304" pitchFamily="18" charset="0"/>
+              </a:rPr>
+              <a:t>、ミルダム、</a:t>
+            </a:r>
+            <a:r>
+              <a:rPr lang="en-US" altLang="ja-JP" sz="500" kern="100" dirty="0" err="1">
+                <a:latin typeface="Century" panose="02040604050505020304" pitchFamily="18" charset="0"/>
+                <a:ea typeface="ＭＳ 明朝" panose="02020609040205080304" pitchFamily="17" charset="-128"/>
+                <a:cs typeface="Times New Roman" panose="02020603050405020304" pitchFamily="18" charset="0"/>
+              </a:rPr>
+              <a:t>Fantia</a:t>
+            </a:r>
+            <a:r>
+              <a:rPr lang="ja-JP" altLang="ja-JP" sz="500" kern="100" dirty="0">
+                <a:latin typeface="Century" panose="02040604050505020304" pitchFamily="18" charset="0"/>
+                <a:ea typeface="ＭＳ 明朝" panose="02020609040205080304" pitchFamily="17" charset="-128"/>
+                <a:cs typeface="Times New Roman" panose="02020603050405020304" pitchFamily="18" charset="0"/>
+              </a:rPr>
+              <a:t>、マシュマロ、</a:t>
+            </a:r>
+            <a:r>
+              <a:rPr lang="en-US" altLang="ja-JP" sz="500" kern="100" dirty="0">
+                <a:latin typeface="Century" panose="02040604050505020304" pitchFamily="18" charset="0"/>
+                <a:ea typeface="ＭＳ 明朝" panose="02020609040205080304" pitchFamily="17" charset="-128"/>
+                <a:cs typeface="Times New Roman" panose="02020603050405020304" pitchFamily="18" charset="0"/>
+              </a:rPr>
+              <a:t>Booth</a:t>
+            </a:r>
+            <a:r>
+              <a:rPr lang="ja-JP" altLang="ja-JP" sz="500" kern="100" dirty="0">
+                <a:latin typeface="Century" panose="02040604050505020304" pitchFamily="18" charset="0"/>
+                <a:ea typeface="ＭＳ 明朝" panose="02020609040205080304" pitchFamily="17" charset="-128"/>
+                <a:cs typeface="Times New Roman" panose="02020603050405020304" pitchFamily="18" charset="0"/>
+              </a:rPr>
+              <a:t>等の活動プラットフォームのアカウントリンク</a:t>
+            </a:r>
+          </a:p>
+          <a:p>
+            <a:pPr indent="133350" algn="just"/>
+            <a:r>
+              <a:rPr lang="ja-JP" altLang="ja-JP" sz="500" kern="100" dirty="0">
+                <a:latin typeface="Century" panose="02040604050505020304" pitchFamily="18" charset="0"/>
+                <a:ea typeface="ＭＳ 明朝" panose="02020609040205080304" pitchFamily="17" charset="-128"/>
+                <a:cs typeface="Times New Roman" panose="02020603050405020304" pitchFamily="18" charset="0"/>
+              </a:rPr>
+              <a:t>活動開始日</a:t>
+            </a:r>
+          </a:p>
+          <a:p>
+            <a:pPr indent="133350" algn="just"/>
+            <a:r>
+              <a:rPr lang="ja-JP" altLang="ja-JP" sz="500" kern="100" dirty="0">
+                <a:latin typeface="Century" panose="02040604050505020304" pitchFamily="18" charset="0"/>
+                <a:ea typeface="ＭＳ 明朝" panose="02020609040205080304" pitchFamily="17" charset="-128"/>
+                <a:cs typeface="Times New Roman" panose="02020603050405020304" pitchFamily="18" charset="0"/>
+              </a:rPr>
+              <a:t>ファンの呼称</a:t>
+            </a:r>
+          </a:p>
+          <a:p>
+            <a:pPr indent="133350" algn="just"/>
+            <a:r>
+              <a:rPr lang="ja-JP" altLang="ja-JP" sz="500" kern="100" dirty="0">
+                <a:latin typeface="Century" panose="02040604050505020304" pitchFamily="18" charset="0"/>
+                <a:ea typeface="ＭＳ 明朝" panose="02020609040205080304" pitchFamily="17" charset="-128"/>
+                <a:cs typeface="Times New Roman" panose="02020603050405020304" pitchFamily="18" charset="0"/>
+              </a:rPr>
+              <a:t>ファンマーク</a:t>
+            </a:r>
+          </a:p>
+          <a:p>
+            <a:pPr indent="133350" algn="just"/>
+            <a:r>
+              <a:rPr lang="ja-JP" altLang="ja-JP" sz="500" kern="100" dirty="0">
+                <a:latin typeface="Century" panose="02040604050505020304" pitchFamily="18" charset="0"/>
+                <a:ea typeface="ＭＳ 明朝" panose="02020609040205080304" pitchFamily="17" charset="-128"/>
+                <a:cs typeface="Times New Roman" panose="02020603050405020304" pitchFamily="18" charset="0"/>
+              </a:rPr>
+              <a:t>一人称の呼び名</a:t>
+            </a:r>
+          </a:p>
+          <a:p>
+            <a:pPr indent="133350" algn="just"/>
+            <a:r>
+              <a:rPr lang="ja-JP" altLang="ja-JP" sz="500" kern="100" dirty="0">
+                <a:latin typeface="Century" panose="02040604050505020304" pitchFamily="18" charset="0"/>
+                <a:ea typeface="ＭＳ 明朝" panose="02020609040205080304" pitchFamily="17" charset="-128"/>
+                <a:cs typeface="Times New Roman" panose="02020603050405020304" pitchFamily="18" charset="0"/>
+              </a:rPr>
+              <a:t>活動内容（動画投稿、ゲーム配信、雑談、</a:t>
+            </a:r>
+            <a:r>
+              <a:rPr lang="en-US" altLang="ja-JP" sz="500" kern="100" dirty="0">
+                <a:latin typeface="Century" panose="02040604050505020304" pitchFamily="18" charset="0"/>
+                <a:ea typeface="ＭＳ 明朝" panose="02020609040205080304" pitchFamily="17" charset="-128"/>
+                <a:cs typeface="Times New Roman" panose="02020603050405020304" pitchFamily="18" charset="0"/>
+              </a:rPr>
+              <a:t>ASMR</a:t>
+            </a:r>
+            <a:r>
+              <a:rPr lang="ja-JP" altLang="ja-JP" sz="500" kern="100" dirty="0">
+                <a:latin typeface="Century" panose="02040604050505020304" pitchFamily="18" charset="0"/>
+                <a:ea typeface="ＭＳ 明朝" panose="02020609040205080304" pitchFamily="17" charset="-128"/>
+                <a:cs typeface="Times New Roman" panose="02020603050405020304" pitchFamily="18" charset="0"/>
+              </a:rPr>
+              <a:t>、ものづくり、歌</a:t>
+            </a:r>
+            <a:r>
+              <a:rPr lang="en-US" altLang="ja-JP" sz="500" kern="100" dirty="0" err="1">
+                <a:latin typeface="Century" panose="02040604050505020304" pitchFamily="18" charset="0"/>
+                <a:ea typeface="ＭＳ 明朝" panose="02020609040205080304" pitchFamily="17" charset="-128"/>
+                <a:cs typeface="Times New Roman" panose="02020603050405020304" pitchFamily="18" charset="0"/>
+              </a:rPr>
+              <a:t>etc</a:t>
+            </a:r>
+            <a:r>
+              <a:rPr lang="ja-JP" altLang="ja-JP" sz="500" kern="100" dirty="0">
+                <a:latin typeface="Century" panose="02040604050505020304" pitchFamily="18" charset="0"/>
+                <a:ea typeface="ＭＳ 明朝" panose="02020609040205080304" pitchFamily="17" charset="-128"/>
+                <a:cs typeface="Times New Roman" panose="02020603050405020304" pitchFamily="18" charset="0"/>
+              </a:rPr>
+              <a:t>）</a:t>
+            </a:r>
+          </a:p>
+          <a:p>
+            <a:pPr indent="133350" algn="just"/>
+            <a:r>
+              <a:rPr lang="ja-JP" altLang="ja-JP" sz="500" kern="100" dirty="0">
+                <a:latin typeface="Century" panose="02040604050505020304" pitchFamily="18" charset="0"/>
+                <a:ea typeface="ＭＳ 明朝" panose="02020609040205080304" pitchFamily="17" charset="-128"/>
+                <a:cs typeface="Times New Roman" panose="02020603050405020304" pitchFamily="18" charset="0"/>
+              </a:rPr>
+              <a:t>前世</a:t>
+            </a:r>
+          </a:p>
+          <a:p>
+            <a:pPr indent="133350" algn="just"/>
+            <a:r>
+              <a:rPr lang="ja-JP" altLang="ja-JP" sz="500" kern="100" dirty="0">
+                <a:latin typeface="Century" panose="02040604050505020304" pitchFamily="18" charset="0"/>
+                <a:ea typeface="ＭＳ 明朝" panose="02020609040205080304" pitchFamily="17" charset="-128"/>
+                <a:cs typeface="Times New Roman" panose="02020603050405020304" pitchFamily="18" charset="0"/>
+              </a:rPr>
+              <a:t>卒業済みかどうか</a:t>
+            </a:r>
+          </a:p>
+          <a:p>
+            <a:pPr indent="133350" algn="just"/>
+            <a:r>
+              <a:rPr lang="ja-JP" altLang="ja-JP" sz="500" kern="100" dirty="0">
+                <a:latin typeface="Century" panose="02040604050505020304" pitchFamily="18" charset="0"/>
+                <a:ea typeface="ＭＳ 明朝" panose="02020609040205080304" pitchFamily="17" charset="-128"/>
+                <a:cs typeface="Times New Roman" panose="02020603050405020304" pitchFamily="18" charset="0"/>
+              </a:rPr>
+              <a:t>各活動プラットフォームの登録者数</a:t>
+            </a:r>
+          </a:p>
+          <a:p>
+            <a:pPr indent="133350" algn="just"/>
+            <a:r>
+              <a:rPr lang="ja-JP" altLang="ja-JP" sz="500" kern="100" dirty="0">
+                <a:latin typeface="Century" panose="02040604050505020304" pitchFamily="18" charset="0"/>
+                <a:ea typeface="ＭＳ 明朝" panose="02020609040205080304" pitchFamily="17" charset="-128"/>
+                <a:cs typeface="Times New Roman" panose="02020603050405020304" pitchFamily="18" charset="0"/>
+              </a:rPr>
+              <a:t>主なコンテンツ（動画、</a:t>
+            </a:r>
+            <a:r>
+              <a:rPr lang="en-US" altLang="ja-JP" sz="500" kern="100" dirty="0">
+                <a:latin typeface="Century" panose="02040604050505020304" pitchFamily="18" charset="0"/>
+                <a:ea typeface="ＭＳ 明朝" panose="02020609040205080304" pitchFamily="17" charset="-128"/>
+                <a:cs typeface="Times New Roman" panose="02020603050405020304" pitchFamily="18" charset="0"/>
+              </a:rPr>
+              <a:t>short</a:t>
+            </a:r>
+            <a:r>
+              <a:rPr lang="ja-JP" altLang="ja-JP" sz="500" kern="100" dirty="0">
+                <a:latin typeface="Century" panose="02040604050505020304" pitchFamily="18" charset="0"/>
+                <a:ea typeface="ＭＳ 明朝" panose="02020609040205080304" pitchFamily="17" charset="-128"/>
+                <a:cs typeface="Times New Roman" panose="02020603050405020304" pitchFamily="18" charset="0"/>
+              </a:rPr>
+              <a:t>動画、配信、そのほか）</a:t>
+            </a:r>
+          </a:p>
+          <a:p>
+            <a:pPr indent="133350" algn="just"/>
+            <a:r>
+              <a:rPr lang="ja-JP" altLang="ja-JP" sz="500" kern="100" dirty="0">
+                <a:latin typeface="Century" panose="02040604050505020304" pitchFamily="18" charset="0"/>
+                <a:ea typeface="ＭＳ 明朝" panose="02020609040205080304" pitchFamily="17" charset="-128"/>
+                <a:cs typeface="Times New Roman" panose="02020603050405020304" pitchFamily="18" charset="0"/>
+              </a:rPr>
+              <a:t>タグ（サイト内での紐づけ）</a:t>
+            </a:r>
+          </a:p>
+          <a:p>
+            <a:pPr indent="133350" algn="just"/>
+            <a:r>
+              <a:rPr lang="en-US" altLang="ja-JP" sz="500" kern="100" dirty="0">
+                <a:latin typeface="Century" panose="02040604050505020304" pitchFamily="18" charset="0"/>
+                <a:ea typeface="ＭＳ 明朝" panose="02020609040205080304" pitchFamily="17" charset="-128"/>
+                <a:cs typeface="Times New Roman" panose="02020603050405020304" pitchFamily="18" charset="0"/>
+              </a:rPr>
+              <a:t>Twitter</a:t>
+            </a:r>
+            <a:r>
+              <a:rPr lang="ja-JP" altLang="ja-JP" sz="500" kern="100" dirty="0">
+                <a:latin typeface="Century" panose="02040604050505020304" pitchFamily="18" charset="0"/>
+                <a:ea typeface="ＭＳ 明朝" panose="02020609040205080304" pitchFamily="17" charset="-128"/>
+                <a:cs typeface="Times New Roman" panose="02020603050405020304" pitchFamily="18" charset="0"/>
+              </a:rPr>
+              <a:t>などでの配信時、ファンアート投稿などのハッシュタグ</a:t>
+            </a:r>
+          </a:p>
+          <a:p>
+            <a:pPr indent="133350" algn="just"/>
+            <a:r>
+              <a:rPr lang="ja-JP" altLang="ja-JP" sz="500" kern="100" dirty="0">
+                <a:latin typeface="Century" panose="02040604050505020304" pitchFamily="18" charset="0"/>
+                <a:ea typeface="ＭＳ 明朝" panose="02020609040205080304" pitchFamily="17" charset="-128"/>
+                <a:cs typeface="Times New Roman" panose="02020603050405020304" pitchFamily="18" charset="0"/>
+              </a:rPr>
+              <a:t>フリーコメント</a:t>
+            </a:r>
+          </a:p>
+        </p:txBody>
+      </p:sp>
     </p:spTree>
     <p:extLst>
       <p:ext uri="{BB962C8B-B14F-4D97-AF65-F5344CB8AC3E}">

--- a/ページデザイン.pptx
+++ b/ページデザイン.pptx
@@ -310,7 +310,7 @@
           <a:p>
             <a:fld id="{BABA1FC8-398B-47CD-8BE5-64901F5BCC36}" type="datetimeFigureOut">
               <a:rPr kumimoji="1" lang="ja-JP" altLang="en-US" smtClean="0"/>
-              <a:t>2024/2/10</a:t>
+              <a:t>2024/2/14</a:t>
             </a:fld>
             <a:endParaRPr kumimoji="1" lang="ja-JP" altLang="en-US"/>
           </a:p>
@@ -540,7 +540,7 @@
           <a:p>
             <a:fld id="{BABA1FC8-398B-47CD-8BE5-64901F5BCC36}" type="datetimeFigureOut">
               <a:rPr kumimoji="1" lang="ja-JP" altLang="en-US" smtClean="0"/>
-              <a:t>2024/2/10</a:t>
+              <a:t>2024/2/14</a:t>
             </a:fld>
             <a:endParaRPr kumimoji="1" lang="ja-JP" altLang="en-US"/>
           </a:p>
@@ -780,7 +780,7 @@
           <a:p>
             <a:fld id="{BABA1FC8-398B-47CD-8BE5-64901F5BCC36}" type="datetimeFigureOut">
               <a:rPr kumimoji="1" lang="ja-JP" altLang="en-US" smtClean="0"/>
-              <a:t>2024/2/10</a:t>
+              <a:t>2024/2/14</a:t>
             </a:fld>
             <a:endParaRPr kumimoji="1" lang="ja-JP" altLang="en-US"/>
           </a:p>
@@ -1010,7 +1010,7 @@
           <a:p>
             <a:fld id="{BABA1FC8-398B-47CD-8BE5-64901F5BCC36}" type="datetimeFigureOut">
               <a:rPr kumimoji="1" lang="ja-JP" altLang="en-US" smtClean="0"/>
-              <a:t>2024/2/10</a:t>
+              <a:t>2024/2/14</a:t>
             </a:fld>
             <a:endParaRPr kumimoji="1" lang="ja-JP" altLang="en-US"/>
           </a:p>
@@ -1285,7 +1285,7 @@
           <a:p>
             <a:fld id="{BABA1FC8-398B-47CD-8BE5-64901F5BCC36}" type="datetimeFigureOut">
               <a:rPr kumimoji="1" lang="ja-JP" altLang="en-US" smtClean="0"/>
-              <a:t>2024/2/10</a:t>
+              <a:t>2024/2/14</a:t>
             </a:fld>
             <a:endParaRPr kumimoji="1" lang="ja-JP" altLang="en-US"/>
           </a:p>
@@ -1614,7 +1614,7 @@
           <a:p>
             <a:fld id="{BABA1FC8-398B-47CD-8BE5-64901F5BCC36}" type="datetimeFigureOut">
               <a:rPr kumimoji="1" lang="ja-JP" altLang="en-US" smtClean="0"/>
-              <a:t>2024/2/10</a:t>
+              <a:t>2024/2/14</a:t>
             </a:fld>
             <a:endParaRPr kumimoji="1" lang="ja-JP" altLang="en-US"/>
           </a:p>
@@ -2090,7 +2090,7 @@
           <a:p>
             <a:fld id="{BABA1FC8-398B-47CD-8BE5-64901F5BCC36}" type="datetimeFigureOut">
               <a:rPr kumimoji="1" lang="ja-JP" altLang="en-US" smtClean="0"/>
-              <a:t>2024/2/10</a:t>
+              <a:t>2024/2/14</a:t>
             </a:fld>
             <a:endParaRPr kumimoji="1" lang="ja-JP" altLang="en-US"/>
           </a:p>
@@ -2231,7 +2231,7 @@
           <a:p>
             <a:fld id="{BABA1FC8-398B-47CD-8BE5-64901F5BCC36}" type="datetimeFigureOut">
               <a:rPr kumimoji="1" lang="ja-JP" altLang="en-US" smtClean="0"/>
-              <a:t>2024/2/10</a:t>
+              <a:t>2024/2/14</a:t>
             </a:fld>
             <a:endParaRPr kumimoji="1" lang="ja-JP" altLang="en-US"/>
           </a:p>
@@ -2344,7 +2344,7 @@
           <a:p>
             <a:fld id="{BABA1FC8-398B-47CD-8BE5-64901F5BCC36}" type="datetimeFigureOut">
               <a:rPr kumimoji="1" lang="ja-JP" altLang="en-US" smtClean="0"/>
-              <a:t>2024/2/10</a:t>
+              <a:t>2024/2/14</a:t>
             </a:fld>
             <a:endParaRPr kumimoji="1" lang="ja-JP" altLang="en-US"/>
           </a:p>
@@ -2687,7 +2687,7 @@
           <a:p>
             <a:fld id="{BABA1FC8-398B-47CD-8BE5-64901F5BCC36}" type="datetimeFigureOut">
               <a:rPr kumimoji="1" lang="ja-JP" altLang="en-US" smtClean="0"/>
-              <a:t>2024/2/10</a:t>
+              <a:t>2024/2/14</a:t>
             </a:fld>
             <a:endParaRPr kumimoji="1" lang="ja-JP" altLang="en-US"/>
           </a:p>
@@ -2975,7 +2975,7 @@
           <a:p>
             <a:fld id="{BABA1FC8-398B-47CD-8BE5-64901F5BCC36}" type="datetimeFigureOut">
               <a:rPr kumimoji="1" lang="ja-JP" altLang="en-US" smtClean="0"/>
-              <a:t>2024/2/10</a:t>
+              <a:t>2024/2/14</a:t>
             </a:fld>
             <a:endParaRPr kumimoji="1" lang="ja-JP" altLang="en-US"/>
           </a:p>
@@ -3248,7 +3248,7 @@
           <a:p>
             <a:fld id="{BABA1FC8-398B-47CD-8BE5-64901F5BCC36}" type="datetimeFigureOut">
               <a:rPr kumimoji="1" lang="ja-JP" altLang="en-US" smtClean="0"/>
-              <a:t>2024/2/10</a:t>
+              <a:t>2024/2/14</a:t>
             </a:fld>
             <a:endParaRPr kumimoji="1" lang="ja-JP" altLang="en-US"/>
           </a:p>
@@ -6980,6 +6980,21 @@
               </a:rPr>
               <a:t>ファンマーク</a:t>
             </a:r>
+            <a:r>
+              <a:rPr lang="ja-JP" altLang="en-US" sz="700" kern="100" dirty="0">
+                <a:effectLst/>
+                <a:latin typeface="Century" panose="02040604050505020304" pitchFamily="18" charset="0"/>
+                <a:ea typeface="ＭＳ 明朝" panose="02020609040205080304" pitchFamily="17" charset="-128"/>
+                <a:cs typeface="Times New Roman" panose="02020603050405020304" pitchFamily="18" charset="0"/>
+              </a:rPr>
+              <a:t>・推しマーク</a:t>
+            </a:r>
+            <a:endParaRPr lang="ja-JP" altLang="ja-JP" sz="700" kern="100" dirty="0">
+              <a:effectLst/>
+              <a:latin typeface="Century" panose="02040604050505020304" pitchFamily="18" charset="0"/>
+              <a:ea typeface="ＭＳ 明朝" panose="02020609040205080304" pitchFamily="17" charset="-128"/>
+              <a:cs typeface="Times New Roman" panose="02020603050405020304" pitchFamily="18" charset="0"/>
+            </a:endParaRPr>
           </a:p>
           <a:p>
             <a:pPr indent="133350" algn="just"/>
@@ -14906,6 +14921,21 @@
               </a:rPr>
               <a:t>ファンマーク</a:t>
             </a:r>
+            <a:r>
+              <a:rPr lang="ja-JP" altLang="en-US" sz="700" kern="100" dirty="0">
+                <a:effectLst/>
+                <a:latin typeface="Century" panose="02040604050505020304" pitchFamily="18" charset="0"/>
+                <a:ea typeface="ＭＳ 明朝" panose="02020609040205080304" pitchFamily="17" charset="-128"/>
+                <a:cs typeface="Times New Roman" panose="02020603050405020304" pitchFamily="18" charset="0"/>
+              </a:rPr>
+              <a:t>・推しマーク</a:t>
+            </a:r>
+            <a:endParaRPr lang="ja-JP" altLang="ja-JP" sz="700" kern="100" dirty="0">
+              <a:effectLst/>
+              <a:latin typeface="Century" panose="02040604050505020304" pitchFamily="18" charset="0"/>
+              <a:ea typeface="ＭＳ 明朝" panose="02020609040205080304" pitchFamily="17" charset="-128"/>
+              <a:cs typeface="Times New Roman" panose="02020603050405020304" pitchFamily="18" charset="0"/>
+            </a:endParaRPr>
           </a:p>
           <a:p>
             <a:pPr indent="133350" algn="just"/>
@@ -18880,6 +18910,21 @@
               </a:rPr>
               <a:t>ファンマーク</a:t>
             </a:r>
+            <a:r>
+              <a:rPr lang="ja-JP" altLang="en-US" sz="700" kern="100" dirty="0">
+                <a:effectLst/>
+                <a:latin typeface="Century" panose="02040604050505020304" pitchFamily="18" charset="0"/>
+                <a:ea typeface="ＭＳ 明朝" panose="02020609040205080304" pitchFamily="17" charset="-128"/>
+                <a:cs typeface="Times New Roman" panose="02020603050405020304" pitchFamily="18" charset="0"/>
+              </a:rPr>
+              <a:t>・推しマーク</a:t>
+            </a:r>
+            <a:endParaRPr lang="ja-JP" altLang="ja-JP" sz="700" kern="100" dirty="0">
+              <a:effectLst/>
+              <a:latin typeface="Century" panose="02040604050505020304" pitchFamily="18" charset="0"/>
+              <a:ea typeface="ＭＳ 明朝" panose="02020609040205080304" pitchFamily="17" charset="-128"/>
+              <a:cs typeface="Times New Roman" panose="02020603050405020304" pitchFamily="18" charset="0"/>
+            </a:endParaRPr>
           </a:p>
           <a:p>
             <a:pPr indent="133350" algn="just"/>

--- a/ページデザイン.pptx
+++ b/ページデザイン.pptx
@@ -310,7 +310,7 @@
           <a:p>
             <a:fld id="{BABA1FC8-398B-47CD-8BE5-64901F5BCC36}" type="datetimeFigureOut">
               <a:rPr kumimoji="1" lang="ja-JP" altLang="en-US" smtClean="0"/>
-              <a:t>2024/2/14</a:t>
+              <a:t>2024/2/24</a:t>
             </a:fld>
             <a:endParaRPr kumimoji="1" lang="ja-JP" altLang="en-US"/>
           </a:p>
@@ -540,7 +540,7 @@
           <a:p>
             <a:fld id="{BABA1FC8-398B-47CD-8BE5-64901F5BCC36}" type="datetimeFigureOut">
               <a:rPr kumimoji="1" lang="ja-JP" altLang="en-US" smtClean="0"/>
-              <a:t>2024/2/14</a:t>
+              <a:t>2024/2/24</a:t>
             </a:fld>
             <a:endParaRPr kumimoji="1" lang="ja-JP" altLang="en-US"/>
           </a:p>
@@ -780,7 +780,7 @@
           <a:p>
             <a:fld id="{BABA1FC8-398B-47CD-8BE5-64901F5BCC36}" type="datetimeFigureOut">
               <a:rPr kumimoji="1" lang="ja-JP" altLang="en-US" smtClean="0"/>
-              <a:t>2024/2/14</a:t>
+              <a:t>2024/2/24</a:t>
             </a:fld>
             <a:endParaRPr kumimoji="1" lang="ja-JP" altLang="en-US"/>
           </a:p>
@@ -1010,7 +1010,7 @@
           <a:p>
             <a:fld id="{BABA1FC8-398B-47CD-8BE5-64901F5BCC36}" type="datetimeFigureOut">
               <a:rPr kumimoji="1" lang="ja-JP" altLang="en-US" smtClean="0"/>
-              <a:t>2024/2/14</a:t>
+              <a:t>2024/2/24</a:t>
             </a:fld>
             <a:endParaRPr kumimoji="1" lang="ja-JP" altLang="en-US"/>
           </a:p>
@@ -1285,7 +1285,7 @@
           <a:p>
             <a:fld id="{BABA1FC8-398B-47CD-8BE5-64901F5BCC36}" type="datetimeFigureOut">
               <a:rPr kumimoji="1" lang="ja-JP" altLang="en-US" smtClean="0"/>
-              <a:t>2024/2/14</a:t>
+              <a:t>2024/2/24</a:t>
             </a:fld>
             <a:endParaRPr kumimoji="1" lang="ja-JP" altLang="en-US"/>
           </a:p>
@@ -1614,7 +1614,7 @@
           <a:p>
             <a:fld id="{BABA1FC8-398B-47CD-8BE5-64901F5BCC36}" type="datetimeFigureOut">
               <a:rPr kumimoji="1" lang="ja-JP" altLang="en-US" smtClean="0"/>
-              <a:t>2024/2/14</a:t>
+              <a:t>2024/2/24</a:t>
             </a:fld>
             <a:endParaRPr kumimoji="1" lang="ja-JP" altLang="en-US"/>
           </a:p>
@@ -2090,7 +2090,7 @@
           <a:p>
             <a:fld id="{BABA1FC8-398B-47CD-8BE5-64901F5BCC36}" type="datetimeFigureOut">
               <a:rPr kumimoji="1" lang="ja-JP" altLang="en-US" smtClean="0"/>
-              <a:t>2024/2/14</a:t>
+              <a:t>2024/2/24</a:t>
             </a:fld>
             <a:endParaRPr kumimoji="1" lang="ja-JP" altLang="en-US"/>
           </a:p>
@@ -2231,7 +2231,7 @@
           <a:p>
             <a:fld id="{BABA1FC8-398B-47CD-8BE5-64901F5BCC36}" type="datetimeFigureOut">
               <a:rPr kumimoji="1" lang="ja-JP" altLang="en-US" smtClean="0"/>
-              <a:t>2024/2/14</a:t>
+              <a:t>2024/2/24</a:t>
             </a:fld>
             <a:endParaRPr kumimoji="1" lang="ja-JP" altLang="en-US"/>
           </a:p>
@@ -2344,7 +2344,7 @@
           <a:p>
             <a:fld id="{BABA1FC8-398B-47CD-8BE5-64901F5BCC36}" type="datetimeFigureOut">
               <a:rPr kumimoji="1" lang="ja-JP" altLang="en-US" smtClean="0"/>
-              <a:t>2024/2/14</a:t>
+              <a:t>2024/2/24</a:t>
             </a:fld>
             <a:endParaRPr kumimoji="1" lang="ja-JP" altLang="en-US"/>
           </a:p>
@@ -2687,7 +2687,7 @@
           <a:p>
             <a:fld id="{BABA1FC8-398B-47CD-8BE5-64901F5BCC36}" type="datetimeFigureOut">
               <a:rPr kumimoji="1" lang="ja-JP" altLang="en-US" smtClean="0"/>
-              <a:t>2024/2/14</a:t>
+              <a:t>2024/2/24</a:t>
             </a:fld>
             <a:endParaRPr kumimoji="1" lang="ja-JP" altLang="en-US"/>
           </a:p>
@@ -2975,7 +2975,7 @@
           <a:p>
             <a:fld id="{BABA1FC8-398B-47CD-8BE5-64901F5BCC36}" type="datetimeFigureOut">
               <a:rPr kumimoji="1" lang="ja-JP" altLang="en-US" smtClean="0"/>
-              <a:t>2024/2/14</a:t>
+              <a:t>2024/2/24</a:t>
             </a:fld>
             <a:endParaRPr kumimoji="1" lang="ja-JP" altLang="en-US"/>
           </a:p>
@@ -3248,7 +3248,7 @@
           <a:p>
             <a:fld id="{BABA1FC8-398B-47CD-8BE5-64901F5BCC36}" type="datetimeFigureOut">
               <a:rPr kumimoji="1" lang="ja-JP" altLang="en-US" smtClean="0"/>
-              <a:t>2024/2/14</a:t>
+              <a:t>2024/2/24</a:t>
             </a:fld>
             <a:endParaRPr kumimoji="1" lang="ja-JP" altLang="en-US"/>
           </a:p>
@@ -3725,6 +3725,398 @@
       </p:sp>
       <p:grpSp>
         <p:nvGrpSpPr>
+          <p:cNvPr id="5" name="グループ化 4">
+            <a:extLst>
+              <a:ext uri="{FF2B5EF4-FFF2-40B4-BE49-F238E27FC236}">
+                <a16:creationId xmlns:a16="http://schemas.microsoft.com/office/drawing/2014/main" id="{0EDFC97D-FF71-49D4-BB31-355C67C6858A}"/>
+              </a:ext>
+            </a:extLst>
+          </p:cNvPr>
+          <p:cNvGrpSpPr/>
+          <p:nvPr/>
+        </p:nvGrpSpPr>
+        <p:grpSpPr>
+          <a:xfrm>
+            <a:off x="3015302" y="487633"/>
+            <a:ext cx="7426053" cy="299114"/>
+            <a:chOff x="3015302" y="487633"/>
+            <a:chExt cx="7426053" cy="299114"/>
+          </a:xfrm>
+        </p:grpSpPr>
+        <p:sp>
+          <p:nvSpPr>
+            <p:cNvPr id="51" name="台形 50">
+              <a:extLst>
+                <a:ext uri="{FF2B5EF4-FFF2-40B4-BE49-F238E27FC236}">
+                  <a16:creationId xmlns:a16="http://schemas.microsoft.com/office/drawing/2014/main" id="{BCC748B6-86CC-1B0A-E945-A5A6E9B99B90}"/>
+                </a:ext>
+              </a:extLst>
+            </p:cNvPr>
+            <p:cNvSpPr/>
+            <p:nvPr/>
+          </p:nvSpPr>
+          <p:spPr>
+            <a:xfrm>
+              <a:off x="8956092" y="488185"/>
+              <a:ext cx="1485263" cy="296368"/>
+            </a:xfrm>
+            <a:prstGeom prst="trapezoid">
+              <a:avLst/>
+            </a:prstGeom>
+            <a:solidFill>
+              <a:srgbClr val="8BADF1"/>
+            </a:solidFill>
+            <a:ln>
+              <a:noFill/>
+            </a:ln>
+            <a:effectLst>
+              <a:outerShdw blurRad="50800" dist="152400" dir="2700000" algn="tl" rotWithShape="0">
+                <a:prstClr val="black">
+                  <a:alpha val="43000"/>
+                </a:prstClr>
+              </a:outerShdw>
+            </a:effectLst>
+          </p:spPr>
+          <p:style>
+            <a:lnRef idx="2">
+              <a:schemeClr val="accent1">
+                <a:shade val="15000"/>
+              </a:schemeClr>
+            </a:lnRef>
+            <a:fillRef idx="1">
+              <a:schemeClr val="accent1"/>
+            </a:fillRef>
+            <a:effectRef idx="0">
+              <a:schemeClr val="accent1"/>
+            </a:effectRef>
+            <a:fontRef idx="minor">
+              <a:schemeClr val="lt1"/>
+            </a:fontRef>
+          </p:style>
+          <p:txBody>
+            <a:bodyPr rtlCol="0" anchor="ctr"/>
+            <a:lstStyle/>
+            <a:p>
+              <a:pPr algn="ctr"/>
+              <a:r>
+                <a:rPr lang="ja-JP" altLang="en-US" sz="1100" dirty="0">
+                  <a:solidFill>
+                    <a:schemeClr val="tx1"/>
+                  </a:solidFill>
+                </a:rPr>
+                <a:t>ログイン　</a:t>
+              </a:r>
+              <a:endParaRPr kumimoji="1" lang="en-US" altLang="ja-JP" sz="1100" dirty="0">
+                <a:solidFill>
+                  <a:schemeClr val="tx1"/>
+                </a:solidFill>
+              </a:endParaRPr>
+            </a:p>
+          </p:txBody>
+        </p:sp>
+        <p:sp>
+          <p:nvSpPr>
+            <p:cNvPr id="60" name="台形 59">
+              <a:extLst>
+                <a:ext uri="{FF2B5EF4-FFF2-40B4-BE49-F238E27FC236}">
+                  <a16:creationId xmlns:a16="http://schemas.microsoft.com/office/drawing/2014/main" id="{B58BF2C8-6257-5CC7-A245-D3B31E7D67EA}"/>
+                </a:ext>
+              </a:extLst>
+            </p:cNvPr>
+            <p:cNvSpPr/>
+            <p:nvPr/>
+          </p:nvSpPr>
+          <p:spPr>
+            <a:xfrm>
+              <a:off x="7470829" y="488185"/>
+              <a:ext cx="1485263" cy="296368"/>
+            </a:xfrm>
+            <a:prstGeom prst="trapezoid">
+              <a:avLst/>
+            </a:prstGeom>
+            <a:solidFill>
+              <a:srgbClr val="8BD6F1"/>
+            </a:solidFill>
+            <a:ln>
+              <a:noFill/>
+            </a:ln>
+            <a:effectLst>
+              <a:outerShdw blurRad="50800" dist="152400" dir="2700000" algn="tl" rotWithShape="0">
+                <a:prstClr val="black">
+                  <a:alpha val="43000"/>
+                </a:prstClr>
+              </a:outerShdw>
+            </a:effectLst>
+          </p:spPr>
+          <p:style>
+            <a:lnRef idx="2">
+              <a:schemeClr val="accent1">
+                <a:shade val="15000"/>
+              </a:schemeClr>
+            </a:lnRef>
+            <a:fillRef idx="1">
+              <a:schemeClr val="accent1"/>
+            </a:fillRef>
+            <a:effectRef idx="0">
+              <a:schemeClr val="accent1"/>
+            </a:effectRef>
+            <a:fontRef idx="minor">
+              <a:schemeClr val="lt1"/>
+            </a:fontRef>
+          </p:style>
+          <p:txBody>
+            <a:bodyPr rtlCol="0" anchor="ctr"/>
+            <a:lstStyle/>
+            <a:p>
+              <a:pPr algn="ctr"/>
+              <a:r>
+                <a:rPr lang="ja-JP" altLang="en-US" sz="1100" dirty="0">
+                  <a:solidFill>
+                    <a:schemeClr val="tx1"/>
+                  </a:solidFill>
+                </a:rPr>
+                <a:t>問い合わせ</a:t>
+              </a:r>
+              <a:endParaRPr kumimoji="1" lang="en-US" altLang="ja-JP" sz="1100" dirty="0">
+                <a:solidFill>
+                  <a:schemeClr val="tx1"/>
+                </a:solidFill>
+              </a:endParaRPr>
+            </a:p>
+          </p:txBody>
+        </p:sp>
+        <p:sp>
+          <p:nvSpPr>
+            <p:cNvPr id="61" name="台形 60">
+              <a:extLst>
+                <a:ext uri="{FF2B5EF4-FFF2-40B4-BE49-F238E27FC236}">
+                  <a16:creationId xmlns:a16="http://schemas.microsoft.com/office/drawing/2014/main" id="{F1D82DA7-2E55-5918-E8FC-1AA79FF81103}"/>
+                </a:ext>
+              </a:extLst>
+            </p:cNvPr>
+            <p:cNvSpPr/>
+            <p:nvPr/>
+          </p:nvSpPr>
+          <p:spPr>
+            <a:xfrm>
+              <a:off x="5985828" y="490379"/>
+              <a:ext cx="1485263" cy="296368"/>
+            </a:xfrm>
+            <a:prstGeom prst="trapezoid">
+              <a:avLst/>
+            </a:prstGeom>
+            <a:solidFill>
+              <a:srgbClr val="8BF1B9"/>
+            </a:solidFill>
+            <a:ln>
+              <a:noFill/>
+            </a:ln>
+            <a:effectLst>
+              <a:outerShdw blurRad="50800" dist="152400" dir="2700000" algn="tl" rotWithShape="0">
+                <a:prstClr val="black">
+                  <a:alpha val="43000"/>
+                </a:prstClr>
+              </a:outerShdw>
+            </a:effectLst>
+          </p:spPr>
+          <p:style>
+            <a:lnRef idx="2">
+              <a:schemeClr val="accent1">
+                <a:shade val="15000"/>
+              </a:schemeClr>
+            </a:lnRef>
+            <a:fillRef idx="1">
+              <a:schemeClr val="accent1"/>
+            </a:fillRef>
+            <a:effectRef idx="0">
+              <a:schemeClr val="accent1"/>
+            </a:effectRef>
+            <a:fontRef idx="minor">
+              <a:schemeClr val="lt1"/>
+            </a:fontRef>
+          </p:style>
+          <p:txBody>
+            <a:bodyPr rtlCol="0" anchor="ctr"/>
+            <a:lstStyle/>
+            <a:p>
+              <a:pPr algn="ctr"/>
+              <a:r>
+                <a:rPr lang="ja-JP" altLang="en-US" sz="1100" dirty="0">
+                  <a:solidFill>
+                    <a:schemeClr val="tx1"/>
+                  </a:solidFill>
+                </a:rPr>
+                <a:t>新規</a:t>
+              </a:r>
+              <a:r>
+                <a:rPr lang="en-US" altLang="ja-JP" sz="1100" dirty="0" err="1">
+                  <a:solidFill>
+                    <a:schemeClr val="tx1"/>
+                  </a:solidFill>
+                </a:rPr>
+                <a:t>Vtuber</a:t>
+              </a:r>
+              <a:r>
+                <a:rPr lang="ja-JP" altLang="en-US" sz="1100" dirty="0">
+                  <a:solidFill>
+                    <a:schemeClr val="tx1"/>
+                  </a:solidFill>
+                </a:rPr>
+                <a:t>登録</a:t>
+              </a:r>
+              <a:endParaRPr kumimoji="1" lang="en-US" altLang="ja-JP" sz="1100" dirty="0">
+                <a:solidFill>
+                  <a:schemeClr val="tx1"/>
+                </a:solidFill>
+              </a:endParaRPr>
+            </a:p>
+          </p:txBody>
+        </p:sp>
+        <p:sp>
+          <p:nvSpPr>
+            <p:cNvPr id="62" name="台形 61">
+              <a:extLst>
+                <a:ext uri="{FF2B5EF4-FFF2-40B4-BE49-F238E27FC236}">
+                  <a16:creationId xmlns:a16="http://schemas.microsoft.com/office/drawing/2014/main" id="{54D4B901-AB48-EAB3-8D15-225D8BA56FFF}"/>
+                </a:ext>
+              </a:extLst>
+            </p:cNvPr>
+            <p:cNvSpPr/>
+            <p:nvPr/>
+          </p:nvSpPr>
+          <p:spPr>
+            <a:xfrm>
+              <a:off x="4500565" y="490379"/>
+              <a:ext cx="1485263" cy="296368"/>
+            </a:xfrm>
+            <a:prstGeom prst="trapezoid">
+              <a:avLst/>
+            </a:prstGeom>
+            <a:solidFill>
+              <a:srgbClr val="F1EF8B"/>
+            </a:solidFill>
+            <a:ln>
+              <a:noFill/>
+            </a:ln>
+            <a:effectLst>
+              <a:outerShdw blurRad="50800" dist="152400" dir="2700000" algn="tl" rotWithShape="0">
+                <a:prstClr val="black">
+                  <a:alpha val="43000"/>
+                </a:prstClr>
+              </a:outerShdw>
+            </a:effectLst>
+          </p:spPr>
+          <p:style>
+            <a:lnRef idx="2">
+              <a:schemeClr val="accent1">
+                <a:shade val="15000"/>
+              </a:schemeClr>
+            </a:lnRef>
+            <a:fillRef idx="1">
+              <a:schemeClr val="accent1"/>
+            </a:fillRef>
+            <a:effectRef idx="0">
+              <a:schemeClr val="accent1"/>
+            </a:effectRef>
+            <a:fontRef idx="minor">
+              <a:schemeClr val="lt1"/>
+            </a:fontRef>
+          </p:style>
+          <p:txBody>
+            <a:bodyPr rtlCol="0" anchor="ctr"/>
+            <a:lstStyle/>
+            <a:p>
+              <a:pPr algn="ctr"/>
+              <a:r>
+                <a:rPr lang="ja-JP" altLang="en-US" sz="1100" dirty="0">
+                  <a:solidFill>
+                    <a:schemeClr val="tx1"/>
+                  </a:solidFill>
+                </a:rPr>
+                <a:t>検索</a:t>
+              </a:r>
+              <a:endParaRPr kumimoji="1" lang="en-US" altLang="ja-JP" sz="1100" dirty="0">
+                <a:solidFill>
+                  <a:schemeClr val="tx1"/>
+                </a:solidFill>
+              </a:endParaRPr>
+            </a:p>
+          </p:txBody>
+        </p:sp>
+        <p:sp>
+          <p:nvSpPr>
+            <p:cNvPr id="63" name="台形 62">
+              <a:extLst>
+                <a:ext uri="{FF2B5EF4-FFF2-40B4-BE49-F238E27FC236}">
+                  <a16:creationId xmlns:a16="http://schemas.microsoft.com/office/drawing/2014/main" id="{EB4CEFDD-2BE4-C63D-BB37-BDC4B6C9CE7C}"/>
+                </a:ext>
+              </a:extLst>
+            </p:cNvPr>
+            <p:cNvSpPr/>
+            <p:nvPr/>
+          </p:nvSpPr>
+          <p:spPr>
+            <a:xfrm>
+              <a:off x="3015302" y="487633"/>
+              <a:ext cx="1485263" cy="296368"/>
+            </a:xfrm>
+            <a:prstGeom prst="trapezoid">
+              <a:avLst/>
+            </a:prstGeom>
+            <a:solidFill>
+              <a:srgbClr val="F18B8B"/>
+            </a:solidFill>
+            <a:ln>
+              <a:noFill/>
+            </a:ln>
+            <a:effectLst>
+              <a:outerShdw blurRad="50800" dist="152400" dir="2700000" algn="tl" rotWithShape="0">
+                <a:prstClr val="black">
+                  <a:alpha val="43000"/>
+                </a:prstClr>
+              </a:outerShdw>
+            </a:effectLst>
+          </p:spPr>
+          <p:style>
+            <a:lnRef idx="2">
+              <a:schemeClr val="accent1">
+                <a:shade val="15000"/>
+              </a:schemeClr>
+            </a:lnRef>
+            <a:fillRef idx="1">
+              <a:schemeClr val="accent1"/>
+            </a:fillRef>
+            <a:effectRef idx="0">
+              <a:schemeClr val="accent1"/>
+            </a:effectRef>
+            <a:fontRef idx="minor">
+              <a:schemeClr val="lt1"/>
+            </a:fontRef>
+          </p:style>
+          <p:txBody>
+            <a:bodyPr rtlCol="0" anchor="ctr"/>
+            <a:lstStyle/>
+            <a:p>
+              <a:pPr algn="ctr"/>
+              <a:r>
+                <a:rPr lang="ja-JP" altLang="en-US" sz="1100" dirty="0">
+                  <a:solidFill>
+                    <a:schemeClr val="tx1"/>
+                  </a:solidFill>
+                </a:rPr>
+                <a:t>トップ</a:t>
+              </a:r>
+              <a:endParaRPr kumimoji="1" lang="en-US" altLang="ja-JP" sz="1100" dirty="0">
+                <a:solidFill>
+                  <a:schemeClr val="tx1"/>
+                </a:solidFill>
+              </a:endParaRPr>
+            </a:p>
+          </p:txBody>
+        </p:sp>
+      </p:grpSp>
+      <p:grpSp>
+        <p:nvGrpSpPr>
           <p:cNvPr id="44" name="グループ化 43">
             <a:extLst>
               <a:ext uri="{FF2B5EF4-FFF2-40B4-BE49-F238E27FC236}">
@@ -5721,15 +6113,7 @@
           <a:p>
             <a:r>
               <a:rPr lang="ja-JP" altLang="en-US" sz="2400" dirty="0"/>
-              <a:t>な</a:t>
-            </a:r>
-            <a:r>
-              <a:rPr lang="en-US" altLang="ja-JP" sz="2400" dirty="0"/>
-              <a:t>Na</a:t>
-            </a:r>
-            <a:r>
-              <a:rPr lang="ja-JP" altLang="en-US" sz="2400" dirty="0"/>
-              <a:t>シの　権兵∀</a:t>
+              <a:t>トップぺージ</a:t>
             </a:r>
           </a:p>
         </p:txBody>
@@ -6228,363 +6612,6 @@
           </p:txBody>
         </p:sp>
       </p:grpSp>
-      <p:grpSp>
-        <p:nvGrpSpPr>
-          <p:cNvPr id="53" name="グループ化 52">
-            <a:extLst>
-              <a:ext uri="{FF2B5EF4-FFF2-40B4-BE49-F238E27FC236}">
-                <a16:creationId xmlns:a16="http://schemas.microsoft.com/office/drawing/2014/main" id="{28F780D5-BE39-1BF6-546E-641E027A0696}"/>
-              </a:ext>
-            </a:extLst>
-          </p:cNvPr>
-          <p:cNvGrpSpPr>
-            <a:grpSpLocks noChangeAspect="1"/>
-          </p:cNvGrpSpPr>
-          <p:nvPr/>
-        </p:nvGrpSpPr>
-        <p:grpSpPr>
-          <a:xfrm>
-            <a:off x="7513617" y="897324"/>
-            <a:ext cx="2105198" cy="2109488"/>
-            <a:chOff x="6894195" y="2304141"/>
-            <a:chExt cx="2105198" cy="2109488"/>
-          </a:xfrm>
-        </p:grpSpPr>
-        <p:pic>
-          <p:nvPicPr>
-            <p:cNvPr id="50" name="図 49">
-              <a:extLst>
-                <a:ext uri="{FF2B5EF4-FFF2-40B4-BE49-F238E27FC236}">
-                  <a16:creationId xmlns:a16="http://schemas.microsoft.com/office/drawing/2014/main" id="{5B99E530-7CC5-7446-5461-AEF3C9665961}"/>
-                </a:ext>
-              </a:extLst>
-            </p:cNvPr>
-            <p:cNvPicPr>
-              <a:picLocks noChangeAspect="1"/>
-            </p:cNvPicPr>
-            <p:nvPr/>
-          </p:nvPicPr>
-          <p:blipFill>
-            <a:blip r:embed="rId2">
-              <a:extLst>
-                <a:ext uri="{28A0092B-C50C-407E-A947-70E740481C1C}">
-                  <a14:useLocalDpi xmlns:a14="http://schemas.microsoft.com/office/drawing/2010/main" val="0"/>
-                </a:ext>
-              </a:extLst>
-            </a:blip>
-            <a:stretch>
-              <a:fillRect/>
-            </a:stretch>
-          </p:blipFill>
-          <p:spPr>
-            <a:xfrm>
-              <a:off x="6894195" y="2308431"/>
-              <a:ext cx="2105198" cy="2105198"/>
-            </a:xfrm>
-            <a:prstGeom prst="rect">
-              <a:avLst/>
-            </a:prstGeom>
-          </p:spPr>
-        </p:pic>
-        <p:sp>
-          <p:nvSpPr>
-            <p:cNvPr id="52" name="正方形/長方形 51">
-              <a:extLst>
-                <a:ext uri="{FF2B5EF4-FFF2-40B4-BE49-F238E27FC236}">
-                  <a16:creationId xmlns:a16="http://schemas.microsoft.com/office/drawing/2014/main" id="{8446527D-FA55-8685-7343-B2605B2BD6C4}"/>
-                </a:ext>
-              </a:extLst>
-            </p:cNvPr>
-            <p:cNvSpPr>
-              <a:spLocks noChangeAspect="1"/>
-            </p:cNvSpPr>
-            <p:nvPr/>
-          </p:nvSpPr>
-          <p:spPr>
-            <a:xfrm>
-              <a:off x="6894200" y="2304141"/>
-              <a:ext cx="2105193" cy="2105193"/>
-            </a:xfrm>
-            <a:prstGeom prst="rect">
-              <a:avLst/>
-            </a:prstGeom>
-            <a:solidFill>
-              <a:srgbClr val="4472C4">
-                <a:alpha val="50196"/>
-              </a:srgbClr>
-            </a:solidFill>
-            <a:ln>
-              <a:noFill/>
-            </a:ln>
-          </p:spPr>
-          <p:style>
-            <a:lnRef idx="2">
-              <a:schemeClr val="accent1">
-                <a:shade val="15000"/>
-              </a:schemeClr>
-            </a:lnRef>
-            <a:fillRef idx="1">
-              <a:schemeClr val="accent1"/>
-            </a:fillRef>
-            <a:effectRef idx="0">
-              <a:schemeClr val="accent1"/>
-            </a:effectRef>
-            <a:fontRef idx="minor">
-              <a:schemeClr val="lt1"/>
-            </a:fontRef>
-          </p:style>
-          <p:txBody>
-            <a:bodyPr rtlCol="0" anchor="ctr"/>
-            <a:lstStyle/>
-            <a:p>
-              <a:pPr algn="ctr"/>
-              <a:r>
-                <a:rPr kumimoji="1" lang="en-US" altLang="ja-JP" sz="9600" dirty="0"/>
-                <a:t>1</a:t>
-              </a:r>
-              <a:endParaRPr kumimoji="1" lang="ja-JP" altLang="en-US" sz="9600" dirty="0"/>
-            </a:p>
-          </p:txBody>
-        </p:sp>
-      </p:grpSp>
-      <p:grpSp>
-        <p:nvGrpSpPr>
-          <p:cNvPr id="54" name="グループ化 53">
-            <a:extLst>
-              <a:ext uri="{FF2B5EF4-FFF2-40B4-BE49-F238E27FC236}">
-                <a16:creationId xmlns:a16="http://schemas.microsoft.com/office/drawing/2014/main" id="{6523965D-9153-8AE7-2518-2654251D348E}"/>
-              </a:ext>
-            </a:extLst>
-          </p:cNvPr>
-          <p:cNvGrpSpPr>
-            <a:grpSpLocks noChangeAspect="1"/>
-          </p:cNvGrpSpPr>
-          <p:nvPr/>
-        </p:nvGrpSpPr>
-        <p:grpSpPr>
-          <a:xfrm>
-            <a:off x="9823826" y="901614"/>
-            <a:ext cx="942994" cy="944915"/>
-            <a:chOff x="6894195" y="2304141"/>
-            <a:chExt cx="2105198" cy="2109488"/>
-          </a:xfrm>
-        </p:grpSpPr>
-        <p:pic>
-          <p:nvPicPr>
-            <p:cNvPr id="55" name="図 54">
-              <a:extLst>
-                <a:ext uri="{FF2B5EF4-FFF2-40B4-BE49-F238E27FC236}">
-                  <a16:creationId xmlns:a16="http://schemas.microsoft.com/office/drawing/2014/main" id="{BF9C35CB-0D48-8D17-2527-2A1073826FF1}"/>
-                </a:ext>
-              </a:extLst>
-            </p:cNvPr>
-            <p:cNvPicPr>
-              <a:picLocks noChangeAspect="1"/>
-            </p:cNvPicPr>
-            <p:nvPr/>
-          </p:nvPicPr>
-          <p:blipFill>
-            <a:blip r:embed="rId2">
-              <a:extLst>
-                <a:ext uri="{28A0092B-C50C-407E-A947-70E740481C1C}">
-                  <a14:useLocalDpi xmlns:a14="http://schemas.microsoft.com/office/drawing/2010/main" val="0"/>
-                </a:ext>
-              </a:extLst>
-            </a:blip>
-            <a:stretch>
-              <a:fillRect/>
-            </a:stretch>
-          </p:blipFill>
-          <p:spPr>
-            <a:xfrm>
-              <a:off x="6894195" y="2308431"/>
-              <a:ext cx="2105198" cy="2105198"/>
-            </a:xfrm>
-            <a:prstGeom prst="rect">
-              <a:avLst/>
-            </a:prstGeom>
-          </p:spPr>
-        </p:pic>
-        <p:sp>
-          <p:nvSpPr>
-            <p:cNvPr id="56" name="正方形/長方形 55">
-              <a:extLst>
-                <a:ext uri="{FF2B5EF4-FFF2-40B4-BE49-F238E27FC236}">
-                  <a16:creationId xmlns:a16="http://schemas.microsoft.com/office/drawing/2014/main" id="{099C73B8-E415-BFFA-11C9-987C6A9AA5CA}"/>
-                </a:ext>
-              </a:extLst>
-            </p:cNvPr>
-            <p:cNvSpPr>
-              <a:spLocks noChangeAspect="1"/>
-            </p:cNvSpPr>
-            <p:nvPr/>
-          </p:nvSpPr>
-          <p:spPr>
-            <a:xfrm>
-              <a:off x="6894200" y="2304141"/>
-              <a:ext cx="2105193" cy="2105193"/>
-            </a:xfrm>
-            <a:prstGeom prst="rect">
-              <a:avLst/>
-            </a:prstGeom>
-            <a:solidFill>
-              <a:srgbClr val="4472C4">
-                <a:alpha val="50196"/>
-              </a:srgbClr>
-            </a:solidFill>
-            <a:ln>
-              <a:noFill/>
-            </a:ln>
-          </p:spPr>
-          <p:style>
-            <a:lnRef idx="2">
-              <a:schemeClr val="accent1">
-                <a:shade val="15000"/>
-              </a:schemeClr>
-            </a:lnRef>
-            <a:fillRef idx="1">
-              <a:schemeClr val="accent1"/>
-            </a:fillRef>
-            <a:effectRef idx="0">
-              <a:schemeClr val="accent1"/>
-            </a:effectRef>
-            <a:fontRef idx="minor">
-              <a:schemeClr val="lt1"/>
-            </a:fontRef>
-          </p:style>
-          <p:txBody>
-            <a:bodyPr rtlCol="0" anchor="ctr"/>
-            <a:lstStyle/>
-            <a:p>
-              <a:pPr algn="ctr"/>
-              <a:r>
-                <a:rPr kumimoji="1" lang="en-US" altLang="ja-JP" sz="4400" dirty="0"/>
-                <a:t>2</a:t>
-              </a:r>
-              <a:endParaRPr kumimoji="1" lang="ja-JP" altLang="en-US" sz="4400" dirty="0"/>
-            </a:p>
-          </p:txBody>
-        </p:sp>
-      </p:grpSp>
-      <p:grpSp>
-        <p:nvGrpSpPr>
-          <p:cNvPr id="57" name="グループ化 56">
-            <a:extLst>
-              <a:ext uri="{FF2B5EF4-FFF2-40B4-BE49-F238E27FC236}">
-                <a16:creationId xmlns:a16="http://schemas.microsoft.com/office/drawing/2014/main" id="{C4D27875-2B9F-B632-D377-1F6B8253DA85}"/>
-              </a:ext>
-            </a:extLst>
-          </p:cNvPr>
-          <p:cNvGrpSpPr>
-            <a:grpSpLocks noChangeAspect="1"/>
-          </p:cNvGrpSpPr>
-          <p:nvPr/>
-        </p:nvGrpSpPr>
-        <p:grpSpPr>
-          <a:xfrm>
-            <a:off x="9823826" y="2057602"/>
-            <a:ext cx="942994" cy="944915"/>
-            <a:chOff x="6894195" y="2304141"/>
-            <a:chExt cx="2105198" cy="2109488"/>
-          </a:xfrm>
-        </p:grpSpPr>
-        <p:pic>
-          <p:nvPicPr>
-            <p:cNvPr id="58" name="図 57">
-              <a:extLst>
-                <a:ext uri="{FF2B5EF4-FFF2-40B4-BE49-F238E27FC236}">
-                  <a16:creationId xmlns:a16="http://schemas.microsoft.com/office/drawing/2014/main" id="{18DC81C4-87A2-8CF5-A2BC-91667886BA66}"/>
-                </a:ext>
-              </a:extLst>
-            </p:cNvPr>
-            <p:cNvPicPr>
-              <a:picLocks noChangeAspect="1"/>
-            </p:cNvPicPr>
-            <p:nvPr/>
-          </p:nvPicPr>
-          <p:blipFill>
-            <a:blip r:embed="rId2">
-              <a:extLst>
-                <a:ext uri="{28A0092B-C50C-407E-A947-70E740481C1C}">
-                  <a14:useLocalDpi xmlns:a14="http://schemas.microsoft.com/office/drawing/2010/main" val="0"/>
-                </a:ext>
-              </a:extLst>
-            </a:blip>
-            <a:stretch>
-              <a:fillRect/>
-            </a:stretch>
-          </p:blipFill>
-          <p:spPr>
-            <a:xfrm>
-              <a:off x="6894195" y="2308431"/>
-              <a:ext cx="2105198" cy="2105198"/>
-            </a:xfrm>
-            <a:prstGeom prst="rect">
-              <a:avLst/>
-            </a:prstGeom>
-          </p:spPr>
-        </p:pic>
-        <p:sp>
-          <p:nvSpPr>
-            <p:cNvPr id="59" name="正方形/長方形 58">
-              <a:extLst>
-                <a:ext uri="{FF2B5EF4-FFF2-40B4-BE49-F238E27FC236}">
-                  <a16:creationId xmlns:a16="http://schemas.microsoft.com/office/drawing/2014/main" id="{79829937-9027-B88E-58BD-F324CDC1029F}"/>
-                </a:ext>
-              </a:extLst>
-            </p:cNvPr>
-            <p:cNvSpPr>
-              <a:spLocks noChangeAspect="1"/>
-            </p:cNvSpPr>
-            <p:nvPr/>
-          </p:nvSpPr>
-          <p:spPr>
-            <a:xfrm>
-              <a:off x="6894200" y="2304141"/>
-              <a:ext cx="2105193" cy="2105193"/>
-            </a:xfrm>
-            <a:prstGeom prst="rect">
-              <a:avLst/>
-            </a:prstGeom>
-            <a:solidFill>
-              <a:srgbClr val="4472C4">
-                <a:alpha val="50196"/>
-              </a:srgbClr>
-            </a:solidFill>
-            <a:ln>
-              <a:noFill/>
-            </a:ln>
-          </p:spPr>
-          <p:style>
-            <a:lnRef idx="2">
-              <a:schemeClr val="accent1">
-                <a:shade val="15000"/>
-              </a:schemeClr>
-            </a:lnRef>
-            <a:fillRef idx="1">
-              <a:schemeClr val="accent1"/>
-            </a:fillRef>
-            <a:effectRef idx="0">
-              <a:schemeClr val="accent1"/>
-            </a:effectRef>
-            <a:fontRef idx="minor">
-              <a:schemeClr val="lt1"/>
-            </a:fontRef>
-          </p:style>
-          <p:txBody>
-            <a:bodyPr rtlCol="0" anchor="ctr"/>
-            <a:lstStyle/>
-            <a:p>
-              <a:pPr algn="ctr"/>
-              <a:r>
-                <a:rPr kumimoji="1" lang="en-US" altLang="ja-JP" sz="4400" dirty="0"/>
-                <a:t>3+</a:t>
-              </a:r>
-              <a:endParaRPr kumimoji="1" lang="ja-JP" altLang="en-US" sz="9600" dirty="0"/>
-            </a:p>
-          </p:txBody>
-        </p:sp>
-      </p:grpSp>
       <p:sp>
         <p:nvSpPr>
           <p:cNvPr id="3" name="コンテンツ プレースホルダー 2">
@@ -6615,142 +6642,95 @@
           <a:p>
             <a:pPr indent="133350" algn="just"/>
             <a:r>
-              <a:rPr lang="ja-JP" altLang="ja-JP" sz="700" kern="100" dirty="0">
-                <a:effectLst/>
-                <a:latin typeface="Century" panose="02040604050505020304" pitchFamily="18" charset="0"/>
-                <a:ea typeface="ＭＳ 明朝" panose="02020609040205080304" pitchFamily="17" charset="-128"/>
-                <a:cs typeface="Times New Roman" panose="02020603050405020304" pitchFamily="18" charset="0"/>
-              </a:rPr>
-              <a:t>名前</a:t>
+              <a:rPr lang="en-US" altLang="ja-JP" sz="600" kern="100" dirty="0" err="1">
+                <a:latin typeface="Century" panose="02040604050505020304" pitchFamily="18" charset="0"/>
+                <a:ea typeface="ＭＳ 明朝" panose="02020609040205080304" pitchFamily="17" charset="-128"/>
+                <a:cs typeface="Times New Roman" panose="02020603050405020304" pitchFamily="18" charset="0"/>
+              </a:rPr>
+              <a:t>Vtuber</a:t>
+            </a:r>
+            <a:r>
+              <a:rPr lang="ja-JP" altLang="en-US" sz="600" kern="100" dirty="0">
+                <a:latin typeface="Century" panose="02040604050505020304" pitchFamily="18" charset="0"/>
+                <a:ea typeface="ＭＳ 明朝" panose="02020609040205080304" pitchFamily="17" charset="-128"/>
+                <a:cs typeface="Times New Roman" panose="02020603050405020304" pitchFamily="18" charset="0"/>
+              </a:rPr>
+              <a:t>名鑑とは</a:t>
             </a:r>
           </a:p>
           <a:p>
             <a:pPr indent="133350" algn="just"/>
             <a:r>
-              <a:rPr lang="ja-JP" altLang="ja-JP" sz="700" kern="100" dirty="0">
-                <a:effectLst/>
-                <a:latin typeface="Century" panose="02040604050505020304" pitchFamily="18" charset="0"/>
-                <a:ea typeface="ＭＳ 明朝" panose="02020609040205080304" pitchFamily="17" charset="-128"/>
-                <a:cs typeface="Times New Roman" panose="02020603050405020304" pitchFamily="18" charset="0"/>
-              </a:rPr>
-              <a:t>名前のよみがな</a:t>
+              <a:rPr lang="ja-JP" altLang="en-US" sz="600" kern="100" dirty="0">
+                <a:latin typeface="Century" panose="02040604050505020304" pitchFamily="18" charset="0"/>
+                <a:ea typeface="ＭＳ 明朝" panose="02020609040205080304" pitchFamily="17" charset="-128"/>
+                <a:cs typeface="Times New Roman" panose="02020603050405020304" pitchFamily="18" charset="0"/>
+              </a:rPr>
+              <a:t>　ああああああ</a:t>
             </a:r>
           </a:p>
           <a:p>
             <a:pPr indent="133350" algn="just"/>
             <a:r>
-              <a:rPr lang="ja-JP" altLang="ja-JP" sz="700" kern="100" dirty="0">
-                <a:effectLst/>
-                <a:latin typeface="Century" panose="02040604050505020304" pitchFamily="18" charset="0"/>
-                <a:ea typeface="ＭＳ 明朝" panose="02020609040205080304" pitchFamily="17" charset="-128"/>
-                <a:cs typeface="Times New Roman" panose="02020603050405020304" pitchFamily="18" charset="0"/>
-              </a:rPr>
-              <a:t>キャラモデル画像（複数。</a:t>
-            </a:r>
-            <a:r>
-              <a:rPr lang="en-US" altLang="ja-JP" sz="700" kern="100" dirty="0">
-                <a:effectLst/>
-                <a:latin typeface="Century" panose="02040604050505020304" pitchFamily="18" charset="0"/>
-                <a:ea typeface="ＭＳ 明朝" panose="02020609040205080304" pitchFamily="17" charset="-128"/>
-                <a:cs typeface="Times New Roman" panose="02020603050405020304" pitchFamily="18" charset="0"/>
-              </a:rPr>
-              <a:t>3D</a:t>
-            </a:r>
-            <a:r>
-              <a:rPr lang="ja-JP" altLang="ja-JP" sz="700" kern="100" dirty="0">
-                <a:effectLst/>
-                <a:latin typeface="Century" panose="02040604050505020304" pitchFamily="18" charset="0"/>
-                <a:ea typeface="ＭＳ 明朝" panose="02020609040205080304" pitchFamily="17" charset="-128"/>
-                <a:cs typeface="Times New Roman" panose="02020603050405020304" pitchFamily="18" charset="0"/>
-              </a:rPr>
-              <a:t>モデルをどうするか）</a:t>
+              <a:rPr lang="ja-JP" altLang="en-US" sz="600" kern="100" dirty="0">
+                <a:latin typeface="Century" panose="02040604050505020304" pitchFamily="18" charset="0"/>
+                <a:ea typeface="ＭＳ 明朝" panose="02020609040205080304" pitchFamily="17" charset="-128"/>
+                <a:cs typeface="Times New Roman" panose="02020603050405020304" pitchFamily="18" charset="0"/>
+              </a:rPr>
+              <a:t>　あああああ</a:t>
             </a:r>
           </a:p>
           <a:p>
             <a:pPr indent="133350" algn="just"/>
             <a:r>
-              <a:rPr lang="ja-JP" altLang="ja-JP" sz="700" kern="100" dirty="0">
-                <a:effectLst/>
-                <a:latin typeface="Century" panose="02040604050505020304" pitchFamily="18" charset="0"/>
-                <a:ea typeface="ＭＳ 明朝" panose="02020609040205080304" pitchFamily="17" charset="-128"/>
-                <a:cs typeface="Times New Roman" panose="02020603050405020304" pitchFamily="18" charset="0"/>
-              </a:rPr>
-              <a:t>ママ（担当イラストレーター）</a:t>
+              <a:rPr lang="ja-JP" altLang="en-US" sz="600" kern="100" dirty="0">
+                <a:latin typeface="Century" panose="02040604050505020304" pitchFamily="18" charset="0"/>
+                <a:ea typeface="ＭＳ 明朝" panose="02020609040205080304" pitchFamily="17" charset="-128"/>
+                <a:cs typeface="Times New Roman" panose="02020603050405020304" pitchFamily="18" charset="0"/>
+              </a:rPr>
+              <a:t>　あああああああああああ</a:t>
             </a:r>
           </a:p>
           <a:p>
             <a:pPr indent="133350" algn="just"/>
             <a:r>
-              <a:rPr lang="ja-JP" altLang="ja-JP" sz="700" kern="100" dirty="0">
-                <a:effectLst/>
-                <a:latin typeface="Century" panose="02040604050505020304" pitchFamily="18" charset="0"/>
-                <a:ea typeface="ＭＳ 明朝" panose="02020609040205080304" pitchFamily="17" charset="-128"/>
-                <a:cs typeface="Times New Roman" panose="02020603050405020304" pitchFamily="18" charset="0"/>
-              </a:rPr>
-              <a:t>パパ（担当</a:t>
-            </a:r>
-            <a:r>
-              <a:rPr lang="en-US" altLang="ja-JP" sz="700" kern="100" dirty="0">
-                <a:effectLst/>
-                <a:latin typeface="Century" panose="02040604050505020304" pitchFamily="18" charset="0"/>
-                <a:ea typeface="ＭＳ 明朝" panose="02020609040205080304" pitchFamily="17" charset="-128"/>
-                <a:cs typeface="Times New Roman" panose="02020603050405020304" pitchFamily="18" charset="0"/>
-              </a:rPr>
-              <a:t>Live2D</a:t>
-            </a:r>
-            <a:r>
-              <a:rPr lang="ja-JP" altLang="ja-JP" sz="700" kern="100" dirty="0">
-                <a:effectLst/>
-                <a:latin typeface="Century" panose="02040604050505020304" pitchFamily="18" charset="0"/>
-                <a:ea typeface="ＭＳ 明朝" panose="02020609040205080304" pitchFamily="17" charset="-128"/>
-                <a:cs typeface="Times New Roman" panose="02020603050405020304" pitchFamily="18" charset="0"/>
-              </a:rPr>
-              <a:t>、</a:t>
-            </a:r>
-            <a:r>
-              <a:rPr lang="en-US" altLang="ja-JP" sz="700" kern="100" dirty="0">
-                <a:effectLst/>
-                <a:latin typeface="Century" panose="02040604050505020304" pitchFamily="18" charset="0"/>
-                <a:ea typeface="ＭＳ 明朝" panose="02020609040205080304" pitchFamily="17" charset="-128"/>
-                <a:cs typeface="Times New Roman" panose="02020603050405020304" pitchFamily="18" charset="0"/>
-              </a:rPr>
-              <a:t>3D</a:t>
-            </a:r>
-            <a:r>
-              <a:rPr lang="ja-JP" altLang="ja-JP" sz="700" kern="100" dirty="0">
-                <a:effectLst/>
-                <a:latin typeface="Century" panose="02040604050505020304" pitchFamily="18" charset="0"/>
-                <a:ea typeface="ＭＳ 明朝" panose="02020609040205080304" pitchFamily="17" charset="-128"/>
-                <a:cs typeface="Times New Roman" panose="02020603050405020304" pitchFamily="18" charset="0"/>
-              </a:rPr>
-              <a:t>モデリングなど）</a:t>
-            </a:r>
-          </a:p>
-          <a:p>
-            <a:pPr indent="133350" algn="just"/>
-            <a:r>
-              <a:rPr lang="ja-JP" altLang="ja-JP" sz="700" kern="100" dirty="0">
-                <a:effectLst/>
-                <a:latin typeface="Century" panose="02040604050505020304" pitchFamily="18" charset="0"/>
-                <a:ea typeface="ＭＳ 明朝" panose="02020609040205080304" pitchFamily="17" charset="-128"/>
-                <a:cs typeface="Times New Roman" panose="02020603050405020304" pitchFamily="18" charset="0"/>
-              </a:rPr>
-              <a:t>箱（所属事務所）</a:t>
-            </a:r>
-          </a:p>
-          <a:p>
-            <a:pPr indent="133350" algn="just"/>
-            <a:r>
-              <a:rPr lang="ja-JP" altLang="ja-JP" sz="700" kern="100" dirty="0">
-                <a:effectLst/>
-                <a:latin typeface="Century" panose="02040604050505020304" pitchFamily="18" charset="0"/>
-                <a:ea typeface="ＭＳ 明朝" panose="02020609040205080304" pitchFamily="17" charset="-128"/>
-                <a:cs typeface="Times New Roman" panose="02020603050405020304" pitchFamily="18" charset="0"/>
-              </a:rPr>
-              <a:t>性別（男、女、バ美肉、その他）</a:t>
-            </a:r>
-            <a:endParaRPr lang="en-US" altLang="ja-JP" sz="700" kern="100" dirty="0">
-              <a:effectLst/>
+              <a:rPr lang="ja-JP" altLang="en-US" sz="600" kern="100" dirty="0">
+                <a:latin typeface="Century" panose="02040604050505020304" pitchFamily="18" charset="0"/>
+                <a:ea typeface="ＭＳ 明朝" panose="02020609040205080304" pitchFamily="17" charset="-128"/>
+                <a:cs typeface="Times New Roman" panose="02020603050405020304" pitchFamily="18" charset="0"/>
+              </a:rPr>
+              <a:t>最近の更新</a:t>
+            </a:r>
+          </a:p>
+          <a:p>
+            <a:pPr indent="0" algn="just">
+              <a:buNone/>
+            </a:pPr>
+            <a:r>
+              <a:rPr lang="ja-JP" altLang="en-US" sz="600" kern="100" dirty="0">
+                <a:latin typeface="Century" panose="02040604050505020304" pitchFamily="18" charset="0"/>
+                <a:ea typeface="ＭＳ 明朝" panose="02020609040205080304" pitchFamily="17" charset="-128"/>
+                <a:cs typeface="Times New Roman" panose="02020603050405020304" pitchFamily="18" charset="0"/>
+              </a:rPr>
+              <a:t>　　</a:t>
+            </a:r>
+            <a:r>
+              <a:rPr lang="en-US" altLang="ja-JP" sz="600" kern="100" dirty="0">
+                <a:latin typeface="Century" panose="02040604050505020304" pitchFamily="18" charset="0"/>
+                <a:ea typeface="ＭＳ 明朝" panose="02020609040205080304" pitchFamily="17" charset="-128"/>
+                <a:cs typeface="Times New Roman" panose="02020603050405020304" pitchFamily="18" charset="0"/>
+              </a:rPr>
+              <a:t>2024/2/24</a:t>
+            </a:r>
+            <a:r>
+              <a:rPr lang="ja-JP" altLang="en-US" sz="600" kern="100" dirty="0">
+                <a:latin typeface="Century" panose="02040604050505020304" pitchFamily="18" charset="0"/>
+                <a:ea typeface="ＭＳ 明朝" panose="02020609040205080304" pitchFamily="17" charset="-128"/>
+                <a:cs typeface="Times New Roman" panose="02020603050405020304" pitchFamily="18" charset="0"/>
+              </a:rPr>
+              <a:t>更新！</a:t>
+            </a:r>
+            <a:endParaRPr lang="en-US" altLang="ja-JP" sz="600" kern="100" dirty="0">
               <a:latin typeface="Century" panose="02040604050505020304" pitchFamily="18" charset="0"/>
               <a:ea typeface="ＭＳ 明朝" panose="02020609040205080304" pitchFamily="17" charset="-128"/>
               <a:cs typeface="Times New Roman" panose="02020603050405020304" pitchFamily="18" charset="0"/>
@@ -6759,16 +6739,57 @@
           <a:p>
             <a:pPr indent="133350" algn="just"/>
             <a:r>
-              <a:rPr lang="ja-JP" altLang="en-US" sz="700" kern="100" dirty="0">
-                <a:effectLst/>
-                <a:latin typeface="Century" panose="02040604050505020304" pitchFamily="18" charset="0"/>
-                <a:ea typeface="ＭＳ 明朝" panose="02020609040205080304" pitchFamily="17" charset="-128"/>
-                <a:cs typeface="Times New Roman" panose="02020603050405020304" pitchFamily="18" charset="0"/>
-              </a:rPr>
-              <a:t>イメージカラー</a:t>
-            </a:r>
-            <a:endParaRPr lang="ja-JP" altLang="ja-JP" sz="700" kern="100" dirty="0">
-              <a:effectLst/>
+              <a:rPr lang="ja-JP" altLang="en-US" sz="600" kern="100" dirty="0">
+                <a:latin typeface="Century" panose="02040604050505020304" pitchFamily="18" charset="0"/>
+                <a:ea typeface="ＭＳ 明朝" panose="02020609040205080304" pitchFamily="17" charset="-128"/>
+                <a:cs typeface="Times New Roman" panose="02020603050405020304" pitchFamily="18" charset="0"/>
+              </a:rPr>
+              <a:t>　　　　　　　　　　　な</a:t>
+            </a:r>
+            <a:r>
+              <a:rPr lang="en-US" altLang="ja-JP" sz="600" kern="100" dirty="0">
+                <a:latin typeface="Century" panose="02040604050505020304" pitchFamily="18" charset="0"/>
+                <a:ea typeface="ＭＳ 明朝" panose="02020609040205080304" pitchFamily="17" charset="-128"/>
+                <a:cs typeface="Times New Roman" panose="02020603050405020304" pitchFamily="18" charset="0"/>
+              </a:rPr>
+              <a:t>Na</a:t>
+            </a:r>
+            <a:r>
+              <a:rPr lang="ja-JP" altLang="en-US" sz="600" kern="100" dirty="0">
+                <a:latin typeface="Century" panose="02040604050505020304" pitchFamily="18" charset="0"/>
+                <a:ea typeface="ＭＳ 明朝" panose="02020609040205080304" pitchFamily="17" charset="-128"/>
+                <a:cs typeface="Times New Roman" panose="02020603050405020304" pitchFamily="18" charset="0"/>
+              </a:rPr>
+              <a:t>シの　権兵∀　　　　　　　　　　　　　　　　　　な</a:t>
+            </a:r>
+            <a:r>
+              <a:rPr lang="en-US" altLang="ja-JP" sz="600" kern="100" dirty="0">
+                <a:latin typeface="Century" panose="02040604050505020304" pitchFamily="18" charset="0"/>
+                <a:ea typeface="ＭＳ 明朝" panose="02020609040205080304" pitchFamily="17" charset="-128"/>
+                <a:cs typeface="Times New Roman" panose="02020603050405020304" pitchFamily="18" charset="0"/>
+              </a:rPr>
+              <a:t>Na</a:t>
+            </a:r>
+            <a:r>
+              <a:rPr lang="ja-JP" altLang="en-US" sz="600" kern="100" dirty="0">
+                <a:latin typeface="Century" panose="02040604050505020304" pitchFamily="18" charset="0"/>
+                <a:ea typeface="ＭＳ 明朝" panose="02020609040205080304" pitchFamily="17" charset="-128"/>
+                <a:cs typeface="Times New Roman" panose="02020603050405020304" pitchFamily="18" charset="0"/>
+              </a:rPr>
+              <a:t>シの　権兵∀</a:t>
+            </a:r>
+          </a:p>
+          <a:p>
+            <a:pPr indent="133350" algn="just"/>
+            <a:r>
+              <a:rPr lang="ja-JP" altLang="en-US" sz="600" kern="100" dirty="0">
+                <a:latin typeface="Century" panose="02040604050505020304" pitchFamily="18" charset="0"/>
+                <a:ea typeface="ＭＳ 明朝" panose="02020609040205080304" pitchFamily="17" charset="-128"/>
+                <a:cs typeface="Times New Roman" panose="02020603050405020304" pitchFamily="18" charset="0"/>
+              </a:rPr>
+              <a:t>　　　　　　　　　　　誕生日　　　　　　　　　　　　　　　　　　　　　　　誕生日</a:t>
+            </a:r>
+            <a:endParaRPr lang="en-US" altLang="ja-JP" sz="600" kern="100" dirty="0">
               <a:latin typeface="Century" panose="02040604050505020304" pitchFamily="18" charset="0"/>
               <a:ea typeface="ＭＳ 明朝" panose="02020609040205080304" pitchFamily="17" charset="-128"/>
               <a:cs typeface="Times New Roman" panose="02020603050405020304" pitchFamily="18" charset="0"/>
@@ -6777,163 +6798,14 @@
           <a:p>
             <a:pPr indent="133350" algn="just"/>
             <a:r>
-              <a:rPr lang="en-US" altLang="ja-JP" sz="700" kern="100" dirty="0" err="1">
-                <a:effectLst/>
-                <a:latin typeface="Century" panose="02040604050505020304" pitchFamily="18" charset="0"/>
-                <a:ea typeface="ＭＳ 明朝" panose="02020609040205080304" pitchFamily="17" charset="-128"/>
-                <a:cs typeface="Times New Roman" panose="02020603050405020304" pitchFamily="18" charset="0"/>
-              </a:rPr>
-              <a:t>Youtube</a:t>
-            </a:r>
-            <a:r>
-              <a:rPr lang="ja-JP" altLang="ja-JP" sz="700" kern="100" dirty="0">
-                <a:effectLst/>
-                <a:latin typeface="Century" panose="02040604050505020304" pitchFamily="18" charset="0"/>
-                <a:ea typeface="ＭＳ 明朝" panose="02020609040205080304" pitchFamily="17" charset="-128"/>
-                <a:cs typeface="Times New Roman" panose="02020603050405020304" pitchFamily="18" charset="0"/>
-              </a:rPr>
-              <a:t>、</a:t>
-            </a:r>
-            <a:r>
-              <a:rPr lang="en-US" altLang="ja-JP" sz="700" kern="100" dirty="0" err="1">
-                <a:effectLst/>
-                <a:latin typeface="Century" panose="02040604050505020304" pitchFamily="18" charset="0"/>
-                <a:ea typeface="ＭＳ 明朝" panose="02020609040205080304" pitchFamily="17" charset="-128"/>
-                <a:cs typeface="Times New Roman" panose="02020603050405020304" pitchFamily="18" charset="0"/>
-              </a:rPr>
-              <a:t>Tiktok</a:t>
-            </a:r>
-            <a:r>
-              <a:rPr lang="ja-JP" altLang="ja-JP" sz="700" kern="100" dirty="0">
-                <a:effectLst/>
-                <a:latin typeface="Century" panose="02040604050505020304" pitchFamily="18" charset="0"/>
-                <a:ea typeface="ＭＳ 明朝" panose="02020609040205080304" pitchFamily="17" charset="-128"/>
-                <a:cs typeface="Times New Roman" panose="02020603050405020304" pitchFamily="18" charset="0"/>
-              </a:rPr>
-              <a:t>、</a:t>
-            </a:r>
-            <a:r>
-              <a:rPr lang="en-US" altLang="ja-JP" sz="700" kern="100" dirty="0">
-                <a:effectLst/>
-                <a:latin typeface="Century" panose="02040604050505020304" pitchFamily="18" charset="0"/>
-                <a:ea typeface="ＭＳ 明朝" panose="02020609040205080304" pitchFamily="17" charset="-128"/>
-                <a:cs typeface="Times New Roman" panose="02020603050405020304" pitchFamily="18" charset="0"/>
-              </a:rPr>
-              <a:t>Twitter</a:t>
-            </a:r>
-            <a:r>
-              <a:rPr lang="ja-JP" altLang="ja-JP" sz="700" kern="100" dirty="0">
-                <a:effectLst/>
-                <a:latin typeface="Century" panose="02040604050505020304" pitchFamily="18" charset="0"/>
-                <a:ea typeface="ＭＳ 明朝" panose="02020609040205080304" pitchFamily="17" charset="-128"/>
-                <a:cs typeface="Times New Roman" panose="02020603050405020304" pitchFamily="18" charset="0"/>
-              </a:rPr>
-              <a:t>、</a:t>
-            </a:r>
-            <a:r>
-              <a:rPr lang="en-US" altLang="ja-JP" sz="700" kern="100" dirty="0">
-                <a:effectLst/>
-                <a:latin typeface="Century" panose="02040604050505020304" pitchFamily="18" charset="0"/>
-                <a:ea typeface="ＭＳ 明朝" panose="02020609040205080304" pitchFamily="17" charset="-128"/>
-                <a:cs typeface="Times New Roman" panose="02020603050405020304" pitchFamily="18" charset="0"/>
-              </a:rPr>
-              <a:t>Instagram</a:t>
-            </a:r>
-            <a:r>
-              <a:rPr lang="ja-JP" altLang="ja-JP" sz="700" kern="100" dirty="0">
-                <a:effectLst/>
-                <a:latin typeface="Century" panose="02040604050505020304" pitchFamily="18" charset="0"/>
-                <a:ea typeface="ＭＳ 明朝" panose="02020609040205080304" pitchFamily="17" charset="-128"/>
-                <a:cs typeface="Times New Roman" panose="02020603050405020304" pitchFamily="18" charset="0"/>
-              </a:rPr>
-              <a:t>、公式</a:t>
-            </a:r>
-            <a:r>
-              <a:rPr lang="en-US" altLang="ja-JP" sz="700" kern="100" dirty="0">
-                <a:effectLst/>
-                <a:latin typeface="Century" panose="02040604050505020304" pitchFamily="18" charset="0"/>
-                <a:ea typeface="ＭＳ 明朝" panose="02020609040205080304" pitchFamily="17" charset="-128"/>
-                <a:cs typeface="Times New Roman" panose="02020603050405020304" pitchFamily="18" charset="0"/>
-              </a:rPr>
-              <a:t>LINE</a:t>
-            </a:r>
-            <a:r>
-              <a:rPr lang="ja-JP" altLang="ja-JP" sz="700" kern="100" dirty="0">
-                <a:effectLst/>
-                <a:latin typeface="Century" panose="02040604050505020304" pitchFamily="18" charset="0"/>
-                <a:ea typeface="ＭＳ 明朝" panose="02020609040205080304" pitchFamily="17" charset="-128"/>
-                <a:cs typeface="Times New Roman" panose="02020603050405020304" pitchFamily="18" charset="0"/>
-              </a:rPr>
-              <a:t>アカウント、</a:t>
-            </a:r>
-            <a:r>
-              <a:rPr lang="en-US" altLang="ja-JP" sz="700" kern="100" dirty="0">
-                <a:effectLst/>
-                <a:latin typeface="Century" panose="02040604050505020304" pitchFamily="18" charset="0"/>
-                <a:ea typeface="ＭＳ 明朝" panose="02020609040205080304" pitchFamily="17" charset="-128"/>
-                <a:cs typeface="Times New Roman" panose="02020603050405020304" pitchFamily="18" charset="0"/>
-              </a:rPr>
-              <a:t>Twitch</a:t>
-            </a:r>
-            <a:r>
-              <a:rPr lang="ja-JP" altLang="ja-JP" sz="700" kern="100" dirty="0">
-                <a:effectLst/>
-                <a:latin typeface="Century" panose="02040604050505020304" pitchFamily="18" charset="0"/>
-                <a:ea typeface="ＭＳ 明朝" panose="02020609040205080304" pitchFamily="17" charset="-128"/>
-                <a:cs typeface="Times New Roman" panose="02020603050405020304" pitchFamily="18" charset="0"/>
-              </a:rPr>
-              <a:t>、ミルダム、</a:t>
-            </a:r>
-            <a:r>
-              <a:rPr lang="en-US" altLang="ja-JP" sz="700" kern="100" dirty="0" err="1">
-                <a:effectLst/>
-                <a:latin typeface="Century" panose="02040604050505020304" pitchFamily="18" charset="0"/>
-                <a:ea typeface="ＭＳ 明朝" panose="02020609040205080304" pitchFamily="17" charset="-128"/>
-                <a:cs typeface="Times New Roman" panose="02020603050405020304" pitchFamily="18" charset="0"/>
-              </a:rPr>
-              <a:t>Fantia</a:t>
-            </a:r>
-            <a:r>
-              <a:rPr lang="ja-JP" altLang="ja-JP" sz="700" kern="100" dirty="0">
-                <a:effectLst/>
-                <a:latin typeface="Century" panose="02040604050505020304" pitchFamily="18" charset="0"/>
-                <a:ea typeface="ＭＳ 明朝" panose="02020609040205080304" pitchFamily="17" charset="-128"/>
-                <a:cs typeface="Times New Roman" panose="02020603050405020304" pitchFamily="18" charset="0"/>
-              </a:rPr>
-              <a:t>、マシュマロ、</a:t>
-            </a:r>
-            <a:r>
-              <a:rPr lang="en-US" altLang="ja-JP" sz="700" kern="100" dirty="0">
-                <a:effectLst/>
-                <a:latin typeface="Century" panose="02040604050505020304" pitchFamily="18" charset="0"/>
-                <a:ea typeface="ＭＳ 明朝" panose="02020609040205080304" pitchFamily="17" charset="-128"/>
-                <a:cs typeface="Times New Roman" panose="02020603050405020304" pitchFamily="18" charset="0"/>
-              </a:rPr>
-              <a:t>Booth</a:t>
-            </a:r>
-            <a:r>
-              <a:rPr lang="ja-JP" altLang="ja-JP" sz="700" kern="100" dirty="0">
-                <a:effectLst/>
-                <a:latin typeface="Century" panose="02040604050505020304" pitchFamily="18" charset="0"/>
-                <a:ea typeface="ＭＳ 明朝" panose="02020609040205080304" pitchFamily="17" charset="-128"/>
-                <a:cs typeface="Times New Roman" panose="02020603050405020304" pitchFamily="18" charset="0"/>
-              </a:rPr>
-              <a:t>等の活動プラットフォームのアカウントリンク</a:t>
-            </a:r>
-          </a:p>
-          <a:p>
-            <a:pPr indent="133350" algn="just"/>
-            <a:r>
-              <a:rPr lang="ja-JP" altLang="ja-JP" sz="700" kern="100" dirty="0">
-                <a:effectLst/>
-                <a:latin typeface="Century" panose="02040604050505020304" pitchFamily="18" charset="0"/>
-                <a:ea typeface="ＭＳ 明朝" panose="02020609040205080304" pitchFamily="17" charset="-128"/>
-                <a:cs typeface="Times New Roman" panose="02020603050405020304" pitchFamily="18" charset="0"/>
-              </a:rPr>
-              <a:t>活動開始日</a:t>
-            </a:r>
-            <a:endParaRPr lang="en-US" altLang="ja-JP" sz="700" kern="100" dirty="0">
-              <a:effectLst/>
+              <a:rPr lang="ja-JP" altLang="en-US" sz="600" kern="100" dirty="0">
+                <a:latin typeface="Century" panose="02040604050505020304" pitchFamily="18" charset="0"/>
+                <a:ea typeface="ＭＳ 明朝" panose="02020609040205080304" pitchFamily="17" charset="-128"/>
+                <a:cs typeface="Times New Roman" panose="02020603050405020304" pitchFamily="18" charset="0"/>
+              </a:rPr>
+              <a:t>　　　　　　　　　　　箱（所属事務所）　　　　　　　　　　　　　　　　　　箱（所属事務所）</a:t>
+            </a:r>
+            <a:endParaRPr lang="en-US" altLang="ja-JP" sz="600" kern="100" dirty="0">
               <a:latin typeface="Century" panose="02040604050505020304" pitchFamily="18" charset="0"/>
               <a:ea typeface="ＭＳ 明朝" panose="02020609040205080304" pitchFamily="17" charset="-128"/>
               <a:cs typeface="Times New Roman" panose="02020603050405020304" pitchFamily="18" charset="0"/>
@@ -6942,16 +6814,54 @@
           <a:p>
             <a:pPr indent="133350" algn="just"/>
             <a:r>
-              <a:rPr lang="ja-JP" altLang="en-US" sz="700" kern="100" dirty="0">
-                <a:effectLst/>
-                <a:latin typeface="Century" panose="02040604050505020304" pitchFamily="18" charset="0"/>
-                <a:ea typeface="ＭＳ 明朝" panose="02020609040205080304" pitchFamily="17" charset="-128"/>
-                <a:cs typeface="Times New Roman" panose="02020603050405020304" pitchFamily="18" charset="0"/>
-              </a:rPr>
-              <a:t>活動終了日</a:t>
-            </a:r>
-            <a:endParaRPr lang="ja-JP" altLang="ja-JP" sz="700" kern="100" dirty="0">
-              <a:effectLst/>
+              <a:rPr lang="ja-JP" altLang="en-US" sz="600" kern="100" dirty="0">
+                <a:latin typeface="Century" panose="02040604050505020304" pitchFamily="18" charset="0"/>
+                <a:ea typeface="ＭＳ 明朝" panose="02020609040205080304" pitchFamily="17" charset="-128"/>
+                <a:cs typeface="Times New Roman" panose="02020603050405020304" pitchFamily="18" charset="0"/>
+              </a:rPr>
+              <a:t>　　　　　　　　　　　</a:t>
+            </a:r>
+            <a:r>
+              <a:rPr lang="en-US" altLang="ja-JP" sz="600" kern="100" dirty="0" err="1">
+                <a:latin typeface="Century" panose="02040604050505020304" pitchFamily="18" charset="0"/>
+                <a:ea typeface="ＭＳ 明朝" panose="02020609040205080304" pitchFamily="17" charset="-128"/>
+                <a:cs typeface="Times New Roman" panose="02020603050405020304" pitchFamily="18" charset="0"/>
+              </a:rPr>
+              <a:t>youtube</a:t>
+            </a:r>
+            <a:r>
+              <a:rPr lang="ja-JP" altLang="en-US" sz="600" kern="100" dirty="0">
+                <a:latin typeface="Century" panose="02040604050505020304" pitchFamily="18" charset="0"/>
+                <a:ea typeface="ＭＳ 明朝" panose="02020609040205080304" pitchFamily="17" charset="-128"/>
+                <a:cs typeface="Times New Roman" panose="02020603050405020304" pitchFamily="18" charset="0"/>
+              </a:rPr>
+              <a:t>リンクアイコンなど　　　　　　　　　　　　　　</a:t>
+            </a:r>
+            <a:r>
+              <a:rPr lang="en-US" altLang="ja-JP" sz="600" kern="100" dirty="0">
+                <a:latin typeface="Century" panose="02040604050505020304" pitchFamily="18" charset="0"/>
+                <a:ea typeface="ＭＳ 明朝" panose="02020609040205080304" pitchFamily="17" charset="-128"/>
+                <a:cs typeface="Times New Roman" panose="02020603050405020304" pitchFamily="18" charset="0"/>
+              </a:rPr>
+              <a:t> </a:t>
+            </a:r>
+            <a:r>
+              <a:rPr lang="en-US" altLang="ja-JP" sz="600" kern="100" dirty="0" err="1">
+                <a:latin typeface="Century" panose="02040604050505020304" pitchFamily="18" charset="0"/>
+                <a:ea typeface="ＭＳ 明朝" panose="02020609040205080304" pitchFamily="17" charset="-128"/>
+                <a:cs typeface="Times New Roman" panose="02020603050405020304" pitchFamily="18" charset="0"/>
+              </a:rPr>
+              <a:t>youtube</a:t>
+            </a:r>
+            <a:r>
+              <a:rPr lang="ja-JP" altLang="en-US" sz="600" kern="100" dirty="0">
+                <a:latin typeface="Century" panose="02040604050505020304" pitchFamily="18" charset="0"/>
+                <a:ea typeface="ＭＳ 明朝" panose="02020609040205080304" pitchFamily="17" charset="-128"/>
+                <a:cs typeface="Times New Roman" panose="02020603050405020304" pitchFamily="18" charset="0"/>
+              </a:rPr>
+              <a:t>リンクアイコンなど</a:t>
+            </a:r>
+            <a:endParaRPr lang="en-US" altLang="ja-JP" sz="600" kern="100" dirty="0">
               <a:latin typeface="Century" panose="02040604050505020304" pitchFamily="18" charset="0"/>
               <a:ea typeface="ＭＳ 明朝" panose="02020609040205080304" pitchFamily="17" charset="-128"/>
               <a:cs typeface="Times New Roman" panose="02020603050405020304" pitchFamily="18" charset="0"/>
@@ -6959,38 +6869,7 @@
           </a:p>
           <a:p>
             <a:pPr indent="133350" algn="just"/>
-            <a:r>
-              <a:rPr lang="ja-JP" altLang="ja-JP" sz="700" kern="100" dirty="0">
-                <a:effectLst/>
-                <a:latin typeface="Century" panose="02040604050505020304" pitchFamily="18" charset="0"/>
-                <a:ea typeface="ＭＳ 明朝" panose="02020609040205080304" pitchFamily="17" charset="-128"/>
-                <a:cs typeface="Times New Roman" panose="02020603050405020304" pitchFamily="18" charset="0"/>
-              </a:rPr>
-              <a:t>ファンの呼称</a:t>
-            </a:r>
-          </a:p>
-          <a:p>
-            <a:pPr indent="133350" algn="just"/>
-            <a:r>
-              <a:rPr lang="ja-JP" altLang="ja-JP" sz="700" kern="100" dirty="0">
-                <a:effectLst/>
-                <a:latin typeface="Century" panose="02040604050505020304" pitchFamily="18" charset="0"/>
-                <a:ea typeface="ＭＳ 明朝" panose="02020609040205080304" pitchFamily="17" charset="-128"/>
-                <a:cs typeface="Times New Roman" panose="02020603050405020304" pitchFamily="18" charset="0"/>
-              </a:rPr>
-              <a:t>ファンマーク</a:t>
-            </a:r>
-            <a:r>
-              <a:rPr lang="ja-JP" altLang="en-US" sz="700" kern="100" dirty="0">
-                <a:effectLst/>
-                <a:latin typeface="Century" panose="02040604050505020304" pitchFamily="18" charset="0"/>
-                <a:ea typeface="ＭＳ 明朝" panose="02020609040205080304" pitchFamily="17" charset="-128"/>
-                <a:cs typeface="Times New Roman" panose="02020603050405020304" pitchFamily="18" charset="0"/>
-              </a:rPr>
-              <a:t>・推しマーク</a:t>
-            </a:r>
-            <a:endParaRPr lang="ja-JP" altLang="ja-JP" sz="700" kern="100" dirty="0">
-              <a:effectLst/>
+            <a:endParaRPr lang="en-US" altLang="ja-JP" sz="600" kern="100" dirty="0">
               <a:latin typeface="Century" panose="02040604050505020304" pitchFamily="18" charset="0"/>
               <a:ea typeface="ＭＳ 明朝" panose="02020609040205080304" pitchFamily="17" charset="-128"/>
               <a:cs typeface="Times New Roman" panose="02020603050405020304" pitchFamily="18" charset="0"/>
@@ -6998,176 +6877,7 @@
           </a:p>
           <a:p>
             <a:pPr indent="133350" algn="just"/>
-            <a:r>
-              <a:rPr lang="ja-JP" altLang="ja-JP" sz="700" kern="100" dirty="0">
-                <a:effectLst/>
-                <a:latin typeface="Century" panose="02040604050505020304" pitchFamily="18" charset="0"/>
-                <a:ea typeface="ＭＳ 明朝" panose="02020609040205080304" pitchFamily="17" charset="-128"/>
-                <a:cs typeface="Times New Roman" panose="02020603050405020304" pitchFamily="18" charset="0"/>
-              </a:rPr>
-              <a:t>一人称の呼び名</a:t>
-            </a:r>
-          </a:p>
-          <a:p>
-            <a:pPr indent="133350" algn="just"/>
-            <a:r>
-              <a:rPr lang="ja-JP" altLang="ja-JP" sz="700" kern="100" dirty="0">
-                <a:effectLst/>
-                <a:latin typeface="Century" panose="02040604050505020304" pitchFamily="18" charset="0"/>
-                <a:ea typeface="ＭＳ 明朝" panose="02020609040205080304" pitchFamily="17" charset="-128"/>
-                <a:cs typeface="Times New Roman" panose="02020603050405020304" pitchFamily="18" charset="0"/>
-              </a:rPr>
-              <a:t>活動内容（動画投稿、ゲーム配信、雑談、</a:t>
-            </a:r>
-            <a:r>
-              <a:rPr lang="en-US" altLang="ja-JP" sz="700" kern="100" dirty="0">
-                <a:effectLst/>
-                <a:latin typeface="Century" panose="02040604050505020304" pitchFamily="18" charset="0"/>
-                <a:ea typeface="ＭＳ 明朝" panose="02020609040205080304" pitchFamily="17" charset="-128"/>
-                <a:cs typeface="Times New Roman" panose="02020603050405020304" pitchFamily="18" charset="0"/>
-              </a:rPr>
-              <a:t>ASMR</a:t>
-            </a:r>
-            <a:r>
-              <a:rPr lang="ja-JP" altLang="ja-JP" sz="700" kern="100" dirty="0">
-                <a:effectLst/>
-                <a:latin typeface="Century" panose="02040604050505020304" pitchFamily="18" charset="0"/>
-                <a:ea typeface="ＭＳ 明朝" panose="02020609040205080304" pitchFamily="17" charset="-128"/>
-                <a:cs typeface="Times New Roman" panose="02020603050405020304" pitchFamily="18" charset="0"/>
-              </a:rPr>
-              <a:t>、ものづくり、歌</a:t>
-            </a:r>
-            <a:r>
-              <a:rPr lang="en-US" altLang="ja-JP" sz="700" kern="100" dirty="0" err="1">
-                <a:effectLst/>
-                <a:latin typeface="Century" panose="02040604050505020304" pitchFamily="18" charset="0"/>
-                <a:ea typeface="ＭＳ 明朝" panose="02020609040205080304" pitchFamily="17" charset="-128"/>
-                <a:cs typeface="Times New Roman" panose="02020603050405020304" pitchFamily="18" charset="0"/>
-              </a:rPr>
-              <a:t>etc</a:t>
-            </a:r>
-            <a:r>
-              <a:rPr lang="ja-JP" altLang="ja-JP" sz="700" kern="100" dirty="0">
-                <a:effectLst/>
-                <a:latin typeface="Century" panose="02040604050505020304" pitchFamily="18" charset="0"/>
-                <a:ea typeface="ＭＳ 明朝" panose="02020609040205080304" pitchFamily="17" charset="-128"/>
-                <a:cs typeface="Times New Roman" panose="02020603050405020304" pitchFamily="18" charset="0"/>
-              </a:rPr>
-              <a:t>）</a:t>
-            </a:r>
-          </a:p>
-          <a:p>
-            <a:pPr indent="133350" algn="just"/>
-            <a:r>
-              <a:rPr lang="ja-JP" altLang="ja-JP" sz="700" kern="100" dirty="0">
-                <a:effectLst/>
-                <a:latin typeface="Century" panose="02040604050505020304" pitchFamily="18" charset="0"/>
-                <a:ea typeface="ＭＳ 明朝" panose="02020609040205080304" pitchFamily="17" charset="-128"/>
-                <a:cs typeface="Times New Roman" panose="02020603050405020304" pitchFamily="18" charset="0"/>
-              </a:rPr>
-              <a:t>前世</a:t>
-            </a:r>
-          </a:p>
-          <a:p>
-            <a:pPr indent="133350" algn="just"/>
-            <a:r>
-              <a:rPr lang="ja-JP" altLang="ja-JP" sz="700" kern="100" dirty="0">
-                <a:effectLst/>
-                <a:latin typeface="Century" panose="02040604050505020304" pitchFamily="18" charset="0"/>
-                <a:ea typeface="ＭＳ 明朝" panose="02020609040205080304" pitchFamily="17" charset="-128"/>
-                <a:cs typeface="Times New Roman" panose="02020603050405020304" pitchFamily="18" charset="0"/>
-              </a:rPr>
-              <a:t>卒業済みかどうか</a:t>
-            </a:r>
-          </a:p>
-          <a:p>
-            <a:pPr indent="133350" algn="just"/>
-            <a:r>
-              <a:rPr lang="ja-JP" altLang="ja-JP" sz="700" kern="100" dirty="0">
-                <a:effectLst/>
-                <a:latin typeface="Century" panose="02040604050505020304" pitchFamily="18" charset="0"/>
-                <a:ea typeface="ＭＳ 明朝" panose="02020609040205080304" pitchFamily="17" charset="-128"/>
-                <a:cs typeface="Times New Roman" panose="02020603050405020304" pitchFamily="18" charset="0"/>
-              </a:rPr>
-              <a:t>各活動プラットフォームの登録者数</a:t>
-            </a:r>
-          </a:p>
-          <a:p>
-            <a:pPr indent="133350" algn="just"/>
-            <a:r>
-              <a:rPr lang="ja-JP" altLang="ja-JP" sz="700" kern="100" dirty="0">
-                <a:effectLst/>
-                <a:latin typeface="Century" panose="02040604050505020304" pitchFamily="18" charset="0"/>
-                <a:ea typeface="ＭＳ 明朝" panose="02020609040205080304" pitchFamily="17" charset="-128"/>
-                <a:cs typeface="Times New Roman" panose="02020603050405020304" pitchFamily="18" charset="0"/>
-              </a:rPr>
-              <a:t>主なコンテンツ（動画、</a:t>
-            </a:r>
-            <a:r>
-              <a:rPr lang="en-US" altLang="ja-JP" sz="700" kern="100" dirty="0">
-                <a:effectLst/>
-                <a:latin typeface="Century" panose="02040604050505020304" pitchFamily="18" charset="0"/>
-                <a:ea typeface="ＭＳ 明朝" panose="02020609040205080304" pitchFamily="17" charset="-128"/>
-                <a:cs typeface="Times New Roman" panose="02020603050405020304" pitchFamily="18" charset="0"/>
-              </a:rPr>
-              <a:t>short</a:t>
-            </a:r>
-            <a:r>
-              <a:rPr lang="ja-JP" altLang="ja-JP" sz="700" kern="100" dirty="0">
-                <a:effectLst/>
-                <a:latin typeface="Century" panose="02040604050505020304" pitchFamily="18" charset="0"/>
-                <a:ea typeface="ＭＳ 明朝" panose="02020609040205080304" pitchFamily="17" charset="-128"/>
-                <a:cs typeface="Times New Roman" panose="02020603050405020304" pitchFamily="18" charset="0"/>
-              </a:rPr>
-              <a:t>動画、配信、そのほか）</a:t>
-            </a:r>
-          </a:p>
-          <a:p>
-            <a:pPr indent="133350" algn="just"/>
-            <a:r>
-              <a:rPr lang="ja-JP" altLang="ja-JP" sz="700" kern="100" dirty="0">
-                <a:effectLst/>
-                <a:latin typeface="Century" panose="02040604050505020304" pitchFamily="18" charset="0"/>
-                <a:ea typeface="ＭＳ 明朝" panose="02020609040205080304" pitchFamily="17" charset="-128"/>
-                <a:cs typeface="Times New Roman" panose="02020603050405020304" pitchFamily="18" charset="0"/>
-              </a:rPr>
-              <a:t>タグ（サイト内での紐づけ）</a:t>
-            </a:r>
-          </a:p>
-          <a:p>
-            <a:pPr indent="133350" algn="just"/>
-            <a:r>
-              <a:rPr lang="en-US" altLang="ja-JP" sz="700" kern="100" dirty="0">
-                <a:effectLst/>
-                <a:latin typeface="Century" panose="02040604050505020304" pitchFamily="18" charset="0"/>
-                <a:ea typeface="ＭＳ 明朝" panose="02020609040205080304" pitchFamily="17" charset="-128"/>
-                <a:cs typeface="Times New Roman" panose="02020603050405020304" pitchFamily="18" charset="0"/>
-              </a:rPr>
-              <a:t>Twitter</a:t>
-            </a:r>
-            <a:r>
-              <a:rPr lang="ja-JP" altLang="ja-JP" sz="700" kern="100" dirty="0">
-                <a:effectLst/>
-                <a:latin typeface="Century" panose="02040604050505020304" pitchFamily="18" charset="0"/>
-                <a:ea typeface="ＭＳ 明朝" panose="02020609040205080304" pitchFamily="17" charset="-128"/>
-                <a:cs typeface="Times New Roman" panose="02020603050405020304" pitchFamily="18" charset="0"/>
-              </a:rPr>
-              <a:t>などでの配信時、ファンアート投稿などのハッシュタグ</a:t>
-            </a:r>
-          </a:p>
-          <a:p>
-            <a:pPr indent="133350" algn="just"/>
-            <a:r>
-              <a:rPr lang="ja-JP" altLang="ja-JP" sz="700" kern="100" dirty="0">
-                <a:effectLst/>
-                <a:latin typeface="Century" panose="02040604050505020304" pitchFamily="18" charset="0"/>
-                <a:ea typeface="ＭＳ 明朝" panose="02020609040205080304" pitchFamily="17" charset="-128"/>
-                <a:cs typeface="Times New Roman" panose="02020603050405020304" pitchFamily="18" charset="0"/>
-              </a:rPr>
-              <a:t>フリーコメント</a:t>
-            </a:r>
-            <a:endParaRPr lang="en-US" altLang="ja-JP" sz="700" kern="100" dirty="0">
-              <a:effectLst/>
+            <a:endParaRPr lang="en-US" altLang="ja-JP" sz="600" kern="100" dirty="0">
               <a:latin typeface="Century" panose="02040604050505020304" pitchFamily="18" charset="0"/>
               <a:ea typeface="ＭＳ 明朝" panose="02020609040205080304" pitchFamily="17" charset="-128"/>
               <a:cs typeface="Times New Roman" panose="02020603050405020304" pitchFamily="18" charset="0"/>
@@ -7175,31 +6885,193 @@
           </a:p>
           <a:p>
             <a:pPr indent="133350" algn="just"/>
-            <a:r>
-              <a:rPr lang="ja-JP" altLang="en-US" sz="700" kern="100" dirty="0">
-                <a:latin typeface="Century" panose="02040604050505020304" pitchFamily="18" charset="0"/>
-                <a:ea typeface="ＭＳ 明朝" panose="02020609040205080304" pitchFamily="17" charset="-128"/>
-                <a:cs typeface="Times New Roman" panose="02020603050405020304" pitchFamily="18" charset="0"/>
-              </a:rPr>
-              <a:t>掲示板（</a:t>
-            </a:r>
-            <a:r>
-              <a:rPr lang="en-US" altLang="ja-JP" sz="700" kern="100" dirty="0">
-                <a:latin typeface="Century" panose="02040604050505020304" pitchFamily="18" charset="0"/>
-                <a:ea typeface="ＭＳ 明朝" panose="02020609040205080304" pitchFamily="17" charset="-128"/>
-                <a:cs typeface="Times New Roman" panose="02020603050405020304" pitchFamily="18" charset="0"/>
-              </a:rPr>
-              <a:t>+</a:t>
-            </a:r>
-            <a:r>
-              <a:rPr lang="ja-JP" altLang="en-US" sz="700" kern="100" dirty="0">
-                <a:latin typeface="Century" panose="02040604050505020304" pitchFamily="18" charset="0"/>
-                <a:ea typeface="ＭＳ 明朝" panose="02020609040205080304" pitchFamily="17" charset="-128"/>
-                <a:cs typeface="Times New Roman" panose="02020603050405020304" pitchFamily="18" charset="0"/>
-              </a:rPr>
-              <a:t>修正履歴）</a:t>
-            </a:r>
-            <a:endParaRPr lang="en-US" altLang="ja-JP" sz="700" kern="100" dirty="0">
+            <a:endParaRPr lang="en-US" altLang="ja-JP" sz="600" kern="100" dirty="0">
+              <a:latin typeface="Century" panose="02040604050505020304" pitchFamily="18" charset="0"/>
+              <a:ea typeface="ＭＳ 明朝" panose="02020609040205080304" pitchFamily="17" charset="-128"/>
+              <a:cs typeface="Times New Roman" panose="02020603050405020304" pitchFamily="18" charset="0"/>
+            </a:endParaRPr>
+          </a:p>
+          <a:p>
+            <a:pPr indent="133350" algn="just"/>
+            <a:endParaRPr lang="en-US" altLang="ja-JP" sz="600" kern="100" dirty="0">
+              <a:latin typeface="Century" panose="02040604050505020304" pitchFamily="18" charset="0"/>
+              <a:ea typeface="ＭＳ 明朝" panose="02020609040205080304" pitchFamily="17" charset="-128"/>
+              <a:cs typeface="Times New Roman" panose="02020603050405020304" pitchFamily="18" charset="0"/>
+            </a:endParaRPr>
+          </a:p>
+          <a:p>
+            <a:pPr indent="133350" algn="just"/>
+            <a:r>
+              <a:rPr lang="ja-JP" altLang="en-US" sz="600" kern="100" dirty="0">
+                <a:latin typeface="Century" panose="02040604050505020304" pitchFamily="18" charset="0"/>
+                <a:ea typeface="ＭＳ 明朝" panose="02020609040205080304" pitchFamily="17" charset="-128"/>
+                <a:cs typeface="Times New Roman" panose="02020603050405020304" pitchFamily="18" charset="0"/>
+              </a:rPr>
+              <a:t>新人</a:t>
+            </a:r>
+            <a:r>
+              <a:rPr lang="en-US" altLang="ja-JP" sz="600" kern="100" dirty="0" err="1">
+                <a:latin typeface="Century" panose="02040604050505020304" pitchFamily="18" charset="0"/>
+                <a:ea typeface="ＭＳ 明朝" panose="02020609040205080304" pitchFamily="17" charset="-128"/>
+                <a:cs typeface="Times New Roman" panose="02020603050405020304" pitchFamily="18" charset="0"/>
+              </a:rPr>
+              <a:t>Vtuber</a:t>
+            </a:r>
+            <a:endParaRPr lang="en-US" altLang="ja-JP" sz="600" kern="100" dirty="0">
+              <a:latin typeface="Century" panose="02040604050505020304" pitchFamily="18" charset="0"/>
+              <a:ea typeface="ＭＳ 明朝" panose="02020609040205080304" pitchFamily="17" charset="-128"/>
+              <a:cs typeface="Times New Roman" panose="02020603050405020304" pitchFamily="18" charset="0"/>
+            </a:endParaRPr>
+          </a:p>
+          <a:p>
+            <a:pPr indent="133350" algn="just"/>
+            <a:r>
+              <a:rPr lang="en-US" altLang="ja-JP" sz="600" kern="100" dirty="0">
+                <a:latin typeface="Century" panose="02040604050505020304" pitchFamily="18" charset="0"/>
+                <a:ea typeface="ＭＳ 明朝" panose="02020609040205080304" pitchFamily="17" charset="-128"/>
+                <a:cs typeface="Times New Roman" panose="02020603050405020304" pitchFamily="18" charset="0"/>
+              </a:rPr>
+              <a:t>2024/2/24</a:t>
+            </a:r>
+            <a:r>
+              <a:rPr lang="ja-JP" altLang="en-US" sz="600" kern="100" dirty="0">
+                <a:latin typeface="Century" panose="02040604050505020304" pitchFamily="18" charset="0"/>
+                <a:ea typeface="ＭＳ 明朝" panose="02020609040205080304" pitchFamily="17" charset="-128"/>
+                <a:cs typeface="Times New Roman" panose="02020603050405020304" pitchFamily="18" charset="0"/>
+              </a:rPr>
+              <a:t>更新！　</a:t>
+            </a:r>
+            <a:r>
+              <a:rPr lang="en-US" altLang="ja-JP" sz="600" kern="100" dirty="0">
+                <a:latin typeface="Century" panose="02040604050505020304" pitchFamily="18" charset="0"/>
+                <a:ea typeface="ＭＳ 明朝" panose="02020609040205080304" pitchFamily="17" charset="-128"/>
+                <a:cs typeface="Times New Roman" panose="02020603050405020304" pitchFamily="18" charset="0"/>
+              </a:rPr>
+              <a:t>XXXXXXX</a:t>
+            </a:r>
+          </a:p>
+          <a:p>
+            <a:pPr indent="133350" algn="just"/>
+            <a:r>
+              <a:rPr lang="en-US" altLang="ja-JP" sz="600" kern="100" dirty="0">
+                <a:latin typeface="Century" panose="02040604050505020304" pitchFamily="18" charset="0"/>
+                <a:ea typeface="ＭＳ 明朝" panose="02020609040205080304" pitchFamily="17" charset="-128"/>
+                <a:cs typeface="Times New Roman" panose="02020603050405020304" pitchFamily="18" charset="0"/>
+              </a:rPr>
+              <a:t>2024/2/24</a:t>
+            </a:r>
+            <a:r>
+              <a:rPr lang="ja-JP" altLang="en-US" sz="600" kern="100" dirty="0">
+                <a:latin typeface="Century" panose="02040604050505020304" pitchFamily="18" charset="0"/>
+                <a:ea typeface="ＭＳ 明朝" panose="02020609040205080304" pitchFamily="17" charset="-128"/>
+                <a:cs typeface="Times New Roman" panose="02020603050405020304" pitchFamily="18" charset="0"/>
+              </a:rPr>
+              <a:t>更新！　</a:t>
+            </a:r>
+            <a:r>
+              <a:rPr lang="en-US" altLang="ja-JP" sz="600" kern="100" dirty="0">
+                <a:latin typeface="Century" panose="02040604050505020304" pitchFamily="18" charset="0"/>
+                <a:ea typeface="ＭＳ 明朝" panose="02020609040205080304" pitchFamily="17" charset="-128"/>
+                <a:cs typeface="Times New Roman" panose="02020603050405020304" pitchFamily="18" charset="0"/>
+              </a:rPr>
+              <a:t>XXXXXXX</a:t>
+            </a:r>
+          </a:p>
+          <a:p>
+            <a:pPr indent="133350" algn="just"/>
+            <a:endParaRPr lang="en-US" altLang="ja-JP" sz="600" kern="100" dirty="0">
+              <a:latin typeface="Century" panose="02040604050505020304" pitchFamily="18" charset="0"/>
+              <a:ea typeface="ＭＳ 明朝" panose="02020609040205080304" pitchFamily="17" charset="-128"/>
+              <a:cs typeface="Times New Roman" panose="02020603050405020304" pitchFamily="18" charset="0"/>
+            </a:endParaRPr>
+          </a:p>
+          <a:p>
+            <a:pPr indent="133350" algn="just"/>
+            <a:r>
+              <a:rPr lang="ja-JP" altLang="en-US" sz="600" kern="100" dirty="0">
+                <a:latin typeface="Century" panose="02040604050505020304" pitchFamily="18" charset="0"/>
+                <a:ea typeface="ＭＳ 明朝" panose="02020609040205080304" pitchFamily="17" charset="-128"/>
+                <a:cs typeface="Times New Roman" panose="02020603050405020304" pitchFamily="18" charset="0"/>
+              </a:rPr>
+              <a:t>よく見られている</a:t>
+            </a:r>
+            <a:r>
+              <a:rPr lang="en-US" altLang="ja-JP" sz="600" kern="100" dirty="0" err="1">
+                <a:latin typeface="Century" panose="02040604050505020304" pitchFamily="18" charset="0"/>
+                <a:ea typeface="ＭＳ 明朝" panose="02020609040205080304" pitchFamily="17" charset="-128"/>
+                <a:cs typeface="Times New Roman" panose="02020603050405020304" pitchFamily="18" charset="0"/>
+              </a:rPr>
+              <a:t>Vtuber</a:t>
+            </a:r>
+            <a:endParaRPr lang="en-US" altLang="ja-JP" sz="600" kern="100" dirty="0">
+              <a:latin typeface="Century" panose="02040604050505020304" pitchFamily="18" charset="0"/>
+              <a:ea typeface="ＭＳ 明朝" panose="02020609040205080304" pitchFamily="17" charset="-128"/>
+              <a:cs typeface="Times New Roman" panose="02020603050405020304" pitchFamily="18" charset="0"/>
+            </a:endParaRPr>
+          </a:p>
+          <a:p>
+            <a:pPr indent="133350" algn="just"/>
+            <a:r>
+              <a:rPr lang="en-US" altLang="ja-JP" sz="600" kern="100" dirty="0">
+                <a:latin typeface="Century" panose="02040604050505020304" pitchFamily="18" charset="0"/>
+                <a:ea typeface="ＭＳ 明朝" panose="02020609040205080304" pitchFamily="17" charset="-128"/>
+                <a:cs typeface="Times New Roman" panose="02020603050405020304" pitchFamily="18" charset="0"/>
+              </a:rPr>
+              <a:t>XXXXXXX</a:t>
+            </a:r>
+          </a:p>
+          <a:p>
+            <a:pPr indent="133350" algn="just"/>
+            <a:r>
+              <a:rPr lang="en-US" altLang="ja-JP" sz="600" kern="100" dirty="0">
+                <a:latin typeface="Century" panose="02040604050505020304" pitchFamily="18" charset="0"/>
+                <a:ea typeface="ＭＳ 明朝" panose="02020609040205080304" pitchFamily="17" charset="-128"/>
+                <a:cs typeface="Times New Roman" panose="02020603050405020304" pitchFamily="18" charset="0"/>
+              </a:rPr>
+              <a:t>XXXXXXX</a:t>
+            </a:r>
+          </a:p>
+          <a:p>
+            <a:pPr indent="133350" algn="just"/>
+            <a:endParaRPr lang="en-US" altLang="ja-JP" sz="600" kern="100" dirty="0">
+              <a:latin typeface="Century" panose="02040604050505020304" pitchFamily="18" charset="0"/>
+              <a:ea typeface="ＭＳ 明朝" panose="02020609040205080304" pitchFamily="17" charset="-128"/>
+              <a:cs typeface="Times New Roman" panose="02020603050405020304" pitchFamily="18" charset="0"/>
+            </a:endParaRPr>
+          </a:p>
+          <a:p>
+            <a:pPr indent="133350" algn="just"/>
+            <a:r>
+              <a:rPr lang="ja-JP" altLang="en-US" sz="600" kern="100" dirty="0">
+                <a:latin typeface="Century" panose="02040604050505020304" pitchFamily="18" charset="0"/>
+                <a:ea typeface="ＭＳ 明朝" panose="02020609040205080304" pitchFamily="17" charset="-128"/>
+                <a:cs typeface="Times New Roman" panose="02020603050405020304" pitchFamily="18" charset="0"/>
+              </a:rPr>
+              <a:t>人気のタグ</a:t>
+            </a:r>
+          </a:p>
+          <a:p>
+            <a:pPr indent="133350" algn="just"/>
+            <a:r>
+              <a:rPr lang="en-US" altLang="ja-JP" sz="600" kern="100" dirty="0">
+                <a:latin typeface="Century" panose="02040604050505020304" pitchFamily="18" charset="0"/>
+                <a:ea typeface="ＭＳ 明朝" panose="02020609040205080304" pitchFamily="17" charset="-128"/>
+                <a:cs typeface="Times New Roman" panose="02020603050405020304" pitchFamily="18" charset="0"/>
+              </a:rPr>
+              <a:t>XXXXXXX</a:t>
+            </a:r>
+          </a:p>
+          <a:p>
+            <a:pPr indent="133350" algn="just"/>
+            <a:endParaRPr lang="en-US" altLang="ja-JP" sz="600" kern="100" dirty="0">
+              <a:latin typeface="Century" panose="02040604050505020304" pitchFamily="18" charset="0"/>
+              <a:ea typeface="ＭＳ 明朝" panose="02020609040205080304" pitchFamily="17" charset="-128"/>
+              <a:cs typeface="Times New Roman" panose="02020603050405020304" pitchFamily="18" charset="0"/>
+            </a:endParaRPr>
+          </a:p>
+          <a:p>
+            <a:pPr indent="133350" algn="just"/>
+            <a:endParaRPr lang="en-US" altLang="ja-JP" sz="600" kern="100" dirty="0">
               <a:latin typeface="Century" panose="02040604050505020304" pitchFamily="18" charset="0"/>
               <a:ea typeface="ＭＳ 明朝" panose="02020609040205080304" pitchFamily="17" charset="-128"/>
               <a:cs typeface="Times New Roman" panose="02020603050405020304" pitchFamily="18" charset="0"/>
@@ -7408,8 +7280,437 @@
                 <a:ea typeface="ＭＳ 明朝" panose="02020609040205080304" pitchFamily="17" charset="-128"/>
                 <a:cs typeface="Times New Roman" panose="02020603050405020304" pitchFamily="18" charset="0"/>
               </a:rPr>
-              <a:t>aaa</a:t>
-            </a:r>
+              <a:t>Vtuber</a:t>
+            </a:r>
+            <a:r>
+              <a:rPr lang="ja-JP" altLang="en-US" sz="500" kern="100" dirty="0">
+                <a:latin typeface="Century" panose="02040604050505020304" pitchFamily="18" charset="0"/>
+                <a:ea typeface="ＭＳ 明朝" panose="02020609040205080304" pitchFamily="17" charset="-128"/>
+                <a:cs typeface="Times New Roman" panose="02020603050405020304" pitchFamily="18" charset="0"/>
+              </a:rPr>
+              <a:t>検索</a:t>
+            </a:r>
+            <a:endParaRPr lang="en-US" altLang="ja-JP" sz="500" kern="100" dirty="0">
+              <a:latin typeface="Century" panose="02040604050505020304" pitchFamily="18" charset="0"/>
+              <a:ea typeface="ＭＳ 明朝" panose="02020609040205080304" pitchFamily="17" charset="-128"/>
+              <a:cs typeface="Times New Roman" panose="02020603050405020304" pitchFamily="18" charset="0"/>
+            </a:endParaRPr>
+          </a:p>
+          <a:p>
+            <a:pPr indent="0" algn="just">
+              <a:buNone/>
+            </a:pPr>
+            <a:r>
+              <a:rPr lang="ja-JP" altLang="en-US" sz="500" kern="100" dirty="0">
+                <a:latin typeface="Century" panose="02040604050505020304" pitchFamily="18" charset="0"/>
+                <a:ea typeface="ＭＳ 明朝" panose="02020609040205080304" pitchFamily="17" charset="-128"/>
+                <a:cs typeface="Times New Roman" panose="02020603050405020304" pitchFamily="18" charset="0"/>
+              </a:rPr>
+              <a:t>　　　　　　　　検索</a:t>
+            </a:r>
+            <a:endParaRPr lang="en-US" altLang="ja-JP" sz="500" kern="100" dirty="0">
+              <a:latin typeface="Century" panose="02040604050505020304" pitchFamily="18" charset="0"/>
+              <a:ea typeface="ＭＳ 明朝" panose="02020609040205080304" pitchFamily="17" charset="-128"/>
+              <a:cs typeface="Times New Roman" panose="02020603050405020304" pitchFamily="18" charset="0"/>
+            </a:endParaRPr>
+          </a:p>
+          <a:p>
+            <a:pPr indent="0" algn="just">
+              <a:buNone/>
+            </a:pPr>
+            <a:endParaRPr lang="en-US" altLang="ja-JP" sz="500" kern="100" dirty="0">
+              <a:latin typeface="Century" panose="02040604050505020304" pitchFamily="18" charset="0"/>
+              <a:ea typeface="ＭＳ 明朝" panose="02020609040205080304" pitchFamily="17" charset="-128"/>
+              <a:cs typeface="Times New Roman" panose="02020603050405020304" pitchFamily="18" charset="0"/>
+            </a:endParaRPr>
+          </a:p>
+          <a:p>
+            <a:pPr indent="0" algn="just">
+              <a:buNone/>
+            </a:pPr>
+            <a:r>
+              <a:rPr lang="en-US" altLang="ja-JP" sz="500" kern="100" dirty="0" err="1">
+                <a:latin typeface="Century" panose="02040604050505020304" pitchFamily="18" charset="0"/>
+                <a:ea typeface="ＭＳ 明朝" panose="02020609040205080304" pitchFamily="17" charset="-128"/>
+                <a:cs typeface="Times New Roman" panose="02020603050405020304" pitchFamily="18" charset="0"/>
+              </a:rPr>
+              <a:t>Vtuber</a:t>
+            </a:r>
+            <a:r>
+              <a:rPr lang="ja-JP" altLang="en-US" sz="500" kern="100" dirty="0">
+                <a:latin typeface="Century" panose="02040604050505020304" pitchFamily="18" charset="0"/>
+                <a:ea typeface="ＭＳ 明朝" panose="02020609040205080304" pitchFamily="17" charset="-128"/>
+                <a:cs typeface="Times New Roman" panose="02020603050405020304" pitchFamily="18" charset="0"/>
+              </a:rPr>
+              <a:t>名鑑とは</a:t>
+            </a:r>
+            <a:endParaRPr lang="en-US" altLang="ja-JP" sz="500" kern="100" dirty="0">
+              <a:latin typeface="Century" panose="02040604050505020304" pitchFamily="18" charset="0"/>
+              <a:ea typeface="ＭＳ 明朝" panose="02020609040205080304" pitchFamily="17" charset="-128"/>
+              <a:cs typeface="Times New Roman" panose="02020603050405020304" pitchFamily="18" charset="0"/>
+            </a:endParaRPr>
+          </a:p>
+          <a:p>
+            <a:pPr indent="0" algn="just">
+              <a:buNone/>
+            </a:pPr>
+            <a:r>
+              <a:rPr lang="ja-JP" altLang="en-US" sz="500" kern="100" dirty="0">
+                <a:latin typeface="Century" panose="02040604050505020304" pitchFamily="18" charset="0"/>
+                <a:ea typeface="ＭＳ 明朝" panose="02020609040205080304" pitchFamily="17" charset="-128"/>
+                <a:cs typeface="Times New Roman" panose="02020603050405020304" pitchFamily="18" charset="0"/>
+              </a:rPr>
+              <a:t>ああああああ</a:t>
+            </a:r>
+            <a:endParaRPr lang="en-US" altLang="ja-JP" sz="500" kern="100" dirty="0">
+              <a:latin typeface="Century" panose="02040604050505020304" pitchFamily="18" charset="0"/>
+              <a:ea typeface="ＭＳ 明朝" panose="02020609040205080304" pitchFamily="17" charset="-128"/>
+              <a:cs typeface="Times New Roman" panose="02020603050405020304" pitchFamily="18" charset="0"/>
+            </a:endParaRPr>
+          </a:p>
+          <a:p>
+            <a:pPr indent="0" algn="just">
+              <a:buNone/>
+            </a:pPr>
+            <a:r>
+              <a:rPr lang="ja-JP" altLang="en-US" sz="500" kern="100" dirty="0">
+                <a:latin typeface="Century" panose="02040604050505020304" pitchFamily="18" charset="0"/>
+                <a:ea typeface="ＭＳ 明朝" panose="02020609040205080304" pitchFamily="17" charset="-128"/>
+                <a:cs typeface="Times New Roman" panose="02020603050405020304" pitchFamily="18" charset="0"/>
+              </a:rPr>
+              <a:t>あああああ</a:t>
+            </a:r>
+            <a:endParaRPr lang="en-US" altLang="ja-JP" sz="500" kern="100" dirty="0">
+              <a:latin typeface="Century" panose="02040604050505020304" pitchFamily="18" charset="0"/>
+              <a:ea typeface="ＭＳ 明朝" panose="02020609040205080304" pitchFamily="17" charset="-128"/>
+              <a:cs typeface="Times New Roman" panose="02020603050405020304" pitchFamily="18" charset="0"/>
+            </a:endParaRPr>
+          </a:p>
+          <a:p>
+            <a:pPr indent="0" algn="just">
+              <a:buNone/>
+            </a:pPr>
+            <a:r>
+              <a:rPr lang="ja-JP" altLang="en-US" sz="500" kern="100" dirty="0">
+                <a:latin typeface="Century" panose="02040604050505020304" pitchFamily="18" charset="0"/>
+                <a:ea typeface="ＭＳ 明朝" panose="02020609040205080304" pitchFamily="17" charset="-128"/>
+                <a:cs typeface="Times New Roman" panose="02020603050405020304" pitchFamily="18" charset="0"/>
+              </a:rPr>
+              <a:t>あああああああああああ</a:t>
+            </a:r>
+            <a:endParaRPr lang="en-US" altLang="ja-JP" sz="500" kern="100" dirty="0">
+              <a:latin typeface="Century" panose="02040604050505020304" pitchFamily="18" charset="0"/>
+              <a:ea typeface="ＭＳ 明朝" panose="02020609040205080304" pitchFamily="17" charset="-128"/>
+              <a:cs typeface="Times New Roman" panose="02020603050405020304" pitchFamily="18" charset="0"/>
+            </a:endParaRPr>
+          </a:p>
+          <a:p>
+            <a:pPr indent="0" algn="just">
+              <a:buNone/>
+            </a:pPr>
+            <a:endParaRPr lang="en-US" altLang="ja-JP" sz="500" kern="100" dirty="0">
+              <a:latin typeface="Century" panose="02040604050505020304" pitchFamily="18" charset="0"/>
+              <a:ea typeface="ＭＳ 明朝" panose="02020609040205080304" pitchFamily="17" charset="-128"/>
+              <a:cs typeface="Times New Roman" panose="02020603050405020304" pitchFamily="18" charset="0"/>
+            </a:endParaRPr>
+          </a:p>
+          <a:p>
+            <a:pPr indent="0" algn="just">
+              <a:buNone/>
+            </a:pPr>
+            <a:endParaRPr lang="en-US" altLang="ja-JP" sz="500" kern="100" dirty="0">
+              <a:latin typeface="Century" panose="02040604050505020304" pitchFamily="18" charset="0"/>
+              <a:ea typeface="ＭＳ 明朝" panose="02020609040205080304" pitchFamily="17" charset="-128"/>
+              <a:cs typeface="Times New Roman" panose="02020603050405020304" pitchFamily="18" charset="0"/>
+            </a:endParaRPr>
+          </a:p>
+          <a:p>
+            <a:pPr indent="0" algn="just">
+              <a:buNone/>
+            </a:pPr>
+            <a:endParaRPr lang="en-US" altLang="ja-JP" sz="500" kern="100" dirty="0">
+              <a:latin typeface="Century" panose="02040604050505020304" pitchFamily="18" charset="0"/>
+              <a:ea typeface="ＭＳ 明朝" panose="02020609040205080304" pitchFamily="17" charset="-128"/>
+              <a:cs typeface="Times New Roman" panose="02020603050405020304" pitchFamily="18" charset="0"/>
+            </a:endParaRPr>
+          </a:p>
+          <a:p>
+            <a:pPr indent="0" algn="just">
+              <a:buNone/>
+            </a:pPr>
+            <a:r>
+              <a:rPr lang="ja-JP" altLang="en-US" sz="500" kern="100" dirty="0">
+                <a:latin typeface="Century" panose="02040604050505020304" pitchFamily="18" charset="0"/>
+                <a:ea typeface="ＭＳ 明朝" panose="02020609040205080304" pitchFamily="17" charset="-128"/>
+                <a:cs typeface="Times New Roman" panose="02020603050405020304" pitchFamily="18" charset="0"/>
+              </a:rPr>
+              <a:t>最近の更新</a:t>
+            </a:r>
+            <a:endParaRPr lang="en-US" altLang="ja-JP" sz="500" kern="100" dirty="0">
+              <a:latin typeface="Century" panose="02040604050505020304" pitchFamily="18" charset="0"/>
+              <a:ea typeface="ＭＳ 明朝" panose="02020609040205080304" pitchFamily="17" charset="-128"/>
+              <a:cs typeface="Times New Roman" panose="02020603050405020304" pitchFamily="18" charset="0"/>
+            </a:endParaRPr>
+          </a:p>
+          <a:p>
+            <a:pPr indent="0" algn="just">
+              <a:buNone/>
+            </a:pPr>
+            <a:r>
+              <a:rPr lang="en-US" altLang="ja-JP" sz="500" kern="100" dirty="0">
+                <a:latin typeface="Century" panose="02040604050505020304" pitchFamily="18" charset="0"/>
+                <a:ea typeface="ＭＳ 明朝" panose="02020609040205080304" pitchFamily="17" charset="-128"/>
+                <a:cs typeface="Times New Roman" panose="02020603050405020304" pitchFamily="18" charset="0"/>
+              </a:rPr>
+              <a:t>2024/2/24</a:t>
+            </a:r>
+            <a:r>
+              <a:rPr lang="ja-JP" altLang="en-US" sz="500" kern="100" dirty="0">
+                <a:latin typeface="Century" panose="02040604050505020304" pitchFamily="18" charset="0"/>
+                <a:ea typeface="ＭＳ 明朝" panose="02020609040205080304" pitchFamily="17" charset="-128"/>
+                <a:cs typeface="Times New Roman" panose="02020603050405020304" pitchFamily="18" charset="0"/>
+              </a:rPr>
+              <a:t>更新！　</a:t>
+            </a:r>
+            <a:r>
+              <a:rPr lang="en-US" altLang="ja-JP" sz="500" kern="100" dirty="0">
+                <a:latin typeface="Century" panose="02040604050505020304" pitchFamily="18" charset="0"/>
+                <a:ea typeface="ＭＳ 明朝" panose="02020609040205080304" pitchFamily="17" charset="-128"/>
+                <a:cs typeface="Times New Roman" panose="02020603050405020304" pitchFamily="18" charset="0"/>
+              </a:rPr>
+              <a:t>XXXXXXX</a:t>
+            </a:r>
+          </a:p>
+          <a:p>
+            <a:pPr indent="0" algn="just">
+              <a:buNone/>
+            </a:pPr>
+            <a:r>
+              <a:rPr lang="en-US" altLang="ja-JP" sz="500" kern="100" dirty="0">
+                <a:latin typeface="Century" panose="02040604050505020304" pitchFamily="18" charset="0"/>
+                <a:ea typeface="ＭＳ 明朝" panose="02020609040205080304" pitchFamily="17" charset="-128"/>
+                <a:cs typeface="Times New Roman" panose="02020603050405020304" pitchFamily="18" charset="0"/>
+              </a:rPr>
+              <a:t>2024/2/24</a:t>
+            </a:r>
+            <a:r>
+              <a:rPr lang="ja-JP" altLang="en-US" sz="500" kern="100" dirty="0">
+                <a:latin typeface="Century" panose="02040604050505020304" pitchFamily="18" charset="0"/>
+                <a:ea typeface="ＭＳ 明朝" panose="02020609040205080304" pitchFamily="17" charset="-128"/>
+                <a:cs typeface="Times New Roman" panose="02020603050405020304" pitchFamily="18" charset="0"/>
+              </a:rPr>
+              <a:t>更新！　</a:t>
+            </a:r>
+            <a:r>
+              <a:rPr lang="en-US" altLang="ja-JP" sz="500" kern="100" dirty="0">
+                <a:latin typeface="Century" panose="02040604050505020304" pitchFamily="18" charset="0"/>
+                <a:ea typeface="ＭＳ 明朝" panose="02020609040205080304" pitchFamily="17" charset="-128"/>
+                <a:cs typeface="Times New Roman" panose="02020603050405020304" pitchFamily="18" charset="0"/>
+              </a:rPr>
+              <a:t>XXXXXXX</a:t>
+            </a:r>
+          </a:p>
+          <a:p>
+            <a:pPr indent="0" algn="just">
+              <a:buNone/>
+            </a:pPr>
+            <a:endParaRPr lang="en-US" altLang="ja-JP" sz="500" kern="100" dirty="0">
+              <a:latin typeface="Century" panose="02040604050505020304" pitchFamily="18" charset="0"/>
+              <a:ea typeface="ＭＳ 明朝" panose="02020609040205080304" pitchFamily="17" charset="-128"/>
+              <a:cs typeface="Times New Roman" panose="02020603050405020304" pitchFamily="18" charset="0"/>
+            </a:endParaRPr>
+          </a:p>
+          <a:p>
+            <a:pPr indent="0" algn="just">
+              <a:buNone/>
+            </a:pPr>
+            <a:r>
+              <a:rPr lang="ja-JP" altLang="en-US" sz="500" kern="100" dirty="0">
+                <a:latin typeface="Century" panose="02040604050505020304" pitchFamily="18" charset="0"/>
+                <a:ea typeface="ＭＳ 明朝" panose="02020609040205080304" pitchFamily="17" charset="-128"/>
+                <a:cs typeface="Times New Roman" panose="02020603050405020304" pitchFamily="18" charset="0"/>
+              </a:rPr>
+              <a:t>新人</a:t>
+            </a:r>
+            <a:r>
+              <a:rPr lang="en-US" altLang="ja-JP" sz="500" kern="100" dirty="0" err="1">
+                <a:latin typeface="Century" panose="02040604050505020304" pitchFamily="18" charset="0"/>
+                <a:ea typeface="ＭＳ 明朝" panose="02020609040205080304" pitchFamily="17" charset="-128"/>
+                <a:cs typeface="Times New Roman" panose="02020603050405020304" pitchFamily="18" charset="0"/>
+              </a:rPr>
+              <a:t>Vtuber</a:t>
+            </a:r>
+            <a:endParaRPr lang="en-US" altLang="ja-JP" sz="500" kern="100" dirty="0">
+              <a:latin typeface="Century" panose="02040604050505020304" pitchFamily="18" charset="0"/>
+              <a:ea typeface="ＭＳ 明朝" panose="02020609040205080304" pitchFamily="17" charset="-128"/>
+              <a:cs typeface="Times New Roman" panose="02020603050405020304" pitchFamily="18" charset="0"/>
+            </a:endParaRPr>
+          </a:p>
+          <a:p>
+            <a:pPr indent="0" algn="just">
+              <a:buNone/>
+            </a:pPr>
+            <a:r>
+              <a:rPr lang="en-US" altLang="ja-JP" sz="500" kern="100" dirty="0">
+                <a:latin typeface="Century" panose="02040604050505020304" pitchFamily="18" charset="0"/>
+                <a:ea typeface="ＭＳ 明朝" panose="02020609040205080304" pitchFamily="17" charset="-128"/>
+                <a:cs typeface="Times New Roman" panose="02020603050405020304" pitchFamily="18" charset="0"/>
+              </a:rPr>
+              <a:t>2024/2/24</a:t>
+            </a:r>
+            <a:r>
+              <a:rPr lang="ja-JP" altLang="en-US" sz="500" kern="100" dirty="0">
+                <a:latin typeface="Century" panose="02040604050505020304" pitchFamily="18" charset="0"/>
+                <a:ea typeface="ＭＳ 明朝" panose="02020609040205080304" pitchFamily="17" charset="-128"/>
+                <a:cs typeface="Times New Roman" panose="02020603050405020304" pitchFamily="18" charset="0"/>
+              </a:rPr>
+              <a:t>更新！　</a:t>
+            </a:r>
+            <a:r>
+              <a:rPr lang="en-US" altLang="ja-JP" sz="500" kern="100" dirty="0">
+                <a:latin typeface="Century" panose="02040604050505020304" pitchFamily="18" charset="0"/>
+                <a:ea typeface="ＭＳ 明朝" panose="02020609040205080304" pitchFamily="17" charset="-128"/>
+                <a:cs typeface="Times New Roman" panose="02020603050405020304" pitchFamily="18" charset="0"/>
+              </a:rPr>
+              <a:t>XXXXXXX</a:t>
+            </a:r>
+          </a:p>
+          <a:p>
+            <a:pPr indent="0" algn="just">
+              <a:buNone/>
+            </a:pPr>
+            <a:r>
+              <a:rPr lang="en-US" altLang="ja-JP" sz="500" kern="100" dirty="0">
+                <a:latin typeface="Century" panose="02040604050505020304" pitchFamily="18" charset="0"/>
+                <a:ea typeface="ＭＳ 明朝" panose="02020609040205080304" pitchFamily="17" charset="-128"/>
+                <a:cs typeface="Times New Roman" panose="02020603050405020304" pitchFamily="18" charset="0"/>
+              </a:rPr>
+              <a:t>2024/2/24</a:t>
+            </a:r>
+            <a:r>
+              <a:rPr lang="ja-JP" altLang="en-US" sz="500" kern="100" dirty="0">
+                <a:latin typeface="Century" panose="02040604050505020304" pitchFamily="18" charset="0"/>
+                <a:ea typeface="ＭＳ 明朝" panose="02020609040205080304" pitchFamily="17" charset="-128"/>
+                <a:cs typeface="Times New Roman" panose="02020603050405020304" pitchFamily="18" charset="0"/>
+              </a:rPr>
+              <a:t>更新！　</a:t>
+            </a:r>
+            <a:r>
+              <a:rPr lang="en-US" altLang="ja-JP" sz="500" kern="100" dirty="0">
+                <a:latin typeface="Century" panose="02040604050505020304" pitchFamily="18" charset="0"/>
+                <a:ea typeface="ＭＳ 明朝" panose="02020609040205080304" pitchFamily="17" charset="-128"/>
+                <a:cs typeface="Times New Roman" panose="02020603050405020304" pitchFamily="18" charset="0"/>
+              </a:rPr>
+              <a:t>XXXXXXX</a:t>
+            </a:r>
+          </a:p>
+          <a:p>
+            <a:pPr indent="0" algn="just">
+              <a:buNone/>
+            </a:pPr>
+            <a:endParaRPr lang="en-US" altLang="ja-JP" sz="500" kern="100" dirty="0">
+              <a:latin typeface="Century" panose="02040604050505020304" pitchFamily="18" charset="0"/>
+              <a:ea typeface="ＭＳ 明朝" panose="02020609040205080304" pitchFamily="17" charset="-128"/>
+              <a:cs typeface="Times New Roman" panose="02020603050405020304" pitchFamily="18" charset="0"/>
+            </a:endParaRPr>
+          </a:p>
+          <a:p>
+            <a:pPr indent="0" algn="just">
+              <a:buNone/>
+            </a:pPr>
+            <a:r>
+              <a:rPr lang="ja-JP" altLang="en-US" sz="500" kern="100" dirty="0">
+                <a:latin typeface="Century" panose="02040604050505020304" pitchFamily="18" charset="0"/>
+                <a:ea typeface="ＭＳ 明朝" panose="02020609040205080304" pitchFamily="17" charset="-128"/>
+                <a:cs typeface="Times New Roman" panose="02020603050405020304" pitchFamily="18" charset="0"/>
+              </a:rPr>
+              <a:t>よく見られている</a:t>
+            </a:r>
+            <a:r>
+              <a:rPr lang="en-US" altLang="ja-JP" sz="500" kern="100" dirty="0" err="1">
+                <a:latin typeface="Century" panose="02040604050505020304" pitchFamily="18" charset="0"/>
+                <a:ea typeface="ＭＳ 明朝" panose="02020609040205080304" pitchFamily="17" charset="-128"/>
+                <a:cs typeface="Times New Roman" panose="02020603050405020304" pitchFamily="18" charset="0"/>
+              </a:rPr>
+              <a:t>Vtuber</a:t>
+            </a:r>
+            <a:endParaRPr lang="en-US" altLang="ja-JP" sz="500" kern="100" dirty="0">
+              <a:latin typeface="Century" panose="02040604050505020304" pitchFamily="18" charset="0"/>
+              <a:ea typeface="ＭＳ 明朝" panose="02020609040205080304" pitchFamily="17" charset="-128"/>
+              <a:cs typeface="Times New Roman" panose="02020603050405020304" pitchFamily="18" charset="0"/>
+            </a:endParaRPr>
+          </a:p>
+          <a:p>
+            <a:pPr indent="0" algn="just">
+              <a:buNone/>
+            </a:pPr>
+            <a:r>
+              <a:rPr lang="en-US" altLang="ja-JP" sz="500" kern="100" dirty="0">
+                <a:latin typeface="Century" panose="02040604050505020304" pitchFamily="18" charset="0"/>
+                <a:ea typeface="ＭＳ 明朝" panose="02020609040205080304" pitchFamily="17" charset="-128"/>
+                <a:cs typeface="Times New Roman" panose="02020603050405020304" pitchFamily="18" charset="0"/>
+              </a:rPr>
+              <a:t>XXXXXXX</a:t>
+            </a:r>
+          </a:p>
+          <a:p>
+            <a:pPr indent="0" algn="just">
+              <a:buNone/>
+            </a:pPr>
+            <a:r>
+              <a:rPr lang="en-US" altLang="ja-JP" sz="500" kern="100" dirty="0">
+                <a:latin typeface="Century" panose="02040604050505020304" pitchFamily="18" charset="0"/>
+                <a:ea typeface="ＭＳ 明朝" panose="02020609040205080304" pitchFamily="17" charset="-128"/>
+                <a:cs typeface="Times New Roman" panose="02020603050405020304" pitchFamily="18" charset="0"/>
+              </a:rPr>
+              <a:t>XXXXXXX</a:t>
+            </a:r>
+          </a:p>
+          <a:p>
+            <a:pPr indent="0" algn="just">
+              <a:buNone/>
+            </a:pPr>
+            <a:endParaRPr lang="en-US" altLang="ja-JP" sz="500" kern="100" dirty="0">
+              <a:latin typeface="Century" panose="02040604050505020304" pitchFamily="18" charset="0"/>
+              <a:ea typeface="ＭＳ 明朝" panose="02020609040205080304" pitchFamily="17" charset="-128"/>
+              <a:cs typeface="Times New Roman" panose="02020603050405020304" pitchFamily="18" charset="0"/>
+            </a:endParaRPr>
+          </a:p>
+          <a:p>
+            <a:pPr indent="0" algn="just">
+              <a:buNone/>
+            </a:pPr>
+            <a:r>
+              <a:rPr lang="ja-JP" altLang="en-US" sz="500" kern="100" dirty="0">
+                <a:latin typeface="Century" panose="02040604050505020304" pitchFamily="18" charset="0"/>
+                <a:ea typeface="ＭＳ 明朝" panose="02020609040205080304" pitchFamily="17" charset="-128"/>
+                <a:cs typeface="Times New Roman" panose="02020603050405020304" pitchFamily="18" charset="0"/>
+              </a:rPr>
+              <a:t>人気のタグ</a:t>
+            </a:r>
+            <a:endParaRPr lang="en-US" altLang="ja-JP" sz="500" kern="100" dirty="0">
+              <a:latin typeface="Century" panose="02040604050505020304" pitchFamily="18" charset="0"/>
+              <a:ea typeface="ＭＳ 明朝" panose="02020609040205080304" pitchFamily="17" charset="-128"/>
+              <a:cs typeface="Times New Roman" panose="02020603050405020304" pitchFamily="18" charset="0"/>
+            </a:endParaRPr>
+          </a:p>
+          <a:p>
+            <a:pPr indent="0" algn="just">
+              <a:buNone/>
+            </a:pPr>
+            <a:r>
+              <a:rPr lang="en-US" altLang="ja-JP" sz="500" kern="100" dirty="0">
+                <a:latin typeface="Century" panose="02040604050505020304" pitchFamily="18" charset="0"/>
+                <a:ea typeface="ＭＳ 明朝" panose="02020609040205080304" pitchFamily="17" charset="-128"/>
+                <a:cs typeface="Times New Roman" panose="02020603050405020304" pitchFamily="18" charset="0"/>
+              </a:rPr>
+              <a:t>XXXXXXX</a:t>
+            </a:r>
+          </a:p>
+          <a:p>
+            <a:pPr indent="0" algn="just">
+              <a:buNone/>
+            </a:pPr>
             <a:endParaRPr lang="en-US" altLang="ja-JP" sz="500" kern="100" dirty="0">
               <a:latin typeface="Century" panose="02040604050505020304" pitchFamily="18" charset="0"/>
               <a:ea typeface="ＭＳ 明朝" panose="02020609040205080304" pitchFamily="17" charset="-128"/>
@@ -7428,6 +7729,848 @@
           </a:p>
         </p:txBody>
       </p:sp>
+      <p:sp>
+        <p:nvSpPr>
+          <p:cNvPr id="64" name="正方形/長方形 63">
+            <a:extLst>
+              <a:ext uri="{FF2B5EF4-FFF2-40B4-BE49-F238E27FC236}">
+                <a16:creationId xmlns:a16="http://schemas.microsoft.com/office/drawing/2014/main" id="{225C09F3-D516-D6DF-7EB8-52BCA571A847}"/>
+              </a:ext>
+            </a:extLst>
+          </p:cNvPr>
+          <p:cNvSpPr/>
+          <p:nvPr/>
+        </p:nvSpPr>
+        <p:spPr>
+          <a:xfrm>
+            <a:off x="653207" y="5573634"/>
+            <a:ext cx="914400" cy="1166336"/>
+          </a:xfrm>
+          <a:prstGeom prst="rect">
+            <a:avLst/>
+          </a:prstGeom>
+        </p:spPr>
+        <p:style>
+          <a:lnRef idx="2">
+            <a:schemeClr val="accent1">
+              <a:shade val="15000"/>
+            </a:schemeClr>
+          </a:lnRef>
+          <a:fillRef idx="1">
+            <a:schemeClr val="accent1"/>
+          </a:fillRef>
+          <a:effectRef idx="0">
+            <a:schemeClr val="accent1"/>
+          </a:effectRef>
+          <a:fontRef idx="minor">
+            <a:schemeClr val="lt1"/>
+          </a:fontRef>
+        </p:style>
+        <p:txBody>
+          <a:bodyPr rtlCol="0" anchor="ctr"/>
+          <a:lstStyle/>
+          <a:p>
+            <a:pPr algn="ctr"/>
+            <a:r>
+              <a:rPr lang="ja-JP" altLang="en-US" dirty="0"/>
+              <a:t>広告</a:t>
+            </a:r>
+            <a:endParaRPr kumimoji="1" lang="ja-JP" altLang="en-US" dirty="0"/>
+          </a:p>
+        </p:txBody>
+      </p:sp>
+      <p:sp>
+        <p:nvSpPr>
+          <p:cNvPr id="65" name="正方形/長方形 64">
+            <a:extLst>
+              <a:ext uri="{FF2B5EF4-FFF2-40B4-BE49-F238E27FC236}">
+                <a16:creationId xmlns:a16="http://schemas.microsoft.com/office/drawing/2014/main" id="{9AD41ED2-404A-0F82-A929-23124DE3C808}"/>
+              </a:ext>
+            </a:extLst>
+          </p:cNvPr>
+          <p:cNvSpPr/>
+          <p:nvPr/>
+        </p:nvSpPr>
+        <p:spPr>
+          <a:xfrm>
+            <a:off x="630562" y="2238674"/>
+            <a:ext cx="979969" cy="523579"/>
+          </a:xfrm>
+          <a:prstGeom prst="rect">
+            <a:avLst/>
+          </a:prstGeom>
+        </p:spPr>
+        <p:style>
+          <a:lnRef idx="2">
+            <a:schemeClr val="accent1">
+              <a:shade val="15000"/>
+            </a:schemeClr>
+          </a:lnRef>
+          <a:fillRef idx="1">
+            <a:schemeClr val="accent1"/>
+          </a:fillRef>
+          <a:effectRef idx="0">
+            <a:schemeClr val="accent1"/>
+          </a:effectRef>
+          <a:fontRef idx="minor">
+            <a:schemeClr val="lt1"/>
+          </a:fontRef>
+        </p:style>
+        <p:txBody>
+          <a:bodyPr rtlCol="0" anchor="ctr"/>
+          <a:lstStyle/>
+          <a:p>
+            <a:pPr algn="ctr"/>
+            <a:r>
+              <a:rPr kumimoji="1" lang="ja-JP" altLang="en-US"/>
+              <a:t>広告</a:t>
+            </a:r>
+            <a:endParaRPr kumimoji="1" lang="ja-JP" altLang="en-US" dirty="0"/>
+          </a:p>
+        </p:txBody>
+      </p:sp>
+      <p:sp>
+        <p:nvSpPr>
+          <p:cNvPr id="66" name="正方形/長方形 65">
+            <a:extLst>
+              <a:ext uri="{FF2B5EF4-FFF2-40B4-BE49-F238E27FC236}">
+                <a16:creationId xmlns:a16="http://schemas.microsoft.com/office/drawing/2014/main" id="{716D4B43-5470-88B7-3113-DF532D87391D}"/>
+              </a:ext>
+            </a:extLst>
+          </p:cNvPr>
+          <p:cNvSpPr/>
+          <p:nvPr/>
+        </p:nvSpPr>
+        <p:spPr>
+          <a:xfrm>
+            <a:off x="10930111" y="989399"/>
+            <a:ext cx="914400" cy="5192467"/>
+          </a:xfrm>
+          <a:prstGeom prst="rect">
+            <a:avLst/>
+          </a:prstGeom>
+        </p:spPr>
+        <p:style>
+          <a:lnRef idx="2">
+            <a:schemeClr val="accent1">
+              <a:shade val="15000"/>
+            </a:schemeClr>
+          </a:lnRef>
+          <a:fillRef idx="1">
+            <a:schemeClr val="accent1"/>
+          </a:fillRef>
+          <a:effectRef idx="0">
+            <a:schemeClr val="accent1"/>
+          </a:effectRef>
+          <a:fontRef idx="minor">
+            <a:schemeClr val="lt1"/>
+          </a:fontRef>
+        </p:style>
+        <p:txBody>
+          <a:bodyPr rtlCol="0" anchor="ctr"/>
+          <a:lstStyle/>
+          <a:p>
+            <a:pPr algn="ctr"/>
+            <a:r>
+              <a:rPr lang="ja-JP" altLang="en-US" dirty="0"/>
+              <a:t>広告</a:t>
+            </a:r>
+            <a:endParaRPr kumimoji="1" lang="ja-JP" altLang="en-US" dirty="0"/>
+          </a:p>
+        </p:txBody>
+      </p:sp>
+      <p:sp>
+        <p:nvSpPr>
+          <p:cNvPr id="67" name="正方形/長方形 66">
+            <a:extLst>
+              <a:ext uri="{FF2B5EF4-FFF2-40B4-BE49-F238E27FC236}">
+                <a16:creationId xmlns:a16="http://schemas.microsoft.com/office/drawing/2014/main" id="{C0BDEF26-2F2D-1664-5CDC-D09B6FEB0C78}"/>
+              </a:ext>
+            </a:extLst>
+          </p:cNvPr>
+          <p:cNvSpPr/>
+          <p:nvPr/>
+        </p:nvSpPr>
+        <p:spPr>
+          <a:xfrm>
+            <a:off x="10478628" y="128556"/>
+            <a:ext cx="1629552" cy="630338"/>
+          </a:xfrm>
+          <a:prstGeom prst="rect">
+            <a:avLst/>
+          </a:prstGeom>
+        </p:spPr>
+        <p:style>
+          <a:lnRef idx="2">
+            <a:schemeClr val="accent1">
+              <a:shade val="15000"/>
+            </a:schemeClr>
+          </a:lnRef>
+          <a:fillRef idx="1">
+            <a:schemeClr val="accent1"/>
+          </a:fillRef>
+          <a:effectRef idx="0">
+            <a:schemeClr val="accent1"/>
+          </a:effectRef>
+          <a:fontRef idx="minor">
+            <a:schemeClr val="lt1"/>
+          </a:fontRef>
+        </p:style>
+        <p:txBody>
+          <a:bodyPr rtlCol="0" anchor="ctr"/>
+          <a:lstStyle/>
+          <a:p>
+            <a:pPr algn="ctr"/>
+            <a:r>
+              <a:rPr lang="ja-JP" altLang="en-US" dirty="0"/>
+              <a:t>広告</a:t>
+            </a:r>
+            <a:endParaRPr kumimoji="1" lang="ja-JP" altLang="en-US" dirty="0"/>
+          </a:p>
+        </p:txBody>
+      </p:sp>
+      <p:sp>
+        <p:nvSpPr>
+          <p:cNvPr id="68" name="正方形/長方形 67">
+            <a:extLst>
+              <a:ext uri="{FF2B5EF4-FFF2-40B4-BE49-F238E27FC236}">
+                <a16:creationId xmlns:a16="http://schemas.microsoft.com/office/drawing/2014/main" id="{0BEEAFB6-6D69-32EB-90A7-40AA2C863F69}"/>
+              </a:ext>
+            </a:extLst>
+          </p:cNvPr>
+          <p:cNvSpPr/>
+          <p:nvPr/>
+        </p:nvSpPr>
+        <p:spPr>
+          <a:xfrm>
+            <a:off x="607175" y="1030834"/>
+            <a:ext cx="738241" cy="219747"/>
+          </a:xfrm>
+          <a:prstGeom prst="rect">
+            <a:avLst/>
+          </a:prstGeom>
+          <a:noFill/>
+        </p:spPr>
+        <p:style>
+          <a:lnRef idx="2">
+            <a:schemeClr val="accent1">
+              <a:shade val="15000"/>
+            </a:schemeClr>
+          </a:lnRef>
+          <a:fillRef idx="1">
+            <a:schemeClr val="accent1"/>
+          </a:fillRef>
+          <a:effectRef idx="0">
+            <a:schemeClr val="accent1"/>
+          </a:effectRef>
+          <a:fontRef idx="minor">
+            <a:schemeClr val="lt1"/>
+          </a:fontRef>
+        </p:style>
+        <p:txBody>
+          <a:bodyPr rtlCol="0" anchor="ctr"/>
+          <a:lstStyle/>
+          <a:p>
+            <a:pPr algn="ctr"/>
+            <a:endParaRPr kumimoji="1" lang="ja-JP" altLang="en-US" dirty="0"/>
+          </a:p>
+        </p:txBody>
+      </p:sp>
+      <p:grpSp>
+        <p:nvGrpSpPr>
+          <p:cNvPr id="53" name="グループ化 52">
+            <a:extLst>
+              <a:ext uri="{FF2B5EF4-FFF2-40B4-BE49-F238E27FC236}">
+                <a16:creationId xmlns:a16="http://schemas.microsoft.com/office/drawing/2014/main" id="{28F780D5-BE39-1BF6-546E-641E027A0696}"/>
+              </a:ext>
+            </a:extLst>
+          </p:cNvPr>
+          <p:cNvGrpSpPr>
+            <a:grpSpLocks noChangeAspect="1"/>
+          </p:cNvGrpSpPr>
+          <p:nvPr/>
+        </p:nvGrpSpPr>
+        <p:grpSpPr>
+          <a:xfrm>
+            <a:off x="2679712" y="2871527"/>
+            <a:ext cx="783271" cy="784867"/>
+            <a:chOff x="6894195" y="2304141"/>
+            <a:chExt cx="2105198" cy="2109488"/>
+          </a:xfrm>
+        </p:grpSpPr>
+        <p:pic>
+          <p:nvPicPr>
+            <p:cNvPr id="50" name="図 49">
+              <a:extLst>
+                <a:ext uri="{FF2B5EF4-FFF2-40B4-BE49-F238E27FC236}">
+                  <a16:creationId xmlns:a16="http://schemas.microsoft.com/office/drawing/2014/main" id="{5B99E530-7CC5-7446-5461-AEF3C9665961}"/>
+                </a:ext>
+              </a:extLst>
+            </p:cNvPr>
+            <p:cNvPicPr>
+              <a:picLocks noChangeAspect="1"/>
+            </p:cNvPicPr>
+            <p:nvPr/>
+          </p:nvPicPr>
+          <p:blipFill>
+            <a:blip r:embed="rId2">
+              <a:extLst>
+                <a:ext uri="{28A0092B-C50C-407E-A947-70E740481C1C}">
+                  <a14:useLocalDpi xmlns:a14="http://schemas.microsoft.com/office/drawing/2010/main" val="0"/>
+                </a:ext>
+              </a:extLst>
+            </a:blip>
+            <a:stretch>
+              <a:fillRect/>
+            </a:stretch>
+          </p:blipFill>
+          <p:spPr>
+            <a:xfrm>
+              <a:off x="6894195" y="2308431"/>
+              <a:ext cx="2105198" cy="2105198"/>
+            </a:xfrm>
+            <a:prstGeom prst="rect">
+              <a:avLst/>
+            </a:prstGeom>
+          </p:spPr>
+        </p:pic>
+        <p:sp>
+          <p:nvSpPr>
+            <p:cNvPr id="52" name="正方形/長方形 51">
+              <a:extLst>
+                <a:ext uri="{FF2B5EF4-FFF2-40B4-BE49-F238E27FC236}">
+                  <a16:creationId xmlns:a16="http://schemas.microsoft.com/office/drawing/2014/main" id="{8446527D-FA55-8685-7343-B2605B2BD6C4}"/>
+                </a:ext>
+              </a:extLst>
+            </p:cNvPr>
+            <p:cNvSpPr>
+              <a:spLocks noChangeAspect="1"/>
+            </p:cNvSpPr>
+            <p:nvPr/>
+          </p:nvSpPr>
+          <p:spPr>
+            <a:xfrm>
+              <a:off x="6894200" y="2304141"/>
+              <a:ext cx="2105193" cy="2105193"/>
+            </a:xfrm>
+            <a:prstGeom prst="rect">
+              <a:avLst/>
+            </a:prstGeom>
+            <a:solidFill>
+              <a:srgbClr val="4472C4">
+                <a:alpha val="50196"/>
+              </a:srgbClr>
+            </a:solidFill>
+            <a:ln>
+              <a:noFill/>
+            </a:ln>
+          </p:spPr>
+          <p:style>
+            <a:lnRef idx="2">
+              <a:schemeClr val="accent1">
+                <a:shade val="15000"/>
+              </a:schemeClr>
+            </a:lnRef>
+            <a:fillRef idx="1">
+              <a:schemeClr val="accent1"/>
+            </a:fillRef>
+            <a:effectRef idx="0">
+              <a:schemeClr val="accent1"/>
+            </a:effectRef>
+            <a:fontRef idx="minor">
+              <a:schemeClr val="lt1"/>
+            </a:fontRef>
+          </p:style>
+          <p:txBody>
+            <a:bodyPr rtlCol="0" anchor="ctr"/>
+            <a:lstStyle/>
+            <a:p>
+              <a:pPr algn="ctr"/>
+              <a:r>
+                <a:rPr kumimoji="1" lang="en-US" altLang="ja-JP" sz="2800" dirty="0"/>
+                <a:t>1</a:t>
+              </a:r>
+              <a:endParaRPr kumimoji="1" lang="ja-JP" altLang="en-US" sz="2800" dirty="0"/>
+            </a:p>
+          </p:txBody>
+        </p:sp>
+      </p:grpSp>
+      <p:grpSp>
+        <p:nvGrpSpPr>
+          <p:cNvPr id="69" name="グループ化 68">
+            <a:extLst>
+              <a:ext uri="{FF2B5EF4-FFF2-40B4-BE49-F238E27FC236}">
+                <a16:creationId xmlns:a16="http://schemas.microsoft.com/office/drawing/2014/main" id="{465D8EB1-55D5-5763-A4F9-633F360730C8}"/>
+              </a:ext>
+            </a:extLst>
+          </p:cNvPr>
+          <p:cNvGrpSpPr>
+            <a:grpSpLocks noChangeAspect="1"/>
+          </p:cNvGrpSpPr>
+          <p:nvPr/>
+        </p:nvGrpSpPr>
+        <p:grpSpPr>
+          <a:xfrm>
+            <a:off x="4659191" y="2853122"/>
+            <a:ext cx="783271" cy="784867"/>
+            <a:chOff x="6894195" y="2304141"/>
+            <a:chExt cx="2105198" cy="2109488"/>
+          </a:xfrm>
+        </p:grpSpPr>
+        <p:pic>
+          <p:nvPicPr>
+            <p:cNvPr id="70" name="図 69">
+              <a:extLst>
+                <a:ext uri="{FF2B5EF4-FFF2-40B4-BE49-F238E27FC236}">
+                  <a16:creationId xmlns:a16="http://schemas.microsoft.com/office/drawing/2014/main" id="{65CB039F-126C-2297-0778-E0BB85A161EC}"/>
+                </a:ext>
+              </a:extLst>
+            </p:cNvPr>
+            <p:cNvPicPr>
+              <a:picLocks noChangeAspect="1"/>
+            </p:cNvPicPr>
+            <p:nvPr/>
+          </p:nvPicPr>
+          <p:blipFill>
+            <a:blip r:embed="rId2">
+              <a:extLst>
+                <a:ext uri="{28A0092B-C50C-407E-A947-70E740481C1C}">
+                  <a14:useLocalDpi xmlns:a14="http://schemas.microsoft.com/office/drawing/2010/main" val="0"/>
+                </a:ext>
+              </a:extLst>
+            </a:blip>
+            <a:stretch>
+              <a:fillRect/>
+            </a:stretch>
+          </p:blipFill>
+          <p:spPr>
+            <a:xfrm>
+              <a:off x="6894195" y="2308431"/>
+              <a:ext cx="2105198" cy="2105198"/>
+            </a:xfrm>
+            <a:prstGeom prst="rect">
+              <a:avLst/>
+            </a:prstGeom>
+          </p:spPr>
+        </p:pic>
+        <p:sp>
+          <p:nvSpPr>
+            <p:cNvPr id="71" name="正方形/長方形 70">
+              <a:extLst>
+                <a:ext uri="{FF2B5EF4-FFF2-40B4-BE49-F238E27FC236}">
+                  <a16:creationId xmlns:a16="http://schemas.microsoft.com/office/drawing/2014/main" id="{D022F19B-B4AA-5787-97B0-7BECAB5D037C}"/>
+                </a:ext>
+              </a:extLst>
+            </p:cNvPr>
+            <p:cNvSpPr>
+              <a:spLocks noChangeAspect="1"/>
+            </p:cNvSpPr>
+            <p:nvPr/>
+          </p:nvSpPr>
+          <p:spPr>
+            <a:xfrm>
+              <a:off x="6894200" y="2304141"/>
+              <a:ext cx="2105193" cy="2105193"/>
+            </a:xfrm>
+            <a:prstGeom prst="rect">
+              <a:avLst/>
+            </a:prstGeom>
+            <a:solidFill>
+              <a:srgbClr val="4472C4">
+                <a:alpha val="50196"/>
+              </a:srgbClr>
+            </a:solidFill>
+            <a:ln>
+              <a:noFill/>
+            </a:ln>
+          </p:spPr>
+          <p:style>
+            <a:lnRef idx="2">
+              <a:schemeClr val="accent1">
+                <a:shade val="15000"/>
+              </a:schemeClr>
+            </a:lnRef>
+            <a:fillRef idx="1">
+              <a:schemeClr val="accent1"/>
+            </a:fillRef>
+            <a:effectRef idx="0">
+              <a:schemeClr val="accent1"/>
+            </a:effectRef>
+            <a:fontRef idx="minor">
+              <a:schemeClr val="lt1"/>
+            </a:fontRef>
+          </p:style>
+          <p:txBody>
+            <a:bodyPr rtlCol="0" anchor="ctr"/>
+            <a:lstStyle/>
+            <a:p>
+              <a:pPr algn="ctr"/>
+              <a:r>
+                <a:rPr kumimoji="1" lang="en-US" altLang="ja-JP" sz="2800" dirty="0"/>
+                <a:t>1</a:t>
+              </a:r>
+              <a:endParaRPr kumimoji="1" lang="ja-JP" altLang="en-US" sz="2800" dirty="0"/>
+            </a:p>
+          </p:txBody>
+        </p:sp>
+      </p:grpSp>
+      <p:grpSp>
+        <p:nvGrpSpPr>
+          <p:cNvPr id="72" name="グループ化 71">
+            <a:extLst>
+              <a:ext uri="{FF2B5EF4-FFF2-40B4-BE49-F238E27FC236}">
+                <a16:creationId xmlns:a16="http://schemas.microsoft.com/office/drawing/2014/main" id="{AEDB772C-0202-3A2A-97AC-77B55D810D45}"/>
+              </a:ext>
+            </a:extLst>
+          </p:cNvPr>
+          <p:cNvGrpSpPr>
+            <a:grpSpLocks noChangeAspect="1"/>
+          </p:cNvGrpSpPr>
+          <p:nvPr/>
+        </p:nvGrpSpPr>
+        <p:grpSpPr>
+          <a:xfrm>
+            <a:off x="6748950" y="2863120"/>
+            <a:ext cx="783271" cy="784867"/>
+            <a:chOff x="6894195" y="2304141"/>
+            <a:chExt cx="2105198" cy="2109488"/>
+          </a:xfrm>
+        </p:grpSpPr>
+        <p:pic>
+          <p:nvPicPr>
+            <p:cNvPr id="73" name="図 72">
+              <a:extLst>
+                <a:ext uri="{FF2B5EF4-FFF2-40B4-BE49-F238E27FC236}">
+                  <a16:creationId xmlns:a16="http://schemas.microsoft.com/office/drawing/2014/main" id="{04C6E818-297A-4A96-54DC-E54B000438FA}"/>
+                </a:ext>
+              </a:extLst>
+            </p:cNvPr>
+            <p:cNvPicPr>
+              <a:picLocks noChangeAspect="1"/>
+            </p:cNvPicPr>
+            <p:nvPr/>
+          </p:nvPicPr>
+          <p:blipFill>
+            <a:blip r:embed="rId2">
+              <a:extLst>
+                <a:ext uri="{28A0092B-C50C-407E-A947-70E740481C1C}">
+                  <a14:useLocalDpi xmlns:a14="http://schemas.microsoft.com/office/drawing/2010/main" val="0"/>
+                </a:ext>
+              </a:extLst>
+            </a:blip>
+            <a:stretch>
+              <a:fillRect/>
+            </a:stretch>
+          </p:blipFill>
+          <p:spPr>
+            <a:xfrm>
+              <a:off x="6894195" y="2308431"/>
+              <a:ext cx="2105198" cy="2105198"/>
+            </a:xfrm>
+            <a:prstGeom prst="rect">
+              <a:avLst/>
+            </a:prstGeom>
+          </p:spPr>
+        </p:pic>
+        <p:sp>
+          <p:nvSpPr>
+            <p:cNvPr id="74" name="正方形/長方形 73">
+              <a:extLst>
+                <a:ext uri="{FF2B5EF4-FFF2-40B4-BE49-F238E27FC236}">
+                  <a16:creationId xmlns:a16="http://schemas.microsoft.com/office/drawing/2014/main" id="{0F888CBD-CD82-7502-5A69-AB4D0A78D381}"/>
+                </a:ext>
+              </a:extLst>
+            </p:cNvPr>
+            <p:cNvSpPr>
+              <a:spLocks noChangeAspect="1"/>
+            </p:cNvSpPr>
+            <p:nvPr/>
+          </p:nvSpPr>
+          <p:spPr>
+            <a:xfrm>
+              <a:off x="6894200" y="2304141"/>
+              <a:ext cx="2105193" cy="2105193"/>
+            </a:xfrm>
+            <a:prstGeom prst="rect">
+              <a:avLst/>
+            </a:prstGeom>
+            <a:solidFill>
+              <a:srgbClr val="4472C4">
+                <a:alpha val="50196"/>
+              </a:srgbClr>
+            </a:solidFill>
+            <a:ln>
+              <a:noFill/>
+            </a:ln>
+          </p:spPr>
+          <p:style>
+            <a:lnRef idx="2">
+              <a:schemeClr val="accent1">
+                <a:shade val="15000"/>
+              </a:schemeClr>
+            </a:lnRef>
+            <a:fillRef idx="1">
+              <a:schemeClr val="accent1"/>
+            </a:fillRef>
+            <a:effectRef idx="0">
+              <a:schemeClr val="accent1"/>
+            </a:effectRef>
+            <a:fontRef idx="minor">
+              <a:schemeClr val="lt1"/>
+            </a:fontRef>
+          </p:style>
+          <p:txBody>
+            <a:bodyPr rtlCol="0" anchor="ctr"/>
+            <a:lstStyle/>
+            <a:p>
+              <a:pPr algn="ctr"/>
+              <a:r>
+                <a:rPr kumimoji="1" lang="en-US" altLang="ja-JP" sz="2800" dirty="0"/>
+                <a:t>1</a:t>
+              </a:r>
+              <a:endParaRPr kumimoji="1" lang="ja-JP" altLang="en-US" sz="2800" dirty="0"/>
+            </a:p>
+          </p:txBody>
+        </p:sp>
+      </p:grpSp>
+      <p:grpSp>
+        <p:nvGrpSpPr>
+          <p:cNvPr id="75" name="グループ化 74">
+            <a:extLst>
+              <a:ext uri="{FF2B5EF4-FFF2-40B4-BE49-F238E27FC236}">
+                <a16:creationId xmlns:a16="http://schemas.microsoft.com/office/drawing/2014/main" id="{FBC6C67C-7885-28F2-4FBB-EAF0C8D86D69}"/>
+              </a:ext>
+            </a:extLst>
+          </p:cNvPr>
+          <p:cNvGrpSpPr>
+            <a:grpSpLocks noChangeAspect="1"/>
+          </p:cNvGrpSpPr>
+          <p:nvPr/>
+        </p:nvGrpSpPr>
+        <p:grpSpPr>
+          <a:xfrm>
+            <a:off x="8729015" y="2863120"/>
+            <a:ext cx="783271" cy="784867"/>
+            <a:chOff x="6894195" y="2304141"/>
+            <a:chExt cx="2105198" cy="2109488"/>
+          </a:xfrm>
+        </p:grpSpPr>
+        <p:pic>
+          <p:nvPicPr>
+            <p:cNvPr id="76" name="図 75">
+              <a:extLst>
+                <a:ext uri="{FF2B5EF4-FFF2-40B4-BE49-F238E27FC236}">
+                  <a16:creationId xmlns:a16="http://schemas.microsoft.com/office/drawing/2014/main" id="{4EB73DEA-4CA5-FF54-5567-77C6FD7EA98B}"/>
+                </a:ext>
+              </a:extLst>
+            </p:cNvPr>
+            <p:cNvPicPr>
+              <a:picLocks noChangeAspect="1"/>
+            </p:cNvPicPr>
+            <p:nvPr/>
+          </p:nvPicPr>
+          <p:blipFill>
+            <a:blip r:embed="rId2">
+              <a:extLst>
+                <a:ext uri="{28A0092B-C50C-407E-A947-70E740481C1C}">
+                  <a14:useLocalDpi xmlns:a14="http://schemas.microsoft.com/office/drawing/2010/main" val="0"/>
+                </a:ext>
+              </a:extLst>
+            </a:blip>
+            <a:stretch>
+              <a:fillRect/>
+            </a:stretch>
+          </p:blipFill>
+          <p:spPr>
+            <a:xfrm>
+              <a:off x="6894195" y="2308431"/>
+              <a:ext cx="2105198" cy="2105198"/>
+            </a:xfrm>
+            <a:prstGeom prst="rect">
+              <a:avLst/>
+            </a:prstGeom>
+          </p:spPr>
+        </p:pic>
+        <p:sp>
+          <p:nvSpPr>
+            <p:cNvPr id="77" name="正方形/長方形 76">
+              <a:extLst>
+                <a:ext uri="{FF2B5EF4-FFF2-40B4-BE49-F238E27FC236}">
+                  <a16:creationId xmlns:a16="http://schemas.microsoft.com/office/drawing/2014/main" id="{815C7611-3B5B-E37F-9AA0-D1B362AC2998}"/>
+                </a:ext>
+              </a:extLst>
+            </p:cNvPr>
+            <p:cNvSpPr>
+              <a:spLocks noChangeAspect="1"/>
+            </p:cNvSpPr>
+            <p:nvPr/>
+          </p:nvSpPr>
+          <p:spPr>
+            <a:xfrm>
+              <a:off x="6894200" y="2304141"/>
+              <a:ext cx="2105193" cy="2105193"/>
+            </a:xfrm>
+            <a:prstGeom prst="rect">
+              <a:avLst/>
+            </a:prstGeom>
+            <a:solidFill>
+              <a:srgbClr val="4472C4">
+                <a:alpha val="50196"/>
+              </a:srgbClr>
+            </a:solidFill>
+            <a:ln>
+              <a:noFill/>
+            </a:ln>
+          </p:spPr>
+          <p:style>
+            <a:lnRef idx="2">
+              <a:schemeClr val="accent1">
+                <a:shade val="15000"/>
+              </a:schemeClr>
+            </a:lnRef>
+            <a:fillRef idx="1">
+              <a:schemeClr val="accent1"/>
+            </a:fillRef>
+            <a:effectRef idx="0">
+              <a:schemeClr val="accent1"/>
+            </a:effectRef>
+            <a:fontRef idx="minor">
+              <a:schemeClr val="lt1"/>
+            </a:fontRef>
+          </p:style>
+          <p:txBody>
+            <a:bodyPr rtlCol="0" anchor="ctr"/>
+            <a:lstStyle/>
+            <a:p>
+              <a:pPr algn="ctr"/>
+              <a:r>
+                <a:rPr kumimoji="1" lang="en-US" altLang="ja-JP" sz="2800" dirty="0"/>
+                <a:t>1</a:t>
+              </a:r>
+              <a:endParaRPr kumimoji="1" lang="ja-JP" altLang="en-US" sz="2800" dirty="0"/>
+            </a:p>
+          </p:txBody>
+        </p:sp>
+      </p:grpSp>
+      <p:grpSp>
+        <p:nvGrpSpPr>
+          <p:cNvPr id="78" name="グループ化 77">
+            <a:extLst>
+              <a:ext uri="{FF2B5EF4-FFF2-40B4-BE49-F238E27FC236}">
+                <a16:creationId xmlns:a16="http://schemas.microsoft.com/office/drawing/2014/main" id="{B947541F-2C48-90C5-06F9-D26CB6C778A3}"/>
+              </a:ext>
+            </a:extLst>
+          </p:cNvPr>
+          <p:cNvGrpSpPr>
+            <a:grpSpLocks noChangeAspect="1"/>
+          </p:cNvGrpSpPr>
+          <p:nvPr/>
+        </p:nvGrpSpPr>
+        <p:grpSpPr>
+          <a:xfrm>
+            <a:off x="2679712" y="3741386"/>
+            <a:ext cx="783271" cy="784867"/>
+            <a:chOff x="6894195" y="2304141"/>
+            <a:chExt cx="2105198" cy="2109488"/>
+          </a:xfrm>
+        </p:grpSpPr>
+        <p:pic>
+          <p:nvPicPr>
+            <p:cNvPr id="79" name="図 78">
+              <a:extLst>
+                <a:ext uri="{FF2B5EF4-FFF2-40B4-BE49-F238E27FC236}">
+                  <a16:creationId xmlns:a16="http://schemas.microsoft.com/office/drawing/2014/main" id="{611E942A-EF3D-2E68-F354-558A65FB8224}"/>
+                </a:ext>
+              </a:extLst>
+            </p:cNvPr>
+            <p:cNvPicPr>
+              <a:picLocks noChangeAspect="1"/>
+            </p:cNvPicPr>
+            <p:nvPr/>
+          </p:nvPicPr>
+          <p:blipFill>
+            <a:blip r:embed="rId2">
+              <a:extLst>
+                <a:ext uri="{28A0092B-C50C-407E-A947-70E740481C1C}">
+                  <a14:useLocalDpi xmlns:a14="http://schemas.microsoft.com/office/drawing/2010/main" val="0"/>
+                </a:ext>
+              </a:extLst>
+            </a:blip>
+            <a:stretch>
+              <a:fillRect/>
+            </a:stretch>
+          </p:blipFill>
+          <p:spPr>
+            <a:xfrm>
+              <a:off x="6894195" y="2308431"/>
+              <a:ext cx="2105198" cy="2105198"/>
+            </a:xfrm>
+            <a:prstGeom prst="rect">
+              <a:avLst/>
+            </a:prstGeom>
+          </p:spPr>
+        </p:pic>
+        <p:sp>
+          <p:nvSpPr>
+            <p:cNvPr id="80" name="正方形/長方形 79">
+              <a:extLst>
+                <a:ext uri="{FF2B5EF4-FFF2-40B4-BE49-F238E27FC236}">
+                  <a16:creationId xmlns:a16="http://schemas.microsoft.com/office/drawing/2014/main" id="{FFFE87CC-5262-2153-6523-397C9A78F998}"/>
+                </a:ext>
+              </a:extLst>
+            </p:cNvPr>
+            <p:cNvSpPr>
+              <a:spLocks noChangeAspect="1"/>
+            </p:cNvSpPr>
+            <p:nvPr/>
+          </p:nvSpPr>
+          <p:spPr>
+            <a:xfrm>
+              <a:off x="6894200" y="2304141"/>
+              <a:ext cx="2105193" cy="2105193"/>
+            </a:xfrm>
+            <a:prstGeom prst="rect">
+              <a:avLst/>
+            </a:prstGeom>
+            <a:solidFill>
+              <a:srgbClr val="4472C4">
+                <a:alpha val="50196"/>
+              </a:srgbClr>
+            </a:solidFill>
+            <a:ln>
+              <a:noFill/>
+            </a:ln>
+          </p:spPr>
+          <p:style>
+            <a:lnRef idx="2">
+              <a:schemeClr val="accent1">
+                <a:shade val="15000"/>
+              </a:schemeClr>
+            </a:lnRef>
+            <a:fillRef idx="1">
+              <a:schemeClr val="accent1"/>
+            </a:fillRef>
+            <a:effectRef idx="0">
+              <a:schemeClr val="accent1"/>
+            </a:effectRef>
+            <a:fontRef idx="minor">
+              <a:schemeClr val="lt1"/>
+            </a:fontRef>
+          </p:style>
+          <p:txBody>
+            <a:bodyPr rtlCol="0" anchor="ctr"/>
+            <a:lstStyle/>
+            <a:p>
+              <a:pPr algn="ctr"/>
+              <a:r>
+                <a:rPr kumimoji="1" lang="en-US" altLang="ja-JP" sz="2800" dirty="0"/>
+                <a:t>1</a:t>
+              </a:r>
+              <a:endParaRPr kumimoji="1" lang="ja-JP" altLang="en-US" sz="2800" dirty="0"/>
+            </a:p>
+          </p:txBody>
+        </p:sp>
+      </p:grpSp>
     </p:spTree>
     <p:extLst>
       <p:ext uri="{BB962C8B-B14F-4D97-AF65-F5344CB8AC3E}">
@@ -14666,6 +15809,64 @@
               </a:rPr>
               <a:t>モデリングなど）</a:t>
             </a:r>
+            <a:endParaRPr lang="en-US" altLang="ja-JP" sz="700" kern="100" dirty="0">
+              <a:effectLst/>
+              <a:latin typeface="Century" panose="02040604050505020304" pitchFamily="18" charset="0"/>
+              <a:ea typeface="ＭＳ 明朝" panose="02020609040205080304" pitchFamily="17" charset="-128"/>
+              <a:cs typeface="Times New Roman" panose="02020603050405020304" pitchFamily="18" charset="0"/>
+            </a:endParaRPr>
+          </a:p>
+          <a:p>
+            <a:pPr indent="133350" algn="just"/>
+            <a:r>
+              <a:rPr lang="ja-JP" altLang="en-US" sz="700" kern="100" dirty="0">
+                <a:latin typeface="Century" panose="02040604050505020304" pitchFamily="18" charset="0"/>
+                <a:ea typeface="ＭＳ 明朝" panose="02020609040205080304" pitchFamily="17" charset="-128"/>
+                <a:cs typeface="Times New Roman" panose="02020603050405020304" pitchFamily="18" charset="0"/>
+              </a:rPr>
+              <a:t>誕生日</a:t>
+            </a:r>
+            <a:endParaRPr lang="en-US" altLang="ja-JP" sz="700" kern="100" dirty="0">
+              <a:latin typeface="Century" panose="02040604050505020304" pitchFamily="18" charset="0"/>
+              <a:ea typeface="ＭＳ 明朝" panose="02020609040205080304" pitchFamily="17" charset="-128"/>
+              <a:cs typeface="Times New Roman" panose="02020603050405020304" pitchFamily="18" charset="0"/>
+            </a:endParaRPr>
+          </a:p>
+          <a:p>
+            <a:pPr indent="133350" algn="just"/>
+            <a:r>
+              <a:rPr lang="ja-JP" altLang="en-US" sz="700" kern="100" dirty="0">
+                <a:effectLst/>
+                <a:latin typeface="Century" panose="02040604050505020304" pitchFamily="18" charset="0"/>
+                <a:ea typeface="ＭＳ 明朝" panose="02020609040205080304" pitchFamily="17" charset="-128"/>
+                <a:cs typeface="Times New Roman" panose="02020603050405020304" pitchFamily="18" charset="0"/>
+              </a:rPr>
+              <a:t>身長</a:t>
+            </a:r>
+            <a:endParaRPr lang="en-US" altLang="ja-JP" sz="700" kern="100" dirty="0">
+              <a:effectLst/>
+              <a:latin typeface="Century" panose="02040604050505020304" pitchFamily="18" charset="0"/>
+              <a:ea typeface="ＭＳ 明朝" panose="02020609040205080304" pitchFamily="17" charset="-128"/>
+              <a:cs typeface="Times New Roman" panose="02020603050405020304" pitchFamily="18" charset="0"/>
+            </a:endParaRPr>
+          </a:p>
+          <a:p>
+            <a:pPr indent="133350" algn="just"/>
+            <a:r>
+              <a:rPr lang="ja-JP" altLang="en-US" sz="700" kern="100" dirty="0">
+                <a:effectLst/>
+                <a:latin typeface="Century" panose="02040604050505020304" pitchFamily="18" charset="0"/>
+                <a:ea typeface="ＭＳ 明朝" panose="02020609040205080304" pitchFamily="17" charset="-128"/>
+                <a:cs typeface="Times New Roman" panose="02020603050405020304" pitchFamily="18" charset="0"/>
+              </a:rPr>
+              <a:t>体重</a:t>
+            </a:r>
+            <a:endParaRPr lang="ja-JP" altLang="ja-JP" sz="700" kern="100" dirty="0">
+              <a:effectLst/>
+              <a:latin typeface="Century" panose="02040604050505020304" pitchFamily="18" charset="0"/>
+              <a:ea typeface="ＭＳ 明朝" panose="02020609040205080304" pitchFamily="17" charset="-128"/>
+              <a:cs typeface="Times New Roman" panose="02020603050405020304" pitchFamily="18" charset="0"/>
+            </a:endParaRPr>
           </a:p>
           <a:p>
             <a:pPr indent="133350" algn="just"/>
@@ -15561,7 +16762,10 @@
           <a:lstStyle/>
           <a:p>
             <a:pPr algn="ctr"/>
-            <a:endParaRPr kumimoji="1" lang="ja-JP" altLang="en-US" dirty="0"/>
+            <a:r>
+              <a:rPr kumimoji="1" lang="ja-JP" altLang="en-US" dirty="0"/>
+              <a:t>広告</a:t>
+            </a:r>
           </a:p>
         </p:txBody>
       </p:sp>

--- a/ページデザイン.pptx
+++ b/ページデザイン.pptx
@@ -310,7 +310,7 @@
           <a:p>
             <a:fld id="{BABA1FC8-398B-47CD-8BE5-64901F5BCC36}" type="datetimeFigureOut">
               <a:rPr kumimoji="1" lang="ja-JP" altLang="en-US" smtClean="0"/>
-              <a:t>2024/2/24</a:t>
+              <a:t>2024/3/16</a:t>
             </a:fld>
             <a:endParaRPr kumimoji="1" lang="ja-JP" altLang="en-US"/>
           </a:p>
@@ -540,7 +540,7 @@
           <a:p>
             <a:fld id="{BABA1FC8-398B-47CD-8BE5-64901F5BCC36}" type="datetimeFigureOut">
               <a:rPr kumimoji="1" lang="ja-JP" altLang="en-US" smtClean="0"/>
-              <a:t>2024/2/24</a:t>
+              <a:t>2024/3/16</a:t>
             </a:fld>
             <a:endParaRPr kumimoji="1" lang="ja-JP" altLang="en-US"/>
           </a:p>
@@ -780,7 +780,7 @@
           <a:p>
             <a:fld id="{BABA1FC8-398B-47CD-8BE5-64901F5BCC36}" type="datetimeFigureOut">
               <a:rPr kumimoji="1" lang="ja-JP" altLang="en-US" smtClean="0"/>
-              <a:t>2024/2/24</a:t>
+              <a:t>2024/3/16</a:t>
             </a:fld>
             <a:endParaRPr kumimoji="1" lang="ja-JP" altLang="en-US"/>
           </a:p>
@@ -1010,7 +1010,7 @@
           <a:p>
             <a:fld id="{BABA1FC8-398B-47CD-8BE5-64901F5BCC36}" type="datetimeFigureOut">
               <a:rPr kumimoji="1" lang="ja-JP" altLang="en-US" smtClean="0"/>
-              <a:t>2024/2/24</a:t>
+              <a:t>2024/3/16</a:t>
             </a:fld>
             <a:endParaRPr kumimoji="1" lang="ja-JP" altLang="en-US"/>
           </a:p>
@@ -1285,7 +1285,7 @@
           <a:p>
             <a:fld id="{BABA1FC8-398B-47CD-8BE5-64901F5BCC36}" type="datetimeFigureOut">
               <a:rPr kumimoji="1" lang="ja-JP" altLang="en-US" smtClean="0"/>
-              <a:t>2024/2/24</a:t>
+              <a:t>2024/3/16</a:t>
             </a:fld>
             <a:endParaRPr kumimoji="1" lang="ja-JP" altLang="en-US"/>
           </a:p>
@@ -1614,7 +1614,7 @@
           <a:p>
             <a:fld id="{BABA1FC8-398B-47CD-8BE5-64901F5BCC36}" type="datetimeFigureOut">
               <a:rPr kumimoji="1" lang="ja-JP" altLang="en-US" smtClean="0"/>
-              <a:t>2024/2/24</a:t>
+              <a:t>2024/3/16</a:t>
             </a:fld>
             <a:endParaRPr kumimoji="1" lang="ja-JP" altLang="en-US"/>
           </a:p>
@@ -2090,7 +2090,7 @@
           <a:p>
             <a:fld id="{BABA1FC8-398B-47CD-8BE5-64901F5BCC36}" type="datetimeFigureOut">
               <a:rPr kumimoji="1" lang="ja-JP" altLang="en-US" smtClean="0"/>
-              <a:t>2024/2/24</a:t>
+              <a:t>2024/3/16</a:t>
             </a:fld>
             <a:endParaRPr kumimoji="1" lang="ja-JP" altLang="en-US"/>
           </a:p>
@@ -2231,7 +2231,7 @@
           <a:p>
             <a:fld id="{BABA1FC8-398B-47CD-8BE5-64901F5BCC36}" type="datetimeFigureOut">
               <a:rPr kumimoji="1" lang="ja-JP" altLang="en-US" smtClean="0"/>
-              <a:t>2024/2/24</a:t>
+              <a:t>2024/3/16</a:t>
             </a:fld>
             <a:endParaRPr kumimoji="1" lang="ja-JP" altLang="en-US"/>
           </a:p>
@@ -2344,7 +2344,7 @@
           <a:p>
             <a:fld id="{BABA1FC8-398B-47CD-8BE5-64901F5BCC36}" type="datetimeFigureOut">
               <a:rPr kumimoji="1" lang="ja-JP" altLang="en-US" smtClean="0"/>
-              <a:t>2024/2/24</a:t>
+              <a:t>2024/3/16</a:t>
             </a:fld>
             <a:endParaRPr kumimoji="1" lang="ja-JP" altLang="en-US"/>
           </a:p>
@@ -2687,7 +2687,7 @@
           <a:p>
             <a:fld id="{BABA1FC8-398B-47CD-8BE5-64901F5BCC36}" type="datetimeFigureOut">
               <a:rPr kumimoji="1" lang="ja-JP" altLang="en-US" smtClean="0"/>
-              <a:t>2024/2/24</a:t>
+              <a:t>2024/3/16</a:t>
             </a:fld>
             <a:endParaRPr kumimoji="1" lang="ja-JP" altLang="en-US"/>
           </a:p>
@@ -2975,7 +2975,7 @@
           <a:p>
             <a:fld id="{BABA1FC8-398B-47CD-8BE5-64901F5BCC36}" type="datetimeFigureOut">
               <a:rPr kumimoji="1" lang="ja-JP" altLang="en-US" smtClean="0"/>
-              <a:t>2024/2/24</a:t>
+              <a:t>2024/3/16</a:t>
             </a:fld>
             <a:endParaRPr kumimoji="1" lang="ja-JP" altLang="en-US"/>
           </a:p>
@@ -3248,7 +3248,7 @@
           <a:p>
             <a:fld id="{BABA1FC8-398B-47CD-8BE5-64901F5BCC36}" type="datetimeFigureOut">
               <a:rPr kumimoji="1" lang="ja-JP" altLang="en-US" smtClean="0"/>
-              <a:t>2024/2/24</a:t>
+              <a:t>2024/3/16</a:t>
             </a:fld>
             <a:endParaRPr kumimoji="1" lang="ja-JP" altLang="en-US"/>
           </a:p>

--- a/ページデザイン.pptx
+++ b/ページデザイン.pptx
@@ -6,15 +6,16 @@
   </p:sldMasterIdLst>
   <p:sldIdLst>
     <p:sldId id="267" r:id="rId2"/>
-    <p:sldId id="257" r:id="rId3"/>
-    <p:sldId id="260" r:id="rId4"/>
-    <p:sldId id="258" r:id="rId5"/>
-    <p:sldId id="259" r:id="rId6"/>
-    <p:sldId id="262" r:id="rId7"/>
-    <p:sldId id="263" r:id="rId8"/>
-    <p:sldId id="264" r:id="rId9"/>
-    <p:sldId id="265" r:id="rId10"/>
-    <p:sldId id="266" r:id="rId11"/>
+    <p:sldId id="268" r:id="rId3"/>
+    <p:sldId id="257" r:id="rId4"/>
+    <p:sldId id="260" r:id="rId5"/>
+    <p:sldId id="258" r:id="rId6"/>
+    <p:sldId id="259" r:id="rId7"/>
+    <p:sldId id="262" r:id="rId8"/>
+    <p:sldId id="263" r:id="rId9"/>
+    <p:sldId id="264" r:id="rId10"/>
+    <p:sldId id="265" r:id="rId11"/>
+    <p:sldId id="266" r:id="rId12"/>
   </p:sldIdLst>
   <p:sldSz cx="12192000" cy="6858000"/>
   <p:notesSz cx="6858000" cy="9144000"/>
@@ -119,6 +120,7 @@
         <p14:section name="トップ" id="{BE0333C2-9A2B-4511-BB30-9ACCCFD3A2CC}">
           <p14:sldIdLst>
             <p14:sldId id="267"/>
+            <p14:sldId id="268"/>
           </p14:sldIdLst>
         </p14:section>
         <p14:section name="VT各ページ" id="{50E3662A-99E7-43F3-9C1B-420E7C8EDE90}">
@@ -310,7 +312,7 @@
           <a:p>
             <a:fld id="{BABA1FC8-398B-47CD-8BE5-64901F5BCC36}" type="datetimeFigureOut">
               <a:rPr kumimoji="1" lang="ja-JP" altLang="en-US" smtClean="0"/>
-              <a:t>2024/3/16</a:t>
+              <a:t>2024/3/23</a:t>
             </a:fld>
             <a:endParaRPr kumimoji="1" lang="ja-JP" altLang="en-US"/>
           </a:p>
@@ -540,7 +542,7 @@
           <a:p>
             <a:fld id="{BABA1FC8-398B-47CD-8BE5-64901F5BCC36}" type="datetimeFigureOut">
               <a:rPr kumimoji="1" lang="ja-JP" altLang="en-US" smtClean="0"/>
-              <a:t>2024/3/16</a:t>
+              <a:t>2024/3/23</a:t>
             </a:fld>
             <a:endParaRPr kumimoji="1" lang="ja-JP" altLang="en-US"/>
           </a:p>
@@ -780,7 +782,7 @@
           <a:p>
             <a:fld id="{BABA1FC8-398B-47CD-8BE5-64901F5BCC36}" type="datetimeFigureOut">
               <a:rPr kumimoji="1" lang="ja-JP" altLang="en-US" smtClean="0"/>
-              <a:t>2024/3/16</a:t>
+              <a:t>2024/3/23</a:t>
             </a:fld>
             <a:endParaRPr kumimoji="1" lang="ja-JP" altLang="en-US"/>
           </a:p>
@@ -1010,7 +1012,7 @@
           <a:p>
             <a:fld id="{BABA1FC8-398B-47CD-8BE5-64901F5BCC36}" type="datetimeFigureOut">
               <a:rPr kumimoji="1" lang="ja-JP" altLang="en-US" smtClean="0"/>
-              <a:t>2024/3/16</a:t>
+              <a:t>2024/3/23</a:t>
             </a:fld>
             <a:endParaRPr kumimoji="1" lang="ja-JP" altLang="en-US"/>
           </a:p>
@@ -1285,7 +1287,7 @@
           <a:p>
             <a:fld id="{BABA1FC8-398B-47CD-8BE5-64901F5BCC36}" type="datetimeFigureOut">
               <a:rPr kumimoji="1" lang="ja-JP" altLang="en-US" smtClean="0"/>
-              <a:t>2024/3/16</a:t>
+              <a:t>2024/3/23</a:t>
             </a:fld>
             <a:endParaRPr kumimoji="1" lang="ja-JP" altLang="en-US"/>
           </a:p>
@@ -1614,7 +1616,7 @@
           <a:p>
             <a:fld id="{BABA1FC8-398B-47CD-8BE5-64901F5BCC36}" type="datetimeFigureOut">
               <a:rPr kumimoji="1" lang="ja-JP" altLang="en-US" smtClean="0"/>
-              <a:t>2024/3/16</a:t>
+              <a:t>2024/3/23</a:t>
             </a:fld>
             <a:endParaRPr kumimoji="1" lang="ja-JP" altLang="en-US"/>
           </a:p>
@@ -2090,7 +2092,7 @@
           <a:p>
             <a:fld id="{BABA1FC8-398B-47CD-8BE5-64901F5BCC36}" type="datetimeFigureOut">
               <a:rPr kumimoji="1" lang="ja-JP" altLang="en-US" smtClean="0"/>
-              <a:t>2024/3/16</a:t>
+              <a:t>2024/3/23</a:t>
             </a:fld>
             <a:endParaRPr kumimoji="1" lang="ja-JP" altLang="en-US"/>
           </a:p>
@@ -2231,7 +2233,7 @@
           <a:p>
             <a:fld id="{BABA1FC8-398B-47CD-8BE5-64901F5BCC36}" type="datetimeFigureOut">
               <a:rPr kumimoji="1" lang="ja-JP" altLang="en-US" smtClean="0"/>
-              <a:t>2024/3/16</a:t>
+              <a:t>2024/3/23</a:t>
             </a:fld>
             <a:endParaRPr kumimoji="1" lang="ja-JP" altLang="en-US"/>
           </a:p>
@@ -2344,7 +2346,7 @@
           <a:p>
             <a:fld id="{BABA1FC8-398B-47CD-8BE5-64901F5BCC36}" type="datetimeFigureOut">
               <a:rPr kumimoji="1" lang="ja-JP" altLang="en-US" smtClean="0"/>
-              <a:t>2024/3/16</a:t>
+              <a:t>2024/3/23</a:t>
             </a:fld>
             <a:endParaRPr kumimoji="1" lang="ja-JP" altLang="en-US"/>
           </a:p>
@@ -2687,7 +2689,7 @@
           <a:p>
             <a:fld id="{BABA1FC8-398B-47CD-8BE5-64901F5BCC36}" type="datetimeFigureOut">
               <a:rPr kumimoji="1" lang="ja-JP" altLang="en-US" smtClean="0"/>
-              <a:t>2024/3/16</a:t>
+              <a:t>2024/3/23</a:t>
             </a:fld>
             <a:endParaRPr kumimoji="1" lang="ja-JP" altLang="en-US"/>
           </a:p>
@@ -2975,7 +2977,7 @@
           <a:p>
             <a:fld id="{BABA1FC8-398B-47CD-8BE5-64901F5BCC36}" type="datetimeFigureOut">
               <a:rPr kumimoji="1" lang="ja-JP" altLang="en-US" smtClean="0"/>
-              <a:t>2024/3/16</a:t>
+              <a:t>2024/3/23</a:t>
             </a:fld>
             <a:endParaRPr kumimoji="1" lang="ja-JP" altLang="en-US"/>
           </a:p>
@@ -3248,7 +3250,7 @@
           <a:p>
             <a:fld id="{BABA1FC8-398B-47CD-8BE5-64901F5BCC36}" type="datetimeFigureOut">
               <a:rPr kumimoji="1" lang="ja-JP" altLang="en-US" smtClean="0"/>
-              <a:t>2024/3/16</a:t>
+              <a:t>2024/3/23</a:t>
             </a:fld>
             <a:endParaRPr kumimoji="1" lang="ja-JP" altLang="en-US"/>
           </a:p>
@@ -8585,6 +8587,3784 @@
 </file>
 
 <file path=ppt/slides/slide10.xml><?xml version="1.0" encoding="utf-8"?>
+<p:sld xmlns:a="http://schemas.openxmlformats.org/drawingml/2006/main" xmlns:r="http://schemas.openxmlformats.org/officeDocument/2006/relationships" xmlns:p="http://schemas.openxmlformats.org/presentationml/2006/main">
+  <p:cSld>
+    <p:spTree>
+      <p:nvGrpSpPr>
+        <p:cNvPr id="1" name="">
+          <a:extLst>
+            <a:ext uri="{FF2B5EF4-FFF2-40B4-BE49-F238E27FC236}">
+              <a16:creationId xmlns:a16="http://schemas.microsoft.com/office/drawing/2014/main" id="{D8D0BA60-1AF2-176A-2212-6CE723B6F1AA}"/>
+            </a:ext>
+          </a:extLst>
+        </p:cNvPr>
+        <p:cNvGrpSpPr/>
+        <p:nvPr/>
+      </p:nvGrpSpPr>
+      <p:grpSpPr>
+        <a:xfrm>
+          <a:off x="0" y="0"/>
+          <a:ext cx="0" cy="0"/>
+          <a:chOff x="0" y="0"/>
+          <a:chExt cx="0" cy="0"/>
+        </a:xfrm>
+      </p:grpSpPr>
+      <p:sp>
+        <p:nvSpPr>
+          <p:cNvPr id="4" name="正方形/長方形 3">
+            <a:extLst>
+              <a:ext uri="{FF2B5EF4-FFF2-40B4-BE49-F238E27FC236}">
+                <a16:creationId xmlns:a16="http://schemas.microsoft.com/office/drawing/2014/main" id="{43EC8CBD-ABA9-8E47-0270-A4E6001F7443}"/>
+              </a:ext>
+            </a:extLst>
+          </p:cNvPr>
+          <p:cNvSpPr/>
+          <p:nvPr/>
+        </p:nvSpPr>
+        <p:spPr>
+          <a:xfrm>
+            <a:off x="0" y="0"/>
+            <a:ext cx="12192000" cy="6858000"/>
+          </a:xfrm>
+          <a:prstGeom prst="rect">
+            <a:avLst/>
+          </a:prstGeom>
+          <a:solidFill>
+            <a:srgbClr val="ECEBCD"/>
+          </a:solidFill>
+          <a:ln>
+            <a:noFill/>
+          </a:ln>
+        </p:spPr>
+        <p:style>
+          <a:lnRef idx="2">
+            <a:schemeClr val="accent1">
+              <a:shade val="15000"/>
+            </a:schemeClr>
+          </a:lnRef>
+          <a:fillRef idx="1">
+            <a:schemeClr val="accent1"/>
+          </a:fillRef>
+          <a:effectRef idx="0">
+            <a:schemeClr val="accent1"/>
+          </a:effectRef>
+          <a:fontRef idx="minor">
+            <a:schemeClr val="lt1"/>
+          </a:fontRef>
+        </p:style>
+        <p:txBody>
+          <a:bodyPr rtlCol="0" anchor="ctr"/>
+          <a:lstStyle/>
+          <a:p>
+            <a:pPr algn="ctr"/>
+            <a:endParaRPr kumimoji="1" lang="ja-JP" altLang="en-US"/>
+          </a:p>
+        </p:txBody>
+      </p:sp>
+      <p:grpSp>
+        <p:nvGrpSpPr>
+          <p:cNvPr id="44" name="グループ化 43">
+            <a:extLst>
+              <a:ext uri="{FF2B5EF4-FFF2-40B4-BE49-F238E27FC236}">
+                <a16:creationId xmlns:a16="http://schemas.microsoft.com/office/drawing/2014/main" id="{22CE4237-646C-ED89-FCC2-EB0744A9B3FA}"/>
+              </a:ext>
+            </a:extLst>
+          </p:cNvPr>
+          <p:cNvGrpSpPr/>
+          <p:nvPr/>
+        </p:nvGrpSpPr>
+        <p:grpSpPr>
+          <a:xfrm>
+            <a:off x="1893570" y="784858"/>
+            <a:ext cx="10001250" cy="5539729"/>
+            <a:chOff x="1893570" y="784858"/>
+            <a:chExt cx="10001250" cy="5539729"/>
+          </a:xfrm>
+        </p:grpSpPr>
+        <p:sp>
+          <p:nvSpPr>
+            <p:cNvPr id="11" name="正方形/長方形 10">
+              <a:extLst>
+                <a:ext uri="{FF2B5EF4-FFF2-40B4-BE49-F238E27FC236}">
+                  <a16:creationId xmlns:a16="http://schemas.microsoft.com/office/drawing/2014/main" id="{A5652F16-D2D2-0733-49AD-3C8D96B1FDEC}"/>
+                </a:ext>
+              </a:extLst>
+            </p:cNvPr>
+            <p:cNvSpPr/>
+            <p:nvPr/>
+          </p:nvSpPr>
+          <p:spPr>
+            <a:xfrm>
+              <a:off x="1893570" y="784858"/>
+              <a:ext cx="10001250" cy="5539729"/>
+            </a:xfrm>
+            <a:prstGeom prst="rect">
+              <a:avLst/>
+            </a:prstGeom>
+            <a:solidFill>
+              <a:schemeClr val="bg1"/>
+            </a:solidFill>
+            <a:ln>
+              <a:noFill/>
+            </a:ln>
+            <a:effectLst>
+              <a:outerShdw blurRad="50800" dist="152400" dir="2700000" algn="ctr" rotWithShape="0">
+                <a:srgbClr val="000000">
+                  <a:alpha val="43137"/>
+                </a:srgbClr>
+              </a:outerShdw>
+            </a:effectLst>
+          </p:spPr>
+          <p:style>
+            <a:lnRef idx="2">
+              <a:schemeClr val="accent1">
+                <a:shade val="15000"/>
+              </a:schemeClr>
+            </a:lnRef>
+            <a:fillRef idx="1">
+              <a:schemeClr val="accent1"/>
+            </a:fillRef>
+            <a:effectRef idx="0">
+              <a:schemeClr val="accent1"/>
+            </a:effectRef>
+            <a:fontRef idx="minor">
+              <a:schemeClr val="lt1"/>
+            </a:fontRef>
+          </p:style>
+          <p:txBody>
+            <a:bodyPr rtlCol="0" anchor="ctr"/>
+            <a:lstStyle/>
+            <a:p>
+              <a:pPr algn="ctr"/>
+              <a:endParaRPr kumimoji="1" lang="ja-JP" altLang="en-US"/>
+            </a:p>
+          </p:txBody>
+        </p:sp>
+        <p:grpSp>
+          <p:nvGrpSpPr>
+            <p:cNvPr id="43" name="グループ化 42">
+              <a:extLst>
+                <a:ext uri="{FF2B5EF4-FFF2-40B4-BE49-F238E27FC236}">
+                  <a16:creationId xmlns:a16="http://schemas.microsoft.com/office/drawing/2014/main" id="{8C3E3A8C-A69A-2C92-2E40-C7E3736A4C71}"/>
+                </a:ext>
+              </a:extLst>
+            </p:cNvPr>
+            <p:cNvGrpSpPr/>
+            <p:nvPr/>
+          </p:nvGrpSpPr>
+          <p:grpSpPr>
+            <a:xfrm>
+              <a:off x="1988820" y="894229"/>
+              <a:ext cx="252119" cy="5349329"/>
+              <a:chOff x="1988820" y="894229"/>
+              <a:chExt cx="252119" cy="5349329"/>
+            </a:xfrm>
+          </p:grpSpPr>
+          <p:sp>
+            <p:nvSpPr>
+              <p:cNvPr id="6" name="楕円 5">
+                <a:extLst>
+                  <a:ext uri="{FF2B5EF4-FFF2-40B4-BE49-F238E27FC236}">
+                    <a16:creationId xmlns:a16="http://schemas.microsoft.com/office/drawing/2014/main" id="{44E6210A-C4D1-5D04-CA60-3579F3C81DA6}"/>
+                  </a:ext>
+                </a:extLst>
+              </p:cNvPr>
+              <p:cNvSpPr>
+                <a:spLocks noChangeAspect="1"/>
+              </p:cNvSpPr>
+              <p:nvPr/>
+            </p:nvSpPr>
+            <p:spPr>
+              <a:xfrm>
+                <a:off x="1988820" y="894229"/>
+                <a:ext cx="235320" cy="235320"/>
+              </a:xfrm>
+              <a:prstGeom prst="ellipse">
+                <a:avLst/>
+              </a:prstGeom>
+              <a:solidFill>
+                <a:srgbClr val="ECEBCD"/>
+              </a:solidFill>
+              <a:ln>
+                <a:noFill/>
+              </a:ln>
+              <a:effectLst>
+                <a:innerShdw blurRad="76200" dist="152400" dir="13500000">
+                  <a:prstClr val="black">
+                    <a:alpha val="50000"/>
+                  </a:prstClr>
+                </a:innerShdw>
+              </a:effectLst>
+            </p:spPr>
+            <p:style>
+              <a:lnRef idx="2">
+                <a:schemeClr val="accent1">
+                  <a:shade val="15000"/>
+                </a:schemeClr>
+              </a:lnRef>
+              <a:fillRef idx="1">
+                <a:schemeClr val="accent1"/>
+              </a:fillRef>
+              <a:effectRef idx="0">
+                <a:schemeClr val="accent1"/>
+              </a:effectRef>
+              <a:fontRef idx="minor">
+                <a:schemeClr val="lt1"/>
+              </a:fontRef>
+            </p:style>
+            <p:txBody>
+              <a:bodyPr rtlCol="0" anchor="ctr"/>
+              <a:lstStyle/>
+              <a:p>
+                <a:pPr algn="ctr"/>
+                <a:endParaRPr kumimoji="1" lang="ja-JP" altLang="en-US"/>
+              </a:p>
+            </p:txBody>
+          </p:sp>
+          <p:sp>
+            <p:nvSpPr>
+              <p:cNvPr id="8" name="楕円 7">
+                <a:extLst>
+                  <a:ext uri="{FF2B5EF4-FFF2-40B4-BE49-F238E27FC236}">
+                    <a16:creationId xmlns:a16="http://schemas.microsoft.com/office/drawing/2014/main" id="{3AEF4134-6F4F-9772-40E3-379CF08E2EBD}"/>
+                  </a:ext>
+                </a:extLst>
+              </p:cNvPr>
+              <p:cNvSpPr>
+                <a:spLocks noChangeAspect="1"/>
+              </p:cNvSpPr>
+              <p:nvPr/>
+            </p:nvSpPr>
+            <p:spPr>
+              <a:xfrm>
+                <a:off x="1988820" y="1288253"/>
+                <a:ext cx="235320" cy="235320"/>
+              </a:xfrm>
+              <a:prstGeom prst="ellipse">
+                <a:avLst/>
+              </a:prstGeom>
+              <a:solidFill>
+                <a:srgbClr val="ECEBCD"/>
+              </a:solidFill>
+              <a:ln>
+                <a:noFill/>
+              </a:ln>
+              <a:effectLst>
+                <a:innerShdw blurRad="76200" dist="152400" dir="13500000">
+                  <a:prstClr val="black">
+                    <a:alpha val="50000"/>
+                  </a:prstClr>
+                </a:innerShdw>
+              </a:effectLst>
+            </p:spPr>
+            <p:style>
+              <a:lnRef idx="2">
+                <a:schemeClr val="accent1">
+                  <a:shade val="15000"/>
+                </a:schemeClr>
+              </a:lnRef>
+              <a:fillRef idx="1">
+                <a:schemeClr val="accent1"/>
+              </a:fillRef>
+              <a:effectRef idx="0">
+                <a:schemeClr val="accent1"/>
+              </a:effectRef>
+              <a:fontRef idx="minor">
+                <a:schemeClr val="lt1"/>
+              </a:fontRef>
+            </p:style>
+            <p:txBody>
+              <a:bodyPr rtlCol="0" anchor="ctr"/>
+              <a:lstStyle/>
+              <a:p>
+                <a:pPr algn="ctr"/>
+                <a:endParaRPr kumimoji="1" lang="ja-JP" altLang="en-US"/>
+              </a:p>
+            </p:txBody>
+          </p:sp>
+          <p:sp>
+            <p:nvSpPr>
+              <p:cNvPr id="14" name="楕円 13">
+                <a:extLst>
+                  <a:ext uri="{FF2B5EF4-FFF2-40B4-BE49-F238E27FC236}">
+                    <a16:creationId xmlns:a16="http://schemas.microsoft.com/office/drawing/2014/main" id="{3BD987EA-2D56-C798-6747-DC914B8F34A7}"/>
+                  </a:ext>
+                </a:extLst>
+              </p:cNvPr>
+              <p:cNvSpPr>
+                <a:spLocks noChangeAspect="1"/>
+              </p:cNvSpPr>
+              <p:nvPr/>
+            </p:nvSpPr>
+            <p:spPr>
+              <a:xfrm>
+                <a:off x="1992387" y="1682193"/>
+                <a:ext cx="235320" cy="235320"/>
+              </a:xfrm>
+              <a:prstGeom prst="ellipse">
+                <a:avLst/>
+              </a:prstGeom>
+              <a:solidFill>
+                <a:srgbClr val="ECEBCD"/>
+              </a:solidFill>
+              <a:ln>
+                <a:noFill/>
+              </a:ln>
+              <a:effectLst>
+                <a:innerShdw blurRad="76200" dist="152400" dir="13500000">
+                  <a:prstClr val="black">
+                    <a:alpha val="50000"/>
+                  </a:prstClr>
+                </a:innerShdw>
+              </a:effectLst>
+            </p:spPr>
+            <p:style>
+              <a:lnRef idx="2">
+                <a:schemeClr val="accent1">
+                  <a:shade val="15000"/>
+                </a:schemeClr>
+              </a:lnRef>
+              <a:fillRef idx="1">
+                <a:schemeClr val="accent1"/>
+              </a:fillRef>
+              <a:effectRef idx="0">
+                <a:schemeClr val="accent1"/>
+              </a:effectRef>
+              <a:fontRef idx="minor">
+                <a:schemeClr val="lt1"/>
+              </a:fontRef>
+            </p:style>
+            <p:txBody>
+              <a:bodyPr rtlCol="0" anchor="ctr"/>
+              <a:lstStyle/>
+              <a:p>
+                <a:pPr algn="ctr"/>
+                <a:endParaRPr kumimoji="1" lang="ja-JP" altLang="en-US"/>
+              </a:p>
+            </p:txBody>
+          </p:sp>
+          <p:sp>
+            <p:nvSpPr>
+              <p:cNvPr id="15" name="楕円 14">
+                <a:extLst>
+                  <a:ext uri="{FF2B5EF4-FFF2-40B4-BE49-F238E27FC236}">
+                    <a16:creationId xmlns:a16="http://schemas.microsoft.com/office/drawing/2014/main" id="{33C2F666-BAB0-3F31-A675-3635DC004B83}"/>
+                  </a:ext>
+                </a:extLst>
+              </p:cNvPr>
+              <p:cNvSpPr>
+                <a:spLocks noChangeAspect="1"/>
+              </p:cNvSpPr>
+              <p:nvPr/>
+            </p:nvSpPr>
+            <p:spPr>
+              <a:xfrm>
+                <a:off x="1991937" y="2073111"/>
+                <a:ext cx="235320" cy="235320"/>
+              </a:xfrm>
+              <a:prstGeom prst="ellipse">
+                <a:avLst/>
+              </a:prstGeom>
+              <a:solidFill>
+                <a:srgbClr val="ECEBCD"/>
+              </a:solidFill>
+              <a:ln>
+                <a:noFill/>
+              </a:ln>
+              <a:effectLst>
+                <a:innerShdw blurRad="76200" dist="152400" dir="13500000">
+                  <a:prstClr val="black">
+                    <a:alpha val="50000"/>
+                  </a:prstClr>
+                </a:innerShdw>
+              </a:effectLst>
+            </p:spPr>
+            <p:style>
+              <a:lnRef idx="2">
+                <a:schemeClr val="accent1">
+                  <a:shade val="15000"/>
+                </a:schemeClr>
+              </a:lnRef>
+              <a:fillRef idx="1">
+                <a:schemeClr val="accent1"/>
+              </a:fillRef>
+              <a:effectRef idx="0">
+                <a:schemeClr val="accent1"/>
+              </a:effectRef>
+              <a:fontRef idx="minor">
+                <a:schemeClr val="lt1"/>
+              </a:fontRef>
+            </p:style>
+            <p:txBody>
+              <a:bodyPr rtlCol="0" anchor="ctr"/>
+              <a:lstStyle/>
+              <a:p>
+                <a:pPr algn="ctr"/>
+                <a:endParaRPr kumimoji="1" lang="ja-JP" altLang="en-US"/>
+              </a:p>
+            </p:txBody>
+          </p:sp>
+          <p:sp>
+            <p:nvSpPr>
+              <p:cNvPr id="16" name="楕円 15">
+                <a:extLst>
+                  <a:ext uri="{FF2B5EF4-FFF2-40B4-BE49-F238E27FC236}">
+                    <a16:creationId xmlns:a16="http://schemas.microsoft.com/office/drawing/2014/main" id="{8EC28F01-AFA8-1EA5-C855-A3CBD89EB424}"/>
+                  </a:ext>
+                </a:extLst>
+              </p:cNvPr>
+              <p:cNvSpPr>
+                <a:spLocks noChangeAspect="1"/>
+              </p:cNvSpPr>
+              <p:nvPr/>
+            </p:nvSpPr>
+            <p:spPr>
+              <a:xfrm>
+                <a:off x="1988820" y="2464029"/>
+                <a:ext cx="235320" cy="235320"/>
+              </a:xfrm>
+              <a:prstGeom prst="ellipse">
+                <a:avLst/>
+              </a:prstGeom>
+              <a:solidFill>
+                <a:srgbClr val="ECEBCD"/>
+              </a:solidFill>
+              <a:ln>
+                <a:noFill/>
+              </a:ln>
+              <a:effectLst>
+                <a:innerShdw blurRad="76200" dist="152400" dir="13500000">
+                  <a:prstClr val="black">
+                    <a:alpha val="50000"/>
+                  </a:prstClr>
+                </a:innerShdw>
+              </a:effectLst>
+            </p:spPr>
+            <p:style>
+              <a:lnRef idx="2">
+                <a:schemeClr val="accent1">
+                  <a:shade val="15000"/>
+                </a:schemeClr>
+              </a:lnRef>
+              <a:fillRef idx="1">
+                <a:schemeClr val="accent1"/>
+              </a:fillRef>
+              <a:effectRef idx="0">
+                <a:schemeClr val="accent1"/>
+              </a:effectRef>
+              <a:fontRef idx="minor">
+                <a:schemeClr val="lt1"/>
+              </a:fontRef>
+            </p:style>
+            <p:txBody>
+              <a:bodyPr rtlCol="0" anchor="ctr"/>
+              <a:lstStyle/>
+              <a:p>
+                <a:pPr algn="ctr"/>
+                <a:endParaRPr kumimoji="1" lang="ja-JP" altLang="en-US"/>
+              </a:p>
+            </p:txBody>
+          </p:sp>
+          <p:sp>
+            <p:nvSpPr>
+              <p:cNvPr id="17" name="楕円 16">
+                <a:extLst>
+                  <a:ext uri="{FF2B5EF4-FFF2-40B4-BE49-F238E27FC236}">
+                    <a16:creationId xmlns:a16="http://schemas.microsoft.com/office/drawing/2014/main" id="{41F37118-8699-F552-3C7A-C21AEF5B7E74}"/>
+                  </a:ext>
+                </a:extLst>
+              </p:cNvPr>
+              <p:cNvSpPr>
+                <a:spLocks noChangeAspect="1"/>
+              </p:cNvSpPr>
+              <p:nvPr/>
+            </p:nvSpPr>
+            <p:spPr>
+              <a:xfrm>
+                <a:off x="1997272" y="2857969"/>
+                <a:ext cx="235320" cy="235320"/>
+              </a:xfrm>
+              <a:prstGeom prst="ellipse">
+                <a:avLst/>
+              </a:prstGeom>
+              <a:solidFill>
+                <a:srgbClr val="ECEBCD"/>
+              </a:solidFill>
+              <a:ln>
+                <a:noFill/>
+              </a:ln>
+              <a:effectLst>
+                <a:innerShdw blurRad="76200" dist="152400" dir="13500000">
+                  <a:prstClr val="black">
+                    <a:alpha val="50000"/>
+                  </a:prstClr>
+                </a:innerShdw>
+              </a:effectLst>
+            </p:spPr>
+            <p:style>
+              <a:lnRef idx="2">
+                <a:schemeClr val="accent1">
+                  <a:shade val="15000"/>
+                </a:schemeClr>
+              </a:lnRef>
+              <a:fillRef idx="1">
+                <a:schemeClr val="accent1"/>
+              </a:fillRef>
+              <a:effectRef idx="0">
+                <a:schemeClr val="accent1"/>
+              </a:effectRef>
+              <a:fontRef idx="minor">
+                <a:schemeClr val="lt1"/>
+              </a:fontRef>
+            </p:style>
+            <p:txBody>
+              <a:bodyPr rtlCol="0" anchor="ctr"/>
+              <a:lstStyle/>
+              <a:p>
+                <a:pPr algn="ctr"/>
+                <a:endParaRPr kumimoji="1" lang="ja-JP" altLang="en-US"/>
+              </a:p>
+            </p:txBody>
+          </p:sp>
+          <p:sp>
+            <p:nvSpPr>
+              <p:cNvPr id="18" name="楕円 17">
+                <a:extLst>
+                  <a:ext uri="{FF2B5EF4-FFF2-40B4-BE49-F238E27FC236}">
+                    <a16:creationId xmlns:a16="http://schemas.microsoft.com/office/drawing/2014/main" id="{62E63BCB-0CF5-95A8-44D1-F83351E9B935}"/>
+                  </a:ext>
+                </a:extLst>
+              </p:cNvPr>
+              <p:cNvSpPr>
+                <a:spLocks noChangeAspect="1"/>
+              </p:cNvSpPr>
+              <p:nvPr/>
+            </p:nvSpPr>
+            <p:spPr>
+              <a:xfrm>
+                <a:off x="1997272" y="3252014"/>
+                <a:ext cx="235320" cy="235320"/>
+              </a:xfrm>
+              <a:prstGeom prst="ellipse">
+                <a:avLst/>
+              </a:prstGeom>
+              <a:solidFill>
+                <a:srgbClr val="ECEBCD"/>
+              </a:solidFill>
+              <a:ln>
+                <a:noFill/>
+              </a:ln>
+              <a:effectLst>
+                <a:innerShdw blurRad="76200" dist="152400" dir="13500000">
+                  <a:prstClr val="black">
+                    <a:alpha val="50000"/>
+                  </a:prstClr>
+                </a:innerShdw>
+              </a:effectLst>
+            </p:spPr>
+            <p:style>
+              <a:lnRef idx="2">
+                <a:schemeClr val="accent1">
+                  <a:shade val="15000"/>
+                </a:schemeClr>
+              </a:lnRef>
+              <a:fillRef idx="1">
+                <a:schemeClr val="accent1"/>
+              </a:fillRef>
+              <a:effectRef idx="0">
+                <a:schemeClr val="accent1"/>
+              </a:effectRef>
+              <a:fontRef idx="minor">
+                <a:schemeClr val="lt1"/>
+              </a:fontRef>
+            </p:style>
+            <p:txBody>
+              <a:bodyPr rtlCol="0" anchor="ctr"/>
+              <a:lstStyle/>
+              <a:p>
+                <a:pPr algn="ctr"/>
+                <a:endParaRPr kumimoji="1" lang="ja-JP" altLang="en-US"/>
+              </a:p>
+            </p:txBody>
+          </p:sp>
+          <p:sp>
+            <p:nvSpPr>
+              <p:cNvPr id="19" name="楕円 18">
+                <a:extLst>
+                  <a:ext uri="{FF2B5EF4-FFF2-40B4-BE49-F238E27FC236}">
+                    <a16:creationId xmlns:a16="http://schemas.microsoft.com/office/drawing/2014/main" id="{6ACF9AF1-A562-8A97-89BD-AD6E28D9D075}"/>
+                  </a:ext>
+                </a:extLst>
+              </p:cNvPr>
+              <p:cNvSpPr>
+                <a:spLocks noChangeAspect="1"/>
+              </p:cNvSpPr>
+              <p:nvPr/>
+            </p:nvSpPr>
+            <p:spPr>
+              <a:xfrm>
+                <a:off x="1997167" y="3650453"/>
+                <a:ext cx="235320" cy="235320"/>
+              </a:xfrm>
+              <a:prstGeom prst="ellipse">
+                <a:avLst/>
+              </a:prstGeom>
+              <a:solidFill>
+                <a:srgbClr val="ECEBCD"/>
+              </a:solidFill>
+              <a:ln>
+                <a:noFill/>
+              </a:ln>
+              <a:effectLst>
+                <a:innerShdw blurRad="76200" dist="152400" dir="13500000">
+                  <a:prstClr val="black">
+                    <a:alpha val="50000"/>
+                  </a:prstClr>
+                </a:innerShdw>
+              </a:effectLst>
+            </p:spPr>
+            <p:style>
+              <a:lnRef idx="2">
+                <a:schemeClr val="accent1">
+                  <a:shade val="15000"/>
+                </a:schemeClr>
+              </a:lnRef>
+              <a:fillRef idx="1">
+                <a:schemeClr val="accent1"/>
+              </a:fillRef>
+              <a:effectRef idx="0">
+                <a:schemeClr val="accent1"/>
+              </a:effectRef>
+              <a:fontRef idx="minor">
+                <a:schemeClr val="lt1"/>
+              </a:fontRef>
+            </p:style>
+            <p:txBody>
+              <a:bodyPr rtlCol="0" anchor="ctr"/>
+              <a:lstStyle/>
+              <a:p>
+                <a:pPr algn="ctr"/>
+                <a:endParaRPr kumimoji="1" lang="ja-JP" altLang="en-US"/>
+              </a:p>
+            </p:txBody>
+          </p:sp>
+          <p:sp>
+            <p:nvSpPr>
+              <p:cNvPr id="20" name="楕円 19">
+                <a:extLst>
+                  <a:ext uri="{FF2B5EF4-FFF2-40B4-BE49-F238E27FC236}">
+                    <a16:creationId xmlns:a16="http://schemas.microsoft.com/office/drawing/2014/main" id="{EB9C7104-7786-1225-9291-3FD2A149AFEB}"/>
+                  </a:ext>
+                </a:extLst>
+              </p:cNvPr>
+              <p:cNvSpPr>
+                <a:spLocks noChangeAspect="1"/>
+              </p:cNvSpPr>
+              <p:nvPr/>
+            </p:nvSpPr>
+            <p:spPr>
+              <a:xfrm>
+                <a:off x="1997167" y="4044477"/>
+                <a:ext cx="235320" cy="235320"/>
+              </a:xfrm>
+              <a:prstGeom prst="ellipse">
+                <a:avLst/>
+              </a:prstGeom>
+              <a:solidFill>
+                <a:srgbClr val="ECEBCD"/>
+              </a:solidFill>
+              <a:ln>
+                <a:noFill/>
+              </a:ln>
+              <a:effectLst>
+                <a:innerShdw blurRad="76200" dist="152400" dir="13500000">
+                  <a:prstClr val="black">
+                    <a:alpha val="50000"/>
+                  </a:prstClr>
+                </a:innerShdw>
+              </a:effectLst>
+            </p:spPr>
+            <p:style>
+              <a:lnRef idx="2">
+                <a:schemeClr val="accent1">
+                  <a:shade val="15000"/>
+                </a:schemeClr>
+              </a:lnRef>
+              <a:fillRef idx="1">
+                <a:schemeClr val="accent1"/>
+              </a:fillRef>
+              <a:effectRef idx="0">
+                <a:schemeClr val="accent1"/>
+              </a:effectRef>
+              <a:fontRef idx="minor">
+                <a:schemeClr val="lt1"/>
+              </a:fontRef>
+            </p:style>
+            <p:txBody>
+              <a:bodyPr rtlCol="0" anchor="ctr"/>
+              <a:lstStyle/>
+              <a:p>
+                <a:pPr algn="ctr"/>
+                <a:endParaRPr kumimoji="1" lang="ja-JP" altLang="en-US"/>
+              </a:p>
+            </p:txBody>
+          </p:sp>
+          <p:sp>
+            <p:nvSpPr>
+              <p:cNvPr id="21" name="楕円 20">
+                <a:extLst>
+                  <a:ext uri="{FF2B5EF4-FFF2-40B4-BE49-F238E27FC236}">
+                    <a16:creationId xmlns:a16="http://schemas.microsoft.com/office/drawing/2014/main" id="{43935E95-3F9A-2E8D-B753-80D18C07320B}"/>
+                  </a:ext>
+                </a:extLst>
+              </p:cNvPr>
+              <p:cNvSpPr>
+                <a:spLocks noChangeAspect="1"/>
+              </p:cNvSpPr>
+              <p:nvPr/>
+            </p:nvSpPr>
+            <p:spPr>
+              <a:xfrm>
+                <a:off x="2000734" y="4438417"/>
+                <a:ext cx="235320" cy="235320"/>
+              </a:xfrm>
+              <a:prstGeom prst="ellipse">
+                <a:avLst/>
+              </a:prstGeom>
+              <a:solidFill>
+                <a:srgbClr val="ECEBCD"/>
+              </a:solidFill>
+              <a:ln>
+                <a:noFill/>
+              </a:ln>
+              <a:effectLst>
+                <a:innerShdw blurRad="76200" dist="152400" dir="13500000">
+                  <a:prstClr val="black">
+                    <a:alpha val="50000"/>
+                  </a:prstClr>
+                </a:innerShdw>
+              </a:effectLst>
+            </p:spPr>
+            <p:style>
+              <a:lnRef idx="2">
+                <a:schemeClr val="accent1">
+                  <a:shade val="15000"/>
+                </a:schemeClr>
+              </a:lnRef>
+              <a:fillRef idx="1">
+                <a:schemeClr val="accent1"/>
+              </a:fillRef>
+              <a:effectRef idx="0">
+                <a:schemeClr val="accent1"/>
+              </a:effectRef>
+              <a:fontRef idx="minor">
+                <a:schemeClr val="lt1"/>
+              </a:fontRef>
+            </p:style>
+            <p:txBody>
+              <a:bodyPr rtlCol="0" anchor="ctr"/>
+              <a:lstStyle/>
+              <a:p>
+                <a:pPr algn="ctr"/>
+                <a:endParaRPr kumimoji="1" lang="ja-JP" altLang="en-US"/>
+              </a:p>
+            </p:txBody>
+          </p:sp>
+          <p:sp>
+            <p:nvSpPr>
+              <p:cNvPr id="22" name="楕円 21">
+                <a:extLst>
+                  <a:ext uri="{FF2B5EF4-FFF2-40B4-BE49-F238E27FC236}">
+                    <a16:creationId xmlns:a16="http://schemas.microsoft.com/office/drawing/2014/main" id="{238CC4DB-2D8F-9734-D101-2302579FBFDB}"/>
+                  </a:ext>
+                </a:extLst>
+              </p:cNvPr>
+              <p:cNvSpPr>
+                <a:spLocks noChangeAspect="1"/>
+              </p:cNvSpPr>
+              <p:nvPr/>
+            </p:nvSpPr>
+            <p:spPr>
+              <a:xfrm>
+                <a:off x="2000284" y="4829335"/>
+                <a:ext cx="235320" cy="235320"/>
+              </a:xfrm>
+              <a:prstGeom prst="ellipse">
+                <a:avLst/>
+              </a:prstGeom>
+              <a:solidFill>
+                <a:srgbClr val="ECEBCD"/>
+              </a:solidFill>
+              <a:ln>
+                <a:noFill/>
+              </a:ln>
+              <a:effectLst>
+                <a:innerShdw blurRad="76200" dist="152400" dir="13500000">
+                  <a:prstClr val="black">
+                    <a:alpha val="50000"/>
+                  </a:prstClr>
+                </a:innerShdw>
+              </a:effectLst>
+            </p:spPr>
+            <p:style>
+              <a:lnRef idx="2">
+                <a:schemeClr val="accent1">
+                  <a:shade val="15000"/>
+                </a:schemeClr>
+              </a:lnRef>
+              <a:fillRef idx="1">
+                <a:schemeClr val="accent1"/>
+              </a:fillRef>
+              <a:effectRef idx="0">
+                <a:schemeClr val="accent1"/>
+              </a:effectRef>
+              <a:fontRef idx="minor">
+                <a:schemeClr val="lt1"/>
+              </a:fontRef>
+            </p:style>
+            <p:txBody>
+              <a:bodyPr rtlCol="0" anchor="ctr"/>
+              <a:lstStyle/>
+              <a:p>
+                <a:pPr algn="ctr"/>
+                <a:endParaRPr kumimoji="1" lang="ja-JP" altLang="en-US"/>
+              </a:p>
+            </p:txBody>
+          </p:sp>
+          <p:sp>
+            <p:nvSpPr>
+              <p:cNvPr id="23" name="楕円 22">
+                <a:extLst>
+                  <a:ext uri="{FF2B5EF4-FFF2-40B4-BE49-F238E27FC236}">
+                    <a16:creationId xmlns:a16="http://schemas.microsoft.com/office/drawing/2014/main" id="{BA104483-6919-8F2C-9811-5042FD65FBF3}"/>
+                  </a:ext>
+                </a:extLst>
+              </p:cNvPr>
+              <p:cNvSpPr>
+                <a:spLocks noChangeAspect="1"/>
+              </p:cNvSpPr>
+              <p:nvPr/>
+            </p:nvSpPr>
+            <p:spPr>
+              <a:xfrm>
+                <a:off x="1997167" y="5220253"/>
+                <a:ext cx="235320" cy="235320"/>
+              </a:xfrm>
+              <a:prstGeom prst="ellipse">
+                <a:avLst/>
+              </a:prstGeom>
+              <a:solidFill>
+                <a:srgbClr val="ECEBCD"/>
+              </a:solidFill>
+              <a:ln>
+                <a:noFill/>
+              </a:ln>
+              <a:effectLst>
+                <a:innerShdw blurRad="76200" dist="152400" dir="13500000">
+                  <a:prstClr val="black">
+                    <a:alpha val="50000"/>
+                  </a:prstClr>
+                </a:innerShdw>
+              </a:effectLst>
+            </p:spPr>
+            <p:style>
+              <a:lnRef idx="2">
+                <a:schemeClr val="accent1">
+                  <a:shade val="15000"/>
+                </a:schemeClr>
+              </a:lnRef>
+              <a:fillRef idx="1">
+                <a:schemeClr val="accent1"/>
+              </a:fillRef>
+              <a:effectRef idx="0">
+                <a:schemeClr val="accent1"/>
+              </a:effectRef>
+              <a:fontRef idx="minor">
+                <a:schemeClr val="lt1"/>
+              </a:fontRef>
+            </p:style>
+            <p:txBody>
+              <a:bodyPr rtlCol="0" anchor="ctr"/>
+              <a:lstStyle/>
+              <a:p>
+                <a:pPr algn="ctr"/>
+                <a:endParaRPr kumimoji="1" lang="ja-JP" altLang="en-US"/>
+              </a:p>
+            </p:txBody>
+          </p:sp>
+          <p:sp>
+            <p:nvSpPr>
+              <p:cNvPr id="24" name="楕円 23">
+                <a:extLst>
+                  <a:ext uri="{FF2B5EF4-FFF2-40B4-BE49-F238E27FC236}">
+                    <a16:creationId xmlns:a16="http://schemas.microsoft.com/office/drawing/2014/main" id="{727C0052-0C20-73D2-0B59-78E0A86952CC}"/>
+                  </a:ext>
+                </a:extLst>
+              </p:cNvPr>
+              <p:cNvSpPr>
+                <a:spLocks noChangeAspect="1"/>
+              </p:cNvSpPr>
+              <p:nvPr/>
+            </p:nvSpPr>
+            <p:spPr>
+              <a:xfrm>
+                <a:off x="2005619" y="5614193"/>
+                <a:ext cx="235320" cy="235320"/>
+              </a:xfrm>
+              <a:prstGeom prst="ellipse">
+                <a:avLst/>
+              </a:prstGeom>
+              <a:solidFill>
+                <a:srgbClr val="ECEBCD"/>
+              </a:solidFill>
+              <a:ln>
+                <a:noFill/>
+              </a:ln>
+              <a:effectLst>
+                <a:innerShdw blurRad="76200" dist="152400" dir="13500000">
+                  <a:prstClr val="black">
+                    <a:alpha val="50000"/>
+                  </a:prstClr>
+                </a:innerShdw>
+              </a:effectLst>
+            </p:spPr>
+            <p:style>
+              <a:lnRef idx="2">
+                <a:schemeClr val="accent1">
+                  <a:shade val="15000"/>
+                </a:schemeClr>
+              </a:lnRef>
+              <a:fillRef idx="1">
+                <a:schemeClr val="accent1"/>
+              </a:fillRef>
+              <a:effectRef idx="0">
+                <a:schemeClr val="accent1"/>
+              </a:effectRef>
+              <a:fontRef idx="minor">
+                <a:schemeClr val="lt1"/>
+              </a:fontRef>
+            </p:style>
+            <p:txBody>
+              <a:bodyPr rtlCol="0" anchor="ctr"/>
+              <a:lstStyle/>
+              <a:p>
+                <a:pPr algn="ctr"/>
+                <a:endParaRPr kumimoji="1" lang="ja-JP" altLang="en-US"/>
+              </a:p>
+            </p:txBody>
+          </p:sp>
+          <p:sp>
+            <p:nvSpPr>
+              <p:cNvPr id="25" name="楕円 24">
+                <a:extLst>
+                  <a:ext uri="{FF2B5EF4-FFF2-40B4-BE49-F238E27FC236}">
+                    <a16:creationId xmlns:a16="http://schemas.microsoft.com/office/drawing/2014/main" id="{83DC5D14-C157-AA72-37CF-E1CDAD385B76}"/>
+                  </a:ext>
+                </a:extLst>
+              </p:cNvPr>
+              <p:cNvSpPr>
+                <a:spLocks noChangeAspect="1"/>
+              </p:cNvSpPr>
+              <p:nvPr/>
+            </p:nvSpPr>
+            <p:spPr>
+              <a:xfrm>
+                <a:off x="2005619" y="6008238"/>
+                <a:ext cx="235320" cy="235320"/>
+              </a:xfrm>
+              <a:prstGeom prst="ellipse">
+                <a:avLst/>
+              </a:prstGeom>
+              <a:solidFill>
+                <a:srgbClr val="ECEBCD"/>
+              </a:solidFill>
+              <a:ln>
+                <a:noFill/>
+              </a:ln>
+              <a:effectLst>
+                <a:innerShdw blurRad="76200" dist="152400" dir="13500000">
+                  <a:prstClr val="black">
+                    <a:alpha val="50000"/>
+                  </a:prstClr>
+                </a:innerShdw>
+              </a:effectLst>
+            </p:spPr>
+            <p:style>
+              <a:lnRef idx="2">
+                <a:schemeClr val="accent1">
+                  <a:shade val="15000"/>
+                </a:schemeClr>
+              </a:lnRef>
+              <a:fillRef idx="1">
+                <a:schemeClr val="accent1"/>
+              </a:fillRef>
+              <a:effectRef idx="0">
+                <a:schemeClr val="accent1"/>
+              </a:effectRef>
+              <a:fontRef idx="minor">
+                <a:schemeClr val="lt1"/>
+              </a:fontRef>
+            </p:style>
+            <p:txBody>
+              <a:bodyPr rtlCol="0" anchor="ctr"/>
+              <a:lstStyle/>
+              <a:p>
+                <a:pPr algn="ctr"/>
+                <a:endParaRPr kumimoji="1" lang="ja-JP" altLang="en-US"/>
+              </a:p>
+            </p:txBody>
+          </p:sp>
+        </p:grpSp>
+      </p:grpSp>
+      <p:grpSp>
+        <p:nvGrpSpPr>
+          <p:cNvPr id="46" name="グループ化 45">
+            <a:extLst>
+              <a:ext uri="{FF2B5EF4-FFF2-40B4-BE49-F238E27FC236}">
+                <a16:creationId xmlns:a16="http://schemas.microsoft.com/office/drawing/2014/main" id="{E977DC97-8E47-9D2B-AD61-A9128F201DF5}"/>
+              </a:ext>
+            </a:extLst>
+          </p:cNvPr>
+          <p:cNvGrpSpPr/>
+          <p:nvPr/>
+        </p:nvGrpSpPr>
+        <p:grpSpPr>
+          <a:xfrm>
+            <a:off x="179070" y="784859"/>
+            <a:ext cx="1606988" cy="5539729"/>
+            <a:chOff x="179070" y="784859"/>
+            <a:chExt cx="1606988" cy="5539729"/>
+          </a:xfrm>
+        </p:grpSpPr>
+        <p:sp>
+          <p:nvSpPr>
+            <p:cNvPr id="10" name="正方形/長方形 9">
+              <a:extLst>
+                <a:ext uri="{FF2B5EF4-FFF2-40B4-BE49-F238E27FC236}">
+                  <a16:creationId xmlns:a16="http://schemas.microsoft.com/office/drawing/2014/main" id="{5A5CA1C8-C7F8-7CF4-A974-81A97BC6A9AE}"/>
+                </a:ext>
+              </a:extLst>
+            </p:cNvPr>
+            <p:cNvSpPr/>
+            <p:nvPr/>
+          </p:nvSpPr>
+          <p:spPr>
+            <a:xfrm>
+              <a:off x="179070" y="784859"/>
+              <a:ext cx="1606988" cy="5539729"/>
+            </a:xfrm>
+            <a:prstGeom prst="rect">
+              <a:avLst/>
+            </a:prstGeom>
+            <a:solidFill>
+              <a:schemeClr val="bg1"/>
+            </a:solidFill>
+            <a:ln>
+              <a:noFill/>
+            </a:ln>
+            <a:effectLst>
+              <a:outerShdw blurRad="50800" dist="152400" dir="2700000" algn="ctr" rotWithShape="0">
+                <a:srgbClr val="000000">
+                  <a:alpha val="43137"/>
+                </a:srgbClr>
+              </a:outerShdw>
+            </a:effectLst>
+          </p:spPr>
+          <p:style>
+            <a:lnRef idx="2">
+              <a:schemeClr val="accent1">
+                <a:shade val="15000"/>
+              </a:schemeClr>
+            </a:lnRef>
+            <a:fillRef idx="1">
+              <a:schemeClr val="accent1"/>
+            </a:fillRef>
+            <a:effectRef idx="0">
+              <a:schemeClr val="accent1"/>
+            </a:effectRef>
+            <a:fontRef idx="minor">
+              <a:schemeClr val="lt1"/>
+            </a:fontRef>
+          </p:style>
+          <p:txBody>
+            <a:bodyPr rtlCol="0" anchor="ctr"/>
+            <a:lstStyle/>
+            <a:p>
+              <a:pPr algn="ctr"/>
+              <a:endParaRPr kumimoji="1" lang="ja-JP" altLang="en-US"/>
+            </a:p>
+          </p:txBody>
+        </p:sp>
+        <p:grpSp>
+          <p:nvGrpSpPr>
+            <p:cNvPr id="45" name="グループ化 44">
+              <a:extLst>
+                <a:ext uri="{FF2B5EF4-FFF2-40B4-BE49-F238E27FC236}">
+                  <a16:creationId xmlns:a16="http://schemas.microsoft.com/office/drawing/2014/main" id="{A88CF212-5405-6C7A-D8F3-AB07A4318B35}"/>
+                </a:ext>
+              </a:extLst>
+            </p:cNvPr>
+            <p:cNvGrpSpPr/>
+            <p:nvPr/>
+          </p:nvGrpSpPr>
+          <p:grpSpPr>
+            <a:xfrm>
+              <a:off x="280589" y="856557"/>
+              <a:ext cx="252119" cy="5349329"/>
+              <a:chOff x="280589" y="856557"/>
+              <a:chExt cx="252119" cy="5349329"/>
+            </a:xfrm>
+          </p:grpSpPr>
+          <p:sp>
+            <p:nvSpPr>
+              <p:cNvPr id="26" name="楕円 25">
+                <a:extLst>
+                  <a:ext uri="{FF2B5EF4-FFF2-40B4-BE49-F238E27FC236}">
+                    <a16:creationId xmlns:a16="http://schemas.microsoft.com/office/drawing/2014/main" id="{3C28775D-CE78-5DEE-176F-DC86303168E8}"/>
+                  </a:ext>
+                </a:extLst>
+              </p:cNvPr>
+              <p:cNvSpPr>
+                <a:spLocks noChangeAspect="1"/>
+              </p:cNvSpPr>
+              <p:nvPr/>
+            </p:nvSpPr>
+            <p:spPr>
+              <a:xfrm>
+                <a:off x="280589" y="856557"/>
+                <a:ext cx="235320" cy="235320"/>
+              </a:xfrm>
+              <a:prstGeom prst="ellipse">
+                <a:avLst/>
+              </a:prstGeom>
+              <a:solidFill>
+                <a:srgbClr val="ECEBCD"/>
+              </a:solidFill>
+              <a:ln>
+                <a:noFill/>
+              </a:ln>
+              <a:effectLst>
+                <a:innerShdw blurRad="76200" dist="152400" dir="13500000">
+                  <a:prstClr val="black">
+                    <a:alpha val="50000"/>
+                  </a:prstClr>
+                </a:innerShdw>
+              </a:effectLst>
+            </p:spPr>
+            <p:style>
+              <a:lnRef idx="2">
+                <a:schemeClr val="accent1">
+                  <a:shade val="15000"/>
+                </a:schemeClr>
+              </a:lnRef>
+              <a:fillRef idx="1">
+                <a:schemeClr val="accent1"/>
+              </a:fillRef>
+              <a:effectRef idx="0">
+                <a:schemeClr val="accent1"/>
+              </a:effectRef>
+              <a:fontRef idx="minor">
+                <a:schemeClr val="lt1"/>
+              </a:fontRef>
+            </p:style>
+            <p:txBody>
+              <a:bodyPr rtlCol="0" anchor="ctr"/>
+              <a:lstStyle/>
+              <a:p>
+                <a:pPr algn="ctr"/>
+                <a:endParaRPr kumimoji="1" lang="ja-JP" altLang="en-US"/>
+              </a:p>
+            </p:txBody>
+          </p:sp>
+          <p:sp>
+            <p:nvSpPr>
+              <p:cNvPr id="27" name="楕円 26">
+                <a:extLst>
+                  <a:ext uri="{FF2B5EF4-FFF2-40B4-BE49-F238E27FC236}">
+                    <a16:creationId xmlns:a16="http://schemas.microsoft.com/office/drawing/2014/main" id="{B3DA530B-6D99-14F2-1BF5-875E08F58F2E}"/>
+                  </a:ext>
+                </a:extLst>
+              </p:cNvPr>
+              <p:cNvSpPr>
+                <a:spLocks noChangeAspect="1"/>
+              </p:cNvSpPr>
+              <p:nvPr/>
+            </p:nvSpPr>
+            <p:spPr>
+              <a:xfrm>
+                <a:off x="280589" y="1250581"/>
+                <a:ext cx="235320" cy="235320"/>
+              </a:xfrm>
+              <a:prstGeom prst="ellipse">
+                <a:avLst/>
+              </a:prstGeom>
+              <a:solidFill>
+                <a:srgbClr val="ECEBCD"/>
+              </a:solidFill>
+              <a:ln>
+                <a:noFill/>
+              </a:ln>
+              <a:effectLst>
+                <a:innerShdw blurRad="76200" dist="152400" dir="13500000">
+                  <a:prstClr val="black">
+                    <a:alpha val="50000"/>
+                  </a:prstClr>
+                </a:innerShdw>
+              </a:effectLst>
+            </p:spPr>
+            <p:style>
+              <a:lnRef idx="2">
+                <a:schemeClr val="accent1">
+                  <a:shade val="15000"/>
+                </a:schemeClr>
+              </a:lnRef>
+              <a:fillRef idx="1">
+                <a:schemeClr val="accent1"/>
+              </a:fillRef>
+              <a:effectRef idx="0">
+                <a:schemeClr val="accent1"/>
+              </a:effectRef>
+              <a:fontRef idx="minor">
+                <a:schemeClr val="lt1"/>
+              </a:fontRef>
+            </p:style>
+            <p:txBody>
+              <a:bodyPr rtlCol="0" anchor="ctr"/>
+              <a:lstStyle/>
+              <a:p>
+                <a:pPr algn="ctr"/>
+                <a:endParaRPr kumimoji="1" lang="ja-JP" altLang="en-US"/>
+              </a:p>
+            </p:txBody>
+          </p:sp>
+          <p:sp>
+            <p:nvSpPr>
+              <p:cNvPr id="28" name="楕円 27">
+                <a:extLst>
+                  <a:ext uri="{FF2B5EF4-FFF2-40B4-BE49-F238E27FC236}">
+                    <a16:creationId xmlns:a16="http://schemas.microsoft.com/office/drawing/2014/main" id="{944BE7BA-A083-6A24-8FDF-B150E1BBDE83}"/>
+                  </a:ext>
+                </a:extLst>
+              </p:cNvPr>
+              <p:cNvSpPr>
+                <a:spLocks noChangeAspect="1"/>
+              </p:cNvSpPr>
+              <p:nvPr/>
+            </p:nvSpPr>
+            <p:spPr>
+              <a:xfrm>
+                <a:off x="284156" y="1644521"/>
+                <a:ext cx="235320" cy="235320"/>
+              </a:xfrm>
+              <a:prstGeom prst="ellipse">
+                <a:avLst/>
+              </a:prstGeom>
+              <a:solidFill>
+                <a:srgbClr val="ECEBCD"/>
+              </a:solidFill>
+              <a:ln>
+                <a:noFill/>
+              </a:ln>
+              <a:effectLst>
+                <a:innerShdw blurRad="76200" dist="152400" dir="13500000">
+                  <a:prstClr val="black">
+                    <a:alpha val="50000"/>
+                  </a:prstClr>
+                </a:innerShdw>
+              </a:effectLst>
+            </p:spPr>
+            <p:style>
+              <a:lnRef idx="2">
+                <a:schemeClr val="accent1">
+                  <a:shade val="15000"/>
+                </a:schemeClr>
+              </a:lnRef>
+              <a:fillRef idx="1">
+                <a:schemeClr val="accent1"/>
+              </a:fillRef>
+              <a:effectRef idx="0">
+                <a:schemeClr val="accent1"/>
+              </a:effectRef>
+              <a:fontRef idx="minor">
+                <a:schemeClr val="lt1"/>
+              </a:fontRef>
+            </p:style>
+            <p:txBody>
+              <a:bodyPr rtlCol="0" anchor="ctr"/>
+              <a:lstStyle/>
+              <a:p>
+                <a:pPr algn="ctr"/>
+                <a:endParaRPr kumimoji="1" lang="ja-JP" altLang="en-US"/>
+              </a:p>
+            </p:txBody>
+          </p:sp>
+          <p:sp>
+            <p:nvSpPr>
+              <p:cNvPr id="29" name="楕円 28">
+                <a:extLst>
+                  <a:ext uri="{FF2B5EF4-FFF2-40B4-BE49-F238E27FC236}">
+                    <a16:creationId xmlns:a16="http://schemas.microsoft.com/office/drawing/2014/main" id="{E7443E2D-2300-79C0-1FB8-534889F782F1}"/>
+                  </a:ext>
+                </a:extLst>
+              </p:cNvPr>
+              <p:cNvSpPr>
+                <a:spLocks noChangeAspect="1"/>
+              </p:cNvSpPr>
+              <p:nvPr/>
+            </p:nvSpPr>
+            <p:spPr>
+              <a:xfrm>
+                <a:off x="283706" y="2035439"/>
+                <a:ext cx="235320" cy="235320"/>
+              </a:xfrm>
+              <a:prstGeom prst="ellipse">
+                <a:avLst/>
+              </a:prstGeom>
+              <a:solidFill>
+                <a:srgbClr val="ECEBCD"/>
+              </a:solidFill>
+              <a:ln>
+                <a:noFill/>
+              </a:ln>
+              <a:effectLst>
+                <a:innerShdw blurRad="76200" dist="152400" dir="13500000">
+                  <a:prstClr val="black">
+                    <a:alpha val="50000"/>
+                  </a:prstClr>
+                </a:innerShdw>
+              </a:effectLst>
+            </p:spPr>
+            <p:style>
+              <a:lnRef idx="2">
+                <a:schemeClr val="accent1">
+                  <a:shade val="15000"/>
+                </a:schemeClr>
+              </a:lnRef>
+              <a:fillRef idx="1">
+                <a:schemeClr val="accent1"/>
+              </a:fillRef>
+              <a:effectRef idx="0">
+                <a:schemeClr val="accent1"/>
+              </a:effectRef>
+              <a:fontRef idx="minor">
+                <a:schemeClr val="lt1"/>
+              </a:fontRef>
+            </p:style>
+            <p:txBody>
+              <a:bodyPr rtlCol="0" anchor="ctr"/>
+              <a:lstStyle/>
+              <a:p>
+                <a:pPr algn="ctr"/>
+                <a:endParaRPr kumimoji="1" lang="ja-JP" altLang="en-US"/>
+              </a:p>
+            </p:txBody>
+          </p:sp>
+          <p:sp>
+            <p:nvSpPr>
+              <p:cNvPr id="30" name="楕円 29">
+                <a:extLst>
+                  <a:ext uri="{FF2B5EF4-FFF2-40B4-BE49-F238E27FC236}">
+                    <a16:creationId xmlns:a16="http://schemas.microsoft.com/office/drawing/2014/main" id="{48977FEF-B81F-4A1E-75B6-723570645C19}"/>
+                  </a:ext>
+                </a:extLst>
+              </p:cNvPr>
+              <p:cNvSpPr>
+                <a:spLocks noChangeAspect="1"/>
+              </p:cNvSpPr>
+              <p:nvPr/>
+            </p:nvSpPr>
+            <p:spPr>
+              <a:xfrm>
+                <a:off x="280589" y="2426357"/>
+                <a:ext cx="235320" cy="235320"/>
+              </a:xfrm>
+              <a:prstGeom prst="ellipse">
+                <a:avLst/>
+              </a:prstGeom>
+              <a:solidFill>
+                <a:srgbClr val="ECEBCD"/>
+              </a:solidFill>
+              <a:ln>
+                <a:noFill/>
+              </a:ln>
+              <a:effectLst>
+                <a:innerShdw blurRad="76200" dist="152400" dir="13500000">
+                  <a:prstClr val="black">
+                    <a:alpha val="50000"/>
+                  </a:prstClr>
+                </a:innerShdw>
+              </a:effectLst>
+            </p:spPr>
+            <p:style>
+              <a:lnRef idx="2">
+                <a:schemeClr val="accent1">
+                  <a:shade val="15000"/>
+                </a:schemeClr>
+              </a:lnRef>
+              <a:fillRef idx="1">
+                <a:schemeClr val="accent1"/>
+              </a:fillRef>
+              <a:effectRef idx="0">
+                <a:schemeClr val="accent1"/>
+              </a:effectRef>
+              <a:fontRef idx="minor">
+                <a:schemeClr val="lt1"/>
+              </a:fontRef>
+            </p:style>
+            <p:txBody>
+              <a:bodyPr rtlCol="0" anchor="ctr"/>
+              <a:lstStyle/>
+              <a:p>
+                <a:pPr algn="ctr"/>
+                <a:endParaRPr kumimoji="1" lang="ja-JP" altLang="en-US"/>
+              </a:p>
+            </p:txBody>
+          </p:sp>
+          <p:sp>
+            <p:nvSpPr>
+              <p:cNvPr id="31" name="楕円 30">
+                <a:extLst>
+                  <a:ext uri="{FF2B5EF4-FFF2-40B4-BE49-F238E27FC236}">
+                    <a16:creationId xmlns:a16="http://schemas.microsoft.com/office/drawing/2014/main" id="{9C3CECDB-535B-4769-267F-41E7ACFD9A35}"/>
+                  </a:ext>
+                </a:extLst>
+              </p:cNvPr>
+              <p:cNvSpPr>
+                <a:spLocks noChangeAspect="1"/>
+              </p:cNvSpPr>
+              <p:nvPr/>
+            </p:nvSpPr>
+            <p:spPr>
+              <a:xfrm>
+                <a:off x="289041" y="2820297"/>
+                <a:ext cx="235320" cy="235320"/>
+              </a:xfrm>
+              <a:prstGeom prst="ellipse">
+                <a:avLst/>
+              </a:prstGeom>
+              <a:solidFill>
+                <a:srgbClr val="ECEBCD"/>
+              </a:solidFill>
+              <a:ln>
+                <a:noFill/>
+              </a:ln>
+              <a:effectLst>
+                <a:innerShdw blurRad="76200" dist="152400" dir="13500000">
+                  <a:prstClr val="black">
+                    <a:alpha val="50000"/>
+                  </a:prstClr>
+                </a:innerShdw>
+              </a:effectLst>
+            </p:spPr>
+            <p:style>
+              <a:lnRef idx="2">
+                <a:schemeClr val="accent1">
+                  <a:shade val="15000"/>
+                </a:schemeClr>
+              </a:lnRef>
+              <a:fillRef idx="1">
+                <a:schemeClr val="accent1"/>
+              </a:fillRef>
+              <a:effectRef idx="0">
+                <a:schemeClr val="accent1"/>
+              </a:effectRef>
+              <a:fontRef idx="minor">
+                <a:schemeClr val="lt1"/>
+              </a:fontRef>
+            </p:style>
+            <p:txBody>
+              <a:bodyPr rtlCol="0" anchor="ctr"/>
+              <a:lstStyle/>
+              <a:p>
+                <a:pPr algn="ctr"/>
+                <a:endParaRPr kumimoji="1" lang="ja-JP" altLang="en-US"/>
+              </a:p>
+            </p:txBody>
+          </p:sp>
+          <p:sp>
+            <p:nvSpPr>
+              <p:cNvPr id="32" name="楕円 31">
+                <a:extLst>
+                  <a:ext uri="{FF2B5EF4-FFF2-40B4-BE49-F238E27FC236}">
+                    <a16:creationId xmlns:a16="http://schemas.microsoft.com/office/drawing/2014/main" id="{4D57CEDC-670F-4D11-98F8-75DD91CA7737}"/>
+                  </a:ext>
+                </a:extLst>
+              </p:cNvPr>
+              <p:cNvSpPr>
+                <a:spLocks noChangeAspect="1"/>
+              </p:cNvSpPr>
+              <p:nvPr/>
+            </p:nvSpPr>
+            <p:spPr>
+              <a:xfrm>
+                <a:off x="289041" y="3214342"/>
+                <a:ext cx="235320" cy="235320"/>
+              </a:xfrm>
+              <a:prstGeom prst="ellipse">
+                <a:avLst/>
+              </a:prstGeom>
+              <a:solidFill>
+                <a:srgbClr val="ECEBCD"/>
+              </a:solidFill>
+              <a:ln>
+                <a:noFill/>
+              </a:ln>
+              <a:effectLst>
+                <a:innerShdw blurRad="76200" dist="152400" dir="13500000">
+                  <a:prstClr val="black">
+                    <a:alpha val="50000"/>
+                  </a:prstClr>
+                </a:innerShdw>
+              </a:effectLst>
+            </p:spPr>
+            <p:style>
+              <a:lnRef idx="2">
+                <a:schemeClr val="accent1">
+                  <a:shade val="15000"/>
+                </a:schemeClr>
+              </a:lnRef>
+              <a:fillRef idx="1">
+                <a:schemeClr val="accent1"/>
+              </a:fillRef>
+              <a:effectRef idx="0">
+                <a:schemeClr val="accent1"/>
+              </a:effectRef>
+              <a:fontRef idx="minor">
+                <a:schemeClr val="lt1"/>
+              </a:fontRef>
+            </p:style>
+            <p:txBody>
+              <a:bodyPr rtlCol="0" anchor="ctr"/>
+              <a:lstStyle/>
+              <a:p>
+                <a:pPr algn="ctr"/>
+                <a:endParaRPr kumimoji="1" lang="ja-JP" altLang="en-US"/>
+              </a:p>
+            </p:txBody>
+          </p:sp>
+          <p:sp>
+            <p:nvSpPr>
+              <p:cNvPr id="33" name="楕円 32">
+                <a:extLst>
+                  <a:ext uri="{FF2B5EF4-FFF2-40B4-BE49-F238E27FC236}">
+                    <a16:creationId xmlns:a16="http://schemas.microsoft.com/office/drawing/2014/main" id="{86E4CE70-2669-B7CD-A0B9-8A0FA76B554B}"/>
+                  </a:ext>
+                </a:extLst>
+              </p:cNvPr>
+              <p:cNvSpPr>
+                <a:spLocks noChangeAspect="1"/>
+              </p:cNvSpPr>
+              <p:nvPr/>
+            </p:nvSpPr>
+            <p:spPr>
+              <a:xfrm>
+                <a:off x="288936" y="3612781"/>
+                <a:ext cx="235320" cy="235320"/>
+              </a:xfrm>
+              <a:prstGeom prst="ellipse">
+                <a:avLst/>
+              </a:prstGeom>
+              <a:solidFill>
+                <a:srgbClr val="ECEBCD"/>
+              </a:solidFill>
+              <a:ln>
+                <a:noFill/>
+              </a:ln>
+              <a:effectLst>
+                <a:innerShdw blurRad="76200" dist="152400" dir="13500000">
+                  <a:prstClr val="black">
+                    <a:alpha val="50000"/>
+                  </a:prstClr>
+                </a:innerShdw>
+              </a:effectLst>
+            </p:spPr>
+            <p:style>
+              <a:lnRef idx="2">
+                <a:schemeClr val="accent1">
+                  <a:shade val="15000"/>
+                </a:schemeClr>
+              </a:lnRef>
+              <a:fillRef idx="1">
+                <a:schemeClr val="accent1"/>
+              </a:fillRef>
+              <a:effectRef idx="0">
+                <a:schemeClr val="accent1"/>
+              </a:effectRef>
+              <a:fontRef idx="minor">
+                <a:schemeClr val="lt1"/>
+              </a:fontRef>
+            </p:style>
+            <p:txBody>
+              <a:bodyPr rtlCol="0" anchor="ctr"/>
+              <a:lstStyle/>
+              <a:p>
+                <a:pPr algn="ctr"/>
+                <a:endParaRPr kumimoji="1" lang="ja-JP" altLang="en-US"/>
+              </a:p>
+            </p:txBody>
+          </p:sp>
+          <p:sp>
+            <p:nvSpPr>
+              <p:cNvPr id="34" name="楕円 33">
+                <a:extLst>
+                  <a:ext uri="{FF2B5EF4-FFF2-40B4-BE49-F238E27FC236}">
+                    <a16:creationId xmlns:a16="http://schemas.microsoft.com/office/drawing/2014/main" id="{E4AF571E-2D8A-9BA2-1C08-714270E55670}"/>
+                  </a:ext>
+                </a:extLst>
+              </p:cNvPr>
+              <p:cNvSpPr>
+                <a:spLocks noChangeAspect="1"/>
+              </p:cNvSpPr>
+              <p:nvPr/>
+            </p:nvSpPr>
+            <p:spPr>
+              <a:xfrm>
+                <a:off x="288936" y="4006805"/>
+                <a:ext cx="235320" cy="235320"/>
+              </a:xfrm>
+              <a:prstGeom prst="ellipse">
+                <a:avLst/>
+              </a:prstGeom>
+              <a:solidFill>
+                <a:srgbClr val="ECEBCD"/>
+              </a:solidFill>
+              <a:ln>
+                <a:noFill/>
+              </a:ln>
+              <a:effectLst>
+                <a:innerShdw blurRad="76200" dist="152400" dir="13500000">
+                  <a:prstClr val="black">
+                    <a:alpha val="50000"/>
+                  </a:prstClr>
+                </a:innerShdw>
+              </a:effectLst>
+            </p:spPr>
+            <p:style>
+              <a:lnRef idx="2">
+                <a:schemeClr val="accent1">
+                  <a:shade val="15000"/>
+                </a:schemeClr>
+              </a:lnRef>
+              <a:fillRef idx="1">
+                <a:schemeClr val="accent1"/>
+              </a:fillRef>
+              <a:effectRef idx="0">
+                <a:schemeClr val="accent1"/>
+              </a:effectRef>
+              <a:fontRef idx="minor">
+                <a:schemeClr val="lt1"/>
+              </a:fontRef>
+            </p:style>
+            <p:txBody>
+              <a:bodyPr rtlCol="0" anchor="ctr"/>
+              <a:lstStyle/>
+              <a:p>
+                <a:pPr algn="ctr"/>
+                <a:endParaRPr kumimoji="1" lang="ja-JP" altLang="en-US"/>
+              </a:p>
+            </p:txBody>
+          </p:sp>
+          <p:sp>
+            <p:nvSpPr>
+              <p:cNvPr id="35" name="楕円 34">
+                <a:extLst>
+                  <a:ext uri="{FF2B5EF4-FFF2-40B4-BE49-F238E27FC236}">
+                    <a16:creationId xmlns:a16="http://schemas.microsoft.com/office/drawing/2014/main" id="{4B2A2A39-D188-A00A-BFE8-FFE8E0CA6320}"/>
+                  </a:ext>
+                </a:extLst>
+              </p:cNvPr>
+              <p:cNvSpPr>
+                <a:spLocks noChangeAspect="1"/>
+              </p:cNvSpPr>
+              <p:nvPr/>
+            </p:nvSpPr>
+            <p:spPr>
+              <a:xfrm>
+                <a:off x="292503" y="4400745"/>
+                <a:ext cx="235320" cy="235320"/>
+              </a:xfrm>
+              <a:prstGeom prst="ellipse">
+                <a:avLst/>
+              </a:prstGeom>
+              <a:solidFill>
+                <a:srgbClr val="ECEBCD"/>
+              </a:solidFill>
+              <a:ln>
+                <a:noFill/>
+              </a:ln>
+              <a:effectLst>
+                <a:innerShdw blurRad="76200" dist="152400" dir="13500000">
+                  <a:prstClr val="black">
+                    <a:alpha val="50000"/>
+                  </a:prstClr>
+                </a:innerShdw>
+              </a:effectLst>
+            </p:spPr>
+            <p:style>
+              <a:lnRef idx="2">
+                <a:schemeClr val="accent1">
+                  <a:shade val="15000"/>
+                </a:schemeClr>
+              </a:lnRef>
+              <a:fillRef idx="1">
+                <a:schemeClr val="accent1"/>
+              </a:fillRef>
+              <a:effectRef idx="0">
+                <a:schemeClr val="accent1"/>
+              </a:effectRef>
+              <a:fontRef idx="minor">
+                <a:schemeClr val="lt1"/>
+              </a:fontRef>
+            </p:style>
+            <p:txBody>
+              <a:bodyPr rtlCol="0" anchor="ctr"/>
+              <a:lstStyle/>
+              <a:p>
+                <a:pPr algn="ctr"/>
+                <a:endParaRPr kumimoji="1" lang="ja-JP" altLang="en-US"/>
+              </a:p>
+            </p:txBody>
+          </p:sp>
+          <p:sp>
+            <p:nvSpPr>
+              <p:cNvPr id="36" name="楕円 35">
+                <a:extLst>
+                  <a:ext uri="{FF2B5EF4-FFF2-40B4-BE49-F238E27FC236}">
+                    <a16:creationId xmlns:a16="http://schemas.microsoft.com/office/drawing/2014/main" id="{7CC1689D-67F5-7207-DCA1-92A5F95DE0C8}"/>
+                  </a:ext>
+                </a:extLst>
+              </p:cNvPr>
+              <p:cNvSpPr>
+                <a:spLocks noChangeAspect="1"/>
+              </p:cNvSpPr>
+              <p:nvPr/>
+            </p:nvSpPr>
+            <p:spPr>
+              <a:xfrm>
+                <a:off x="292053" y="4791663"/>
+                <a:ext cx="235320" cy="235320"/>
+              </a:xfrm>
+              <a:prstGeom prst="ellipse">
+                <a:avLst/>
+              </a:prstGeom>
+              <a:solidFill>
+                <a:srgbClr val="ECEBCD"/>
+              </a:solidFill>
+              <a:ln>
+                <a:noFill/>
+              </a:ln>
+              <a:effectLst>
+                <a:innerShdw blurRad="76200" dist="152400" dir="13500000">
+                  <a:prstClr val="black">
+                    <a:alpha val="50000"/>
+                  </a:prstClr>
+                </a:innerShdw>
+              </a:effectLst>
+            </p:spPr>
+            <p:style>
+              <a:lnRef idx="2">
+                <a:schemeClr val="accent1">
+                  <a:shade val="15000"/>
+                </a:schemeClr>
+              </a:lnRef>
+              <a:fillRef idx="1">
+                <a:schemeClr val="accent1"/>
+              </a:fillRef>
+              <a:effectRef idx="0">
+                <a:schemeClr val="accent1"/>
+              </a:effectRef>
+              <a:fontRef idx="minor">
+                <a:schemeClr val="lt1"/>
+              </a:fontRef>
+            </p:style>
+            <p:txBody>
+              <a:bodyPr rtlCol="0" anchor="ctr"/>
+              <a:lstStyle/>
+              <a:p>
+                <a:pPr algn="ctr"/>
+                <a:endParaRPr kumimoji="1" lang="ja-JP" altLang="en-US"/>
+              </a:p>
+            </p:txBody>
+          </p:sp>
+          <p:sp>
+            <p:nvSpPr>
+              <p:cNvPr id="37" name="楕円 36">
+                <a:extLst>
+                  <a:ext uri="{FF2B5EF4-FFF2-40B4-BE49-F238E27FC236}">
+                    <a16:creationId xmlns:a16="http://schemas.microsoft.com/office/drawing/2014/main" id="{0F3F0F5B-2EF4-B0DA-A12F-792006F3020E}"/>
+                  </a:ext>
+                </a:extLst>
+              </p:cNvPr>
+              <p:cNvSpPr>
+                <a:spLocks noChangeAspect="1"/>
+              </p:cNvSpPr>
+              <p:nvPr/>
+            </p:nvSpPr>
+            <p:spPr>
+              <a:xfrm>
+                <a:off x="288936" y="5182581"/>
+                <a:ext cx="235320" cy="235320"/>
+              </a:xfrm>
+              <a:prstGeom prst="ellipse">
+                <a:avLst/>
+              </a:prstGeom>
+              <a:solidFill>
+                <a:srgbClr val="ECEBCD"/>
+              </a:solidFill>
+              <a:ln>
+                <a:noFill/>
+              </a:ln>
+              <a:effectLst>
+                <a:innerShdw blurRad="76200" dist="152400" dir="13500000">
+                  <a:prstClr val="black">
+                    <a:alpha val="50000"/>
+                  </a:prstClr>
+                </a:innerShdw>
+              </a:effectLst>
+            </p:spPr>
+            <p:style>
+              <a:lnRef idx="2">
+                <a:schemeClr val="accent1">
+                  <a:shade val="15000"/>
+                </a:schemeClr>
+              </a:lnRef>
+              <a:fillRef idx="1">
+                <a:schemeClr val="accent1"/>
+              </a:fillRef>
+              <a:effectRef idx="0">
+                <a:schemeClr val="accent1"/>
+              </a:effectRef>
+              <a:fontRef idx="minor">
+                <a:schemeClr val="lt1"/>
+              </a:fontRef>
+            </p:style>
+            <p:txBody>
+              <a:bodyPr rtlCol="0" anchor="ctr"/>
+              <a:lstStyle/>
+              <a:p>
+                <a:pPr algn="ctr"/>
+                <a:endParaRPr kumimoji="1" lang="ja-JP" altLang="en-US"/>
+              </a:p>
+            </p:txBody>
+          </p:sp>
+          <p:sp>
+            <p:nvSpPr>
+              <p:cNvPr id="38" name="楕円 37">
+                <a:extLst>
+                  <a:ext uri="{FF2B5EF4-FFF2-40B4-BE49-F238E27FC236}">
+                    <a16:creationId xmlns:a16="http://schemas.microsoft.com/office/drawing/2014/main" id="{90D180CF-28AC-A11D-7FFA-234A3C3D78D3}"/>
+                  </a:ext>
+                </a:extLst>
+              </p:cNvPr>
+              <p:cNvSpPr>
+                <a:spLocks noChangeAspect="1"/>
+              </p:cNvSpPr>
+              <p:nvPr/>
+            </p:nvSpPr>
+            <p:spPr>
+              <a:xfrm>
+                <a:off x="297388" y="5576521"/>
+                <a:ext cx="235320" cy="235320"/>
+              </a:xfrm>
+              <a:prstGeom prst="ellipse">
+                <a:avLst/>
+              </a:prstGeom>
+              <a:solidFill>
+                <a:srgbClr val="ECEBCD"/>
+              </a:solidFill>
+              <a:ln>
+                <a:noFill/>
+              </a:ln>
+              <a:effectLst>
+                <a:innerShdw blurRad="76200" dist="152400" dir="13500000">
+                  <a:prstClr val="black">
+                    <a:alpha val="50000"/>
+                  </a:prstClr>
+                </a:innerShdw>
+              </a:effectLst>
+            </p:spPr>
+            <p:style>
+              <a:lnRef idx="2">
+                <a:schemeClr val="accent1">
+                  <a:shade val="15000"/>
+                </a:schemeClr>
+              </a:lnRef>
+              <a:fillRef idx="1">
+                <a:schemeClr val="accent1"/>
+              </a:fillRef>
+              <a:effectRef idx="0">
+                <a:schemeClr val="accent1"/>
+              </a:effectRef>
+              <a:fontRef idx="minor">
+                <a:schemeClr val="lt1"/>
+              </a:fontRef>
+            </p:style>
+            <p:txBody>
+              <a:bodyPr rtlCol="0" anchor="ctr"/>
+              <a:lstStyle/>
+              <a:p>
+                <a:pPr algn="ctr"/>
+                <a:endParaRPr kumimoji="1" lang="ja-JP" altLang="en-US"/>
+              </a:p>
+            </p:txBody>
+          </p:sp>
+          <p:sp>
+            <p:nvSpPr>
+              <p:cNvPr id="39" name="楕円 38">
+                <a:extLst>
+                  <a:ext uri="{FF2B5EF4-FFF2-40B4-BE49-F238E27FC236}">
+                    <a16:creationId xmlns:a16="http://schemas.microsoft.com/office/drawing/2014/main" id="{659F4359-40AC-4901-B40C-AA2BB529D13F}"/>
+                  </a:ext>
+                </a:extLst>
+              </p:cNvPr>
+              <p:cNvSpPr>
+                <a:spLocks noChangeAspect="1"/>
+              </p:cNvSpPr>
+              <p:nvPr/>
+            </p:nvSpPr>
+            <p:spPr>
+              <a:xfrm>
+                <a:off x="297388" y="5970566"/>
+                <a:ext cx="235320" cy="235320"/>
+              </a:xfrm>
+              <a:prstGeom prst="ellipse">
+                <a:avLst/>
+              </a:prstGeom>
+              <a:solidFill>
+                <a:srgbClr val="ECEBCD"/>
+              </a:solidFill>
+              <a:ln>
+                <a:noFill/>
+              </a:ln>
+              <a:effectLst>
+                <a:innerShdw blurRad="76200" dist="152400" dir="13500000">
+                  <a:prstClr val="black">
+                    <a:alpha val="50000"/>
+                  </a:prstClr>
+                </a:innerShdw>
+              </a:effectLst>
+            </p:spPr>
+            <p:style>
+              <a:lnRef idx="2">
+                <a:schemeClr val="accent1">
+                  <a:shade val="15000"/>
+                </a:schemeClr>
+              </a:lnRef>
+              <a:fillRef idx="1">
+                <a:schemeClr val="accent1"/>
+              </a:fillRef>
+              <a:effectRef idx="0">
+                <a:schemeClr val="accent1"/>
+              </a:effectRef>
+              <a:fontRef idx="minor">
+                <a:schemeClr val="lt1"/>
+              </a:fontRef>
+            </p:style>
+            <p:txBody>
+              <a:bodyPr rtlCol="0" anchor="ctr"/>
+              <a:lstStyle/>
+              <a:p>
+                <a:pPr algn="ctr"/>
+                <a:endParaRPr kumimoji="1" lang="ja-JP" altLang="en-US"/>
+              </a:p>
+            </p:txBody>
+          </p:sp>
+        </p:grpSp>
+      </p:grpSp>
+      <p:sp>
+        <p:nvSpPr>
+          <p:cNvPr id="2" name="タイトル 1">
+            <a:extLst>
+              <a:ext uri="{FF2B5EF4-FFF2-40B4-BE49-F238E27FC236}">
+                <a16:creationId xmlns:a16="http://schemas.microsoft.com/office/drawing/2014/main" id="{0E8E9533-5E69-039C-903F-737D767D298C}"/>
+              </a:ext>
+            </a:extLst>
+          </p:cNvPr>
+          <p:cNvSpPr>
+            <a:spLocks noGrp="1"/>
+          </p:cNvSpPr>
+          <p:nvPr>
+            <p:ph type="title"/>
+          </p:nvPr>
+        </p:nvSpPr>
+        <p:spPr>
+          <a:xfrm>
+            <a:off x="83820" y="33735"/>
+            <a:ext cx="3116580" cy="880666"/>
+          </a:xfrm>
+        </p:spPr>
+        <p:txBody>
+          <a:bodyPr>
+            <a:noAutofit/>
+          </a:bodyPr>
+          <a:lstStyle/>
+          <a:p>
+            <a:r>
+              <a:rPr kumimoji="1" lang="en-US" altLang="ja-JP" dirty="0" err="1"/>
+              <a:t>Vtuber</a:t>
+            </a:r>
+            <a:r>
+              <a:rPr kumimoji="1" lang="ja-JP" altLang="en-US" dirty="0"/>
+              <a:t>名鑑</a:t>
+            </a:r>
+          </a:p>
+        </p:txBody>
+      </p:sp>
+      <p:sp>
+        <p:nvSpPr>
+          <p:cNvPr id="7" name="タイトル 1">
+            <a:extLst>
+              <a:ext uri="{FF2B5EF4-FFF2-40B4-BE49-F238E27FC236}">
+                <a16:creationId xmlns:a16="http://schemas.microsoft.com/office/drawing/2014/main" id="{ECEA4047-1B9D-78A0-14A9-9C72291B8DA7}"/>
+              </a:ext>
+            </a:extLst>
+          </p:cNvPr>
+          <p:cNvSpPr txBox="1">
+            <a:spLocks/>
+          </p:cNvSpPr>
+          <p:nvPr/>
+        </p:nvSpPr>
+        <p:spPr>
+          <a:xfrm>
+            <a:off x="2615565" y="554353"/>
+            <a:ext cx="3192780" cy="1325563"/>
+          </a:xfrm>
+          <a:prstGeom prst="rect">
+            <a:avLst/>
+          </a:prstGeom>
+        </p:spPr>
+        <p:txBody>
+          <a:bodyPr vert="horz" lIns="91440" tIns="45720" rIns="91440" bIns="45720" rtlCol="0" anchor="ctr">
+            <a:noAutofit/>
+          </a:bodyPr>
+          <a:lstStyle>
+            <a:lvl1pPr algn="l" defTabSz="914400" rtl="0" eaLnBrk="1" latinLnBrk="0" hangingPunct="1">
+              <a:lnSpc>
+                <a:spcPct val="90000"/>
+              </a:lnSpc>
+              <a:spcBef>
+                <a:spcPct val="0"/>
+              </a:spcBef>
+              <a:buNone/>
+              <a:defRPr kumimoji="1" sz="4400" kern="1200">
+                <a:solidFill>
+                  <a:schemeClr val="tx1"/>
+                </a:solidFill>
+                <a:latin typeface="+mj-lt"/>
+                <a:ea typeface="+mj-ea"/>
+                <a:cs typeface="+mj-cs"/>
+              </a:defRPr>
+            </a:lvl1pPr>
+          </a:lstStyle>
+          <a:p>
+            <a:r>
+              <a:rPr lang="ja-JP" altLang="en-US" sz="2400" dirty="0"/>
+              <a:t>な</a:t>
+            </a:r>
+            <a:r>
+              <a:rPr lang="en-US" altLang="ja-JP" sz="2400" dirty="0"/>
+              <a:t>Na</a:t>
+            </a:r>
+            <a:r>
+              <a:rPr lang="ja-JP" altLang="en-US" sz="2400" dirty="0"/>
+              <a:t>シの　権兵∀</a:t>
+            </a:r>
+          </a:p>
+        </p:txBody>
+      </p:sp>
+      <p:cxnSp>
+        <p:nvCxnSpPr>
+          <p:cNvPr id="9" name="直線コネクタ 8">
+            <a:extLst>
+              <a:ext uri="{FF2B5EF4-FFF2-40B4-BE49-F238E27FC236}">
+                <a16:creationId xmlns:a16="http://schemas.microsoft.com/office/drawing/2014/main" id="{11CCAB73-2A2C-DEA8-1FCD-40A2D4D777A9}"/>
+              </a:ext>
+            </a:extLst>
+          </p:cNvPr>
+          <p:cNvCxnSpPr/>
+          <p:nvPr/>
+        </p:nvCxnSpPr>
+        <p:spPr>
+          <a:xfrm>
+            <a:off x="2585258" y="910591"/>
+            <a:ext cx="4667250" cy="0"/>
+          </a:xfrm>
+          <a:prstGeom prst="line">
+            <a:avLst/>
+          </a:prstGeom>
+          <a:ln>
+            <a:solidFill>
+              <a:srgbClr val="00ABF5"/>
+            </a:solidFill>
+          </a:ln>
+        </p:spPr>
+        <p:style>
+          <a:lnRef idx="1">
+            <a:schemeClr val="accent1"/>
+          </a:lnRef>
+          <a:fillRef idx="0">
+            <a:schemeClr val="accent1"/>
+          </a:fillRef>
+          <a:effectRef idx="0">
+            <a:schemeClr val="accent1"/>
+          </a:effectRef>
+          <a:fontRef idx="minor">
+            <a:schemeClr val="tx1"/>
+          </a:fontRef>
+        </p:style>
+      </p:cxnSp>
+      <p:cxnSp>
+        <p:nvCxnSpPr>
+          <p:cNvPr id="12" name="直線コネクタ 11">
+            <a:extLst>
+              <a:ext uri="{FF2B5EF4-FFF2-40B4-BE49-F238E27FC236}">
+                <a16:creationId xmlns:a16="http://schemas.microsoft.com/office/drawing/2014/main" id="{C9BF12C0-C0CE-BDD7-5671-01946E91FE7F}"/>
+              </a:ext>
+            </a:extLst>
+          </p:cNvPr>
+          <p:cNvCxnSpPr/>
+          <p:nvPr/>
+        </p:nvCxnSpPr>
+        <p:spPr>
+          <a:xfrm>
+            <a:off x="2585258" y="1485901"/>
+            <a:ext cx="4667250" cy="0"/>
+          </a:xfrm>
+          <a:prstGeom prst="line">
+            <a:avLst/>
+          </a:prstGeom>
+          <a:ln>
+            <a:solidFill>
+              <a:srgbClr val="00ABF5"/>
+            </a:solidFill>
+          </a:ln>
+        </p:spPr>
+        <p:style>
+          <a:lnRef idx="1">
+            <a:schemeClr val="accent1"/>
+          </a:lnRef>
+          <a:fillRef idx="0">
+            <a:schemeClr val="accent1"/>
+          </a:fillRef>
+          <a:effectRef idx="0">
+            <a:schemeClr val="accent1"/>
+          </a:effectRef>
+          <a:fontRef idx="minor">
+            <a:schemeClr val="tx1"/>
+          </a:fontRef>
+        </p:style>
+      </p:cxnSp>
+      <p:cxnSp>
+        <p:nvCxnSpPr>
+          <p:cNvPr id="40" name="直線コネクタ 39">
+            <a:extLst>
+              <a:ext uri="{FF2B5EF4-FFF2-40B4-BE49-F238E27FC236}">
+                <a16:creationId xmlns:a16="http://schemas.microsoft.com/office/drawing/2014/main" id="{405AFEA8-FCCA-E6A2-E475-38F0E6791CCD}"/>
+              </a:ext>
+            </a:extLst>
+          </p:cNvPr>
+          <p:cNvCxnSpPr/>
+          <p:nvPr/>
+        </p:nvCxnSpPr>
+        <p:spPr>
+          <a:xfrm>
+            <a:off x="2522740" y="1837806"/>
+            <a:ext cx="4667250" cy="0"/>
+          </a:xfrm>
+          <a:prstGeom prst="line">
+            <a:avLst/>
+          </a:prstGeom>
+          <a:ln>
+            <a:solidFill>
+              <a:srgbClr val="00ABF5"/>
+            </a:solidFill>
+          </a:ln>
+        </p:spPr>
+        <p:style>
+          <a:lnRef idx="1">
+            <a:schemeClr val="accent1"/>
+          </a:lnRef>
+          <a:fillRef idx="0">
+            <a:schemeClr val="accent1"/>
+          </a:fillRef>
+          <a:effectRef idx="0">
+            <a:schemeClr val="accent1"/>
+          </a:effectRef>
+          <a:fontRef idx="minor">
+            <a:schemeClr val="tx1"/>
+          </a:fontRef>
+        </p:style>
+      </p:cxnSp>
+      <p:cxnSp>
+        <p:nvCxnSpPr>
+          <p:cNvPr id="41" name="直線コネクタ 40">
+            <a:extLst>
+              <a:ext uri="{FF2B5EF4-FFF2-40B4-BE49-F238E27FC236}">
+                <a16:creationId xmlns:a16="http://schemas.microsoft.com/office/drawing/2014/main" id="{09B674A0-5B4A-0638-F6DF-668BD888A3A0}"/>
+              </a:ext>
+            </a:extLst>
+          </p:cNvPr>
+          <p:cNvCxnSpPr/>
+          <p:nvPr/>
+        </p:nvCxnSpPr>
+        <p:spPr>
+          <a:xfrm>
+            <a:off x="2522740" y="2035439"/>
+            <a:ext cx="4667250" cy="0"/>
+          </a:xfrm>
+          <a:prstGeom prst="line">
+            <a:avLst/>
+          </a:prstGeom>
+          <a:ln>
+            <a:solidFill>
+              <a:srgbClr val="00ABF5"/>
+            </a:solidFill>
+          </a:ln>
+        </p:spPr>
+        <p:style>
+          <a:lnRef idx="1">
+            <a:schemeClr val="accent1"/>
+          </a:lnRef>
+          <a:fillRef idx="0">
+            <a:schemeClr val="accent1"/>
+          </a:fillRef>
+          <a:effectRef idx="0">
+            <a:schemeClr val="accent1"/>
+          </a:effectRef>
+          <a:fontRef idx="minor">
+            <a:schemeClr val="tx1"/>
+          </a:fontRef>
+        </p:style>
+      </p:cxnSp>
+      <p:cxnSp>
+        <p:nvCxnSpPr>
+          <p:cNvPr id="42" name="直線コネクタ 41">
+            <a:extLst>
+              <a:ext uri="{FF2B5EF4-FFF2-40B4-BE49-F238E27FC236}">
+                <a16:creationId xmlns:a16="http://schemas.microsoft.com/office/drawing/2014/main" id="{FF250631-FFA3-8FFF-D7E5-4E09F7FADF33}"/>
+              </a:ext>
+            </a:extLst>
+          </p:cNvPr>
+          <p:cNvCxnSpPr/>
+          <p:nvPr/>
+        </p:nvCxnSpPr>
+        <p:spPr>
+          <a:xfrm>
+            <a:off x="2522740" y="2265910"/>
+            <a:ext cx="4667250" cy="0"/>
+          </a:xfrm>
+          <a:prstGeom prst="line">
+            <a:avLst/>
+          </a:prstGeom>
+          <a:ln>
+            <a:solidFill>
+              <a:srgbClr val="00ABF5"/>
+            </a:solidFill>
+          </a:ln>
+        </p:spPr>
+        <p:style>
+          <a:lnRef idx="1">
+            <a:schemeClr val="accent1"/>
+          </a:lnRef>
+          <a:fillRef idx="0">
+            <a:schemeClr val="accent1"/>
+          </a:fillRef>
+          <a:effectRef idx="0">
+            <a:schemeClr val="accent1"/>
+          </a:effectRef>
+          <a:fontRef idx="minor">
+            <a:schemeClr val="tx1"/>
+          </a:fontRef>
+        </p:style>
+      </p:cxnSp>
+      <p:grpSp>
+        <p:nvGrpSpPr>
+          <p:cNvPr id="49" name="グループ化 48">
+            <a:extLst>
+              <a:ext uri="{FF2B5EF4-FFF2-40B4-BE49-F238E27FC236}">
+                <a16:creationId xmlns:a16="http://schemas.microsoft.com/office/drawing/2014/main" id="{571E9F13-2105-144E-26D9-96ED35C82D01}"/>
+              </a:ext>
+            </a:extLst>
+          </p:cNvPr>
+          <p:cNvGrpSpPr/>
+          <p:nvPr/>
+        </p:nvGrpSpPr>
+        <p:grpSpPr>
+          <a:xfrm>
+            <a:off x="0" y="5695953"/>
+            <a:ext cx="12192000" cy="1166336"/>
+            <a:chOff x="0" y="5695953"/>
+            <a:chExt cx="12192000" cy="1166336"/>
+          </a:xfrm>
+        </p:grpSpPr>
+        <p:sp>
+          <p:nvSpPr>
+            <p:cNvPr id="48" name="正方形/長方形 47">
+              <a:extLst>
+                <a:ext uri="{FF2B5EF4-FFF2-40B4-BE49-F238E27FC236}">
+                  <a16:creationId xmlns:a16="http://schemas.microsoft.com/office/drawing/2014/main" id="{5FA32DA9-45C3-72A7-04F7-B2623CEE6F7A}"/>
+                </a:ext>
+              </a:extLst>
+            </p:cNvPr>
+            <p:cNvSpPr/>
+            <p:nvPr/>
+          </p:nvSpPr>
+          <p:spPr>
+            <a:xfrm>
+              <a:off x="0" y="5695953"/>
+              <a:ext cx="12192000" cy="1166336"/>
+            </a:xfrm>
+            <a:prstGeom prst="rect">
+              <a:avLst/>
+            </a:prstGeom>
+            <a:gradFill>
+              <a:gsLst>
+                <a:gs pos="0">
+                  <a:srgbClr val="F6F8FC">
+                    <a:alpha val="0"/>
+                  </a:srgbClr>
+                </a:gs>
+                <a:gs pos="52000">
+                  <a:srgbClr val="ECEBCD"/>
+                </a:gs>
+              </a:gsLst>
+              <a:lin ang="5400000" scaled="1"/>
+            </a:gradFill>
+            <a:ln>
+              <a:noFill/>
+            </a:ln>
+          </p:spPr>
+          <p:style>
+            <a:lnRef idx="2">
+              <a:schemeClr val="accent1">
+                <a:shade val="15000"/>
+              </a:schemeClr>
+            </a:lnRef>
+            <a:fillRef idx="1">
+              <a:schemeClr val="accent1"/>
+            </a:fillRef>
+            <a:effectRef idx="0">
+              <a:schemeClr val="accent1"/>
+            </a:effectRef>
+            <a:fontRef idx="minor">
+              <a:schemeClr val="lt1"/>
+            </a:fontRef>
+          </p:style>
+          <p:txBody>
+            <a:bodyPr rtlCol="0" anchor="ctr"/>
+            <a:lstStyle/>
+            <a:p>
+              <a:pPr algn="ctr"/>
+              <a:endParaRPr kumimoji="1" lang="ja-JP" altLang="en-US" dirty="0"/>
+            </a:p>
+          </p:txBody>
+        </p:sp>
+        <p:sp>
+          <p:nvSpPr>
+            <p:cNvPr id="47" name="コンテンツ プレースホルダー 2">
+              <a:extLst>
+                <a:ext uri="{FF2B5EF4-FFF2-40B4-BE49-F238E27FC236}">
+                  <a16:creationId xmlns:a16="http://schemas.microsoft.com/office/drawing/2014/main" id="{56B53B30-559B-76BF-64C8-DDC6106C7CCF}"/>
+                </a:ext>
+              </a:extLst>
+            </p:cNvPr>
+            <p:cNvSpPr txBox="1">
+              <a:spLocks/>
+            </p:cNvSpPr>
+            <p:nvPr/>
+          </p:nvSpPr>
+          <p:spPr>
+            <a:xfrm>
+              <a:off x="5602432" y="6555057"/>
+              <a:ext cx="987136" cy="212702"/>
+            </a:xfrm>
+            <a:prstGeom prst="rect">
+              <a:avLst/>
+            </a:prstGeom>
+          </p:spPr>
+          <p:txBody>
+            <a:bodyPr vert="horz" lIns="91440" tIns="45720" rIns="91440" bIns="45720" rtlCol="0">
+              <a:normAutofit fontScale="92500" lnSpcReduction="20000"/>
+            </a:bodyPr>
+            <a:lstStyle>
+              <a:lvl1pPr marL="228600" indent="-228600" algn="l" defTabSz="914400" rtl="0" eaLnBrk="1" latinLnBrk="0" hangingPunct="1">
+                <a:lnSpc>
+                  <a:spcPct val="90000"/>
+                </a:lnSpc>
+                <a:spcBef>
+                  <a:spcPts val="1000"/>
+                </a:spcBef>
+                <a:buFont typeface="Arial" panose="020B0604020202020204" pitchFamily="34" charset="0"/>
+                <a:buChar char="•"/>
+                <a:defRPr kumimoji="1" sz="2800" kern="1200">
+                  <a:solidFill>
+                    <a:schemeClr val="tx1"/>
+                  </a:solidFill>
+                  <a:latin typeface="+mn-lt"/>
+                  <a:ea typeface="+mn-ea"/>
+                  <a:cs typeface="+mn-cs"/>
+                </a:defRPr>
+              </a:lvl1pPr>
+              <a:lvl2pPr marL="685800" indent="-228600" algn="l" defTabSz="914400" rtl="0" eaLnBrk="1" latinLnBrk="0" hangingPunct="1">
+                <a:lnSpc>
+                  <a:spcPct val="90000"/>
+                </a:lnSpc>
+                <a:spcBef>
+                  <a:spcPts val="500"/>
+                </a:spcBef>
+                <a:buFont typeface="Arial" panose="020B0604020202020204" pitchFamily="34" charset="0"/>
+                <a:buChar char="•"/>
+                <a:defRPr kumimoji="1" sz="2400" kern="1200">
+                  <a:solidFill>
+                    <a:schemeClr val="tx1"/>
+                  </a:solidFill>
+                  <a:latin typeface="+mn-lt"/>
+                  <a:ea typeface="+mn-ea"/>
+                  <a:cs typeface="+mn-cs"/>
+                </a:defRPr>
+              </a:lvl2pPr>
+              <a:lvl3pPr marL="1143000" indent="-228600" algn="l" defTabSz="914400" rtl="0" eaLnBrk="1" latinLnBrk="0" hangingPunct="1">
+                <a:lnSpc>
+                  <a:spcPct val="90000"/>
+                </a:lnSpc>
+                <a:spcBef>
+                  <a:spcPts val="500"/>
+                </a:spcBef>
+                <a:buFont typeface="Arial" panose="020B0604020202020204" pitchFamily="34" charset="0"/>
+                <a:buChar char="•"/>
+                <a:defRPr kumimoji="1" sz="2000" kern="1200">
+                  <a:solidFill>
+                    <a:schemeClr val="tx1"/>
+                  </a:solidFill>
+                  <a:latin typeface="+mn-lt"/>
+                  <a:ea typeface="+mn-ea"/>
+                  <a:cs typeface="+mn-cs"/>
+                </a:defRPr>
+              </a:lvl3pPr>
+              <a:lvl4pPr marL="1600200" indent="-228600" algn="l" defTabSz="914400" rtl="0" eaLnBrk="1" latinLnBrk="0" hangingPunct="1">
+                <a:lnSpc>
+                  <a:spcPct val="90000"/>
+                </a:lnSpc>
+                <a:spcBef>
+                  <a:spcPts val="500"/>
+                </a:spcBef>
+                <a:buFont typeface="Arial" panose="020B0604020202020204" pitchFamily="34" charset="0"/>
+                <a:buChar char="•"/>
+                <a:defRPr kumimoji="1" sz="1800" kern="1200">
+                  <a:solidFill>
+                    <a:schemeClr val="tx1"/>
+                  </a:solidFill>
+                  <a:latin typeface="+mn-lt"/>
+                  <a:ea typeface="+mn-ea"/>
+                  <a:cs typeface="+mn-cs"/>
+                </a:defRPr>
+              </a:lvl4pPr>
+              <a:lvl5pPr marL="2057400" indent="-228600" algn="l" defTabSz="914400" rtl="0" eaLnBrk="1" latinLnBrk="0" hangingPunct="1">
+                <a:lnSpc>
+                  <a:spcPct val="90000"/>
+                </a:lnSpc>
+                <a:spcBef>
+                  <a:spcPts val="500"/>
+                </a:spcBef>
+                <a:buFont typeface="Arial" panose="020B0604020202020204" pitchFamily="34" charset="0"/>
+                <a:buChar char="•"/>
+                <a:defRPr kumimoji="1" sz="1800" kern="1200">
+                  <a:solidFill>
+                    <a:schemeClr val="tx1"/>
+                  </a:solidFill>
+                  <a:latin typeface="+mn-lt"/>
+                  <a:ea typeface="+mn-ea"/>
+                  <a:cs typeface="+mn-cs"/>
+                </a:defRPr>
+              </a:lvl5pPr>
+              <a:lvl6pPr marL="2514600" indent="-228600" algn="l" defTabSz="914400" rtl="0" eaLnBrk="1" latinLnBrk="0" hangingPunct="1">
+                <a:lnSpc>
+                  <a:spcPct val="90000"/>
+                </a:lnSpc>
+                <a:spcBef>
+                  <a:spcPts val="500"/>
+                </a:spcBef>
+                <a:buFont typeface="Arial" panose="020B0604020202020204" pitchFamily="34" charset="0"/>
+                <a:buChar char="•"/>
+                <a:defRPr kumimoji="1" sz="1800" kern="1200">
+                  <a:solidFill>
+                    <a:schemeClr val="tx1"/>
+                  </a:solidFill>
+                  <a:latin typeface="+mn-lt"/>
+                  <a:ea typeface="+mn-ea"/>
+                  <a:cs typeface="+mn-cs"/>
+                </a:defRPr>
+              </a:lvl6pPr>
+              <a:lvl7pPr marL="2971800" indent="-228600" algn="l" defTabSz="914400" rtl="0" eaLnBrk="1" latinLnBrk="0" hangingPunct="1">
+                <a:lnSpc>
+                  <a:spcPct val="90000"/>
+                </a:lnSpc>
+                <a:spcBef>
+                  <a:spcPts val="500"/>
+                </a:spcBef>
+                <a:buFont typeface="Arial" panose="020B0604020202020204" pitchFamily="34" charset="0"/>
+                <a:buChar char="•"/>
+                <a:defRPr kumimoji="1" sz="1800" kern="1200">
+                  <a:solidFill>
+                    <a:schemeClr val="tx1"/>
+                  </a:solidFill>
+                  <a:latin typeface="+mn-lt"/>
+                  <a:ea typeface="+mn-ea"/>
+                  <a:cs typeface="+mn-cs"/>
+                </a:defRPr>
+              </a:lvl7pPr>
+              <a:lvl8pPr marL="3429000" indent="-228600" algn="l" defTabSz="914400" rtl="0" eaLnBrk="1" latinLnBrk="0" hangingPunct="1">
+                <a:lnSpc>
+                  <a:spcPct val="90000"/>
+                </a:lnSpc>
+                <a:spcBef>
+                  <a:spcPts val="500"/>
+                </a:spcBef>
+                <a:buFont typeface="Arial" panose="020B0604020202020204" pitchFamily="34" charset="0"/>
+                <a:buChar char="•"/>
+                <a:defRPr kumimoji="1" sz="1800" kern="1200">
+                  <a:solidFill>
+                    <a:schemeClr val="tx1"/>
+                  </a:solidFill>
+                  <a:latin typeface="+mn-lt"/>
+                  <a:ea typeface="+mn-ea"/>
+                  <a:cs typeface="+mn-cs"/>
+                </a:defRPr>
+              </a:lvl8pPr>
+              <a:lvl9pPr marL="3886200" indent="-228600" algn="l" defTabSz="914400" rtl="0" eaLnBrk="1" latinLnBrk="0" hangingPunct="1">
+                <a:lnSpc>
+                  <a:spcPct val="90000"/>
+                </a:lnSpc>
+                <a:spcBef>
+                  <a:spcPts val="500"/>
+                </a:spcBef>
+                <a:buFont typeface="Arial" panose="020B0604020202020204" pitchFamily="34" charset="0"/>
+                <a:buChar char="•"/>
+                <a:defRPr kumimoji="1" sz="1800" kern="1200">
+                  <a:solidFill>
+                    <a:schemeClr val="tx1"/>
+                  </a:solidFill>
+                  <a:latin typeface="+mn-lt"/>
+                  <a:ea typeface="+mn-ea"/>
+                  <a:cs typeface="+mn-cs"/>
+                </a:defRPr>
+              </a:lvl9pPr>
+            </a:lstStyle>
+            <a:p>
+              <a:pPr marL="0" indent="0" algn="ctr">
+                <a:buNone/>
+              </a:pPr>
+              <a:r>
+                <a:rPr lang="en-US" altLang="ja-JP" sz="1100" dirty="0"/>
+                <a:t>©</a:t>
+              </a:r>
+              <a:r>
+                <a:rPr lang="ja-JP" altLang="en-US" sz="1100" dirty="0"/>
+                <a:t>ソラノアナ</a:t>
+              </a:r>
+            </a:p>
+          </p:txBody>
+        </p:sp>
+      </p:grpSp>
+      <p:grpSp>
+        <p:nvGrpSpPr>
+          <p:cNvPr id="53" name="グループ化 52">
+            <a:extLst>
+              <a:ext uri="{FF2B5EF4-FFF2-40B4-BE49-F238E27FC236}">
+                <a16:creationId xmlns:a16="http://schemas.microsoft.com/office/drawing/2014/main" id="{3818E040-6F6D-486A-F32E-DEC579DB805C}"/>
+              </a:ext>
+            </a:extLst>
+          </p:cNvPr>
+          <p:cNvGrpSpPr>
+            <a:grpSpLocks noChangeAspect="1"/>
+          </p:cNvGrpSpPr>
+          <p:nvPr/>
+        </p:nvGrpSpPr>
+        <p:grpSpPr>
+          <a:xfrm>
+            <a:off x="7513617" y="897324"/>
+            <a:ext cx="2105198" cy="2109488"/>
+            <a:chOff x="6894195" y="2304141"/>
+            <a:chExt cx="2105198" cy="2109488"/>
+          </a:xfrm>
+        </p:grpSpPr>
+        <p:pic>
+          <p:nvPicPr>
+            <p:cNvPr id="50" name="図 49">
+              <a:extLst>
+                <a:ext uri="{FF2B5EF4-FFF2-40B4-BE49-F238E27FC236}">
+                  <a16:creationId xmlns:a16="http://schemas.microsoft.com/office/drawing/2014/main" id="{DF4604CC-32FB-2799-6295-380575B8773A}"/>
+                </a:ext>
+              </a:extLst>
+            </p:cNvPr>
+            <p:cNvPicPr>
+              <a:picLocks noChangeAspect="1"/>
+            </p:cNvPicPr>
+            <p:nvPr/>
+          </p:nvPicPr>
+          <p:blipFill>
+            <a:blip r:embed="rId2">
+              <a:extLst>
+                <a:ext uri="{28A0092B-C50C-407E-A947-70E740481C1C}">
+                  <a14:useLocalDpi xmlns:a14="http://schemas.microsoft.com/office/drawing/2010/main" val="0"/>
+                </a:ext>
+              </a:extLst>
+            </a:blip>
+            <a:stretch>
+              <a:fillRect/>
+            </a:stretch>
+          </p:blipFill>
+          <p:spPr>
+            <a:xfrm>
+              <a:off x="6894195" y="2308431"/>
+              <a:ext cx="2105198" cy="2105198"/>
+            </a:xfrm>
+            <a:prstGeom prst="rect">
+              <a:avLst/>
+            </a:prstGeom>
+          </p:spPr>
+        </p:pic>
+        <p:sp>
+          <p:nvSpPr>
+            <p:cNvPr id="52" name="正方形/長方形 51">
+              <a:extLst>
+                <a:ext uri="{FF2B5EF4-FFF2-40B4-BE49-F238E27FC236}">
+                  <a16:creationId xmlns:a16="http://schemas.microsoft.com/office/drawing/2014/main" id="{133C4FEF-C68C-4BA7-FA3F-29C5DB9AA5B7}"/>
+                </a:ext>
+              </a:extLst>
+            </p:cNvPr>
+            <p:cNvSpPr>
+              <a:spLocks noChangeAspect="1"/>
+            </p:cNvSpPr>
+            <p:nvPr/>
+          </p:nvSpPr>
+          <p:spPr>
+            <a:xfrm>
+              <a:off x="6894200" y="2304141"/>
+              <a:ext cx="2105193" cy="2105193"/>
+            </a:xfrm>
+            <a:prstGeom prst="rect">
+              <a:avLst/>
+            </a:prstGeom>
+            <a:solidFill>
+              <a:srgbClr val="4472C4">
+                <a:alpha val="50196"/>
+              </a:srgbClr>
+            </a:solidFill>
+            <a:ln>
+              <a:noFill/>
+            </a:ln>
+          </p:spPr>
+          <p:style>
+            <a:lnRef idx="2">
+              <a:schemeClr val="accent1">
+                <a:shade val="15000"/>
+              </a:schemeClr>
+            </a:lnRef>
+            <a:fillRef idx="1">
+              <a:schemeClr val="accent1"/>
+            </a:fillRef>
+            <a:effectRef idx="0">
+              <a:schemeClr val="accent1"/>
+            </a:effectRef>
+            <a:fontRef idx="minor">
+              <a:schemeClr val="lt1"/>
+            </a:fontRef>
+          </p:style>
+          <p:txBody>
+            <a:bodyPr rtlCol="0" anchor="ctr"/>
+            <a:lstStyle/>
+            <a:p>
+              <a:pPr algn="ctr"/>
+              <a:r>
+                <a:rPr kumimoji="1" lang="en-US" altLang="ja-JP" sz="9600" dirty="0"/>
+                <a:t>1</a:t>
+              </a:r>
+              <a:endParaRPr kumimoji="1" lang="ja-JP" altLang="en-US" sz="9600" dirty="0"/>
+            </a:p>
+          </p:txBody>
+        </p:sp>
+      </p:grpSp>
+      <p:grpSp>
+        <p:nvGrpSpPr>
+          <p:cNvPr id="54" name="グループ化 53">
+            <a:extLst>
+              <a:ext uri="{FF2B5EF4-FFF2-40B4-BE49-F238E27FC236}">
+                <a16:creationId xmlns:a16="http://schemas.microsoft.com/office/drawing/2014/main" id="{1005A93A-BD4C-628E-E08C-E82090E38CFA}"/>
+              </a:ext>
+            </a:extLst>
+          </p:cNvPr>
+          <p:cNvGrpSpPr>
+            <a:grpSpLocks noChangeAspect="1"/>
+          </p:cNvGrpSpPr>
+          <p:nvPr/>
+        </p:nvGrpSpPr>
+        <p:grpSpPr>
+          <a:xfrm>
+            <a:off x="9823826" y="901614"/>
+            <a:ext cx="942994" cy="944915"/>
+            <a:chOff x="6894195" y="2304141"/>
+            <a:chExt cx="2105198" cy="2109488"/>
+          </a:xfrm>
+        </p:grpSpPr>
+        <p:pic>
+          <p:nvPicPr>
+            <p:cNvPr id="55" name="図 54">
+              <a:extLst>
+                <a:ext uri="{FF2B5EF4-FFF2-40B4-BE49-F238E27FC236}">
+                  <a16:creationId xmlns:a16="http://schemas.microsoft.com/office/drawing/2014/main" id="{D1A7BA1C-94A7-4F1D-DC07-E82C1D096196}"/>
+                </a:ext>
+              </a:extLst>
+            </p:cNvPr>
+            <p:cNvPicPr>
+              <a:picLocks noChangeAspect="1"/>
+            </p:cNvPicPr>
+            <p:nvPr/>
+          </p:nvPicPr>
+          <p:blipFill>
+            <a:blip r:embed="rId2">
+              <a:extLst>
+                <a:ext uri="{28A0092B-C50C-407E-A947-70E740481C1C}">
+                  <a14:useLocalDpi xmlns:a14="http://schemas.microsoft.com/office/drawing/2010/main" val="0"/>
+                </a:ext>
+              </a:extLst>
+            </a:blip>
+            <a:stretch>
+              <a:fillRect/>
+            </a:stretch>
+          </p:blipFill>
+          <p:spPr>
+            <a:xfrm>
+              <a:off x="6894195" y="2308431"/>
+              <a:ext cx="2105198" cy="2105198"/>
+            </a:xfrm>
+            <a:prstGeom prst="rect">
+              <a:avLst/>
+            </a:prstGeom>
+          </p:spPr>
+        </p:pic>
+        <p:sp>
+          <p:nvSpPr>
+            <p:cNvPr id="56" name="正方形/長方形 55">
+              <a:extLst>
+                <a:ext uri="{FF2B5EF4-FFF2-40B4-BE49-F238E27FC236}">
+                  <a16:creationId xmlns:a16="http://schemas.microsoft.com/office/drawing/2014/main" id="{A182FF09-3E6C-9EDB-5DEE-3BD8D1C9D216}"/>
+                </a:ext>
+              </a:extLst>
+            </p:cNvPr>
+            <p:cNvSpPr>
+              <a:spLocks noChangeAspect="1"/>
+            </p:cNvSpPr>
+            <p:nvPr/>
+          </p:nvSpPr>
+          <p:spPr>
+            <a:xfrm>
+              <a:off x="6894200" y="2304141"/>
+              <a:ext cx="2105193" cy="2105193"/>
+            </a:xfrm>
+            <a:prstGeom prst="rect">
+              <a:avLst/>
+            </a:prstGeom>
+            <a:solidFill>
+              <a:srgbClr val="4472C4">
+                <a:alpha val="50196"/>
+              </a:srgbClr>
+            </a:solidFill>
+            <a:ln>
+              <a:noFill/>
+            </a:ln>
+          </p:spPr>
+          <p:style>
+            <a:lnRef idx="2">
+              <a:schemeClr val="accent1">
+                <a:shade val="15000"/>
+              </a:schemeClr>
+            </a:lnRef>
+            <a:fillRef idx="1">
+              <a:schemeClr val="accent1"/>
+            </a:fillRef>
+            <a:effectRef idx="0">
+              <a:schemeClr val="accent1"/>
+            </a:effectRef>
+            <a:fontRef idx="minor">
+              <a:schemeClr val="lt1"/>
+            </a:fontRef>
+          </p:style>
+          <p:txBody>
+            <a:bodyPr rtlCol="0" anchor="ctr"/>
+            <a:lstStyle/>
+            <a:p>
+              <a:pPr algn="ctr"/>
+              <a:r>
+                <a:rPr kumimoji="1" lang="en-US" altLang="ja-JP" sz="4400" dirty="0"/>
+                <a:t>2</a:t>
+              </a:r>
+              <a:endParaRPr kumimoji="1" lang="ja-JP" altLang="en-US" sz="4400" dirty="0"/>
+            </a:p>
+          </p:txBody>
+        </p:sp>
+      </p:grpSp>
+      <p:grpSp>
+        <p:nvGrpSpPr>
+          <p:cNvPr id="57" name="グループ化 56">
+            <a:extLst>
+              <a:ext uri="{FF2B5EF4-FFF2-40B4-BE49-F238E27FC236}">
+                <a16:creationId xmlns:a16="http://schemas.microsoft.com/office/drawing/2014/main" id="{B21644E7-D50D-E3E3-46DB-75860DEDEF35}"/>
+              </a:ext>
+            </a:extLst>
+          </p:cNvPr>
+          <p:cNvGrpSpPr>
+            <a:grpSpLocks noChangeAspect="1"/>
+          </p:cNvGrpSpPr>
+          <p:nvPr/>
+        </p:nvGrpSpPr>
+        <p:grpSpPr>
+          <a:xfrm>
+            <a:off x="9823826" y="2057602"/>
+            <a:ext cx="942994" cy="944915"/>
+            <a:chOff x="6894195" y="2304141"/>
+            <a:chExt cx="2105198" cy="2109488"/>
+          </a:xfrm>
+        </p:grpSpPr>
+        <p:pic>
+          <p:nvPicPr>
+            <p:cNvPr id="58" name="図 57">
+              <a:extLst>
+                <a:ext uri="{FF2B5EF4-FFF2-40B4-BE49-F238E27FC236}">
+                  <a16:creationId xmlns:a16="http://schemas.microsoft.com/office/drawing/2014/main" id="{A659DA5D-B935-4697-59ED-568BA27BE0C2}"/>
+                </a:ext>
+              </a:extLst>
+            </p:cNvPr>
+            <p:cNvPicPr>
+              <a:picLocks noChangeAspect="1"/>
+            </p:cNvPicPr>
+            <p:nvPr/>
+          </p:nvPicPr>
+          <p:blipFill>
+            <a:blip r:embed="rId2">
+              <a:extLst>
+                <a:ext uri="{28A0092B-C50C-407E-A947-70E740481C1C}">
+                  <a14:useLocalDpi xmlns:a14="http://schemas.microsoft.com/office/drawing/2010/main" val="0"/>
+                </a:ext>
+              </a:extLst>
+            </a:blip>
+            <a:stretch>
+              <a:fillRect/>
+            </a:stretch>
+          </p:blipFill>
+          <p:spPr>
+            <a:xfrm>
+              <a:off x="6894195" y="2308431"/>
+              <a:ext cx="2105198" cy="2105198"/>
+            </a:xfrm>
+            <a:prstGeom prst="rect">
+              <a:avLst/>
+            </a:prstGeom>
+          </p:spPr>
+        </p:pic>
+        <p:sp>
+          <p:nvSpPr>
+            <p:cNvPr id="59" name="正方形/長方形 58">
+              <a:extLst>
+                <a:ext uri="{FF2B5EF4-FFF2-40B4-BE49-F238E27FC236}">
+                  <a16:creationId xmlns:a16="http://schemas.microsoft.com/office/drawing/2014/main" id="{68BA7F33-76CA-2161-3CFF-0436EDC2E96B}"/>
+                </a:ext>
+              </a:extLst>
+            </p:cNvPr>
+            <p:cNvSpPr>
+              <a:spLocks noChangeAspect="1"/>
+            </p:cNvSpPr>
+            <p:nvPr/>
+          </p:nvSpPr>
+          <p:spPr>
+            <a:xfrm>
+              <a:off x="6894200" y="2304141"/>
+              <a:ext cx="2105193" cy="2105193"/>
+            </a:xfrm>
+            <a:prstGeom prst="rect">
+              <a:avLst/>
+            </a:prstGeom>
+            <a:solidFill>
+              <a:srgbClr val="4472C4">
+                <a:alpha val="50196"/>
+              </a:srgbClr>
+            </a:solidFill>
+            <a:ln>
+              <a:noFill/>
+            </a:ln>
+          </p:spPr>
+          <p:style>
+            <a:lnRef idx="2">
+              <a:schemeClr val="accent1">
+                <a:shade val="15000"/>
+              </a:schemeClr>
+            </a:lnRef>
+            <a:fillRef idx="1">
+              <a:schemeClr val="accent1"/>
+            </a:fillRef>
+            <a:effectRef idx="0">
+              <a:schemeClr val="accent1"/>
+            </a:effectRef>
+            <a:fontRef idx="minor">
+              <a:schemeClr val="lt1"/>
+            </a:fontRef>
+          </p:style>
+          <p:txBody>
+            <a:bodyPr rtlCol="0" anchor="ctr"/>
+            <a:lstStyle/>
+            <a:p>
+              <a:pPr algn="ctr"/>
+              <a:r>
+                <a:rPr kumimoji="1" lang="en-US" altLang="ja-JP" sz="4400" dirty="0"/>
+                <a:t>3+</a:t>
+              </a:r>
+              <a:endParaRPr kumimoji="1" lang="ja-JP" altLang="en-US" sz="9600" dirty="0"/>
+            </a:p>
+          </p:txBody>
+        </p:sp>
+      </p:grpSp>
+      <p:sp>
+        <p:nvSpPr>
+          <p:cNvPr id="3" name="コンテンツ プレースホルダー 2">
+            <a:extLst>
+              <a:ext uri="{FF2B5EF4-FFF2-40B4-BE49-F238E27FC236}">
+                <a16:creationId xmlns:a16="http://schemas.microsoft.com/office/drawing/2014/main" id="{484CE63F-48BB-6B55-C58F-5DC37B412851}"/>
+              </a:ext>
+            </a:extLst>
+          </p:cNvPr>
+          <p:cNvSpPr>
+            <a:spLocks noGrp="1"/>
+          </p:cNvSpPr>
+          <p:nvPr>
+            <p:ph idx="1"/>
+          </p:nvPr>
+        </p:nvSpPr>
+        <p:spPr>
+          <a:xfrm>
+            <a:off x="2202180" y="1661715"/>
+            <a:ext cx="8463815" cy="4351338"/>
+          </a:xfrm>
+        </p:spPr>
+        <p:txBody>
+          <a:bodyPr>
+            <a:noAutofit/>
+          </a:bodyPr>
+          <a:lstStyle/>
+          <a:p>
+            <a:pPr indent="133350" algn="just"/>
+            <a:r>
+              <a:rPr lang="ja-JP" altLang="ja-JP" sz="700" kern="100" dirty="0">
+                <a:effectLst/>
+                <a:latin typeface="Century" panose="02040604050505020304" pitchFamily="18" charset="0"/>
+                <a:ea typeface="ＭＳ 明朝" panose="02020609040205080304" pitchFamily="17" charset="-128"/>
+                <a:cs typeface="Times New Roman" panose="02020603050405020304" pitchFamily="18" charset="0"/>
+              </a:rPr>
+              <a:t>名前</a:t>
+            </a:r>
+          </a:p>
+          <a:p>
+            <a:pPr indent="133350" algn="just"/>
+            <a:r>
+              <a:rPr lang="ja-JP" altLang="ja-JP" sz="700" kern="100" dirty="0">
+                <a:effectLst/>
+                <a:latin typeface="Century" panose="02040604050505020304" pitchFamily="18" charset="0"/>
+                <a:ea typeface="ＭＳ 明朝" panose="02020609040205080304" pitchFamily="17" charset="-128"/>
+                <a:cs typeface="Times New Roman" panose="02020603050405020304" pitchFamily="18" charset="0"/>
+              </a:rPr>
+              <a:t>名前のよみがな</a:t>
+            </a:r>
+          </a:p>
+          <a:p>
+            <a:pPr indent="133350" algn="just"/>
+            <a:r>
+              <a:rPr lang="ja-JP" altLang="ja-JP" sz="700" kern="100" dirty="0">
+                <a:effectLst/>
+                <a:latin typeface="Century" panose="02040604050505020304" pitchFamily="18" charset="0"/>
+                <a:ea typeface="ＭＳ 明朝" panose="02020609040205080304" pitchFamily="17" charset="-128"/>
+                <a:cs typeface="Times New Roman" panose="02020603050405020304" pitchFamily="18" charset="0"/>
+              </a:rPr>
+              <a:t>キャラモデル画像（複数。</a:t>
+            </a:r>
+            <a:r>
+              <a:rPr lang="en-US" altLang="ja-JP" sz="700" kern="100" dirty="0">
+                <a:effectLst/>
+                <a:latin typeface="Century" panose="02040604050505020304" pitchFamily="18" charset="0"/>
+                <a:ea typeface="ＭＳ 明朝" panose="02020609040205080304" pitchFamily="17" charset="-128"/>
+                <a:cs typeface="Times New Roman" panose="02020603050405020304" pitchFamily="18" charset="0"/>
+              </a:rPr>
+              <a:t>3D</a:t>
+            </a:r>
+            <a:r>
+              <a:rPr lang="ja-JP" altLang="ja-JP" sz="700" kern="100" dirty="0">
+                <a:effectLst/>
+                <a:latin typeface="Century" panose="02040604050505020304" pitchFamily="18" charset="0"/>
+                <a:ea typeface="ＭＳ 明朝" panose="02020609040205080304" pitchFamily="17" charset="-128"/>
+                <a:cs typeface="Times New Roman" panose="02020603050405020304" pitchFamily="18" charset="0"/>
+              </a:rPr>
+              <a:t>モデルをどうするか）</a:t>
+            </a:r>
+          </a:p>
+          <a:p>
+            <a:pPr indent="133350" algn="just"/>
+            <a:r>
+              <a:rPr lang="ja-JP" altLang="ja-JP" sz="700" kern="100" dirty="0">
+                <a:effectLst/>
+                <a:latin typeface="Century" panose="02040604050505020304" pitchFamily="18" charset="0"/>
+                <a:ea typeface="ＭＳ 明朝" panose="02020609040205080304" pitchFamily="17" charset="-128"/>
+                <a:cs typeface="Times New Roman" panose="02020603050405020304" pitchFamily="18" charset="0"/>
+              </a:rPr>
+              <a:t>ママ（担当イラストレーター）</a:t>
+            </a:r>
+          </a:p>
+          <a:p>
+            <a:pPr indent="133350" algn="just"/>
+            <a:r>
+              <a:rPr lang="ja-JP" altLang="ja-JP" sz="700" kern="100" dirty="0">
+                <a:effectLst/>
+                <a:latin typeface="Century" panose="02040604050505020304" pitchFamily="18" charset="0"/>
+                <a:ea typeface="ＭＳ 明朝" panose="02020609040205080304" pitchFamily="17" charset="-128"/>
+                <a:cs typeface="Times New Roman" panose="02020603050405020304" pitchFamily="18" charset="0"/>
+              </a:rPr>
+              <a:t>パパ（担当</a:t>
+            </a:r>
+            <a:r>
+              <a:rPr lang="en-US" altLang="ja-JP" sz="700" kern="100" dirty="0">
+                <a:effectLst/>
+                <a:latin typeface="Century" panose="02040604050505020304" pitchFamily="18" charset="0"/>
+                <a:ea typeface="ＭＳ 明朝" panose="02020609040205080304" pitchFamily="17" charset="-128"/>
+                <a:cs typeface="Times New Roman" panose="02020603050405020304" pitchFamily="18" charset="0"/>
+              </a:rPr>
+              <a:t>Live2D</a:t>
+            </a:r>
+            <a:r>
+              <a:rPr lang="ja-JP" altLang="ja-JP" sz="700" kern="100" dirty="0">
+                <a:effectLst/>
+                <a:latin typeface="Century" panose="02040604050505020304" pitchFamily="18" charset="0"/>
+                <a:ea typeface="ＭＳ 明朝" panose="02020609040205080304" pitchFamily="17" charset="-128"/>
+                <a:cs typeface="Times New Roman" panose="02020603050405020304" pitchFamily="18" charset="0"/>
+              </a:rPr>
+              <a:t>、</a:t>
+            </a:r>
+            <a:r>
+              <a:rPr lang="en-US" altLang="ja-JP" sz="700" kern="100" dirty="0">
+                <a:effectLst/>
+                <a:latin typeface="Century" panose="02040604050505020304" pitchFamily="18" charset="0"/>
+                <a:ea typeface="ＭＳ 明朝" panose="02020609040205080304" pitchFamily="17" charset="-128"/>
+                <a:cs typeface="Times New Roman" panose="02020603050405020304" pitchFamily="18" charset="0"/>
+              </a:rPr>
+              <a:t>3D</a:t>
+            </a:r>
+            <a:r>
+              <a:rPr lang="ja-JP" altLang="ja-JP" sz="700" kern="100" dirty="0">
+                <a:effectLst/>
+                <a:latin typeface="Century" panose="02040604050505020304" pitchFamily="18" charset="0"/>
+                <a:ea typeface="ＭＳ 明朝" panose="02020609040205080304" pitchFamily="17" charset="-128"/>
+                <a:cs typeface="Times New Roman" panose="02020603050405020304" pitchFamily="18" charset="0"/>
+              </a:rPr>
+              <a:t>モデリングなど）</a:t>
+            </a:r>
+          </a:p>
+          <a:p>
+            <a:pPr indent="133350" algn="just"/>
+            <a:r>
+              <a:rPr lang="ja-JP" altLang="ja-JP" sz="700" kern="100" dirty="0">
+                <a:effectLst/>
+                <a:latin typeface="Century" panose="02040604050505020304" pitchFamily="18" charset="0"/>
+                <a:ea typeface="ＭＳ 明朝" panose="02020609040205080304" pitchFamily="17" charset="-128"/>
+                <a:cs typeface="Times New Roman" panose="02020603050405020304" pitchFamily="18" charset="0"/>
+              </a:rPr>
+              <a:t>箱（所属事務所）</a:t>
+            </a:r>
+          </a:p>
+          <a:p>
+            <a:pPr indent="133350" algn="just"/>
+            <a:r>
+              <a:rPr lang="ja-JP" altLang="ja-JP" sz="700" kern="100" dirty="0">
+                <a:effectLst/>
+                <a:latin typeface="Century" panose="02040604050505020304" pitchFamily="18" charset="0"/>
+                <a:ea typeface="ＭＳ 明朝" panose="02020609040205080304" pitchFamily="17" charset="-128"/>
+                <a:cs typeface="Times New Roman" panose="02020603050405020304" pitchFamily="18" charset="0"/>
+              </a:rPr>
+              <a:t>性別（男、女、バ美肉、その他）</a:t>
+            </a:r>
+            <a:endParaRPr lang="en-US" altLang="ja-JP" sz="700" kern="100" dirty="0">
+              <a:effectLst/>
+              <a:latin typeface="Century" panose="02040604050505020304" pitchFamily="18" charset="0"/>
+              <a:ea typeface="ＭＳ 明朝" panose="02020609040205080304" pitchFamily="17" charset="-128"/>
+              <a:cs typeface="Times New Roman" panose="02020603050405020304" pitchFamily="18" charset="0"/>
+            </a:endParaRPr>
+          </a:p>
+          <a:p>
+            <a:pPr indent="133350" algn="just"/>
+            <a:r>
+              <a:rPr lang="ja-JP" altLang="en-US" sz="700" kern="100" dirty="0">
+                <a:effectLst/>
+                <a:latin typeface="Century" panose="02040604050505020304" pitchFamily="18" charset="0"/>
+                <a:ea typeface="ＭＳ 明朝" panose="02020609040205080304" pitchFamily="17" charset="-128"/>
+                <a:cs typeface="Times New Roman" panose="02020603050405020304" pitchFamily="18" charset="0"/>
+              </a:rPr>
+              <a:t>イメージカラー</a:t>
+            </a:r>
+            <a:endParaRPr lang="ja-JP" altLang="ja-JP" sz="700" kern="100" dirty="0">
+              <a:effectLst/>
+              <a:latin typeface="Century" panose="02040604050505020304" pitchFamily="18" charset="0"/>
+              <a:ea typeface="ＭＳ 明朝" panose="02020609040205080304" pitchFamily="17" charset="-128"/>
+              <a:cs typeface="Times New Roman" panose="02020603050405020304" pitchFamily="18" charset="0"/>
+            </a:endParaRPr>
+          </a:p>
+          <a:p>
+            <a:pPr indent="133350" algn="just"/>
+            <a:r>
+              <a:rPr lang="en-US" altLang="ja-JP" sz="700" kern="100" dirty="0" err="1">
+                <a:effectLst/>
+                <a:latin typeface="Century" panose="02040604050505020304" pitchFamily="18" charset="0"/>
+                <a:ea typeface="ＭＳ 明朝" panose="02020609040205080304" pitchFamily="17" charset="-128"/>
+                <a:cs typeface="Times New Roman" panose="02020603050405020304" pitchFamily="18" charset="0"/>
+              </a:rPr>
+              <a:t>Youtube</a:t>
+            </a:r>
+            <a:r>
+              <a:rPr lang="ja-JP" altLang="ja-JP" sz="700" kern="100" dirty="0">
+                <a:effectLst/>
+                <a:latin typeface="Century" panose="02040604050505020304" pitchFamily="18" charset="0"/>
+                <a:ea typeface="ＭＳ 明朝" panose="02020609040205080304" pitchFamily="17" charset="-128"/>
+                <a:cs typeface="Times New Roman" panose="02020603050405020304" pitchFamily="18" charset="0"/>
+              </a:rPr>
+              <a:t>、</a:t>
+            </a:r>
+            <a:r>
+              <a:rPr lang="en-US" altLang="ja-JP" sz="700" kern="100" dirty="0" err="1">
+                <a:effectLst/>
+                <a:latin typeface="Century" panose="02040604050505020304" pitchFamily="18" charset="0"/>
+                <a:ea typeface="ＭＳ 明朝" panose="02020609040205080304" pitchFamily="17" charset="-128"/>
+                <a:cs typeface="Times New Roman" panose="02020603050405020304" pitchFamily="18" charset="0"/>
+              </a:rPr>
+              <a:t>Tiktok</a:t>
+            </a:r>
+            <a:r>
+              <a:rPr lang="ja-JP" altLang="ja-JP" sz="700" kern="100" dirty="0">
+                <a:effectLst/>
+                <a:latin typeface="Century" panose="02040604050505020304" pitchFamily="18" charset="0"/>
+                <a:ea typeface="ＭＳ 明朝" panose="02020609040205080304" pitchFamily="17" charset="-128"/>
+                <a:cs typeface="Times New Roman" panose="02020603050405020304" pitchFamily="18" charset="0"/>
+              </a:rPr>
+              <a:t>、</a:t>
+            </a:r>
+            <a:r>
+              <a:rPr lang="en-US" altLang="ja-JP" sz="700" kern="100" dirty="0">
+                <a:effectLst/>
+                <a:latin typeface="Century" panose="02040604050505020304" pitchFamily="18" charset="0"/>
+                <a:ea typeface="ＭＳ 明朝" panose="02020609040205080304" pitchFamily="17" charset="-128"/>
+                <a:cs typeface="Times New Roman" panose="02020603050405020304" pitchFamily="18" charset="0"/>
+              </a:rPr>
+              <a:t>Twitter</a:t>
+            </a:r>
+            <a:r>
+              <a:rPr lang="ja-JP" altLang="ja-JP" sz="700" kern="100" dirty="0">
+                <a:effectLst/>
+                <a:latin typeface="Century" panose="02040604050505020304" pitchFamily="18" charset="0"/>
+                <a:ea typeface="ＭＳ 明朝" panose="02020609040205080304" pitchFamily="17" charset="-128"/>
+                <a:cs typeface="Times New Roman" panose="02020603050405020304" pitchFamily="18" charset="0"/>
+              </a:rPr>
+              <a:t>、</a:t>
+            </a:r>
+            <a:r>
+              <a:rPr lang="en-US" altLang="ja-JP" sz="700" kern="100" dirty="0">
+                <a:effectLst/>
+                <a:latin typeface="Century" panose="02040604050505020304" pitchFamily="18" charset="0"/>
+                <a:ea typeface="ＭＳ 明朝" panose="02020609040205080304" pitchFamily="17" charset="-128"/>
+                <a:cs typeface="Times New Roman" panose="02020603050405020304" pitchFamily="18" charset="0"/>
+              </a:rPr>
+              <a:t>Instagram</a:t>
+            </a:r>
+            <a:r>
+              <a:rPr lang="ja-JP" altLang="ja-JP" sz="700" kern="100" dirty="0">
+                <a:effectLst/>
+                <a:latin typeface="Century" panose="02040604050505020304" pitchFamily="18" charset="0"/>
+                <a:ea typeface="ＭＳ 明朝" panose="02020609040205080304" pitchFamily="17" charset="-128"/>
+                <a:cs typeface="Times New Roman" panose="02020603050405020304" pitchFamily="18" charset="0"/>
+              </a:rPr>
+              <a:t>、公式</a:t>
+            </a:r>
+            <a:r>
+              <a:rPr lang="en-US" altLang="ja-JP" sz="700" kern="100" dirty="0">
+                <a:effectLst/>
+                <a:latin typeface="Century" panose="02040604050505020304" pitchFamily="18" charset="0"/>
+                <a:ea typeface="ＭＳ 明朝" panose="02020609040205080304" pitchFamily="17" charset="-128"/>
+                <a:cs typeface="Times New Roman" panose="02020603050405020304" pitchFamily="18" charset="0"/>
+              </a:rPr>
+              <a:t>LINE</a:t>
+            </a:r>
+            <a:r>
+              <a:rPr lang="ja-JP" altLang="ja-JP" sz="700" kern="100" dirty="0">
+                <a:effectLst/>
+                <a:latin typeface="Century" panose="02040604050505020304" pitchFamily="18" charset="0"/>
+                <a:ea typeface="ＭＳ 明朝" panose="02020609040205080304" pitchFamily="17" charset="-128"/>
+                <a:cs typeface="Times New Roman" panose="02020603050405020304" pitchFamily="18" charset="0"/>
+              </a:rPr>
+              <a:t>アカウント、</a:t>
+            </a:r>
+            <a:r>
+              <a:rPr lang="en-US" altLang="ja-JP" sz="700" kern="100" dirty="0">
+                <a:effectLst/>
+                <a:latin typeface="Century" panose="02040604050505020304" pitchFamily="18" charset="0"/>
+                <a:ea typeface="ＭＳ 明朝" panose="02020609040205080304" pitchFamily="17" charset="-128"/>
+                <a:cs typeface="Times New Roman" panose="02020603050405020304" pitchFamily="18" charset="0"/>
+              </a:rPr>
+              <a:t>Twitch</a:t>
+            </a:r>
+            <a:r>
+              <a:rPr lang="ja-JP" altLang="ja-JP" sz="700" kern="100" dirty="0">
+                <a:effectLst/>
+                <a:latin typeface="Century" panose="02040604050505020304" pitchFamily="18" charset="0"/>
+                <a:ea typeface="ＭＳ 明朝" panose="02020609040205080304" pitchFamily="17" charset="-128"/>
+                <a:cs typeface="Times New Roman" panose="02020603050405020304" pitchFamily="18" charset="0"/>
+              </a:rPr>
+              <a:t>、ミルダム、</a:t>
+            </a:r>
+            <a:r>
+              <a:rPr lang="en-US" altLang="ja-JP" sz="700" kern="100" dirty="0" err="1">
+                <a:effectLst/>
+                <a:latin typeface="Century" panose="02040604050505020304" pitchFamily="18" charset="0"/>
+                <a:ea typeface="ＭＳ 明朝" panose="02020609040205080304" pitchFamily="17" charset="-128"/>
+                <a:cs typeface="Times New Roman" panose="02020603050405020304" pitchFamily="18" charset="0"/>
+              </a:rPr>
+              <a:t>Fantia</a:t>
+            </a:r>
+            <a:r>
+              <a:rPr lang="ja-JP" altLang="ja-JP" sz="700" kern="100" dirty="0">
+                <a:effectLst/>
+                <a:latin typeface="Century" panose="02040604050505020304" pitchFamily="18" charset="0"/>
+                <a:ea typeface="ＭＳ 明朝" panose="02020609040205080304" pitchFamily="17" charset="-128"/>
+                <a:cs typeface="Times New Roman" panose="02020603050405020304" pitchFamily="18" charset="0"/>
+              </a:rPr>
+              <a:t>、マシュマロ、</a:t>
+            </a:r>
+            <a:r>
+              <a:rPr lang="en-US" altLang="ja-JP" sz="700" kern="100" dirty="0">
+                <a:effectLst/>
+                <a:latin typeface="Century" panose="02040604050505020304" pitchFamily="18" charset="0"/>
+                <a:ea typeface="ＭＳ 明朝" panose="02020609040205080304" pitchFamily="17" charset="-128"/>
+                <a:cs typeface="Times New Roman" panose="02020603050405020304" pitchFamily="18" charset="0"/>
+              </a:rPr>
+              <a:t>Booth</a:t>
+            </a:r>
+            <a:r>
+              <a:rPr lang="ja-JP" altLang="ja-JP" sz="700" kern="100" dirty="0">
+                <a:effectLst/>
+                <a:latin typeface="Century" panose="02040604050505020304" pitchFamily="18" charset="0"/>
+                <a:ea typeface="ＭＳ 明朝" panose="02020609040205080304" pitchFamily="17" charset="-128"/>
+                <a:cs typeface="Times New Roman" panose="02020603050405020304" pitchFamily="18" charset="0"/>
+              </a:rPr>
+              <a:t>等の活動プラットフォームのアカウントリンク</a:t>
+            </a:r>
+          </a:p>
+          <a:p>
+            <a:pPr indent="133350" algn="just"/>
+            <a:r>
+              <a:rPr lang="ja-JP" altLang="ja-JP" sz="700" kern="100" dirty="0">
+                <a:effectLst/>
+                <a:latin typeface="Century" panose="02040604050505020304" pitchFamily="18" charset="0"/>
+                <a:ea typeface="ＭＳ 明朝" panose="02020609040205080304" pitchFamily="17" charset="-128"/>
+                <a:cs typeface="Times New Roman" panose="02020603050405020304" pitchFamily="18" charset="0"/>
+              </a:rPr>
+              <a:t>活動開始日</a:t>
+            </a:r>
+            <a:endParaRPr lang="en-US" altLang="ja-JP" sz="700" kern="100" dirty="0">
+              <a:effectLst/>
+              <a:latin typeface="Century" panose="02040604050505020304" pitchFamily="18" charset="0"/>
+              <a:ea typeface="ＭＳ 明朝" panose="02020609040205080304" pitchFamily="17" charset="-128"/>
+              <a:cs typeface="Times New Roman" panose="02020603050405020304" pitchFamily="18" charset="0"/>
+            </a:endParaRPr>
+          </a:p>
+          <a:p>
+            <a:pPr indent="133350" algn="just"/>
+            <a:r>
+              <a:rPr lang="ja-JP" altLang="en-US" sz="700" kern="100" dirty="0">
+                <a:effectLst/>
+                <a:latin typeface="Century" panose="02040604050505020304" pitchFamily="18" charset="0"/>
+                <a:ea typeface="ＭＳ 明朝" panose="02020609040205080304" pitchFamily="17" charset="-128"/>
+                <a:cs typeface="Times New Roman" panose="02020603050405020304" pitchFamily="18" charset="0"/>
+              </a:rPr>
+              <a:t>活動終了日</a:t>
+            </a:r>
+            <a:endParaRPr lang="ja-JP" altLang="ja-JP" sz="700" kern="100" dirty="0">
+              <a:effectLst/>
+              <a:latin typeface="Century" panose="02040604050505020304" pitchFamily="18" charset="0"/>
+              <a:ea typeface="ＭＳ 明朝" panose="02020609040205080304" pitchFamily="17" charset="-128"/>
+              <a:cs typeface="Times New Roman" panose="02020603050405020304" pitchFamily="18" charset="0"/>
+            </a:endParaRPr>
+          </a:p>
+          <a:p>
+            <a:pPr indent="133350" algn="just"/>
+            <a:r>
+              <a:rPr lang="ja-JP" altLang="ja-JP" sz="700" kern="100" dirty="0">
+                <a:effectLst/>
+                <a:latin typeface="Century" panose="02040604050505020304" pitchFamily="18" charset="0"/>
+                <a:ea typeface="ＭＳ 明朝" panose="02020609040205080304" pitchFamily="17" charset="-128"/>
+                <a:cs typeface="Times New Roman" panose="02020603050405020304" pitchFamily="18" charset="0"/>
+              </a:rPr>
+              <a:t>ファンの呼称</a:t>
+            </a:r>
+          </a:p>
+          <a:p>
+            <a:pPr indent="133350" algn="just"/>
+            <a:r>
+              <a:rPr lang="ja-JP" altLang="ja-JP" sz="700" kern="100" dirty="0">
+                <a:effectLst/>
+                <a:latin typeface="Century" panose="02040604050505020304" pitchFamily="18" charset="0"/>
+                <a:ea typeface="ＭＳ 明朝" panose="02020609040205080304" pitchFamily="17" charset="-128"/>
+                <a:cs typeface="Times New Roman" panose="02020603050405020304" pitchFamily="18" charset="0"/>
+              </a:rPr>
+              <a:t>ファンマーク</a:t>
+            </a:r>
+          </a:p>
+          <a:p>
+            <a:pPr indent="133350" algn="just"/>
+            <a:r>
+              <a:rPr lang="ja-JP" altLang="ja-JP" sz="700" kern="100" dirty="0">
+                <a:effectLst/>
+                <a:latin typeface="Century" panose="02040604050505020304" pitchFamily="18" charset="0"/>
+                <a:ea typeface="ＭＳ 明朝" panose="02020609040205080304" pitchFamily="17" charset="-128"/>
+                <a:cs typeface="Times New Roman" panose="02020603050405020304" pitchFamily="18" charset="0"/>
+              </a:rPr>
+              <a:t>一人称の呼び名</a:t>
+            </a:r>
+          </a:p>
+          <a:p>
+            <a:pPr indent="133350" algn="just"/>
+            <a:r>
+              <a:rPr lang="ja-JP" altLang="ja-JP" sz="700" kern="100" dirty="0">
+                <a:effectLst/>
+                <a:latin typeface="Century" panose="02040604050505020304" pitchFamily="18" charset="0"/>
+                <a:ea typeface="ＭＳ 明朝" panose="02020609040205080304" pitchFamily="17" charset="-128"/>
+                <a:cs typeface="Times New Roman" panose="02020603050405020304" pitchFamily="18" charset="0"/>
+              </a:rPr>
+              <a:t>活動内容（動画投稿、ゲーム配信、雑談、</a:t>
+            </a:r>
+            <a:r>
+              <a:rPr lang="en-US" altLang="ja-JP" sz="700" kern="100" dirty="0">
+                <a:effectLst/>
+                <a:latin typeface="Century" panose="02040604050505020304" pitchFamily="18" charset="0"/>
+                <a:ea typeface="ＭＳ 明朝" panose="02020609040205080304" pitchFamily="17" charset="-128"/>
+                <a:cs typeface="Times New Roman" panose="02020603050405020304" pitchFamily="18" charset="0"/>
+              </a:rPr>
+              <a:t>ASMR</a:t>
+            </a:r>
+            <a:r>
+              <a:rPr lang="ja-JP" altLang="ja-JP" sz="700" kern="100" dirty="0">
+                <a:effectLst/>
+                <a:latin typeface="Century" panose="02040604050505020304" pitchFamily="18" charset="0"/>
+                <a:ea typeface="ＭＳ 明朝" panose="02020609040205080304" pitchFamily="17" charset="-128"/>
+                <a:cs typeface="Times New Roman" panose="02020603050405020304" pitchFamily="18" charset="0"/>
+              </a:rPr>
+              <a:t>、ものづくり、歌</a:t>
+            </a:r>
+            <a:r>
+              <a:rPr lang="en-US" altLang="ja-JP" sz="700" kern="100" dirty="0" err="1">
+                <a:effectLst/>
+                <a:latin typeface="Century" panose="02040604050505020304" pitchFamily="18" charset="0"/>
+                <a:ea typeface="ＭＳ 明朝" panose="02020609040205080304" pitchFamily="17" charset="-128"/>
+                <a:cs typeface="Times New Roman" panose="02020603050405020304" pitchFamily="18" charset="0"/>
+              </a:rPr>
+              <a:t>etc</a:t>
+            </a:r>
+            <a:r>
+              <a:rPr lang="ja-JP" altLang="ja-JP" sz="700" kern="100" dirty="0">
+                <a:effectLst/>
+                <a:latin typeface="Century" panose="02040604050505020304" pitchFamily="18" charset="0"/>
+                <a:ea typeface="ＭＳ 明朝" panose="02020609040205080304" pitchFamily="17" charset="-128"/>
+                <a:cs typeface="Times New Roman" panose="02020603050405020304" pitchFamily="18" charset="0"/>
+              </a:rPr>
+              <a:t>）</a:t>
+            </a:r>
+          </a:p>
+          <a:p>
+            <a:pPr indent="133350" algn="just"/>
+            <a:r>
+              <a:rPr lang="ja-JP" altLang="ja-JP" sz="700" kern="100" dirty="0">
+                <a:effectLst/>
+                <a:latin typeface="Century" panose="02040604050505020304" pitchFamily="18" charset="0"/>
+                <a:ea typeface="ＭＳ 明朝" panose="02020609040205080304" pitchFamily="17" charset="-128"/>
+                <a:cs typeface="Times New Roman" panose="02020603050405020304" pitchFamily="18" charset="0"/>
+              </a:rPr>
+              <a:t>前世</a:t>
+            </a:r>
+          </a:p>
+          <a:p>
+            <a:pPr indent="133350" algn="just"/>
+            <a:r>
+              <a:rPr lang="ja-JP" altLang="ja-JP" sz="700" kern="100" dirty="0">
+                <a:effectLst/>
+                <a:latin typeface="Century" panose="02040604050505020304" pitchFamily="18" charset="0"/>
+                <a:ea typeface="ＭＳ 明朝" panose="02020609040205080304" pitchFamily="17" charset="-128"/>
+                <a:cs typeface="Times New Roman" panose="02020603050405020304" pitchFamily="18" charset="0"/>
+              </a:rPr>
+              <a:t>卒業済みかどうか</a:t>
+            </a:r>
+          </a:p>
+          <a:p>
+            <a:pPr indent="133350" algn="just"/>
+            <a:r>
+              <a:rPr lang="ja-JP" altLang="ja-JP" sz="700" kern="100" dirty="0">
+                <a:effectLst/>
+                <a:latin typeface="Century" panose="02040604050505020304" pitchFamily="18" charset="0"/>
+                <a:ea typeface="ＭＳ 明朝" panose="02020609040205080304" pitchFamily="17" charset="-128"/>
+                <a:cs typeface="Times New Roman" panose="02020603050405020304" pitchFamily="18" charset="0"/>
+              </a:rPr>
+              <a:t>各活動プラットフォームの登録者数</a:t>
+            </a:r>
+          </a:p>
+          <a:p>
+            <a:pPr indent="133350" algn="just"/>
+            <a:r>
+              <a:rPr lang="ja-JP" altLang="ja-JP" sz="700" kern="100" dirty="0">
+                <a:effectLst/>
+                <a:latin typeface="Century" panose="02040604050505020304" pitchFamily="18" charset="0"/>
+                <a:ea typeface="ＭＳ 明朝" panose="02020609040205080304" pitchFamily="17" charset="-128"/>
+                <a:cs typeface="Times New Roman" panose="02020603050405020304" pitchFamily="18" charset="0"/>
+              </a:rPr>
+              <a:t>主なコンテンツ（動画、</a:t>
+            </a:r>
+            <a:r>
+              <a:rPr lang="en-US" altLang="ja-JP" sz="700" kern="100" dirty="0">
+                <a:effectLst/>
+                <a:latin typeface="Century" panose="02040604050505020304" pitchFamily="18" charset="0"/>
+                <a:ea typeface="ＭＳ 明朝" panose="02020609040205080304" pitchFamily="17" charset="-128"/>
+                <a:cs typeface="Times New Roman" panose="02020603050405020304" pitchFamily="18" charset="0"/>
+              </a:rPr>
+              <a:t>short</a:t>
+            </a:r>
+            <a:r>
+              <a:rPr lang="ja-JP" altLang="ja-JP" sz="700" kern="100" dirty="0">
+                <a:effectLst/>
+                <a:latin typeface="Century" panose="02040604050505020304" pitchFamily="18" charset="0"/>
+                <a:ea typeface="ＭＳ 明朝" panose="02020609040205080304" pitchFamily="17" charset="-128"/>
+                <a:cs typeface="Times New Roman" panose="02020603050405020304" pitchFamily="18" charset="0"/>
+              </a:rPr>
+              <a:t>動画、配信、そのほか）</a:t>
+            </a:r>
+          </a:p>
+          <a:p>
+            <a:pPr indent="133350" algn="just"/>
+            <a:r>
+              <a:rPr lang="ja-JP" altLang="ja-JP" sz="700" kern="100" dirty="0">
+                <a:effectLst/>
+                <a:latin typeface="Century" panose="02040604050505020304" pitchFamily="18" charset="0"/>
+                <a:ea typeface="ＭＳ 明朝" panose="02020609040205080304" pitchFamily="17" charset="-128"/>
+                <a:cs typeface="Times New Roman" panose="02020603050405020304" pitchFamily="18" charset="0"/>
+              </a:rPr>
+              <a:t>タグ（サイト内での紐づけ）</a:t>
+            </a:r>
+          </a:p>
+          <a:p>
+            <a:pPr indent="133350" algn="just"/>
+            <a:r>
+              <a:rPr lang="en-US" altLang="ja-JP" sz="700" kern="100" dirty="0">
+                <a:effectLst/>
+                <a:latin typeface="Century" panose="02040604050505020304" pitchFamily="18" charset="0"/>
+                <a:ea typeface="ＭＳ 明朝" panose="02020609040205080304" pitchFamily="17" charset="-128"/>
+                <a:cs typeface="Times New Roman" panose="02020603050405020304" pitchFamily="18" charset="0"/>
+              </a:rPr>
+              <a:t>Twitter</a:t>
+            </a:r>
+            <a:r>
+              <a:rPr lang="ja-JP" altLang="ja-JP" sz="700" kern="100" dirty="0">
+                <a:effectLst/>
+                <a:latin typeface="Century" panose="02040604050505020304" pitchFamily="18" charset="0"/>
+                <a:ea typeface="ＭＳ 明朝" panose="02020609040205080304" pitchFamily="17" charset="-128"/>
+                <a:cs typeface="Times New Roman" panose="02020603050405020304" pitchFamily="18" charset="0"/>
+              </a:rPr>
+              <a:t>などでの配信時、ファンアート投稿などのハッシュタグ</a:t>
+            </a:r>
+          </a:p>
+          <a:p>
+            <a:pPr indent="133350" algn="just"/>
+            <a:r>
+              <a:rPr lang="ja-JP" altLang="ja-JP" sz="700" kern="100" dirty="0">
+                <a:effectLst/>
+                <a:latin typeface="Century" panose="02040604050505020304" pitchFamily="18" charset="0"/>
+                <a:ea typeface="ＭＳ 明朝" panose="02020609040205080304" pitchFamily="17" charset="-128"/>
+                <a:cs typeface="Times New Roman" panose="02020603050405020304" pitchFamily="18" charset="0"/>
+              </a:rPr>
+              <a:t>フリーコメント</a:t>
+            </a:r>
+            <a:endParaRPr lang="en-US" altLang="ja-JP" sz="700" kern="100" dirty="0">
+              <a:effectLst/>
+              <a:latin typeface="Century" panose="02040604050505020304" pitchFamily="18" charset="0"/>
+              <a:ea typeface="ＭＳ 明朝" panose="02020609040205080304" pitchFamily="17" charset="-128"/>
+              <a:cs typeface="Times New Roman" panose="02020603050405020304" pitchFamily="18" charset="0"/>
+            </a:endParaRPr>
+          </a:p>
+          <a:p>
+            <a:pPr indent="133350" algn="just"/>
+            <a:r>
+              <a:rPr lang="ja-JP" altLang="en-US" sz="700" kern="100" dirty="0">
+                <a:latin typeface="Century" panose="02040604050505020304" pitchFamily="18" charset="0"/>
+                <a:ea typeface="ＭＳ 明朝" panose="02020609040205080304" pitchFamily="17" charset="-128"/>
+                <a:cs typeface="Times New Roman" panose="02020603050405020304" pitchFamily="18" charset="0"/>
+              </a:rPr>
+              <a:t>掲示板（</a:t>
+            </a:r>
+            <a:r>
+              <a:rPr lang="en-US" altLang="ja-JP" sz="700" kern="100" dirty="0">
+                <a:latin typeface="Century" panose="02040604050505020304" pitchFamily="18" charset="0"/>
+                <a:ea typeface="ＭＳ 明朝" panose="02020609040205080304" pitchFamily="17" charset="-128"/>
+                <a:cs typeface="Times New Roman" panose="02020603050405020304" pitchFamily="18" charset="0"/>
+              </a:rPr>
+              <a:t>+</a:t>
+            </a:r>
+            <a:r>
+              <a:rPr lang="ja-JP" altLang="en-US" sz="700" kern="100" dirty="0">
+                <a:latin typeface="Century" panose="02040604050505020304" pitchFamily="18" charset="0"/>
+                <a:ea typeface="ＭＳ 明朝" panose="02020609040205080304" pitchFamily="17" charset="-128"/>
+                <a:cs typeface="Times New Roman" panose="02020603050405020304" pitchFamily="18" charset="0"/>
+              </a:rPr>
+              <a:t>修正履歴）</a:t>
+            </a:r>
+            <a:endParaRPr lang="en-US" altLang="ja-JP" sz="700" kern="100" dirty="0">
+              <a:latin typeface="Century" panose="02040604050505020304" pitchFamily="18" charset="0"/>
+              <a:ea typeface="ＭＳ 明朝" panose="02020609040205080304" pitchFamily="17" charset="-128"/>
+              <a:cs typeface="Times New Roman" panose="02020603050405020304" pitchFamily="18" charset="0"/>
+            </a:endParaRPr>
+          </a:p>
+        </p:txBody>
+      </p:sp>
+      <p:sp>
+        <p:nvSpPr>
+          <p:cNvPr id="13" name="コンテンツ プレースホルダー 2">
+            <a:extLst>
+              <a:ext uri="{FF2B5EF4-FFF2-40B4-BE49-F238E27FC236}">
+                <a16:creationId xmlns:a16="http://schemas.microsoft.com/office/drawing/2014/main" id="{9231A45D-5836-15BB-11A5-0C4CC2351C06}"/>
+              </a:ext>
+            </a:extLst>
+          </p:cNvPr>
+          <p:cNvSpPr txBox="1">
+            <a:spLocks/>
+          </p:cNvSpPr>
+          <p:nvPr/>
+        </p:nvSpPr>
+        <p:spPr>
+          <a:xfrm>
+            <a:off x="304799" y="872006"/>
+            <a:ext cx="1479007" cy="5376394"/>
+          </a:xfrm>
+          <a:prstGeom prst="rect">
+            <a:avLst/>
+          </a:prstGeom>
+        </p:spPr>
+        <p:txBody>
+          <a:bodyPr vert="horz" lIns="91440" tIns="45720" rIns="91440" bIns="45720" rtlCol="0">
+            <a:noAutofit/>
+          </a:bodyPr>
+          <a:lstStyle>
+            <a:lvl1pPr marL="228600" indent="-228600" algn="l" defTabSz="914400" rtl="0" eaLnBrk="1" latinLnBrk="0" hangingPunct="1">
+              <a:lnSpc>
+                <a:spcPct val="90000"/>
+              </a:lnSpc>
+              <a:spcBef>
+                <a:spcPts val="1000"/>
+              </a:spcBef>
+              <a:buFont typeface="Arial" panose="020B0604020202020204" pitchFamily="34" charset="0"/>
+              <a:buChar char="•"/>
+              <a:defRPr kumimoji="1" sz="2800" kern="1200">
+                <a:solidFill>
+                  <a:schemeClr val="tx1"/>
+                </a:solidFill>
+                <a:latin typeface="+mn-lt"/>
+                <a:ea typeface="+mn-ea"/>
+                <a:cs typeface="+mn-cs"/>
+              </a:defRPr>
+            </a:lvl1pPr>
+            <a:lvl2pPr marL="685800" indent="-228600" algn="l" defTabSz="914400" rtl="0" eaLnBrk="1" latinLnBrk="0" hangingPunct="1">
+              <a:lnSpc>
+                <a:spcPct val="90000"/>
+              </a:lnSpc>
+              <a:spcBef>
+                <a:spcPts val="500"/>
+              </a:spcBef>
+              <a:buFont typeface="Arial" panose="020B0604020202020204" pitchFamily="34" charset="0"/>
+              <a:buChar char="•"/>
+              <a:defRPr kumimoji="1" sz="2400" kern="1200">
+                <a:solidFill>
+                  <a:schemeClr val="tx1"/>
+                </a:solidFill>
+                <a:latin typeface="+mn-lt"/>
+                <a:ea typeface="+mn-ea"/>
+                <a:cs typeface="+mn-cs"/>
+              </a:defRPr>
+            </a:lvl2pPr>
+            <a:lvl3pPr marL="1143000" indent="-228600" algn="l" defTabSz="914400" rtl="0" eaLnBrk="1" latinLnBrk="0" hangingPunct="1">
+              <a:lnSpc>
+                <a:spcPct val="90000"/>
+              </a:lnSpc>
+              <a:spcBef>
+                <a:spcPts val="500"/>
+              </a:spcBef>
+              <a:buFont typeface="Arial" panose="020B0604020202020204" pitchFamily="34" charset="0"/>
+              <a:buChar char="•"/>
+              <a:defRPr kumimoji="1" sz="2000" kern="1200">
+                <a:solidFill>
+                  <a:schemeClr val="tx1"/>
+                </a:solidFill>
+                <a:latin typeface="+mn-lt"/>
+                <a:ea typeface="+mn-ea"/>
+                <a:cs typeface="+mn-cs"/>
+              </a:defRPr>
+            </a:lvl3pPr>
+            <a:lvl4pPr marL="1600200" indent="-228600" algn="l" defTabSz="914400" rtl="0" eaLnBrk="1" latinLnBrk="0" hangingPunct="1">
+              <a:lnSpc>
+                <a:spcPct val="90000"/>
+              </a:lnSpc>
+              <a:spcBef>
+                <a:spcPts val="500"/>
+              </a:spcBef>
+              <a:buFont typeface="Arial" panose="020B0604020202020204" pitchFamily="34" charset="0"/>
+              <a:buChar char="•"/>
+              <a:defRPr kumimoji="1" sz="1800" kern="1200">
+                <a:solidFill>
+                  <a:schemeClr val="tx1"/>
+                </a:solidFill>
+                <a:latin typeface="+mn-lt"/>
+                <a:ea typeface="+mn-ea"/>
+                <a:cs typeface="+mn-cs"/>
+              </a:defRPr>
+            </a:lvl4pPr>
+            <a:lvl5pPr marL="2057400" indent="-228600" algn="l" defTabSz="914400" rtl="0" eaLnBrk="1" latinLnBrk="0" hangingPunct="1">
+              <a:lnSpc>
+                <a:spcPct val="90000"/>
+              </a:lnSpc>
+              <a:spcBef>
+                <a:spcPts val="500"/>
+              </a:spcBef>
+              <a:buFont typeface="Arial" panose="020B0604020202020204" pitchFamily="34" charset="0"/>
+              <a:buChar char="•"/>
+              <a:defRPr kumimoji="1" sz="1800" kern="1200">
+                <a:solidFill>
+                  <a:schemeClr val="tx1"/>
+                </a:solidFill>
+                <a:latin typeface="+mn-lt"/>
+                <a:ea typeface="+mn-ea"/>
+                <a:cs typeface="+mn-cs"/>
+              </a:defRPr>
+            </a:lvl5pPr>
+            <a:lvl6pPr marL="2514600" indent="-228600" algn="l" defTabSz="914400" rtl="0" eaLnBrk="1" latinLnBrk="0" hangingPunct="1">
+              <a:lnSpc>
+                <a:spcPct val="90000"/>
+              </a:lnSpc>
+              <a:spcBef>
+                <a:spcPts val="500"/>
+              </a:spcBef>
+              <a:buFont typeface="Arial" panose="020B0604020202020204" pitchFamily="34" charset="0"/>
+              <a:buChar char="•"/>
+              <a:defRPr kumimoji="1" sz="1800" kern="1200">
+                <a:solidFill>
+                  <a:schemeClr val="tx1"/>
+                </a:solidFill>
+                <a:latin typeface="+mn-lt"/>
+                <a:ea typeface="+mn-ea"/>
+                <a:cs typeface="+mn-cs"/>
+              </a:defRPr>
+            </a:lvl6pPr>
+            <a:lvl7pPr marL="2971800" indent="-228600" algn="l" defTabSz="914400" rtl="0" eaLnBrk="1" latinLnBrk="0" hangingPunct="1">
+              <a:lnSpc>
+                <a:spcPct val="90000"/>
+              </a:lnSpc>
+              <a:spcBef>
+                <a:spcPts val="500"/>
+              </a:spcBef>
+              <a:buFont typeface="Arial" panose="020B0604020202020204" pitchFamily="34" charset="0"/>
+              <a:buChar char="•"/>
+              <a:defRPr kumimoji="1" sz="1800" kern="1200">
+                <a:solidFill>
+                  <a:schemeClr val="tx1"/>
+                </a:solidFill>
+                <a:latin typeface="+mn-lt"/>
+                <a:ea typeface="+mn-ea"/>
+                <a:cs typeface="+mn-cs"/>
+              </a:defRPr>
+            </a:lvl7pPr>
+            <a:lvl8pPr marL="3429000" indent="-228600" algn="l" defTabSz="914400" rtl="0" eaLnBrk="1" latinLnBrk="0" hangingPunct="1">
+              <a:lnSpc>
+                <a:spcPct val="90000"/>
+              </a:lnSpc>
+              <a:spcBef>
+                <a:spcPts val="500"/>
+              </a:spcBef>
+              <a:buFont typeface="Arial" panose="020B0604020202020204" pitchFamily="34" charset="0"/>
+              <a:buChar char="•"/>
+              <a:defRPr kumimoji="1" sz="1800" kern="1200">
+                <a:solidFill>
+                  <a:schemeClr val="tx1"/>
+                </a:solidFill>
+                <a:latin typeface="+mn-lt"/>
+                <a:ea typeface="+mn-ea"/>
+                <a:cs typeface="+mn-cs"/>
+              </a:defRPr>
+            </a:lvl8pPr>
+            <a:lvl9pPr marL="3886200" indent="-228600" algn="l" defTabSz="914400" rtl="0" eaLnBrk="1" latinLnBrk="0" hangingPunct="1">
+              <a:lnSpc>
+                <a:spcPct val="90000"/>
+              </a:lnSpc>
+              <a:spcBef>
+                <a:spcPts val="500"/>
+              </a:spcBef>
+              <a:buFont typeface="Arial" panose="020B0604020202020204" pitchFamily="34" charset="0"/>
+              <a:buChar char="•"/>
+              <a:defRPr kumimoji="1" sz="1800" kern="1200">
+                <a:solidFill>
+                  <a:schemeClr val="tx1"/>
+                </a:solidFill>
+                <a:latin typeface="+mn-lt"/>
+                <a:ea typeface="+mn-ea"/>
+                <a:cs typeface="+mn-cs"/>
+              </a:defRPr>
+            </a:lvl9pPr>
+          </a:lstStyle>
+          <a:p>
+            <a:pPr indent="0" algn="just">
+              <a:buNone/>
+            </a:pPr>
+            <a:r>
+              <a:rPr lang="en-US" altLang="ja-JP" sz="500" kern="100" dirty="0" err="1">
+                <a:latin typeface="Century" panose="02040604050505020304" pitchFamily="18" charset="0"/>
+                <a:ea typeface="ＭＳ 明朝" panose="02020609040205080304" pitchFamily="17" charset="-128"/>
+                <a:cs typeface="Times New Roman" panose="02020603050405020304" pitchFamily="18" charset="0"/>
+              </a:rPr>
+              <a:t>aaa</a:t>
+            </a:r>
+            <a:endParaRPr lang="en-US" altLang="ja-JP" sz="500" kern="100" dirty="0">
+              <a:latin typeface="Century" panose="02040604050505020304" pitchFamily="18" charset="0"/>
+              <a:ea typeface="ＭＳ 明朝" panose="02020609040205080304" pitchFamily="17" charset="-128"/>
+              <a:cs typeface="Times New Roman" panose="02020603050405020304" pitchFamily="18" charset="0"/>
+            </a:endParaRPr>
+          </a:p>
+          <a:p>
+            <a:pPr indent="0" algn="just">
+              <a:buNone/>
+            </a:pPr>
+            <a:endParaRPr lang="ja-JP" altLang="ja-JP" sz="500" kern="100" dirty="0">
+              <a:latin typeface="Century" panose="02040604050505020304" pitchFamily="18" charset="0"/>
+              <a:ea typeface="ＭＳ 明朝" panose="02020609040205080304" pitchFamily="17" charset="-128"/>
+              <a:cs typeface="Times New Roman" panose="02020603050405020304" pitchFamily="18" charset="0"/>
+            </a:endParaRPr>
+          </a:p>
+        </p:txBody>
+      </p:sp>
+    </p:spTree>
+    <p:extLst>
+      <p:ext uri="{BB962C8B-B14F-4D97-AF65-F5344CB8AC3E}">
+        <p14:creationId xmlns:p14="http://schemas.microsoft.com/office/powerpoint/2010/main" val="2506470532"/>
+      </p:ext>
+    </p:extLst>
+  </p:cSld>
+  <p:clrMapOvr>
+    <a:masterClrMapping/>
+  </p:clrMapOvr>
+</p:sld>
+</file>
+
+<file path=ppt/slides/slide11.xml><?xml version="1.0" encoding="utf-8"?>
 <p:sld xmlns:a="http://schemas.openxmlformats.org/drawingml/2006/main" xmlns:r="http://schemas.openxmlformats.org/officeDocument/2006/relationships" xmlns:p="http://schemas.openxmlformats.org/presentationml/2006/main">
   <p:cSld>
     <p:spTree>
@@ -12379,6 +16159,244 @@
           <a:chExt cx="0" cy="0"/>
         </a:xfrm>
       </p:grpSpPr>
+      <p:pic>
+        <p:nvPicPr>
+          <p:cNvPr id="4" name="図 3">
+            <a:extLst>
+              <a:ext uri="{FF2B5EF4-FFF2-40B4-BE49-F238E27FC236}">
+                <a16:creationId xmlns:a16="http://schemas.microsoft.com/office/drawing/2014/main" id="{795F5A77-8FC5-9E66-7D4C-5D4E4C87AB47}"/>
+              </a:ext>
+            </a:extLst>
+          </p:cNvPr>
+          <p:cNvPicPr>
+            <a:picLocks noChangeAspect="1"/>
+          </p:cNvPicPr>
+          <p:nvPr/>
+        </p:nvPicPr>
+        <p:blipFill>
+          <a:blip r:embed="rId2"/>
+          <a:stretch>
+            <a:fillRect/>
+          </a:stretch>
+        </p:blipFill>
+        <p:spPr>
+          <a:xfrm>
+            <a:off x="-175577" y="-79314"/>
+            <a:ext cx="12367577" cy="6937314"/>
+          </a:xfrm>
+          <a:prstGeom prst="rect">
+            <a:avLst/>
+          </a:prstGeom>
+        </p:spPr>
+      </p:pic>
+      <p:sp>
+        <p:nvSpPr>
+          <p:cNvPr id="12" name="テキスト ボックス 11">
+            <a:extLst>
+              <a:ext uri="{FF2B5EF4-FFF2-40B4-BE49-F238E27FC236}">
+                <a16:creationId xmlns:a16="http://schemas.microsoft.com/office/drawing/2014/main" id="{5DBF687F-9D82-FCD3-AAFD-31A0C6E43358}"/>
+              </a:ext>
+            </a:extLst>
+          </p:cNvPr>
+          <p:cNvSpPr txBox="1"/>
+          <p:nvPr/>
+        </p:nvSpPr>
+        <p:spPr>
+          <a:xfrm>
+            <a:off x="0" y="0"/>
+            <a:ext cx="12192000" cy="6858000"/>
+          </a:xfrm>
+          <a:prstGeom prst="rect">
+            <a:avLst/>
+          </a:prstGeom>
+          <a:solidFill>
+            <a:schemeClr val="bg1">
+              <a:lumMod val="50000"/>
+              <a:alpha val="30196"/>
+            </a:schemeClr>
+          </a:solidFill>
+          <a:ln>
+            <a:noFill/>
+          </a:ln>
+        </p:spPr>
+        <p:txBody>
+          <a:bodyPr wrap="square" rtlCol="0">
+            <a:spAutoFit/>
+          </a:bodyPr>
+          <a:lstStyle/>
+          <a:p>
+            <a:endParaRPr kumimoji="1" lang="ja-JP" altLang="en-US" dirty="0">
+              <a:solidFill>
+                <a:srgbClr val="FF0000"/>
+              </a:solidFill>
+            </a:endParaRPr>
+          </a:p>
+        </p:txBody>
+      </p:sp>
+      <p:cxnSp>
+        <p:nvCxnSpPr>
+          <p:cNvPr id="6" name="直線矢印コネクタ 5">
+            <a:extLst>
+              <a:ext uri="{FF2B5EF4-FFF2-40B4-BE49-F238E27FC236}">
+                <a16:creationId xmlns:a16="http://schemas.microsoft.com/office/drawing/2014/main" id="{A171ECD2-FD88-BF5A-C216-413A66C2A687}"/>
+              </a:ext>
+            </a:extLst>
+          </p:cNvPr>
+          <p:cNvCxnSpPr>
+            <a:cxnSpLocks/>
+          </p:cNvCxnSpPr>
+          <p:nvPr/>
+        </p:nvCxnSpPr>
+        <p:spPr>
+          <a:xfrm>
+            <a:off x="939800" y="0"/>
+            <a:ext cx="0" cy="768350"/>
+          </a:xfrm>
+          <a:prstGeom prst="straightConnector1">
+            <a:avLst/>
+          </a:prstGeom>
+          <a:ln>
+            <a:solidFill>
+              <a:srgbClr val="FF0000"/>
+            </a:solidFill>
+            <a:headEnd type="triangle"/>
+            <a:tailEnd type="triangle"/>
+          </a:ln>
+        </p:spPr>
+        <p:style>
+          <a:lnRef idx="1">
+            <a:schemeClr val="accent1"/>
+          </a:lnRef>
+          <a:fillRef idx="0">
+            <a:schemeClr val="accent1"/>
+          </a:fillRef>
+          <a:effectRef idx="0">
+            <a:schemeClr val="accent1"/>
+          </a:effectRef>
+          <a:fontRef idx="minor">
+            <a:schemeClr val="tx1"/>
+          </a:fontRef>
+        </p:style>
+      </p:cxnSp>
+      <p:cxnSp>
+        <p:nvCxnSpPr>
+          <p:cNvPr id="8" name="直線矢印コネクタ 7">
+            <a:extLst>
+              <a:ext uri="{FF2B5EF4-FFF2-40B4-BE49-F238E27FC236}">
+                <a16:creationId xmlns:a16="http://schemas.microsoft.com/office/drawing/2014/main" id="{35DF19DF-62EE-FD5A-A68F-75D29DCF5AFC}"/>
+              </a:ext>
+            </a:extLst>
+          </p:cNvPr>
+          <p:cNvCxnSpPr>
+            <a:cxnSpLocks/>
+          </p:cNvCxnSpPr>
+          <p:nvPr/>
+        </p:nvCxnSpPr>
+        <p:spPr>
+          <a:xfrm>
+            <a:off x="0" y="952500"/>
+            <a:ext cx="190500" cy="0"/>
+          </a:xfrm>
+          <a:prstGeom prst="straightConnector1">
+            <a:avLst/>
+          </a:prstGeom>
+          <a:ln>
+            <a:solidFill>
+              <a:srgbClr val="FF0000"/>
+            </a:solidFill>
+            <a:headEnd type="triangle"/>
+            <a:tailEnd type="triangle"/>
+          </a:ln>
+        </p:spPr>
+        <p:style>
+          <a:lnRef idx="1">
+            <a:schemeClr val="accent1"/>
+          </a:lnRef>
+          <a:fillRef idx="0">
+            <a:schemeClr val="accent1"/>
+          </a:fillRef>
+          <a:effectRef idx="0">
+            <a:schemeClr val="accent1"/>
+          </a:effectRef>
+          <a:fontRef idx="minor">
+            <a:schemeClr val="tx1"/>
+          </a:fontRef>
+        </p:style>
+      </p:cxnSp>
+      <p:sp>
+        <p:nvSpPr>
+          <p:cNvPr id="11" name="テキスト ボックス 10">
+            <a:extLst>
+              <a:ext uri="{FF2B5EF4-FFF2-40B4-BE49-F238E27FC236}">
+                <a16:creationId xmlns:a16="http://schemas.microsoft.com/office/drawing/2014/main" id="{96B882E8-81AB-1A6B-45E9-8AD78EDD8469}"/>
+              </a:ext>
+            </a:extLst>
+          </p:cNvPr>
+          <p:cNvSpPr txBox="1"/>
+          <p:nvPr/>
+        </p:nvSpPr>
+        <p:spPr>
+          <a:xfrm>
+            <a:off x="939800" y="0"/>
+            <a:ext cx="1543050" cy="369332"/>
+          </a:xfrm>
+          <a:prstGeom prst="rect">
+            <a:avLst/>
+          </a:prstGeom>
+          <a:noFill/>
+        </p:spPr>
+        <p:txBody>
+          <a:bodyPr wrap="square" rtlCol="0">
+            <a:spAutoFit/>
+          </a:bodyPr>
+          <a:lstStyle/>
+          <a:p>
+            <a:r>
+              <a:rPr kumimoji="1" lang="en-US" altLang="ja-JP" dirty="0">
+                <a:solidFill>
+                  <a:srgbClr val="FF0000"/>
+                </a:solidFill>
+              </a:rPr>
+              <a:t>10px</a:t>
+            </a:r>
+            <a:endParaRPr kumimoji="1" lang="ja-JP" altLang="en-US" dirty="0">
+              <a:solidFill>
+                <a:srgbClr val="FF0000"/>
+              </a:solidFill>
+            </a:endParaRPr>
+          </a:p>
+        </p:txBody>
+      </p:sp>
+    </p:spTree>
+    <p:extLst>
+      <p:ext uri="{BB962C8B-B14F-4D97-AF65-F5344CB8AC3E}">
+        <p14:creationId xmlns:p14="http://schemas.microsoft.com/office/powerpoint/2010/main" val="1879759398"/>
+      </p:ext>
+    </p:extLst>
+  </p:cSld>
+  <p:clrMapOvr>
+    <a:masterClrMapping/>
+  </p:clrMapOvr>
+</p:sld>
+</file>
+
+<file path=ppt/slides/slide3.xml><?xml version="1.0" encoding="utf-8"?>
+<p:sld xmlns:a="http://schemas.openxmlformats.org/drawingml/2006/main" xmlns:r="http://schemas.openxmlformats.org/officeDocument/2006/relationships" xmlns:p="http://schemas.openxmlformats.org/presentationml/2006/main">
+  <p:cSld>
+    <p:spTree>
+      <p:nvGrpSpPr>
+        <p:cNvPr id="1" name=""/>
+        <p:cNvGrpSpPr/>
+        <p:nvPr/>
+      </p:nvGrpSpPr>
+      <p:grpSpPr>
+        <a:xfrm>
+          <a:off x="0" y="0"/>
+          <a:ext cx="0" cy="0"/>
+          <a:chOff x="0" y="0"/>
+          <a:chExt cx="0" cy="0"/>
+        </a:xfrm>
+      </p:grpSpPr>
       <p:sp>
         <p:nvSpPr>
           <p:cNvPr id="4" name="正方形/長方形 3">
@@ -16782,7 +20800,7 @@
 </p:sld>
 </file>
 
-<file path=ppt/slides/slide3.xml><?xml version="1.0" encoding="utf-8"?>
+<file path=ppt/slides/slide4.xml><?xml version="1.0" encoding="utf-8"?>
 <p:sld xmlns:a="http://schemas.openxmlformats.org/drawingml/2006/main" xmlns:r="http://schemas.openxmlformats.org/officeDocument/2006/relationships" xmlns:p="http://schemas.openxmlformats.org/presentationml/2006/main">
   <p:cSld>
     <p:spTree>
@@ -21031,7 +25049,7 @@
 </p:sld>
 </file>
 
-<file path=ppt/slides/slide4.xml><?xml version="1.0" encoding="utf-8"?>
+<file path=ppt/slides/slide5.xml><?xml version="1.0" encoding="utf-8"?>
 <p:sld xmlns:a="http://schemas.openxmlformats.org/drawingml/2006/main" xmlns:r="http://schemas.openxmlformats.org/officeDocument/2006/relationships" xmlns:p="http://schemas.openxmlformats.org/presentationml/2006/main">
   <p:cSld>
     <p:spTree>
@@ -26830,7 +30848,7 @@
 </p:sld>
 </file>
 
-<file path=ppt/slides/slide5.xml><?xml version="1.0" encoding="utf-8"?>
+<file path=ppt/slides/slide6.xml><?xml version="1.0" encoding="utf-8"?>
 <p:sld xmlns:a="http://schemas.openxmlformats.org/drawingml/2006/main" xmlns:r="http://schemas.openxmlformats.org/officeDocument/2006/relationships" xmlns:p="http://schemas.openxmlformats.org/presentationml/2006/main">
   <p:cSld>
     <p:spTree>
@@ -32646,7 +36664,7 @@
 </p:sld>
 </file>
 
-<file path=ppt/slides/slide6.xml><?xml version="1.0" encoding="utf-8"?>
+<file path=ppt/slides/slide7.xml><?xml version="1.0" encoding="utf-8"?>
 <p:sld xmlns:a="http://schemas.openxmlformats.org/drawingml/2006/main" xmlns:r="http://schemas.openxmlformats.org/officeDocument/2006/relationships" xmlns:p="http://schemas.openxmlformats.org/presentationml/2006/main">
   <p:cSld>
     <p:spTree>
@@ -36424,7 +40442,7 @@
 </p:sld>
 </file>
 
-<file path=ppt/slides/slide7.xml><?xml version="1.0" encoding="utf-8"?>
+<file path=ppt/slides/slide8.xml><?xml version="1.0" encoding="utf-8"?>
 <p:sld xmlns:a="http://schemas.openxmlformats.org/drawingml/2006/main" xmlns:r="http://schemas.openxmlformats.org/officeDocument/2006/relationships" xmlns:p="http://schemas.openxmlformats.org/presentationml/2006/main">
   <p:cSld>
     <p:spTree>
@@ -40202,7 +44220,7 @@
 </p:sld>
 </file>
 
-<file path=ppt/slides/slide8.xml><?xml version="1.0" encoding="utf-8"?>
+<file path=ppt/slides/slide9.xml><?xml version="1.0" encoding="utf-8"?>
 <p:sld xmlns:a="http://schemas.openxmlformats.org/drawingml/2006/main" xmlns:r="http://schemas.openxmlformats.org/officeDocument/2006/relationships" xmlns:p="http://schemas.openxmlformats.org/presentationml/2006/main">
   <p:cSld>
     <p:spTree>
@@ -43980,3784 +47998,6 @@
 </p:sld>
 </file>
 
-<file path=ppt/slides/slide9.xml><?xml version="1.0" encoding="utf-8"?>
-<p:sld xmlns:a="http://schemas.openxmlformats.org/drawingml/2006/main" xmlns:r="http://schemas.openxmlformats.org/officeDocument/2006/relationships" xmlns:p="http://schemas.openxmlformats.org/presentationml/2006/main">
-  <p:cSld>
-    <p:spTree>
-      <p:nvGrpSpPr>
-        <p:cNvPr id="1" name="">
-          <a:extLst>
-            <a:ext uri="{FF2B5EF4-FFF2-40B4-BE49-F238E27FC236}">
-              <a16:creationId xmlns:a16="http://schemas.microsoft.com/office/drawing/2014/main" id="{D8D0BA60-1AF2-176A-2212-6CE723B6F1AA}"/>
-            </a:ext>
-          </a:extLst>
-        </p:cNvPr>
-        <p:cNvGrpSpPr/>
-        <p:nvPr/>
-      </p:nvGrpSpPr>
-      <p:grpSpPr>
-        <a:xfrm>
-          <a:off x="0" y="0"/>
-          <a:ext cx="0" cy="0"/>
-          <a:chOff x="0" y="0"/>
-          <a:chExt cx="0" cy="0"/>
-        </a:xfrm>
-      </p:grpSpPr>
-      <p:sp>
-        <p:nvSpPr>
-          <p:cNvPr id="4" name="正方形/長方形 3">
-            <a:extLst>
-              <a:ext uri="{FF2B5EF4-FFF2-40B4-BE49-F238E27FC236}">
-                <a16:creationId xmlns:a16="http://schemas.microsoft.com/office/drawing/2014/main" id="{43EC8CBD-ABA9-8E47-0270-A4E6001F7443}"/>
-              </a:ext>
-            </a:extLst>
-          </p:cNvPr>
-          <p:cNvSpPr/>
-          <p:nvPr/>
-        </p:nvSpPr>
-        <p:spPr>
-          <a:xfrm>
-            <a:off x="0" y="0"/>
-            <a:ext cx="12192000" cy="6858000"/>
-          </a:xfrm>
-          <a:prstGeom prst="rect">
-            <a:avLst/>
-          </a:prstGeom>
-          <a:solidFill>
-            <a:srgbClr val="ECEBCD"/>
-          </a:solidFill>
-          <a:ln>
-            <a:noFill/>
-          </a:ln>
-        </p:spPr>
-        <p:style>
-          <a:lnRef idx="2">
-            <a:schemeClr val="accent1">
-              <a:shade val="15000"/>
-            </a:schemeClr>
-          </a:lnRef>
-          <a:fillRef idx="1">
-            <a:schemeClr val="accent1"/>
-          </a:fillRef>
-          <a:effectRef idx="0">
-            <a:schemeClr val="accent1"/>
-          </a:effectRef>
-          <a:fontRef idx="minor">
-            <a:schemeClr val="lt1"/>
-          </a:fontRef>
-        </p:style>
-        <p:txBody>
-          <a:bodyPr rtlCol="0" anchor="ctr"/>
-          <a:lstStyle/>
-          <a:p>
-            <a:pPr algn="ctr"/>
-            <a:endParaRPr kumimoji="1" lang="ja-JP" altLang="en-US"/>
-          </a:p>
-        </p:txBody>
-      </p:sp>
-      <p:grpSp>
-        <p:nvGrpSpPr>
-          <p:cNvPr id="44" name="グループ化 43">
-            <a:extLst>
-              <a:ext uri="{FF2B5EF4-FFF2-40B4-BE49-F238E27FC236}">
-                <a16:creationId xmlns:a16="http://schemas.microsoft.com/office/drawing/2014/main" id="{22CE4237-646C-ED89-FCC2-EB0744A9B3FA}"/>
-              </a:ext>
-            </a:extLst>
-          </p:cNvPr>
-          <p:cNvGrpSpPr/>
-          <p:nvPr/>
-        </p:nvGrpSpPr>
-        <p:grpSpPr>
-          <a:xfrm>
-            <a:off x="1893570" y="784858"/>
-            <a:ext cx="10001250" cy="5539729"/>
-            <a:chOff x="1893570" y="784858"/>
-            <a:chExt cx="10001250" cy="5539729"/>
-          </a:xfrm>
-        </p:grpSpPr>
-        <p:sp>
-          <p:nvSpPr>
-            <p:cNvPr id="11" name="正方形/長方形 10">
-              <a:extLst>
-                <a:ext uri="{FF2B5EF4-FFF2-40B4-BE49-F238E27FC236}">
-                  <a16:creationId xmlns:a16="http://schemas.microsoft.com/office/drawing/2014/main" id="{A5652F16-D2D2-0733-49AD-3C8D96B1FDEC}"/>
-                </a:ext>
-              </a:extLst>
-            </p:cNvPr>
-            <p:cNvSpPr/>
-            <p:nvPr/>
-          </p:nvSpPr>
-          <p:spPr>
-            <a:xfrm>
-              <a:off x="1893570" y="784858"/>
-              <a:ext cx="10001250" cy="5539729"/>
-            </a:xfrm>
-            <a:prstGeom prst="rect">
-              <a:avLst/>
-            </a:prstGeom>
-            <a:solidFill>
-              <a:schemeClr val="bg1"/>
-            </a:solidFill>
-            <a:ln>
-              <a:noFill/>
-            </a:ln>
-            <a:effectLst>
-              <a:outerShdw blurRad="50800" dist="152400" dir="2700000" algn="ctr" rotWithShape="0">
-                <a:srgbClr val="000000">
-                  <a:alpha val="43137"/>
-                </a:srgbClr>
-              </a:outerShdw>
-            </a:effectLst>
-          </p:spPr>
-          <p:style>
-            <a:lnRef idx="2">
-              <a:schemeClr val="accent1">
-                <a:shade val="15000"/>
-              </a:schemeClr>
-            </a:lnRef>
-            <a:fillRef idx="1">
-              <a:schemeClr val="accent1"/>
-            </a:fillRef>
-            <a:effectRef idx="0">
-              <a:schemeClr val="accent1"/>
-            </a:effectRef>
-            <a:fontRef idx="minor">
-              <a:schemeClr val="lt1"/>
-            </a:fontRef>
-          </p:style>
-          <p:txBody>
-            <a:bodyPr rtlCol="0" anchor="ctr"/>
-            <a:lstStyle/>
-            <a:p>
-              <a:pPr algn="ctr"/>
-              <a:endParaRPr kumimoji="1" lang="ja-JP" altLang="en-US"/>
-            </a:p>
-          </p:txBody>
-        </p:sp>
-        <p:grpSp>
-          <p:nvGrpSpPr>
-            <p:cNvPr id="43" name="グループ化 42">
-              <a:extLst>
-                <a:ext uri="{FF2B5EF4-FFF2-40B4-BE49-F238E27FC236}">
-                  <a16:creationId xmlns:a16="http://schemas.microsoft.com/office/drawing/2014/main" id="{8C3E3A8C-A69A-2C92-2E40-C7E3736A4C71}"/>
-                </a:ext>
-              </a:extLst>
-            </p:cNvPr>
-            <p:cNvGrpSpPr/>
-            <p:nvPr/>
-          </p:nvGrpSpPr>
-          <p:grpSpPr>
-            <a:xfrm>
-              <a:off x="1988820" y="894229"/>
-              <a:ext cx="252119" cy="5349329"/>
-              <a:chOff x="1988820" y="894229"/>
-              <a:chExt cx="252119" cy="5349329"/>
-            </a:xfrm>
-          </p:grpSpPr>
-          <p:sp>
-            <p:nvSpPr>
-              <p:cNvPr id="6" name="楕円 5">
-                <a:extLst>
-                  <a:ext uri="{FF2B5EF4-FFF2-40B4-BE49-F238E27FC236}">
-                    <a16:creationId xmlns:a16="http://schemas.microsoft.com/office/drawing/2014/main" id="{44E6210A-C4D1-5D04-CA60-3579F3C81DA6}"/>
-                  </a:ext>
-                </a:extLst>
-              </p:cNvPr>
-              <p:cNvSpPr>
-                <a:spLocks noChangeAspect="1"/>
-              </p:cNvSpPr>
-              <p:nvPr/>
-            </p:nvSpPr>
-            <p:spPr>
-              <a:xfrm>
-                <a:off x="1988820" y="894229"/>
-                <a:ext cx="235320" cy="235320"/>
-              </a:xfrm>
-              <a:prstGeom prst="ellipse">
-                <a:avLst/>
-              </a:prstGeom>
-              <a:solidFill>
-                <a:srgbClr val="ECEBCD"/>
-              </a:solidFill>
-              <a:ln>
-                <a:noFill/>
-              </a:ln>
-              <a:effectLst>
-                <a:innerShdw blurRad="76200" dist="152400" dir="13500000">
-                  <a:prstClr val="black">
-                    <a:alpha val="50000"/>
-                  </a:prstClr>
-                </a:innerShdw>
-              </a:effectLst>
-            </p:spPr>
-            <p:style>
-              <a:lnRef idx="2">
-                <a:schemeClr val="accent1">
-                  <a:shade val="15000"/>
-                </a:schemeClr>
-              </a:lnRef>
-              <a:fillRef idx="1">
-                <a:schemeClr val="accent1"/>
-              </a:fillRef>
-              <a:effectRef idx="0">
-                <a:schemeClr val="accent1"/>
-              </a:effectRef>
-              <a:fontRef idx="minor">
-                <a:schemeClr val="lt1"/>
-              </a:fontRef>
-            </p:style>
-            <p:txBody>
-              <a:bodyPr rtlCol="0" anchor="ctr"/>
-              <a:lstStyle/>
-              <a:p>
-                <a:pPr algn="ctr"/>
-                <a:endParaRPr kumimoji="1" lang="ja-JP" altLang="en-US"/>
-              </a:p>
-            </p:txBody>
-          </p:sp>
-          <p:sp>
-            <p:nvSpPr>
-              <p:cNvPr id="8" name="楕円 7">
-                <a:extLst>
-                  <a:ext uri="{FF2B5EF4-FFF2-40B4-BE49-F238E27FC236}">
-                    <a16:creationId xmlns:a16="http://schemas.microsoft.com/office/drawing/2014/main" id="{3AEF4134-6F4F-9772-40E3-379CF08E2EBD}"/>
-                  </a:ext>
-                </a:extLst>
-              </p:cNvPr>
-              <p:cNvSpPr>
-                <a:spLocks noChangeAspect="1"/>
-              </p:cNvSpPr>
-              <p:nvPr/>
-            </p:nvSpPr>
-            <p:spPr>
-              <a:xfrm>
-                <a:off x="1988820" y="1288253"/>
-                <a:ext cx="235320" cy="235320"/>
-              </a:xfrm>
-              <a:prstGeom prst="ellipse">
-                <a:avLst/>
-              </a:prstGeom>
-              <a:solidFill>
-                <a:srgbClr val="ECEBCD"/>
-              </a:solidFill>
-              <a:ln>
-                <a:noFill/>
-              </a:ln>
-              <a:effectLst>
-                <a:innerShdw blurRad="76200" dist="152400" dir="13500000">
-                  <a:prstClr val="black">
-                    <a:alpha val="50000"/>
-                  </a:prstClr>
-                </a:innerShdw>
-              </a:effectLst>
-            </p:spPr>
-            <p:style>
-              <a:lnRef idx="2">
-                <a:schemeClr val="accent1">
-                  <a:shade val="15000"/>
-                </a:schemeClr>
-              </a:lnRef>
-              <a:fillRef idx="1">
-                <a:schemeClr val="accent1"/>
-              </a:fillRef>
-              <a:effectRef idx="0">
-                <a:schemeClr val="accent1"/>
-              </a:effectRef>
-              <a:fontRef idx="minor">
-                <a:schemeClr val="lt1"/>
-              </a:fontRef>
-            </p:style>
-            <p:txBody>
-              <a:bodyPr rtlCol="0" anchor="ctr"/>
-              <a:lstStyle/>
-              <a:p>
-                <a:pPr algn="ctr"/>
-                <a:endParaRPr kumimoji="1" lang="ja-JP" altLang="en-US"/>
-              </a:p>
-            </p:txBody>
-          </p:sp>
-          <p:sp>
-            <p:nvSpPr>
-              <p:cNvPr id="14" name="楕円 13">
-                <a:extLst>
-                  <a:ext uri="{FF2B5EF4-FFF2-40B4-BE49-F238E27FC236}">
-                    <a16:creationId xmlns:a16="http://schemas.microsoft.com/office/drawing/2014/main" id="{3BD987EA-2D56-C798-6747-DC914B8F34A7}"/>
-                  </a:ext>
-                </a:extLst>
-              </p:cNvPr>
-              <p:cNvSpPr>
-                <a:spLocks noChangeAspect="1"/>
-              </p:cNvSpPr>
-              <p:nvPr/>
-            </p:nvSpPr>
-            <p:spPr>
-              <a:xfrm>
-                <a:off x="1992387" y="1682193"/>
-                <a:ext cx="235320" cy="235320"/>
-              </a:xfrm>
-              <a:prstGeom prst="ellipse">
-                <a:avLst/>
-              </a:prstGeom>
-              <a:solidFill>
-                <a:srgbClr val="ECEBCD"/>
-              </a:solidFill>
-              <a:ln>
-                <a:noFill/>
-              </a:ln>
-              <a:effectLst>
-                <a:innerShdw blurRad="76200" dist="152400" dir="13500000">
-                  <a:prstClr val="black">
-                    <a:alpha val="50000"/>
-                  </a:prstClr>
-                </a:innerShdw>
-              </a:effectLst>
-            </p:spPr>
-            <p:style>
-              <a:lnRef idx="2">
-                <a:schemeClr val="accent1">
-                  <a:shade val="15000"/>
-                </a:schemeClr>
-              </a:lnRef>
-              <a:fillRef idx="1">
-                <a:schemeClr val="accent1"/>
-              </a:fillRef>
-              <a:effectRef idx="0">
-                <a:schemeClr val="accent1"/>
-              </a:effectRef>
-              <a:fontRef idx="minor">
-                <a:schemeClr val="lt1"/>
-              </a:fontRef>
-            </p:style>
-            <p:txBody>
-              <a:bodyPr rtlCol="0" anchor="ctr"/>
-              <a:lstStyle/>
-              <a:p>
-                <a:pPr algn="ctr"/>
-                <a:endParaRPr kumimoji="1" lang="ja-JP" altLang="en-US"/>
-              </a:p>
-            </p:txBody>
-          </p:sp>
-          <p:sp>
-            <p:nvSpPr>
-              <p:cNvPr id="15" name="楕円 14">
-                <a:extLst>
-                  <a:ext uri="{FF2B5EF4-FFF2-40B4-BE49-F238E27FC236}">
-                    <a16:creationId xmlns:a16="http://schemas.microsoft.com/office/drawing/2014/main" id="{33C2F666-BAB0-3F31-A675-3635DC004B83}"/>
-                  </a:ext>
-                </a:extLst>
-              </p:cNvPr>
-              <p:cNvSpPr>
-                <a:spLocks noChangeAspect="1"/>
-              </p:cNvSpPr>
-              <p:nvPr/>
-            </p:nvSpPr>
-            <p:spPr>
-              <a:xfrm>
-                <a:off x="1991937" y="2073111"/>
-                <a:ext cx="235320" cy="235320"/>
-              </a:xfrm>
-              <a:prstGeom prst="ellipse">
-                <a:avLst/>
-              </a:prstGeom>
-              <a:solidFill>
-                <a:srgbClr val="ECEBCD"/>
-              </a:solidFill>
-              <a:ln>
-                <a:noFill/>
-              </a:ln>
-              <a:effectLst>
-                <a:innerShdw blurRad="76200" dist="152400" dir="13500000">
-                  <a:prstClr val="black">
-                    <a:alpha val="50000"/>
-                  </a:prstClr>
-                </a:innerShdw>
-              </a:effectLst>
-            </p:spPr>
-            <p:style>
-              <a:lnRef idx="2">
-                <a:schemeClr val="accent1">
-                  <a:shade val="15000"/>
-                </a:schemeClr>
-              </a:lnRef>
-              <a:fillRef idx="1">
-                <a:schemeClr val="accent1"/>
-              </a:fillRef>
-              <a:effectRef idx="0">
-                <a:schemeClr val="accent1"/>
-              </a:effectRef>
-              <a:fontRef idx="minor">
-                <a:schemeClr val="lt1"/>
-              </a:fontRef>
-            </p:style>
-            <p:txBody>
-              <a:bodyPr rtlCol="0" anchor="ctr"/>
-              <a:lstStyle/>
-              <a:p>
-                <a:pPr algn="ctr"/>
-                <a:endParaRPr kumimoji="1" lang="ja-JP" altLang="en-US"/>
-              </a:p>
-            </p:txBody>
-          </p:sp>
-          <p:sp>
-            <p:nvSpPr>
-              <p:cNvPr id="16" name="楕円 15">
-                <a:extLst>
-                  <a:ext uri="{FF2B5EF4-FFF2-40B4-BE49-F238E27FC236}">
-                    <a16:creationId xmlns:a16="http://schemas.microsoft.com/office/drawing/2014/main" id="{8EC28F01-AFA8-1EA5-C855-A3CBD89EB424}"/>
-                  </a:ext>
-                </a:extLst>
-              </p:cNvPr>
-              <p:cNvSpPr>
-                <a:spLocks noChangeAspect="1"/>
-              </p:cNvSpPr>
-              <p:nvPr/>
-            </p:nvSpPr>
-            <p:spPr>
-              <a:xfrm>
-                <a:off x="1988820" y="2464029"/>
-                <a:ext cx="235320" cy="235320"/>
-              </a:xfrm>
-              <a:prstGeom prst="ellipse">
-                <a:avLst/>
-              </a:prstGeom>
-              <a:solidFill>
-                <a:srgbClr val="ECEBCD"/>
-              </a:solidFill>
-              <a:ln>
-                <a:noFill/>
-              </a:ln>
-              <a:effectLst>
-                <a:innerShdw blurRad="76200" dist="152400" dir="13500000">
-                  <a:prstClr val="black">
-                    <a:alpha val="50000"/>
-                  </a:prstClr>
-                </a:innerShdw>
-              </a:effectLst>
-            </p:spPr>
-            <p:style>
-              <a:lnRef idx="2">
-                <a:schemeClr val="accent1">
-                  <a:shade val="15000"/>
-                </a:schemeClr>
-              </a:lnRef>
-              <a:fillRef idx="1">
-                <a:schemeClr val="accent1"/>
-              </a:fillRef>
-              <a:effectRef idx="0">
-                <a:schemeClr val="accent1"/>
-              </a:effectRef>
-              <a:fontRef idx="minor">
-                <a:schemeClr val="lt1"/>
-              </a:fontRef>
-            </p:style>
-            <p:txBody>
-              <a:bodyPr rtlCol="0" anchor="ctr"/>
-              <a:lstStyle/>
-              <a:p>
-                <a:pPr algn="ctr"/>
-                <a:endParaRPr kumimoji="1" lang="ja-JP" altLang="en-US"/>
-              </a:p>
-            </p:txBody>
-          </p:sp>
-          <p:sp>
-            <p:nvSpPr>
-              <p:cNvPr id="17" name="楕円 16">
-                <a:extLst>
-                  <a:ext uri="{FF2B5EF4-FFF2-40B4-BE49-F238E27FC236}">
-                    <a16:creationId xmlns:a16="http://schemas.microsoft.com/office/drawing/2014/main" id="{41F37118-8699-F552-3C7A-C21AEF5B7E74}"/>
-                  </a:ext>
-                </a:extLst>
-              </p:cNvPr>
-              <p:cNvSpPr>
-                <a:spLocks noChangeAspect="1"/>
-              </p:cNvSpPr>
-              <p:nvPr/>
-            </p:nvSpPr>
-            <p:spPr>
-              <a:xfrm>
-                <a:off x="1997272" y="2857969"/>
-                <a:ext cx="235320" cy="235320"/>
-              </a:xfrm>
-              <a:prstGeom prst="ellipse">
-                <a:avLst/>
-              </a:prstGeom>
-              <a:solidFill>
-                <a:srgbClr val="ECEBCD"/>
-              </a:solidFill>
-              <a:ln>
-                <a:noFill/>
-              </a:ln>
-              <a:effectLst>
-                <a:innerShdw blurRad="76200" dist="152400" dir="13500000">
-                  <a:prstClr val="black">
-                    <a:alpha val="50000"/>
-                  </a:prstClr>
-                </a:innerShdw>
-              </a:effectLst>
-            </p:spPr>
-            <p:style>
-              <a:lnRef idx="2">
-                <a:schemeClr val="accent1">
-                  <a:shade val="15000"/>
-                </a:schemeClr>
-              </a:lnRef>
-              <a:fillRef idx="1">
-                <a:schemeClr val="accent1"/>
-              </a:fillRef>
-              <a:effectRef idx="0">
-                <a:schemeClr val="accent1"/>
-              </a:effectRef>
-              <a:fontRef idx="minor">
-                <a:schemeClr val="lt1"/>
-              </a:fontRef>
-            </p:style>
-            <p:txBody>
-              <a:bodyPr rtlCol="0" anchor="ctr"/>
-              <a:lstStyle/>
-              <a:p>
-                <a:pPr algn="ctr"/>
-                <a:endParaRPr kumimoji="1" lang="ja-JP" altLang="en-US"/>
-              </a:p>
-            </p:txBody>
-          </p:sp>
-          <p:sp>
-            <p:nvSpPr>
-              <p:cNvPr id="18" name="楕円 17">
-                <a:extLst>
-                  <a:ext uri="{FF2B5EF4-FFF2-40B4-BE49-F238E27FC236}">
-                    <a16:creationId xmlns:a16="http://schemas.microsoft.com/office/drawing/2014/main" id="{62E63BCB-0CF5-95A8-44D1-F83351E9B935}"/>
-                  </a:ext>
-                </a:extLst>
-              </p:cNvPr>
-              <p:cNvSpPr>
-                <a:spLocks noChangeAspect="1"/>
-              </p:cNvSpPr>
-              <p:nvPr/>
-            </p:nvSpPr>
-            <p:spPr>
-              <a:xfrm>
-                <a:off x="1997272" y="3252014"/>
-                <a:ext cx="235320" cy="235320"/>
-              </a:xfrm>
-              <a:prstGeom prst="ellipse">
-                <a:avLst/>
-              </a:prstGeom>
-              <a:solidFill>
-                <a:srgbClr val="ECEBCD"/>
-              </a:solidFill>
-              <a:ln>
-                <a:noFill/>
-              </a:ln>
-              <a:effectLst>
-                <a:innerShdw blurRad="76200" dist="152400" dir="13500000">
-                  <a:prstClr val="black">
-                    <a:alpha val="50000"/>
-                  </a:prstClr>
-                </a:innerShdw>
-              </a:effectLst>
-            </p:spPr>
-            <p:style>
-              <a:lnRef idx="2">
-                <a:schemeClr val="accent1">
-                  <a:shade val="15000"/>
-                </a:schemeClr>
-              </a:lnRef>
-              <a:fillRef idx="1">
-                <a:schemeClr val="accent1"/>
-              </a:fillRef>
-              <a:effectRef idx="0">
-                <a:schemeClr val="accent1"/>
-              </a:effectRef>
-              <a:fontRef idx="minor">
-                <a:schemeClr val="lt1"/>
-              </a:fontRef>
-            </p:style>
-            <p:txBody>
-              <a:bodyPr rtlCol="0" anchor="ctr"/>
-              <a:lstStyle/>
-              <a:p>
-                <a:pPr algn="ctr"/>
-                <a:endParaRPr kumimoji="1" lang="ja-JP" altLang="en-US"/>
-              </a:p>
-            </p:txBody>
-          </p:sp>
-          <p:sp>
-            <p:nvSpPr>
-              <p:cNvPr id="19" name="楕円 18">
-                <a:extLst>
-                  <a:ext uri="{FF2B5EF4-FFF2-40B4-BE49-F238E27FC236}">
-                    <a16:creationId xmlns:a16="http://schemas.microsoft.com/office/drawing/2014/main" id="{6ACF9AF1-A562-8A97-89BD-AD6E28D9D075}"/>
-                  </a:ext>
-                </a:extLst>
-              </p:cNvPr>
-              <p:cNvSpPr>
-                <a:spLocks noChangeAspect="1"/>
-              </p:cNvSpPr>
-              <p:nvPr/>
-            </p:nvSpPr>
-            <p:spPr>
-              <a:xfrm>
-                <a:off x="1997167" y="3650453"/>
-                <a:ext cx="235320" cy="235320"/>
-              </a:xfrm>
-              <a:prstGeom prst="ellipse">
-                <a:avLst/>
-              </a:prstGeom>
-              <a:solidFill>
-                <a:srgbClr val="ECEBCD"/>
-              </a:solidFill>
-              <a:ln>
-                <a:noFill/>
-              </a:ln>
-              <a:effectLst>
-                <a:innerShdw blurRad="76200" dist="152400" dir="13500000">
-                  <a:prstClr val="black">
-                    <a:alpha val="50000"/>
-                  </a:prstClr>
-                </a:innerShdw>
-              </a:effectLst>
-            </p:spPr>
-            <p:style>
-              <a:lnRef idx="2">
-                <a:schemeClr val="accent1">
-                  <a:shade val="15000"/>
-                </a:schemeClr>
-              </a:lnRef>
-              <a:fillRef idx="1">
-                <a:schemeClr val="accent1"/>
-              </a:fillRef>
-              <a:effectRef idx="0">
-                <a:schemeClr val="accent1"/>
-              </a:effectRef>
-              <a:fontRef idx="minor">
-                <a:schemeClr val="lt1"/>
-              </a:fontRef>
-            </p:style>
-            <p:txBody>
-              <a:bodyPr rtlCol="0" anchor="ctr"/>
-              <a:lstStyle/>
-              <a:p>
-                <a:pPr algn="ctr"/>
-                <a:endParaRPr kumimoji="1" lang="ja-JP" altLang="en-US"/>
-              </a:p>
-            </p:txBody>
-          </p:sp>
-          <p:sp>
-            <p:nvSpPr>
-              <p:cNvPr id="20" name="楕円 19">
-                <a:extLst>
-                  <a:ext uri="{FF2B5EF4-FFF2-40B4-BE49-F238E27FC236}">
-                    <a16:creationId xmlns:a16="http://schemas.microsoft.com/office/drawing/2014/main" id="{EB9C7104-7786-1225-9291-3FD2A149AFEB}"/>
-                  </a:ext>
-                </a:extLst>
-              </p:cNvPr>
-              <p:cNvSpPr>
-                <a:spLocks noChangeAspect="1"/>
-              </p:cNvSpPr>
-              <p:nvPr/>
-            </p:nvSpPr>
-            <p:spPr>
-              <a:xfrm>
-                <a:off x="1997167" y="4044477"/>
-                <a:ext cx="235320" cy="235320"/>
-              </a:xfrm>
-              <a:prstGeom prst="ellipse">
-                <a:avLst/>
-              </a:prstGeom>
-              <a:solidFill>
-                <a:srgbClr val="ECEBCD"/>
-              </a:solidFill>
-              <a:ln>
-                <a:noFill/>
-              </a:ln>
-              <a:effectLst>
-                <a:innerShdw blurRad="76200" dist="152400" dir="13500000">
-                  <a:prstClr val="black">
-                    <a:alpha val="50000"/>
-                  </a:prstClr>
-                </a:innerShdw>
-              </a:effectLst>
-            </p:spPr>
-            <p:style>
-              <a:lnRef idx="2">
-                <a:schemeClr val="accent1">
-                  <a:shade val="15000"/>
-                </a:schemeClr>
-              </a:lnRef>
-              <a:fillRef idx="1">
-                <a:schemeClr val="accent1"/>
-              </a:fillRef>
-              <a:effectRef idx="0">
-                <a:schemeClr val="accent1"/>
-              </a:effectRef>
-              <a:fontRef idx="minor">
-                <a:schemeClr val="lt1"/>
-              </a:fontRef>
-            </p:style>
-            <p:txBody>
-              <a:bodyPr rtlCol="0" anchor="ctr"/>
-              <a:lstStyle/>
-              <a:p>
-                <a:pPr algn="ctr"/>
-                <a:endParaRPr kumimoji="1" lang="ja-JP" altLang="en-US"/>
-              </a:p>
-            </p:txBody>
-          </p:sp>
-          <p:sp>
-            <p:nvSpPr>
-              <p:cNvPr id="21" name="楕円 20">
-                <a:extLst>
-                  <a:ext uri="{FF2B5EF4-FFF2-40B4-BE49-F238E27FC236}">
-                    <a16:creationId xmlns:a16="http://schemas.microsoft.com/office/drawing/2014/main" id="{43935E95-3F9A-2E8D-B753-80D18C07320B}"/>
-                  </a:ext>
-                </a:extLst>
-              </p:cNvPr>
-              <p:cNvSpPr>
-                <a:spLocks noChangeAspect="1"/>
-              </p:cNvSpPr>
-              <p:nvPr/>
-            </p:nvSpPr>
-            <p:spPr>
-              <a:xfrm>
-                <a:off x="2000734" y="4438417"/>
-                <a:ext cx="235320" cy="235320"/>
-              </a:xfrm>
-              <a:prstGeom prst="ellipse">
-                <a:avLst/>
-              </a:prstGeom>
-              <a:solidFill>
-                <a:srgbClr val="ECEBCD"/>
-              </a:solidFill>
-              <a:ln>
-                <a:noFill/>
-              </a:ln>
-              <a:effectLst>
-                <a:innerShdw blurRad="76200" dist="152400" dir="13500000">
-                  <a:prstClr val="black">
-                    <a:alpha val="50000"/>
-                  </a:prstClr>
-                </a:innerShdw>
-              </a:effectLst>
-            </p:spPr>
-            <p:style>
-              <a:lnRef idx="2">
-                <a:schemeClr val="accent1">
-                  <a:shade val="15000"/>
-                </a:schemeClr>
-              </a:lnRef>
-              <a:fillRef idx="1">
-                <a:schemeClr val="accent1"/>
-              </a:fillRef>
-              <a:effectRef idx="0">
-                <a:schemeClr val="accent1"/>
-              </a:effectRef>
-              <a:fontRef idx="minor">
-                <a:schemeClr val="lt1"/>
-              </a:fontRef>
-            </p:style>
-            <p:txBody>
-              <a:bodyPr rtlCol="0" anchor="ctr"/>
-              <a:lstStyle/>
-              <a:p>
-                <a:pPr algn="ctr"/>
-                <a:endParaRPr kumimoji="1" lang="ja-JP" altLang="en-US"/>
-              </a:p>
-            </p:txBody>
-          </p:sp>
-          <p:sp>
-            <p:nvSpPr>
-              <p:cNvPr id="22" name="楕円 21">
-                <a:extLst>
-                  <a:ext uri="{FF2B5EF4-FFF2-40B4-BE49-F238E27FC236}">
-                    <a16:creationId xmlns:a16="http://schemas.microsoft.com/office/drawing/2014/main" id="{238CC4DB-2D8F-9734-D101-2302579FBFDB}"/>
-                  </a:ext>
-                </a:extLst>
-              </p:cNvPr>
-              <p:cNvSpPr>
-                <a:spLocks noChangeAspect="1"/>
-              </p:cNvSpPr>
-              <p:nvPr/>
-            </p:nvSpPr>
-            <p:spPr>
-              <a:xfrm>
-                <a:off x="2000284" y="4829335"/>
-                <a:ext cx="235320" cy="235320"/>
-              </a:xfrm>
-              <a:prstGeom prst="ellipse">
-                <a:avLst/>
-              </a:prstGeom>
-              <a:solidFill>
-                <a:srgbClr val="ECEBCD"/>
-              </a:solidFill>
-              <a:ln>
-                <a:noFill/>
-              </a:ln>
-              <a:effectLst>
-                <a:innerShdw blurRad="76200" dist="152400" dir="13500000">
-                  <a:prstClr val="black">
-                    <a:alpha val="50000"/>
-                  </a:prstClr>
-                </a:innerShdw>
-              </a:effectLst>
-            </p:spPr>
-            <p:style>
-              <a:lnRef idx="2">
-                <a:schemeClr val="accent1">
-                  <a:shade val="15000"/>
-                </a:schemeClr>
-              </a:lnRef>
-              <a:fillRef idx="1">
-                <a:schemeClr val="accent1"/>
-              </a:fillRef>
-              <a:effectRef idx="0">
-                <a:schemeClr val="accent1"/>
-              </a:effectRef>
-              <a:fontRef idx="minor">
-                <a:schemeClr val="lt1"/>
-              </a:fontRef>
-            </p:style>
-            <p:txBody>
-              <a:bodyPr rtlCol="0" anchor="ctr"/>
-              <a:lstStyle/>
-              <a:p>
-                <a:pPr algn="ctr"/>
-                <a:endParaRPr kumimoji="1" lang="ja-JP" altLang="en-US"/>
-              </a:p>
-            </p:txBody>
-          </p:sp>
-          <p:sp>
-            <p:nvSpPr>
-              <p:cNvPr id="23" name="楕円 22">
-                <a:extLst>
-                  <a:ext uri="{FF2B5EF4-FFF2-40B4-BE49-F238E27FC236}">
-                    <a16:creationId xmlns:a16="http://schemas.microsoft.com/office/drawing/2014/main" id="{BA104483-6919-8F2C-9811-5042FD65FBF3}"/>
-                  </a:ext>
-                </a:extLst>
-              </p:cNvPr>
-              <p:cNvSpPr>
-                <a:spLocks noChangeAspect="1"/>
-              </p:cNvSpPr>
-              <p:nvPr/>
-            </p:nvSpPr>
-            <p:spPr>
-              <a:xfrm>
-                <a:off x="1997167" y="5220253"/>
-                <a:ext cx="235320" cy="235320"/>
-              </a:xfrm>
-              <a:prstGeom prst="ellipse">
-                <a:avLst/>
-              </a:prstGeom>
-              <a:solidFill>
-                <a:srgbClr val="ECEBCD"/>
-              </a:solidFill>
-              <a:ln>
-                <a:noFill/>
-              </a:ln>
-              <a:effectLst>
-                <a:innerShdw blurRad="76200" dist="152400" dir="13500000">
-                  <a:prstClr val="black">
-                    <a:alpha val="50000"/>
-                  </a:prstClr>
-                </a:innerShdw>
-              </a:effectLst>
-            </p:spPr>
-            <p:style>
-              <a:lnRef idx="2">
-                <a:schemeClr val="accent1">
-                  <a:shade val="15000"/>
-                </a:schemeClr>
-              </a:lnRef>
-              <a:fillRef idx="1">
-                <a:schemeClr val="accent1"/>
-              </a:fillRef>
-              <a:effectRef idx="0">
-                <a:schemeClr val="accent1"/>
-              </a:effectRef>
-              <a:fontRef idx="minor">
-                <a:schemeClr val="lt1"/>
-              </a:fontRef>
-            </p:style>
-            <p:txBody>
-              <a:bodyPr rtlCol="0" anchor="ctr"/>
-              <a:lstStyle/>
-              <a:p>
-                <a:pPr algn="ctr"/>
-                <a:endParaRPr kumimoji="1" lang="ja-JP" altLang="en-US"/>
-              </a:p>
-            </p:txBody>
-          </p:sp>
-          <p:sp>
-            <p:nvSpPr>
-              <p:cNvPr id="24" name="楕円 23">
-                <a:extLst>
-                  <a:ext uri="{FF2B5EF4-FFF2-40B4-BE49-F238E27FC236}">
-                    <a16:creationId xmlns:a16="http://schemas.microsoft.com/office/drawing/2014/main" id="{727C0052-0C20-73D2-0B59-78E0A86952CC}"/>
-                  </a:ext>
-                </a:extLst>
-              </p:cNvPr>
-              <p:cNvSpPr>
-                <a:spLocks noChangeAspect="1"/>
-              </p:cNvSpPr>
-              <p:nvPr/>
-            </p:nvSpPr>
-            <p:spPr>
-              <a:xfrm>
-                <a:off x="2005619" y="5614193"/>
-                <a:ext cx="235320" cy="235320"/>
-              </a:xfrm>
-              <a:prstGeom prst="ellipse">
-                <a:avLst/>
-              </a:prstGeom>
-              <a:solidFill>
-                <a:srgbClr val="ECEBCD"/>
-              </a:solidFill>
-              <a:ln>
-                <a:noFill/>
-              </a:ln>
-              <a:effectLst>
-                <a:innerShdw blurRad="76200" dist="152400" dir="13500000">
-                  <a:prstClr val="black">
-                    <a:alpha val="50000"/>
-                  </a:prstClr>
-                </a:innerShdw>
-              </a:effectLst>
-            </p:spPr>
-            <p:style>
-              <a:lnRef idx="2">
-                <a:schemeClr val="accent1">
-                  <a:shade val="15000"/>
-                </a:schemeClr>
-              </a:lnRef>
-              <a:fillRef idx="1">
-                <a:schemeClr val="accent1"/>
-              </a:fillRef>
-              <a:effectRef idx="0">
-                <a:schemeClr val="accent1"/>
-              </a:effectRef>
-              <a:fontRef idx="minor">
-                <a:schemeClr val="lt1"/>
-              </a:fontRef>
-            </p:style>
-            <p:txBody>
-              <a:bodyPr rtlCol="0" anchor="ctr"/>
-              <a:lstStyle/>
-              <a:p>
-                <a:pPr algn="ctr"/>
-                <a:endParaRPr kumimoji="1" lang="ja-JP" altLang="en-US"/>
-              </a:p>
-            </p:txBody>
-          </p:sp>
-          <p:sp>
-            <p:nvSpPr>
-              <p:cNvPr id="25" name="楕円 24">
-                <a:extLst>
-                  <a:ext uri="{FF2B5EF4-FFF2-40B4-BE49-F238E27FC236}">
-                    <a16:creationId xmlns:a16="http://schemas.microsoft.com/office/drawing/2014/main" id="{83DC5D14-C157-AA72-37CF-E1CDAD385B76}"/>
-                  </a:ext>
-                </a:extLst>
-              </p:cNvPr>
-              <p:cNvSpPr>
-                <a:spLocks noChangeAspect="1"/>
-              </p:cNvSpPr>
-              <p:nvPr/>
-            </p:nvSpPr>
-            <p:spPr>
-              <a:xfrm>
-                <a:off x="2005619" y="6008238"/>
-                <a:ext cx="235320" cy="235320"/>
-              </a:xfrm>
-              <a:prstGeom prst="ellipse">
-                <a:avLst/>
-              </a:prstGeom>
-              <a:solidFill>
-                <a:srgbClr val="ECEBCD"/>
-              </a:solidFill>
-              <a:ln>
-                <a:noFill/>
-              </a:ln>
-              <a:effectLst>
-                <a:innerShdw blurRad="76200" dist="152400" dir="13500000">
-                  <a:prstClr val="black">
-                    <a:alpha val="50000"/>
-                  </a:prstClr>
-                </a:innerShdw>
-              </a:effectLst>
-            </p:spPr>
-            <p:style>
-              <a:lnRef idx="2">
-                <a:schemeClr val="accent1">
-                  <a:shade val="15000"/>
-                </a:schemeClr>
-              </a:lnRef>
-              <a:fillRef idx="1">
-                <a:schemeClr val="accent1"/>
-              </a:fillRef>
-              <a:effectRef idx="0">
-                <a:schemeClr val="accent1"/>
-              </a:effectRef>
-              <a:fontRef idx="minor">
-                <a:schemeClr val="lt1"/>
-              </a:fontRef>
-            </p:style>
-            <p:txBody>
-              <a:bodyPr rtlCol="0" anchor="ctr"/>
-              <a:lstStyle/>
-              <a:p>
-                <a:pPr algn="ctr"/>
-                <a:endParaRPr kumimoji="1" lang="ja-JP" altLang="en-US"/>
-              </a:p>
-            </p:txBody>
-          </p:sp>
-        </p:grpSp>
-      </p:grpSp>
-      <p:grpSp>
-        <p:nvGrpSpPr>
-          <p:cNvPr id="46" name="グループ化 45">
-            <a:extLst>
-              <a:ext uri="{FF2B5EF4-FFF2-40B4-BE49-F238E27FC236}">
-                <a16:creationId xmlns:a16="http://schemas.microsoft.com/office/drawing/2014/main" id="{E977DC97-8E47-9D2B-AD61-A9128F201DF5}"/>
-              </a:ext>
-            </a:extLst>
-          </p:cNvPr>
-          <p:cNvGrpSpPr/>
-          <p:nvPr/>
-        </p:nvGrpSpPr>
-        <p:grpSpPr>
-          <a:xfrm>
-            <a:off x="179070" y="784859"/>
-            <a:ext cx="1606988" cy="5539729"/>
-            <a:chOff x="179070" y="784859"/>
-            <a:chExt cx="1606988" cy="5539729"/>
-          </a:xfrm>
-        </p:grpSpPr>
-        <p:sp>
-          <p:nvSpPr>
-            <p:cNvPr id="10" name="正方形/長方形 9">
-              <a:extLst>
-                <a:ext uri="{FF2B5EF4-FFF2-40B4-BE49-F238E27FC236}">
-                  <a16:creationId xmlns:a16="http://schemas.microsoft.com/office/drawing/2014/main" id="{5A5CA1C8-C7F8-7CF4-A974-81A97BC6A9AE}"/>
-                </a:ext>
-              </a:extLst>
-            </p:cNvPr>
-            <p:cNvSpPr/>
-            <p:nvPr/>
-          </p:nvSpPr>
-          <p:spPr>
-            <a:xfrm>
-              <a:off x="179070" y="784859"/>
-              <a:ext cx="1606988" cy="5539729"/>
-            </a:xfrm>
-            <a:prstGeom prst="rect">
-              <a:avLst/>
-            </a:prstGeom>
-            <a:solidFill>
-              <a:schemeClr val="bg1"/>
-            </a:solidFill>
-            <a:ln>
-              <a:noFill/>
-            </a:ln>
-            <a:effectLst>
-              <a:outerShdw blurRad="50800" dist="152400" dir="2700000" algn="ctr" rotWithShape="0">
-                <a:srgbClr val="000000">
-                  <a:alpha val="43137"/>
-                </a:srgbClr>
-              </a:outerShdw>
-            </a:effectLst>
-          </p:spPr>
-          <p:style>
-            <a:lnRef idx="2">
-              <a:schemeClr val="accent1">
-                <a:shade val="15000"/>
-              </a:schemeClr>
-            </a:lnRef>
-            <a:fillRef idx="1">
-              <a:schemeClr val="accent1"/>
-            </a:fillRef>
-            <a:effectRef idx="0">
-              <a:schemeClr val="accent1"/>
-            </a:effectRef>
-            <a:fontRef idx="minor">
-              <a:schemeClr val="lt1"/>
-            </a:fontRef>
-          </p:style>
-          <p:txBody>
-            <a:bodyPr rtlCol="0" anchor="ctr"/>
-            <a:lstStyle/>
-            <a:p>
-              <a:pPr algn="ctr"/>
-              <a:endParaRPr kumimoji="1" lang="ja-JP" altLang="en-US"/>
-            </a:p>
-          </p:txBody>
-        </p:sp>
-        <p:grpSp>
-          <p:nvGrpSpPr>
-            <p:cNvPr id="45" name="グループ化 44">
-              <a:extLst>
-                <a:ext uri="{FF2B5EF4-FFF2-40B4-BE49-F238E27FC236}">
-                  <a16:creationId xmlns:a16="http://schemas.microsoft.com/office/drawing/2014/main" id="{A88CF212-5405-6C7A-D8F3-AB07A4318B35}"/>
-                </a:ext>
-              </a:extLst>
-            </p:cNvPr>
-            <p:cNvGrpSpPr/>
-            <p:nvPr/>
-          </p:nvGrpSpPr>
-          <p:grpSpPr>
-            <a:xfrm>
-              <a:off x="280589" y="856557"/>
-              <a:ext cx="252119" cy="5349329"/>
-              <a:chOff x="280589" y="856557"/>
-              <a:chExt cx="252119" cy="5349329"/>
-            </a:xfrm>
-          </p:grpSpPr>
-          <p:sp>
-            <p:nvSpPr>
-              <p:cNvPr id="26" name="楕円 25">
-                <a:extLst>
-                  <a:ext uri="{FF2B5EF4-FFF2-40B4-BE49-F238E27FC236}">
-                    <a16:creationId xmlns:a16="http://schemas.microsoft.com/office/drawing/2014/main" id="{3C28775D-CE78-5DEE-176F-DC86303168E8}"/>
-                  </a:ext>
-                </a:extLst>
-              </p:cNvPr>
-              <p:cNvSpPr>
-                <a:spLocks noChangeAspect="1"/>
-              </p:cNvSpPr>
-              <p:nvPr/>
-            </p:nvSpPr>
-            <p:spPr>
-              <a:xfrm>
-                <a:off x="280589" y="856557"/>
-                <a:ext cx="235320" cy="235320"/>
-              </a:xfrm>
-              <a:prstGeom prst="ellipse">
-                <a:avLst/>
-              </a:prstGeom>
-              <a:solidFill>
-                <a:srgbClr val="ECEBCD"/>
-              </a:solidFill>
-              <a:ln>
-                <a:noFill/>
-              </a:ln>
-              <a:effectLst>
-                <a:innerShdw blurRad="76200" dist="152400" dir="13500000">
-                  <a:prstClr val="black">
-                    <a:alpha val="50000"/>
-                  </a:prstClr>
-                </a:innerShdw>
-              </a:effectLst>
-            </p:spPr>
-            <p:style>
-              <a:lnRef idx="2">
-                <a:schemeClr val="accent1">
-                  <a:shade val="15000"/>
-                </a:schemeClr>
-              </a:lnRef>
-              <a:fillRef idx="1">
-                <a:schemeClr val="accent1"/>
-              </a:fillRef>
-              <a:effectRef idx="0">
-                <a:schemeClr val="accent1"/>
-              </a:effectRef>
-              <a:fontRef idx="minor">
-                <a:schemeClr val="lt1"/>
-              </a:fontRef>
-            </p:style>
-            <p:txBody>
-              <a:bodyPr rtlCol="0" anchor="ctr"/>
-              <a:lstStyle/>
-              <a:p>
-                <a:pPr algn="ctr"/>
-                <a:endParaRPr kumimoji="1" lang="ja-JP" altLang="en-US"/>
-              </a:p>
-            </p:txBody>
-          </p:sp>
-          <p:sp>
-            <p:nvSpPr>
-              <p:cNvPr id="27" name="楕円 26">
-                <a:extLst>
-                  <a:ext uri="{FF2B5EF4-FFF2-40B4-BE49-F238E27FC236}">
-                    <a16:creationId xmlns:a16="http://schemas.microsoft.com/office/drawing/2014/main" id="{B3DA530B-6D99-14F2-1BF5-875E08F58F2E}"/>
-                  </a:ext>
-                </a:extLst>
-              </p:cNvPr>
-              <p:cNvSpPr>
-                <a:spLocks noChangeAspect="1"/>
-              </p:cNvSpPr>
-              <p:nvPr/>
-            </p:nvSpPr>
-            <p:spPr>
-              <a:xfrm>
-                <a:off x="280589" y="1250581"/>
-                <a:ext cx="235320" cy="235320"/>
-              </a:xfrm>
-              <a:prstGeom prst="ellipse">
-                <a:avLst/>
-              </a:prstGeom>
-              <a:solidFill>
-                <a:srgbClr val="ECEBCD"/>
-              </a:solidFill>
-              <a:ln>
-                <a:noFill/>
-              </a:ln>
-              <a:effectLst>
-                <a:innerShdw blurRad="76200" dist="152400" dir="13500000">
-                  <a:prstClr val="black">
-                    <a:alpha val="50000"/>
-                  </a:prstClr>
-                </a:innerShdw>
-              </a:effectLst>
-            </p:spPr>
-            <p:style>
-              <a:lnRef idx="2">
-                <a:schemeClr val="accent1">
-                  <a:shade val="15000"/>
-                </a:schemeClr>
-              </a:lnRef>
-              <a:fillRef idx="1">
-                <a:schemeClr val="accent1"/>
-              </a:fillRef>
-              <a:effectRef idx="0">
-                <a:schemeClr val="accent1"/>
-              </a:effectRef>
-              <a:fontRef idx="minor">
-                <a:schemeClr val="lt1"/>
-              </a:fontRef>
-            </p:style>
-            <p:txBody>
-              <a:bodyPr rtlCol="0" anchor="ctr"/>
-              <a:lstStyle/>
-              <a:p>
-                <a:pPr algn="ctr"/>
-                <a:endParaRPr kumimoji="1" lang="ja-JP" altLang="en-US"/>
-              </a:p>
-            </p:txBody>
-          </p:sp>
-          <p:sp>
-            <p:nvSpPr>
-              <p:cNvPr id="28" name="楕円 27">
-                <a:extLst>
-                  <a:ext uri="{FF2B5EF4-FFF2-40B4-BE49-F238E27FC236}">
-                    <a16:creationId xmlns:a16="http://schemas.microsoft.com/office/drawing/2014/main" id="{944BE7BA-A083-6A24-8FDF-B150E1BBDE83}"/>
-                  </a:ext>
-                </a:extLst>
-              </p:cNvPr>
-              <p:cNvSpPr>
-                <a:spLocks noChangeAspect="1"/>
-              </p:cNvSpPr>
-              <p:nvPr/>
-            </p:nvSpPr>
-            <p:spPr>
-              <a:xfrm>
-                <a:off x="284156" y="1644521"/>
-                <a:ext cx="235320" cy="235320"/>
-              </a:xfrm>
-              <a:prstGeom prst="ellipse">
-                <a:avLst/>
-              </a:prstGeom>
-              <a:solidFill>
-                <a:srgbClr val="ECEBCD"/>
-              </a:solidFill>
-              <a:ln>
-                <a:noFill/>
-              </a:ln>
-              <a:effectLst>
-                <a:innerShdw blurRad="76200" dist="152400" dir="13500000">
-                  <a:prstClr val="black">
-                    <a:alpha val="50000"/>
-                  </a:prstClr>
-                </a:innerShdw>
-              </a:effectLst>
-            </p:spPr>
-            <p:style>
-              <a:lnRef idx="2">
-                <a:schemeClr val="accent1">
-                  <a:shade val="15000"/>
-                </a:schemeClr>
-              </a:lnRef>
-              <a:fillRef idx="1">
-                <a:schemeClr val="accent1"/>
-              </a:fillRef>
-              <a:effectRef idx="0">
-                <a:schemeClr val="accent1"/>
-              </a:effectRef>
-              <a:fontRef idx="minor">
-                <a:schemeClr val="lt1"/>
-              </a:fontRef>
-            </p:style>
-            <p:txBody>
-              <a:bodyPr rtlCol="0" anchor="ctr"/>
-              <a:lstStyle/>
-              <a:p>
-                <a:pPr algn="ctr"/>
-                <a:endParaRPr kumimoji="1" lang="ja-JP" altLang="en-US"/>
-              </a:p>
-            </p:txBody>
-          </p:sp>
-          <p:sp>
-            <p:nvSpPr>
-              <p:cNvPr id="29" name="楕円 28">
-                <a:extLst>
-                  <a:ext uri="{FF2B5EF4-FFF2-40B4-BE49-F238E27FC236}">
-                    <a16:creationId xmlns:a16="http://schemas.microsoft.com/office/drawing/2014/main" id="{E7443E2D-2300-79C0-1FB8-534889F782F1}"/>
-                  </a:ext>
-                </a:extLst>
-              </p:cNvPr>
-              <p:cNvSpPr>
-                <a:spLocks noChangeAspect="1"/>
-              </p:cNvSpPr>
-              <p:nvPr/>
-            </p:nvSpPr>
-            <p:spPr>
-              <a:xfrm>
-                <a:off x="283706" y="2035439"/>
-                <a:ext cx="235320" cy="235320"/>
-              </a:xfrm>
-              <a:prstGeom prst="ellipse">
-                <a:avLst/>
-              </a:prstGeom>
-              <a:solidFill>
-                <a:srgbClr val="ECEBCD"/>
-              </a:solidFill>
-              <a:ln>
-                <a:noFill/>
-              </a:ln>
-              <a:effectLst>
-                <a:innerShdw blurRad="76200" dist="152400" dir="13500000">
-                  <a:prstClr val="black">
-                    <a:alpha val="50000"/>
-                  </a:prstClr>
-                </a:innerShdw>
-              </a:effectLst>
-            </p:spPr>
-            <p:style>
-              <a:lnRef idx="2">
-                <a:schemeClr val="accent1">
-                  <a:shade val="15000"/>
-                </a:schemeClr>
-              </a:lnRef>
-              <a:fillRef idx="1">
-                <a:schemeClr val="accent1"/>
-              </a:fillRef>
-              <a:effectRef idx="0">
-                <a:schemeClr val="accent1"/>
-              </a:effectRef>
-              <a:fontRef idx="minor">
-                <a:schemeClr val="lt1"/>
-              </a:fontRef>
-            </p:style>
-            <p:txBody>
-              <a:bodyPr rtlCol="0" anchor="ctr"/>
-              <a:lstStyle/>
-              <a:p>
-                <a:pPr algn="ctr"/>
-                <a:endParaRPr kumimoji="1" lang="ja-JP" altLang="en-US"/>
-              </a:p>
-            </p:txBody>
-          </p:sp>
-          <p:sp>
-            <p:nvSpPr>
-              <p:cNvPr id="30" name="楕円 29">
-                <a:extLst>
-                  <a:ext uri="{FF2B5EF4-FFF2-40B4-BE49-F238E27FC236}">
-                    <a16:creationId xmlns:a16="http://schemas.microsoft.com/office/drawing/2014/main" id="{48977FEF-B81F-4A1E-75B6-723570645C19}"/>
-                  </a:ext>
-                </a:extLst>
-              </p:cNvPr>
-              <p:cNvSpPr>
-                <a:spLocks noChangeAspect="1"/>
-              </p:cNvSpPr>
-              <p:nvPr/>
-            </p:nvSpPr>
-            <p:spPr>
-              <a:xfrm>
-                <a:off x="280589" y="2426357"/>
-                <a:ext cx="235320" cy="235320"/>
-              </a:xfrm>
-              <a:prstGeom prst="ellipse">
-                <a:avLst/>
-              </a:prstGeom>
-              <a:solidFill>
-                <a:srgbClr val="ECEBCD"/>
-              </a:solidFill>
-              <a:ln>
-                <a:noFill/>
-              </a:ln>
-              <a:effectLst>
-                <a:innerShdw blurRad="76200" dist="152400" dir="13500000">
-                  <a:prstClr val="black">
-                    <a:alpha val="50000"/>
-                  </a:prstClr>
-                </a:innerShdw>
-              </a:effectLst>
-            </p:spPr>
-            <p:style>
-              <a:lnRef idx="2">
-                <a:schemeClr val="accent1">
-                  <a:shade val="15000"/>
-                </a:schemeClr>
-              </a:lnRef>
-              <a:fillRef idx="1">
-                <a:schemeClr val="accent1"/>
-              </a:fillRef>
-              <a:effectRef idx="0">
-                <a:schemeClr val="accent1"/>
-              </a:effectRef>
-              <a:fontRef idx="minor">
-                <a:schemeClr val="lt1"/>
-              </a:fontRef>
-            </p:style>
-            <p:txBody>
-              <a:bodyPr rtlCol="0" anchor="ctr"/>
-              <a:lstStyle/>
-              <a:p>
-                <a:pPr algn="ctr"/>
-                <a:endParaRPr kumimoji="1" lang="ja-JP" altLang="en-US"/>
-              </a:p>
-            </p:txBody>
-          </p:sp>
-          <p:sp>
-            <p:nvSpPr>
-              <p:cNvPr id="31" name="楕円 30">
-                <a:extLst>
-                  <a:ext uri="{FF2B5EF4-FFF2-40B4-BE49-F238E27FC236}">
-                    <a16:creationId xmlns:a16="http://schemas.microsoft.com/office/drawing/2014/main" id="{9C3CECDB-535B-4769-267F-41E7ACFD9A35}"/>
-                  </a:ext>
-                </a:extLst>
-              </p:cNvPr>
-              <p:cNvSpPr>
-                <a:spLocks noChangeAspect="1"/>
-              </p:cNvSpPr>
-              <p:nvPr/>
-            </p:nvSpPr>
-            <p:spPr>
-              <a:xfrm>
-                <a:off x="289041" y="2820297"/>
-                <a:ext cx="235320" cy="235320"/>
-              </a:xfrm>
-              <a:prstGeom prst="ellipse">
-                <a:avLst/>
-              </a:prstGeom>
-              <a:solidFill>
-                <a:srgbClr val="ECEBCD"/>
-              </a:solidFill>
-              <a:ln>
-                <a:noFill/>
-              </a:ln>
-              <a:effectLst>
-                <a:innerShdw blurRad="76200" dist="152400" dir="13500000">
-                  <a:prstClr val="black">
-                    <a:alpha val="50000"/>
-                  </a:prstClr>
-                </a:innerShdw>
-              </a:effectLst>
-            </p:spPr>
-            <p:style>
-              <a:lnRef idx="2">
-                <a:schemeClr val="accent1">
-                  <a:shade val="15000"/>
-                </a:schemeClr>
-              </a:lnRef>
-              <a:fillRef idx="1">
-                <a:schemeClr val="accent1"/>
-              </a:fillRef>
-              <a:effectRef idx="0">
-                <a:schemeClr val="accent1"/>
-              </a:effectRef>
-              <a:fontRef idx="minor">
-                <a:schemeClr val="lt1"/>
-              </a:fontRef>
-            </p:style>
-            <p:txBody>
-              <a:bodyPr rtlCol="0" anchor="ctr"/>
-              <a:lstStyle/>
-              <a:p>
-                <a:pPr algn="ctr"/>
-                <a:endParaRPr kumimoji="1" lang="ja-JP" altLang="en-US"/>
-              </a:p>
-            </p:txBody>
-          </p:sp>
-          <p:sp>
-            <p:nvSpPr>
-              <p:cNvPr id="32" name="楕円 31">
-                <a:extLst>
-                  <a:ext uri="{FF2B5EF4-FFF2-40B4-BE49-F238E27FC236}">
-                    <a16:creationId xmlns:a16="http://schemas.microsoft.com/office/drawing/2014/main" id="{4D57CEDC-670F-4D11-98F8-75DD91CA7737}"/>
-                  </a:ext>
-                </a:extLst>
-              </p:cNvPr>
-              <p:cNvSpPr>
-                <a:spLocks noChangeAspect="1"/>
-              </p:cNvSpPr>
-              <p:nvPr/>
-            </p:nvSpPr>
-            <p:spPr>
-              <a:xfrm>
-                <a:off x="289041" y="3214342"/>
-                <a:ext cx="235320" cy="235320"/>
-              </a:xfrm>
-              <a:prstGeom prst="ellipse">
-                <a:avLst/>
-              </a:prstGeom>
-              <a:solidFill>
-                <a:srgbClr val="ECEBCD"/>
-              </a:solidFill>
-              <a:ln>
-                <a:noFill/>
-              </a:ln>
-              <a:effectLst>
-                <a:innerShdw blurRad="76200" dist="152400" dir="13500000">
-                  <a:prstClr val="black">
-                    <a:alpha val="50000"/>
-                  </a:prstClr>
-                </a:innerShdw>
-              </a:effectLst>
-            </p:spPr>
-            <p:style>
-              <a:lnRef idx="2">
-                <a:schemeClr val="accent1">
-                  <a:shade val="15000"/>
-                </a:schemeClr>
-              </a:lnRef>
-              <a:fillRef idx="1">
-                <a:schemeClr val="accent1"/>
-              </a:fillRef>
-              <a:effectRef idx="0">
-                <a:schemeClr val="accent1"/>
-              </a:effectRef>
-              <a:fontRef idx="minor">
-                <a:schemeClr val="lt1"/>
-              </a:fontRef>
-            </p:style>
-            <p:txBody>
-              <a:bodyPr rtlCol="0" anchor="ctr"/>
-              <a:lstStyle/>
-              <a:p>
-                <a:pPr algn="ctr"/>
-                <a:endParaRPr kumimoji="1" lang="ja-JP" altLang="en-US"/>
-              </a:p>
-            </p:txBody>
-          </p:sp>
-          <p:sp>
-            <p:nvSpPr>
-              <p:cNvPr id="33" name="楕円 32">
-                <a:extLst>
-                  <a:ext uri="{FF2B5EF4-FFF2-40B4-BE49-F238E27FC236}">
-                    <a16:creationId xmlns:a16="http://schemas.microsoft.com/office/drawing/2014/main" id="{86E4CE70-2669-B7CD-A0B9-8A0FA76B554B}"/>
-                  </a:ext>
-                </a:extLst>
-              </p:cNvPr>
-              <p:cNvSpPr>
-                <a:spLocks noChangeAspect="1"/>
-              </p:cNvSpPr>
-              <p:nvPr/>
-            </p:nvSpPr>
-            <p:spPr>
-              <a:xfrm>
-                <a:off x="288936" y="3612781"/>
-                <a:ext cx="235320" cy="235320"/>
-              </a:xfrm>
-              <a:prstGeom prst="ellipse">
-                <a:avLst/>
-              </a:prstGeom>
-              <a:solidFill>
-                <a:srgbClr val="ECEBCD"/>
-              </a:solidFill>
-              <a:ln>
-                <a:noFill/>
-              </a:ln>
-              <a:effectLst>
-                <a:innerShdw blurRad="76200" dist="152400" dir="13500000">
-                  <a:prstClr val="black">
-                    <a:alpha val="50000"/>
-                  </a:prstClr>
-                </a:innerShdw>
-              </a:effectLst>
-            </p:spPr>
-            <p:style>
-              <a:lnRef idx="2">
-                <a:schemeClr val="accent1">
-                  <a:shade val="15000"/>
-                </a:schemeClr>
-              </a:lnRef>
-              <a:fillRef idx="1">
-                <a:schemeClr val="accent1"/>
-              </a:fillRef>
-              <a:effectRef idx="0">
-                <a:schemeClr val="accent1"/>
-              </a:effectRef>
-              <a:fontRef idx="minor">
-                <a:schemeClr val="lt1"/>
-              </a:fontRef>
-            </p:style>
-            <p:txBody>
-              <a:bodyPr rtlCol="0" anchor="ctr"/>
-              <a:lstStyle/>
-              <a:p>
-                <a:pPr algn="ctr"/>
-                <a:endParaRPr kumimoji="1" lang="ja-JP" altLang="en-US"/>
-              </a:p>
-            </p:txBody>
-          </p:sp>
-          <p:sp>
-            <p:nvSpPr>
-              <p:cNvPr id="34" name="楕円 33">
-                <a:extLst>
-                  <a:ext uri="{FF2B5EF4-FFF2-40B4-BE49-F238E27FC236}">
-                    <a16:creationId xmlns:a16="http://schemas.microsoft.com/office/drawing/2014/main" id="{E4AF571E-2D8A-9BA2-1C08-714270E55670}"/>
-                  </a:ext>
-                </a:extLst>
-              </p:cNvPr>
-              <p:cNvSpPr>
-                <a:spLocks noChangeAspect="1"/>
-              </p:cNvSpPr>
-              <p:nvPr/>
-            </p:nvSpPr>
-            <p:spPr>
-              <a:xfrm>
-                <a:off x="288936" y="4006805"/>
-                <a:ext cx="235320" cy="235320"/>
-              </a:xfrm>
-              <a:prstGeom prst="ellipse">
-                <a:avLst/>
-              </a:prstGeom>
-              <a:solidFill>
-                <a:srgbClr val="ECEBCD"/>
-              </a:solidFill>
-              <a:ln>
-                <a:noFill/>
-              </a:ln>
-              <a:effectLst>
-                <a:innerShdw blurRad="76200" dist="152400" dir="13500000">
-                  <a:prstClr val="black">
-                    <a:alpha val="50000"/>
-                  </a:prstClr>
-                </a:innerShdw>
-              </a:effectLst>
-            </p:spPr>
-            <p:style>
-              <a:lnRef idx="2">
-                <a:schemeClr val="accent1">
-                  <a:shade val="15000"/>
-                </a:schemeClr>
-              </a:lnRef>
-              <a:fillRef idx="1">
-                <a:schemeClr val="accent1"/>
-              </a:fillRef>
-              <a:effectRef idx="0">
-                <a:schemeClr val="accent1"/>
-              </a:effectRef>
-              <a:fontRef idx="minor">
-                <a:schemeClr val="lt1"/>
-              </a:fontRef>
-            </p:style>
-            <p:txBody>
-              <a:bodyPr rtlCol="0" anchor="ctr"/>
-              <a:lstStyle/>
-              <a:p>
-                <a:pPr algn="ctr"/>
-                <a:endParaRPr kumimoji="1" lang="ja-JP" altLang="en-US"/>
-              </a:p>
-            </p:txBody>
-          </p:sp>
-          <p:sp>
-            <p:nvSpPr>
-              <p:cNvPr id="35" name="楕円 34">
-                <a:extLst>
-                  <a:ext uri="{FF2B5EF4-FFF2-40B4-BE49-F238E27FC236}">
-                    <a16:creationId xmlns:a16="http://schemas.microsoft.com/office/drawing/2014/main" id="{4B2A2A39-D188-A00A-BFE8-FFE8E0CA6320}"/>
-                  </a:ext>
-                </a:extLst>
-              </p:cNvPr>
-              <p:cNvSpPr>
-                <a:spLocks noChangeAspect="1"/>
-              </p:cNvSpPr>
-              <p:nvPr/>
-            </p:nvSpPr>
-            <p:spPr>
-              <a:xfrm>
-                <a:off x="292503" y="4400745"/>
-                <a:ext cx="235320" cy="235320"/>
-              </a:xfrm>
-              <a:prstGeom prst="ellipse">
-                <a:avLst/>
-              </a:prstGeom>
-              <a:solidFill>
-                <a:srgbClr val="ECEBCD"/>
-              </a:solidFill>
-              <a:ln>
-                <a:noFill/>
-              </a:ln>
-              <a:effectLst>
-                <a:innerShdw blurRad="76200" dist="152400" dir="13500000">
-                  <a:prstClr val="black">
-                    <a:alpha val="50000"/>
-                  </a:prstClr>
-                </a:innerShdw>
-              </a:effectLst>
-            </p:spPr>
-            <p:style>
-              <a:lnRef idx="2">
-                <a:schemeClr val="accent1">
-                  <a:shade val="15000"/>
-                </a:schemeClr>
-              </a:lnRef>
-              <a:fillRef idx="1">
-                <a:schemeClr val="accent1"/>
-              </a:fillRef>
-              <a:effectRef idx="0">
-                <a:schemeClr val="accent1"/>
-              </a:effectRef>
-              <a:fontRef idx="minor">
-                <a:schemeClr val="lt1"/>
-              </a:fontRef>
-            </p:style>
-            <p:txBody>
-              <a:bodyPr rtlCol="0" anchor="ctr"/>
-              <a:lstStyle/>
-              <a:p>
-                <a:pPr algn="ctr"/>
-                <a:endParaRPr kumimoji="1" lang="ja-JP" altLang="en-US"/>
-              </a:p>
-            </p:txBody>
-          </p:sp>
-          <p:sp>
-            <p:nvSpPr>
-              <p:cNvPr id="36" name="楕円 35">
-                <a:extLst>
-                  <a:ext uri="{FF2B5EF4-FFF2-40B4-BE49-F238E27FC236}">
-                    <a16:creationId xmlns:a16="http://schemas.microsoft.com/office/drawing/2014/main" id="{7CC1689D-67F5-7207-DCA1-92A5F95DE0C8}"/>
-                  </a:ext>
-                </a:extLst>
-              </p:cNvPr>
-              <p:cNvSpPr>
-                <a:spLocks noChangeAspect="1"/>
-              </p:cNvSpPr>
-              <p:nvPr/>
-            </p:nvSpPr>
-            <p:spPr>
-              <a:xfrm>
-                <a:off x="292053" y="4791663"/>
-                <a:ext cx="235320" cy="235320"/>
-              </a:xfrm>
-              <a:prstGeom prst="ellipse">
-                <a:avLst/>
-              </a:prstGeom>
-              <a:solidFill>
-                <a:srgbClr val="ECEBCD"/>
-              </a:solidFill>
-              <a:ln>
-                <a:noFill/>
-              </a:ln>
-              <a:effectLst>
-                <a:innerShdw blurRad="76200" dist="152400" dir="13500000">
-                  <a:prstClr val="black">
-                    <a:alpha val="50000"/>
-                  </a:prstClr>
-                </a:innerShdw>
-              </a:effectLst>
-            </p:spPr>
-            <p:style>
-              <a:lnRef idx="2">
-                <a:schemeClr val="accent1">
-                  <a:shade val="15000"/>
-                </a:schemeClr>
-              </a:lnRef>
-              <a:fillRef idx="1">
-                <a:schemeClr val="accent1"/>
-              </a:fillRef>
-              <a:effectRef idx="0">
-                <a:schemeClr val="accent1"/>
-              </a:effectRef>
-              <a:fontRef idx="minor">
-                <a:schemeClr val="lt1"/>
-              </a:fontRef>
-            </p:style>
-            <p:txBody>
-              <a:bodyPr rtlCol="0" anchor="ctr"/>
-              <a:lstStyle/>
-              <a:p>
-                <a:pPr algn="ctr"/>
-                <a:endParaRPr kumimoji="1" lang="ja-JP" altLang="en-US"/>
-              </a:p>
-            </p:txBody>
-          </p:sp>
-          <p:sp>
-            <p:nvSpPr>
-              <p:cNvPr id="37" name="楕円 36">
-                <a:extLst>
-                  <a:ext uri="{FF2B5EF4-FFF2-40B4-BE49-F238E27FC236}">
-                    <a16:creationId xmlns:a16="http://schemas.microsoft.com/office/drawing/2014/main" id="{0F3F0F5B-2EF4-B0DA-A12F-792006F3020E}"/>
-                  </a:ext>
-                </a:extLst>
-              </p:cNvPr>
-              <p:cNvSpPr>
-                <a:spLocks noChangeAspect="1"/>
-              </p:cNvSpPr>
-              <p:nvPr/>
-            </p:nvSpPr>
-            <p:spPr>
-              <a:xfrm>
-                <a:off x="288936" y="5182581"/>
-                <a:ext cx="235320" cy="235320"/>
-              </a:xfrm>
-              <a:prstGeom prst="ellipse">
-                <a:avLst/>
-              </a:prstGeom>
-              <a:solidFill>
-                <a:srgbClr val="ECEBCD"/>
-              </a:solidFill>
-              <a:ln>
-                <a:noFill/>
-              </a:ln>
-              <a:effectLst>
-                <a:innerShdw blurRad="76200" dist="152400" dir="13500000">
-                  <a:prstClr val="black">
-                    <a:alpha val="50000"/>
-                  </a:prstClr>
-                </a:innerShdw>
-              </a:effectLst>
-            </p:spPr>
-            <p:style>
-              <a:lnRef idx="2">
-                <a:schemeClr val="accent1">
-                  <a:shade val="15000"/>
-                </a:schemeClr>
-              </a:lnRef>
-              <a:fillRef idx="1">
-                <a:schemeClr val="accent1"/>
-              </a:fillRef>
-              <a:effectRef idx="0">
-                <a:schemeClr val="accent1"/>
-              </a:effectRef>
-              <a:fontRef idx="minor">
-                <a:schemeClr val="lt1"/>
-              </a:fontRef>
-            </p:style>
-            <p:txBody>
-              <a:bodyPr rtlCol="0" anchor="ctr"/>
-              <a:lstStyle/>
-              <a:p>
-                <a:pPr algn="ctr"/>
-                <a:endParaRPr kumimoji="1" lang="ja-JP" altLang="en-US"/>
-              </a:p>
-            </p:txBody>
-          </p:sp>
-          <p:sp>
-            <p:nvSpPr>
-              <p:cNvPr id="38" name="楕円 37">
-                <a:extLst>
-                  <a:ext uri="{FF2B5EF4-FFF2-40B4-BE49-F238E27FC236}">
-                    <a16:creationId xmlns:a16="http://schemas.microsoft.com/office/drawing/2014/main" id="{90D180CF-28AC-A11D-7FFA-234A3C3D78D3}"/>
-                  </a:ext>
-                </a:extLst>
-              </p:cNvPr>
-              <p:cNvSpPr>
-                <a:spLocks noChangeAspect="1"/>
-              </p:cNvSpPr>
-              <p:nvPr/>
-            </p:nvSpPr>
-            <p:spPr>
-              <a:xfrm>
-                <a:off x="297388" y="5576521"/>
-                <a:ext cx="235320" cy="235320"/>
-              </a:xfrm>
-              <a:prstGeom prst="ellipse">
-                <a:avLst/>
-              </a:prstGeom>
-              <a:solidFill>
-                <a:srgbClr val="ECEBCD"/>
-              </a:solidFill>
-              <a:ln>
-                <a:noFill/>
-              </a:ln>
-              <a:effectLst>
-                <a:innerShdw blurRad="76200" dist="152400" dir="13500000">
-                  <a:prstClr val="black">
-                    <a:alpha val="50000"/>
-                  </a:prstClr>
-                </a:innerShdw>
-              </a:effectLst>
-            </p:spPr>
-            <p:style>
-              <a:lnRef idx="2">
-                <a:schemeClr val="accent1">
-                  <a:shade val="15000"/>
-                </a:schemeClr>
-              </a:lnRef>
-              <a:fillRef idx="1">
-                <a:schemeClr val="accent1"/>
-              </a:fillRef>
-              <a:effectRef idx="0">
-                <a:schemeClr val="accent1"/>
-              </a:effectRef>
-              <a:fontRef idx="minor">
-                <a:schemeClr val="lt1"/>
-              </a:fontRef>
-            </p:style>
-            <p:txBody>
-              <a:bodyPr rtlCol="0" anchor="ctr"/>
-              <a:lstStyle/>
-              <a:p>
-                <a:pPr algn="ctr"/>
-                <a:endParaRPr kumimoji="1" lang="ja-JP" altLang="en-US"/>
-              </a:p>
-            </p:txBody>
-          </p:sp>
-          <p:sp>
-            <p:nvSpPr>
-              <p:cNvPr id="39" name="楕円 38">
-                <a:extLst>
-                  <a:ext uri="{FF2B5EF4-FFF2-40B4-BE49-F238E27FC236}">
-                    <a16:creationId xmlns:a16="http://schemas.microsoft.com/office/drawing/2014/main" id="{659F4359-40AC-4901-B40C-AA2BB529D13F}"/>
-                  </a:ext>
-                </a:extLst>
-              </p:cNvPr>
-              <p:cNvSpPr>
-                <a:spLocks noChangeAspect="1"/>
-              </p:cNvSpPr>
-              <p:nvPr/>
-            </p:nvSpPr>
-            <p:spPr>
-              <a:xfrm>
-                <a:off x="297388" y="5970566"/>
-                <a:ext cx="235320" cy="235320"/>
-              </a:xfrm>
-              <a:prstGeom prst="ellipse">
-                <a:avLst/>
-              </a:prstGeom>
-              <a:solidFill>
-                <a:srgbClr val="ECEBCD"/>
-              </a:solidFill>
-              <a:ln>
-                <a:noFill/>
-              </a:ln>
-              <a:effectLst>
-                <a:innerShdw blurRad="76200" dist="152400" dir="13500000">
-                  <a:prstClr val="black">
-                    <a:alpha val="50000"/>
-                  </a:prstClr>
-                </a:innerShdw>
-              </a:effectLst>
-            </p:spPr>
-            <p:style>
-              <a:lnRef idx="2">
-                <a:schemeClr val="accent1">
-                  <a:shade val="15000"/>
-                </a:schemeClr>
-              </a:lnRef>
-              <a:fillRef idx="1">
-                <a:schemeClr val="accent1"/>
-              </a:fillRef>
-              <a:effectRef idx="0">
-                <a:schemeClr val="accent1"/>
-              </a:effectRef>
-              <a:fontRef idx="minor">
-                <a:schemeClr val="lt1"/>
-              </a:fontRef>
-            </p:style>
-            <p:txBody>
-              <a:bodyPr rtlCol="0" anchor="ctr"/>
-              <a:lstStyle/>
-              <a:p>
-                <a:pPr algn="ctr"/>
-                <a:endParaRPr kumimoji="1" lang="ja-JP" altLang="en-US"/>
-              </a:p>
-            </p:txBody>
-          </p:sp>
-        </p:grpSp>
-      </p:grpSp>
-      <p:sp>
-        <p:nvSpPr>
-          <p:cNvPr id="2" name="タイトル 1">
-            <a:extLst>
-              <a:ext uri="{FF2B5EF4-FFF2-40B4-BE49-F238E27FC236}">
-                <a16:creationId xmlns:a16="http://schemas.microsoft.com/office/drawing/2014/main" id="{0E8E9533-5E69-039C-903F-737D767D298C}"/>
-              </a:ext>
-            </a:extLst>
-          </p:cNvPr>
-          <p:cNvSpPr>
-            <a:spLocks noGrp="1"/>
-          </p:cNvSpPr>
-          <p:nvPr>
-            <p:ph type="title"/>
-          </p:nvPr>
-        </p:nvSpPr>
-        <p:spPr>
-          <a:xfrm>
-            <a:off x="83820" y="33735"/>
-            <a:ext cx="3116580" cy="880666"/>
-          </a:xfrm>
-        </p:spPr>
-        <p:txBody>
-          <a:bodyPr>
-            <a:noAutofit/>
-          </a:bodyPr>
-          <a:lstStyle/>
-          <a:p>
-            <a:r>
-              <a:rPr kumimoji="1" lang="en-US" altLang="ja-JP" dirty="0" err="1"/>
-              <a:t>Vtuber</a:t>
-            </a:r>
-            <a:r>
-              <a:rPr kumimoji="1" lang="ja-JP" altLang="en-US" dirty="0"/>
-              <a:t>名鑑</a:t>
-            </a:r>
-          </a:p>
-        </p:txBody>
-      </p:sp>
-      <p:sp>
-        <p:nvSpPr>
-          <p:cNvPr id="7" name="タイトル 1">
-            <a:extLst>
-              <a:ext uri="{FF2B5EF4-FFF2-40B4-BE49-F238E27FC236}">
-                <a16:creationId xmlns:a16="http://schemas.microsoft.com/office/drawing/2014/main" id="{ECEA4047-1B9D-78A0-14A9-9C72291B8DA7}"/>
-              </a:ext>
-            </a:extLst>
-          </p:cNvPr>
-          <p:cNvSpPr txBox="1">
-            <a:spLocks/>
-          </p:cNvSpPr>
-          <p:nvPr/>
-        </p:nvSpPr>
-        <p:spPr>
-          <a:xfrm>
-            <a:off x="2615565" y="554353"/>
-            <a:ext cx="3192780" cy="1325563"/>
-          </a:xfrm>
-          <a:prstGeom prst="rect">
-            <a:avLst/>
-          </a:prstGeom>
-        </p:spPr>
-        <p:txBody>
-          <a:bodyPr vert="horz" lIns="91440" tIns="45720" rIns="91440" bIns="45720" rtlCol="0" anchor="ctr">
-            <a:noAutofit/>
-          </a:bodyPr>
-          <a:lstStyle>
-            <a:lvl1pPr algn="l" defTabSz="914400" rtl="0" eaLnBrk="1" latinLnBrk="0" hangingPunct="1">
-              <a:lnSpc>
-                <a:spcPct val="90000"/>
-              </a:lnSpc>
-              <a:spcBef>
-                <a:spcPct val="0"/>
-              </a:spcBef>
-              <a:buNone/>
-              <a:defRPr kumimoji="1" sz="4400" kern="1200">
-                <a:solidFill>
-                  <a:schemeClr val="tx1"/>
-                </a:solidFill>
-                <a:latin typeface="+mj-lt"/>
-                <a:ea typeface="+mj-ea"/>
-                <a:cs typeface="+mj-cs"/>
-              </a:defRPr>
-            </a:lvl1pPr>
-          </a:lstStyle>
-          <a:p>
-            <a:r>
-              <a:rPr lang="ja-JP" altLang="en-US" sz="2400" dirty="0"/>
-              <a:t>な</a:t>
-            </a:r>
-            <a:r>
-              <a:rPr lang="en-US" altLang="ja-JP" sz="2400" dirty="0"/>
-              <a:t>Na</a:t>
-            </a:r>
-            <a:r>
-              <a:rPr lang="ja-JP" altLang="en-US" sz="2400" dirty="0"/>
-              <a:t>シの　権兵∀</a:t>
-            </a:r>
-          </a:p>
-        </p:txBody>
-      </p:sp>
-      <p:cxnSp>
-        <p:nvCxnSpPr>
-          <p:cNvPr id="9" name="直線コネクタ 8">
-            <a:extLst>
-              <a:ext uri="{FF2B5EF4-FFF2-40B4-BE49-F238E27FC236}">
-                <a16:creationId xmlns:a16="http://schemas.microsoft.com/office/drawing/2014/main" id="{11CCAB73-2A2C-DEA8-1FCD-40A2D4D777A9}"/>
-              </a:ext>
-            </a:extLst>
-          </p:cNvPr>
-          <p:cNvCxnSpPr/>
-          <p:nvPr/>
-        </p:nvCxnSpPr>
-        <p:spPr>
-          <a:xfrm>
-            <a:off x="2585258" y="910591"/>
-            <a:ext cx="4667250" cy="0"/>
-          </a:xfrm>
-          <a:prstGeom prst="line">
-            <a:avLst/>
-          </a:prstGeom>
-          <a:ln>
-            <a:solidFill>
-              <a:srgbClr val="00ABF5"/>
-            </a:solidFill>
-          </a:ln>
-        </p:spPr>
-        <p:style>
-          <a:lnRef idx="1">
-            <a:schemeClr val="accent1"/>
-          </a:lnRef>
-          <a:fillRef idx="0">
-            <a:schemeClr val="accent1"/>
-          </a:fillRef>
-          <a:effectRef idx="0">
-            <a:schemeClr val="accent1"/>
-          </a:effectRef>
-          <a:fontRef idx="minor">
-            <a:schemeClr val="tx1"/>
-          </a:fontRef>
-        </p:style>
-      </p:cxnSp>
-      <p:cxnSp>
-        <p:nvCxnSpPr>
-          <p:cNvPr id="12" name="直線コネクタ 11">
-            <a:extLst>
-              <a:ext uri="{FF2B5EF4-FFF2-40B4-BE49-F238E27FC236}">
-                <a16:creationId xmlns:a16="http://schemas.microsoft.com/office/drawing/2014/main" id="{C9BF12C0-C0CE-BDD7-5671-01946E91FE7F}"/>
-              </a:ext>
-            </a:extLst>
-          </p:cNvPr>
-          <p:cNvCxnSpPr/>
-          <p:nvPr/>
-        </p:nvCxnSpPr>
-        <p:spPr>
-          <a:xfrm>
-            <a:off x="2585258" y="1485901"/>
-            <a:ext cx="4667250" cy="0"/>
-          </a:xfrm>
-          <a:prstGeom prst="line">
-            <a:avLst/>
-          </a:prstGeom>
-          <a:ln>
-            <a:solidFill>
-              <a:srgbClr val="00ABF5"/>
-            </a:solidFill>
-          </a:ln>
-        </p:spPr>
-        <p:style>
-          <a:lnRef idx="1">
-            <a:schemeClr val="accent1"/>
-          </a:lnRef>
-          <a:fillRef idx="0">
-            <a:schemeClr val="accent1"/>
-          </a:fillRef>
-          <a:effectRef idx="0">
-            <a:schemeClr val="accent1"/>
-          </a:effectRef>
-          <a:fontRef idx="minor">
-            <a:schemeClr val="tx1"/>
-          </a:fontRef>
-        </p:style>
-      </p:cxnSp>
-      <p:cxnSp>
-        <p:nvCxnSpPr>
-          <p:cNvPr id="40" name="直線コネクタ 39">
-            <a:extLst>
-              <a:ext uri="{FF2B5EF4-FFF2-40B4-BE49-F238E27FC236}">
-                <a16:creationId xmlns:a16="http://schemas.microsoft.com/office/drawing/2014/main" id="{405AFEA8-FCCA-E6A2-E475-38F0E6791CCD}"/>
-              </a:ext>
-            </a:extLst>
-          </p:cNvPr>
-          <p:cNvCxnSpPr/>
-          <p:nvPr/>
-        </p:nvCxnSpPr>
-        <p:spPr>
-          <a:xfrm>
-            <a:off x="2522740" y="1837806"/>
-            <a:ext cx="4667250" cy="0"/>
-          </a:xfrm>
-          <a:prstGeom prst="line">
-            <a:avLst/>
-          </a:prstGeom>
-          <a:ln>
-            <a:solidFill>
-              <a:srgbClr val="00ABF5"/>
-            </a:solidFill>
-          </a:ln>
-        </p:spPr>
-        <p:style>
-          <a:lnRef idx="1">
-            <a:schemeClr val="accent1"/>
-          </a:lnRef>
-          <a:fillRef idx="0">
-            <a:schemeClr val="accent1"/>
-          </a:fillRef>
-          <a:effectRef idx="0">
-            <a:schemeClr val="accent1"/>
-          </a:effectRef>
-          <a:fontRef idx="minor">
-            <a:schemeClr val="tx1"/>
-          </a:fontRef>
-        </p:style>
-      </p:cxnSp>
-      <p:cxnSp>
-        <p:nvCxnSpPr>
-          <p:cNvPr id="41" name="直線コネクタ 40">
-            <a:extLst>
-              <a:ext uri="{FF2B5EF4-FFF2-40B4-BE49-F238E27FC236}">
-                <a16:creationId xmlns:a16="http://schemas.microsoft.com/office/drawing/2014/main" id="{09B674A0-5B4A-0638-F6DF-668BD888A3A0}"/>
-              </a:ext>
-            </a:extLst>
-          </p:cNvPr>
-          <p:cNvCxnSpPr/>
-          <p:nvPr/>
-        </p:nvCxnSpPr>
-        <p:spPr>
-          <a:xfrm>
-            <a:off x="2522740" y="2035439"/>
-            <a:ext cx="4667250" cy="0"/>
-          </a:xfrm>
-          <a:prstGeom prst="line">
-            <a:avLst/>
-          </a:prstGeom>
-          <a:ln>
-            <a:solidFill>
-              <a:srgbClr val="00ABF5"/>
-            </a:solidFill>
-          </a:ln>
-        </p:spPr>
-        <p:style>
-          <a:lnRef idx="1">
-            <a:schemeClr val="accent1"/>
-          </a:lnRef>
-          <a:fillRef idx="0">
-            <a:schemeClr val="accent1"/>
-          </a:fillRef>
-          <a:effectRef idx="0">
-            <a:schemeClr val="accent1"/>
-          </a:effectRef>
-          <a:fontRef idx="minor">
-            <a:schemeClr val="tx1"/>
-          </a:fontRef>
-        </p:style>
-      </p:cxnSp>
-      <p:cxnSp>
-        <p:nvCxnSpPr>
-          <p:cNvPr id="42" name="直線コネクタ 41">
-            <a:extLst>
-              <a:ext uri="{FF2B5EF4-FFF2-40B4-BE49-F238E27FC236}">
-                <a16:creationId xmlns:a16="http://schemas.microsoft.com/office/drawing/2014/main" id="{FF250631-FFA3-8FFF-D7E5-4E09F7FADF33}"/>
-              </a:ext>
-            </a:extLst>
-          </p:cNvPr>
-          <p:cNvCxnSpPr/>
-          <p:nvPr/>
-        </p:nvCxnSpPr>
-        <p:spPr>
-          <a:xfrm>
-            <a:off x="2522740" y="2265910"/>
-            <a:ext cx="4667250" cy="0"/>
-          </a:xfrm>
-          <a:prstGeom prst="line">
-            <a:avLst/>
-          </a:prstGeom>
-          <a:ln>
-            <a:solidFill>
-              <a:srgbClr val="00ABF5"/>
-            </a:solidFill>
-          </a:ln>
-        </p:spPr>
-        <p:style>
-          <a:lnRef idx="1">
-            <a:schemeClr val="accent1"/>
-          </a:lnRef>
-          <a:fillRef idx="0">
-            <a:schemeClr val="accent1"/>
-          </a:fillRef>
-          <a:effectRef idx="0">
-            <a:schemeClr val="accent1"/>
-          </a:effectRef>
-          <a:fontRef idx="minor">
-            <a:schemeClr val="tx1"/>
-          </a:fontRef>
-        </p:style>
-      </p:cxnSp>
-      <p:grpSp>
-        <p:nvGrpSpPr>
-          <p:cNvPr id="49" name="グループ化 48">
-            <a:extLst>
-              <a:ext uri="{FF2B5EF4-FFF2-40B4-BE49-F238E27FC236}">
-                <a16:creationId xmlns:a16="http://schemas.microsoft.com/office/drawing/2014/main" id="{571E9F13-2105-144E-26D9-96ED35C82D01}"/>
-              </a:ext>
-            </a:extLst>
-          </p:cNvPr>
-          <p:cNvGrpSpPr/>
-          <p:nvPr/>
-        </p:nvGrpSpPr>
-        <p:grpSpPr>
-          <a:xfrm>
-            <a:off x="0" y="5695953"/>
-            <a:ext cx="12192000" cy="1166336"/>
-            <a:chOff x="0" y="5695953"/>
-            <a:chExt cx="12192000" cy="1166336"/>
-          </a:xfrm>
-        </p:grpSpPr>
-        <p:sp>
-          <p:nvSpPr>
-            <p:cNvPr id="48" name="正方形/長方形 47">
-              <a:extLst>
-                <a:ext uri="{FF2B5EF4-FFF2-40B4-BE49-F238E27FC236}">
-                  <a16:creationId xmlns:a16="http://schemas.microsoft.com/office/drawing/2014/main" id="{5FA32DA9-45C3-72A7-04F7-B2623CEE6F7A}"/>
-                </a:ext>
-              </a:extLst>
-            </p:cNvPr>
-            <p:cNvSpPr/>
-            <p:nvPr/>
-          </p:nvSpPr>
-          <p:spPr>
-            <a:xfrm>
-              <a:off x="0" y="5695953"/>
-              <a:ext cx="12192000" cy="1166336"/>
-            </a:xfrm>
-            <a:prstGeom prst="rect">
-              <a:avLst/>
-            </a:prstGeom>
-            <a:gradFill>
-              <a:gsLst>
-                <a:gs pos="0">
-                  <a:srgbClr val="F6F8FC">
-                    <a:alpha val="0"/>
-                  </a:srgbClr>
-                </a:gs>
-                <a:gs pos="52000">
-                  <a:srgbClr val="ECEBCD"/>
-                </a:gs>
-              </a:gsLst>
-              <a:lin ang="5400000" scaled="1"/>
-            </a:gradFill>
-            <a:ln>
-              <a:noFill/>
-            </a:ln>
-          </p:spPr>
-          <p:style>
-            <a:lnRef idx="2">
-              <a:schemeClr val="accent1">
-                <a:shade val="15000"/>
-              </a:schemeClr>
-            </a:lnRef>
-            <a:fillRef idx="1">
-              <a:schemeClr val="accent1"/>
-            </a:fillRef>
-            <a:effectRef idx="0">
-              <a:schemeClr val="accent1"/>
-            </a:effectRef>
-            <a:fontRef idx="minor">
-              <a:schemeClr val="lt1"/>
-            </a:fontRef>
-          </p:style>
-          <p:txBody>
-            <a:bodyPr rtlCol="0" anchor="ctr"/>
-            <a:lstStyle/>
-            <a:p>
-              <a:pPr algn="ctr"/>
-              <a:endParaRPr kumimoji="1" lang="ja-JP" altLang="en-US" dirty="0"/>
-            </a:p>
-          </p:txBody>
-        </p:sp>
-        <p:sp>
-          <p:nvSpPr>
-            <p:cNvPr id="47" name="コンテンツ プレースホルダー 2">
-              <a:extLst>
-                <a:ext uri="{FF2B5EF4-FFF2-40B4-BE49-F238E27FC236}">
-                  <a16:creationId xmlns:a16="http://schemas.microsoft.com/office/drawing/2014/main" id="{56B53B30-559B-76BF-64C8-DDC6106C7CCF}"/>
-                </a:ext>
-              </a:extLst>
-            </p:cNvPr>
-            <p:cNvSpPr txBox="1">
-              <a:spLocks/>
-            </p:cNvSpPr>
-            <p:nvPr/>
-          </p:nvSpPr>
-          <p:spPr>
-            <a:xfrm>
-              <a:off x="5602432" y="6555057"/>
-              <a:ext cx="987136" cy="212702"/>
-            </a:xfrm>
-            <a:prstGeom prst="rect">
-              <a:avLst/>
-            </a:prstGeom>
-          </p:spPr>
-          <p:txBody>
-            <a:bodyPr vert="horz" lIns="91440" tIns="45720" rIns="91440" bIns="45720" rtlCol="0">
-              <a:normAutofit fontScale="92500" lnSpcReduction="20000"/>
-            </a:bodyPr>
-            <a:lstStyle>
-              <a:lvl1pPr marL="228600" indent="-228600" algn="l" defTabSz="914400" rtl="0" eaLnBrk="1" latinLnBrk="0" hangingPunct="1">
-                <a:lnSpc>
-                  <a:spcPct val="90000"/>
-                </a:lnSpc>
-                <a:spcBef>
-                  <a:spcPts val="1000"/>
-                </a:spcBef>
-                <a:buFont typeface="Arial" panose="020B0604020202020204" pitchFamily="34" charset="0"/>
-                <a:buChar char="•"/>
-                <a:defRPr kumimoji="1" sz="2800" kern="1200">
-                  <a:solidFill>
-                    <a:schemeClr val="tx1"/>
-                  </a:solidFill>
-                  <a:latin typeface="+mn-lt"/>
-                  <a:ea typeface="+mn-ea"/>
-                  <a:cs typeface="+mn-cs"/>
-                </a:defRPr>
-              </a:lvl1pPr>
-              <a:lvl2pPr marL="685800" indent="-228600" algn="l" defTabSz="914400" rtl="0" eaLnBrk="1" latinLnBrk="0" hangingPunct="1">
-                <a:lnSpc>
-                  <a:spcPct val="90000"/>
-                </a:lnSpc>
-                <a:spcBef>
-                  <a:spcPts val="500"/>
-                </a:spcBef>
-                <a:buFont typeface="Arial" panose="020B0604020202020204" pitchFamily="34" charset="0"/>
-                <a:buChar char="•"/>
-                <a:defRPr kumimoji="1" sz="2400" kern="1200">
-                  <a:solidFill>
-                    <a:schemeClr val="tx1"/>
-                  </a:solidFill>
-                  <a:latin typeface="+mn-lt"/>
-                  <a:ea typeface="+mn-ea"/>
-                  <a:cs typeface="+mn-cs"/>
-                </a:defRPr>
-              </a:lvl2pPr>
-              <a:lvl3pPr marL="1143000" indent="-228600" algn="l" defTabSz="914400" rtl="0" eaLnBrk="1" latinLnBrk="0" hangingPunct="1">
-                <a:lnSpc>
-                  <a:spcPct val="90000"/>
-                </a:lnSpc>
-                <a:spcBef>
-                  <a:spcPts val="500"/>
-                </a:spcBef>
-                <a:buFont typeface="Arial" panose="020B0604020202020204" pitchFamily="34" charset="0"/>
-                <a:buChar char="•"/>
-                <a:defRPr kumimoji="1" sz="2000" kern="1200">
-                  <a:solidFill>
-                    <a:schemeClr val="tx1"/>
-                  </a:solidFill>
-                  <a:latin typeface="+mn-lt"/>
-                  <a:ea typeface="+mn-ea"/>
-                  <a:cs typeface="+mn-cs"/>
-                </a:defRPr>
-              </a:lvl3pPr>
-              <a:lvl4pPr marL="1600200" indent="-228600" algn="l" defTabSz="914400" rtl="0" eaLnBrk="1" latinLnBrk="0" hangingPunct="1">
-                <a:lnSpc>
-                  <a:spcPct val="90000"/>
-                </a:lnSpc>
-                <a:spcBef>
-                  <a:spcPts val="500"/>
-                </a:spcBef>
-                <a:buFont typeface="Arial" panose="020B0604020202020204" pitchFamily="34" charset="0"/>
-                <a:buChar char="•"/>
-                <a:defRPr kumimoji="1" sz="1800" kern="1200">
-                  <a:solidFill>
-                    <a:schemeClr val="tx1"/>
-                  </a:solidFill>
-                  <a:latin typeface="+mn-lt"/>
-                  <a:ea typeface="+mn-ea"/>
-                  <a:cs typeface="+mn-cs"/>
-                </a:defRPr>
-              </a:lvl4pPr>
-              <a:lvl5pPr marL="2057400" indent="-228600" algn="l" defTabSz="914400" rtl="0" eaLnBrk="1" latinLnBrk="0" hangingPunct="1">
-                <a:lnSpc>
-                  <a:spcPct val="90000"/>
-                </a:lnSpc>
-                <a:spcBef>
-                  <a:spcPts val="500"/>
-                </a:spcBef>
-                <a:buFont typeface="Arial" panose="020B0604020202020204" pitchFamily="34" charset="0"/>
-                <a:buChar char="•"/>
-                <a:defRPr kumimoji="1" sz="1800" kern="1200">
-                  <a:solidFill>
-                    <a:schemeClr val="tx1"/>
-                  </a:solidFill>
-                  <a:latin typeface="+mn-lt"/>
-                  <a:ea typeface="+mn-ea"/>
-                  <a:cs typeface="+mn-cs"/>
-                </a:defRPr>
-              </a:lvl5pPr>
-              <a:lvl6pPr marL="2514600" indent="-228600" algn="l" defTabSz="914400" rtl="0" eaLnBrk="1" latinLnBrk="0" hangingPunct="1">
-                <a:lnSpc>
-                  <a:spcPct val="90000"/>
-                </a:lnSpc>
-                <a:spcBef>
-                  <a:spcPts val="500"/>
-                </a:spcBef>
-                <a:buFont typeface="Arial" panose="020B0604020202020204" pitchFamily="34" charset="0"/>
-                <a:buChar char="•"/>
-                <a:defRPr kumimoji="1" sz="1800" kern="1200">
-                  <a:solidFill>
-                    <a:schemeClr val="tx1"/>
-                  </a:solidFill>
-                  <a:latin typeface="+mn-lt"/>
-                  <a:ea typeface="+mn-ea"/>
-                  <a:cs typeface="+mn-cs"/>
-                </a:defRPr>
-              </a:lvl6pPr>
-              <a:lvl7pPr marL="2971800" indent="-228600" algn="l" defTabSz="914400" rtl="0" eaLnBrk="1" latinLnBrk="0" hangingPunct="1">
-                <a:lnSpc>
-                  <a:spcPct val="90000"/>
-                </a:lnSpc>
-                <a:spcBef>
-                  <a:spcPts val="500"/>
-                </a:spcBef>
-                <a:buFont typeface="Arial" panose="020B0604020202020204" pitchFamily="34" charset="0"/>
-                <a:buChar char="•"/>
-                <a:defRPr kumimoji="1" sz="1800" kern="1200">
-                  <a:solidFill>
-                    <a:schemeClr val="tx1"/>
-                  </a:solidFill>
-                  <a:latin typeface="+mn-lt"/>
-                  <a:ea typeface="+mn-ea"/>
-                  <a:cs typeface="+mn-cs"/>
-                </a:defRPr>
-              </a:lvl7pPr>
-              <a:lvl8pPr marL="3429000" indent="-228600" algn="l" defTabSz="914400" rtl="0" eaLnBrk="1" latinLnBrk="0" hangingPunct="1">
-                <a:lnSpc>
-                  <a:spcPct val="90000"/>
-                </a:lnSpc>
-                <a:spcBef>
-                  <a:spcPts val="500"/>
-                </a:spcBef>
-                <a:buFont typeface="Arial" panose="020B0604020202020204" pitchFamily="34" charset="0"/>
-                <a:buChar char="•"/>
-                <a:defRPr kumimoji="1" sz="1800" kern="1200">
-                  <a:solidFill>
-                    <a:schemeClr val="tx1"/>
-                  </a:solidFill>
-                  <a:latin typeface="+mn-lt"/>
-                  <a:ea typeface="+mn-ea"/>
-                  <a:cs typeface="+mn-cs"/>
-                </a:defRPr>
-              </a:lvl8pPr>
-              <a:lvl9pPr marL="3886200" indent="-228600" algn="l" defTabSz="914400" rtl="0" eaLnBrk="1" latinLnBrk="0" hangingPunct="1">
-                <a:lnSpc>
-                  <a:spcPct val="90000"/>
-                </a:lnSpc>
-                <a:spcBef>
-                  <a:spcPts val="500"/>
-                </a:spcBef>
-                <a:buFont typeface="Arial" panose="020B0604020202020204" pitchFamily="34" charset="0"/>
-                <a:buChar char="•"/>
-                <a:defRPr kumimoji="1" sz="1800" kern="1200">
-                  <a:solidFill>
-                    <a:schemeClr val="tx1"/>
-                  </a:solidFill>
-                  <a:latin typeface="+mn-lt"/>
-                  <a:ea typeface="+mn-ea"/>
-                  <a:cs typeface="+mn-cs"/>
-                </a:defRPr>
-              </a:lvl9pPr>
-            </a:lstStyle>
-            <a:p>
-              <a:pPr marL="0" indent="0" algn="ctr">
-                <a:buNone/>
-              </a:pPr>
-              <a:r>
-                <a:rPr lang="en-US" altLang="ja-JP" sz="1100" dirty="0"/>
-                <a:t>©</a:t>
-              </a:r>
-              <a:r>
-                <a:rPr lang="ja-JP" altLang="en-US" sz="1100" dirty="0"/>
-                <a:t>ソラノアナ</a:t>
-              </a:r>
-            </a:p>
-          </p:txBody>
-        </p:sp>
-      </p:grpSp>
-      <p:grpSp>
-        <p:nvGrpSpPr>
-          <p:cNvPr id="53" name="グループ化 52">
-            <a:extLst>
-              <a:ext uri="{FF2B5EF4-FFF2-40B4-BE49-F238E27FC236}">
-                <a16:creationId xmlns:a16="http://schemas.microsoft.com/office/drawing/2014/main" id="{3818E040-6F6D-486A-F32E-DEC579DB805C}"/>
-              </a:ext>
-            </a:extLst>
-          </p:cNvPr>
-          <p:cNvGrpSpPr>
-            <a:grpSpLocks noChangeAspect="1"/>
-          </p:cNvGrpSpPr>
-          <p:nvPr/>
-        </p:nvGrpSpPr>
-        <p:grpSpPr>
-          <a:xfrm>
-            <a:off x="7513617" y="897324"/>
-            <a:ext cx="2105198" cy="2109488"/>
-            <a:chOff x="6894195" y="2304141"/>
-            <a:chExt cx="2105198" cy="2109488"/>
-          </a:xfrm>
-        </p:grpSpPr>
-        <p:pic>
-          <p:nvPicPr>
-            <p:cNvPr id="50" name="図 49">
-              <a:extLst>
-                <a:ext uri="{FF2B5EF4-FFF2-40B4-BE49-F238E27FC236}">
-                  <a16:creationId xmlns:a16="http://schemas.microsoft.com/office/drawing/2014/main" id="{DF4604CC-32FB-2799-6295-380575B8773A}"/>
-                </a:ext>
-              </a:extLst>
-            </p:cNvPr>
-            <p:cNvPicPr>
-              <a:picLocks noChangeAspect="1"/>
-            </p:cNvPicPr>
-            <p:nvPr/>
-          </p:nvPicPr>
-          <p:blipFill>
-            <a:blip r:embed="rId2">
-              <a:extLst>
-                <a:ext uri="{28A0092B-C50C-407E-A947-70E740481C1C}">
-                  <a14:useLocalDpi xmlns:a14="http://schemas.microsoft.com/office/drawing/2010/main" val="0"/>
-                </a:ext>
-              </a:extLst>
-            </a:blip>
-            <a:stretch>
-              <a:fillRect/>
-            </a:stretch>
-          </p:blipFill>
-          <p:spPr>
-            <a:xfrm>
-              <a:off x="6894195" y="2308431"/>
-              <a:ext cx="2105198" cy="2105198"/>
-            </a:xfrm>
-            <a:prstGeom prst="rect">
-              <a:avLst/>
-            </a:prstGeom>
-          </p:spPr>
-        </p:pic>
-        <p:sp>
-          <p:nvSpPr>
-            <p:cNvPr id="52" name="正方形/長方形 51">
-              <a:extLst>
-                <a:ext uri="{FF2B5EF4-FFF2-40B4-BE49-F238E27FC236}">
-                  <a16:creationId xmlns:a16="http://schemas.microsoft.com/office/drawing/2014/main" id="{133C4FEF-C68C-4BA7-FA3F-29C5DB9AA5B7}"/>
-                </a:ext>
-              </a:extLst>
-            </p:cNvPr>
-            <p:cNvSpPr>
-              <a:spLocks noChangeAspect="1"/>
-            </p:cNvSpPr>
-            <p:nvPr/>
-          </p:nvSpPr>
-          <p:spPr>
-            <a:xfrm>
-              <a:off x="6894200" y="2304141"/>
-              <a:ext cx="2105193" cy="2105193"/>
-            </a:xfrm>
-            <a:prstGeom prst="rect">
-              <a:avLst/>
-            </a:prstGeom>
-            <a:solidFill>
-              <a:srgbClr val="4472C4">
-                <a:alpha val="50196"/>
-              </a:srgbClr>
-            </a:solidFill>
-            <a:ln>
-              <a:noFill/>
-            </a:ln>
-          </p:spPr>
-          <p:style>
-            <a:lnRef idx="2">
-              <a:schemeClr val="accent1">
-                <a:shade val="15000"/>
-              </a:schemeClr>
-            </a:lnRef>
-            <a:fillRef idx="1">
-              <a:schemeClr val="accent1"/>
-            </a:fillRef>
-            <a:effectRef idx="0">
-              <a:schemeClr val="accent1"/>
-            </a:effectRef>
-            <a:fontRef idx="minor">
-              <a:schemeClr val="lt1"/>
-            </a:fontRef>
-          </p:style>
-          <p:txBody>
-            <a:bodyPr rtlCol="0" anchor="ctr"/>
-            <a:lstStyle/>
-            <a:p>
-              <a:pPr algn="ctr"/>
-              <a:r>
-                <a:rPr kumimoji="1" lang="en-US" altLang="ja-JP" sz="9600" dirty="0"/>
-                <a:t>1</a:t>
-              </a:r>
-              <a:endParaRPr kumimoji="1" lang="ja-JP" altLang="en-US" sz="9600" dirty="0"/>
-            </a:p>
-          </p:txBody>
-        </p:sp>
-      </p:grpSp>
-      <p:grpSp>
-        <p:nvGrpSpPr>
-          <p:cNvPr id="54" name="グループ化 53">
-            <a:extLst>
-              <a:ext uri="{FF2B5EF4-FFF2-40B4-BE49-F238E27FC236}">
-                <a16:creationId xmlns:a16="http://schemas.microsoft.com/office/drawing/2014/main" id="{1005A93A-BD4C-628E-E08C-E82090E38CFA}"/>
-              </a:ext>
-            </a:extLst>
-          </p:cNvPr>
-          <p:cNvGrpSpPr>
-            <a:grpSpLocks noChangeAspect="1"/>
-          </p:cNvGrpSpPr>
-          <p:nvPr/>
-        </p:nvGrpSpPr>
-        <p:grpSpPr>
-          <a:xfrm>
-            <a:off x="9823826" y="901614"/>
-            <a:ext cx="942994" cy="944915"/>
-            <a:chOff x="6894195" y="2304141"/>
-            <a:chExt cx="2105198" cy="2109488"/>
-          </a:xfrm>
-        </p:grpSpPr>
-        <p:pic>
-          <p:nvPicPr>
-            <p:cNvPr id="55" name="図 54">
-              <a:extLst>
-                <a:ext uri="{FF2B5EF4-FFF2-40B4-BE49-F238E27FC236}">
-                  <a16:creationId xmlns:a16="http://schemas.microsoft.com/office/drawing/2014/main" id="{D1A7BA1C-94A7-4F1D-DC07-E82C1D096196}"/>
-                </a:ext>
-              </a:extLst>
-            </p:cNvPr>
-            <p:cNvPicPr>
-              <a:picLocks noChangeAspect="1"/>
-            </p:cNvPicPr>
-            <p:nvPr/>
-          </p:nvPicPr>
-          <p:blipFill>
-            <a:blip r:embed="rId2">
-              <a:extLst>
-                <a:ext uri="{28A0092B-C50C-407E-A947-70E740481C1C}">
-                  <a14:useLocalDpi xmlns:a14="http://schemas.microsoft.com/office/drawing/2010/main" val="0"/>
-                </a:ext>
-              </a:extLst>
-            </a:blip>
-            <a:stretch>
-              <a:fillRect/>
-            </a:stretch>
-          </p:blipFill>
-          <p:spPr>
-            <a:xfrm>
-              <a:off x="6894195" y="2308431"/>
-              <a:ext cx="2105198" cy="2105198"/>
-            </a:xfrm>
-            <a:prstGeom prst="rect">
-              <a:avLst/>
-            </a:prstGeom>
-          </p:spPr>
-        </p:pic>
-        <p:sp>
-          <p:nvSpPr>
-            <p:cNvPr id="56" name="正方形/長方形 55">
-              <a:extLst>
-                <a:ext uri="{FF2B5EF4-FFF2-40B4-BE49-F238E27FC236}">
-                  <a16:creationId xmlns:a16="http://schemas.microsoft.com/office/drawing/2014/main" id="{A182FF09-3E6C-9EDB-5DEE-3BD8D1C9D216}"/>
-                </a:ext>
-              </a:extLst>
-            </p:cNvPr>
-            <p:cNvSpPr>
-              <a:spLocks noChangeAspect="1"/>
-            </p:cNvSpPr>
-            <p:nvPr/>
-          </p:nvSpPr>
-          <p:spPr>
-            <a:xfrm>
-              <a:off x="6894200" y="2304141"/>
-              <a:ext cx="2105193" cy="2105193"/>
-            </a:xfrm>
-            <a:prstGeom prst="rect">
-              <a:avLst/>
-            </a:prstGeom>
-            <a:solidFill>
-              <a:srgbClr val="4472C4">
-                <a:alpha val="50196"/>
-              </a:srgbClr>
-            </a:solidFill>
-            <a:ln>
-              <a:noFill/>
-            </a:ln>
-          </p:spPr>
-          <p:style>
-            <a:lnRef idx="2">
-              <a:schemeClr val="accent1">
-                <a:shade val="15000"/>
-              </a:schemeClr>
-            </a:lnRef>
-            <a:fillRef idx="1">
-              <a:schemeClr val="accent1"/>
-            </a:fillRef>
-            <a:effectRef idx="0">
-              <a:schemeClr val="accent1"/>
-            </a:effectRef>
-            <a:fontRef idx="minor">
-              <a:schemeClr val="lt1"/>
-            </a:fontRef>
-          </p:style>
-          <p:txBody>
-            <a:bodyPr rtlCol="0" anchor="ctr"/>
-            <a:lstStyle/>
-            <a:p>
-              <a:pPr algn="ctr"/>
-              <a:r>
-                <a:rPr kumimoji="1" lang="en-US" altLang="ja-JP" sz="4400" dirty="0"/>
-                <a:t>2</a:t>
-              </a:r>
-              <a:endParaRPr kumimoji="1" lang="ja-JP" altLang="en-US" sz="4400" dirty="0"/>
-            </a:p>
-          </p:txBody>
-        </p:sp>
-      </p:grpSp>
-      <p:grpSp>
-        <p:nvGrpSpPr>
-          <p:cNvPr id="57" name="グループ化 56">
-            <a:extLst>
-              <a:ext uri="{FF2B5EF4-FFF2-40B4-BE49-F238E27FC236}">
-                <a16:creationId xmlns:a16="http://schemas.microsoft.com/office/drawing/2014/main" id="{B21644E7-D50D-E3E3-46DB-75860DEDEF35}"/>
-              </a:ext>
-            </a:extLst>
-          </p:cNvPr>
-          <p:cNvGrpSpPr>
-            <a:grpSpLocks noChangeAspect="1"/>
-          </p:cNvGrpSpPr>
-          <p:nvPr/>
-        </p:nvGrpSpPr>
-        <p:grpSpPr>
-          <a:xfrm>
-            <a:off x="9823826" y="2057602"/>
-            <a:ext cx="942994" cy="944915"/>
-            <a:chOff x="6894195" y="2304141"/>
-            <a:chExt cx="2105198" cy="2109488"/>
-          </a:xfrm>
-        </p:grpSpPr>
-        <p:pic>
-          <p:nvPicPr>
-            <p:cNvPr id="58" name="図 57">
-              <a:extLst>
-                <a:ext uri="{FF2B5EF4-FFF2-40B4-BE49-F238E27FC236}">
-                  <a16:creationId xmlns:a16="http://schemas.microsoft.com/office/drawing/2014/main" id="{A659DA5D-B935-4697-59ED-568BA27BE0C2}"/>
-                </a:ext>
-              </a:extLst>
-            </p:cNvPr>
-            <p:cNvPicPr>
-              <a:picLocks noChangeAspect="1"/>
-            </p:cNvPicPr>
-            <p:nvPr/>
-          </p:nvPicPr>
-          <p:blipFill>
-            <a:blip r:embed="rId2">
-              <a:extLst>
-                <a:ext uri="{28A0092B-C50C-407E-A947-70E740481C1C}">
-                  <a14:useLocalDpi xmlns:a14="http://schemas.microsoft.com/office/drawing/2010/main" val="0"/>
-                </a:ext>
-              </a:extLst>
-            </a:blip>
-            <a:stretch>
-              <a:fillRect/>
-            </a:stretch>
-          </p:blipFill>
-          <p:spPr>
-            <a:xfrm>
-              <a:off x="6894195" y="2308431"/>
-              <a:ext cx="2105198" cy="2105198"/>
-            </a:xfrm>
-            <a:prstGeom prst="rect">
-              <a:avLst/>
-            </a:prstGeom>
-          </p:spPr>
-        </p:pic>
-        <p:sp>
-          <p:nvSpPr>
-            <p:cNvPr id="59" name="正方形/長方形 58">
-              <a:extLst>
-                <a:ext uri="{FF2B5EF4-FFF2-40B4-BE49-F238E27FC236}">
-                  <a16:creationId xmlns:a16="http://schemas.microsoft.com/office/drawing/2014/main" id="{68BA7F33-76CA-2161-3CFF-0436EDC2E96B}"/>
-                </a:ext>
-              </a:extLst>
-            </p:cNvPr>
-            <p:cNvSpPr>
-              <a:spLocks noChangeAspect="1"/>
-            </p:cNvSpPr>
-            <p:nvPr/>
-          </p:nvSpPr>
-          <p:spPr>
-            <a:xfrm>
-              <a:off x="6894200" y="2304141"/>
-              <a:ext cx="2105193" cy="2105193"/>
-            </a:xfrm>
-            <a:prstGeom prst="rect">
-              <a:avLst/>
-            </a:prstGeom>
-            <a:solidFill>
-              <a:srgbClr val="4472C4">
-                <a:alpha val="50196"/>
-              </a:srgbClr>
-            </a:solidFill>
-            <a:ln>
-              <a:noFill/>
-            </a:ln>
-          </p:spPr>
-          <p:style>
-            <a:lnRef idx="2">
-              <a:schemeClr val="accent1">
-                <a:shade val="15000"/>
-              </a:schemeClr>
-            </a:lnRef>
-            <a:fillRef idx="1">
-              <a:schemeClr val="accent1"/>
-            </a:fillRef>
-            <a:effectRef idx="0">
-              <a:schemeClr val="accent1"/>
-            </a:effectRef>
-            <a:fontRef idx="minor">
-              <a:schemeClr val="lt1"/>
-            </a:fontRef>
-          </p:style>
-          <p:txBody>
-            <a:bodyPr rtlCol="0" anchor="ctr"/>
-            <a:lstStyle/>
-            <a:p>
-              <a:pPr algn="ctr"/>
-              <a:r>
-                <a:rPr kumimoji="1" lang="en-US" altLang="ja-JP" sz="4400" dirty="0"/>
-                <a:t>3+</a:t>
-              </a:r>
-              <a:endParaRPr kumimoji="1" lang="ja-JP" altLang="en-US" sz="9600" dirty="0"/>
-            </a:p>
-          </p:txBody>
-        </p:sp>
-      </p:grpSp>
-      <p:sp>
-        <p:nvSpPr>
-          <p:cNvPr id="3" name="コンテンツ プレースホルダー 2">
-            <a:extLst>
-              <a:ext uri="{FF2B5EF4-FFF2-40B4-BE49-F238E27FC236}">
-                <a16:creationId xmlns:a16="http://schemas.microsoft.com/office/drawing/2014/main" id="{484CE63F-48BB-6B55-C58F-5DC37B412851}"/>
-              </a:ext>
-            </a:extLst>
-          </p:cNvPr>
-          <p:cNvSpPr>
-            <a:spLocks noGrp="1"/>
-          </p:cNvSpPr>
-          <p:nvPr>
-            <p:ph idx="1"/>
-          </p:nvPr>
-        </p:nvSpPr>
-        <p:spPr>
-          <a:xfrm>
-            <a:off x="2202180" y="1661715"/>
-            <a:ext cx="8463815" cy="4351338"/>
-          </a:xfrm>
-        </p:spPr>
-        <p:txBody>
-          <a:bodyPr>
-            <a:noAutofit/>
-          </a:bodyPr>
-          <a:lstStyle/>
-          <a:p>
-            <a:pPr indent="133350" algn="just"/>
-            <a:r>
-              <a:rPr lang="ja-JP" altLang="ja-JP" sz="700" kern="100" dirty="0">
-                <a:effectLst/>
-                <a:latin typeface="Century" panose="02040604050505020304" pitchFamily="18" charset="0"/>
-                <a:ea typeface="ＭＳ 明朝" panose="02020609040205080304" pitchFamily="17" charset="-128"/>
-                <a:cs typeface="Times New Roman" panose="02020603050405020304" pitchFamily="18" charset="0"/>
-              </a:rPr>
-              <a:t>名前</a:t>
-            </a:r>
-          </a:p>
-          <a:p>
-            <a:pPr indent="133350" algn="just"/>
-            <a:r>
-              <a:rPr lang="ja-JP" altLang="ja-JP" sz="700" kern="100" dirty="0">
-                <a:effectLst/>
-                <a:latin typeface="Century" panose="02040604050505020304" pitchFamily="18" charset="0"/>
-                <a:ea typeface="ＭＳ 明朝" panose="02020609040205080304" pitchFamily="17" charset="-128"/>
-                <a:cs typeface="Times New Roman" panose="02020603050405020304" pitchFamily="18" charset="0"/>
-              </a:rPr>
-              <a:t>名前のよみがな</a:t>
-            </a:r>
-          </a:p>
-          <a:p>
-            <a:pPr indent="133350" algn="just"/>
-            <a:r>
-              <a:rPr lang="ja-JP" altLang="ja-JP" sz="700" kern="100" dirty="0">
-                <a:effectLst/>
-                <a:latin typeface="Century" panose="02040604050505020304" pitchFamily="18" charset="0"/>
-                <a:ea typeface="ＭＳ 明朝" panose="02020609040205080304" pitchFamily="17" charset="-128"/>
-                <a:cs typeface="Times New Roman" panose="02020603050405020304" pitchFamily="18" charset="0"/>
-              </a:rPr>
-              <a:t>キャラモデル画像（複数。</a:t>
-            </a:r>
-            <a:r>
-              <a:rPr lang="en-US" altLang="ja-JP" sz="700" kern="100" dirty="0">
-                <a:effectLst/>
-                <a:latin typeface="Century" panose="02040604050505020304" pitchFamily="18" charset="0"/>
-                <a:ea typeface="ＭＳ 明朝" panose="02020609040205080304" pitchFamily="17" charset="-128"/>
-                <a:cs typeface="Times New Roman" panose="02020603050405020304" pitchFamily="18" charset="0"/>
-              </a:rPr>
-              <a:t>3D</a:t>
-            </a:r>
-            <a:r>
-              <a:rPr lang="ja-JP" altLang="ja-JP" sz="700" kern="100" dirty="0">
-                <a:effectLst/>
-                <a:latin typeface="Century" panose="02040604050505020304" pitchFamily="18" charset="0"/>
-                <a:ea typeface="ＭＳ 明朝" panose="02020609040205080304" pitchFamily="17" charset="-128"/>
-                <a:cs typeface="Times New Roman" panose="02020603050405020304" pitchFamily="18" charset="0"/>
-              </a:rPr>
-              <a:t>モデルをどうするか）</a:t>
-            </a:r>
-          </a:p>
-          <a:p>
-            <a:pPr indent="133350" algn="just"/>
-            <a:r>
-              <a:rPr lang="ja-JP" altLang="ja-JP" sz="700" kern="100" dirty="0">
-                <a:effectLst/>
-                <a:latin typeface="Century" panose="02040604050505020304" pitchFamily="18" charset="0"/>
-                <a:ea typeface="ＭＳ 明朝" panose="02020609040205080304" pitchFamily="17" charset="-128"/>
-                <a:cs typeface="Times New Roman" panose="02020603050405020304" pitchFamily="18" charset="0"/>
-              </a:rPr>
-              <a:t>ママ（担当イラストレーター）</a:t>
-            </a:r>
-          </a:p>
-          <a:p>
-            <a:pPr indent="133350" algn="just"/>
-            <a:r>
-              <a:rPr lang="ja-JP" altLang="ja-JP" sz="700" kern="100" dirty="0">
-                <a:effectLst/>
-                <a:latin typeface="Century" panose="02040604050505020304" pitchFamily="18" charset="0"/>
-                <a:ea typeface="ＭＳ 明朝" panose="02020609040205080304" pitchFamily="17" charset="-128"/>
-                <a:cs typeface="Times New Roman" panose="02020603050405020304" pitchFamily="18" charset="0"/>
-              </a:rPr>
-              <a:t>パパ（担当</a:t>
-            </a:r>
-            <a:r>
-              <a:rPr lang="en-US" altLang="ja-JP" sz="700" kern="100" dirty="0">
-                <a:effectLst/>
-                <a:latin typeface="Century" panose="02040604050505020304" pitchFamily="18" charset="0"/>
-                <a:ea typeface="ＭＳ 明朝" panose="02020609040205080304" pitchFamily="17" charset="-128"/>
-                <a:cs typeface="Times New Roman" panose="02020603050405020304" pitchFamily="18" charset="0"/>
-              </a:rPr>
-              <a:t>Live2D</a:t>
-            </a:r>
-            <a:r>
-              <a:rPr lang="ja-JP" altLang="ja-JP" sz="700" kern="100" dirty="0">
-                <a:effectLst/>
-                <a:latin typeface="Century" panose="02040604050505020304" pitchFamily="18" charset="0"/>
-                <a:ea typeface="ＭＳ 明朝" panose="02020609040205080304" pitchFamily="17" charset="-128"/>
-                <a:cs typeface="Times New Roman" panose="02020603050405020304" pitchFamily="18" charset="0"/>
-              </a:rPr>
-              <a:t>、</a:t>
-            </a:r>
-            <a:r>
-              <a:rPr lang="en-US" altLang="ja-JP" sz="700" kern="100" dirty="0">
-                <a:effectLst/>
-                <a:latin typeface="Century" panose="02040604050505020304" pitchFamily="18" charset="0"/>
-                <a:ea typeface="ＭＳ 明朝" panose="02020609040205080304" pitchFamily="17" charset="-128"/>
-                <a:cs typeface="Times New Roman" panose="02020603050405020304" pitchFamily="18" charset="0"/>
-              </a:rPr>
-              <a:t>3D</a:t>
-            </a:r>
-            <a:r>
-              <a:rPr lang="ja-JP" altLang="ja-JP" sz="700" kern="100" dirty="0">
-                <a:effectLst/>
-                <a:latin typeface="Century" panose="02040604050505020304" pitchFamily="18" charset="0"/>
-                <a:ea typeface="ＭＳ 明朝" panose="02020609040205080304" pitchFamily="17" charset="-128"/>
-                <a:cs typeface="Times New Roman" panose="02020603050405020304" pitchFamily="18" charset="0"/>
-              </a:rPr>
-              <a:t>モデリングなど）</a:t>
-            </a:r>
-          </a:p>
-          <a:p>
-            <a:pPr indent="133350" algn="just"/>
-            <a:r>
-              <a:rPr lang="ja-JP" altLang="ja-JP" sz="700" kern="100" dirty="0">
-                <a:effectLst/>
-                <a:latin typeface="Century" panose="02040604050505020304" pitchFamily="18" charset="0"/>
-                <a:ea typeface="ＭＳ 明朝" panose="02020609040205080304" pitchFamily="17" charset="-128"/>
-                <a:cs typeface="Times New Roman" panose="02020603050405020304" pitchFamily="18" charset="0"/>
-              </a:rPr>
-              <a:t>箱（所属事務所）</a:t>
-            </a:r>
-          </a:p>
-          <a:p>
-            <a:pPr indent="133350" algn="just"/>
-            <a:r>
-              <a:rPr lang="ja-JP" altLang="ja-JP" sz="700" kern="100" dirty="0">
-                <a:effectLst/>
-                <a:latin typeface="Century" panose="02040604050505020304" pitchFamily="18" charset="0"/>
-                <a:ea typeface="ＭＳ 明朝" panose="02020609040205080304" pitchFamily="17" charset="-128"/>
-                <a:cs typeface="Times New Roman" panose="02020603050405020304" pitchFamily="18" charset="0"/>
-              </a:rPr>
-              <a:t>性別（男、女、バ美肉、その他）</a:t>
-            </a:r>
-            <a:endParaRPr lang="en-US" altLang="ja-JP" sz="700" kern="100" dirty="0">
-              <a:effectLst/>
-              <a:latin typeface="Century" panose="02040604050505020304" pitchFamily="18" charset="0"/>
-              <a:ea typeface="ＭＳ 明朝" panose="02020609040205080304" pitchFamily="17" charset="-128"/>
-              <a:cs typeface="Times New Roman" panose="02020603050405020304" pitchFamily="18" charset="0"/>
-            </a:endParaRPr>
-          </a:p>
-          <a:p>
-            <a:pPr indent="133350" algn="just"/>
-            <a:r>
-              <a:rPr lang="ja-JP" altLang="en-US" sz="700" kern="100" dirty="0">
-                <a:effectLst/>
-                <a:latin typeface="Century" panose="02040604050505020304" pitchFamily="18" charset="0"/>
-                <a:ea typeface="ＭＳ 明朝" panose="02020609040205080304" pitchFamily="17" charset="-128"/>
-                <a:cs typeface="Times New Roman" panose="02020603050405020304" pitchFamily="18" charset="0"/>
-              </a:rPr>
-              <a:t>イメージカラー</a:t>
-            </a:r>
-            <a:endParaRPr lang="ja-JP" altLang="ja-JP" sz="700" kern="100" dirty="0">
-              <a:effectLst/>
-              <a:latin typeface="Century" panose="02040604050505020304" pitchFamily="18" charset="0"/>
-              <a:ea typeface="ＭＳ 明朝" panose="02020609040205080304" pitchFamily="17" charset="-128"/>
-              <a:cs typeface="Times New Roman" panose="02020603050405020304" pitchFamily="18" charset="0"/>
-            </a:endParaRPr>
-          </a:p>
-          <a:p>
-            <a:pPr indent="133350" algn="just"/>
-            <a:r>
-              <a:rPr lang="en-US" altLang="ja-JP" sz="700" kern="100" dirty="0" err="1">
-                <a:effectLst/>
-                <a:latin typeface="Century" panose="02040604050505020304" pitchFamily="18" charset="0"/>
-                <a:ea typeface="ＭＳ 明朝" panose="02020609040205080304" pitchFamily="17" charset="-128"/>
-                <a:cs typeface="Times New Roman" panose="02020603050405020304" pitchFamily="18" charset="0"/>
-              </a:rPr>
-              <a:t>Youtube</a:t>
-            </a:r>
-            <a:r>
-              <a:rPr lang="ja-JP" altLang="ja-JP" sz="700" kern="100" dirty="0">
-                <a:effectLst/>
-                <a:latin typeface="Century" panose="02040604050505020304" pitchFamily="18" charset="0"/>
-                <a:ea typeface="ＭＳ 明朝" panose="02020609040205080304" pitchFamily="17" charset="-128"/>
-                <a:cs typeface="Times New Roman" panose="02020603050405020304" pitchFamily="18" charset="0"/>
-              </a:rPr>
-              <a:t>、</a:t>
-            </a:r>
-            <a:r>
-              <a:rPr lang="en-US" altLang="ja-JP" sz="700" kern="100" dirty="0" err="1">
-                <a:effectLst/>
-                <a:latin typeface="Century" panose="02040604050505020304" pitchFamily="18" charset="0"/>
-                <a:ea typeface="ＭＳ 明朝" panose="02020609040205080304" pitchFamily="17" charset="-128"/>
-                <a:cs typeface="Times New Roman" panose="02020603050405020304" pitchFamily="18" charset="0"/>
-              </a:rPr>
-              <a:t>Tiktok</a:t>
-            </a:r>
-            <a:r>
-              <a:rPr lang="ja-JP" altLang="ja-JP" sz="700" kern="100" dirty="0">
-                <a:effectLst/>
-                <a:latin typeface="Century" panose="02040604050505020304" pitchFamily="18" charset="0"/>
-                <a:ea typeface="ＭＳ 明朝" panose="02020609040205080304" pitchFamily="17" charset="-128"/>
-                <a:cs typeface="Times New Roman" panose="02020603050405020304" pitchFamily="18" charset="0"/>
-              </a:rPr>
-              <a:t>、</a:t>
-            </a:r>
-            <a:r>
-              <a:rPr lang="en-US" altLang="ja-JP" sz="700" kern="100" dirty="0">
-                <a:effectLst/>
-                <a:latin typeface="Century" panose="02040604050505020304" pitchFamily="18" charset="0"/>
-                <a:ea typeface="ＭＳ 明朝" panose="02020609040205080304" pitchFamily="17" charset="-128"/>
-                <a:cs typeface="Times New Roman" panose="02020603050405020304" pitchFamily="18" charset="0"/>
-              </a:rPr>
-              <a:t>Twitter</a:t>
-            </a:r>
-            <a:r>
-              <a:rPr lang="ja-JP" altLang="ja-JP" sz="700" kern="100" dirty="0">
-                <a:effectLst/>
-                <a:latin typeface="Century" panose="02040604050505020304" pitchFamily="18" charset="0"/>
-                <a:ea typeface="ＭＳ 明朝" panose="02020609040205080304" pitchFamily="17" charset="-128"/>
-                <a:cs typeface="Times New Roman" panose="02020603050405020304" pitchFamily="18" charset="0"/>
-              </a:rPr>
-              <a:t>、</a:t>
-            </a:r>
-            <a:r>
-              <a:rPr lang="en-US" altLang="ja-JP" sz="700" kern="100" dirty="0">
-                <a:effectLst/>
-                <a:latin typeface="Century" panose="02040604050505020304" pitchFamily="18" charset="0"/>
-                <a:ea typeface="ＭＳ 明朝" panose="02020609040205080304" pitchFamily="17" charset="-128"/>
-                <a:cs typeface="Times New Roman" panose="02020603050405020304" pitchFamily="18" charset="0"/>
-              </a:rPr>
-              <a:t>Instagram</a:t>
-            </a:r>
-            <a:r>
-              <a:rPr lang="ja-JP" altLang="ja-JP" sz="700" kern="100" dirty="0">
-                <a:effectLst/>
-                <a:latin typeface="Century" panose="02040604050505020304" pitchFamily="18" charset="0"/>
-                <a:ea typeface="ＭＳ 明朝" panose="02020609040205080304" pitchFamily="17" charset="-128"/>
-                <a:cs typeface="Times New Roman" panose="02020603050405020304" pitchFamily="18" charset="0"/>
-              </a:rPr>
-              <a:t>、公式</a:t>
-            </a:r>
-            <a:r>
-              <a:rPr lang="en-US" altLang="ja-JP" sz="700" kern="100" dirty="0">
-                <a:effectLst/>
-                <a:latin typeface="Century" panose="02040604050505020304" pitchFamily="18" charset="0"/>
-                <a:ea typeface="ＭＳ 明朝" panose="02020609040205080304" pitchFamily="17" charset="-128"/>
-                <a:cs typeface="Times New Roman" panose="02020603050405020304" pitchFamily="18" charset="0"/>
-              </a:rPr>
-              <a:t>LINE</a:t>
-            </a:r>
-            <a:r>
-              <a:rPr lang="ja-JP" altLang="ja-JP" sz="700" kern="100" dirty="0">
-                <a:effectLst/>
-                <a:latin typeface="Century" panose="02040604050505020304" pitchFamily="18" charset="0"/>
-                <a:ea typeface="ＭＳ 明朝" panose="02020609040205080304" pitchFamily="17" charset="-128"/>
-                <a:cs typeface="Times New Roman" panose="02020603050405020304" pitchFamily="18" charset="0"/>
-              </a:rPr>
-              <a:t>アカウント、</a:t>
-            </a:r>
-            <a:r>
-              <a:rPr lang="en-US" altLang="ja-JP" sz="700" kern="100" dirty="0">
-                <a:effectLst/>
-                <a:latin typeface="Century" panose="02040604050505020304" pitchFamily="18" charset="0"/>
-                <a:ea typeface="ＭＳ 明朝" panose="02020609040205080304" pitchFamily="17" charset="-128"/>
-                <a:cs typeface="Times New Roman" panose="02020603050405020304" pitchFamily="18" charset="0"/>
-              </a:rPr>
-              <a:t>Twitch</a:t>
-            </a:r>
-            <a:r>
-              <a:rPr lang="ja-JP" altLang="ja-JP" sz="700" kern="100" dirty="0">
-                <a:effectLst/>
-                <a:latin typeface="Century" panose="02040604050505020304" pitchFamily="18" charset="0"/>
-                <a:ea typeface="ＭＳ 明朝" panose="02020609040205080304" pitchFamily="17" charset="-128"/>
-                <a:cs typeface="Times New Roman" panose="02020603050405020304" pitchFamily="18" charset="0"/>
-              </a:rPr>
-              <a:t>、ミルダム、</a:t>
-            </a:r>
-            <a:r>
-              <a:rPr lang="en-US" altLang="ja-JP" sz="700" kern="100" dirty="0" err="1">
-                <a:effectLst/>
-                <a:latin typeface="Century" panose="02040604050505020304" pitchFamily="18" charset="0"/>
-                <a:ea typeface="ＭＳ 明朝" panose="02020609040205080304" pitchFamily="17" charset="-128"/>
-                <a:cs typeface="Times New Roman" panose="02020603050405020304" pitchFamily="18" charset="0"/>
-              </a:rPr>
-              <a:t>Fantia</a:t>
-            </a:r>
-            <a:r>
-              <a:rPr lang="ja-JP" altLang="ja-JP" sz="700" kern="100" dirty="0">
-                <a:effectLst/>
-                <a:latin typeface="Century" panose="02040604050505020304" pitchFamily="18" charset="0"/>
-                <a:ea typeface="ＭＳ 明朝" panose="02020609040205080304" pitchFamily="17" charset="-128"/>
-                <a:cs typeface="Times New Roman" panose="02020603050405020304" pitchFamily="18" charset="0"/>
-              </a:rPr>
-              <a:t>、マシュマロ、</a:t>
-            </a:r>
-            <a:r>
-              <a:rPr lang="en-US" altLang="ja-JP" sz="700" kern="100" dirty="0">
-                <a:effectLst/>
-                <a:latin typeface="Century" panose="02040604050505020304" pitchFamily="18" charset="0"/>
-                <a:ea typeface="ＭＳ 明朝" panose="02020609040205080304" pitchFamily="17" charset="-128"/>
-                <a:cs typeface="Times New Roman" panose="02020603050405020304" pitchFamily="18" charset="0"/>
-              </a:rPr>
-              <a:t>Booth</a:t>
-            </a:r>
-            <a:r>
-              <a:rPr lang="ja-JP" altLang="ja-JP" sz="700" kern="100" dirty="0">
-                <a:effectLst/>
-                <a:latin typeface="Century" panose="02040604050505020304" pitchFamily="18" charset="0"/>
-                <a:ea typeface="ＭＳ 明朝" panose="02020609040205080304" pitchFamily="17" charset="-128"/>
-                <a:cs typeface="Times New Roman" panose="02020603050405020304" pitchFamily="18" charset="0"/>
-              </a:rPr>
-              <a:t>等の活動プラットフォームのアカウントリンク</a:t>
-            </a:r>
-          </a:p>
-          <a:p>
-            <a:pPr indent="133350" algn="just"/>
-            <a:r>
-              <a:rPr lang="ja-JP" altLang="ja-JP" sz="700" kern="100" dirty="0">
-                <a:effectLst/>
-                <a:latin typeface="Century" panose="02040604050505020304" pitchFamily="18" charset="0"/>
-                <a:ea typeface="ＭＳ 明朝" panose="02020609040205080304" pitchFamily="17" charset="-128"/>
-                <a:cs typeface="Times New Roman" panose="02020603050405020304" pitchFamily="18" charset="0"/>
-              </a:rPr>
-              <a:t>活動開始日</a:t>
-            </a:r>
-            <a:endParaRPr lang="en-US" altLang="ja-JP" sz="700" kern="100" dirty="0">
-              <a:effectLst/>
-              <a:latin typeface="Century" panose="02040604050505020304" pitchFamily="18" charset="0"/>
-              <a:ea typeface="ＭＳ 明朝" panose="02020609040205080304" pitchFamily="17" charset="-128"/>
-              <a:cs typeface="Times New Roman" panose="02020603050405020304" pitchFamily="18" charset="0"/>
-            </a:endParaRPr>
-          </a:p>
-          <a:p>
-            <a:pPr indent="133350" algn="just"/>
-            <a:r>
-              <a:rPr lang="ja-JP" altLang="en-US" sz="700" kern="100" dirty="0">
-                <a:effectLst/>
-                <a:latin typeface="Century" panose="02040604050505020304" pitchFamily="18" charset="0"/>
-                <a:ea typeface="ＭＳ 明朝" panose="02020609040205080304" pitchFamily="17" charset="-128"/>
-                <a:cs typeface="Times New Roman" panose="02020603050405020304" pitchFamily="18" charset="0"/>
-              </a:rPr>
-              <a:t>活動終了日</a:t>
-            </a:r>
-            <a:endParaRPr lang="ja-JP" altLang="ja-JP" sz="700" kern="100" dirty="0">
-              <a:effectLst/>
-              <a:latin typeface="Century" panose="02040604050505020304" pitchFamily="18" charset="0"/>
-              <a:ea typeface="ＭＳ 明朝" panose="02020609040205080304" pitchFamily="17" charset="-128"/>
-              <a:cs typeface="Times New Roman" panose="02020603050405020304" pitchFamily="18" charset="0"/>
-            </a:endParaRPr>
-          </a:p>
-          <a:p>
-            <a:pPr indent="133350" algn="just"/>
-            <a:r>
-              <a:rPr lang="ja-JP" altLang="ja-JP" sz="700" kern="100" dirty="0">
-                <a:effectLst/>
-                <a:latin typeface="Century" panose="02040604050505020304" pitchFamily="18" charset="0"/>
-                <a:ea typeface="ＭＳ 明朝" panose="02020609040205080304" pitchFamily="17" charset="-128"/>
-                <a:cs typeface="Times New Roman" panose="02020603050405020304" pitchFamily="18" charset="0"/>
-              </a:rPr>
-              <a:t>ファンの呼称</a:t>
-            </a:r>
-          </a:p>
-          <a:p>
-            <a:pPr indent="133350" algn="just"/>
-            <a:r>
-              <a:rPr lang="ja-JP" altLang="ja-JP" sz="700" kern="100" dirty="0">
-                <a:effectLst/>
-                <a:latin typeface="Century" panose="02040604050505020304" pitchFamily="18" charset="0"/>
-                <a:ea typeface="ＭＳ 明朝" panose="02020609040205080304" pitchFamily="17" charset="-128"/>
-                <a:cs typeface="Times New Roman" panose="02020603050405020304" pitchFamily="18" charset="0"/>
-              </a:rPr>
-              <a:t>ファンマーク</a:t>
-            </a:r>
-          </a:p>
-          <a:p>
-            <a:pPr indent="133350" algn="just"/>
-            <a:r>
-              <a:rPr lang="ja-JP" altLang="ja-JP" sz="700" kern="100" dirty="0">
-                <a:effectLst/>
-                <a:latin typeface="Century" panose="02040604050505020304" pitchFamily="18" charset="0"/>
-                <a:ea typeface="ＭＳ 明朝" panose="02020609040205080304" pitchFamily="17" charset="-128"/>
-                <a:cs typeface="Times New Roman" panose="02020603050405020304" pitchFamily="18" charset="0"/>
-              </a:rPr>
-              <a:t>一人称の呼び名</a:t>
-            </a:r>
-          </a:p>
-          <a:p>
-            <a:pPr indent="133350" algn="just"/>
-            <a:r>
-              <a:rPr lang="ja-JP" altLang="ja-JP" sz="700" kern="100" dirty="0">
-                <a:effectLst/>
-                <a:latin typeface="Century" panose="02040604050505020304" pitchFamily="18" charset="0"/>
-                <a:ea typeface="ＭＳ 明朝" panose="02020609040205080304" pitchFamily="17" charset="-128"/>
-                <a:cs typeface="Times New Roman" panose="02020603050405020304" pitchFamily="18" charset="0"/>
-              </a:rPr>
-              <a:t>活動内容（動画投稿、ゲーム配信、雑談、</a:t>
-            </a:r>
-            <a:r>
-              <a:rPr lang="en-US" altLang="ja-JP" sz="700" kern="100" dirty="0">
-                <a:effectLst/>
-                <a:latin typeface="Century" panose="02040604050505020304" pitchFamily="18" charset="0"/>
-                <a:ea typeface="ＭＳ 明朝" panose="02020609040205080304" pitchFamily="17" charset="-128"/>
-                <a:cs typeface="Times New Roman" panose="02020603050405020304" pitchFamily="18" charset="0"/>
-              </a:rPr>
-              <a:t>ASMR</a:t>
-            </a:r>
-            <a:r>
-              <a:rPr lang="ja-JP" altLang="ja-JP" sz="700" kern="100" dirty="0">
-                <a:effectLst/>
-                <a:latin typeface="Century" panose="02040604050505020304" pitchFamily="18" charset="0"/>
-                <a:ea typeface="ＭＳ 明朝" panose="02020609040205080304" pitchFamily="17" charset="-128"/>
-                <a:cs typeface="Times New Roman" panose="02020603050405020304" pitchFamily="18" charset="0"/>
-              </a:rPr>
-              <a:t>、ものづくり、歌</a:t>
-            </a:r>
-            <a:r>
-              <a:rPr lang="en-US" altLang="ja-JP" sz="700" kern="100" dirty="0" err="1">
-                <a:effectLst/>
-                <a:latin typeface="Century" panose="02040604050505020304" pitchFamily="18" charset="0"/>
-                <a:ea typeface="ＭＳ 明朝" panose="02020609040205080304" pitchFamily="17" charset="-128"/>
-                <a:cs typeface="Times New Roman" panose="02020603050405020304" pitchFamily="18" charset="0"/>
-              </a:rPr>
-              <a:t>etc</a:t>
-            </a:r>
-            <a:r>
-              <a:rPr lang="ja-JP" altLang="ja-JP" sz="700" kern="100" dirty="0">
-                <a:effectLst/>
-                <a:latin typeface="Century" panose="02040604050505020304" pitchFamily="18" charset="0"/>
-                <a:ea typeface="ＭＳ 明朝" panose="02020609040205080304" pitchFamily="17" charset="-128"/>
-                <a:cs typeface="Times New Roman" panose="02020603050405020304" pitchFamily="18" charset="0"/>
-              </a:rPr>
-              <a:t>）</a:t>
-            </a:r>
-          </a:p>
-          <a:p>
-            <a:pPr indent="133350" algn="just"/>
-            <a:r>
-              <a:rPr lang="ja-JP" altLang="ja-JP" sz="700" kern="100" dirty="0">
-                <a:effectLst/>
-                <a:latin typeface="Century" panose="02040604050505020304" pitchFamily="18" charset="0"/>
-                <a:ea typeface="ＭＳ 明朝" panose="02020609040205080304" pitchFamily="17" charset="-128"/>
-                <a:cs typeface="Times New Roman" panose="02020603050405020304" pitchFamily="18" charset="0"/>
-              </a:rPr>
-              <a:t>前世</a:t>
-            </a:r>
-          </a:p>
-          <a:p>
-            <a:pPr indent="133350" algn="just"/>
-            <a:r>
-              <a:rPr lang="ja-JP" altLang="ja-JP" sz="700" kern="100" dirty="0">
-                <a:effectLst/>
-                <a:latin typeface="Century" panose="02040604050505020304" pitchFamily="18" charset="0"/>
-                <a:ea typeface="ＭＳ 明朝" panose="02020609040205080304" pitchFamily="17" charset="-128"/>
-                <a:cs typeface="Times New Roman" panose="02020603050405020304" pitchFamily="18" charset="0"/>
-              </a:rPr>
-              <a:t>卒業済みかどうか</a:t>
-            </a:r>
-          </a:p>
-          <a:p>
-            <a:pPr indent="133350" algn="just"/>
-            <a:r>
-              <a:rPr lang="ja-JP" altLang="ja-JP" sz="700" kern="100" dirty="0">
-                <a:effectLst/>
-                <a:latin typeface="Century" panose="02040604050505020304" pitchFamily="18" charset="0"/>
-                <a:ea typeface="ＭＳ 明朝" panose="02020609040205080304" pitchFamily="17" charset="-128"/>
-                <a:cs typeface="Times New Roman" panose="02020603050405020304" pitchFamily="18" charset="0"/>
-              </a:rPr>
-              <a:t>各活動プラットフォームの登録者数</a:t>
-            </a:r>
-          </a:p>
-          <a:p>
-            <a:pPr indent="133350" algn="just"/>
-            <a:r>
-              <a:rPr lang="ja-JP" altLang="ja-JP" sz="700" kern="100" dirty="0">
-                <a:effectLst/>
-                <a:latin typeface="Century" panose="02040604050505020304" pitchFamily="18" charset="0"/>
-                <a:ea typeface="ＭＳ 明朝" panose="02020609040205080304" pitchFamily="17" charset="-128"/>
-                <a:cs typeface="Times New Roman" panose="02020603050405020304" pitchFamily="18" charset="0"/>
-              </a:rPr>
-              <a:t>主なコンテンツ（動画、</a:t>
-            </a:r>
-            <a:r>
-              <a:rPr lang="en-US" altLang="ja-JP" sz="700" kern="100" dirty="0">
-                <a:effectLst/>
-                <a:latin typeface="Century" panose="02040604050505020304" pitchFamily="18" charset="0"/>
-                <a:ea typeface="ＭＳ 明朝" panose="02020609040205080304" pitchFamily="17" charset="-128"/>
-                <a:cs typeface="Times New Roman" panose="02020603050405020304" pitchFamily="18" charset="0"/>
-              </a:rPr>
-              <a:t>short</a:t>
-            </a:r>
-            <a:r>
-              <a:rPr lang="ja-JP" altLang="ja-JP" sz="700" kern="100" dirty="0">
-                <a:effectLst/>
-                <a:latin typeface="Century" panose="02040604050505020304" pitchFamily="18" charset="0"/>
-                <a:ea typeface="ＭＳ 明朝" panose="02020609040205080304" pitchFamily="17" charset="-128"/>
-                <a:cs typeface="Times New Roman" panose="02020603050405020304" pitchFamily="18" charset="0"/>
-              </a:rPr>
-              <a:t>動画、配信、そのほか）</a:t>
-            </a:r>
-          </a:p>
-          <a:p>
-            <a:pPr indent="133350" algn="just"/>
-            <a:r>
-              <a:rPr lang="ja-JP" altLang="ja-JP" sz="700" kern="100" dirty="0">
-                <a:effectLst/>
-                <a:latin typeface="Century" panose="02040604050505020304" pitchFamily="18" charset="0"/>
-                <a:ea typeface="ＭＳ 明朝" panose="02020609040205080304" pitchFamily="17" charset="-128"/>
-                <a:cs typeface="Times New Roman" panose="02020603050405020304" pitchFamily="18" charset="0"/>
-              </a:rPr>
-              <a:t>タグ（サイト内での紐づけ）</a:t>
-            </a:r>
-          </a:p>
-          <a:p>
-            <a:pPr indent="133350" algn="just"/>
-            <a:r>
-              <a:rPr lang="en-US" altLang="ja-JP" sz="700" kern="100" dirty="0">
-                <a:effectLst/>
-                <a:latin typeface="Century" panose="02040604050505020304" pitchFamily="18" charset="0"/>
-                <a:ea typeface="ＭＳ 明朝" panose="02020609040205080304" pitchFamily="17" charset="-128"/>
-                <a:cs typeface="Times New Roman" panose="02020603050405020304" pitchFamily="18" charset="0"/>
-              </a:rPr>
-              <a:t>Twitter</a:t>
-            </a:r>
-            <a:r>
-              <a:rPr lang="ja-JP" altLang="ja-JP" sz="700" kern="100" dirty="0">
-                <a:effectLst/>
-                <a:latin typeface="Century" panose="02040604050505020304" pitchFamily="18" charset="0"/>
-                <a:ea typeface="ＭＳ 明朝" panose="02020609040205080304" pitchFamily="17" charset="-128"/>
-                <a:cs typeface="Times New Roman" panose="02020603050405020304" pitchFamily="18" charset="0"/>
-              </a:rPr>
-              <a:t>などでの配信時、ファンアート投稿などのハッシュタグ</a:t>
-            </a:r>
-          </a:p>
-          <a:p>
-            <a:pPr indent="133350" algn="just"/>
-            <a:r>
-              <a:rPr lang="ja-JP" altLang="ja-JP" sz="700" kern="100" dirty="0">
-                <a:effectLst/>
-                <a:latin typeface="Century" panose="02040604050505020304" pitchFamily="18" charset="0"/>
-                <a:ea typeface="ＭＳ 明朝" panose="02020609040205080304" pitchFamily="17" charset="-128"/>
-                <a:cs typeface="Times New Roman" panose="02020603050405020304" pitchFamily="18" charset="0"/>
-              </a:rPr>
-              <a:t>フリーコメント</a:t>
-            </a:r>
-            <a:endParaRPr lang="en-US" altLang="ja-JP" sz="700" kern="100" dirty="0">
-              <a:effectLst/>
-              <a:latin typeface="Century" panose="02040604050505020304" pitchFamily="18" charset="0"/>
-              <a:ea typeface="ＭＳ 明朝" panose="02020609040205080304" pitchFamily="17" charset="-128"/>
-              <a:cs typeface="Times New Roman" panose="02020603050405020304" pitchFamily="18" charset="0"/>
-            </a:endParaRPr>
-          </a:p>
-          <a:p>
-            <a:pPr indent="133350" algn="just"/>
-            <a:r>
-              <a:rPr lang="ja-JP" altLang="en-US" sz="700" kern="100" dirty="0">
-                <a:latin typeface="Century" panose="02040604050505020304" pitchFamily="18" charset="0"/>
-                <a:ea typeface="ＭＳ 明朝" panose="02020609040205080304" pitchFamily="17" charset="-128"/>
-                <a:cs typeface="Times New Roman" panose="02020603050405020304" pitchFamily="18" charset="0"/>
-              </a:rPr>
-              <a:t>掲示板（</a:t>
-            </a:r>
-            <a:r>
-              <a:rPr lang="en-US" altLang="ja-JP" sz="700" kern="100" dirty="0">
-                <a:latin typeface="Century" panose="02040604050505020304" pitchFamily="18" charset="0"/>
-                <a:ea typeface="ＭＳ 明朝" panose="02020609040205080304" pitchFamily="17" charset="-128"/>
-                <a:cs typeface="Times New Roman" panose="02020603050405020304" pitchFamily="18" charset="0"/>
-              </a:rPr>
-              <a:t>+</a:t>
-            </a:r>
-            <a:r>
-              <a:rPr lang="ja-JP" altLang="en-US" sz="700" kern="100" dirty="0">
-                <a:latin typeface="Century" panose="02040604050505020304" pitchFamily="18" charset="0"/>
-                <a:ea typeface="ＭＳ 明朝" panose="02020609040205080304" pitchFamily="17" charset="-128"/>
-                <a:cs typeface="Times New Roman" panose="02020603050405020304" pitchFamily="18" charset="0"/>
-              </a:rPr>
-              <a:t>修正履歴）</a:t>
-            </a:r>
-            <a:endParaRPr lang="en-US" altLang="ja-JP" sz="700" kern="100" dirty="0">
-              <a:latin typeface="Century" panose="02040604050505020304" pitchFamily="18" charset="0"/>
-              <a:ea typeface="ＭＳ 明朝" panose="02020609040205080304" pitchFamily="17" charset="-128"/>
-              <a:cs typeface="Times New Roman" panose="02020603050405020304" pitchFamily="18" charset="0"/>
-            </a:endParaRPr>
-          </a:p>
-        </p:txBody>
-      </p:sp>
-      <p:sp>
-        <p:nvSpPr>
-          <p:cNvPr id="13" name="コンテンツ プレースホルダー 2">
-            <a:extLst>
-              <a:ext uri="{FF2B5EF4-FFF2-40B4-BE49-F238E27FC236}">
-                <a16:creationId xmlns:a16="http://schemas.microsoft.com/office/drawing/2014/main" id="{9231A45D-5836-15BB-11A5-0C4CC2351C06}"/>
-              </a:ext>
-            </a:extLst>
-          </p:cNvPr>
-          <p:cNvSpPr txBox="1">
-            <a:spLocks/>
-          </p:cNvSpPr>
-          <p:nvPr/>
-        </p:nvSpPr>
-        <p:spPr>
-          <a:xfrm>
-            <a:off x="304799" y="872006"/>
-            <a:ext cx="1479007" cy="5376394"/>
-          </a:xfrm>
-          <a:prstGeom prst="rect">
-            <a:avLst/>
-          </a:prstGeom>
-        </p:spPr>
-        <p:txBody>
-          <a:bodyPr vert="horz" lIns="91440" tIns="45720" rIns="91440" bIns="45720" rtlCol="0">
-            <a:noAutofit/>
-          </a:bodyPr>
-          <a:lstStyle>
-            <a:lvl1pPr marL="228600" indent="-228600" algn="l" defTabSz="914400" rtl="0" eaLnBrk="1" latinLnBrk="0" hangingPunct="1">
-              <a:lnSpc>
-                <a:spcPct val="90000"/>
-              </a:lnSpc>
-              <a:spcBef>
-                <a:spcPts val="1000"/>
-              </a:spcBef>
-              <a:buFont typeface="Arial" panose="020B0604020202020204" pitchFamily="34" charset="0"/>
-              <a:buChar char="•"/>
-              <a:defRPr kumimoji="1" sz="2800" kern="1200">
-                <a:solidFill>
-                  <a:schemeClr val="tx1"/>
-                </a:solidFill>
-                <a:latin typeface="+mn-lt"/>
-                <a:ea typeface="+mn-ea"/>
-                <a:cs typeface="+mn-cs"/>
-              </a:defRPr>
-            </a:lvl1pPr>
-            <a:lvl2pPr marL="685800" indent="-228600" algn="l" defTabSz="914400" rtl="0" eaLnBrk="1" latinLnBrk="0" hangingPunct="1">
-              <a:lnSpc>
-                <a:spcPct val="90000"/>
-              </a:lnSpc>
-              <a:spcBef>
-                <a:spcPts val="500"/>
-              </a:spcBef>
-              <a:buFont typeface="Arial" panose="020B0604020202020204" pitchFamily="34" charset="0"/>
-              <a:buChar char="•"/>
-              <a:defRPr kumimoji="1" sz="2400" kern="1200">
-                <a:solidFill>
-                  <a:schemeClr val="tx1"/>
-                </a:solidFill>
-                <a:latin typeface="+mn-lt"/>
-                <a:ea typeface="+mn-ea"/>
-                <a:cs typeface="+mn-cs"/>
-              </a:defRPr>
-            </a:lvl2pPr>
-            <a:lvl3pPr marL="1143000" indent="-228600" algn="l" defTabSz="914400" rtl="0" eaLnBrk="1" latinLnBrk="0" hangingPunct="1">
-              <a:lnSpc>
-                <a:spcPct val="90000"/>
-              </a:lnSpc>
-              <a:spcBef>
-                <a:spcPts val="500"/>
-              </a:spcBef>
-              <a:buFont typeface="Arial" panose="020B0604020202020204" pitchFamily="34" charset="0"/>
-              <a:buChar char="•"/>
-              <a:defRPr kumimoji="1" sz="2000" kern="1200">
-                <a:solidFill>
-                  <a:schemeClr val="tx1"/>
-                </a:solidFill>
-                <a:latin typeface="+mn-lt"/>
-                <a:ea typeface="+mn-ea"/>
-                <a:cs typeface="+mn-cs"/>
-              </a:defRPr>
-            </a:lvl3pPr>
-            <a:lvl4pPr marL="1600200" indent="-228600" algn="l" defTabSz="914400" rtl="0" eaLnBrk="1" latinLnBrk="0" hangingPunct="1">
-              <a:lnSpc>
-                <a:spcPct val="90000"/>
-              </a:lnSpc>
-              <a:spcBef>
-                <a:spcPts val="500"/>
-              </a:spcBef>
-              <a:buFont typeface="Arial" panose="020B0604020202020204" pitchFamily="34" charset="0"/>
-              <a:buChar char="•"/>
-              <a:defRPr kumimoji="1" sz="1800" kern="1200">
-                <a:solidFill>
-                  <a:schemeClr val="tx1"/>
-                </a:solidFill>
-                <a:latin typeface="+mn-lt"/>
-                <a:ea typeface="+mn-ea"/>
-                <a:cs typeface="+mn-cs"/>
-              </a:defRPr>
-            </a:lvl4pPr>
-            <a:lvl5pPr marL="2057400" indent="-228600" algn="l" defTabSz="914400" rtl="0" eaLnBrk="1" latinLnBrk="0" hangingPunct="1">
-              <a:lnSpc>
-                <a:spcPct val="90000"/>
-              </a:lnSpc>
-              <a:spcBef>
-                <a:spcPts val="500"/>
-              </a:spcBef>
-              <a:buFont typeface="Arial" panose="020B0604020202020204" pitchFamily="34" charset="0"/>
-              <a:buChar char="•"/>
-              <a:defRPr kumimoji="1" sz="1800" kern="1200">
-                <a:solidFill>
-                  <a:schemeClr val="tx1"/>
-                </a:solidFill>
-                <a:latin typeface="+mn-lt"/>
-                <a:ea typeface="+mn-ea"/>
-                <a:cs typeface="+mn-cs"/>
-              </a:defRPr>
-            </a:lvl5pPr>
-            <a:lvl6pPr marL="2514600" indent="-228600" algn="l" defTabSz="914400" rtl="0" eaLnBrk="1" latinLnBrk="0" hangingPunct="1">
-              <a:lnSpc>
-                <a:spcPct val="90000"/>
-              </a:lnSpc>
-              <a:spcBef>
-                <a:spcPts val="500"/>
-              </a:spcBef>
-              <a:buFont typeface="Arial" panose="020B0604020202020204" pitchFamily="34" charset="0"/>
-              <a:buChar char="•"/>
-              <a:defRPr kumimoji="1" sz="1800" kern="1200">
-                <a:solidFill>
-                  <a:schemeClr val="tx1"/>
-                </a:solidFill>
-                <a:latin typeface="+mn-lt"/>
-                <a:ea typeface="+mn-ea"/>
-                <a:cs typeface="+mn-cs"/>
-              </a:defRPr>
-            </a:lvl6pPr>
-            <a:lvl7pPr marL="2971800" indent="-228600" algn="l" defTabSz="914400" rtl="0" eaLnBrk="1" latinLnBrk="0" hangingPunct="1">
-              <a:lnSpc>
-                <a:spcPct val="90000"/>
-              </a:lnSpc>
-              <a:spcBef>
-                <a:spcPts val="500"/>
-              </a:spcBef>
-              <a:buFont typeface="Arial" panose="020B0604020202020204" pitchFamily="34" charset="0"/>
-              <a:buChar char="•"/>
-              <a:defRPr kumimoji="1" sz="1800" kern="1200">
-                <a:solidFill>
-                  <a:schemeClr val="tx1"/>
-                </a:solidFill>
-                <a:latin typeface="+mn-lt"/>
-                <a:ea typeface="+mn-ea"/>
-                <a:cs typeface="+mn-cs"/>
-              </a:defRPr>
-            </a:lvl7pPr>
-            <a:lvl8pPr marL="3429000" indent="-228600" algn="l" defTabSz="914400" rtl="0" eaLnBrk="1" latinLnBrk="0" hangingPunct="1">
-              <a:lnSpc>
-                <a:spcPct val="90000"/>
-              </a:lnSpc>
-              <a:spcBef>
-                <a:spcPts val="500"/>
-              </a:spcBef>
-              <a:buFont typeface="Arial" panose="020B0604020202020204" pitchFamily="34" charset="0"/>
-              <a:buChar char="•"/>
-              <a:defRPr kumimoji="1" sz="1800" kern="1200">
-                <a:solidFill>
-                  <a:schemeClr val="tx1"/>
-                </a:solidFill>
-                <a:latin typeface="+mn-lt"/>
-                <a:ea typeface="+mn-ea"/>
-                <a:cs typeface="+mn-cs"/>
-              </a:defRPr>
-            </a:lvl8pPr>
-            <a:lvl9pPr marL="3886200" indent="-228600" algn="l" defTabSz="914400" rtl="0" eaLnBrk="1" latinLnBrk="0" hangingPunct="1">
-              <a:lnSpc>
-                <a:spcPct val="90000"/>
-              </a:lnSpc>
-              <a:spcBef>
-                <a:spcPts val="500"/>
-              </a:spcBef>
-              <a:buFont typeface="Arial" panose="020B0604020202020204" pitchFamily="34" charset="0"/>
-              <a:buChar char="•"/>
-              <a:defRPr kumimoji="1" sz="1800" kern="1200">
-                <a:solidFill>
-                  <a:schemeClr val="tx1"/>
-                </a:solidFill>
-                <a:latin typeface="+mn-lt"/>
-                <a:ea typeface="+mn-ea"/>
-                <a:cs typeface="+mn-cs"/>
-              </a:defRPr>
-            </a:lvl9pPr>
-          </a:lstStyle>
-          <a:p>
-            <a:pPr indent="0" algn="just">
-              <a:buNone/>
-            </a:pPr>
-            <a:r>
-              <a:rPr lang="en-US" altLang="ja-JP" sz="500" kern="100" dirty="0" err="1">
-                <a:latin typeface="Century" panose="02040604050505020304" pitchFamily="18" charset="0"/>
-                <a:ea typeface="ＭＳ 明朝" panose="02020609040205080304" pitchFamily="17" charset="-128"/>
-                <a:cs typeface="Times New Roman" panose="02020603050405020304" pitchFamily="18" charset="0"/>
-              </a:rPr>
-              <a:t>aaa</a:t>
-            </a:r>
-            <a:endParaRPr lang="en-US" altLang="ja-JP" sz="500" kern="100" dirty="0">
-              <a:latin typeface="Century" panose="02040604050505020304" pitchFamily="18" charset="0"/>
-              <a:ea typeface="ＭＳ 明朝" panose="02020609040205080304" pitchFamily="17" charset="-128"/>
-              <a:cs typeface="Times New Roman" panose="02020603050405020304" pitchFamily="18" charset="0"/>
-            </a:endParaRPr>
-          </a:p>
-          <a:p>
-            <a:pPr indent="0" algn="just">
-              <a:buNone/>
-            </a:pPr>
-            <a:endParaRPr lang="ja-JP" altLang="ja-JP" sz="500" kern="100" dirty="0">
-              <a:latin typeface="Century" panose="02040604050505020304" pitchFamily="18" charset="0"/>
-              <a:ea typeface="ＭＳ 明朝" panose="02020609040205080304" pitchFamily="17" charset="-128"/>
-              <a:cs typeface="Times New Roman" panose="02020603050405020304" pitchFamily="18" charset="0"/>
-            </a:endParaRPr>
-          </a:p>
-        </p:txBody>
-      </p:sp>
-    </p:spTree>
-    <p:extLst>
-      <p:ext uri="{BB962C8B-B14F-4D97-AF65-F5344CB8AC3E}">
-        <p14:creationId xmlns:p14="http://schemas.microsoft.com/office/powerpoint/2010/main" val="2506470532"/>
-      </p:ext>
-    </p:extLst>
-  </p:cSld>
-  <p:clrMapOvr>
-    <a:masterClrMapping/>
-  </p:clrMapOvr>
-</p:sld>
-</file>
-
 <file path=ppt/theme/theme1.xml><?xml version="1.0" encoding="utf-8"?>
 <a:theme xmlns:a="http://schemas.openxmlformats.org/drawingml/2006/main" name="Office テーマ">
   <a:themeElements>

--- a/ページデザイン.pptx
+++ b/ページデザイン.pptx
@@ -7,8 +7,8 @@
   <p:sldIdLst>
     <p:sldId id="267" r:id="rId2"/>
     <p:sldId id="268" r:id="rId3"/>
-    <p:sldId id="270" r:id="rId4"/>
-    <p:sldId id="269" r:id="rId5"/>
+    <p:sldId id="271" r:id="rId4"/>
+    <p:sldId id="270" r:id="rId5"/>
     <p:sldId id="257" r:id="rId6"/>
     <p:sldId id="260" r:id="rId7"/>
     <p:sldId id="258" r:id="rId8"/>
@@ -123,8 +123,8 @@
           <p14:sldIdLst>
             <p14:sldId id="267"/>
             <p14:sldId id="268"/>
+            <p14:sldId id="271"/>
             <p14:sldId id="270"/>
-            <p14:sldId id="269"/>
           </p14:sldIdLst>
         </p14:section>
         <p14:section name="VT各ページ" id="{50E3662A-99E7-43F3-9C1B-420E7C8EDE90}">
@@ -316,7 +316,7 @@
           <a:p>
             <a:fld id="{BABA1FC8-398B-47CD-8BE5-64901F5BCC36}" type="datetimeFigureOut">
               <a:rPr kumimoji="1" lang="ja-JP" altLang="en-US" smtClean="0"/>
-              <a:t>2024/3/23</a:t>
+              <a:t>2024/3/30</a:t>
             </a:fld>
             <a:endParaRPr kumimoji="1" lang="ja-JP" altLang="en-US"/>
           </a:p>
@@ -546,7 +546,7 @@
           <a:p>
             <a:fld id="{BABA1FC8-398B-47CD-8BE5-64901F5BCC36}" type="datetimeFigureOut">
               <a:rPr kumimoji="1" lang="ja-JP" altLang="en-US" smtClean="0"/>
-              <a:t>2024/3/23</a:t>
+              <a:t>2024/3/30</a:t>
             </a:fld>
             <a:endParaRPr kumimoji="1" lang="ja-JP" altLang="en-US"/>
           </a:p>
@@ -786,7 +786,7 @@
           <a:p>
             <a:fld id="{BABA1FC8-398B-47CD-8BE5-64901F5BCC36}" type="datetimeFigureOut">
               <a:rPr kumimoji="1" lang="ja-JP" altLang="en-US" smtClean="0"/>
-              <a:t>2024/3/23</a:t>
+              <a:t>2024/3/30</a:t>
             </a:fld>
             <a:endParaRPr kumimoji="1" lang="ja-JP" altLang="en-US"/>
           </a:p>
@@ -1016,7 +1016,7 @@
           <a:p>
             <a:fld id="{BABA1FC8-398B-47CD-8BE5-64901F5BCC36}" type="datetimeFigureOut">
               <a:rPr kumimoji="1" lang="ja-JP" altLang="en-US" smtClean="0"/>
-              <a:t>2024/3/23</a:t>
+              <a:t>2024/3/30</a:t>
             </a:fld>
             <a:endParaRPr kumimoji="1" lang="ja-JP" altLang="en-US"/>
           </a:p>
@@ -1291,7 +1291,7 @@
           <a:p>
             <a:fld id="{BABA1FC8-398B-47CD-8BE5-64901F5BCC36}" type="datetimeFigureOut">
               <a:rPr kumimoji="1" lang="ja-JP" altLang="en-US" smtClean="0"/>
-              <a:t>2024/3/23</a:t>
+              <a:t>2024/3/30</a:t>
             </a:fld>
             <a:endParaRPr kumimoji="1" lang="ja-JP" altLang="en-US"/>
           </a:p>
@@ -1620,7 +1620,7 @@
           <a:p>
             <a:fld id="{BABA1FC8-398B-47CD-8BE5-64901F5BCC36}" type="datetimeFigureOut">
               <a:rPr kumimoji="1" lang="ja-JP" altLang="en-US" smtClean="0"/>
-              <a:t>2024/3/23</a:t>
+              <a:t>2024/3/30</a:t>
             </a:fld>
             <a:endParaRPr kumimoji="1" lang="ja-JP" altLang="en-US"/>
           </a:p>
@@ -2096,7 +2096,7 @@
           <a:p>
             <a:fld id="{BABA1FC8-398B-47CD-8BE5-64901F5BCC36}" type="datetimeFigureOut">
               <a:rPr kumimoji="1" lang="ja-JP" altLang="en-US" smtClean="0"/>
-              <a:t>2024/3/23</a:t>
+              <a:t>2024/3/30</a:t>
             </a:fld>
             <a:endParaRPr kumimoji="1" lang="ja-JP" altLang="en-US"/>
           </a:p>
@@ -2237,7 +2237,7 @@
           <a:p>
             <a:fld id="{BABA1FC8-398B-47CD-8BE5-64901F5BCC36}" type="datetimeFigureOut">
               <a:rPr kumimoji="1" lang="ja-JP" altLang="en-US" smtClean="0"/>
-              <a:t>2024/3/23</a:t>
+              <a:t>2024/3/30</a:t>
             </a:fld>
             <a:endParaRPr kumimoji="1" lang="ja-JP" altLang="en-US"/>
           </a:p>
@@ -2350,7 +2350,7 @@
           <a:p>
             <a:fld id="{BABA1FC8-398B-47CD-8BE5-64901F5BCC36}" type="datetimeFigureOut">
               <a:rPr kumimoji="1" lang="ja-JP" altLang="en-US" smtClean="0"/>
-              <a:t>2024/3/23</a:t>
+              <a:t>2024/3/30</a:t>
             </a:fld>
             <a:endParaRPr kumimoji="1" lang="ja-JP" altLang="en-US"/>
           </a:p>
@@ -2693,7 +2693,7 @@
           <a:p>
             <a:fld id="{BABA1FC8-398B-47CD-8BE5-64901F5BCC36}" type="datetimeFigureOut">
               <a:rPr kumimoji="1" lang="ja-JP" altLang="en-US" smtClean="0"/>
-              <a:t>2024/3/23</a:t>
+              <a:t>2024/3/30</a:t>
             </a:fld>
             <a:endParaRPr kumimoji="1" lang="ja-JP" altLang="en-US"/>
           </a:p>
@@ -2981,7 +2981,7 @@
           <a:p>
             <a:fld id="{BABA1FC8-398B-47CD-8BE5-64901F5BCC36}" type="datetimeFigureOut">
               <a:rPr kumimoji="1" lang="ja-JP" altLang="en-US" smtClean="0"/>
-              <a:t>2024/3/23</a:t>
+              <a:t>2024/3/30</a:t>
             </a:fld>
             <a:endParaRPr kumimoji="1" lang="ja-JP" altLang="en-US"/>
           </a:p>
@@ -3254,7 +3254,7 @@
           <a:p>
             <a:fld id="{BABA1FC8-398B-47CD-8BE5-64901F5BCC36}" type="datetimeFigureOut">
               <a:rPr kumimoji="1" lang="ja-JP" altLang="en-US" smtClean="0"/>
-              <a:t>2024/3/23</a:t>
+              <a:t>2024/3/30</a:t>
             </a:fld>
             <a:endParaRPr kumimoji="1" lang="ja-JP" altLang="en-US"/>
           </a:p>
@@ -24969,6 +24969,1619 @@
       </p:grpSpPr>
       <p:pic>
         <p:nvPicPr>
+          <p:cNvPr id="4" name="図 3">
+            <a:extLst>
+              <a:ext uri="{FF2B5EF4-FFF2-40B4-BE49-F238E27FC236}">
+                <a16:creationId xmlns:a16="http://schemas.microsoft.com/office/drawing/2014/main" id="{795F5A77-8FC5-9E66-7D4C-5D4E4C87AB47}"/>
+              </a:ext>
+            </a:extLst>
+          </p:cNvPr>
+          <p:cNvPicPr>
+            <a:picLocks noChangeAspect="1"/>
+          </p:cNvPicPr>
+          <p:nvPr/>
+        </p:nvPicPr>
+        <p:blipFill>
+          <a:blip r:embed="rId2"/>
+          <a:stretch>
+            <a:fillRect/>
+          </a:stretch>
+        </p:blipFill>
+        <p:spPr>
+          <a:xfrm>
+            <a:off x="-175577" y="-79314"/>
+            <a:ext cx="12367577" cy="6937314"/>
+          </a:xfrm>
+          <a:prstGeom prst="rect">
+            <a:avLst/>
+          </a:prstGeom>
+        </p:spPr>
+      </p:pic>
+      <p:sp>
+        <p:nvSpPr>
+          <p:cNvPr id="12" name="テキスト ボックス 11">
+            <a:extLst>
+              <a:ext uri="{FF2B5EF4-FFF2-40B4-BE49-F238E27FC236}">
+                <a16:creationId xmlns:a16="http://schemas.microsoft.com/office/drawing/2014/main" id="{5DBF687F-9D82-FCD3-AAFD-31A0C6E43358}"/>
+              </a:ext>
+            </a:extLst>
+          </p:cNvPr>
+          <p:cNvSpPr txBox="1"/>
+          <p:nvPr/>
+        </p:nvSpPr>
+        <p:spPr>
+          <a:xfrm>
+            <a:off x="0" y="0"/>
+            <a:ext cx="12192000" cy="6858000"/>
+          </a:xfrm>
+          <a:prstGeom prst="rect">
+            <a:avLst/>
+          </a:prstGeom>
+          <a:solidFill>
+            <a:srgbClr val="7F7F7F">
+              <a:alpha val="47059"/>
+            </a:srgbClr>
+          </a:solidFill>
+          <a:ln>
+            <a:noFill/>
+          </a:ln>
+        </p:spPr>
+        <p:txBody>
+          <a:bodyPr wrap="square" rtlCol="0">
+            <a:spAutoFit/>
+          </a:bodyPr>
+          <a:lstStyle/>
+          <a:p>
+            <a:endParaRPr kumimoji="1" lang="ja-JP" altLang="en-US" dirty="0">
+              <a:solidFill>
+                <a:srgbClr val="FF0000"/>
+              </a:solidFill>
+            </a:endParaRPr>
+          </a:p>
+        </p:txBody>
+      </p:sp>
+      <p:sp>
+        <p:nvSpPr>
+          <p:cNvPr id="37" name="テキスト ボックス 36">
+            <a:extLst>
+              <a:ext uri="{FF2B5EF4-FFF2-40B4-BE49-F238E27FC236}">
+                <a16:creationId xmlns:a16="http://schemas.microsoft.com/office/drawing/2014/main" id="{AC6EE848-57AC-B1D5-FA75-BEEE6C574003}"/>
+              </a:ext>
+            </a:extLst>
+          </p:cNvPr>
+          <p:cNvSpPr txBox="1"/>
+          <p:nvPr/>
+        </p:nvSpPr>
+        <p:spPr>
+          <a:xfrm>
+            <a:off x="0" y="762526"/>
+            <a:ext cx="1894668" cy="5470215"/>
+          </a:xfrm>
+          <a:prstGeom prst="rect">
+            <a:avLst/>
+          </a:prstGeom>
+          <a:noFill/>
+          <a:ln w="12700">
+            <a:solidFill>
+              <a:srgbClr val="FF0000"/>
+            </a:solidFill>
+          </a:ln>
+        </p:spPr>
+        <p:txBody>
+          <a:bodyPr wrap="square" rtlCol="0">
+            <a:spAutoFit/>
+          </a:bodyPr>
+          <a:lstStyle/>
+          <a:p>
+            <a:endParaRPr kumimoji="1" lang="ja-JP" altLang="en-US" dirty="0">
+              <a:solidFill>
+                <a:srgbClr val="FF0000"/>
+              </a:solidFill>
+            </a:endParaRPr>
+          </a:p>
+        </p:txBody>
+      </p:sp>
+      <p:sp>
+        <p:nvSpPr>
+          <p:cNvPr id="38" name="テキスト ボックス 37">
+            <a:extLst>
+              <a:ext uri="{FF2B5EF4-FFF2-40B4-BE49-F238E27FC236}">
+                <a16:creationId xmlns:a16="http://schemas.microsoft.com/office/drawing/2014/main" id="{CDC72AA9-A9B0-F269-5987-8C33EB8CEC81}"/>
+              </a:ext>
+            </a:extLst>
+          </p:cNvPr>
+          <p:cNvSpPr txBox="1"/>
+          <p:nvPr/>
+        </p:nvSpPr>
+        <p:spPr>
+          <a:xfrm>
+            <a:off x="1894668" y="762526"/>
+            <a:ext cx="10297332" cy="5470215"/>
+          </a:xfrm>
+          <a:prstGeom prst="rect">
+            <a:avLst/>
+          </a:prstGeom>
+          <a:noFill/>
+          <a:ln w="12700">
+            <a:solidFill>
+              <a:srgbClr val="FF0000"/>
+            </a:solidFill>
+          </a:ln>
+        </p:spPr>
+        <p:txBody>
+          <a:bodyPr wrap="square" rtlCol="0">
+            <a:spAutoFit/>
+          </a:bodyPr>
+          <a:lstStyle/>
+          <a:p>
+            <a:endParaRPr kumimoji="1" lang="ja-JP" altLang="en-US" dirty="0">
+              <a:solidFill>
+                <a:srgbClr val="FF0000"/>
+              </a:solidFill>
+            </a:endParaRPr>
+          </a:p>
+        </p:txBody>
+      </p:sp>
+      <p:sp>
+        <p:nvSpPr>
+          <p:cNvPr id="39" name="テキスト ボックス 38">
+            <a:extLst>
+              <a:ext uri="{FF2B5EF4-FFF2-40B4-BE49-F238E27FC236}">
+                <a16:creationId xmlns:a16="http://schemas.microsoft.com/office/drawing/2014/main" id="{8CC661BA-9771-CA7F-0AF0-2F3E1A0E2126}"/>
+              </a:ext>
+            </a:extLst>
+          </p:cNvPr>
+          <p:cNvSpPr txBox="1"/>
+          <p:nvPr/>
+        </p:nvSpPr>
+        <p:spPr>
+          <a:xfrm>
+            <a:off x="0" y="6225554"/>
+            <a:ext cx="12192000" cy="625259"/>
+          </a:xfrm>
+          <a:prstGeom prst="rect">
+            <a:avLst/>
+          </a:prstGeom>
+          <a:noFill/>
+          <a:ln w="12700">
+            <a:solidFill>
+              <a:srgbClr val="FF0000"/>
+            </a:solidFill>
+          </a:ln>
+        </p:spPr>
+        <p:txBody>
+          <a:bodyPr wrap="square" rtlCol="0">
+            <a:spAutoFit/>
+          </a:bodyPr>
+          <a:lstStyle/>
+          <a:p>
+            <a:endParaRPr kumimoji="1" lang="ja-JP" altLang="en-US" dirty="0">
+              <a:solidFill>
+                <a:srgbClr val="FF0000"/>
+              </a:solidFill>
+            </a:endParaRPr>
+          </a:p>
+        </p:txBody>
+      </p:sp>
+      <p:sp>
+        <p:nvSpPr>
+          <p:cNvPr id="40" name="テキスト ボックス 39">
+            <a:extLst>
+              <a:ext uri="{FF2B5EF4-FFF2-40B4-BE49-F238E27FC236}">
+                <a16:creationId xmlns:a16="http://schemas.microsoft.com/office/drawing/2014/main" id="{9EE835CC-F3A3-69B7-26C0-ACD222857B5F}"/>
+              </a:ext>
+            </a:extLst>
+          </p:cNvPr>
+          <p:cNvSpPr txBox="1"/>
+          <p:nvPr/>
+        </p:nvSpPr>
+        <p:spPr>
+          <a:xfrm>
+            <a:off x="0" y="0"/>
+            <a:ext cx="2967925" cy="755339"/>
+          </a:xfrm>
+          <a:prstGeom prst="rect">
+            <a:avLst/>
+          </a:prstGeom>
+          <a:noFill/>
+          <a:ln w="12700">
+            <a:solidFill>
+              <a:srgbClr val="FF0000"/>
+            </a:solidFill>
+          </a:ln>
+        </p:spPr>
+        <p:txBody>
+          <a:bodyPr wrap="square" rtlCol="0">
+            <a:spAutoFit/>
+          </a:bodyPr>
+          <a:lstStyle/>
+          <a:p>
+            <a:endParaRPr kumimoji="1" lang="ja-JP" altLang="en-US" dirty="0">
+              <a:solidFill>
+                <a:srgbClr val="FF0000"/>
+              </a:solidFill>
+            </a:endParaRPr>
+          </a:p>
+        </p:txBody>
+      </p:sp>
+      <p:sp>
+        <p:nvSpPr>
+          <p:cNvPr id="41" name="テキスト ボックス 40">
+            <a:extLst>
+              <a:ext uri="{FF2B5EF4-FFF2-40B4-BE49-F238E27FC236}">
+                <a16:creationId xmlns:a16="http://schemas.microsoft.com/office/drawing/2014/main" id="{58301A3D-30BF-042E-1615-A42C03AAB3EA}"/>
+              </a:ext>
+            </a:extLst>
+          </p:cNvPr>
+          <p:cNvSpPr txBox="1"/>
+          <p:nvPr/>
+        </p:nvSpPr>
+        <p:spPr>
+          <a:xfrm>
+            <a:off x="2967925" y="-6692"/>
+            <a:ext cx="9224075" cy="755339"/>
+          </a:xfrm>
+          <a:prstGeom prst="rect">
+            <a:avLst/>
+          </a:prstGeom>
+          <a:noFill/>
+          <a:ln w="12700">
+            <a:solidFill>
+              <a:srgbClr val="FF0000"/>
+            </a:solidFill>
+          </a:ln>
+        </p:spPr>
+        <p:txBody>
+          <a:bodyPr wrap="square" rtlCol="0">
+            <a:spAutoFit/>
+          </a:bodyPr>
+          <a:lstStyle/>
+          <a:p>
+            <a:endParaRPr kumimoji="1" lang="ja-JP" altLang="en-US" dirty="0">
+              <a:solidFill>
+                <a:srgbClr val="FF0000"/>
+              </a:solidFill>
+            </a:endParaRPr>
+          </a:p>
+        </p:txBody>
+      </p:sp>
+      <p:cxnSp>
+        <p:nvCxnSpPr>
+          <p:cNvPr id="42" name="直線矢印コネクタ 41">
+            <a:extLst>
+              <a:ext uri="{FF2B5EF4-FFF2-40B4-BE49-F238E27FC236}">
+                <a16:creationId xmlns:a16="http://schemas.microsoft.com/office/drawing/2014/main" id="{C0CE83F8-65C3-1890-3A80-F391430438B1}"/>
+              </a:ext>
+            </a:extLst>
+          </p:cNvPr>
+          <p:cNvCxnSpPr>
+            <a:cxnSpLocks/>
+          </p:cNvCxnSpPr>
+          <p:nvPr/>
+        </p:nvCxnSpPr>
+        <p:spPr>
+          <a:xfrm>
+            <a:off x="221704" y="7187"/>
+            <a:ext cx="0" cy="741460"/>
+          </a:xfrm>
+          <a:prstGeom prst="straightConnector1">
+            <a:avLst/>
+          </a:prstGeom>
+          <a:ln>
+            <a:solidFill>
+              <a:srgbClr val="FF0000"/>
+            </a:solidFill>
+            <a:headEnd type="triangle"/>
+            <a:tailEnd type="triangle"/>
+          </a:ln>
+        </p:spPr>
+        <p:style>
+          <a:lnRef idx="1">
+            <a:schemeClr val="accent1"/>
+          </a:lnRef>
+          <a:fillRef idx="0">
+            <a:schemeClr val="accent1"/>
+          </a:fillRef>
+          <a:effectRef idx="0">
+            <a:schemeClr val="accent1"/>
+          </a:effectRef>
+          <a:fontRef idx="minor">
+            <a:schemeClr val="tx1"/>
+          </a:fontRef>
+        </p:style>
+      </p:cxnSp>
+      <p:sp>
+        <p:nvSpPr>
+          <p:cNvPr id="43" name="テキスト ボックス 42">
+            <a:extLst>
+              <a:ext uri="{FF2B5EF4-FFF2-40B4-BE49-F238E27FC236}">
+                <a16:creationId xmlns:a16="http://schemas.microsoft.com/office/drawing/2014/main" id="{452BA40B-D2A4-8C7B-9109-386D4882BDAF}"/>
+              </a:ext>
+            </a:extLst>
+          </p:cNvPr>
+          <p:cNvSpPr txBox="1"/>
+          <p:nvPr/>
+        </p:nvSpPr>
+        <p:spPr>
+          <a:xfrm>
+            <a:off x="302667" y="3609074"/>
+            <a:ext cx="1543050" cy="369332"/>
+          </a:xfrm>
+          <a:prstGeom prst="rect">
+            <a:avLst/>
+          </a:prstGeom>
+          <a:noFill/>
+        </p:spPr>
+        <p:txBody>
+          <a:bodyPr wrap="square" rtlCol="0">
+            <a:spAutoFit/>
+          </a:bodyPr>
+          <a:lstStyle/>
+          <a:p>
+            <a:r>
+              <a:rPr kumimoji="1" lang="en-US" altLang="ja-JP" dirty="0">
+                <a:solidFill>
+                  <a:srgbClr val="FF0000"/>
+                </a:solidFill>
+              </a:rPr>
+              <a:t>864px(80%)</a:t>
+            </a:r>
+            <a:endParaRPr kumimoji="1" lang="ja-JP" altLang="en-US" dirty="0">
+              <a:solidFill>
+                <a:srgbClr val="FF0000"/>
+              </a:solidFill>
+            </a:endParaRPr>
+          </a:p>
+        </p:txBody>
+      </p:sp>
+      <p:cxnSp>
+        <p:nvCxnSpPr>
+          <p:cNvPr id="44" name="直線矢印コネクタ 43">
+            <a:extLst>
+              <a:ext uri="{FF2B5EF4-FFF2-40B4-BE49-F238E27FC236}">
+                <a16:creationId xmlns:a16="http://schemas.microsoft.com/office/drawing/2014/main" id="{9D7551D2-45DD-59D5-0E3A-22EBA697D490}"/>
+              </a:ext>
+            </a:extLst>
+          </p:cNvPr>
+          <p:cNvCxnSpPr>
+            <a:cxnSpLocks/>
+          </p:cNvCxnSpPr>
+          <p:nvPr/>
+        </p:nvCxnSpPr>
+        <p:spPr>
+          <a:xfrm>
+            <a:off x="0" y="6365169"/>
+            <a:ext cx="12192000" cy="0"/>
+          </a:xfrm>
+          <a:prstGeom prst="straightConnector1">
+            <a:avLst/>
+          </a:prstGeom>
+          <a:ln>
+            <a:solidFill>
+              <a:srgbClr val="FF0000"/>
+            </a:solidFill>
+            <a:headEnd type="triangle"/>
+            <a:tailEnd type="triangle"/>
+          </a:ln>
+        </p:spPr>
+        <p:style>
+          <a:lnRef idx="1">
+            <a:schemeClr val="accent1"/>
+          </a:lnRef>
+          <a:fillRef idx="0">
+            <a:schemeClr val="accent1"/>
+          </a:fillRef>
+          <a:effectRef idx="0">
+            <a:schemeClr val="accent1"/>
+          </a:effectRef>
+          <a:fontRef idx="minor">
+            <a:schemeClr val="tx1"/>
+          </a:fontRef>
+        </p:style>
+      </p:cxnSp>
+      <p:sp>
+        <p:nvSpPr>
+          <p:cNvPr id="45" name="テキスト ボックス 44">
+            <a:extLst>
+              <a:ext uri="{FF2B5EF4-FFF2-40B4-BE49-F238E27FC236}">
+                <a16:creationId xmlns:a16="http://schemas.microsoft.com/office/drawing/2014/main" id="{DC199C64-1EC0-1B00-6E18-CA5BAF1BA65F}"/>
+              </a:ext>
+            </a:extLst>
+          </p:cNvPr>
+          <p:cNvSpPr txBox="1"/>
+          <p:nvPr/>
+        </p:nvSpPr>
+        <p:spPr>
+          <a:xfrm>
+            <a:off x="1952620" y="6444484"/>
+            <a:ext cx="1543050" cy="369332"/>
+          </a:xfrm>
+          <a:prstGeom prst="rect">
+            <a:avLst/>
+          </a:prstGeom>
+          <a:noFill/>
+        </p:spPr>
+        <p:txBody>
+          <a:bodyPr wrap="square" rtlCol="0">
+            <a:spAutoFit/>
+          </a:bodyPr>
+          <a:lstStyle/>
+          <a:p>
+            <a:r>
+              <a:rPr kumimoji="1" lang="en-US" altLang="ja-JP" dirty="0">
+                <a:solidFill>
+                  <a:srgbClr val="FF0000"/>
+                </a:solidFill>
+              </a:rPr>
+              <a:t>86px(8%)</a:t>
+            </a:r>
+            <a:endParaRPr kumimoji="1" lang="ja-JP" altLang="en-US" dirty="0">
+              <a:solidFill>
+                <a:srgbClr val="FF0000"/>
+              </a:solidFill>
+            </a:endParaRPr>
+          </a:p>
+        </p:txBody>
+      </p:sp>
+      <p:cxnSp>
+        <p:nvCxnSpPr>
+          <p:cNvPr id="47" name="直線矢印コネクタ 46">
+            <a:extLst>
+              <a:ext uri="{FF2B5EF4-FFF2-40B4-BE49-F238E27FC236}">
+                <a16:creationId xmlns:a16="http://schemas.microsoft.com/office/drawing/2014/main" id="{E3301D71-F623-56C7-D3D4-883122D67AFA}"/>
+              </a:ext>
+            </a:extLst>
+          </p:cNvPr>
+          <p:cNvCxnSpPr>
+            <a:cxnSpLocks/>
+          </p:cNvCxnSpPr>
+          <p:nvPr/>
+        </p:nvCxnSpPr>
+        <p:spPr>
+          <a:xfrm>
+            <a:off x="1894668" y="1235957"/>
+            <a:ext cx="10297332" cy="0"/>
+          </a:xfrm>
+          <a:prstGeom prst="straightConnector1">
+            <a:avLst/>
+          </a:prstGeom>
+          <a:ln>
+            <a:solidFill>
+              <a:srgbClr val="FF0000"/>
+            </a:solidFill>
+            <a:headEnd type="triangle"/>
+            <a:tailEnd type="triangle"/>
+          </a:ln>
+        </p:spPr>
+        <p:style>
+          <a:lnRef idx="1">
+            <a:schemeClr val="accent1"/>
+          </a:lnRef>
+          <a:fillRef idx="0">
+            <a:schemeClr val="accent1"/>
+          </a:fillRef>
+          <a:effectRef idx="0">
+            <a:schemeClr val="accent1"/>
+          </a:effectRef>
+          <a:fontRef idx="minor">
+            <a:schemeClr val="tx1"/>
+          </a:fontRef>
+        </p:style>
+      </p:cxnSp>
+      <p:cxnSp>
+        <p:nvCxnSpPr>
+          <p:cNvPr id="49" name="直線矢印コネクタ 48">
+            <a:extLst>
+              <a:ext uri="{FF2B5EF4-FFF2-40B4-BE49-F238E27FC236}">
+                <a16:creationId xmlns:a16="http://schemas.microsoft.com/office/drawing/2014/main" id="{65AF2A4F-F834-2EFE-B0A0-ED963F44D785}"/>
+              </a:ext>
+            </a:extLst>
+          </p:cNvPr>
+          <p:cNvCxnSpPr>
+            <a:cxnSpLocks/>
+          </p:cNvCxnSpPr>
+          <p:nvPr/>
+        </p:nvCxnSpPr>
+        <p:spPr>
+          <a:xfrm>
+            <a:off x="0" y="1731257"/>
+            <a:ext cx="1894668" cy="0"/>
+          </a:xfrm>
+          <a:prstGeom prst="straightConnector1">
+            <a:avLst/>
+          </a:prstGeom>
+          <a:ln>
+            <a:solidFill>
+              <a:srgbClr val="FF0000"/>
+            </a:solidFill>
+            <a:headEnd type="triangle"/>
+            <a:tailEnd type="triangle"/>
+          </a:ln>
+        </p:spPr>
+        <p:style>
+          <a:lnRef idx="1">
+            <a:schemeClr val="accent1"/>
+          </a:lnRef>
+          <a:fillRef idx="0">
+            <a:schemeClr val="accent1"/>
+          </a:fillRef>
+          <a:effectRef idx="0">
+            <a:schemeClr val="accent1"/>
+          </a:effectRef>
+          <a:fontRef idx="minor">
+            <a:schemeClr val="tx1"/>
+          </a:fontRef>
+        </p:style>
+      </p:cxnSp>
+      <p:cxnSp>
+        <p:nvCxnSpPr>
+          <p:cNvPr id="51" name="直線矢印コネクタ 50">
+            <a:extLst>
+              <a:ext uri="{FF2B5EF4-FFF2-40B4-BE49-F238E27FC236}">
+                <a16:creationId xmlns:a16="http://schemas.microsoft.com/office/drawing/2014/main" id="{18F9DFBB-EE48-C846-869B-195C30A1900F}"/>
+              </a:ext>
+            </a:extLst>
+          </p:cNvPr>
+          <p:cNvCxnSpPr>
+            <a:cxnSpLocks/>
+          </p:cNvCxnSpPr>
+          <p:nvPr/>
+        </p:nvCxnSpPr>
+        <p:spPr>
+          <a:xfrm>
+            <a:off x="0" y="188207"/>
+            <a:ext cx="2967925" cy="0"/>
+          </a:xfrm>
+          <a:prstGeom prst="straightConnector1">
+            <a:avLst/>
+          </a:prstGeom>
+          <a:ln>
+            <a:solidFill>
+              <a:srgbClr val="FF0000"/>
+            </a:solidFill>
+            <a:headEnd type="triangle"/>
+            <a:tailEnd type="triangle"/>
+          </a:ln>
+        </p:spPr>
+        <p:style>
+          <a:lnRef idx="1">
+            <a:schemeClr val="accent1"/>
+          </a:lnRef>
+          <a:fillRef idx="0">
+            <a:schemeClr val="accent1"/>
+          </a:fillRef>
+          <a:effectRef idx="0">
+            <a:schemeClr val="accent1"/>
+          </a:effectRef>
+          <a:fontRef idx="minor">
+            <a:schemeClr val="tx1"/>
+          </a:fontRef>
+        </p:style>
+      </p:cxnSp>
+      <p:cxnSp>
+        <p:nvCxnSpPr>
+          <p:cNvPr id="54" name="直線矢印コネクタ 53">
+            <a:extLst>
+              <a:ext uri="{FF2B5EF4-FFF2-40B4-BE49-F238E27FC236}">
+                <a16:creationId xmlns:a16="http://schemas.microsoft.com/office/drawing/2014/main" id="{6589A676-5AC5-724D-3B46-957F6D673E8B}"/>
+              </a:ext>
+            </a:extLst>
+          </p:cNvPr>
+          <p:cNvCxnSpPr>
+            <a:cxnSpLocks/>
+          </p:cNvCxnSpPr>
+          <p:nvPr/>
+        </p:nvCxnSpPr>
+        <p:spPr>
+          <a:xfrm>
+            <a:off x="2967925" y="188207"/>
+            <a:ext cx="9224075" cy="0"/>
+          </a:xfrm>
+          <a:prstGeom prst="straightConnector1">
+            <a:avLst/>
+          </a:prstGeom>
+          <a:ln>
+            <a:solidFill>
+              <a:srgbClr val="FF0000"/>
+            </a:solidFill>
+            <a:headEnd type="triangle"/>
+            <a:tailEnd type="triangle"/>
+          </a:ln>
+        </p:spPr>
+        <p:style>
+          <a:lnRef idx="1">
+            <a:schemeClr val="accent1"/>
+          </a:lnRef>
+          <a:fillRef idx="0">
+            <a:schemeClr val="accent1"/>
+          </a:fillRef>
+          <a:effectRef idx="0">
+            <a:schemeClr val="accent1"/>
+          </a:effectRef>
+          <a:fontRef idx="minor">
+            <a:schemeClr val="tx1"/>
+          </a:fontRef>
+        </p:style>
+      </p:cxnSp>
+      <p:cxnSp>
+        <p:nvCxnSpPr>
+          <p:cNvPr id="57" name="直線矢印コネクタ 56">
+            <a:extLst>
+              <a:ext uri="{FF2B5EF4-FFF2-40B4-BE49-F238E27FC236}">
+                <a16:creationId xmlns:a16="http://schemas.microsoft.com/office/drawing/2014/main" id="{5EA83A32-698B-AD44-8555-CCFC742F5A89}"/>
+              </a:ext>
+            </a:extLst>
+          </p:cNvPr>
+          <p:cNvCxnSpPr>
+            <a:cxnSpLocks/>
+          </p:cNvCxnSpPr>
+          <p:nvPr/>
+        </p:nvCxnSpPr>
+        <p:spPr>
+          <a:xfrm>
+            <a:off x="302667" y="748647"/>
+            <a:ext cx="0" cy="5476907"/>
+          </a:xfrm>
+          <a:prstGeom prst="straightConnector1">
+            <a:avLst/>
+          </a:prstGeom>
+          <a:ln>
+            <a:solidFill>
+              <a:srgbClr val="FF0000"/>
+            </a:solidFill>
+            <a:headEnd type="triangle"/>
+            <a:tailEnd type="triangle"/>
+          </a:ln>
+        </p:spPr>
+        <p:style>
+          <a:lnRef idx="1">
+            <a:schemeClr val="accent1"/>
+          </a:lnRef>
+          <a:fillRef idx="0">
+            <a:schemeClr val="accent1"/>
+          </a:fillRef>
+          <a:effectRef idx="0">
+            <a:schemeClr val="accent1"/>
+          </a:effectRef>
+          <a:fontRef idx="minor">
+            <a:schemeClr val="tx1"/>
+          </a:fontRef>
+        </p:style>
+      </p:cxnSp>
+      <p:cxnSp>
+        <p:nvCxnSpPr>
+          <p:cNvPr id="60" name="直線矢印コネクタ 59">
+            <a:extLst>
+              <a:ext uri="{FF2B5EF4-FFF2-40B4-BE49-F238E27FC236}">
+                <a16:creationId xmlns:a16="http://schemas.microsoft.com/office/drawing/2014/main" id="{9B2BA83B-A5E0-016B-D99D-8BFAAFBB3F85}"/>
+              </a:ext>
+            </a:extLst>
+          </p:cNvPr>
+          <p:cNvCxnSpPr>
+            <a:cxnSpLocks/>
+          </p:cNvCxnSpPr>
+          <p:nvPr/>
+        </p:nvCxnSpPr>
+        <p:spPr>
+          <a:xfrm>
+            <a:off x="1894668" y="6232741"/>
+            <a:ext cx="0" cy="604193"/>
+          </a:xfrm>
+          <a:prstGeom prst="straightConnector1">
+            <a:avLst/>
+          </a:prstGeom>
+          <a:ln>
+            <a:solidFill>
+              <a:srgbClr val="FF0000"/>
+            </a:solidFill>
+            <a:headEnd type="triangle"/>
+            <a:tailEnd type="triangle"/>
+          </a:ln>
+        </p:spPr>
+        <p:style>
+          <a:lnRef idx="1">
+            <a:schemeClr val="accent1"/>
+          </a:lnRef>
+          <a:fillRef idx="0">
+            <a:schemeClr val="accent1"/>
+          </a:fillRef>
+          <a:effectRef idx="0">
+            <a:schemeClr val="accent1"/>
+          </a:effectRef>
+          <a:fontRef idx="minor">
+            <a:schemeClr val="tx1"/>
+          </a:fontRef>
+        </p:style>
+      </p:cxnSp>
+      <p:sp>
+        <p:nvSpPr>
+          <p:cNvPr id="62" name="テキスト ボックス 61">
+            <a:extLst>
+              <a:ext uri="{FF2B5EF4-FFF2-40B4-BE49-F238E27FC236}">
+                <a16:creationId xmlns:a16="http://schemas.microsoft.com/office/drawing/2014/main" id="{51AF3DC0-000E-8A05-E1E7-A6B959BDFF70}"/>
+              </a:ext>
+            </a:extLst>
+          </p:cNvPr>
+          <p:cNvSpPr txBox="1"/>
+          <p:nvPr/>
+        </p:nvSpPr>
+        <p:spPr>
+          <a:xfrm>
+            <a:off x="7445462" y="6336840"/>
+            <a:ext cx="2089059" cy="369332"/>
+          </a:xfrm>
+          <a:prstGeom prst="rect">
+            <a:avLst/>
+          </a:prstGeom>
+          <a:noFill/>
+        </p:spPr>
+        <p:txBody>
+          <a:bodyPr wrap="square" rtlCol="0">
+            <a:spAutoFit/>
+          </a:bodyPr>
+          <a:lstStyle/>
+          <a:p>
+            <a:r>
+              <a:rPr kumimoji="1" lang="en-US" altLang="ja-JP" dirty="0">
+                <a:solidFill>
+                  <a:srgbClr val="FF0000"/>
+                </a:solidFill>
+              </a:rPr>
+              <a:t>1920px(100%)</a:t>
+            </a:r>
+            <a:endParaRPr kumimoji="1" lang="ja-JP" altLang="en-US" dirty="0">
+              <a:solidFill>
+                <a:srgbClr val="FF0000"/>
+              </a:solidFill>
+            </a:endParaRPr>
+          </a:p>
+        </p:txBody>
+      </p:sp>
+      <p:sp>
+        <p:nvSpPr>
+          <p:cNvPr id="63" name="テキスト ボックス 62">
+            <a:extLst>
+              <a:ext uri="{FF2B5EF4-FFF2-40B4-BE49-F238E27FC236}">
+                <a16:creationId xmlns:a16="http://schemas.microsoft.com/office/drawing/2014/main" id="{8714BB9D-6B83-3094-6672-2843D0EC2E0F}"/>
+              </a:ext>
+            </a:extLst>
+          </p:cNvPr>
+          <p:cNvSpPr txBox="1"/>
+          <p:nvPr/>
+        </p:nvSpPr>
+        <p:spPr>
+          <a:xfrm>
+            <a:off x="258849" y="1340057"/>
+            <a:ext cx="2089059" cy="369332"/>
+          </a:xfrm>
+          <a:prstGeom prst="rect">
+            <a:avLst/>
+          </a:prstGeom>
+          <a:noFill/>
+        </p:spPr>
+        <p:txBody>
+          <a:bodyPr wrap="square" rtlCol="0">
+            <a:spAutoFit/>
+          </a:bodyPr>
+          <a:lstStyle/>
+          <a:p>
+            <a:r>
+              <a:rPr kumimoji="1" lang="en-US" altLang="ja-JP" dirty="0">
+                <a:solidFill>
+                  <a:srgbClr val="FF0000"/>
+                </a:solidFill>
+              </a:rPr>
+              <a:t>288px(15%)</a:t>
+            </a:r>
+            <a:endParaRPr kumimoji="1" lang="ja-JP" altLang="en-US" dirty="0">
+              <a:solidFill>
+                <a:srgbClr val="FF0000"/>
+              </a:solidFill>
+            </a:endParaRPr>
+          </a:p>
+        </p:txBody>
+      </p:sp>
+      <p:sp>
+        <p:nvSpPr>
+          <p:cNvPr id="64" name="テキスト ボックス 63">
+            <a:extLst>
+              <a:ext uri="{FF2B5EF4-FFF2-40B4-BE49-F238E27FC236}">
+                <a16:creationId xmlns:a16="http://schemas.microsoft.com/office/drawing/2014/main" id="{7F1EF3F6-0EB7-74B9-1EB2-76E39CFA1E4C}"/>
+              </a:ext>
+            </a:extLst>
+          </p:cNvPr>
+          <p:cNvSpPr txBox="1"/>
+          <p:nvPr/>
+        </p:nvSpPr>
+        <p:spPr>
+          <a:xfrm>
+            <a:off x="6578686" y="1235957"/>
+            <a:ext cx="2089059" cy="369332"/>
+          </a:xfrm>
+          <a:prstGeom prst="rect">
+            <a:avLst/>
+          </a:prstGeom>
+          <a:noFill/>
+        </p:spPr>
+        <p:txBody>
+          <a:bodyPr wrap="square" rtlCol="0">
+            <a:spAutoFit/>
+          </a:bodyPr>
+          <a:lstStyle/>
+          <a:p>
+            <a:r>
+              <a:rPr kumimoji="1" lang="en-US" altLang="ja-JP" dirty="0">
+                <a:solidFill>
+                  <a:srgbClr val="FF0000"/>
+                </a:solidFill>
+              </a:rPr>
+              <a:t>1632px(85%)</a:t>
+            </a:r>
+            <a:endParaRPr kumimoji="1" lang="ja-JP" altLang="en-US" dirty="0">
+              <a:solidFill>
+                <a:srgbClr val="FF0000"/>
+              </a:solidFill>
+            </a:endParaRPr>
+          </a:p>
+        </p:txBody>
+      </p:sp>
+      <p:sp>
+        <p:nvSpPr>
+          <p:cNvPr id="65" name="テキスト ボックス 64">
+            <a:extLst>
+              <a:ext uri="{FF2B5EF4-FFF2-40B4-BE49-F238E27FC236}">
+                <a16:creationId xmlns:a16="http://schemas.microsoft.com/office/drawing/2014/main" id="{CC506ECE-D1BF-56FB-F449-744C7769FE3A}"/>
+              </a:ext>
+            </a:extLst>
+          </p:cNvPr>
+          <p:cNvSpPr txBox="1"/>
+          <p:nvPr/>
+        </p:nvSpPr>
+        <p:spPr>
+          <a:xfrm>
+            <a:off x="1406611" y="168871"/>
+            <a:ext cx="2089059" cy="369332"/>
+          </a:xfrm>
+          <a:prstGeom prst="rect">
+            <a:avLst/>
+          </a:prstGeom>
+          <a:noFill/>
+        </p:spPr>
+        <p:txBody>
+          <a:bodyPr wrap="square" rtlCol="0">
+            <a:spAutoFit/>
+          </a:bodyPr>
+          <a:lstStyle/>
+          <a:p>
+            <a:r>
+              <a:rPr kumimoji="1" lang="en-US" altLang="ja-JP" dirty="0">
+                <a:solidFill>
+                  <a:srgbClr val="FF0000"/>
+                </a:solidFill>
+              </a:rPr>
+              <a:t>480px(25%)</a:t>
+            </a:r>
+            <a:endParaRPr kumimoji="1" lang="ja-JP" altLang="en-US" dirty="0">
+              <a:solidFill>
+                <a:srgbClr val="FF0000"/>
+              </a:solidFill>
+            </a:endParaRPr>
+          </a:p>
+        </p:txBody>
+      </p:sp>
+      <p:sp>
+        <p:nvSpPr>
+          <p:cNvPr id="66" name="テキスト ボックス 65">
+            <a:extLst>
+              <a:ext uri="{FF2B5EF4-FFF2-40B4-BE49-F238E27FC236}">
+                <a16:creationId xmlns:a16="http://schemas.microsoft.com/office/drawing/2014/main" id="{E6C90BAE-C927-1736-DAF8-5B1627326B28}"/>
+              </a:ext>
+            </a:extLst>
+          </p:cNvPr>
+          <p:cNvSpPr txBox="1"/>
+          <p:nvPr/>
+        </p:nvSpPr>
+        <p:spPr>
+          <a:xfrm>
+            <a:off x="6411312" y="181547"/>
+            <a:ext cx="2089059" cy="369332"/>
+          </a:xfrm>
+          <a:prstGeom prst="rect">
+            <a:avLst/>
+          </a:prstGeom>
+          <a:noFill/>
+        </p:spPr>
+        <p:txBody>
+          <a:bodyPr wrap="square" rtlCol="0">
+            <a:spAutoFit/>
+          </a:bodyPr>
+          <a:lstStyle/>
+          <a:p>
+            <a:r>
+              <a:rPr kumimoji="1" lang="en-US" altLang="ja-JP" dirty="0">
+                <a:solidFill>
+                  <a:srgbClr val="FF0000"/>
+                </a:solidFill>
+              </a:rPr>
+              <a:t>1440px(75%)</a:t>
+            </a:r>
+            <a:endParaRPr kumimoji="1" lang="ja-JP" altLang="en-US" dirty="0">
+              <a:solidFill>
+                <a:srgbClr val="FF0000"/>
+              </a:solidFill>
+            </a:endParaRPr>
+          </a:p>
+        </p:txBody>
+      </p:sp>
+      <p:sp>
+        <p:nvSpPr>
+          <p:cNvPr id="67" name="テキスト ボックス 66">
+            <a:extLst>
+              <a:ext uri="{FF2B5EF4-FFF2-40B4-BE49-F238E27FC236}">
+                <a16:creationId xmlns:a16="http://schemas.microsoft.com/office/drawing/2014/main" id="{057DE26E-69AC-9A4B-7B08-4AFDA4B28271}"/>
+              </a:ext>
+            </a:extLst>
+          </p:cNvPr>
+          <p:cNvSpPr txBox="1"/>
+          <p:nvPr/>
+        </p:nvSpPr>
+        <p:spPr>
+          <a:xfrm>
+            <a:off x="239969" y="357078"/>
+            <a:ext cx="1543050" cy="369332"/>
+          </a:xfrm>
+          <a:prstGeom prst="rect">
+            <a:avLst/>
+          </a:prstGeom>
+          <a:noFill/>
+        </p:spPr>
+        <p:txBody>
+          <a:bodyPr wrap="square" rtlCol="0">
+            <a:spAutoFit/>
+          </a:bodyPr>
+          <a:lstStyle/>
+          <a:p>
+            <a:r>
+              <a:rPr kumimoji="1" lang="en-US" altLang="ja-JP" dirty="0">
+                <a:solidFill>
+                  <a:srgbClr val="FF0000"/>
+                </a:solidFill>
+              </a:rPr>
+              <a:t>130px(12%)</a:t>
+            </a:r>
+            <a:endParaRPr kumimoji="1" lang="ja-JP" altLang="en-US" dirty="0">
+              <a:solidFill>
+                <a:srgbClr val="FF0000"/>
+              </a:solidFill>
+            </a:endParaRPr>
+          </a:p>
+        </p:txBody>
+      </p:sp>
+      <p:sp>
+        <p:nvSpPr>
+          <p:cNvPr id="68" name="テキスト ボックス 67">
+            <a:extLst>
+              <a:ext uri="{FF2B5EF4-FFF2-40B4-BE49-F238E27FC236}">
+                <a16:creationId xmlns:a16="http://schemas.microsoft.com/office/drawing/2014/main" id="{DE2ABA06-C612-FCB3-C4C2-BB5658CEFBDC}"/>
+              </a:ext>
+            </a:extLst>
+          </p:cNvPr>
+          <p:cNvSpPr txBox="1"/>
+          <p:nvPr/>
+        </p:nvSpPr>
+        <p:spPr>
+          <a:xfrm>
+            <a:off x="302666" y="2416019"/>
+            <a:ext cx="1543050" cy="369332"/>
+          </a:xfrm>
+          <a:prstGeom prst="rect">
+            <a:avLst/>
+          </a:prstGeom>
+          <a:noFill/>
+        </p:spPr>
+        <p:txBody>
+          <a:bodyPr wrap="square" rtlCol="0">
+            <a:spAutoFit/>
+          </a:bodyPr>
+          <a:lstStyle/>
+          <a:p>
+            <a:r>
+              <a:rPr kumimoji="1" lang="en-US" altLang="ja-JP" dirty="0" err="1">
+                <a:solidFill>
+                  <a:srgbClr val="FF0000"/>
+                </a:solidFill>
+              </a:rPr>
+              <a:t>LeftContent</a:t>
+            </a:r>
+            <a:endParaRPr kumimoji="1" lang="ja-JP" altLang="en-US" dirty="0">
+              <a:solidFill>
+                <a:srgbClr val="FF0000"/>
+              </a:solidFill>
+            </a:endParaRPr>
+          </a:p>
+        </p:txBody>
+      </p:sp>
+      <p:sp>
+        <p:nvSpPr>
+          <p:cNvPr id="69" name="テキスト ボックス 68">
+            <a:extLst>
+              <a:ext uri="{FF2B5EF4-FFF2-40B4-BE49-F238E27FC236}">
+                <a16:creationId xmlns:a16="http://schemas.microsoft.com/office/drawing/2014/main" id="{1346DB63-3153-81CA-1894-721BD6E7668F}"/>
+              </a:ext>
+            </a:extLst>
+          </p:cNvPr>
+          <p:cNvSpPr txBox="1"/>
+          <p:nvPr/>
+        </p:nvSpPr>
+        <p:spPr>
+          <a:xfrm>
+            <a:off x="8337550" y="1401147"/>
+            <a:ext cx="1701800" cy="369332"/>
+          </a:xfrm>
+          <a:prstGeom prst="rect">
+            <a:avLst/>
+          </a:prstGeom>
+          <a:noFill/>
+        </p:spPr>
+        <p:txBody>
+          <a:bodyPr wrap="square" rtlCol="0">
+            <a:spAutoFit/>
+          </a:bodyPr>
+          <a:lstStyle/>
+          <a:p>
+            <a:r>
+              <a:rPr kumimoji="1" lang="en-US" altLang="ja-JP" dirty="0" err="1">
+                <a:solidFill>
+                  <a:srgbClr val="FF0000"/>
+                </a:solidFill>
+              </a:rPr>
+              <a:t>RightContent</a:t>
+            </a:r>
+            <a:endParaRPr kumimoji="1" lang="ja-JP" altLang="en-US" dirty="0">
+              <a:solidFill>
+                <a:srgbClr val="FF0000"/>
+              </a:solidFill>
+            </a:endParaRPr>
+          </a:p>
+        </p:txBody>
+      </p:sp>
+      <p:sp>
+        <p:nvSpPr>
+          <p:cNvPr id="70" name="テキスト ボックス 69">
+            <a:extLst>
+              <a:ext uri="{FF2B5EF4-FFF2-40B4-BE49-F238E27FC236}">
+                <a16:creationId xmlns:a16="http://schemas.microsoft.com/office/drawing/2014/main" id="{108A9976-27E3-3762-134C-C46D29730FD5}"/>
+              </a:ext>
+            </a:extLst>
+          </p:cNvPr>
+          <p:cNvSpPr txBox="1"/>
+          <p:nvPr/>
+        </p:nvSpPr>
+        <p:spPr>
+          <a:xfrm>
+            <a:off x="4895850" y="6437033"/>
+            <a:ext cx="1911350" cy="369332"/>
+          </a:xfrm>
+          <a:prstGeom prst="rect">
+            <a:avLst/>
+          </a:prstGeom>
+          <a:noFill/>
+        </p:spPr>
+        <p:txBody>
+          <a:bodyPr wrap="square" rtlCol="0">
+            <a:spAutoFit/>
+          </a:bodyPr>
+          <a:lstStyle/>
+          <a:p>
+            <a:r>
+              <a:rPr kumimoji="1" lang="en-US" altLang="ja-JP" dirty="0">
+                <a:solidFill>
+                  <a:srgbClr val="FF0000"/>
+                </a:solidFill>
+              </a:rPr>
+              <a:t>Footer</a:t>
+            </a:r>
+            <a:endParaRPr kumimoji="1" lang="ja-JP" altLang="en-US" dirty="0">
+              <a:solidFill>
+                <a:srgbClr val="FF0000"/>
+              </a:solidFill>
+            </a:endParaRPr>
+          </a:p>
+        </p:txBody>
+      </p:sp>
+      <p:sp>
+        <p:nvSpPr>
+          <p:cNvPr id="71" name="テキスト ボックス 70">
+            <a:extLst>
+              <a:ext uri="{FF2B5EF4-FFF2-40B4-BE49-F238E27FC236}">
+                <a16:creationId xmlns:a16="http://schemas.microsoft.com/office/drawing/2014/main" id="{BA2EF098-19E0-A24F-6CD6-413042496334}"/>
+              </a:ext>
+            </a:extLst>
+          </p:cNvPr>
+          <p:cNvSpPr txBox="1"/>
+          <p:nvPr/>
+        </p:nvSpPr>
+        <p:spPr>
+          <a:xfrm>
+            <a:off x="4849336" y="460316"/>
+            <a:ext cx="2317750" cy="369332"/>
+          </a:xfrm>
+          <a:prstGeom prst="rect">
+            <a:avLst/>
+          </a:prstGeom>
+          <a:noFill/>
+        </p:spPr>
+        <p:txBody>
+          <a:bodyPr wrap="square" rtlCol="0">
+            <a:spAutoFit/>
+          </a:bodyPr>
+          <a:lstStyle/>
+          <a:p>
+            <a:r>
+              <a:rPr kumimoji="1" lang="en-US" altLang="ja-JP" dirty="0" err="1">
+                <a:solidFill>
+                  <a:srgbClr val="FF0000"/>
+                </a:solidFill>
+              </a:rPr>
+              <a:t>NavigationMenu</a:t>
+            </a:r>
+            <a:endParaRPr kumimoji="1" lang="ja-JP" altLang="en-US" dirty="0">
+              <a:solidFill>
+                <a:srgbClr val="FF0000"/>
+              </a:solidFill>
+            </a:endParaRPr>
+          </a:p>
+        </p:txBody>
+      </p:sp>
+      <p:sp>
+        <p:nvSpPr>
+          <p:cNvPr id="72" name="テキスト ボックス 71">
+            <a:extLst>
+              <a:ext uri="{FF2B5EF4-FFF2-40B4-BE49-F238E27FC236}">
+                <a16:creationId xmlns:a16="http://schemas.microsoft.com/office/drawing/2014/main" id="{9943BB94-CE1C-4419-8447-66AE862D2963}"/>
+              </a:ext>
+            </a:extLst>
+          </p:cNvPr>
+          <p:cNvSpPr txBox="1"/>
+          <p:nvPr/>
+        </p:nvSpPr>
+        <p:spPr>
+          <a:xfrm>
+            <a:off x="1728119" y="409128"/>
+            <a:ext cx="1701800" cy="369332"/>
+          </a:xfrm>
+          <a:prstGeom prst="rect">
+            <a:avLst/>
+          </a:prstGeom>
+          <a:noFill/>
+        </p:spPr>
+        <p:txBody>
+          <a:bodyPr wrap="square" rtlCol="0">
+            <a:spAutoFit/>
+          </a:bodyPr>
+          <a:lstStyle/>
+          <a:p>
+            <a:r>
+              <a:rPr lang="en-US" altLang="ja-JP" dirty="0" err="1">
+                <a:solidFill>
+                  <a:srgbClr val="FF0000"/>
+                </a:solidFill>
+              </a:rPr>
+              <a:t>P</a:t>
+            </a:r>
+            <a:r>
+              <a:rPr kumimoji="1" lang="en-US" altLang="ja-JP" dirty="0" err="1">
+                <a:solidFill>
+                  <a:srgbClr val="FF0000"/>
+                </a:solidFill>
+              </a:rPr>
+              <a:t>ageTitle</a:t>
+            </a:r>
+            <a:endParaRPr kumimoji="1" lang="ja-JP" altLang="en-US" dirty="0">
+              <a:solidFill>
+                <a:srgbClr val="FF0000"/>
+              </a:solidFill>
+            </a:endParaRPr>
+          </a:p>
+        </p:txBody>
+      </p:sp>
+      <p:sp>
+        <p:nvSpPr>
+          <p:cNvPr id="2" name="正方形/長方形 1">
+            <a:extLst>
+              <a:ext uri="{FF2B5EF4-FFF2-40B4-BE49-F238E27FC236}">
+                <a16:creationId xmlns:a16="http://schemas.microsoft.com/office/drawing/2014/main" id="{1297CED3-22EE-2119-46F5-7FE5BFE4BC86}"/>
+              </a:ext>
+            </a:extLst>
+          </p:cNvPr>
+          <p:cNvSpPr/>
+          <p:nvPr/>
+        </p:nvSpPr>
+        <p:spPr>
+          <a:xfrm>
+            <a:off x="3789336" y="2374498"/>
+            <a:ext cx="6332220" cy="2991232"/>
+          </a:xfrm>
+          <a:prstGeom prst="rect">
+            <a:avLst/>
+          </a:prstGeom>
+        </p:spPr>
+        <p:style>
+          <a:lnRef idx="2">
+            <a:schemeClr val="accent1">
+              <a:shade val="15000"/>
+            </a:schemeClr>
+          </a:lnRef>
+          <a:fillRef idx="1">
+            <a:schemeClr val="accent1"/>
+          </a:fillRef>
+          <a:effectRef idx="0">
+            <a:schemeClr val="accent1"/>
+          </a:effectRef>
+          <a:fontRef idx="minor">
+            <a:schemeClr val="lt1"/>
+          </a:fontRef>
+        </p:style>
+        <p:txBody>
+          <a:bodyPr rtlCol="0" anchor="ctr"/>
+          <a:lstStyle/>
+          <a:p>
+            <a:pPr algn="ctr"/>
+            <a:r>
+              <a:rPr kumimoji="1" lang="en-US" altLang="ja-JP" dirty="0"/>
+              <a:t>Grid</a:t>
+            </a:r>
+            <a:r>
+              <a:rPr kumimoji="1" lang="ja-JP" altLang="en-US" dirty="0"/>
+              <a:t>デザイン</a:t>
+            </a:r>
+          </a:p>
+        </p:txBody>
+      </p:sp>
+      <p:sp>
+        <p:nvSpPr>
+          <p:cNvPr id="3" name="正方形/長方形 2">
+            <a:extLst>
+              <a:ext uri="{FF2B5EF4-FFF2-40B4-BE49-F238E27FC236}">
+                <a16:creationId xmlns:a16="http://schemas.microsoft.com/office/drawing/2014/main" id="{5D8F07ED-1436-792F-DEB4-687D027B4360}"/>
+              </a:ext>
+            </a:extLst>
+          </p:cNvPr>
+          <p:cNvSpPr/>
+          <p:nvPr/>
+        </p:nvSpPr>
+        <p:spPr>
+          <a:xfrm>
+            <a:off x="-2462123" y="-25833"/>
+            <a:ext cx="2310790" cy="788359"/>
+          </a:xfrm>
+          <a:prstGeom prst="rect">
+            <a:avLst/>
+          </a:prstGeom>
+        </p:spPr>
+        <p:style>
+          <a:lnRef idx="2">
+            <a:schemeClr val="accent1">
+              <a:shade val="15000"/>
+            </a:schemeClr>
+          </a:lnRef>
+          <a:fillRef idx="1">
+            <a:schemeClr val="accent1"/>
+          </a:fillRef>
+          <a:effectRef idx="0">
+            <a:schemeClr val="accent1"/>
+          </a:effectRef>
+          <a:fontRef idx="minor">
+            <a:schemeClr val="lt1"/>
+          </a:fontRef>
+        </p:style>
+        <p:txBody>
+          <a:bodyPr rtlCol="0" anchor="ctr"/>
+          <a:lstStyle/>
+          <a:p>
+            <a:pPr algn="ctr"/>
+            <a:r>
+              <a:rPr kumimoji="1" lang="en-US" altLang="ja-JP" dirty="0"/>
+              <a:t>12</a:t>
+            </a:r>
+            <a:r>
+              <a:rPr kumimoji="1" lang="ja-JP" altLang="en-US" dirty="0"/>
+              <a:t>％</a:t>
+            </a:r>
+          </a:p>
+        </p:txBody>
+      </p:sp>
+      <p:sp>
+        <p:nvSpPr>
+          <p:cNvPr id="5" name="正方形/長方形 4">
+            <a:extLst>
+              <a:ext uri="{FF2B5EF4-FFF2-40B4-BE49-F238E27FC236}">
+                <a16:creationId xmlns:a16="http://schemas.microsoft.com/office/drawing/2014/main" id="{11CE919C-D142-AA85-265B-906B71ABFC93}"/>
+              </a:ext>
+            </a:extLst>
+          </p:cNvPr>
+          <p:cNvSpPr/>
+          <p:nvPr/>
+        </p:nvSpPr>
+        <p:spPr>
+          <a:xfrm>
+            <a:off x="-2462123" y="742069"/>
+            <a:ext cx="2310790" cy="5490672"/>
+          </a:xfrm>
+          <a:prstGeom prst="rect">
+            <a:avLst/>
+          </a:prstGeom>
+        </p:spPr>
+        <p:style>
+          <a:lnRef idx="2">
+            <a:schemeClr val="accent1">
+              <a:shade val="15000"/>
+            </a:schemeClr>
+          </a:lnRef>
+          <a:fillRef idx="1">
+            <a:schemeClr val="accent1"/>
+          </a:fillRef>
+          <a:effectRef idx="0">
+            <a:schemeClr val="accent1"/>
+          </a:effectRef>
+          <a:fontRef idx="minor">
+            <a:schemeClr val="lt1"/>
+          </a:fontRef>
+        </p:style>
+        <p:txBody>
+          <a:bodyPr rtlCol="0" anchor="ctr"/>
+          <a:lstStyle/>
+          <a:p>
+            <a:pPr algn="ctr"/>
+            <a:r>
+              <a:rPr kumimoji="1" lang="en-US" altLang="ja-JP" dirty="0"/>
+              <a:t>auto</a:t>
+            </a:r>
+            <a:endParaRPr kumimoji="1" lang="ja-JP" altLang="en-US" dirty="0"/>
+          </a:p>
+        </p:txBody>
+      </p:sp>
+      <p:sp>
+        <p:nvSpPr>
+          <p:cNvPr id="6" name="正方形/長方形 5">
+            <a:extLst>
+              <a:ext uri="{FF2B5EF4-FFF2-40B4-BE49-F238E27FC236}">
+                <a16:creationId xmlns:a16="http://schemas.microsoft.com/office/drawing/2014/main" id="{71798D08-DE6F-4355-4563-D720AC87CB85}"/>
+              </a:ext>
+            </a:extLst>
+          </p:cNvPr>
+          <p:cNvSpPr/>
+          <p:nvPr/>
+        </p:nvSpPr>
+        <p:spPr>
+          <a:xfrm>
+            <a:off x="-2462123" y="6232327"/>
+            <a:ext cx="2310790" cy="625673"/>
+          </a:xfrm>
+          <a:prstGeom prst="rect">
+            <a:avLst/>
+          </a:prstGeom>
+        </p:spPr>
+        <p:style>
+          <a:lnRef idx="2">
+            <a:schemeClr val="accent1">
+              <a:shade val="15000"/>
+            </a:schemeClr>
+          </a:lnRef>
+          <a:fillRef idx="1">
+            <a:schemeClr val="accent1"/>
+          </a:fillRef>
+          <a:effectRef idx="0">
+            <a:schemeClr val="accent1"/>
+          </a:effectRef>
+          <a:fontRef idx="minor">
+            <a:schemeClr val="lt1"/>
+          </a:fontRef>
+        </p:style>
+        <p:txBody>
+          <a:bodyPr rtlCol="0" anchor="ctr"/>
+          <a:lstStyle/>
+          <a:p>
+            <a:pPr algn="ctr"/>
+            <a:r>
+              <a:rPr kumimoji="1" lang="en-US" altLang="ja-JP" dirty="0"/>
+              <a:t>8%</a:t>
+            </a:r>
+            <a:endParaRPr kumimoji="1" lang="ja-JP" altLang="en-US" dirty="0"/>
+          </a:p>
+        </p:txBody>
+      </p:sp>
+      <p:sp>
+        <p:nvSpPr>
+          <p:cNvPr id="7" name="正方形/長方形 6">
+            <a:extLst>
+              <a:ext uri="{FF2B5EF4-FFF2-40B4-BE49-F238E27FC236}">
+                <a16:creationId xmlns:a16="http://schemas.microsoft.com/office/drawing/2014/main" id="{19D1E6A4-5E5B-7280-E01E-80790D371485}"/>
+              </a:ext>
+            </a:extLst>
+          </p:cNvPr>
+          <p:cNvSpPr/>
+          <p:nvPr/>
+        </p:nvSpPr>
+        <p:spPr>
+          <a:xfrm>
+            <a:off x="0" y="-885355"/>
+            <a:ext cx="1894668" cy="788359"/>
+          </a:xfrm>
+          <a:prstGeom prst="rect">
+            <a:avLst/>
+          </a:prstGeom>
+        </p:spPr>
+        <p:style>
+          <a:lnRef idx="2">
+            <a:schemeClr val="accent1">
+              <a:shade val="15000"/>
+            </a:schemeClr>
+          </a:lnRef>
+          <a:fillRef idx="1">
+            <a:schemeClr val="accent1"/>
+          </a:fillRef>
+          <a:effectRef idx="0">
+            <a:schemeClr val="accent1"/>
+          </a:effectRef>
+          <a:fontRef idx="minor">
+            <a:schemeClr val="lt1"/>
+          </a:fontRef>
+        </p:style>
+        <p:txBody>
+          <a:bodyPr rtlCol="0" anchor="ctr"/>
+          <a:lstStyle/>
+          <a:p>
+            <a:pPr algn="ctr"/>
+            <a:r>
+              <a:rPr kumimoji="1" lang="en-US" altLang="ja-JP" dirty="0"/>
+              <a:t>15</a:t>
+            </a:r>
+            <a:r>
+              <a:rPr kumimoji="1" lang="ja-JP" altLang="en-US" dirty="0"/>
+              <a:t>％</a:t>
+            </a:r>
+          </a:p>
+        </p:txBody>
+      </p:sp>
+      <p:sp>
+        <p:nvSpPr>
+          <p:cNvPr id="8" name="正方形/長方形 7">
+            <a:extLst>
+              <a:ext uri="{FF2B5EF4-FFF2-40B4-BE49-F238E27FC236}">
+                <a16:creationId xmlns:a16="http://schemas.microsoft.com/office/drawing/2014/main" id="{11666AB1-6739-DBCA-7864-EFE1C3138212}"/>
+              </a:ext>
+            </a:extLst>
+          </p:cNvPr>
+          <p:cNvSpPr/>
+          <p:nvPr/>
+        </p:nvSpPr>
+        <p:spPr>
+          <a:xfrm>
+            <a:off x="1894668" y="-885355"/>
+            <a:ext cx="1073257" cy="788359"/>
+          </a:xfrm>
+          <a:prstGeom prst="rect">
+            <a:avLst/>
+          </a:prstGeom>
+        </p:spPr>
+        <p:style>
+          <a:lnRef idx="2">
+            <a:schemeClr val="accent1">
+              <a:shade val="15000"/>
+            </a:schemeClr>
+          </a:lnRef>
+          <a:fillRef idx="1">
+            <a:schemeClr val="accent1"/>
+          </a:fillRef>
+          <a:effectRef idx="0">
+            <a:schemeClr val="accent1"/>
+          </a:effectRef>
+          <a:fontRef idx="minor">
+            <a:schemeClr val="lt1"/>
+          </a:fontRef>
+        </p:style>
+        <p:txBody>
+          <a:bodyPr rtlCol="0" anchor="ctr"/>
+          <a:lstStyle/>
+          <a:p>
+            <a:pPr algn="ctr"/>
+            <a:r>
+              <a:rPr kumimoji="1" lang="en-US" altLang="ja-JP" dirty="0"/>
+              <a:t>10</a:t>
+            </a:r>
+            <a:r>
+              <a:rPr kumimoji="1" lang="ja-JP" altLang="en-US" dirty="0"/>
+              <a:t>％</a:t>
+            </a:r>
+          </a:p>
+        </p:txBody>
+      </p:sp>
+      <p:sp>
+        <p:nvSpPr>
+          <p:cNvPr id="9" name="正方形/長方形 8">
+            <a:extLst>
+              <a:ext uri="{FF2B5EF4-FFF2-40B4-BE49-F238E27FC236}">
+                <a16:creationId xmlns:a16="http://schemas.microsoft.com/office/drawing/2014/main" id="{46588FFF-0826-ADDC-50B9-9F8909C8898A}"/>
+              </a:ext>
+            </a:extLst>
+          </p:cNvPr>
+          <p:cNvSpPr/>
+          <p:nvPr/>
+        </p:nvSpPr>
+        <p:spPr>
+          <a:xfrm>
+            <a:off x="2967925" y="-878324"/>
+            <a:ext cx="9224075" cy="788359"/>
+          </a:xfrm>
+          <a:prstGeom prst="rect">
+            <a:avLst/>
+          </a:prstGeom>
+        </p:spPr>
+        <p:style>
+          <a:lnRef idx="2">
+            <a:schemeClr val="accent1">
+              <a:shade val="15000"/>
+            </a:schemeClr>
+          </a:lnRef>
+          <a:fillRef idx="1">
+            <a:schemeClr val="accent1"/>
+          </a:fillRef>
+          <a:effectRef idx="0">
+            <a:schemeClr val="accent1"/>
+          </a:effectRef>
+          <a:fontRef idx="minor">
+            <a:schemeClr val="lt1"/>
+          </a:fontRef>
+        </p:style>
+        <p:txBody>
+          <a:bodyPr rtlCol="0" anchor="ctr"/>
+          <a:lstStyle/>
+          <a:p>
+            <a:pPr algn="ctr"/>
+            <a:r>
+              <a:rPr kumimoji="1" lang="en-US" altLang="ja-JP" dirty="0"/>
+              <a:t>75</a:t>
+            </a:r>
+            <a:r>
+              <a:rPr kumimoji="1" lang="ja-JP" altLang="en-US" dirty="0"/>
+              <a:t>％</a:t>
+            </a:r>
+          </a:p>
+        </p:txBody>
+      </p:sp>
+    </p:spTree>
+    <p:extLst>
+      <p:ext uri="{BB962C8B-B14F-4D97-AF65-F5344CB8AC3E}">
+        <p14:creationId xmlns:p14="http://schemas.microsoft.com/office/powerpoint/2010/main" val="1962174655"/>
+      </p:ext>
+    </p:extLst>
+  </p:cSld>
+  <p:clrMapOvr>
+    <a:masterClrMapping/>
+  </p:clrMapOvr>
+</p:sld>
+</file>
+
+<file path=ppt/slides/slide4.xml><?xml version="1.0" encoding="utf-8"?>
+<p:sld xmlns:a="http://schemas.openxmlformats.org/drawingml/2006/main" xmlns:r="http://schemas.openxmlformats.org/officeDocument/2006/relationships" xmlns:p="http://schemas.openxmlformats.org/presentationml/2006/main">
+  <p:cSld>
+    <p:spTree>
+      <p:nvGrpSpPr>
+        <p:cNvPr id="1" name=""/>
+        <p:cNvGrpSpPr/>
+        <p:nvPr/>
+      </p:nvGrpSpPr>
+      <p:grpSpPr>
+        <a:xfrm>
+          <a:off x="0" y="0"/>
+          <a:ext cx="0" cy="0"/>
+          <a:chOff x="0" y="0"/>
+          <a:chExt cx="0" cy="0"/>
+        </a:xfrm>
+      </p:grpSpPr>
+      <p:pic>
+        <p:nvPicPr>
           <p:cNvPr id="8" name="図 7">
             <a:extLst>
               <a:ext uri="{FF2B5EF4-FFF2-40B4-BE49-F238E27FC236}">
@@ -26432,997 +28045,6 @@
     <p:extLst>
       <p:ext uri="{BB962C8B-B14F-4D97-AF65-F5344CB8AC3E}">
         <p14:creationId xmlns:p14="http://schemas.microsoft.com/office/powerpoint/2010/main" val="874537761"/>
-      </p:ext>
-    </p:extLst>
-  </p:cSld>
-  <p:clrMapOvr>
-    <a:masterClrMapping/>
-  </p:clrMapOvr>
-</p:sld>
-</file>
-
-<file path=ppt/slides/slide4.xml><?xml version="1.0" encoding="utf-8"?>
-<p:sld xmlns:a="http://schemas.openxmlformats.org/drawingml/2006/main" xmlns:r="http://schemas.openxmlformats.org/officeDocument/2006/relationships" xmlns:p="http://schemas.openxmlformats.org/presentationml/2006/main">
-  <p:cSld>
-    <p:spTree>
-      <p:nvGrpSpPr>
-        <p:cNvPr id="1" name=""/>
-        <p:cNvGrpSpPr/>
-        <p:nvPr/>
-      </p:nvGrpSpPr>
-      <p:grpSpPr>
-        <a:xfrm>
-          <a:off x="0" y="0"/>
-          <a:ext cx="0" cy="0"/>
-          <a:chOff x="0" y="0"/>
-          <a:chExt cx="0" cy="0"/>
-        </a:xfrm>
-      </p:grpSpPr>
-      <p:pic>
-        <p:nvPicPr>
-          <p:cNvPr id="4" name="図 3">
-            <a:extLst>
-              <a:ext uri="{FF2B5EF4-FFF2-40B4-BE49-F238E27FC236}">
-                <a16:creationId xmlns:a16="http://schemas.microsoft.com/office/drawing/2014/main" id="{795F5A77-8FC5-9E66-7D4C-5D4E4C87AB47}"/>
-              </a:ext>
-            </a:extLst>
-          </p:cNvPr>
-          <p:cNvPicPr>
-            <a:picLocks noChangeAspect="1"/>
-          </p:cNvPicPr>
-          <p:nvPr/>
-        </p:nvPicPr>
-        <p:blipFill>
-          <a:blip r:embed="rId2"/>
-          <a:stretch>
-            <a:fillRect/>
-          </a:stretch>
-        </p:blipFill>
-        <p:spPr>
-          <a:xfrm>
-            <a:off x="-175577" y="-79314"/>
-            <a:ext cx="12367577" cy="6937314"/>
-          </a:xfrm>
-          <a:prstGeom prst="rect">
-            <a:avLst/>
-          </a:prstGeom>
-        </p:spPr>
-      </p:pic>
-      <p:sp>
-        <p:nvSpPr>
-          <p:cNvPr id="12" name="テキスト ボックス 11">
-            <a:extLst>
-              <a:ext uri="{FF2B5EF4-FFF2-40B4-BE49-F238E27FC236}">
-                <a16:creationId xmlns:a16="http://schemas.microsoft.com/office/drawing/2014/main" id="{5DBF687F-9D82-FCD3-AAFD-31A0C6E43358}"/>
-              </a:ext>
-            </a:extLst>
-          </p:cNvPr>
-          <p:cNvSpPr txBox="1"/>
-          <p:nvPr/>
-        </p:nvSpPr>
-        <p:spPr>
-          <a:xfrm>
-            <a:off x="0" y="0"/>
-            <a:ext cx="12192000" cy="6858000"/>
-          </a:xfrm>
-          <a:prstGeom prst="rect">
-            <a:avLst/>
-          </a:prstGeom>
-          <a:solidFill>
-            <a:srgbClr val="7F7F7F">
-              <a:alpha val="47059"/>
-            </a:srgbClr>
-          </a:solidFill>
-          <a:ln>
-            <a:noFill/>
-          </a:ln>
-        </p:spPr>
-        <p:txBody>
-          <a:bodyPr wrap="square" rtlCol="0">
-            <a:spAutoFit/>
-          </a:bodyPr>
-          <a:lstStyle/>
-          <a:p>
-            <a:endParaRPr kumimoji="1" lang="ja-JP" altLang="en-US" dirty="0">
-              <a:solidFill>
-                <a:srgbClr val="FF0000"/>
-              </a:solidFill>
-            </a:endParaRPr>
-          </a:p>
-        </p:txBody>
-      </p:sp>
-      <p:cxnSp>
-        <p:nvCxnSpPr>
-          <p:cNvPr id="6" name="直線矢印コネクタ 5">
-            <a:extLst>
-              <a:ext uri="{FF2B5EF4-FFF2-40B4-BE49-F238E27FC236}">
-                <a16:creationId xmlns:a16="http://schemas.microsoft.com/office/drawing/2014/main" id="{A171ECD2-FD88-BF5A-C216-413A66C2A687}"/>
-              </a:ext>
-            </a:extLst>
-          </p:cNvPr>
-          <p:cNvCxnSpPr>
-            <a:cxnSpLocks/>
-          </p:cNvCxnSpPr>
-          <p:nvPr/>
-        </p:nvCxnSpPr>
-        <p:spPr>
-          <a:xfrm>
-            <a:off x="939800" y="0"/>
-            <a:ext cx="0" cy="768350"/>
-          </a:xfrm>
-          <a:prstGeom prst="straightConnector1">
-            <a:avLst/>
-          </a:prstGeom>
-          <a:ln>
-            <a:solidFill>
-              <a:srgbClr val="FF0000"/>
-            </a:solidFill>
-            <a:headEnd type="triangle"/>
-            <a:tailEnd type="triangle"/>
-          </a:ln>
-        </p:spPr>
-        <p:style>
-          <a:lnRef idx="1">
-            <a:schemeClr val="accent1"/>
-          </a:lnRef>
-          <a:fillRef idx="0">
-            <a:schemeClr val="accent1"/>
-          </a:fillRef>
-          <a:effectRef idx="0">
-            <a:schemeClr val="accent1"/>
-          </a:effectRef>
-          <a:fontRef idx="minor">
-            <a:schemeClr val="tx1"/>
-          </a:fontRef>
-        </p:style>
-      </p:cxnSp>
-      <p:cxnSp>
-        <p:nvCxnSpPr>
-          <p:cNvPr id="8" name="直線矢印コネクタ 7">
-            <a:extLst>
-              <a:ext uri="{FF2B5EF4-FFF2-40B4-BE49-F238E27FC236}">
-                <a16:creationId xmlns:a16="http://schemas.microsoft.com/office/drawing/2014/main" id="{35DF19DF-62EE-FD5A-A68F-75D29DCF5AFC}"/>
-              </a:ext>
-            </a:extLst>
-          </p:cNvPr>
-          <p:cNvCxnSpPr>
-            <a:cxnSpLocks/>
-          </p:cNvCxnSpPr>
-          <p:nvPr/>
-        </p:nvCxnSpPr>
-        <p:spPr>
-          <a:xfrm>
-            <a:off x="0" y="952500"/>
-            <a:ext cx="190500" cy="0"/>
-          </a:xfrm>
-          <a:prstGeom prst="straightConnector1">
-            <a:avLst/>
-          </a:prstGeom>
-          <a:ln>
-            <a:solidFill>
-              <a:srgbClr val="FF0000"/>
-            </a:solidFill>
-            <a:headEnd type="triangle"/>
-            <a:tailEnd type="triangle"/>
-          </a:ln>
-        </p:spPr>
-        <p:style>
-          <a:lnRef idx="1">
-            <a:schemeClr val="accent1"/>
-          </a:lnRef>
-          <a:fillRef idx="0">
-            <a:schemeClr val="accent1"/>
-          </a:fillRef>
-          <a:effectRef idx="0">
-            <a:schemeClr val="accent1"/>
-          </a:effectRef>
-          <a:fontRef idx="minor">
-            <a:schemeClr val="tx1"/>
-          </a:fontRef>
-        </p:style>
-      </p:cxnSp>
-      <p:sp>
-        <p:nvSpPr>
-          <p:cNvPr id="11" name="テキスト ボックス 10">
-            <a:extLst>
-              <a:ext uri="{FF2B5EF4-FFF2-40B4-BE49-F238E27FC236}">
-                <a16:creationId xmlns:a16="http://schemas.microsoft.com/office/drawing/2014/main" id="{96B882E8-81AB-1A6B-45E9-8AD78EDD8469}"/>
-              </a:ext>
-            </a:extLst>
-          </p:cNvPr>
-          <p:cNvSpPr txBox="1"/>
-          <p:nvPr/>
-        </p:nvSpPr>
-        <p:spPr>
-          <a:xfrm>
-            <a:off x="3352800" y="199509"/>
-            <a:ext cx="1543050" cy="369332"/>
-          </a:xfrm>
-          <a:prstGeom prst="rect">
-            <a:avLst/>
-          </a:prstGeom>
-          <a:noFill/>
-        </p:spPr>
-        <p:txBody>
-          <a:bodyPr wrap="square" rtlCol="0">
-            <a:spAutoFit/>
-          </a:bodyPr>
-          <a:lstStyle/>
-          <a:p>
-            <a:r>
-              <a:rPr kumimoji="1" lang="en-US" altLang="ja-JP" dirty="0">
-                <a:solidFill>
-                  <a:srgbClr val="FF0000"/>
-                </a:solidFill>
-              </a:rPr>
-              <a:t>240px</a:t>
-            </a:r>
-            <a:endParaRPr kumimoji="1" lang="ja-JP" altLang="en-US" dirty="0">
-              <a:solidFill>
-                <a:srgbClr val="FF0000"/>
-              </a:solidFill>
-            </a:endParaRPr>
-          </a:p>
-        </p:txBody>
-      </p:sp>
-      <p:sp>
-        <p:nvSpPr>
-          <p:cNvPr id="13" name="テキスト ボックス 12">
-            <a:extLst>
-              <a:ext uri="{FF2B5EF4-FFF2-40B4-BE49-F238E27FC236}">
-                <a16:creationId xmlns:a16="http://schemas.microsoft.com/office/drawing/2014/main" id="{6D7DB1F3-64C6-C9B4-BA94-5C345C25E55F}"/>
-              </a:ext>
-            </a:extLst>
-          </p:cNvPr>
-          <p:cNvSpPr txBox="1"/>
-          <p:nvPr/>
-        </p:nvSpPr>
-        <p:spPr>
-          <a:xfrm>
-            <a:off x="190500" y="1031815"/>
-            <a:ext cx="1543050" cy="369332"/>
-          </a:xfrm>
-          <a:prstGeom prst="rect">
-            <a:avLst/>
-          </a:prstGeom>
-          <a:noFill/>
-        </p:spPr>
-        <p:txBody>
-          <a:bodyPr wrap="square" rtlCol="0">
-            <a:spAutoFit/>
-          </a:bodyPr>
-          <a:lstStyle/>
-          <a:p>
-            <a:r>
-              <a:rPr kumimoji="1" lang="en-US" altLang="ja-JP" dirty="0" err="1">
-                <a:solidFill>
-                  <a:srgbClr val="FF0000"/>
-                </a:solidFill>
-              </a:rPr>
-              <a:t>LeftContent</a:t>
-            </a:r>
-            <a:endParaRPr kumimoji="1" lang="ja-JP" altLang="en-US" dirty="0">
-              <a:solidFill>
-                <a:srgbClr val="FF0000"/>
-              </a:solidFill>
-            </a:endParaRPr>
-          </a:p>
-        </p:txBody>
-      </p:sp>
-      <p:sp>
-        <p:nvSpPr>
-          <p:cNvPr id="14" name="テキスト ボックス 13">
-            <a:extLst>
-              <a:ext uri="{FF2B5EF4-FFF2-40B4-BE49-F238E27FC236}">
-                <a16:creationId xmlns:a16="http://schemas.microsoft.com/office/drawing/2014/main" id="{0238918F-52D3-61B3-5794-BFB80B0B3845}"/>
-              </a:ext>
-            </a:extLst>
-          </p:cNvPr>
-          <p:cNvSpPr txBox="1"/>
-          <p:nvPr/>
-        </p:nvSpPr>
-        <p:spPr>
-          <a:xfrm>
-            <a:off x="8337550" y="1401147"/>
-            <a:ext cx="1701800" cy="369332"/>
-          </a:xfrm>
-          <a:prstGeom prst="rect">
-            <a:avLst/>
-          </a:prstGeom>
-          <a:noFill/>
-        </p:spPr>
-        <p:txBody>
-          <a:bodyPr wrap="square" rtlCol="0">
-            <a:spAutoFit/>
-          </a:bodyPr>
-          <a:lstStyle/>
-          <a:p>
-            <a:r>
-              <a:rPr kumimoji="1" lang="en-US" altLang="ja-JP" dirty="0" err="1">
-                <a:solidFill>
-                  <a:srgbClr val="FF0000"/>
-                </a:solidFill>
-              </a:rPr>
-              <a:t>RightContent</a:t>
-            </a:r>
-            <a:endParaRPr kumimoji="1" lang="ja-JP" altLang="en-US" dirty="0">
-              <a:solidFill>
-                <a:srgbClr val="FF0000"/>
-              </a:solidFill>
-            </a:endParaRPr>
-          </a:p>
-        </p:txBody>
-      </p:sp>
-      <p:sp>
-        <p:nvSpPr>
-          <p:cNvPr id="15" name="テキスト ボックス 14">
-            <a:extLst>
-              <a:ext uri="{FF2B5EF4-FFF2-40B4-BE49-F238E27FC236}">
-                <a16:creationId xmlns:a16="http://schemas.microsoft.com/office/drawing/2014/main" id="{CD08B06D-EEC4-07F3-D247-5F86AAB5769D}"/>
-              </a:ext>
-            </a:extLst>
-          </p:cNvPr>
-          <p:cNvSpPr txBox="1"/>
-          <p:nvPr/>
-        </p:nvSpPr>
-        <p:spPr>
-          <a:xfrm>
-            <a:off x="4895850" y="6437033"/>
-            <a:ext cx="1911350" cy="369332"/>
-          </a:xfrm>
-          <a:prstGeom prst="rect">
-            <a:avLst/>
-          </a:prstGeom>
-          <a:noFill/>
-        </p:spPr>
-        <p:txBody>
-          <a:bodyPr wrap="square" rtlCol="0">
-            <a:spAutoFit/>
-          </a:bodyPr>
-          <a:lstStyle/>
-          <a:p>
-            <a:r>
-              <a:rPr kumimoji="1" lang="en-US" altLang="ja-JP" dirty="0">
-                <a:solidFill>
-                  <a:srgbClr val="FF0000"/>
-                </a:solidFill>
-              </a:rPr>
-              <a:t>footer</a:t>
-            </a:r>
-            <a:endParaRPr kumimoji="1" lang="ja-JP" altLang="en-US" dirty="0">
-              <a:solidFill>
-                <a:srgbClr val="FF0000"/>
-              </a:solidFill>
-            </a:endParaRPr>
-          </a:p>
-        </p:txBody>
-      </p:sp>
-      <p:sp>
-        <p:nvSpPr>
-          <p:cNvPr id="16" name="テキスト ボックス 15">
-            <a:extLst>
-              <a:ext uri="{FF2B5EF4-FFF2-40B4-BE49-F238E27FC236}">
-                <a16:creationId xmlns:a16="http://schemas.microsoft.com/office/drawing/2014/main" id="{4603AFFE-F0EB-C625-BD0D-5A507D71E925}"/>
-              </a:ext>
-            </a:extLst>
-          </p:cNvPr>
-          <p:cNvSpPr txBox="1"/>
-          <p:nvPr/>
-        </p:nvSpPr>
-        <p:spPr>
-          <a:xfrm>
-            <a:off x="4849336" y="460316"/>
-            <a:ext cx="2317750" cy="369332"/>
-          </a:xfrm>
-          <a:prstGeom prst="rect">
-            <a:avLst/>
-          </a:prstGeom>
-          <a:noFill/>
-        </p:spPr>
-        <p:txBody>
-          <a:bodyPr wrap="square" rtlCol="0">
-            <a:spAutoFit/>
-          </a:bodyPr>
-          <a:lstStyle/>
-          <a:p>
-            <a:r>
-              <a:rPr kumimoji="1" lang="en-US" altLang="ja-JP" dirty="0" err="1">
-                <a:solidFill>
-                  <a:srgbClr val="FF0000"/>
-                </a:solidFill>
-              </a:rPr>
-              <a:t>NavigationMenu</a:t>
-            </a:r>
-            <a:endParaRPr kumimoji="1" lang="ja-JP" altLang="en-US" dirty="0">
-              <a:solidFill>
-                <a:srgbClr val="FF0000"/>
-              </a:solidFill>
-            </a:endParaRPr>
-          </a:p>
-        </p:txBody>
-      </p:sp>
-      <p:sp>
-        <p:nvSpPr>
-          <p:cNvPr id="17" name="テキスト ボックス 16">
-            <a:extLst>
-              <a:ext uri="{FF2B5EF4-FFF2-40B4-BE49-F238E27FC236}">
-                <a16:creationId xmlns:a16="http://schemas.microsoft.com/office/drawing/2014/main" id="{DC535850-FA49-0089-5A80-9FC3DB2FD50C}"/>
-              </a:ext>
-            </a:extLst>
-          </p:cNvPr>
-          <p:cNvSpPr txBox="1"/>
-          <p:nvPr/>
-        </p:nvSpPr>
-        <p:spPr>
-          <a:xfrm>
-            <a:off x="-175578" y="543511"/>
-            <a:ext cx="1543050" cy="369332"/>
-          </a:xfrm>
-          <a:prstGeom prst="rect">
-            <a:avLst/>
-          </a:prstGeom>
-          <a:noFill/>
-        </p:spPr>
-        <p:txBody>
-          <a:bodyPr wrap="square" rtlCol="0">
-            <a:spAutoFit/>
-          </a:bodyPr>
-          <a:lstStyle/>
-          <a:p>
-            <a:r>
-              <a:rPr kumimoji="1" lang="en-US" altLang="ja-JP" dirty="0">
-                <a:solidFill>
-                  <a:srgbClr val="FF0000"/>
-                </a:solidFill>
-              </a:rPr>
-              <a:t>20px</a:t>
-            </a:r>
-            <a:endParaRPr kumimoji="1" lang="ja-JP" altLang="en-US" dirty="0">
-              <a:solidFill>
-                <a:srgbClr val="FF0000"/>
-              </a:solidFill>
-            </a:endParaRPr>
-          </a:p>
-        </p:txBody>
-      </p:sp>
-      <p:cxnSp>
-        <p:nvCxnSpPr>
-          <p:cNvPr id="18" name="直線矢印コネクタ 17">
-            <a:extLst>
-              <a:ext uri="{FF2B5EF4-FFF2-40B4-BE49-F238E27FC236}">
-                <a16:creationId xmlns:a16="http://schemas.microsoft.com/office/drawing/2014/main" id="{A5FF8A9F-EE85-7EA7-417B-8A77B70389E8}"/>
-              </a:ext>
-            </a:extLst>
-          </p:cNvPr>
-          <p:cNvCxnSpPr>
-            <a:cxnSpLocks/>
-          </p:cNvCxnSpPr>
-          <p:nvPr/>
-        </p:nvCxnSpPr>
-        <p:spPr>
-          <a:xfrm>
-            <a:off x="2998491" y="481017"/>
-            <a:ext cx="0" cy="287333"/>
-          </a:xfrm>
-          <a:prstGeom prst="straightConnector1">
-            <a:avLst/>
-          </a:prstGeom>
-          <a:ln>
-            <a:solidFill>
-              <a:srgbClr val="FF0000"/>
-            </a:solidFill>
-            <a:headEnd type="triangle"/>
-            <a:tailEnd type="triangle"/>
-          </a:ln>
-        </p:spPr>
-        <p:style>
-          <a:lnRef idx="1">
-            <a:schemeClr val="accent1"/>
-          </a:lnRef>
-          <a:fillRef idx="0">
-            <a:schemeClr val="accent1"/>
-          </a:fillRef>
-          <a:effectRef idx="0">
-            <a:schemeClr val="accent1"/>
-          </a:effectRef>
-          <a:fontRef idx="minor">
-            <a:schemeClr val="tx1"/>
-          </a:fontRef>
-        </p:style>
-      </p:cxnSp>
-      <p:cxnSp>
-        <p:nvCxnSpPr>
-          <p:cNvPr id="21" name="直線矢印コネクタ 20">
-            <a:extLst>
-              <a:ext uri="{FF2B5EF4-FFF2-40B4-BE49-F238E27FC236}">
-                <a16:creationId xmlns:a16="http://schemas.microsoft.com/office/drawing/2014/main" id="{279C25B1-1F4B-45F5-5D0F-0D81952A7661}"/>
-              </a:ext>
-            </a:extLst>
-          </p:cNvPr>
-          <p:cNvCxnSpPr>
-            <a:cxnSpLocks/>
-          </p:cNvCxnSpPr>
-          <p:nvPr/>
-        </p:nvCxnSpPr>
-        <p:spPr>
-          <a:xfrm>
-            <a:off x="2998491" y="481017"/>
-            <a:ext cx="1523140" cy="0"/>
-          </a:xfrm>
-          <a:prstGeom prst="straightConnector1">
-            <a:avLst/>
-          </a:prstGeom>
-          <a:ln>
-            <a:solidFill>
-              <a:srgbClr val="FF0000"/>
-            </a:solidFill>
-            <a:headEnd type="triangle"/>
-            <a:tailEnd type="triangle"/>
-          </a:ln>
-        </p:spPr>
-        <p:style>
-          <a:lnRef idx="1">
-            <a:schemeClr val="accent1"/>
-          </a:lnRef>
-          <a:fillRef idx="0">
-            <a:schemeClr val="accent1"/>
-          </a:fillRef>
-          <a:effectRef idx="0">
-            <a:schemeClr val="accent1"/>
-          </a:effectRef>
-          <a:fontRef idx="minor">
-            <a:schemeClr val="tx1"/>
-          </a:fontRef>
-        </p:style>
-      </p:cxnSp>
-      <p:sp>
-        <p:nvSpPr>
-          <p:cNvPr id="23" name="テキスト ボックス 22">
-            <a:extLst>
-              <a:ext uri="{FF2B5EF4-FFF2-40B4-BE49-F238E27FC236}">
-                <a16:creationId xmlns:a16="http://schemas.microsoft.com/office/drawing/2014/main" id="{5C54DD7C-3EC0-B211-1ADD-87D6EC850BE1}"/>
-              </a:ext>
-            </a:extLst>
-          </p:cNvPr>
-          <p:cNvSpPr txBox="1"/>
-          <p:nvPr/>
-        </p:nvSpPr>
-        <p:spPr>
-          <a:xfrm>
-            <a:off x="2370909" y="228869"/>
-            <a:ext cx="1543050" cy="369332"/>
-          </a:xfrm>
-          <a:prstGeom prst="rect">
-            <a:avLst/>
-          </a:prstGeom>
-          <a:noFill/>
-        </p:spPr>
-        <p:txBody>
-          <a:bodyPr wrap="square" rtlCol="0">
-            <a:spAutoFit/>
-          </a:bodyPr>
-          <a:lstStyle/>
-          <a:p>
-            <a:r>
-              <a:rPr kumimoji="1" lang="en-US" altLang="ja-JP" dirty="0">
-                <a:solidFill>
-                  <a:srgbClr val="FF0000"/>
-                </a:solidFill>
-              </a:rPr>
-              <a:t>50px</a:t>
-            </a:r>
-            <a:endParaRPr kumimoji="1" lang="ja-JP" altLang="en-US" dirty="0">
-              <a:solidFill>
-                <a:srgbClr val="FF0000"/>
-              </a:solidFill>
-            </a:endParaRPr>
-          </a:p>
-        </p:txBody>
-      </p:sp>
-      <p:cxnSp>
-        <p:nvCxnSpPr>
-          <p:cNvPr id="24" name="直線矢印コネクタ 23">
-            <a:extLst>
-              <a:ext uri="{FF2B5EF4-FFF2-40B4-BE49-F238E27FC236}">
-                <a16:creationId xmlns:a16="http://schemas.microsoft.com/office/drawing/2014/main" id="{7F04FE56-AD01-1029-1821-385753DDC198}"/>
-              </a:ext>
-            </a:extLst>
-          </p:cNvPr>
-          <p:cNvCxnSpPr>
-            <a:cxnSpLocks/>
-          </p:cNvCxnSpPr>
-          <p:nvPr/>
-        </p:nvCxnSpPr>
-        <p:spPr>
-          <a:xfrm>
-            <a:off x="5024895" y="5758"/>
-            <a:ext cx="0" cy="475259"/>
-          </a:xfrm>
-          <a:prstGeom prst="straightConnector1">
-            <a:avLst/>
-          </a:prstGeom>
-          <a:ln>
-            <a:solidFill>
-              <a:srgbClr val="FF0000"/>
-            </a:solidFill>
-            <a:headEnd type="triangle"/>
-            <a:tailEnd type="triangle"/>
-          </a:ln>
-        </p:spPr>
-        <p:style>
-          <a:lnRef idx="1">
-            <a:schemeClr val="accent1"/>
-          </a:lnRef>
-          <a:fillRef idx="0">
-            <a:schemeClr val="accent1"/>
-          </a:fillRef>
-          <a:effectRef idx="0">
-            <a:schemeClr val="accent1"/>
-          </a:effectRef>
-          <a:fontRef idx="minor">
-            <a:schemeClr val="tx1"/>
-          </a:fontRef>
-        </p:style>
-      </p:cxnSp>
-      <p:sp>
-        <p:nvSpPr>
-          <p:cNvPr id="26" name="テキスト ボックス 25">
-            <a:extLst>
-              <a:ext uri="{FF2B5EF4-FFF2-40B4-BE49-F238E27FC236}">
-                <a16:creationId xmlns:a16="http://schemas.microsoft.com/office/drawing/2014/main" id="{6842111F-E907-0924-EDB0-5A6A3A7A632D}"/>
-              </a:ext>
-            </a:extLst>
-          </p:cNvPr>
-          <p:cNvSpPr txBox="1"/>
-          <p:nvPr/>
-        </p:nvSpPr>
-        <p:spPr>
-          <a:xfrm>
-            <a:off x="1017850" y="268390"/>
-            <a:ext cx="1543050" cy="369332"/>
-          </a:xfrm>
-          <a:prstGeom prst="rect">
-            <a:avLst/>
-          </a:prstGeom>
-          <a:noFill/>
-        </p:spPr>
-        <p:txBody>
-          <a:bodyPr wrap="square" rtlCol="0">
-            <a:spAutoFit/>
-          </a:bodyPr>
-          <a:lstStyle/>
-          <a:p>
-            <a:r>
-              <a:rPr kumimoji="1" lang="en-US" altLang="ja-JP" dirty="0">
-                <a:solidFill>
-                  <a:srgbClr val="FF0000"/>
-                </a:solidFill>
-              </a:rPr>
-              <a:t>80px</a:t>
-            </a:r>
-            <a:endParaRPr kumimoji="1" lang="ja-JP" altLang="en-US" dirty="0">
-              <a:solidFill>
-                <a:srgbClr val="FF0000"/>
-              </a:solidFill>
-            </a:endParaRPr>
-          </a:p>
-        </p:txBody>
-      </p:sp>
-      <p:sp>
-        <p:nvSpPr>
-          <p:cNvPr id="27" name="テキスト ボックス 26">
-            <a:extLst>
-              <a:ext uri="{FF2B5EF4-FFF2-40B4-BE49-F238E27FC236}">
-                <a16:creationId xmlns:a16="http://schemas.microsoft.com/office/drawing/2014/main" id="{A2BB1269-A150-33E2-6824-59D9C489D6B7}"/>
-              </a:ext>
-            </a:extLst>
-          </p:cNvPr>
-          <p:cNvSpPr txBox="1"/>
-          <p:nvPr/>
-        </p:nvSpPr>
-        <p:spPr>
-          <a:xfrm>
-            <a:off x="5143438" y="39349"/>
-            <a:ext cx="1543050" cy="369332"/>
-          </a:xfrm>
-          <a:prstGeom prst="rect">
-            <a:avLst/>
-          </a:prstGeom>
-          <a:noFill/>
-        </p:spPr>
-        <p:txBody>
-          <a:bodyPr wrap="square" rtlCol="0">
-            <a:spAutoFit/>
-          </a:bodyPr>
-          <a:lstStyle/>
-          <a:p>
-            <a:r>
-              <a:rPr kumimoji="1" lang="en-US" altLang="ja-JP" dirty="0">
-                <a:solidFill>
-                  <a:srgbClr val="FF0000"/>
-                </a:solidFill>
-              </a:rPr>
-              <a:t>30px</a:t>
-            </a:r>
-            <a:endParaRPr kumimoji="1" lang="ja-JP" altLang="en-US" dirty="0">
-              <a:solidFill>
-                <a:srgbClr val="FF0000"/>
-              </a:solidFill>
-            </a:endParaRPr>
-          </a:p>
-        </p:txBody>
-      </p:sp>
-      <p:cxnSp>
-        <p:nvCxnSpPr>
-          <p:cNvPr id="28" name="直線矢印コネクタ 27">
-            <a:extLst>
-              <a:ext uri="{FF2B5EF4-FFF2-40B4-BE49-F238E27FC236}">
-                <a16:creationId xmlns:a16="http://schemas.microsoft.com/office/drawing/2014/main" id="{2BF0F8CA-8C4F-41A3-A5D1-5FAA69FF247E}"/>
-              </a:ext>
-            </a:extLst>
-          </p:cNvPr>
-          <p:cNvCxnSpPr>
-            <a:cxnSpLocks/>
-          </p:cNvCxnSpPr>
-          <p:nvPr/>
-        </p:nvCxnSpPr>
-        <p:spPr>
-          <a:xfrm>
-            <a:off x="178230" y="1660180"/>
-            <a:ext cx="1611145" cy="0"/>
-          </a:xfrm>
-          <a:prstGeom prst="straightConnector1">
-            <a:avLst/>
-          </a:prstGeom>
-          <a:ln>
-            <a:solidFill>
-              <a:srgbClr val="FF0000"/>
-            </a:solidFill>
-            <a:headEnd type="triangle"/>
-            <a:tailEnd type="triangle"/>
-          </a:ln>
-        </p:spPr>
-        <p:style>
-          <a:lnRef idx="1">
-            <a:schemeClr val="accent1"/>
-          </a:lnRef>
-          <a:fillRef idx="0">
-            <a:schemeClr val="accent1"/>
-          </a:fillRef>
-          <a:effectRef idx="0">
-            <a:schemeClr val="accent1"/>
-          </a:effectRef>
-          <a:fontRef idx="minor">
-            <a:schemeClr val="tx1"/>
-          </a:fontRef>
-        </p:style>
-      </p:cxnSp>
-      <p:sp>
-        <p:nvSpPr>
-          <p:cNvPr id="30" name="テキスト ボックス 29">
-            <a:extLst>
-              <a:ext uri="{FF2B5EF4-FFF2-40B4-BE49-F238E27FC236}">
-                <a16:creationId xmlns:a16="http://schemas.microsoft.com/office/drawing/2014/main" id="{499FCA09-2319-3EFA-F95D-B3BB54E9EAAB}"/>
-              </a:ext>
-            </a:extLst>
-          </p:cNvPr>
-          <p:cNvSpPr txBox="1"/>
-          <p:nvPr/>
-        </p:nvSpPr>
-        <p:spPr>
-          <a:xfrm>
-            <a:off x="609600" y="1650238"/>
-            <a:ext cx="1543050" cy="369332"/>
-          </a:xfrm>
-          <a:prstGeom prst="rect">
-            <a:avLst/>
-          </a:prstGeom>
-          <a:noFill/>
-        </p:spPr>
-        <p:txBody>
-          <a:bodyPr wrap="square" rtlCol="0">
-            <a:spAutoFit/>
-          </a:bodyPr>
-          <a:lstStyle/>
-          <a:p>
-            <a:r>
-              <a:rPr kumimoji="1" lang="en-US" altLang="ja-JP" dirty="0">
-                <a:solidFill>
-                  <a:srgbClr val="FF0000"/>
-                </a:solidFill>
-              </a:rPr>
-              <a:t>300px</a:t>
-            </a:r>
-            <a:endParaRPr kumimoji="1" lang="ja-JP" altLang="en-US" dirty="0">
-              <a:solidFill>
-                <a:srgbClr val="FF0000"/>
-              </a:solidFill>
-            </a:endParaRPr>
-          </a:p>
-        </p:txBody>
-      </p:sp>
-      <p:cxnSp>
-        <p:nvCxnSpPr>
-          <p:cNvPr id="31" name="直線矢印コネクタ 30">
-            <a:extLst>
-              <a:ext uri="{FF2B5EF4-FFF2-40B4-BE49-F238E27FC236}">
-                <a16:creationId xmlns:a16="http://schemas.microsoft.com/office/drawing/2014/main" id="{542810B1-E838-48A0-2EF7-8C46E459EF1B}"/>
-              </a:ext>
-            </a:extLst>
-          </p:cNvPr>
-          <p:cNvCxnSpPr>
-            <a:cxnSpLocks/>
-          </p:cNvCxnSpPr>
-          <p:nvPr/>
-        </p:nvCxnSpPr>
-        <p:spPr>
-          <a:xfrm>
-            <a:off x="1755327" y="1285638"/>
-            <a:ext cx="150965" cy="0"/>
-          </a:xfrm>
-          <a:prstGeom prst="straightConnector1">
-            <a:avLst/>
-          </a:prstGeom>
-          <a:ln>
-            <a:solidFill>
-              <a:srgbClr val="FF0000"/>
-            </a:solidFill>
-            <a:headEnd type="triangle"/>
-            <a:tailEnd type="triangle"/>
-          </a:ln>
-        </p:spPr>
-        <p:style>
-          <a:lnRef idx="1">
-            <a:schemeClr val="accent1"/>
-          </a:lnRef>
-          <a:fillRef idx="0">
-            <a:schemeClr val="accent1"/>
-          </a:fillRef>
-          <a:effectRef idx="0">
-            <a:schemeClr val="accent1"/>
-          </a:effectRef>
-          <a:fontRef idx="minor">
-            <a:schemeClr val="tx1"/>
-          </a:fontRef>
-        </p:style>
-      </p:cxnSp>
-      <p:sp>
-        <p:nvSpPr>
-          <p:cNvPr id="33" name="テキスト ボックス 32">
-            <a:extLst>
-              <a:ext uri="{FF2B5EF4-FFF2-40B4-BE49-F238E27FC236}">
-                <a16:creationId xmlns:a16="http://schemas.microsoft.com/office/drawing/2014/main" id="{3D4984D2-4835-F138-D2A9-B6EE3BD481A0}"/>
-              </a:ext>
-            </a:extLst>
-          </p:cNvPr>
-          <p:cNvSpPr txBox="1"/>
-          <p:nvPr/>
-        </p:nvSpPr>
-        <p:spPr>
-          <a:xfrm>
-            <a:off x="1733550" y="973656"/>
-            <a:ext cx="1543050" cy="369332"/>
-          </a:xfrm>
-          <a:prstGeom prst="rect">
-            <a:avLst/>
-          </a:prstGeom>
-          <a:noFill/>
-        </p:spPr>
-        <p:txBody>
-          <a:bodyPr wrap="square" rtlCol="0">
-            <a:spAutoFit/>
-          </a:bodyPr>
-          <a:lstStyle/>
-          <a:p>
-            <a:r>
-              <a:rPr kumimoji="1" lang="en-US" altLang="ja-JP" dirty="0">
-                <a:solidFill>
-                  <a:srgbClr val="FF0000"/>
-                </a:solidFill>
-              </a:rPr>
-              <a:t>20px</a:t>
-            </a:r>
-            <a:endParaRPr kumimoji="1" lang="ja-JP" altLang="en-US" dirty="0">
-              <a:solidFill>
-                <a:srgbClr val="FF0000"/>
-              </a:solidFill>
-            </a:endParaRPr>
-          </a:p>
-        </p:txBody>
-      </p:sp>
-      <p:cxnSp>
-        <p:nvCxnSpPr>
-          <p:cNvPr id="34" name="直線矢印コネクタ 33">
-            <a:extLst>
-              <a:ext uri="{FF2B5EF4-FFF2-40B4-BE49-F238E27FC236}">
-                <a16:creationId xmlns:a16="http://schemas.microsoft.com/office/drawing/2014/main" id="{EE26AB0D-E56A-6622-6806-69742AA1A801}"/>
-              </a:ext>
-            </a:extLst>
-          </p:cNvPr>
-          <p:cNvCxnSpPr>
-            <a:cxnSpLocks/>
-          </p:cNvCxnSpPr>
-          <p:nvPr/>
-        </p:nvCxnSpPr>
-        <p:spPr>
-          <a:xfrm>
-            <a:off x="1906292" y="768350"/>
-            <a:ext cx="1092199" cy="0"/>
-          </a:xfrm>
-          <a:prstGeom prst="straightConnector1">
-            <a:avLst/>
-          </a:prstGeom>
-          <a:ln>
-            <a:solidFill>
-              <a:srgbClr val="FF0000"/>
-            </a:solidFill>
-            <a:headEnd type="triangle"/>
-            <a:tailEnd type="triangle"/>
-          </a:ln>
-        </p:spPr>
-        <p:style>
-          <a:lnRef idx="1">
-            <a:schemeClr val="accent1"/>
-          </a:lnRef>
-          <a:fillRef idx="0">
-            <a:schemeClr val="accent1"/>
-          </a:fillRef>
-          <a:effectRef idx="0">
-            <a:schemeClr val="accent1"/>
-          </a:effectRef>
-          <a:fontRef idx="minor">
-            <a:schemeClr val="tx1"/>
-          </a:fontRef>
-        </p:style>
-      </p:cxnSp>
-      <p:sp>
-        <p:nvSpPr>
-          <p:cNvPr id="36" name="テキスト ボックス 35">
-            <a:extLst>
-              <a:ext uri="{FF2B5EF4-FFF2-40B4-BE49-F238E27FC236}">
-                <a16:creationId xmlns:a16="http://schemas.microsoft.com/office/drawing/2014/main" id="{9CDEA0A2-5F6C-9E0F-B59D-27F82FD4F053}"/>
-              </a:ext>
-            </a:extLst>
-          </p:cNvPr>
-          <p:cNvSpPr txBox="1"/>
-          <p:nvPr/>
-        </p:nvSpPr>
-        <p:spPr>
-          <a:xfrm>
-            <a:off x="2370909" y="738990"/>
-            <a:ext cx="1543050" cy="369332"/>
-          </a:xfrm>
-          <a:prstGeom prst="rect">
-            <a:avLst/>
-          </a:prstGeom>
-          <a:noFill/>
-        </p:spPr>
-        <p:txBody>
-          <a:bodyPr wrap="square" rtlCol="0">
-            <a:spAutoFit/>
-          </a:bodyPr>
-          <a:lstStyle/>
-          <a:p>
-            <a:r>
-              <a:rPr kumimoji="1" lang="en-US" altLang="ja-JP" dirty="0">
-                <a:solidFill>
-                  <a:srgbClr val="FF0000"/>
-                </a:solidFill>
-              </a:rPr>
-              <a:t>100px</a:t>
-            </a:r>
-            <a:endParaRPr kumimoji="1" lang="ja-JP" altLang="en-US" dirty="0">
-              <a:solidFill>
-                <a:srgbClr val="FF0000"/>
-              </a:solidFill>
-            </a:endParaRPr>
-          </a:p>
-        </p:txBody>
-      </p:sp>
-    </p:spTree>
-    <p:extLst>
-      <p:ext uri="{BB962C8B-B14F-4D97-AF65-F5344CB8AC3E}">
-        <p14:creationId xmlns:p14="http://schemas.microsoft.com/office/powerpoint/2010/main" val="2163347756"/>
       </p:ext>
     </p:extLst>
   </p:cSld>

--- a/ページデザイン.pptx
+++ b/ページデザイン.pptx
@@ -6,18 +6,19 @@
   </p:sldMasterIdLst>
   <p:sldIdLst>
     <p:sldId id="267" r:id="rId2"/>
-    <p:sldId id="268" r:id="rId3"/>
-    <p:sldId id="271" r:id="rId4"/>
-    <p:sldId id="270" r:id="rId5"/>
-    <p:sldId id="257" r:id="rId6"/>
-    <p:sldId id="260" r:id="rId7"/>
-    <p:sldId id="258" r:id="rId8"/>
-    <p:sldId id="259" r:id="rId9"/>
-    <p:sldId id="262" r:id="rId10"/>
-    <p:sldId id="263" r:id="rId11"/>
-    <p:sldId id="264" r:id="rId12"/>
-    <p:sldId id="265" r:id="rId13"/>
-    <p:sldId id="266" r:id="rId14"/>
+    <p:sldId id="272" r:id="rId3"/>
+    <p:sldId id="268" r:id="rId4"/>
+    <p:sldId id="271" r:id="rId5"/>
+    <p:sldId id="270" r:id="rId6"/>
+    <p:sldId id="257" r:id="rId7"/>
+    <p:sldId id="260" r:id="rId8"/>
+    <p:sldId id="258" r:id="rId9"/>
+    <p:sldId id="259" r:id="rId10"/>
+    <p:sldId id="262" r:id="rId11"/>
+    <p:sldId id="263" r:id="rId12"/>
+    <p:sldId id="264" r:id="rId13"/>
+    <p:sldId id="265" r:id="rId14"/>
+    <p:sldId id="266" r:id="rId15"/>
   </p:sldIdLst>
   <p:sldSz cx="12192000" cy="6858000"/>
   <p:notesSz cx="6858000" cy="9144000"/>
@@ -122,6 +123,7 @@
         <p14:section name="トップ" id="{BE0333C2-9A2B-4511-BB30-9ACCCFD3A2CC}">
           <p14:sldIdLst>
             <p14:sldId id="267"/>
+            <p14:sldId id="272"/>
             <p14:sldId id="268"/>
             <p14:sldId id="271"/>
             <p14:sldId id="270"/>
@@ -316,7 +318,7 @@
           <a:p>
             <a:fld id="{BABA1FC8-398B-47CD-8BE5-64901F5BCC36}" type="datetimeFigureOut">
               <a:rPr kumimoji="1" lang="ja-JP" altLang="en-US" smtClean="0"/>
-              <a:t>2024/3/30</a:t>
+              <a:t>2024/4/9</a:t>
             </a:fld>
             <a:endParaRPr kumimoji="1" lang="ja-JP" altLang="en-US"/>
           </a:p>
@@ -546,7 +548,7 @@
           <a:p>
             <a:fld id="{BABA1FC8-398B-47CD-8BE5-64901F5BCC36}" type="datetimeFigureOut">
               <a:rPr kumimoji="1" lang="ja-JP" altLang="en-US" smtClean="0"/>
-              <a:t>2024/3/30</a:t>
+              <a:t>2024/4/9</a:t>
             </a:fld>
             <a:endParaRPr kumimoji="1" lang="ja-JP" altLang="en-US"/>
           </a:p>
@@ -786,7 +788,7 @@
           <a:p>
             <a:fld id="{BABA1FC8-398B-47CD-8BE5-64901F5BCC36}" type="datetimeFigureOut">
               <a:rPr kumimoji="1" lang="ja-JP" altLang="en-US" smtClean="0"/>
-              <a:t>2024/3/30</a:t>
+              <a:t>2024/4/9</a:t>
             </a:fld>
             <a:endParaRPr kumimoji="1" lang="ja-JP" altLang="en-US"/>
           </a:p>
@@ -1016,7 +1018,7 @@
           <a:p>
             <a:fld id="{BABA1FC8-398B-47CD-8BE5-64901F5BCC36}" type="datetimeFigureOut">
               <a:rPr kumimoji="1" lang="ja-JP" altLang="en-US" smtClean="0"/>
-              <a:t>2024/3/30</a:t>
+              <a:t>2024/4/9</a:t>
             </a:fld>
             <a:endParaRPr kumimoji="1" lang="ja-JP" altLang="en-US"/>
           </a:p>
@@ -1291,7 +1293,7 @@
           <a:p>
             <a:fld id="{BABA1FC8-398B-47CD-8BE5-64901F5BCC36}" type="datetimeFigureOut">
               <a:rPr kumimoji="1" lang="ja-JP" altLang="en-US" smtClean="0"/>
-              <a:t>2024/3/30</a:t>
+              <a:t>2024/4/9</a:t>
             </a:fld>
             <a:endParaRPr kumimoji="1" lang="ja-JP" altLang="en-US"/>
           </a:p>
@@ -1620,7 +1622,7 @@
           <a:p>
             <a:fld id="{BABA1FC8-398B-47CD-8BE5-64901F5BCC36}" type="datetimeFigureOut">
               <a:rPr kumimoji="1" lang="ja-JP" altLang="en-US" smtClean="0"/>
-              <a:t>2024/3/30</a:t>
+              <a:t>2024/4/9</a:t>
             </a:fld>
             <a:endParaRPr kumimoji="1" lang="ja-JP" altLang="en-US"/>
           </a:p>
@@ -2096,7 +2098,7 @@
           <a:p>
             <a:fld id="{BABA1FC8-398B-47CD-8BE5-64901F5BCC36}" type="datetimeFigureOut">
               <a:rPr kumimoji="1" lang="ja-JP" altLang="en-US" smtClean="0"/>
-              <a:t>2024/3/30</a:t>
+              <a:t>2024/4/9</a:t>
             </a:fld>
             <a:endParaRPr kumimoji="1" lang="ja-JP" altLang="en-US"/>
           </a:p>
@@ -2237,7 +2239,7 @@
           <a:p>
             <a:fld id="{BABA1FC8-398B-47CD-8BE5-64901F5BCC36}" type="datetimeFigureOut">
               <a:rPr kumimoji="1" lang="ja-JP" altLang="en-US" smtClean="0"/>
-              <a:t>2024/3/30</a:t>
+              <a:t>2024/4/9</a:t>
             </a:fld>
             <a:endParaRPr kumimoji="1" lang="ja-JP" altLang="en-US"/>
           </a:p>
@@ -2350,7 +2352,7 @@
           <a:p>
             <a:fld id="{BABA1FC8-398B-47CD-8BE5-64901F5BCC36}" type="datetimeFigureOut">
               <a:rPr kumimoji="1" lang="ja-JP" altLang="en-US" smtClean="0"/>
-              <a:t>2024/3/30</a:t>
+              <a:t>2024/4/9</a:t>
             </a:fld>
             <a:endParaRPr kumimoji="1" lang="ja-JP" altLang="en-US"/>
           </a:p>
@@ -2693,7 +2695,7 @@
           <a:p>
             <a:fld id="{BABA1FC8-398B-47CD-8BE5-64901F5BCC36}" type="datetimeFigureOut">
               <a:rPr kumimoji="1" lang="ja-JP" altLang="en-US" smtClean="0"/>
-              <a:t>2024/3/30</a:t>
+              <a:t>2024/4/9</a:t>
             </a:fld>
             <a:endParaRPr kumimoji="1" lang="ja-JP" altLang="en-US"/>
           </a:p>
@@ -2981,7 +2983,7 @@
           <a:p>
             <a:fld id="{BABA1FC8-398B-47CD-8BE5-64901F5BCC36}" type="datetimeFigureOut">
               <a:rPr kumimoji="1" lang="ja-JP" altLang="en-US" smtClean="0"/>
-              <a:t>2024/3/30</a:t>
+              <a:t>2024/4/9</a:t>
             </a:fld>
             <a:endParaRPr kumimoji="1" lang="ja-JP" altLang="en-US"/>
           </a:p>
@@ -3254,7 +3256,7 @@
           <a:p>
             <a:fld id="{BABA1FC8-398B-47CD-8BE5-64901F5BCC36}" type="datetimeFigureOut">
               <a:rPr kumimoji="1" lang="ja-JP" altLang="en-US" smtClean="0"/>
-              <a:t>2024/3/30</a:t>
+              <a:t>2024/4/9</a:t>
             </a:fld>
             <a:endParaRPr kumimoji="1" lang="ja-JP" altLang="en-US"/>
           </a:p>
@@ -4249,7 +4251,7 @@
                 <a:noFill/>
               </a:ln>
               <a:effectLst>
-                <a:innerShdw blurRad="76200" dist="152400" dir="13500000">
+                <a:innerShdw blurRad="76200" dist="152400" dir="10800000">
                   <a:prstClr val="black">
                     <a:alpha val="50000"/>
                   </a:prstClr>
@@ -8591,6 +8593,3784 @@
 </file>
 
 <file path=ppt/slides/slide10.xml><?xml version="1.0" encoding="utf-8"?>
+<p:sld xmlns:a="http://schemas.openxmlformats.org/drawingml/2006/main" xmlns:r="http://schemas.openxmlformats.org/officeDocument/2006/relationships" xmlns:p="http://schemas.openxmlformats.org/presentationml/2006/main">
+  <p:cSld>
+    <p:spTree>
+      <p:nvGrpSpPr>
+        <p:cNvPr id="1" name="">
+          <a:extLst>
+            <a:ext uri="{FF2B5EF4-FFF2-40B4-BE49-F238E27FC236}">
+              <a16:creationId xmlns:a16="http://schemas.microsoft.com/office/drawing/2014/main" id="{FE073E69-EA10-0023-11BA-24CFE7936431}"/>
+            </a:ext>
+          </a:extLst>
+        </p:cNvPr>
+        <p:cNvGrpSpPr/>
+        <p:nvPr/>
+      </p:nvGrpSpPr>
+      <p:grpSpPr>
+        <a:xfrm>
+          <a:off x="0" y="0"/>
+          <a:ext cx="0" cy="0"/>
+          <a:chOff x="0" y="0"/>
+          <a:chExt cx="0" cy="0"/>
+        </a:xfrm>
+      </p:grpSpPr>
+      <p:sp>
+        <p:nvSpPr>
+          <p:cNvPr id="4" name="正方形/長方形 3">
+            <a:extLst>
+              <a:ext uri="{FF2B5EF4-FFF2-40B4-BE49-F238E27FC236}">
+                <a16:creationId xmlns:a16="http://schemas.microsoft.com/office/drawing/2014/main" id="{5C90A426-844F-4A71-5A24-0366C6F4F927}"/>
+              </a:ext>
+            </a:extLst>
+          </p:cNvPr>
+          <p:cNvSpPr/>
+          <p:nvPr/>
+        </p:nvSpPr>
+        <p:spPr>
+          <a:xfrm>
+            <a:off x="0" y="0"/>
+            <a:ext cx="12192000" cy="6858000"/>
+          </a:xfrm>
+          <a:prstGeom prst="rect">
+            <a:avLst/>
+          </a:prstGeom>
+          <a:solidFill>
+            <a:srgbClr val="ECEBCD"/>
+          </a:solidFill>
+          <a:ln>
+            <a:noFill/>
+          </a:ln>
+        </p:spPr>
+        <p:style>
+          <a:lnRef idx="2">
+            <a:schemeClr val="accent1">
+              <a:shade val="15000"/>
+            </a:schemeClr>
+          </a:lnRef>
+          <a:fillRef idx="1">
+            <a:schemeClr val="accent1"/>
+          </a:fillRef>
+          <a:effectRef idx="0">
+            <a:schemeClr val="accent1"/>
+          </a:effectRef>
+          <a:fontRef idx="minor">
+            <a:schemeClr val="lt1"/>
+          </a:fontRef>
+        </p:style>
+        <p:txBody>
+          <a:bodyPr rtlCol="0" anchor="ctr"/>
+          <a:lstStyle/>
+          <a:p>
+            <a:pPr algn="ctr"/>
+            <a:endParaRPr kumimoji="1" lang="ja-JP" altLang="en-US"/>
+          </a:p>
+        </p:txBody>
+      </p:sp>
+      <p:grpSp>
+        <p:nvGrpSpPr>
+          <p:cNvPr id="44" name="グループ化 43">
+            <a:extLst>
+              <a:ext uri="{FF2B5EF4-FFF2-40B4-BE49-F238E27FC236}">
+                <a16:creationId xmlns:a16="http://schemas.microsoft.com/office/drawing/2014/main" id="{A0102573-A6CD-2557-000A-9780A2AEAE15}"/>
+              </a:ext>
+            </a:extLst>
+          </p:cNvPr>
+          <p:cNvGrpSpPr/>
+          <p:nvPr/>
+        </p:nvGrpSpPr>
+        <p:grpSpPr>
+          <a:xfrm>
+            <a:off x="1893570" y="784858"/>
+            <a:ext cx="10001250" cy="5539729"/>
+            <a:chOff x="1893570" y="784858"/>
+            <a:chExt cx="10001250" cy="5539729"/>
+          </a:xfrm>
+        </p:grpSpPr>
+        <p:sp>
+          <p:nvSpPr>
+            <p:cNvPr id="11" name="正方形/長方形 10">
+              <a:extLst>
+                <a:ext uri="{FF2B5EF4-FFF2-40B4-BE49-F238E27FC236}">
+                  <a16:creationId xmlns:a16="http://schemas.microsoft.com/office/drawing/2014/main" id="{176EE672-DB23-8561-3213-FC63C79385DA}"/>
+                </a:ext>
+              </a:extLst>
+            </p:cNvPr>
+            <p:cNvSpPr/>
+            <p:nvPr/>
+          </p:nvSpPr>
+          <p:spPr>
+            <a:xfrm>
+              <a:off x="1893570" y="784858"/>
+              <a:ext cx="10001250" cy="5539729"/>
+            </a:xfrm>
+            <a:prstGeom prst="rect">
+              <a:avLst/>
+            </a:prstGeom>
+            <a:solidFill>
+              <a:schemeClr val="bg1"/>
+            </a:solidFill>
+            <a:ln>
+              <a:noFill/>
+            </a:ln>
+            <a:effectLst>
+              <a:outerShdw blurRad="50800" dist="152400" dir="2700000" algn="ctr" rotWithShape="0">
+                <a:srgbClr val="000000">
+                  <a:alpha val="43137"/>
+                </a:srgbClr>
+              </a:outerShdw>
+            </a:effectLst>
+          </p:spPr>
+          <p:style>
+            <a:lnRef idx="2">
+              <a:schemeClr val="accent1">
+                <a:shade val="15000"/>
+              </a:schemeClr>
+            </a:lnRef>
+            <a:fillRef idx="1">
+              <a:schemeClr val="accent1"/>
+            </a:fillRef>
+            <a:effectRef idx="0">
+              <a:schemeClr val="accent1"/>
+            </a:effectRef>
+            <a:fontRef idx="minor">
+              <a:schemeClr val="lt1"/>
+            </a:fontRef>
+          </p:style>
+          <p:txBody>
+            <a:bodyPr rtlCol="0" anchor="ctr"/>
+            <a:lstStyle/>
+            <a:p>
+              <a:pPr algn="ctr"/>
+              <a:endParaRPr kumimoji="1" lang="ja-JP" altLang="en-US"/>
+            </a:p>
+          </p:txBody>
+        </p:sp>
+        <p:grpSp>
+          <p:nvGrpSpPr>
+            <p:cNvPr id="43" name="グループ化 42">
+              <a:extLst>
+                <a:ext uri="{FF2B5EF4-FFF2-40B4-BE49-F238E27FC236}">
+                  <a16:creationId xmlns:a16="http://schemas.microsoft.com/office/drawing/2014/main" id="{C9CD1361-9505-4335-9A77-99168D4652D3}"/>
+                </a:ext>
+              </a:extLst>
+            </p:cNvPr>
+            <p:cNvGrpSpPr/>
+            <p:nvPr/>
+          </p:nvGrpSpPr>
+          <p:grpSpPr>
+            <a:xfrm>
+              <a:off x="1988820" y="894229"/>
+              <a:ext cx="252119" cy="5349329"/>
+              <a:chOff x="1988820" y="894229"/>
+              <a:chExt cx="252119" cy="5349329"/>
+            </a:xfrm>
+          </p:grpSpPr>
+          <p:sp>
+            <p:nvSpPr>
+              <p:cNvPr id="6" name="楕円 5">
+                <a:extLst>
+                  <a:ext uri="{FF2B5EF4-FFF2-40B4-BE49-F238E27FC236}">
+                    <a16:creationId xmlns:a16="http://schemas.microsoft.com/office/drawing/2014/main" id="{88F76ABE-6A7D-C844-F319-C01279EB2BBC}"/>
+                  </a:ext>
+                </a:extLst>
+              </p:cNvPr>
+              <p:cNvSpPr>
+                <a:spLocks noChangeAspect="1"/>
+              </p:cNvSpPr>
+              <p:nvPr/>
+            </p:nvSpPr>
+            <p:spPr>
+              <a:xfrm>
+                <a:off x="1988820" y="894229"/>
+                <a:ext cx="235320" cy="235320"/>
+              </a:xfrm>
+              <a:prstGeom prst="ellipse">
+                <a:avLst/>
+              </a:prstGeom>
+              <a:solidFill>
+                <a:srgbClr val="ECEBCD"/>
+              </a:solidFill>
+              <a:ln>
+                <a:noFill/>
+              </a:ln>
+              <a:effectLst>
+                <a:innerShdw blurRad="76200" dist="152400" dir="13500000">
+                  <a:prstClr val="black">
+                    <a:alpha val="50000"/>
+                  </a:prstClr>
+                </a:innerShdw>
+              </a:effectLst>
+            </p:spPr>
+            <p:style>
+              <a:lnRef idx="2">
+                <a:schemeClr val="accent1">
+                  <a:shade val="15000"/>
+                </a:schemeClr>
+              </a:lnRef>
+              <a:fillRef idx="1">
+                <a:schemeClr val="accent1"/>
+              </a:fillRef>
+              <a:effectRef idx="0">
+                <a:schemeClr val="accent1"/>
+              </a:effectRef>
+              <a:fontRef idx="minor">
+                <a:schemeClr val="lt1"/>
+              </a:fontRef>
+            </p:style>
+            <p:txBody>
+              <a:bodyPr rtlCol="0" anchor="ctr"/>
+              <a:lstStyle/>
+              <a:p>
+                <a:pPr algn="ctr"/>
+                <a:endParaRPr kumimoji="1" lang="ja-JP" altLang="en-US"/>
+              </a:p>
+            </p:txBody>
+          </p:sp>
+          <p:sp>
+            <p:nvSpPr>
+              <p:cNvPr id="8" name="楕円 7">
+                <a:extLst>
+                  <a:ext uri="{FF2B5EF4-FFF2-40B4-BE49-F238E27FC236}">
+                    <a16:creationId xmlns:a16="http://schemas.microsoft.com/office/drawing/2014/main" id="{2E159E7A-E84C-5321-87A7-14E526C02A4A}"/>
+                  </a:ext>
+                </a:extLst>
+              </p:cNvPr>
+              <p:cNvSpPr>
+                <a:spLocks noChangeAspect="1"/>
+              </p:cNvSpPr>
+              <p:nvPr/>
+            </p:nvSpPr>
+            <p:spPr>
+              <a:xfrm>
+                <a:off x="1988820" y="1288253"/>
+                <a:ext cx="235320" cy="235320"/>
+              </a:xfrm>
+              <a:prstGeom prst="ellipse">
+                <a:avLst/>
+              </a:prstGeom>
+              <a:solidFill>
+                <a:srgbClr val="ECEBCD"/>
+              </a:solidFill>
+              <a:ln>
+                <a:noFill/>
+              </a:ln>
+              <a:effectLst>
+                <a:innerShdw blurRad="76200" dist="152400" dir="13500000">
+                  <a:prstClr val="black">
+                    <a:alpha val="50000"/>
+                  </a:prstClr>
+                </a:innerShdw>
+              </a:effectLst>
+            </p:spPr>
+            <p:style>
+              <a:lnRef idx="2">
+                <a:schemeClr val="accent1">
+                  <a:shade val="15000"/>
+                </a:schemeClr>
+              </a:lnRef>
+              <a:fillRef idx="1">
+                <a:schemeClr val="accent1"/>
+              </a:fillRef>
+              <a:effectRef idx="0">
+                <a:schemeClr val="accent1"/>
+              </a:effectRef>
+              <a:fontRef idx="minor">
+                <a:schemeClr val="lt1"/>
+              </a:fontRef>
+            </p:style>
+            <p:txBody>
+              <a:bodyPr rtlCol="0" anchor="ctr"/>
+              <a:lstStyle/>
+              <a:p>
+                <a:pPr algn="ctr"/>
+                <a:endParaRPr kumimoji="1" lang="ja-JP" altLang="en-US"/>
+              </a:p>
+            </p:txBody>
+          </p:sp>
+          <p:sp>
+            <p:nvSpPr>
+              <p:cNvPr id="14" name="楕円 13">
+                <a:extLst>
+                  <a:ext uri="{FF2B5EF4-FFF2-40B4-BE49-F238E27FC236}">
+                    <a16:creationId xmlns:a16="http://schemas.microsoft.com/office/drawing/2014/main" id="{BD1B902C-0248-B4EE-AEAF-19064266150F}"/>
+                  </a:ext>
+                </a:extLst>
+              </p:cNvPr>
+              <p:cNvSpPr>
+                <a:spLocks noChangeAspect="1"/>
+              </p:cNvSpPr>
+              <p:nvPr/>
+            </p:nvSpPr>
+            <p:spPr>
+              <a:xfrm>
+                <a:off x="1992387" y="1682193"/>
+                <a:ext cx="235320" cy="235320"/>
+              </a:xfrm>
+              <a:prstGeom prst="ellipse">
+                <a:avLst/>
+              </a:prstGeom>
+              <a:solidFill>
+                <a:srgbClr val="ECEBCD"/>
+              </a:solidFill>
+              <a:ln>
+                <a:noFill/>
+              </a:ln>
+              <a:effectLst>
+                <a:innerShdw blurRad="76200" dist="152400" dir="13500000">
+                  <a:prstClr val="black">
+                    <a:alpha val="50000"/>
+                  </a:prstClr>
+                </a:innerShdw>
+              </a:effectLst>
+            </p:spPr>
+            <p:style>
+              <a:lnRef idx="2">
+                <a:schemeClr val="accent1">
+                  <a:shade val="15000"/>
+                </a:schemeClr>
+              </a:lnRef>
+              <a:fillRef idx="1">
+                <a:schemeClr val="accent1"/>
+              </a:fillRef>
+              <a:effectRef idx="0">
+                <a:schemeClr val="accent1"/>
+              </a:effectRef>
+              <a:fontRef idx="minor">
+                <a:schemeClr val="lt1"/>
+              </a:fontRef>
+            </p:style>
+            <p:txBody>
+              <a:bodyPr rtlCol="0" anchor="ctr"/>
+              <a:lstStyle/>
+              <a:p>
+                <a:pPr algn="ctr"/>
+                <a:endParaRPr kumimoji="1" lang="ja-JP" altLang="en-US"/>
+              </a:p>
+            </p:txBody>
+          </p:sp>
+          <p:sp>
+            <p:nvSpPr>
+              <p:cNvPr id="15" name="楕円 14">
+                <a:extLst>
+                  <a:ext uri="{FF2B5EF4-FFF2-40B4-BE49-F238E27FC236}">
+                    <a16:creationId xmlns:a16="http://schemas.microsoft.com/office/drawing/2014/main" id="{48453785-5FC9-5596-6C65-F6966A7F48D7}"/>
+                  </a:ext>
+                </a:extLst>
+              </p:cNvPr>
+              <p:cNvSpPr>
+                <a:spLocks noChangeAspect="1"/>
+              </p:cNvSpPr>
+              <p:nvPr/>
+            </p:nvSpPr>
+            <p:spPr>
+              <a:xfrm>
+                <a:off x="1991937" y="2073111"/>
+                <a:ext cx="235320" cy="235320"/>
+              </a:xfrm>
+              <a:prstGeom prst="ellipse">
+                <a:avLst/>
+              </a:prstGeom>
+              <a:solidFill>
+                <a:srgbClr val="ECEBCD"/>
+              </a:solidFill>
+              <a:ln>
+                <a:noFill/>
+              </a:ln>
+              <a:effectLst>
+                <a:innerShdw blurRad="76200" dist="152400" dir="13500000">
+                  <a:prstClr val="black">
+                    <a:alpha val="50000"/>
+                  </a:prstClr>
+                </a:innerShdw>
+              </a:effectLst>
+            </p:spPr>
+            <p:style>
+              <a:lnRef idx="2">
+                <a:schemeClr val="accent1">
+                  <a:shade val="15000"/>
+                </a:schemeClr>
+              </a:lnRef>
+              <a:fillRef idx="1">
+                <a:schemeClr val="accent1"/>
+              </a:fillRef>
+              <a:effectRef idx="0">
+                <a:schemeClr val="accent1"/>
+              </a:effectRef>
+              <a:fontRef idx="minor">
+                <a:schemeClr val="lt1"/>
+              </a:fontRef>
+            </p:style>
+            <p:txBody>
+              <a:bodyPr rtlCol="0" anchor="ctr"/>
+              <a:lstStyle/>
+              <a:p>
+                <a:pPr algn="ctr"/>
+                <a:endParaRPr kumimoji="1" lang="ja-JP" altLang="en-US"/>
+              </a:p>
+            </p:txBody>
+          </p:sp>
+          <p:sp>
+            <p:nvSpPr>
+              <p:cNvPr id="16" name="楕円 15">
+                <a:extLst>
+                  <a:ext uri="{FF2B5EF4-FFF2-40B4-BE49-F238E27FC236}">
+                    <a16:creationId xmlns:a16="http://schemas.microsoft.com/office/drawing/2014/main" id="{F581266C-E629-8168-D6F5-A527A56BE3C3}"/>
+                  </a:ext>
+                </a:extLst>
+              </p:cNvPr>
+              <p:cNvSpPr>
+                <a:spLocks noChangeAspect="1"/>
+              </p:cNvSpPr>
+              <p:nvPr/>
+            </p:nvSpPr>
+            <p:spPr>
+              <a:xfrm>
+                <a:off x="1988820" y="2464029"/>
+                <a:ext cx="235320" cy="235320"/>
+              </a:xfrm>
+              <a:prstGeom prst="ellipse">
+                <a:avLst/>
+              </a:prstGeom>
+              <a:solidFill>
+                <a:srgbClr val="ECEBCD"/>
+              </a:solidFill>
+              <a:ln>
+                <a:noFill/>
+              </a:ln>
+              <a:effectLst>
+                <a:innerShdw blurRad="76200" dist="152400" dir="13500000">
+                  <a:prstClr val="black">
+                    <a:alpha val="50000"/>
+                  </a:prstClr>
+                </a:innerShdw>
+              </a:effectLst>
+            </p:spPr>
+            <p:style>
+              <a:lnRef idx="2">
+                <a:schemeClr val="accent1">
+                  <a:shade val="15000"/>
+                </a:schemeClr>
+              </a:lnRef>
+              <a:fillRef idx="1">
+                <a:schemeClr val="accent1"/>
+              </a:fillRef>
+              <a:effectRef idx="0">
+                <a:schemeClr val="accent1"/>
+              </a:effectRef>
+              <a:fontRef idx="minor">
+                <a:schemeClr val="lt1"/>
+              </a:fontRef>
+            </p:style>
+            <p:txBody>
+              <a:bodyPr rtlCol="0" anchor="ctr"/>
+              <a:lstStyle/>
+              <a:p>
+                <a:pPr algn="ctr"/>
+                <a:endParaRPr kumimoji="1" lang="ja-JP" altLang="en-US"/>
+              </a:p>
+            </p:txBody>
+          </p:sp>
+          <p:sp>
+            <p:nvSpPr>
+              <p:cNvPr id="17" name="楕円 16">
+                <a:extLst>
+                  <a:ext uri="{FF2B5EF4-FFF2-40B4-BE49-F238E27FC236}">
+                    <a16:creationId xmlns:a16="http://schemas.microsoft.com/office/drawing/2014/main" id="{6EE16515-CC2D-143B-27F0-8980C5278A98}"/>
+                  </a:ext>
+                </a:extLst>
+              </p:cNvPr>
+              <p:cNvSpPr>
+                <a:spLocks noChangeAspect="1"/>
+              </p:cNvSpPr>
+              <p:nvPr/>
+            </p:nvSpPr>
+            <p:spPr>
+              <a:xfrm>
+                <a:off x="1997272" y="2857969"/>
+                <a:ext cx="235320" cy="235320"/>
+              </a:xfrm>
+              <a:prstGeom prst="ellipse">
+                <a:avLst/>
+              </a:prstGeom>
+              <a:solidFill>
+                <a:srgbClr val="ECEBCD"/>
+              </a:solidFill>
+              <a:ln>
+                <a:noFill/>
+              </a:ln>
+              <a:effectLst>
+                <a:innerShdw blurRad="76200" dist="152400" dir="13500000">
+                  <a:prstClr val="black">
+                    <a:alpha val="50000"/>
+                  </a:prstClr>
+                </a:innerShdw>
+              </a:effectLst>
+            </p:spPr>
+            <p:style>
+              <a:lnRef idx="2">
+                <a:schemeClr val="accent1">
+                  <a:shade val="15000"/>
+                </a:schemeClr>
+              </a:lnRef>
+              <a:fillRef idx="1">
+                <a:schemeClr val="accent1"/>
+              </a:fillRef>
+              <a:effectRef idx="0">
+                <a:schemeClr val="accent1"/>
+              </a:effectRef>
+              <a:fontRef idx="minor">
+                <a:schemeClr val="lt1"/>
+              </a:fontRef>
+            </p:style>
+            <p:txBody>
+              <a:bodyPr rtlCol="0" anchor="ctr"/>
+              <a:lstStyle/>
+              <a:p>
+                <a:pPr algn="ctr"/>
+                <a:endParaRPr kumimoji="1" lang="ja-JP" altLang="en-US"/>
+              </a:p>
+            </p:txBody>
+          </p:sp>
+          <p:sp>
+            <p:nvSpPr>
+              <p:cNvPr id="18" name="楕円 17">
+                <a:extLst>
+                  <a:ext uri="{FF2B5EF4-FFF2-40B4-BE49-F238E27FC236}">
+                    <a16:creationId xmlns:a16="http://schemas.microsoft.com/office/drawing/2014/main" id="{17940602-9A3C-ABDD-A365-47B5EF2F9C81}"/>
+                  </a:ext>
+                </a:extLst>
+              </p:cNvPr>
+              <p:cNvSpPr>
+                <a:spLocks noChangeAspect="1"/>
+              </p:cNvSpPr>
+              <p:nvPr/>
+            </p:nvSpPr>
+            <p:spPr>
+              <a:xfrm>
+                <a:off x="1997272" y="3252014"/>
+                <a:ext cx="235320" cy="235320"/>
+              </a:xfrm>
+              <a:prstGeom prst="ellipse">
+                <a:avLst/>
+              </a:prstGeom>
+              <a:solidFill>
+                <a:srgbClr val="ECEBCD"/>
+              </a:solidFill>
+              <a:ln>
+                <a:noFill/>
+              </a:ln>
+              <a:effectLst>
+                <a:innerShdw blurRad="76200" dist="152400" dir="13500000">
+                  <a:prstClr val="black">
+                    <a:alpha val="50000"/>
+                  </a:prstClr>
+                </a:innerShdw>
+              </a:effectLst>
+            </p:spPr>
+            <p:style>
+              <a:lnRef idx="2">
+                <a:schemeClr val="accent1">
+                  <a:shade val="15000"/>
+                </a:schemeClr>
+              </a:lnRef>
+              <a:fillRef idx="1">
+                <a:schemeClr val="accent1"/>
+              </a:fillRef>
+              <a:effectRef idx="0">
+                <a:schemeClr val="accent1"/>
+              </a:effectRef>
+              <a:fontRef idx="minor">
+                <a:schemeClr val="lt1"/>
+              </a:fontRef>
+            </p:style>
+            <p:txBody>
+              <a:bodyPr rtlCol="0" anchor="ctr"/>
+              <a:lstStyle/>
+              <a:p>
+                <a:pPr algn="ctr"/>
+                <a:endParaRPr kumimoji="1" lang="ja-JP" altLang="en-US"/>
+              </a:p>
+            </p:txBody>
+          </p:sp>
+          <p:sp>
+            <p:nvSpPr>
+              <p:cNvPr id="19" name="楕円 18">
+                <a:extLst>
+                  <a:ext uri="{FF2B5EF4-FFF2-40B4-BE49-F238E27FC236}">
+                    <a16:creationId xmlns:a16="http://schemas.microsoft.com/office/drawing/2014/main" id="{495BD4F3-722F-BAD5-2B75-5A6939C82B9E}"/>
+                  </a:ext>
+                </a:extLst>
+              </p:cNvPr>
+              <p:cNvSpPr>
+                <a:spLocks noChangeAspect="1"/>
+              </p:cNvSpPr>
+              <p:nvPr/>
+            </p:nvSpPr>
+            <p:spPr>
+              <a:xfrm>
+                <a:off x="1997167" y="3650453"/>
+                <a:ext cx="235320" cy="235320"/>
+              </a:xfrm>
+              <a:prstGeom prst="ellipse">
+                <a:avLst/>
+              </a:prstGeom>
+              <a:solidFill>
+                <a:srgbClr val="ECEBCD"/>
+              </a:solidFill>
+              <a:ln>
+                <a:noFill/>
+              </a:ln>
+              <a:effectLst>
+                <a:innerShdw blurRad="76200" dist="152400" dir="13500000">
+                  <a:prstClr val="black">
+                    <a:alpha val="50000"/>
+                  </a:prstClr>
+                </a:innerShdw>
+              </a:effectLst>
+            </p:spPr>
+            <p:style>
+              <a:lnRef idx="2">
+                <a:schemeClr val="accent1">
+                  <a:shade val="15000"/>
+                </a:schemeClr>
+              </a:lnRef>
+              <a:fillRef idx="1">
+                <a:schemeClr val="accent1"/>
+              </a:fillRef>
+              <a:effectRef idx="0">
+                <a:schemeClr val="accent1"/>
+              </a:effectRef>
+              <a:fontRef idx="minor">
+                <a:schemeClr val="lt1"/>
+              </a:fontRef>
+            </p:style>
+            <p:txBody>
+              <a:bodyPr rtlCol="0" anchor="ctr"/>
+              <a:lstStyle/>
+              <a:p>
+                <a:pPr algn="ctr"/>
+                <a:endParaRPr kumimoji="1" lang="ja-JP" altLang="en-US"/>
+              </a:p>
+            </p:txBody>
+          </p:sp>
+          <p:sp>
+            <p:nvSpPr>
+              <p:cNvPr id="20" name="楕円 19">
+                <a:extLst>
+                  <a:ext uri="{FF2B5EF4-FFF2-40B4-BE49-F238E27FC236}">
+                    <a16:creationId xmlns:a16="http://schemas.microsoft.com/office/drawing/2014/main" id="{BDAD25DE-A368-CCCA-8520-73D72C7D39EA}"/>
+                  </a:ext>
+                </a:extLst>
+              </p:cNvPr>
+              <p:cNvSpPr>
+                <a:spLocks noChangeAspect="1"/>
+              </p:cNvSpPr>
+              <p:nvPr/>
+            </p:nvSpPr>
+            <p:spPr>
+              <a:xfrm>
+                <a:off x="1997167" y="4044477"/>
+                <a:ext cx="235320" cy="235320"/>
+              </a:xfrm>
+              <a:prstGeom prst="ellipse">
+                <a:avLst/>
+              </a:prstGeom>
+              <a:solidFill>
+                <a:srgbClr val="ECEBCD"/>
+              </a:solidFill>
+              <a:ln>
+                <a:noFill/>
+              </a:ln>
+              <a:effectLst>
+                <a:innerShdw blurRad="76200" dist="152400" dir="13500000">
+                  <a:prstClr val="black">
+                    <a:alpha val="50000"/>
+                  </a:prstClr>
+                </a:innerShdw>
+              </a:effectLst>
+            </p:spPr>
+            <p:style>
+              <a:lnRef idx="2">
+                <a:schemeClr val="accent1">
+                  <a:shade val="15000"/>
+                </a:schemeClr>
+              </a:lnRef>
+              <a:fillRef idx="1">
+                <a:schemeClr val="accent1"/>
+              </a:fillRef>
+              <a:effectRef idx="0">
+                <a:schemeClr val="accent1"/>
+              </a:effectRef>
+              <a:fontRef idx="minor">
+                <a:schemeClr val="lt1"/>
+              </a:fontRef>
+            </p:style>
+            <p:txBody>
+              <a:bodyPr rtlCol="0" anchor="ctr"/>
+              <a:lstStyle/>
+              <a:p>
+                <a:pPr algn="ctr"/>
+                <a:endParaRPr kumimoji="1" lang="ja-JP" altLang="en-US"/>
+              </a:p>
+            </p:txBody>
+          </p:sp>
+          <p:sp>
+            <p:nvSpPr>
+              <p:cNvPr id="21" name="楕円 20">
+                <a:extLst>
+                  <a:ext uri="{FF2B5EF4-FFF2-40B4-BE49-F238E27FC236}">
+                    <a16:creationId xmlns:a16="http://schemas.microsoft.com/office/drawing/2014/main" id="{40F17BE0-596B-2B6C-53DC-47E3560BF2E1}"/>
+                  </a:ext>
+                </a:extLst>
+              </p:cNvPr>
+              <p:cNvSpPr>
+                <a:spLocks noChangeAspect="1"/>
+              </p:cNvSpPr>
+              <p:nvPr/>
+            </p:nvSpPr>
+            <p:spPr>
+              <a:xfrm>
+                <a:off x="2000734" y="4438417"/>
+                <a:ext cx="235320" cy="235320"/>
+              </a:xfrm>
+              <a:prstGeom prst="ellipse">
+                <a:avLst/>
+              </a:prstGeom>
+              <a:solidFill>
+                <a:srgbClr val="ECEBCD"/>
+              </a:solidFill>
+              <a:ln>
+                <a:noFill/>
+              </a:ln>
+              <a:effectLst>
+                <a:innerShdw blurRad="76200" dist="152400" dir="13500000">
+                  <a:prstClr val="black">
+                    <a:alpha val="50000"/>
+                  </a:prstClr>
+                </a:innerShdw>
+              </a:effectLst>
+            </p:spPr>
+            <p:style>
+              <a:lnRef idx="2">
+                <a:schemeClr val="accent1">
+                  <a:shade val="15000"/>
+                </a:schemeClr>
+              </a:lnRef>
+              <a:fillRef idx="1">
+                <a:schemeClr val="accent1"/>
+              </a:fillRef>
+              <a:effectRef idx="0">
+                <a:schemeClr val="accent1"/>
+              </a:effectRef>
+              <a:fontRef idx="minor">
+                <a:schemeClr val="lt1"/>
+              </a:fontRef>
+            </p:style>
+            <p:txBody>
+              <a:bodyPr rtlCol="0" anchor="ctr"/>
+              <a:lstStyle/>
+              <a:p>
+                <a:pPr algn="ctr"/>
+                <a:endParaRPr kumimoji="1" lang="ja-JP" altLang="en-US"/>
+              </a:p>
+            </p:txBody>
+          </p:sp>
+          <p:sp>
+            <p:nvSpPr>
+              <p:cNvPr id="22" name="楕円 21">
+                <a:extLst>
+                  <a:ext uri="{FF2B5EF4-FFF2-40B4-BE49-F238E27FC236}">
+                    <a16:creationId xmlns:a16="http://schemas.microsoft.com/office/drawing/2014/main" id="{A9E856C1-DB0A-4F96-841F-443E4201A4AA}"/>
+                  </a:ext>
+                </a:extLst>
+              </p:cNvPr>
+              <p:cNvSpPr>
+                <a:spLocks noChangeAspect="1"/>
+              </p:cNvSpPr>
+              <p:nvPr/>
+            </p:nvSpPr>
+            <p:spPr>
+              <a:xfrm>
+                <a:off x="2000284" y="4829335"/>
+                <a:ext cx="235320" cy="235320"/>
+              </a:xfrm>
+              <a:prstGeom prst="ellipse">
+                <a:avLst/>
+              </a:prstGeom>
+              <a:solidFill>
+                <a:srgbClr val="ECEBCD"/>
+              </a:solidFill>
+              <a:ln>
+                <a:noFill/>
+              </a:ln>
+              <a:effectLst>
+                <a:innerShdw blurRad="76200" dist="152400" dir="13500000">
+                  <a:prstClr val="black">
+                    <a:alpha val="50000"/>
+                  </a:prstClr>
+                </a:innerShdw>
+              </a:effectLst>
+            </p:spPr>
+            <p:style>
+              <a:lnRef idx="2">
+                <a:schemeClr val="accent1">
+                  <a:shade val="15000"/>
+                </a:schemeClr>
+              </a:lnRef>
+              <a:fillRef idx="1">
+                <a:schemeClr val="accent1"/>
+              </a:fillRef>
+              <a:effectRef idx="0">
+                <a:schemeClr val="accent1"/>
+              </a:effectRef>
+              <a:fontRef idx="minor">
+                <a:schemeClr val="lt1"/>
+              </a:fontRef>
+            </p:style>
+            <p:txBody>
+              <a:bodyPr rtlCol="0" anchor="ctr"/>
+              <a:lstStyle/>
+              <a:p>
+                <a:pPr algn="ctr"/>
+                <a:endParaRPr kumimoji="1" lang="ja-JP" altLang="en-US"/>
+              </a:p>
+            </p:txBody>
+          </p:sp>
+          <p:sp>
+            <p:nvSpPr>
+              <p:cNvPr id="23" name="楕円 22">
+                <a:extLst>
+                  <a:ext uri="{FF2B5EF4-FFF2-40B4-BE49-F238E27FC236}">
+                    <a16:creationId xmlns:a16="http://schemas.microsoft.com/office/drawing/2014/main" id="{8A5D187B-28DF-CBFD-FB4C-45FD1C169095}"/>
+                  </a:ext>
+                </a:extLst>
+              </p:cNvPr>
+              <p:cNvSpPr>
+                <a:spLocks noChangeAspect="1"/>
+              </p:cNvSpPr>
+              <p:nvPr/>
+            </p:nvSpPr>
+            <p:spPr>
+              <a:xfrm>
+                <a:off x="1997167" y="5220253"/>
+                <a:ext cx="235320" cy="235320"/>
+              </a:xfrm>
+              <a:prstGeom prst="ellipse">
+                <a:avLst/>
+              </a:prstGeom>
+              <a:solidFill>
+                <a:srgbClr val="ECEBCD"/>
+              </a:solidFill>
+              <a:ln>
+                <a:noFill/>
+              </a:ln>
+              <a:effectLst>
+                <a:innerShdw blurRad="76200" dist="152400" dir="13500000">
+                  <a:prstClr val="black">
+                    <a:alpha val="50000"/>
+                  </a:prstClr>
+                </a:innerShdw>
+              </a:effectLst>
+            </p:spPr>
+            <p:style>
+              <a:lnRef idx="2">
+                <a:schemeClr val="accent1">
+                  <a:shade val="15000"/>
+                </a:schemeClr>
+              </a:lnRef>
+              <a:fillRef idx="1">
+                <a:schemeClr val="accent1"/>
+              </a:fillRef>
+              <a:effectRef idx="0">
+                <a:schemeClr val="accent1"/>
+              </a:effectRef>
+              <a:fontRef idx="minor">
+                <a:schemeClr val="lt1"/>
+              </a:fontRef>
+            </p:style>
+            <p:txBody>
+              <a:bodyPr rtlCol="0" anchor="ctr"/>
+              <a:lstStyle/>
+              <a:p>
+                <a:pPr algn="ctr"/>
+                <a:endParaRPr kumimoji="1" lang="ja-JP" altLang="en-US"/>
+              </a:p>
+            </p:txBody>
+          </p:sp>
+          <p:sp>
+            <p:nvSpPr>
+              <p:cNvPr id="24" name="楕円 23">
+                <a:extLst>
+                  <a:ext uri="{FF2B5EF4-FFF2-40B4-BE49-F238E27FC236}">
+                    <a16:creationId xmlns:a16="http://schemas.microsoft.com/office/drawing/2014/main" id="{2E602FC9-52DE-531D-C8FA-B76EE355F92B}"/>
+                  </a:ext>
+                </a:extLst>
+              </p:cNvPr>
+              <p:cNvSpPr>
+                <a:spLocks noChangeAspect="1"/>
+              </p:cNvSpPr>
+              <p:nvPr/>
+            </p:nvSpPr>
+            <p:spPr>
+              <a:xfrm>
+                <a:off x="2005619" y="5614193"/>
+                <a:ext cx="235320" cy="235320"/>
+              </a:xfrm>
+              <a:prstGeom prst="ellipse">
+                <a:avLst/>
+              </a:prstGeom>
+              <a:solidFill>
+                <a:srgbClr val="ECEBCD"/>
+              </a:solidFill>
+              <a:ln>
+                <a:noFill/>
+              </a:ln>
+              <a:effectLst>
+                <a:innerShdw blurRad="76200" dist="152400" dir="13500000">
+                  <a:prstClr val="black">
+                    <a:alpha val="50000"/>
+                  </a:prstClr>
+                </a:innerShdw>
+              </a:effectLst>
+            </p:spPr>
+            <p:style>
+              <a:lnRef idx="2">
+                <a:schemeClr val="accent1">
+                  <a:shade val="15000"/>
+                </a:schemeClr>
+              </a:lnRef>
+              <a:fillRef idx="1">
+                <a:schemeClr val="accent1"/>
+              </a:fillRef>
+              <a:effectRef idx="0">
+                <a:schemeClr val="accent1"/>
+              </a:effectRef>
+              <a:fontRef idx="minor">
+                <a:schemeClr val="lt1"/>
+              </a:fontRef>
+            </p:style>
+            <p:txBody>
+              <a:bodyPr rtlCol="0" anchor="ctr"/>
+              <a:lstStyle/>
+              <a:p>
+                <a:pPr algn="ctr"/>
+                <a:endParaRPr kumimoji="1" lang="ja-JP" altLang="en-US"/>
+              </a:p>
+            </p:txBody>
+          </p:sp>
+          <p:sp>
+            <p:nvSpPr>
+              <p:cNvPr id="25" name="楕円 24">
+                <a:extLst>
+                  <a:ext uri="{FF2B5EF4-FFF2-40B4-BE49-F238E27FC236}">
+                    <a16:creationId xmlns:a16="http://schemas.microsoft.com/office/drawing/2014/main" id="{5F2ABC73-290C-DCE7-3391-04B2C5E8203D}"/>
+                  </a:ext>
+                </a:extLst>
+              </p:cNvPr>
+              <p:cNvSpPr>
+                <a:spLocks noChangeAspect="1"/>
+              </p:cNvSpPr>
+              <p:nvPr/>
+            </p:nvSpPr>
+            <p:spPr>
+              <a:xfrm>
+                <a:off x="2005619" y="6008238"/>
+                <a:ext cx="235320" cy="235320"/>
+              </a:xfrm>
+              <a:prstGeom prst="ellipse">
+                <a:avLst/>
+              </a:prstGeom>
+              <a:solidFill>
+                <a:srgbClr val="ECEBCD"/>
+              </a:solidFill>
+              <a:ln>
+                <a:noFill/>
+              </a:ln>
+              <a:effectLst>
+                <a:innerShdw blurRad="76200" dist="152400" dir="13500000">
+                  <a:prstClr val="black">
+                    <a:alpha val="50000"/>
+                  </a:prstClr>
+                </a:innerShdw>
+              </a:effectLst>
+            </p:spPr>
+            <p:style>
+              <a:lnRef idx="2">
+                <a:schemeClr val="accent1">
+                  <a:shade val="15000"/>
+                </a:schemeClr>
+              </a:lnRef>
+              <a:fillRef idx="1">
+                <a:schemeClr val="accent1"/>
+              </a:fillRef>
+              <a:effectRef idx="0">
+                <a:schemeClr val="accent1"/>
+              </a:effectRef>
+              <a:fontRef idx="minor">
+                <a:schemeClr val="lt1"/>
+              </a:fontRef>
+            </p:style>
+            <p:txBody>
+              <a:bodyPr rtlCol="0" anchor="ctr"/>
+              <a:lstStyle/>
+              <a:p>
+                <a:pPr algn="ctr"/>
+                <a:endParaRPr kumimoji="1" lang="ja-JP" altLang="en-US"/>
+              </a:p>
+            </p:txBody>
+          </p:sp>
+        </p:grpSp>
+      </p:grpSp>
+      <p:grpSp>
+        <p:nvGrpSpPr>
+          <p:cNvPr id="46" name="グループ化 45">
+            <a:extLst>
+              <a:ext uri="{FF2B5EF4-FFF2-40B4-BE49-F238E27FC236}">
+                <a16:creationId xmlns:a16="http://schemas.microsoft.com/office/drawing/2014/main" id="{4918AA33-E727-7E57-5965-D583BC47DB81}"/>
+              </a:ext>
+            </a:extLst>
+          </p:cNvPr>
+          <p:cNvGrpSpPr/>
+          <p:nvPr/>
+        </p:nvGrpSpPr>
+        <p:grpSpPr>
+          <a:xfrm>
+            <a:off x="179070" y="784859"/>
+            <a:ext cx="1606988" cy="5539729"/>
+            <a:chOff x="179070" y="784859"/>
+            <a:chExt cx="1606988" cy="5539729"/>
+          </a:xfrm>
+        </p:grpSpPr>
+        <p:sp>
+          <p:nvSpPr>
+            <p:cNvPr id="10" name="正方形/長方形 9">
+              <a:extLst>
+                <a:ext uri="{FF2B5EF4-FFF2-40B4-BE49-F238E27FC236}">
+                  <a16:creationId xmlns:a16="http://schemas.microsoft.com/office/drawing/2014/main" id="{2441564A-353C-F9D9-5C13-3ADD1345E7DA}"/>
+                </a:ext>
+              </a:extLst>
+            </p:cNvPr>
+            <p:cNvSpPr/>
+            <p:nvPr/>
+          </p:nvSpPr>
+          <p:spPr>
+            <a:xfrm>
+              <a:off x="179070" y="784859"/>
+              <a:ext cx="1606988" cy="5539729"/>
+            </a:xfrm>
+            <a:prstGeom prst="rect">
+              <a:avLst/>
+            </a:prstGeom>
+            <a:solidFill>
+              <a:schemeClr val="bg1"/>
+            </a:solidFill>
+            <a:ln>
+              <a:noFill/>
+            </a:ln>
+            <a:effectLst>
+              <a:outerShdw blurRad="50800" dist="152400" dir="2700000" algn="ctr" rotWithShape="0">
+                <a:srgbClr val="000000">
+                  <a:alpha val="43137"/>
+                </a:srgbClr>
+              </a:outerShdw>
+            </a:effectLst>
+          </p:spPr>
+          <p:style>
+            <a:lnRef idx="2">
+              <a:schemeClr val="accent1">
+                <a:shade val="15000"/>
+              </a:schemeClr>
+            </a:lnRef>
+            <a:fillRef idx="1">
+              <a:schemeClr val="accent1"/>
+            </a:fillRef>
+            <a:effectRef idx="0">
+              <a:schemeClr val="accent1"/>
+            </a:effectRef>
+            <a:fontRef idx="minor">
+              <a:schemeClr val="lt1"/>
+            </a:fontRef>
+          </p:style>
+          <p:txBody>
+            <a:bodyPr rtlCol="0" anchor="ctr"/>
+            <a:lstStyle/>
+            <a:p>
+              <a:pPr algn="ctr"/>
+              <a:endParaRPr kumimoji="1" lang="ja-JP" altLang="en-US"/>
+            </a:p>
+          </p:txBody>
+        </p:sp>
+        <p:grpSp>
+          <p:nvGrpSpPr>
+            <p:cNvPr id="45" name="グループ化 44">
+              <a:extLst>
+                <a:ext uri="{FF2B5EF4-FFF2-40B4-BE49-F238E27FC236}">
+                  <a16:creationId xmlns:a16="http://schemas.microsoft.com/office/drawing/2014/main" id="{7354D695-2602-2A25-5529-AD69D0D1420F}"/>
+                </a:ext>
+              </a:extLst>
+            </p:cNvPr>
+            <p:cNvGrpSpPr/>
+            <p:nvPr/>
+          </p:nvGrpSpPr>
+          <p:grpSpPr>
+            <a:xfrm>
+              <a:off x="280589" y="856557"/>
+              <a:ext cx="252119" cy="5349329"/>
+              <a:chOff x="280589" y="856557"/>
+              <a:chExt cx="252119" cy="5349329"/>
+            </a:xfrm>
+          </p:grpSpPr>
+          <p:sp>
+            <p:nvSpPr>
+              <p:cNvPr id="26" name="楕円 25">
+                <a:extLst>
+                  <a:ext uri="{FF2B5EF4-FFF2-40B4-BE49-F238E27FC236}">
+                    <a16:creationId xmlns:a16="http://schemas.microsoft.com/office/drawing/2014/main" id="{A1E5D48D-AA02-F2E1-90FE-3C6AEF4CFE32}"/>
+                  </a:ext>
+                </a:extLst>
+              </p:cNvPr>
+              <p:cNvSpPr>
+                <a:spLocks noChangeAspect="1"/>
+              </p:cNvSpPr>
+              <p:nvPr/>
+            </p:nvSpPr>
+            <p:spPr>
+              <a:xfrm>
+                <a:off x="280589" y="856557"/>
+                <a:ext cx="235320" cy="235320"/>
+              </a:xfrm>
+              <a:prstGeom prst="ellipse">
+                <a:avLst/>
+              </a:prstGeom>
+              <a:solidFill>
+                <a:srgbClr val="ECEBCD"/>
+              </a:solidFill>
+              <a:ln>
+                <a:noFill/>
+              </a:ln>
+              <a:effectLst>
+                <a:innerShdw blurRad="76200" dist="152400" dir="13500000">
+                  <a:prstClr val="black">
+                    <a:alpha val="50000"/>
+                  </a:prstClr>
+                </a:innerShdw>
+              </a:effectLst>
+            </p:spPr>
+            <p:style>
+              <a:lnRef idx="2">
+                <a:schemeClr val="accent1">
+                  <a:shade val="15000"/>
+                </a:schemeClr>
+              </a:lnRef>
+              <a:fillRef idx="1">
+                <a:schemeClr val="accent1"/>
+              </a:fillRef>
+              <a:effectRef idx="0">
+                <a:schemeClr val="accent1"/>
+              </a:effectRef>
+              <a:fontRef idx="minor">
+                <a:schemeClr val="lt1"/>
+              </a:fontRef>
+            </p:style>
+            <p:txBody>
+              <a:bodyPr rtlCol="0" anchor="ctr"/>
+              <a:lstStyle/>
+              <a:p>
+                <a:pPr algn="ctr"/>
+                <a:endParaRPr kumimoji="1" lang="ja-JP" altLang="en-US"/>
+              </a:p>
+            </p:txBody>
+          </p:sp>
+          <p:sp>
+            <p:nvSpPr>
+              <p:cNvPr id="27" name="楕円 26">
+                <a:extLst>
+                  <a:ext uri="{FF2B5EF4-FFF2-40B4-BE49-F238E27FC236}">
+                    <a16:creationId xmlns:a16="http://schemas.microsoft.com/office/drawing/2014/main" id="{057CD408-3A2F-CECB-1BAA-EDF15AF6A3C0}"/>
+                  </a:ext>
+                </a:extLst>
+              </p:cNvPr>
+              <p:cNvSpPr>
+                <a:spLocks noChangeAspect="1"/>
+              </p:cNvSpPr>
+              <p:nvPr/>
+            </p:nvSpPr>
+            <p:spPr>
+              <a:xfrm>
+                <a:off x="280589" y="1250581"/>
+                <a:ext cx="235320" cy="235320"/>
+              </a:xfrm>
+              <a:prstGeom prst="ellipse">
+                <a:avLst/>
+              </a:prstGeom>
+              <a:solidFill>
+                <a:srgbClr val="ECEBCD"/>
+              </a:solidFill>
+              <a:ln>
+                <a:noFill/>
+              </a:ln>
+              <a:effectLst>
+                <a:innerShdw blurRad="76200" dist="152400" dir="13500000">
+                  <a:prstClr val="black">
+                    <a:alpha val="50000"/>
+                  </a:prstClr>
+                </a:innerShdw>
+              </a:effectLst>
+            </p:spPr>
+            <p:style>
+              <a:lnRef idx="2">
+                <a:schemeClr val="accent1">
+                  <a:shade val="15000"/>
+                </a:schemeClr>
+              </a:lnRef>
+              <a:fillRef idx="1">
+                <a:schemeClr val="accent1"/>
+              </a:fillRef>
+              <a:effectRef idx="0">
+                <a:schemeClr val="accent1"/>
+              </a:effectRef>
+              <a:fontRef idx="minor">
+                <a:schemeClr val="lt1"/>
+              </a:fontRef>
+            </p:style>
+            <p:txBody>
+              <a:bodyPr rtlCol="0" anchor="ctr"/>
+              <a:lstStyle/>
+              <a:p>
+                <a:pPr algn="ctr"/>
+                <a:endParaRPr kumimoji="1" lang="ja-JP" altLang="en-US"/>
+              </a:p>
+            </p:txBody>
+          </p:sp>
+          <p:sp>
+            <p:nvSpPr>
+              <p:cNvPr id="28" name="楕円 27">
+                <a:extLst>
+                  <a:ext uri="{FF2B5EF4-FFF2-40B4-BE49-F238E27FC236}">
+                    <a16:creationId xmlns:a16="http://schemas.microsoft.com/office/drawing/2014/main" id="{F0CC719F-3E2B-20EC-4599-8D78A68EA3D9}"/>
+                  </a:ext>
+                </a:extLst>
+              </p:cNvPr>
+              <p:cNvSpPr>
+                <a:spLocks noChangeAspect="1"/>
+              </p:cNvSpPr>
+              <p:nvPr/>
+            </p:nvSpPr>
+            <p:spPr>
+              <a:xfrm>
+                <a:off x="284156" y="1644521"/>
+                <a:ext cx="235320" cy="235320"/>
+              </a:xfrm>
+              <a:prstGeom prst="ellipse">
+                <a:avLst/>
+              </a:prstGeom>
+              <a:solidFill>
+                <a:srgbClr val="ECEBCD"/>
+              </a:solidFill>
+              <a:ln>
+                <a:noFill/>
+              </a:ln>
+              <a:effectLst>
+                <a:innerShdw blurRad="76200" dist="152400" dir="13500000">
+                  <a:prstClr val="black">
+                    <a:alpha val="50000"/>
+                  </a:prstClr>
+                </a:innerShdw>
+              </a:effectLst>
+            </p:spPr>
+            <p:style>
+              <a:lnRef idx="2">
+                <a:schemeClr val="accent1">
+                  <a:shade val="15000"/>
+                </a:schemeClr>
+              </a:lnRef>
+              <a:fillRef idx="1">
+                <a:schemeClr val="accent1"/>
+              </a:fillRef>
+              <a:effectRef idx="0">
+                <a:schemeClr val="accent1"/>
+              </a:effectRef>
+              <a:fontRef idx="minor">
+                <a:schemeClr val="lt1"/>
+              </a:fontRef>
+            </p:style>
+            <p:txBody>
+              <a:bodyPr rtlCol="0" anchor="ctr"/>
+              <a:lstStyle/>
+              <a:p>
+                <a:pPr algn="ctr"/>
+                <a:endParaRPr kumimoji="1" lang="ja-JP" altLang="en-US"/>
+              </a:p>
+            </p:txBody>
+          </p:sp>
+          <p:sp>
+            <p:nvSpPr>
+              <p:cNvPr id="29" name="楕円 28">
+                <a:extLst>
+                  <a:ext uri="{FF2B5EF4-FFF2-40B4-BE49-F238E27FC236}">
+                    <a16:creationId xmlns:a16="http://schemas.microsoft.com/office/drawing/2014/main" id="{30833EBC-36E9-5BC9-8D3B-DECA9B78ECCF}"/>
+                  </a:ext>
+                </a:extLst>
+              </p:cNvPr>
+              <p:cNvSpPr>
+                <a:spLocks noChangeAspect="1"/>
+              </p:cNvSpPr>
+              <p:nvPr/>
+            </p:nvSpPr>
+            <p:spPr>
+              <a:xfrm>
+                <a:off x="283706" y="2035439"/>
+                <a:ext cx="235320" cy="235320"/>
+              </a:xfrm>
+              <a:prstGeom prst="ellipse">
+                <a:avLst/>
+              </a:prstGeom>
+              <a:solidFill>
+                <a:srgbClr val="ECEBCD"/>
+              </a:solidFill>
+              <a:ln>
+                <a:noFill/>
+              </a:ln>
+              <a:effectLst>
+                <a:innerShdw blurRad="76200" dist="152400" dir="13500000">
+                  <a:prstClr val="black">
+                    <a:alpha val="50000"/>
+                  </a:prstClr>
+                </a:innerShdw>
+              </a:effectLst>
+            </p:spPr>
+            <p:style>
+              <a:lnRef idx="2">
+                <a:schemeClr val="accent1">
+                  <a:shade val="15000"/>
+                </a:schemeClr>
+              </a:lnRef>
+              <a:fillRef idx="1">
+                <a:schemeClr val="accent1"/>
+              </a:fillRef>
+              <a:effectRef idx="0">
+                <a:schemeClr val="accent1"/>
+              </a:effectRef>
+              <a:fontRef idx="minor">
+                <a:schemeClr val="lt1"/>
+              </a:fontRef>
+            </p:style>
+            <p:txBody>
+              <a:bodyPr rtlCol="0" anchor="ctr"/>
+              <a:lstStyle/>
+              <a:p>
+                <a:pPr algn="ctr"/>
+                <a:endParaRPr kumimoji="1" lang="ja-JP" altLang="en-US"/>
+              </a:p>
+            </p:txBody>
+          </p:sp>
+          <p:sp>
+            <p:nvSpPr>
+              <p:cNvPr id="30" name="楕円 29">
+                <a:extLst>
+                  <a:ext uri="{FF2B5EF4-FFF2-40B4-BE49-F238E27FC236}">
+                    <a16:creationId xmlns:a16="http://schemas.microsoft.com/office/drawing/2014/main" id="{0C3B805C-E6E7-F21C-B0A7-557BBD4F2B2C}"/>
+                  </a:ext>
+                </a:extLst>
+              </p:cNvPr>
+              <p:cNvSpPr>
+                <a:spLocks noChangeAspect="1"/>
+              </p:cNvSpPr>
+              <p:nvPr/>
+            </p:nvSpPr>
+            <p:spPr>
+              <a:xfrm>
+                <a:off x="280589" y="2426357"/>
+                <a:ext cx="235320" cy="235320"/>
+              </a:xfrm>
+              <a:prstGeom prst="ellipse">
+                <a:avLst/>
+              </a:prstGeom>
+              <a:solidFill>
+                <a:srgbClr val="ECEBCD"/>
+              </a:solidFill>
+              <a:ln>
+                <a:noFill/>
+              </a:ln>
+              <a:effectLst>
+                <a:innerShdw blurRad="76200" dist="152400" dir="13500000">
+                  <a:prstClr val="black">
+                    <a:alpha val="50000"/>
+                  </a:prstClr>
+                </a:innerShdw>
+              </a:effectLst>
+            </p:spPr>
+            <p:style>
+              <a:lnRef idx="2">
+                <a:schemeClr val="accent1">
+                  <a:shade val="15000"/>
+                </a:schemeClr>
+              </a:lnRef>
+              <a:fillRef idx="1">
+                <a:schemeClr val="accent1"/>
+              </a:fillRef>
+              <a:effectRef idx="0">
+                <a:schemeClr val="accent1"/>
+              </a:effectRef>
+              <a:fontRef idx="minor">
+                <a:schemeClr val="lt1"/>
+              </a:fontRef>
+            </p:style>
+            <p:txBody>
+              <a:bodyPr rtlCol="0" anchor="ctr"/>
+              <a:lstStyle/>
+              <a:p>
+                <a:pPr algn="ctr"/>
+                <a:endParaRPr kumimoji="1" lang="ja-JP" altLang="en-US"/>
+              </a:p>
+            </p:txBody>
+          </p:sp>
+          <p:sp>
+            <p:nvSpPr>
+              <p:cNvPr id="31" name="楕円 30">
+                <a:extLst>
+                  <a:ext uri="{FF2B5EF4-FFF2-40B4-BE49-F238E27FC236}">
+                    <a16:creationId xmlns:a16="http://schemas.microsoft.com/office/drawing/2014/main" id="{9A30FD91-F1F5-5736-8798-1F43BBCB45FB}"/>
+                  </a:ext>
+                </a:extLst>
+              </p:cNvPr>
+              <p:cNvSpPr>
+                <a:spLocks noChangeAspect="1"/>
+              </p:cNvSpPr>
+              <p:nvPr/>
+            </p:nvSpPr>
+            <p:spPr>
+              <a:xfrm>
+                <a:off x="289041" y="2820297"/>
+                <a:ext cx="235320" cy="235320"/>
+              </a:xfrm>
+              <a:prstGeom prst="ellipse">
+                <a:avLst/>
+              </a:prstGeom>
+              <a:solidFill>
+                <a:srgbClr val="ECEBCD"/>
+              </a:solidFill>
+              <a:ln>
+                <a:noFill/>
+              </a:ln>
+              <a:effectLst>
+                <a:innerShdw blurRad="76200" dist="152400" dir="13500000">
+                  <a:prstClr val="black">
+                    <a:alpha val="50000"/>
+                  </a:prstClr>
+                </a:innerShdw>
+              </a:effectLst>
+            </p:spPr>
+            <p:style>
+              <a:lnRef idx="2">
+                <a:schemeClr val="accent1">
+                  <a:shade val="15000"/>
+                </a:schemeClr>
+              </a:lnRef>
+              <a:fillRef idx="1">
+                <a:schemeClr val="accent1"/>
+              </a:fillRef>
+              <a:effectRef idx="0">
+                <a:schemeClr val="accent1"/>
+              </a:effectRef>
+              <a:fontRef idx="minor">
+                <a:schemeClr val="lt1"/>
+              </a:fontRef>
+            </p:style>
+            <p:txBody>
+              <a:bodyPr rtlCol="0" anchor="ctr"/>
+              <a:lstStyle/>
+              <a:p>
+                <a:pPr algn="ctr"/>
+                <a:endParaRPr kumimoji="1" lang="ja-JP" altLang="en-US"/>
+              </a:p>
+            </p:txBody>
+          </p:sp>
+          <p:sp>
+            <p:nvSpPr>
+              <p:cNvPr id="32" name="楕円 31">
+                <a:extLst>
+                  <a:ext uri="{FF2B5EF4-FFF2-40B4-BE49-F238E27FC236}">
+                    <a16:creationId xmlns:a16="http://schemas.microsoft.com/office/drawing/2014/main" id="{918A3DD6-9769-AC1C-86E6-F15AE06A8155}"/>
+                  </a:ext>
+                </a:extLst>
+              </p:cNvPr>
+              <p:cNvSpPr>
+                <a:spLocks noChangeAspect="1"/>
+              </p:cNvSpPr>
+              <p:nvPr/>
+            </p:nvSpPr>
+            <p:spPr>
+              <a:xfrm>
+                <a:off x="289041" y="3214342"/>
+                <a:ext cx="235320" cy="235320"/>
+              </a:xfrm>
+              <a:prstGeom prst="ellipse">
+                <a:avLst/>
+              </a:prstGeom>
+              <a:solidFill>
+                <a:srgbClr val="ECEBCD"/>
+              </a:solidFill>
+              <a:ln>
+                <a:noFill/>
+              </a:ln>
+              <a:effectLst>
+                <a:innerShdw blurRad="76200" dist="152400" dir="13500000">
+                  <a:prstClr val="black">
+                    <a:alpha val="50000"/>
+                  </a:prstClr>
+                </a:innerShdw>
+              </a:effectLst>
+            </p:spPr>
+            <p:style>
+              <a:lnRef idx="2">
+                <a:schemeClr val="accent1">
+                  <a:shade val="15000"/>
+                </a:schemeClr>
+              </a:lnRef>
+              <a:fillRef idx="1">
+                <a:schemeClr val="accent1"/>
+              </a:fillRef>
+              <a:effectRef idx="0">
+                <a:schemeClr val="accent1"/>
+              </a:effectRef>
+              <a:fontRef idx="minor">
+                <a:schemeClr val="lt1"/>
+              </a:fontRef>
+            </p:style>
+            <p:txBody>
+              <a:bodyPr rtlCol="0" anchor="ctr"/>
+              <a:lstStyle/>
+              <a:p>
+                <a:pPr algn="ctr"/>
+                <a:endParaRPr kumimoji="1" lang="ja-JP" altLang="en-US"/>
+              </a:p>
+            </p:txBody>
+          </p:sp>
+          <p:sp>
+            <p:nvSpPr>
+              <p:cNvPr id="33" name="楕円 32">
+                <a:extLst>
+                  <a:ext uri="{FF2B5EF4-FFF2-40B4-BE49-F238E27FC236}">
+                    <a16:creationId xmlns:a16="http://schemas.microsoft.com/office/drawing/2014/main" id="{4EFC9971-20E9-5E17-6233-6F757A77B6B4}"/>
+                  </a:ext>
+                </a:extLst>
+              </p:cNvPr>
+              <p:cNvSpPr>
+                <a:spLocks noChangeAspect="1"/>
+              </p:cNvSpPr>
+              <p:nvPr/>
+            </p:nvSpPr>
+            <p:spPr>
+              <a:xfrm>
+                <a:off x="288936" y="3612781"/>
+                <a:ext cx="235320" cy="235320"/>
+              </a:xfrm>
+              <a:prstGeom prst="ellipse">
+                <a:avLst/>
+              </a:prstGeom>
+              <a:solidFill>
+                <a:srgbClr val="ECEBCD"/>
+              </a:solidFill>
+              <a:ln>
+                <a:noFill/>
+              </a:ln>
+              <a:effectLst>
+                <a:innerShdw blurRad="76200" dist="152400" dir="13500000">
+                  <a:prstClr val="black">
+                    <a:alpha val="50000"/>
+                  </a:prstClr>
+                </a:innerShdw>
+              </a:effectLst>
+            </p:spPr>
+            <p:style>
+              <a:lnRef idx="2">
+                <a:schemeClr val="accent1">
+                  <a:shade val="15000"/>
+                </a:schemeClr>
+              </a:lnRef>
+              <a:fillRef idx="1">
+                <a:schemeClr val="accent1"/>
+              </a:fillRef>
+              <a:effectRef idx="0">
+                <a:schemeClr val="accent1"/>
+              </a:effectRef>
+              <a:fontRef idx="minor">
+                <a:schemeClr val="lt1"/>
+              </a:fontRef>
+            </p:style>
+            <p:txBody>
+              <a:bodyPr rtlCol="0" anchor="ctr"/>
+              <a:lstStyle/>
+              <a:p>
+                <a:pPr algn="ctr"/>
+                <a:endParaRPr kumimoji="1" lang="ja-JP" altLang="en-US"/>
+              </a:p>
+            </p:txBody>
+          </p:sp>
+          <p:sp>
+            <p:nvSpPr>
+              <p:cNvPr id="34" name="楕円 33">
+                <a:extLst>
+                  <a:ext uri="{FF2B5EF4-FFF2-40B4-BE49-F238E27FC236}">
+                    <a16:creationId xmlns:a16="http://schemas.microsoft.com/office/drawing/2014/main" id="{1AC364CC-7FEE-572D-F03E-C97B2E0476A5}"/>
+                  </a:ext>
+                </a:extLst>
+              </p:cNvPr>
+              <p:cNvSpPr>
+                <a:spLocks noChangeAspect="1"/>
+              </p:cNvSpPr>
+              <p:nvPr/>
+            </p:nvSpPr>
+            <p:spPr>
+              <a:xfrm>
+                <a:off x="288936" y="4006805"/>
+                <a:ext cx="235320" cy="235320"/>
+              </a:xfrm>
+              <a:prstGeom prst="ellipse">
+                <a:avLst/>
+              </a:prstGeom>
+              <a:solidFill>
+                <a:srgbClr val="ECEBCD"/>
+              </a:solidFill>
+              <a:ln>
+                <a:noFill/>
+              </a:ln>
+              <a:effectLst>
+                <a:innerShdw blurRad="76200" dist="152400" dir="13500000">
+                  <a:prstClr val="black">
+                    <a:alpha val="50000"/>
+                  </a:prstClr>
+                </a:innerShdw>
+              </a:effectLst>
+            </p:spPr>
+            <p:style>
+              <a:lnRef idx="2">
+                <a:schemeClr val="accent1">
+                  <a:shade val="15000"/>
+                </a:schemeClr>
+              </a:lnRef>
+              <a:fillRef idx="1">
+                <a:schemeClr val="accent1"/>
+              </a:fillRef>
+              <a:effectRef idx="0">
+                <a:schemeClr val="accent1"/>
+              </a:effectRef>
+              <a:fontRef idx="minor">
+                <a:schemeClr val="lt1"/>
+              </a:fontRef>
+            </p:style>
+            <p:txBody>
+              <a:bodyPr rtlCol="0" anchor="ctr"/>
+              <a:lstStyle/>
+              <a:p>
+                <a:pPr algn="ctr"/>
+                <a:endParaRPr kumimoji="1" lang="ja-JP" altLang="en-US"/>
+              </a:p>
+            </p:txBody>
+          </p:sp>
+          <p:sp>
+            <p:nvSpPr>
+              <p:cNvPr id="35" name="楕円 34">
+                <a:extLst>
+                  <a:ext uri="{FF2B5EF4-FFF2-40B4-BE49-F238E27FC236}">
+                    <a16:creationId xmlns:a16="http://schemas.microsoft.com/office/drawing/2014/main" id="{01D89818-BB23-17A5-A761-3A019DD315EC}"/>
+                  </a:ext>
+                </a:extLst>
+              </p:cNvPr>
+              <p:cNvSpPr>
+                <a:spLocks noChangeAspect="1"/>
+              </p:cNvSpPr>
+              <p:nvPr/>
+            </p:nvSpPr>
+            <p:spPr>
+              <a:xfrm>
+                <a:off x="292503" y="4400745"/>
+                <a:ext cx="235320" cy="235320"/>
+              </a:xfrm>
+              <a:prstGeom prst="ellipse">
+                <a:avLst/>
+              </a:prstGeom>
+              <a:solidFill>
+                <a:srgbClr val="ECEBCD"/>
+              </a:solidFill>
+              <a:ln>
+                <a:noFill/>
+              </a:ln>
+              <a:effectLst>
+                <a:innerShdw blurRad="76200" dist="152400" dir="13500000">
+                  <a:prstClr val="black">
+                    <a:alpha val="50000"/>
+                  </a:prstClr>
+                </a:innerShdw>
+              </a:effectLst>
+            </p:spPr>
+            <p:style>
+              <a:lnRef idx="2">
+                <a:schemeClr val="accent1">
+                  <a:shade val="15000"/>
+                </a:schemeClr>
+              </a:lnRef>
+              <a:fillRef idx="1">
+                <a:schemeClr val="accent1"/>
+              </a:fillRef>
+              <a:effectRef idx="0">
+                <a:schemeClr val="accent1"/>
+              </a:effectRef>
+              <a:fontRef idx="minor">
+                <a:schemeClr val="lt1"/>
+              </a:fontRef>
+            </p:style>
+            <p:txBody>
+              <a:bodyPr rtlCol="0" anchor="ctr"/>
+              <a:lstStyle/>
+              <a:p>
+                <a:pPr algn="ctr"/>
+                <a:endParaRPr kumimoji="1" lang="ja-JP" altLang="en-US"/>
+              </a:p>
+            </p:txBody>
+          </p:sp>
+          <p:sp>
+            <p:nvSpPr>
+              <p:cNvPr id="36" name="楕円 35">
+                <a:extLst>
+                  <a:ext uri="{FF2B5EF4-FFF2-40B4-BE49-F238E27FC236}">
+                    <a16:creationId xmlns:a16="http://schemas.microsoft.com/office/drawing/2014/main" id="{1AA4435C-04AF-68DB-B337-408EB7F3AADB}"/>
+                  </a:ext>
+                </a:extLst>
+              </p:cNvPr>
+              <p:cNvSpPr>
+                <a:spLocks noChangeAspect="1"/>
+              </p:cNvSpPr>
+              <p:nvPr/>
+            </p:nvSpPr>
+            <p:spPr>
+              <a:xfrm>
+                <a:off x="292053" y="4791663"/>
+                <a:ext cx="235320" cy="235320"/>
+              </a:xfrm>
+              <a:prstGeom prst="ellipse">
+                <a:avLst/>
+              </a:prstGeom>
+              <a:solidFill>
+                <a:srgbClr val="ECEBCD"/>
+              </a:solidFill>
+              <a:ln>
+                <a:noFill/>
+              </a:ln>
+              <a:effectLst>
+                <a:innerShdw blurRad="76200" dist="152400" dir="13500000">
+                  <a:prstClr val="black">
+                    <a:alpha val="50000"/>
+                  </a:prstClr>
+                </a:innerShdw>
+              </a:effectLst>
+            </p:spPr>
+            <p:style>
+              <a:lnRef idx="2">
+                <a:schemeClr val="accent1">
+                  <a:shade val="15000"/>
+                </a:schemeClr>
+              </a:lnRef>
+              <a:fillRef idx="1">
+                <a:schemeClr val="accent1"/>
+              </a:fillRef>
+              <a:effectRef idx="0">
+                <a:schemeClr val="accent1"/>
+              </a:effectRef>
+              <a:fontRef idx="minor">
+                <a:schemeClr val="lt1"/>
+              </a:fontRef>
+            </p:style>
+            <p:txBody>
+              <a:bodyPr rtlCol="0" anchor="ctr"/>
+              <a:lstStyle/>
+              <a:p>
+                <a:pPr algn="ctr"/>
+                <a:endParaRPr kumimoji="1" lang="ja-JP" altLang="en-US"/>
+              </a:p>
+            </p:txBody>
+          </p:sp>
+          <p:sp>
+            <p:nvSpPr>
+              <p:cNvPr id="37" name="楕円 36">
+                <a:extLst>
+                  <a:ext uri="{FF2B5EF4-FFF2-40B4-BE49-F238E27FC236}">
+                    <a16:creationId xmlns:a16="http://schemas.microsoft.com/office/drawing/2014/main" id="{AA1292E6-A4E0-FEFA-C975-6247A9848810}"/>
+                  </a:ext>
+                </a:extLst>
+              </p:cNvPr>
+              <p:cNvSpPr>
+                <a:spLocks noChangeAspect="1"/>
+              </p:cNvSpPr>
+              <p:nvPr/>
+            </p:nvSpPr>
+            <p:spPr>
+              <a:xfrm>
+                <a:off x="288936" y="5182581"/>
+                <a:ext cx="235320" cy="235320"/>
+              </a:xfrm>
+              <a:prstGeom prst="ellipse">
+                <a:avLst/>
+              </a:prstGeom>
+              <a:solidFill>
+                <a:srgbClr val="ECEBCD"/>
+              </a:solidFill>
+              <a:ln>
+                <a:noFill/>
+              </a:ln>
+              <a:effectLst>
+                <a:innerShdw blurRad="76200" dist="152400" dir="13500000">
+                  <a:prstClr val="black">
+                    <a:alpha val="50000"/>
+                  </a:prstClr>
+                </a:innerShdw>
+              </a:effectLst>
+            </p:spPr>
+            <p:style>
+              <a:lnRef idx="2">
+                <a:schemeClr val="accent1">
+                  <a:shade val="15000"/>
+                </a:schemeClr>
+              </a:lnRef>
+              <a:fillRef idx="1">
+                <a:schemeClr val="accent1"/>
+              </a:fillRef>
+              <a:effectRef idx="0">
+                <a:schemeClr val="accent1"/>
+              </a:effectRef>
+              <a:fontRef idx="minor">
+                <a:schemeClr val="lt1"/>
+              </a:fontRef>
+            </p:style>
+            <p:txBody>
+              <a:bodyPr rtlCol="0" anchor="ctr"/>
+              <a:lstStyle/>
+              <a:p>
+                <a:pPr algn="ctr"/>
+                <a:endParaRPr kumimoji="1" lang="ja-JP" altLang="en-US"/>
+              </a:p>
+            </p:txBody>
+          </p:sp>
+          <p:sp>
+            <p:nvSpPr>
+              <p:cNvPr id="38" name="楕円 37">
+                <a:extLst>
+                  <a:ext uri="{FF2B5EF4-FFF2-40B4-BE49-F238E27FC236}">
+                    <a16:creationId xmlns:a16="http://schemas.microsoft.com/office/drawing/2014/main" id="{0764EEC9-3436-5E58-CB98-C9D528C78352}"/>
+                  </a:ext>
+                </a:extLst>
+              </p:cNvPr>
+              <p:cNvSpPr>
+                <a:spLocks noChangeAspect="1"/>
+              </p:cNvSpPr>
+              <p:nvPr/>
+            </p:nvSpPr>
+            <p:spPr>
+              <a:xfrm>
+                <a:off x="297388" y="5576521"/>
+                <a:ext cx="235320" cy="235320"/>
+              </a:xfrm>
+              <a:prstGeom prst="ellipse">
+                <a:avLst/>
+              </a:prstGeom>
+              <a:solidFill>
+                <a:srgbClr val="ECEBCD"/>
+              </a:solidFill>
+              <a:ln>
+                <a:noFill/>
+              </a:ln>
+              <a:effectLst>
+                <a:innerShdw blurRad="76200" dist="152400" dir="13500000">
+                  <a:prstClr val="black">
+                    <a:alpha val="50000"/>
+                  </a:prstClr>
+                </a:innerShdw>
+              </a:effectLst>
+            </p:spPr>
+            <p:style>
+              <a:lnRef idx="2">
+                <a:schemeClr val="accent1">
+                  <a:shade val="15000"/>
+                </a:schemeClr>
+              </a:lnRef>
+              <a:fillRef idx="1">
+                <a:schemeClr val="accent1"/>
+              </a:fillRef>
+              <a:effectRef idx="0">
+                <a:schemeClr val="accent1"/>
+              </a:effectRef>
+              <a:fontRef idx="minor">
+                <a:schemeClr val="lt1"/>
+              </a:fontRef>
+            </p:style>
+            <p:txBody>
+              <a:bodyPr rtlCol="0" anchor="ctr"/>
+              <a:lstStyle/>
+              <a:p>
+                <a:pPr algn="ctr"/>
+                <a:endParaRPr kumimoji="1" lang="ja-JP" altLang="en-US"/>
+              </a:p>
+            </p:txBody>
+          </p:sp>
+          <p:sp>
+            <p:nvSpPr>
+              <p:cNvPr id="39" name="楕円 38">
+                <a:extLst>
+                  <a:ext uri="{FF2B5EF4-FFF2-40B4-BE49-F238E27FC236}">
+                    <a16:creationId xmlns:a16="http://schemas.microsoft.com/office/drawing/2014/main" id="{C2CD3935-B61E-152A-B75A-43211FE5D5BD}"/>
+                  </a:ext>
+                </a:extLst>
+              </p:cNvPr>
+              <p:cNvSpPr>
+                <a:spLocks noChangeAspect="1"/>
+              </p:cNvSpPr>
+              <p:nvPr/>
+            </p:nvSpPr>
+            <p:spPr>
+              <a:xfrm>
+                <a:off x="297388" y="5970566"/>
+                <a:ext cx="235320" cy="235320"/>
+              </a:xfrm>
+              <a:prstGeom prst="ellipse">
+                <a:avLst/>
+              </a:prstGeom>
+              <a:solidFill>
+                <a:srgbClr val="ECEBCD"/>
+              </a:solidFill>
+              <a:ln>
+                <a:noFill/>
+              </a:ln>
+              <a:effectLst>
+                <a:innerShdw blurRad="76200" dist="152400" dir="13500000">
+                  <a:prstClr val="black">
+                    <a:alpha val="50000"/>
+                  </a:prstClr>
+                </a:innerShdw>
+              </a:effectLst>
+            </p:spPr>
+            <p:style>
+              <a:lnRef idx="2">
+                <a:schemeClr val="accent1">
+                  <a:shade val="15000"/>
+                </a:schemeClr>
+              </a:lnRef>
+              <a:fillRef idx="1">
+                <a:schemeClr val="accent1"/>
+              </a:fillRef>
+              <a:effectRef idx="0">
+                <a:schemeClr val="accent1"/>
+              </a:effectRef>
+              <a:fontRef idx="minor">
+                <a:schemeClr val="lt1"/>
+              </a:fontRef>
+            </p:style>
+            <p:txBody>
+              <a:bodyPr rtlCol="0" anchor="ctr"/>
+              <a:lstStyle/>
+              <a:p>
+                <a:pPr algn="ctr"/>
+                <a:endParaRPr kumimoji="1" lang="ja-JP" altLang="en-US"/>
+              </a:p>
+            </p:txBody>
+          </p:sp>
+        </p:grpSp>
+      </p:grpSp>
+      <p:sp>
+        <p:nvSpPr>
+          <p:cNvPr id="2" name="タイトル 1">
+            <a:extLst>
+              <a:ext uri="{FF2B5EF4-FFF2-40B4-BE49-F238E27FC236}">
+                <a16:creationId xmlns:a16="http://schemas.microsoft.com/office/drawing/2014/main" id="{C70E8776-15A8-2D46-6CED-8A7B98553EDB}"/>
+              </a:ext>
+            </a:extLst>
+          </p:cNvPr>
+          <p:cNvSpPr>
+            <a:spLocks noGrp="1"/>
+          </p:cNvSpPr>
+          <p:nvPr>
+            <p:ph type="title"/>
+          </p:nvPr>
+        </p:nvSpPr>
+        <p:spPr>
+          <a:xfrm>
+            <a:off x="83820" y="33735"/>
+            <a:ext cx="3116580" cy="880666"/>
+          </a:xfrm>
+        </p:spPr>
+        <p:txBody>
+          <a:bodyPr>
+            <a:noAutofit/>
+          </a:bodyPr>
+          <a:lstStyle/>
+          <a:p>
+            <a:r>
+              <a:rPr kumimoji="1" lang="en-US" altLang="ja-JP" dirty="0" err="1"/>
+              <a:t>Vtuber</a:t>
+            </a:r>
+            <a:r>
+              <a:rPr kumimoji="1" lang="ja-JP" altLang="en-US" dirty="0"/>
+              <a:t>名鑑</a:t>
+            </a:r>
+          </a:p>
+        </p:txBody>
+      </p:sp>
+      <p:sp>
+        <p:nvSpPr>
+          <p:cNvPr id="7" name="タイトル 1">
+            <a:extLst>
+              <a:ext uri="{FF2B5EF4-FFF2-40B4-BE49-F238E27FC236}">
+                <a16:creationId xmlns:a16="http://schemas.microsoft.com/office/drawing/2014/main" id="{39083CAA-4C4C-3923-C26D-68C355302B86}"/>
+              </a:ext>
+            </a:extLst>
+          </p:cNvPr>
+          <p:cNvSpPr txBox="1">
+            <a:spLocks/>
+          </p:cNvSpPr>
+          <p:nvPr/>
+        </p:nvSpPr>
+        <p:spPr>
+          <a:xfrm>
+            <a:off x="2615565" y="554353"/>
+            <a:ext cx="3192780" cy="1325563"/>
+          </a:xfrm>
+          <a:prstGeom prst="rect">
+            <a:avLst/>
+          </a:prstGeom>
+        </p:spPr>
+        <p:txBody>
+          <a:bodyPr vert="horz" lIns="91440" tIns="45720" rIns="91440" bIns="45720" rtlCol="0" anchor="ctr">
+            <a:noAutofit/>
+          </a:bodyPr>
+          <a:lstStyle>
+            <a:lvl1pPr algn="l" defTabSz="914400" rtl="0" eaLnBrk="1" latinLnBrk="0" hangingPunct="1">
+              <a:lnSpc>
+                <a:spcPct val="90000"/>
+              </a:lnSpc>
+              <a:spcBef>
+                <a:spcPct val="0"/>
+              </a:spcBef>
+              <a:buNone/>
+              <a:defRPr kumimoji="1" sz="4400" kern="1200">
+                <a:solidFill>
+                  <a:schemeClr val="tx1"/>
+                </a:solidFill>
+                <a:latin typeface="+mj-lt"/>
+                <a:ea typeface="+mj-ea"/>
+                <a:cs typeface="+mj-cs"/>
+              </a:defRPr>
+            </a:lvl1pPr>
+          </a:lstStyle>
+          <a:p>
+            <a:r>
+              <a:rPr lang="ja-JP" altLang="en-US" sz="2400" dirty="0"/>
+              <a:t>な</a:t>
+            </a:r>
+            <a:r>
+              <a:rPr lang="en-US" altLang="ja-JP" sz="2400" dirty="0"/>
+              <a:t>Na</a:t>
+            </a:r>
+            <a:r>
+              <a:rPr lang="ja-JP" altLang="en-US" sz="2400" dirty="0"/>
+              <a:t>シの　権兵∀</a:t>
+            </a:r>
+          </a:p>
+        </p:txBody>
+      </p:sp>
+      <p:cxnSp>
+        <p:nvCxnSpPr>
+          <p:cNvPr id="9" name="直線コネクタ 8">
+            <a:extLst>
+              <a:ext uri="{FF2B5EF4-FFF2-40B4-BE49-F238E27FC236}">
+                <a16:creationId xmlns:a16="http://schemas.microsoft.com/office/drawing/2014/main" id="{F46C5A5F-5432-1947-679E-8711314F1490}"/>
+              </a:ext>
+            </a:extLst>
+          </p:cNvPr>
+          <p:cNvCxnSpPr/>
+          <p:nvPr/>
+        </p:nvCxnSpPr>
+        <p:spPr>
+          <a:xfrm>
+            <a:off x="2585258" y="910591"/>
+            <a:ext cx="4667250" cy="0"/>
+          </a:xfrm>
+          <a:prstGeom prst="line">
+            <a:avLst/>
+          </a:prstGeom>
+          <a:ln>
+            <a:solidFill>
+              <a:srgbClr val="00ABF5"/>
+            </a:solidFill>
+          </a:ln>
+        </p:spPr>
+        <p:style>
+          <a:lnRef idx="1">
+            <a:schemeClr val="accent1"/>
+          </a:lnRef>
+          <a:fillRef idx="0">
+            <a:schemeClr val="accent1"/>
+          </a:fillRef>
+          <a:effectRef idx="0">
+            <a:schemeClr val="accent1"/>
+          </a:effectRef>
+          <a:fontRef idx="minor">
+            <a:schemeClr val="tx1"/>
+          </a:fontRef>
+        </p:style>
+      </p:cxnSp>
+      <p:cxnSp>
+        <p:nvCxnSpPr>
+          <p:cNvPr id="12" name="直線コネクタ 11">
+            <a:extLst>
+              <a:ext uri="{FF2B5EF4-FFF2-40B4-BE49-F238E27FC236}">
+                <a16:creationId xmlns:a16="http://schemas.microsoft.com/office/drawing/2014/main" id="{B993CA88-ABB6-4359-5A89-777D847EDF36}"/>
+              </a:ext>
+            </a:extLst>
+          </p:cNvPr>
+          <p:cNvCxnSpPr/>
+          <p:nvPr/>
+        </p:nvCxnSpPr>
+        <p:spPr>
+          <a:xfrm>
+            <a:off x="2585258" y="1485901"/>
+            <a:ext cx="4667250" cy="0"/>
+          </a:xfrm>
+          <a:prstGeom prst="line">
+            <a:avLst/>
+          </a:prstGeom>
+          <a:ln>
+            <a:solidFill>
+              <a:srgbClr val="00ABF5"/>
+            </a:solidFill>
+          </a:ln>
+        </p:spPr>
+        <p:style>
+          <a:lnRef idx="1">
+            <a:schemeClr val="accent1"/>
+          </a:lnRef>
+          <a:fillRef idx="0">
+            <a:schemeClr val="accent1"/>
+          </a:fillRef>
+          <a:effectRef idx="0">
+            <a:schemeClr val="accent1"/>
+          </a:effectRef>
+          <a:fontRef idx="minor">
+            <a:schemeClr val="tx1"/>
+          </a:fontRef>
+        </p:style>
+      </p:cxnSp>
+      <p:cxnSp>
+        <p:nvCxnSpPr>
+          <p:cNvPr id="40" name="直線コネクタ 39">
+            <a:extLst>
+              <a:ext uri="{FF2B5EF4-FFF2-40B4-BE49-F238E27FC236}">
+                <a16:creationId xmlns:a16="http://schemas.microsoft.com/office/drawing/2014/main" id="{5D358E9F-D3FF-1F10-CD4E-5137EB43142A}"/>
+              </a:ext>
+            </a:extLst>
+          </p:cNvPr>
+          <p:cNvCxnSpPr/>
+          <p:nvPr/>
+        </p:nvCxnSpPr>
+        <p:spPr>
+          <a:xfrm>
+            <a:off x="2522740" y="1837806"/>
+            <a:ext cx="4667250" cy="0"/>
+          </a:xfrm>
+          <a:prstGeom prst="line">
+            <a:avLst/>
+          </a:prstGeom>
+          <a:ln>
+            <a:solidFill>
+              <a:srgbClr val="00ABF5"/>
+            </a:solidFill>
+          </a:ln>
+        </p:spPr>
+        <p:style>
+          <a:lnRef idx="1">
+            <a:schemeClr val="accent1"/>
+          </a:lnRef>
+          <a:fillRef idx="0">
+            <a:schemeClr val="accent1"/>
+          </a:fillRef>
+          <a:effectRef idx="0">
+            <a:schemeClr val="accent1"/>
+          </a:effectRef>
+          <a:fontRef idx="minor">
+            <a:schemeClr val="tx1"/>
+          </a:fontRef>
+        </p:style>
+      </p:cxnSp>
+      <p:cxnSp>
+        <p:nvCxnSpPr>
+          <p:cNvPr id="41" name="直線コネクタ 40">
+            <a:extLst>
+              <a:ext uri="{FF2B5EF4-FFF2-40B4-BE49-F238E27FC236}">
+                <a16:creationId xmlns:a16="http://schemas.microsoft.com/office/drawing/2014/main" id="{80A0221C-B99C-5ACB-3D55-1E23EE0CBCB2}"/>
+              </a:ext>
+            </a:extLst>
+          </p:cNvPr>
+          <p:cNvCxnSpPr/>
+          <p:nvPr/>
+        </p:nvCxnSpPr>
+        <p:spPr>
+          <a:xfrm>
+            <a:off x="2522740" y="2035439"/>
+            <a:ext cx="4667250" cy="0"/>
+          </a:xfrm>
+          <a:prstGeom prst="line">
+            <a:avLst/>
+          </a:prstGeom>
+          <a:ln>
+            <a:solidFill>
+              <a:srgbClr val="00ABF5"/>
+            </a:solidFill>
+          </a:ln>
+        </p:spPr>
+        <p:style>
+          <a:lnRef idx="1">
+            <a:schemeClr val="accent1"/>
+          </a:lnRef>
+          <a:fillRef idx="0">
+            <a:schemeClr val="accent1"/>
+          </a:fillRef>
+          <a:effectRef idx="0">
+            <a:schemeClr val="accent1"/>
+          </a:effectRef>
+          <a:fontRef idx="minor">
+            <a:schemeClr val="tx1"/>
+          </a:fontRef>
+        </p:style>
+      </p:cxnSp>
+      <p:cxnSp>
+        <p:nvCxnSpPr>
+          <p:cNvPr id="42" name="直線コネクタ 41">
+            <a:extLst>
+              <a:ext uri="{FF2B5EF4-FFF2-40B4-BE49-F238E27FC236}">
+                <a16:creationId xmlns:a16="http://schemas.microsoft.com/office/drawing/2014/main" id="{9FD20C27-7503-FD44-0C0B-B4603E8A7AF8}"/>
+              </a:ext>
+            </a:extLst>
+          </p:cNvPr>
+          <p:cNvCxnSpPr/>
+          <p:nvPr/>
+        </p:nvCxnSpPr>
+        <p:spPr>
+          <a:xfrm>
+            <a:off x="2522740" y="2265910"/>
+            <a:ext cx="4667250" cy="0"/>
+          </a:xfrm>
+          <a:prstGeom prst="line">
+            <a:avLst/>
+          </a:prstGeom>
+          <a:ln>
+            <a:solidFill>
+              <a:srgbClr val="00ABF5"/>
+            </a:solidFill>
+          </a:ln>
+        </p:spPr>
+        <p:style>
+          <a:lnRef idx="1">
+            <a:schemeClr val="accent1"/>
+          </a:lnRef>
+          <a:fillRef idx="0">
+            <a:schemeClr val="accent1"/>
+          </a:fillRef>
+          <a:effectRef idx="0">
+            <a:schemeClr val="accent1"/>
+          </a:effectRef>
+          <a:fontRef idx="minor">
+            <a:schemeClr val="tx1"/>
+          </a:fontRef>
+        </p:style>
+      </p:cxnSp>
+      <p:grpSp>
+        <p:nvGrpSpPr>
+          <p:cNvPr id="49" name="グループ化 48">
+            <a:extLst>
+              <a:ext uri="{FF2B5EF4-FFF2-40B4-BE49-F238E27FC236}">
+                <a16:creationId xmlns:a16="http://schemas.microsoft.com/office/drawing/2014/main" id="{54089E3F-DEAA-028E-A0D8-17CFFA5D5D17}"/>
+              </a:ext>
+            </a:extLst>
+          </p:cNvPr>
+          <p:cNvGrpSpPr/>
+          <p:nvPr/>
+        </p:nvGrpSpPr>
+        <p:grpSpPr>
+          <a:xfrm>
+            <a:off x="0" y="5695953"/>
+            <a:ext cx="12192000" cy="1166336"/>
+            <a:chOff x="0" y="5695953"/>
+            <a:chExt cx="12192000" cy="1166336"/>
+          </a:xfrm>
+        </p:grpSpPr>
+        <p:sp>
+          <p:nvSpPr>
+            <p:cNvPr id="48" name="正方形/長方形 47">
+              <a:extLst>
+                <a:ext uri="{FF2B5EF4-FFF2-40B4-BE49-F238E27FC236}">
+                  <a16:creationId xmlns:a16="http://schemas.microsoft.com/office/drawing/2014/main" id="{4C6BB38A-9391-0B90-9D83-AFD7E87E3F6E}"/>
+                </a:ext>
+              </a:extLst>
+            </p:cNvPr>
+            <p:cNvSpPr/>
+            <p:nvPr/>
+          </p:nvSpPr>
+          <p:spPr>
+            <a:xfrm>
+              <a:off x="0" y="5695953"/>
+              <a:ext cx="12192000" cy="1166336"/>
+            </a:xfrm>
+            <a:prstGeom prst="rect">
+              <a:avLst/>
+            </a:prstGeom>
+            <a:gradFill>
+              <a:gsLst>
+                <a:gs pos="0">
+                  <a:srgbClr val="F6F8FC">
+                    <a:alpha val="0"/>
+                  </a:srgbClr>
+                </a:gs>
+                <a:gs pos="52000">
+                  <a:srgbClr val="ECEBCD"/>
+                </a:gs>
+              </a:gsLst>
+              <a:lin ang="5400000" scaled="1"/>
+            </a:gradFill>
+            <a:ln>
+              <a:noFill/>
+            </a:ln>
+          </p:spPr>
+          <p:style>
+            <a:lnRef idx="2">
+              <a:schemeClr val="accent1">
+                <a:shade val="15000"/>
+              </a:schemeClr>
+            </a:lnRef>
+            <a:fillRef idx="1">
+              <a:schemeClr val="accent1"/>
+            </a:fillRef>
+            <a:effectRef idx="0">
+              <a:schemeClr val="accent1"/>
+            </a:effectRef>
+            <a:fontRef idx="minor">
+              <a:schemeClr val="lt1"/>
+            </a:fontRef>
+          </p:style>
+          <p:txBody>
+            <a:bodyPr rtlCol="0" anchor="ctr"/>
+            <a:lstStyle/>
+            <a:p>
+              <a:pPr algn="ctr"/>
+              <a:endParaRPr kumimoji="1" lang="ja-JP" altLang="en-US" dirty="0"/>
+            </a:p>
+          </p:txBody>
+        </p:sp>
+        <p:sp>
+          <p:nvSpPr>
+            <p:cNvPr id="47" name="コンテンツ プレースホルダー 2">
+              <a:extLst>
+                <a:ext uri="{FF2B5EF4-FFF2-40B4-BE49-F238E27FC236}">
+                  <a16:creationId xmlns:a16="http://schemas.microsoft.com/office/drawing/2014/main" id="{854865CD-888C-8551-B27D-E148CCA9700E}"/>
+                </a:ext>
+              </a:extLst>
+            </p:cNvPr>
+            <p:cNvSpPr txBox="1">
+              <a:spLocks/>
+            </p:cNvSpPr>
+            <p:nvPr/>
+          </p:nvSpPr>
+          <p:spPr>
+            <a:xfrm>
+              <a:off x="5602432" y="6555057"/>
+              <a:ext cx="987136" cy="212702"/>
+            </a:xfrm>
+            <a:prstGeom prst="rect">
+              <a:avLst/>
+            </a:prstGeom>
+          </p:spPr>
+          <p:txBody>
+            <a:bodyPr vert="horz" lIns="91440" tIns="45720" rIns="91440" bIns="45720" rtlCol="0">
+              <a:normAutofit fontScale="92500" lnSpcReduction="20000"/>
+            </a:bodyPr>
+            <a:lstStyle>
+              <a:lvl1pPr marL="228600" indent="-228600" algn="l" defTabSz="914400" rtl="0" eaLnBrk="1" latinLnBrk="0" hangingPunct="1">
+                <a:lnSpc>
+                  <a:spcPct val="90000"/>
+                </a:lnSpc>
+                <a:spcBef>
+                  <a:spcPts val="1000"/>
+                </a:spcBef>
+                <a:buFont typeface="Arial" panose="020B0604020202020204" pitchFamily="34" charset="0"/>
+                <a:buChar char="•"/>
+                <a:defRPr kumimoji="1" sz="2800" kern="1200">
+                  <a:solidFill>
+                    <a:schemeClr val="tx1"/>
+                  </a:solidFill>
+                  <a:latin typeface="+mn-lt"/>
+                  <a:ea typeface="+mn-ea"/>
+                  <a:cs typeface="+mn-cs"/>
+                </a:defRPr>
+              </a:lvl1pPr>
+              <a:lvl2pPr marL="685800" indent="-228600" algn="l" defTabSz="914400" rtl="0" eaLnBrk="1" latinLnBrk="0" hangingPunct="1">
+                <a:lnSpc>
+                  <a:spcPct val="90000"/>
+                </a:lnSpc>
+                <a:spcBef>
+                  <a:spcPts val="500"/>
+                </a:spcBef>
+                <a:buFont typeface="Arial" panose="020B0604020202020204" pitchFamily="34" charset="0"/>
+                <a:buChar char="•"/>
+                <a:defRPr kumimoji="1" sz="2400" kern="1200">
+                  <a:solidFill>
+                    <a:schemeClr val="tx1"/>
+                  </a:solidFill>
+                  <a:latin typeface="+mn-lt"/>
+                  <a:ea typeface="+mn-ea"/>
+                  <a:cs typeface="+mn-cs"/>
+                </a:defRPr>
+              </a:lvl2pPr>
+              <a:lvl3pPr marL="1143000" indent="-228600" algn="l" defTabSz="914400" rtl="0" eaLnBrk="1" latinLnBrk="0" hangingPunct="1">
+                <a:lnSpc>
+                  <a:spcPct val="90000"/>
+                </a:lnSpc>
+                <a:spcBef>
+                  <a:spcPts val="500"/>
+                </a:spcBef>
+                <a:buFont typeface="Arial" panose="020B0604020202020204" pitchFamily="34" charset="0"/>
+                <a:buChar char="•"/>
+                <a:defRPr kumimoji="1" sz="2000" kern="1200">
+                  <a:solidFill>
+                    <a:schemeClr val="tx1"/>
+                  </a:solidFill>
+                  <a:latin typeface="+mn-lt"/>
+                  <a:ea typeface="+mn-ea"/>
+                  <a:cs typeface="+mn-cs"/>
+                </a:defRPr>
+              </a:lvl3pPr>
+              <a:lvl4pPr marL="1600200" indent="-228600" algn="l" defTabSz="914400" rtl="0" eaLnBrk="1" latinLnBrk="0" hangingPunct="1">
+                <a:lnSpc>
+                  <a:spcPct val="90000"/>
+                </a:lnSpc>
+                <a:spcBef>
+                  <a:spcPts val="500"/>
+                </a:spcBef>
+                <a:buFont typeface="Arial" panose="020B0604020202020204" pitchFamily="34" charset="0"/>
+                <a:buChar char="•"/>
+                <a:defRPr kumimoji="1" sz="1800" kern="1200">
+                  <a:solidFill>
+                    <a:schemeClr val="tx1"/>
+                  </a:solidFill>
+                  <a:latin typeface="+mn-lt"/>
+                  <a:ea typeface="+mn-ea"/>
+                  <a:cs typeface="+mn-cs"/>
+                </a:defRPr>
+              </a:lvl4pPr>
+              <a:lvl5pPr marL="2057400" indent="-228600" algn="l" defTabSz="914400" rtl="0" eaLnBrk="1" latinLnBrk="0" hangingPunct="1">
+                <a:lnSpc>
+                  <a:spcPct val="90000"/>
+                </a:lnSpc>
+                <a:spcBef>
+                  <a:spcPts val="500"/>
+                </a:spcBef>
+                <a:buFont typeface="Arial" panose="020B0604020202020204" pitchFamily="34" charset="0"/>
+                <a:buChar char="•"/>
+                <a:defRPr kumimoji="1" sz="1800" kern="1200">
+                  <a:solidFill>
+                    <a:schemeClr val="tx1"/>
+                  </a:solidFill>
+                  <a:latin typeface="+mn-lt"/>
+                  <a:ea typeface="+mn-ea"/>
+                  <a:cs typeface="+mn-cs"/>
+                </a:defRPr>
+              </a:lvl5pPr>
+              <a:lvl6pPr marL="2514600" indent="-228600" algn="l" defTabSz="914400" rtl="0" eaLnBrk="1" latinLnBrk="0" hangingPunct="1">
+                <a:lnSpc>
+                  <a:spcPct val="90000"/>
+                </a:lnSpc>
+                <a:spcBef>
+                  <a:spcPts val="500"/>
+                </a:spcBef>
+                <a:buFont typeface="Arial" panose="020B0604020202020204" pitchFamily="34" charset="0"/>
+                <a:buChar char="•"/>
+                <a:defRPr kumimoji="1" sz="1800" kern="1200">
+                  <a:solidFill>
+                    <a:schemeClr val="tx1"/>
+                  </a:solidFill>
+                  <a:latin typeface="+mn-lt"/>
+                  <a:ea typeface="+mn-ea"/>
+                  <a:cs typeface="+mn-cs"/>
+                </a:defRPr>
+              </a:lvl6pPr>
+              <a:lvl7pPr marL="2971800" indent="-228600" algn="l" defTabSz="914400" rtl="0" eaLnBrk="1" latinLnBrk="0" hangingPunct="1">
+                <a:lnSpc>
+                  <a:spcPct val="90000"/>
+                </a:lnSpc>
+                <a:spcBef>
+                  <a:spcPts val="500"/>
+                </a:spcBef>
+                <a:buFont typeface="Arial" panose="020B0604020202020204" pitchFamily="34" charset="0"/>
+                <a:buChar char="•"/>
+                <a:defRPr kumimoji="1" sz="1800" kern="1200">
+                  <a:solidFill>
+                    <a:schemeClr val="tx1"/>
+                  </a:solidFill>
+                  <a:latin typeface="+mn-lt"/>
+                  <a:ea typeface="+mn-ea"/>
+                  <a:cs typeface="+mn-cs"/>
+                </a:defRPr>
+              </a:lvl7pPr>
+              <a:lvl8pPr marL="3429000" indent="-228600" algn="l" defTabSz="914400" rtl="0" eaLnBrk="1" latinLnBrk="0" hangingPunct="1">
+                <a:lnSpc>
+                  <a:spcPct val="90000"/>
+                </a:lnSpc>
+                <a:spcBef>
+                  <a:spcPts val="500"/>
+                </a:spcBef>
+                <a:buFont typeface="Arial" panose="020B0604020202020204" pitchFamily="34" charset="0"/>
+                <a:buChar char="•"/>
+                <a:defRPr kumimoji="1" sz="1800" kern="1200">
+                  <a:solidFill>
+                    <a:schemeClr val="tx1"/>
+                  </a:solidFill>
+                  <a:latin typeface="+mn-lt"/>
+                  <a:ea typeface="+mn-ea"/>
+                  <a:cs typeface="+mn-cs"/>
+                </a:defRPr>
+              </a:lvl8pPr>
+              <a:lvl9pPr marL="3886200" indent="-228600" algn="l" defTabSz="914400" rtl="0" eaLnBrk="1" latinLnBrk="0" hangingPunct="1">
+                <a:lnSpc>
+                  <a:spcPct val="90000"/>
+                </a:lnSpc>
+                <a:spcBef>
+                  <a:spcPts val="500"/>
+                </a:spcBef>
+                <a:buFont typeface="Arial" panose="020B0604020202020204" pitchFamily="34" charset="0"/>
+                <a:buChar char="•"/>
+                <a:defRPr kumimoji="1" sz="1800" kern="1200">
+                  <a:solidFill>
+                    <a:schemeClr val="tx1"/>
+                  </a:solidFill>
+                  <a:latin typeface="+mn-lt"/>
+                  <a:ea typeface="+mn-ea"/>
+                  <a:cs typeface="+mn-cs"/>
+                </a:defRPr>
+              </a:lvl9pPr>
+            </a:lstStyle>
+            <a:p>
+              <a:pPr marL="0" indent="0" algn="ctr">
+                <a:buNone/>
+              </a:pPr>
+              <a:r>
+                <a:rPr lang="en-US" altLang="ja-JP" sz="1100" dirty="0"/>
+                <a:t>©</a:t>
+              </a:r>
+              <a:r>
+                <a:rPr lang="ja-JP" altLang="en-US" sz="1100" dirty="0"/>
+                <a:t>ソラノアナ</a:t>
+              </a:r>
+            </a:p>
+          </p:txBody>
+        </p:sp>
+      </p:grpSp>
+      <p:grpSp>
+        <p:nvGrpSpPr>
+          <p:cNvPr id="53" name="グループ化 52">
+            <a:extLst>
+              <a:ext uri="{FF2B5EF4-FFF2-40B4-BE49-F238E27FC236}">
+                <a16:creationId xmlns:a16="http://schemas.microsoft.com/office/drawing/2014/main" id="{0371EC01-31E2-2650-E317-8FC538BFDC73}"/>
+              </a:ext>
+            </a:extLst>
+          </p:cNvPr>
+          <p:cNvGrpSpPr>
+            <a:grpSpLocks noChangeAspect="1"/>
+          </p:cNvGrpSpPr>
+          <p:nvPr/>
+        </p:nvGrpSpPr>
+        <p:grpSpPr>
+          <a:xfrm>
+            <a:off x="7513617" y="897324"/>
+            <a:ext cx="2105198" cy="2109488"/>
+            <a:chOff x="6894195" y="2304141"/>
+            <a:chExt cx="2105198" cy="2109488"/>
+          </a:xfrm>
+        </p:grpSpPr>
+        <p:pic>
+          <p:nvPicPr>
+            <p:cNvPr id="50" name="図 49">
+              <a:extLst>
+                <a:ext uri="{FF2B5EF4-FFF2-40B4-BE49-F238E27FC236}">
+                  <a16:creationId xmlns:a16="http://schemas.microsoft.com/office/drawing/2014/main" id="{2C5B8D89-6560-D997-2BA0-EE246D9AC6E4}"/>
+                </a:ext>
+              </a:extLst>
+            </p:cNvPr>
+            <p:cNvPicPr>
+              <a:picLocks noChangeAspect="1"/>
+            </p:cNvPicPr>
+            <p:nvPr/>
+          </p:nvPicPr>
+          <p:blipFill>
+            <a:blip r:embed="rId2">
+              <a:extLst>
+                <a:ext uri="{28A0092B-C50C-407E-A947-70E740481C1C}">
+                  <a14:useLocalDpi xmlns:a14="http://schemas.microsoft.com/office/drawing/2010/main" val="0"/>
+                </a:ext>
+              </a:extLst>
+            </a:blip>
+            <a:stretch>
+              <a:fillRect/>
+            </a:stretch>
+          </p:blipFill>
+          <p:spPr>
+            <a:xfrm>
+              <a:off x="6894195" y="2308431"/>
+              <a:ext cx="2105198" cy="2105198"/>
+            </a:xfrm>
+            <a:prstGeom prst="rect">
+              <a:avLst/>
+            </a:prstGeom>
+          </p:spPr>
+        </p:pic>
+        <p:sp>
+          <p:nvSpPr>
+            <p:cNvPr id="52" name="正方形/長方形 51">
+              <a:extLst>
+                <a:ext uri="{FF2B5EF4-FFF2-40B4-BE49-F238E27FC236}">
+                  <a16:creationId xmlns:a16="http://schemas.microsoft.com/office/drawing/2014/main" id="{BBA6C0AA-436A-CB7A-1415-51513E7C2FDF}"/>
+                </a:ext>
+              </a:extLst>
+            </p:cNvPr>
+            <p:cNvSpPr>
+              <a:spLocks noChangeAspect="1"/>
+            </p:cNvSpPr>
+            <p:nvPr/>
+          </p:nvSpPr>
+          <p:spPr>
+            <a:xfrm>
+              <a:off x="6894200" y="2304141"/>
+              <a:ext cx="2105193" cy="2105193"/>
+            </a:xfrm>
+            <a:prstGeom prst="rect">
+              <a:avLst/>
+            </a:prstGeom>
+            <a:solidFill>
+              <a:srgbClr val="4472C4">
+                <a:alpha val="50196"/>
+              </a:srgbClr>
+            </a:solidFill>
+            <a:ln>
+              <a:noFill/>
+            </a:ln>
+          </p:spPr>
+          <p:style>
+            <a:lnRef idx="2">
+              <a:schemeClr val="accent1">
+                <a:shade val="15000"/>
+              </a:schemeClr>
+            </a:lnRef>
+            <a:fillRef idx="1">
+              <a:schemeClr val="accent1"/>
+            </a:fillRef>
+            <a:effectRef idx="0">
+              <a:schemeClr val="accent1"/>
+            </a:effectRef>
+            <a:fontRef idx="minor">
+              <a:schemeClr val="lt1"/>
+            </a:fontRef>
+          </p:style>
+          <p:txBody>
+            <a:bodyPr rtlCol="0" anchor="ctr"/>
+            <a:lstStyle/>
+            <a:p>
+              <a:pPr algn="ctr"/>
+              <a:r>
+                <a:rPr kumimoji="1" lang="en-US" altLang="ja-JP" sz="9600" dirty="0"/>
+                <a:t>1</a:t>
+              </a:r>
+              <a:endParaRPr kumimoji="1" lang="ja-JP" altLang="en-US" sz="9600" dirty="0"/>
+            </a:p>
+          </p:txBody>
+        </p:sp>
+      </p:grpSp>
+      <p:grpSp>
+        <p:nvGrpSpPr>
+          <p:cNvPr id="54" name="グループ化 53">
+            <a:extLst>
+              <a:ext uri="{FF2B5EF4-FFF2-40B4-BE49-F238E27FC236}">
+                <a16:creationId xmlns:a16="http://schemas.microsoft.com/office/drawing/2014/main" id="{53FF2B3F-925D-D2F6-42E0-7CDC88444679}"/>
+              </a:ext>
+            </a:extLst>
+          </p:cNvPr>
+          <p:cNvGrpSpPr>
+            <a:grpSpLocks noChangeAspect="1"/>
+          </p:cNvGrpSpPr>
+          <p:nvPr/>
+        </p:nvGrpSpPr>
+        <p:grpSpPr>
+          <a:xfrm>
+            <a:off x="9823826" y="901614"/>
+            <a:ext cx="942994" cy="944915"/>
+            <a:chOff x="6894195" y="2304141"/>
+            <a:chExt cx="2105198" cy="2109488"/>
+          </a:xfrm>
+        </p:grpSpPr>
+        <p:pic>
+          <p:nvPicPr>
+            <p:cNvPr id="55" name="図 54">
+              <a:extLst>
+                <a:ext uri="{FF2B5EF4-FFF2-40B4-BE49-F238E27FC236}">
+                  <a16:creationId xmlns:a16="http://schemas.microsoft.com/office/drawing/2014/main" id="{B5EE8A67-0022-0D6C-4097-5D33723A1D1F}"/>
+                </a:ext>
+              </a:extLst>
+            </p:cNvPr>
+            <p:cNvPicPr>
+              <a:picLocks noChangeAspect="1"/>
+            </p:cNvPicPr>
+            <p:nvPr/>
+          </p:nvPicPr>
+          <p:blipFill>
+            <a:blip r:embed="rId2">
+              <a:extLst>
+                <a:ext uri="{28A0092B-C50C-407E-A947-70E740481C1C}">
+                  <a14:useLocalDpi xmlns:a14="http://schemas.microsoft.com/office/drawing/2010/main" val="0"/>
+                </a:ext>
+              </a:extLst>
+            </a:blip>
+            <a:stretch>
+              <a:fillRect/>
+            </a:stretch>
+          </p:blipFill>
+          <p:spPr>
+            <a:xfrm>
+              <a:off x="6894195" y="2308431"/>
+              <a:ext cx="2105198" cy="2105198"/>
+            </a:xfrm>
+            <a:prstGeom prst="rect">
+              <a:avLst/>
+            </a:prstGeom>
+          </p:spPr>
+        </p:pic>
+        <p:sp>
+          <p:nvSpPr>
+            <p:cNvPr id="56" name="正方形/長方形 55">
+              <a:extLst>
+                <a:ext uri="{FF2B5EF4-FFF2-40B4-BE49-F238E27FC236}">
+                  <a16:creationId xmlns:a16="http://schemas.microsoft.com/office/drawing/2014/main" id="{D414521A-2346-826C-07ED-3BCDFE836107}"/>
+                </a:ext>
+              </a:extLst>
+            </p:cNvPr>
+            <p:cNvSpPr>
+              <a:spLocks noChangeAspect="1"/>
+            </p:cNvSpPr>
+            <p:nvPr/>
+          </p:nvSpPr>
+          <p:spPr>
+            <a:xfrm>
+              <a:off x="6894200" y="2304141"/>
+              <a:ext cx="2105193" cy="2105193"/>
+            </a:xfrm>
+            <a:prstGeom prst="rect">
+              <a:avLst/>
+            </a:prstGeom>
+            <a:solidFill>
+              <a:srgbClr val="4472C4">
+                <a:alpha val="50196"/>
+              </a:srgbClr>
+            </a:solidFill>
+            <a:ln>
+              <a:noFill/>
+            </a:ln>
+          </p:spPr>
+          <p:style>
+            <a:lnRef idx="2">
+              <a:schemeClr val="accent1">
+                <a:shade val="15000"/>
+              </a:schemeClr>
+            </a:lnRef>
+            <a:fillRef idx="1">
+              <a:schemeClr val="accent1"/>
+            </a:fillRef>
+            <a:effectRef idx="0">
+              <a:schemeClr val="accent1"/>
+            </a:effectRef>
+            <a:fontRef idx="minor">
+              <a:schemeClr val="lt1"/>
+            </a:fontRef>
+          </p:style>
+          <p:txBody>
+            <a:bodyPr rtlCol="0" anchor="ctr"/>
+            <a:lstStyle/>
+            <a:p>
+              <a:pPr algn="ctr"/>
+              <a:r>
+                <a:rPr kumimoji="1" lang="en-US" altLang="ja-JP" sz="4400" dirty="0"/>
+                <a:t>2</a:t>
+              </a:r>
+              <a:endParaRPr kumimoji="1" lang="ja-JP" altLang="en-US" sz="4400" dirty="0"/>
+            </a:p>
+          </p:txBody>
+        </p:sp>
+      </p:grpSp>
+      <p:grpSp>
+        <p:nvGrpSpPr>
+          <p:cNvPr id="57" name="グループ化 56">
+            <a:extLst>
+              <a:ext uri="{FF2B5EF4-FFF2-40B4-BE49-F238E27FC236}">
+                <a16:creationId xmlns:a16="http://schemas.microsoft.com/office/drawing/2014/main" id="{06A6C84F-D7F7-869A-7EB9-D3A660991141}"/>
+              </a:ext>
+            </a:extLst>
+          </p:cNvPr>
+          <p:cNvGrpSpPr>
+            <a:grpSpLocks noChangeAspect="1"/>
+          </p:cNvGrpSpPr>
+          <p:nvPr/>
+        </p:nvGrpSpPr>
+        <p:grpSpPr>
+          <a:xfrm>
+            <a:off x="9823826" y="2057602"/>
+            <a:ext cx="942994" cy="944915"/>
+            <a:chOff x="6894195" y="2304141"/>
+            <a:chExt cx="2105198" cy="2109488"/>
+          </a:xfrm>
+        </p:grpSpPr>
+        <p:pic>
+          <p:nvPicPr>
+            <p:cNvPr id="58" name="図 57">
+              <a:extLst>
+                <a:ext uri="{FF2B5EF4-FFF2-40B4-BE49-F238E27FC236}">
+                  <a16:creationId xmlns:a16="http://schemas.microsoft.com/office/drawing/2014/main" id="{F578941F-72EF-59F7-023C-4DBC7D746044}"/>
+                </a:ext>
+              </a:extLst>
+            </p:cNvPr>
+            <p:cNvPicPr>
+              <a:picLocks noChangeAspect="1"/>
+            </p:cNvPicPr>
+            <p:nvPr/>
+          </p:nvPicPr>
+          <p:blipFill>
+            <a:blip r:embed="rId2">
+              <a:extLst>
+                <a:ext uri="{28A0092B-C50C-407E-A947-70E740481C1C}">
+                  <a14:useLocalDpi xmlns:a14="http://schemas.microsoft.com/office/drawing/2010/main" val="0"/>
+                </a:ext>
+              </a:extLst>
+            </a:blip>
+            <a:stretch>
+              <a:fillRect/>
+            </a:stretch>
+          </p:blipFill>
+          <p:spPr>
+            <a:xfrm>
+              <a:off x="6894195" y="2308431"/>
+              <a:ext cx="2105198" cy="2105198"/>
+            </a:xfrm>
+            <a:prstGeom prst="rect">
+              <a:avLst/>
+            </a:prstGeom>
+          </p:spPr>
+        </p:pic>
+        <p:sp>
+          <p:nvSpPr>
+            <p:cNvPr id="59" name="正方形/長方形 58">
+              <a:extLst>
+                <a:ext uri="{FF2B5EF4-FFF2-40B4-BE49-F238E27FC236}">
+                  <a16:creationId xmlns:a16="http://schemas.microsoft.com/office/drawing/2014/main" id="{35CC7AE5-782E-33E1-F4C6-4966C7CDC675}"/>
+                </a:ext>
+              </a:extLst>
+            </p:cNvPr>
+            <p:cNvSpPr>
+              <a:spLocks noChangeAspect="1"/>
+            </p:cNvSpPr>
+            <p:nvPr/>
+          </p:nvSpPr>
+          <p:spPr>
+            <a:xfrm>
+              <a:off x="6894200" y="2304141"/>
+              <a:ext cx="2105193" cy="2105193"/>
+            </a:xfrm>
+            <a:prstGeom prst="rect">
+              <a:avLst/>
+            </a:prstGeom>
+            <a:solidFill>
+              <a:srgbClr val="4472C4">
+                <a:alpha val="50196"/>
+              </a:srgbClr>
+            </a:solidFill>
+            <a:ln>
+              <a:noFill/>
+            </a:ln>
+          </p:spPr>
+          <p:style>
+            <a:lnRef idx="2">
+              <a:schemeClr val="accent1">
+                <a:shade val="15000"/>
+              </a:schemeClr>
+            </a:lnRef>
+            <a:fillRef idx="1">
+              <a:schemeClr val="accent1"/>
+            </a:fillRef>
+            <a:effectRef idx="0">
+              <a:schemeClr val="accent1"/>
+            </a:effectRef>
+            <a:fontRef idx="minor">
+              <a:schemeClr val="lt1"/>
+            </a:fontRef>
+          </p:style>
+          <p:txBody>
+            <a:bodyPr rtlCol="0" anchor="ctr"/>
+            <a:lstStyle/>
+            <a:p>
+              <a:pPr algn="ctr"/>
+              <a:r>
+                <a:rPr kumimoji="1" lang="en-US" altLang="ja-JP" sz="4400" dirty="0"/>
+                <a:t>3+</a:t>
+              </a:r>
+              <a:endParaRPr kumimoji="1" lang="ja-JP" altLang="en-US" sz="9600" dirty="0"/>
+            </a:p>
+          </p:txBody>
+        </p:sp>
+      </p:grpSp>
+      <p:sp>
+        <p:nvSpPr>
+          <p:cNvPr id="3" name="コンテンツ プレースホルダー 2">
+            <a:extLst>
+              <a:ext uri="{FF2B5EF4-FFF2-40B4-BE49-F238E27FC236}">
+                <a16:creationId xmlns:a16="http://schemas.microsoft.com/office/drawing/2014/main" id="{E1785444-5FE9-9C5A-2C39-646AA64B9C31}"/>
+              </a:ext>
+            </a:extLst>
+          </p:cNvPr>
+          <p:cNvSpPr>
+            <a:spLocks noGrp="1"/>
+          </p:cNvSpPr>
+          <p:nvPr>
+            <p:ph idx="1"/>
+          </p:nvPr>
+        </p:nvSpPr>
+        <p:spPr>
+          <a:xfrm>
+            <a:off x="2202180" y="1661715"/>
+            <a:ext cx="8463815" cy="4351338"/>
+          </a:xfrm>
+        </p:spPr>
+        <p:txBody>
+          <a:bodyPr>
+            <a:noAutofit/>
+          </a:bodyPr>
+          <a:lstStyle/>
+          <a:p>
+            <a:pPr indent="133350" algn="just"/>
+            <a:r>
+              <a:rPr lang="ja-JP" altLang="ja-JP" sz="700" kern="100" dirty="0">
+                <a:effectLst/>
+                <a:latin typeface="Century" panose="02040604050505020304" pitchFamily="18" charset="0"/>
+                <a:ea typeface="ＭＳ 明朝" panose="02020609040205080304" pitchFamily="17" charset="-128"/>
+                <a:cs typeface="Times New Roman" panose="02020603050405020304" pitchFamily="18" charset="0"/>
+              </a:rPr>
+              <a:t>名前</a:t>
+            </a:r>
+          </a:p>
+          <a:p>
+            <a:pPr indent="133350" algn="just"/>
+            <a:r>
+              <a:rPr lang="ja-JP" altLang="ja-JP" sz="700" kern="100" dirty="0">
+                <a:effectLst/>
+                <a:latin typeface="Century" panose="02040604050505020304" pitchFamily="18" charset="0"/>
+                <a:ea typeface="ＭＳ 明朝" panose="02020609040205080304" pitchFamily="17" charset="-128"/>
+                <a:cs typeface="Times New Roman" panose="02020603050405020304" pitchFamily="18" charset="0"/>
+              </a:rPr>
+              <a:t>名前のよみがな</a:t>
+            </a:r>
+          </a:p>
+          <a:p>
+            <a:pPr indent="133350" algn="just"/>
+            <a:r>
+              <a:rPr lang="ja-JP" altLang="ja-JP" sz="700" kern="100" dirty="0">
+                <a:effectLst/>
+                <a:latin typeface="Century" panose="02040604050505020304" pitchFamily="18" charset="0"/>
+                <a:ea typeface="ＭＳ 明朝" panose="02020609040205080304" pitchFamily="17" charset="-128"/>
+                <a:cs typeface="Times New Roman" panose="02020603050405020304" pitchFamily="18" charset="0"/>
+              </a:rPr>
+              <a:t>キャラモデル画像（複数。</a:t>
+            </a:r>
+            <a:r>
+              <a:rPr lang="en-US" altLang="ja-JP" sz="700" kern="100" dirty="0">
+                <a:effectLst/>
+                <a:latin typeface="Century" panose="02040604050505020304" pitchFamily="18" charset="0"/>
+                <a:ea typeface="ＭＳ 明朝" panose="02020609040205080304" pitchFamily="17" charset="-128"/>
+                <a:cs typeface="Times New Roman" panose="02020603050405020304" pitchFamily="18" charset="0"/>
+              </a:rPr>
+              <a:t>3D</a:t>
+            </a:r>
+            <a:r>
+              <a:rPr lang="ja-JP" altLang="ja-JP" sz="700" kern="100" dirty="0">
+                <a:effectLst/>
+                <a:latin typeface="Century" panose="02040604050505020304" pitchFamily="18" charset="0"/>
+                <a:ea typeface="ＭＳ 明朝" panose="02020609040205080304" pitchFamily="17" charset="-128"/>
+                <a:cs typeface="Times New Roman" panose="02020603050405020304" pitchFamily="18" charset="0"/>
+              </a:rPr>
+              <a:t>モデルをどうするか）</a:t>
+            </a:r>
+          </a:p>
+          <a:p>
+            <a:pPr indent="133350" algn="just"/>
+            <a:r>
+              <a:rPr lang="ja-JP" altLang="ja-JP" sz="700" kern="100" dirty="0">
+                <a:effectLst/>
+                <a:latin typeface="Century" panose="02040604050505020304" pitchFamily="18" charset="0"/>
+                <a:ea typeface="ＭＳ 明朝" panose="02020609040205080304" pitchFamily="17" charset="-128"/>
+                <a:cs typeface="Times New Roman" panose="02020603050405020304" pitchFamily="18" charset="0"/>
+              </a:rPr>
+              <a:t>ママ（担当イラストレーター）</a:t>
+            </a:r>
+          </a:p>
+          <a:p>
+            <a:pPr indent="133350" algn="just"/>
+            <a:r>
+              <a:rPr lang="ja-JP" altLang="ja-JP" sz="700" kern="100" dirty="0">
+                <a:effectLst/>
+                <a:latin typeface="Century" panose="02040604050505020304" pitchFamily="18" charset="0"/>
+                <a:ea typeface="ＭＳ 明朝" panose="02020609040205080304" pitchFamily="17" charset="-128"/>
+                <a:cs typeface="Times New Roman" panose="02020603050405020304" pitchFamily="18" charset="0"/>
+              </a:rPr>
+              <a:t>パパ（担当</a:t>
+            </a:r>
+            <a:r>
+              <a:rPr lang="en-US" altLang="ja-JP" sz="700" kern="100" dirty="0">
+                <a:effectLst/>
+                <a:latin typeface="Century" panose="02040604050505020304" pitchFamily="18" charset="0"/>
+                <a:ea typeface="ＭＳ 明朝" panose="02020609040205080304" pitchFamily="17" charset="-128"/>
+                <a:cs typeface="Times New Roman" panose="02020603050405020304" pitchFamily="18" charset="0"/>
+              </a:rPr>
+              <a:t>Live2D</a:t>
+            </a:r>
+            <a:r>
+              <a:rPr lang="ja-JP" altLang="ja-JP" sz="700" kern="100" dirty="0">
+                <a:effectLst/>
+                <a:latin typeface="Century" panose="02040604050505020304" pitchFamily="18" charset="0"/>
+                <a:ea typeface="ＭＳ 明朝" panose="02020609040205080304" pitchFamily="17" charset="-128"/>
+                <a:cs typeface="Times New Roman" panose="02020603050405020304" pitchFamily="18" charset="0"/>
+              </a:rPr>
+              <a:t>、</a:t>
+            </a:r>
+            <a:r>
+              <a:rPr lang="en-US" altLang="ja-JP" sz="700" kern="100" dirty="0">
+                <a:effectLst/>
+                <a:latin typeface="Century" panose="02040604050505020304" pitchFamily="18" charset="0"/>
+                <a:ea typeface="ＭＳ 明朝" panose="02020609040205080304" pitchFamily="17" charset="-128"/>
+                <a:cs typeface="Times New Roman" panose="02020603050405020304" pitchFamily="18" charset="0"/>
+              </a:rPr>
+              <a:t>3D</a:t>
+            </a:r>
+            <a:r>
+              <a:rPr lang="ja-JP" altLang="ja-JP" sz="700" kern="100" dirty="0">
+                <a:effectLst/>
+                <a:latin typeface="Century" panose="02040604050505020304" pitchFamily="18" charset="0"/>
+                <a:ea typeface="ＭＳ 明朝" panose="02020609040205080304" pitchFamily="17" charset="-128"/>
+                <a:cs typeface="Times New Roman" panose="02020603050405020304" pitchFamily="18" charset="0"/>
+              </a:rPr>
+              <a:t>モデリングなど）</a:t>
+            </a:r>
+          </a:p>
+          <a:p>
+            <a:pPr indent="133350" algn="just"/>
+            <a:r>
+              <a:rPr lang="ja-JP" altLang="ja-JP" sz="700" kern="100" dirty="0">
+                <a:effectLst/>
+                <a:latin typeface="Century" panose="02040604050505020304" pitchFamily="18" charset="0"/>
+                <a:ea typeface="ＭＳ 明朝" panose="02020609040205080304" pitchFamily="17" charset="-128"/>
+                <a:cs typeface="Times New Roman" panose="02020603050405020304" pitchFamily="18" charset="0"/>
+              </a:rPr>
+              <a:t>箱（所属事務所）</a:t>
+            </a:r>
+          </a:p>
+          <a:p>
+            <a:pPr indent="133350" algn="just"/>
+            <a:r>
+              <a:rPr lang="ja-JP" altLang="ja-JP" sz="700" kern="100" dirty="0">
+                <a:effectLst/>
+                <a:latin typeface="Century" panose="02040604050505020304" pitchFamily="18" charset="0"/>
+                <a:ea typeface="ＭＳ 明朝" panose="02020609040205080304" pitchFamily="17" charset="-128"/>
+                <a:cs typeface="Times New Roman" panose="02020603050405020304" pitchFamily="18" charset="0"/>
+              </a:rPr>
+              <a:t>性別（男、女、バ美肉、その他）</a:t>
+            </a:r>
+            <a:endParaRPr lang="en-US" altLang="ja-JP" sz="700" kern="100" dirty="0">
+              <a:effectLst/>
+              <a:latin typeface="Century" panose="02040604050505020304" pitchFamily="18" charset="0"/>
+              <a:ea typeface="ＭＳ 明朝" panose="02020609040205080304" pitchFamily="17" charset="-128"/>
+              <a:cs typeface="Times New Roman" panose="02020603050405020304" pitchFamily="18" charset="0"/>
+            </a:endParaRPr>
+          </a:p>
+          <a:p>
+            <a:pPr indent="133350" algn="just"/>
+            <a:r>
+              <a:rPr lang="ja-JP" altLang="en-US" sz="700" kern="100" dirty="0">
+                <a:effectLst/>
+                <a:latin typeface="Century" panose="02040604050505020304" pitchFamily="18" charset="0"/>
+                <a:ea typeface="ＭＳ 明朝" panose="02020609040205080304" pitchFamily="17" charset="-128"/>
+                <a:cs typeface="Times New Roman" panose="02020603050405020304" pitchFamily="18" charset="0"/>
+              </a:rPr>
+              <a:t>イメージカラー</a:t>
+            </a:r>
+            <a:endParaRPr lang="ja-JP" altLang="ja-JP" sz="700" kern="100" dirty="0">
+              <a:effectLst/>
+              <a:latin typeface="Century" panose="02040604050505020304" pitchFamily="18" charset="0"/>
+              <a:ea typeface="ＭＳ 明朝" panose="02020609040205080304" pitchFamily="17" charset="-128"/>
+              <a:cs typeface="Times New Roman" panose="02020603050405020304" pitchFamily="18" charset="0"/>
+            </a:endParaRPr>
+          </a:p>
+          <a:p>
+            <a:pPr indent="133350" algn="just"/>
+            <a:r>
+              <a:rPr lang="en-US" altLang="ja-JP" sz="700" kern="100" dirty="0" err="1">
+                <a:effectLst/>
+                <a:latin typeface="Century" panose="02040604050505020304" pitchFamily="18" charset="0"/>
+                <a:ea typeface="ＭＳ 明朝" panose="02020609040205080304" pitchFamily="17" charset="-128"/>
+                <a:cs typeface="Times New Roman" panose="02020603050405020304" pitchFamily="18" charset="0"/>
+              </a:rPr>
+              <a:t>Youtube</a:t>
+            </a:r>
+            <a:r>
+              <a:rPr lang="ja-JP" altLang="ja-JP" sz="700" kern="100" dirty="0">
+                <a:effectLst/>
+                <a:latin typeface="Century" panose="02040604050505020304" pitchFamily="18" charset="0"/>
+                <a:ea typeface="ＭＳ 明朝" panose="02020609040205080304" pitchFamily="17" charset="-128"/>
+                <a:cs typeface="Times New Roman" panose="02020603050405020304" pitchFamily="18" charset="0"/>
+              </a:rPr>
+              <a:t>、</a:t>
+            </a:r>
+            <a:r>
+              <a:rPr lang="en-US" altLang="ja-JP" sz="700" kern="100" dirty="0" err="1">
+                <a:effectLst/>
+                <a:latin typeface="Century" panose="02040604050505020304" pitchFamily="18" charset="0"/>
+                <a:ea typeface="ＭＳ 明朝" panose="02020609040205080304" pitchFamily="17" charset="-128"/>
+                <a:cs typeface="Times New Roman" panose="02020603050405020304" pitchFamily="18" charset="0"/>
+              </a:rPr>
+              <a:t>Tiktok</a:t>
+            </a:r>
+            <a:r>
+              <a:rPr lang="ja-JP" altLang="ja-JP" sz="700" kern="100" dirty="0">
+                <a:effectLst/>
+                <a:latin typeface="Century" panose="02040604050505020304" pitchFamily="18" charset="0"/>
+                <a:ea typeface="ＭＳ 明朝" panose="02020609040205080304" pitchFamily="17" charset="-128"/>
+                <a:cs typeface="Times New Roman" panose="02020603050405020304" pitchFamily="18" charset="0"/>
+              </a:rPr>
+              <a:t>、</a:t>
+            </a:r>
+            <a:r>
+              <a:rPr lang="en-US" altLang="ja-JP" sz="700" kern="100" dirty="0">
+                <a:effectLst/>
+                <a:latin typeface="Century" panose="02040604050505020304" pitchFamily="18" charset="0"/>
+                <a:ea typeface="ＭＳ 明朝" panose="02020609040205080304" pitchFamily="17" charset="-128"/>
+                <a:cs typeface="Times New Roman" panose="02020603050405020304" pitchFamily="18" charset="0"/>
+              </a:rPr>
+              <a:t>Twitter</a:t>
+            </a:r>
+            <a:r>
+              <a:rPr lang="ja-JP" altLang="ja-JP" sz="700" kern="100" dirty="0">
+                <a:effectLst/>
+                <a:latin typeface="Century" panose="02040604050505020304" pitchFamily="18" charset="0"/>
+                <a:ea typeface="ＭＳ 明朝" panose="02020609040205080304" pitchFamily="17" charset="-128"/>
+                <a:cs typeface="Times New Roman" panose="02020603050405020304" pitchFamily="18" charset="0"/>
+              </a:rPr>
+              <a:t>、</a:t>
+            </a:r>
+            <a:r>
+              <a:rPr lang="en-US" altLang="ja-JP" sz="700" kern="100" dirty="0">
+                <a:effectLst/>
+                <a:latin typeface="Century" panose="02040604050505020304" pitchFamily="18" charset="0"/>
+                <a:ea typeface="ＭＳ 明朝" panose="02020609040205080304" pitchFamily="17" charset="-128"/>
+                <a:cs typeface="Times New Roman" panose="02020603050405020304" pitchFamily="18" charset="0"/>
+              </a:rPr>
+              <a:t>Instagram</a:t>
+            </a:r>
+            <a:r>
+              <a:rPr lang="ja-JP" altLang="ja-JP" sz="700" kern="100" dirty="0">
+                <a:effectLst/>
+                <a:latin typeface="Century" panose="02040604050505020304" pitchFamily="18" charset="0"/>
+                <a:ea typeface="ＭＳ 明朝" panose="02020609040205080304" pitchFamily="17" charset="-128"/>
+                <a:cs typeface="Times New Roman" panose="02020603050405020304" pitchFamily="18" charset="0"/>
+              </a:rPr>
+              <a:t>、公式</a:t>
+            </a:r>
+            <a:r>
+              <a:rPr lang="en-US" altLang="ja-JP" sz="700" kern="100" dirty="0">
+                <a:effectLst/>
+                <a:latin typeface="Century" panose="02040604050505020304" pitchFamily="18" charset="0"/>
+                <a:ea typeface="ＭＳ 明朝" panose="02020609040205080304" pitchFamily="17" charset="-128"/>
+                <a:cs typeface="Times New Roman" panose="02020603050405020304" pitchFamily="18" charset="0"/>
+              </a:rPr>
+              <a:t>LINE</a:t>
+            </a:r>
+            <a:r>
+              <a:rPr lang="ja-JP" altLang="ja-JP" sz="700" kern="100" dirty="0">
+                <a:effectLst/>
+                <a:latin typeface="Century" panose="02040604050505020304" pitchFamily="18" charset="0"/>
+                <a:ea typeface="ＭＳ 明朝" panose="02020609040205080304" pitchFamily="17" charset="-128"/>
+                <a:cs typeface="Times New Roman" panose="02020603050405020304" pitchFamily="18" charset="0"/>
+              </a:rPr>
+              <a:t>アカウント、</a:t>
+            </a:r>
+            <a:r>
+              <a:rPr lang="en-US" altLang="ja-JP" sz="700" kern="100" dirty="0">
+                <a:effectLst/>
+                <a:latin typeface="Century" panose="02040604050505020304" pitchFamily="18" charset="0"/>
+                <a:ea typeface="ＭＳ 明朝" panose="02020609040205080304" pitchFamily="17" charset="-128"/>
+                <a:cs typeface="Times New Roman" panose="02020603050405020304" pitchFamily="18" charset="0"/>
+              </a:rPr>
+              <a:t>Twitch</a:t>
+            </a:r>
+            <a:r>
+              <a:rPr lang="ja-JP" altLang="ja-JP" sz="700" kern="100" dirty="0">
+                <a:effectLst/>
+                <a:latin typeface="Century" panose="02040604050505020304" pitchFamily="18" charset="0"/>
+                <a:ea typeface="ＭＳ 明朝" panose="02020609040205080304" pitchFamily="17" charset="-128"/>
+                <a:cs typeface="Times New Roman" panose="02020603050405020304" pitchFamily="18" charset="0"/>
+              </a:rPr>
+              <a:t>、ミルダム、</a:t>
+            </a:r>
+            <a:r>
+              <a:rPr lang="en-US" altLang="ja-JP" sz="700" kern="100" dirty="0" err="1">
+                <a:effectLst/>
+                <a:latin typeface="Century" panose="02040604050505020304" pitchFamily="18" charset="0"/>
+                <a:ea typeface="ＭＳ 明朝" panose="02020609040205080304" pitchFamily="17" charset="-128"/>
+                <a:cs typeface="Times New Roman" panose="02020603050405020304" pitchFamily="18" charset="0"/>
+              </a:rPr>
+              <a:t>Fantia</a:t>
+            </a:r>
+            <a:r>
+              <a:rPr lang="ja-JP" altLang="ja-JP" sz="700" kern="100" dirty="0">
+                <a:effectLst/>
+                <a:latin typeface="Century" panose="02040604050505020304" pitchFamily="18" charset="0"/>
+                <a:ea typeface="ＭＳ 明朝" panose="02020609040205080304" pitchFamily="17" charset="-128"/>
+                <a:cs typeface="Times New Roman" panose="02020603050405020304" pitchFamily="18" charset="0"/>
+              </a:rPr>
+              <a:t>、マシュマロ、</a:t>
+            </a:r>
+            <a:r>
+              <a:rPr lang="en-US" altLang="ja-JP" sz="700" kern="100" dirty="0">
+                <a:effectLst/>
+                <a:latin typeface="Century" panose="02040604050505020304" pitchFamily="18" charset="0"/>
+                <a:ea typeface="ＭＳ 明朝" panose="02020609040205080304" pitchFamily="17" charset="-128"/>
+                <a:cs typeface="Times New Roman" panose="02020603050405020304" pitchFamily="18" charset="0"/>
+              </a:rPr>
+              <a:t>Booth</a:t>
+            </a:r>
+            <a:r>
+              <a:rPr lang="ja-JP" altLang="ja-JP" sz="700" kern="100" dirty="0">
+                <a:effectLst/>
+                <a:latin typeface="Century" panose="02040604050505020304" pitchFamily="18" charset="0"/>
+                <a:ea typeface="ＭＳ 明朝" panose="02020609040205080304" pitchFamily="17" charset="-128"/>
+                <a:cs typeface="Times New Roman" panose="02020603050405020304" pitchFamily="18" charset="0"/>
+              </a:rPr>
+              <a:t>等の活動プラットフォームのアカウントリンク</a:t>
+            </a:r>
+          </a:p>
+          <a:p>
+            <a:pPr indent="133350" algn="just"/>
+            <a:r>
+              <a:rPr lang="ja-JP" altLang="ja-JP" sz="700" kern="100" dirty="0">
+                <a:effectLst/>
+                <a:latin typeface="Century" panose="02040604050505020304" pitchFamily="18" charset="0"/>
+                <a:ea typeface="ＭＳ 明朝" panose="02020609040205080304" pitchFamily="17" charset="-128"/>
+                <a:cs typeface="Times New Roman" panose="02020603050405020304" pitchFamily="18" charset="0"/>
+              </a:rPr>
+              <a:t>活動開始日</a:t>
+            </a:r>
+            <a:endParaRPr lang="en-US" altLang="ja-JP" sz="700" kern="100" dirty="0">
+              <a:effectLst/>
+              <a:latin typeface="Century" panose="02040604050505020304" pitchFamily="18" charset="0"/>
+              <a:ea typeface="ＭＳ 明朝" panose="02020609040205080304" pitchFamily="17" charset="-128"/>
+              <a:cs typeface="Times New Roman" panose="02020603050405020304" pitchFamily="18" charset="0"/>
+            </a:endParaRPr>
+          </a:p>
+          <a:p>
+            <a:pPr indent="133350" algn="just"/>
+            <a:r>
+              <a:rPr lang="ja-JP" altLang="en-US" sz="700" kern="100" dirty="0">
+                <a:effectLst/>
+                <a:latin typeface="Century" panose="02040604050505020304" pitchFamily="18" charset="0"/>
+                <a:ea typeface="ＭＳ 明朝" panose="02020609040205080304" pitchFamily="17" charset="-128"/>
+                <a:cs typeface="Times New Roman" panose="02020603050405020304" pitchFamily="18" charset="0"/>
+              </a:rPr>
+              <a:t>活動終了日</a:t>
+            </a:r>
+            <a:endParaRPr lang="ja-JP" altLang="ja-JP" sz="700" kern="100" dirty="0">
+              <a:effectLst/>
+              <a:latin typeface="Century" panose="02040604050505020304" pitchFamily="18" charset="0"/>
+              <a:ea typeface="ＭＳ 明朝" panose="02020609040205080304" pitchFamily="17" charset="-128"/>
+              <a:cs typeface="Times New Roman" panose="02020603050405020304" pitchFamily="18" charset="0"/>
+            </a:endParaRPr>
+          </a:p>
+          <a:p>
+            <a:pPr indent="133350" algn="just"/>
+            <a:r>
+              <a:rPr lang="ja-JP" altLang="ja-JP" sz="700" kern="100" dirty="0">
+                <a:effectLst/>
+                <a:latin typeface="Century" panose="02040604050505020304" pitchFamily="18" charset="0"/>
+                <a:ea typeface="ＭＳ 明朝" panose="02020609040205080304" pitchFamily="17" charset="-128"/>
+                <a:cs typeface="Times New Roman" panose="02020603050405020304" pitchFamily="18" charset="0"/>
+              </a:rPr>
+              <a:t>ファンの呼称</a:t>
+            </a:r>
+          </a:p>
+          <a:p>
+            <a:pPr indent="133350" algn="just"/>
+            <a:r>
+              <a:rPr lang="ja-JP" altLang="ja-JP" sz="700" kern="100" dirty="0">
+                <a:effectLst/>
+                <a:latin typeface="Century" panose="02040604050505020304" pitchFamily="18" charset="0"/>
+                <a:ea typeface="ＭＳ 明朝" panose="02020609040205080304" pitchFamily="17" charset="-128"/>
+                <a:cs typeface="Times New Roman" panose="02020603050405020304" pitchFamily="18" charset="0"/>
+              </a:rPr>
+              <a:t>ファンマーク</a:t>
+            </a:r>
+          </a:p>
+          <a:p>
+            <a:pPr indent="133350" algn="just"/>
+            <a:r>
+              <a:rPr lang="ja-JP" altLang="ja-JP" sz="700" kern="100" dirty="0">
+                <a:effectLst/>
+                <a:latin typeface="Century" panose="02040604050505020304" pitchFamily="18" charset="0"/>
+                <a:ea typeface="ＭＳ 明朝" panose="02020609040205080304" pitchFamily="17" charset="-128"/>
+                <a:cs typeface="Times New Roman" panose="02020603050405020304" pitchFamily="18" charset="0"/>
+              </a:rPr>
+              <a:t>一人称の呼び名</a:t>
+            </a:r>
+          </a:p>
+          <a:p>
+            <a:pPr indent="133350" algn="just"/>
+            <a:r>
+              <a:rPr lang="ja-JP" altLang="ja-JP" sz="700" kern="100" dirty="0">
+                <a:effectLst/>
+                <a:latin typeface="Century" panose="02040604050505020304" pitchFamily="18" charset="0"/>
+                <a:ea typeface="ＭＳ 明朝" panose="02020609040205080304" pitchFamily="17" charset="-128"/>
+                <a:cs typeface="Times New Roman" panose="02020603050405020304" pitchFamily="18" charset="0"/>
+              </a:rPr>
+              <a:t>活動内容（動画投稿、ゲーム配信、雑談、</a:t>
+            </a:r>
+            <a:r>
+              <a:rPr lang="en-US" altLang="ja-JP" sz="700" kern="100" dirty="0">
+                <a:effectLst/>
+                <a:latin typeface="Century" panose="02040604050505020304" pitchFamily="18" charset="0"/>
+                <a:ea typeface="ＭＳ 明朝" panose="02020609040205080304" pitchFamily="17" charset="-128"/>
+                <a:cs typeface="Times New Roman" panose="02020603050405020304" pitchFamily="18" charset="0"/>
+              </a:rPr>
+              <a:t>ASMR</a:t>
+            </a:r>
+            <a:r>
+              <a:rPr lang="ja-JP" altLang="ja-JP" sz="700" kern="100" dirty="0">
+                <a:effectLst/>
+                <a:latin typeface="Century" panose="02040604050505020304" pitchFamily="18" charset="0"/>
+                <a:ea typeface="ＭＳ 明朝" panose="02020609040205080304" pitchFamily="17" charset="-128"/>
+                <a:cs typeface="Times New Roman" panose="02020603050405020304" pitchFamily="18" charset="0"/>
+              </a:rPr>
+              <a:t>、ものづくり、歌</a:t>
+            </a:r>
+            <a:r>
+              <a:rPr lang="en-US" altLang="ja-JP" sz="700" kern="100" dirty="0" err="1">
+                <a:effectLst/>
+                <a:latin typeface="Century" panose="02040604050505020304" pitchFamily="18" charset="0"/>
+                <a:ea typeface="ＭＳ 明朝" panose="02020609040205080304" pitchFamily="17" charset="-128"/>
+                <a:cs typeface="Times New Roman" panose="02020603050405020304" pitchFamily="18" charset="0"/>
+              </a:rPr>
+              <a:t>etc</a:t>
+            </a:r>
+            <a:r>
+              <a:rPr lang="ja-JP" altLang="ja-JP" sz="700" kern="100" dirty="0">
+                <a:effectLst/>
+                <a:latin typeface="Century" panose="02040604050505020304" pitchFamily="18" charset="0"/>
+                <a:ea typeface="ＭＳ 明朝" panose="02020609040205080304" pitchFamily="17" charset="-128"/>
+                <a:cs typeface="Times New Roman" panose="02020603050405020304" pitchFamily="18" charset="0"/>
+              </a:rPr>
+              <a:t>）</a:t>
+            </a:r>
+          </a:p>
+          <a:p>
+            <a:pPr indent="133350" algn="just"/>
+            <a:r>
+              <a:rPr lang="ja-JP" altLang="ja-JP" sz="700" kern="100" dirty="0">
+                <a:effectLst/>
+                <a:latin typeface="Century" panose="02040604050505020304" pitchFamily="18" charset="0"/>
+                <a:ea typeface="ＭＳ 明朝" panose="02020609040205080304" pitchFamily="17" charset="-128"/>
+                <a:cs typeface="Times New Roman" panose="02020603050405020304" pitchFamily="18" charset="0"/>
+              </a:rPr>
+              <a:t>前世</a:t>
+            </a:r>
+          </a:p>
+          <a:p>
+            <a:pPr indent="133350" algn="just"/>
+            <a:r>
+              <a:rPr lang="ja-JP" altLang="ja-JP" sz="700" kern="100" dirty="0">
+                <a:effectLst/>
+                <a:latin typeface="Century" panose="02040604050505020304" pitchFamily="18" charset="0"/>
+                <a:ea typeface="ＭＳ 明朝" panose="02020609040205080304" pitchFamily="17" charset="-128"/>
+                <a:cs typeface="Times New Roman" panose="02020603050405020304" pitchFamily="18" charset="0"/>
+              </a:rPr>
+              <a:t>卒業済みかどうか</a:t>
+            </a:r>
+          </a:p>
+          <a:p>
+            <a:pPr indent="133350" algn="just"/>
+            <a:r>
+              <a:rPr lang="ja-JP" altLang="ja-JP" sz="700" kern="100" dirty="0">
+                <a:effectLst/>
+                <a:latin typeface="Century" panose="02040604050505020304" pitchFamily="18" charset="0"/>
+                <a:ea typeface="ＭＳ 明朝" panose="02020609040205080304" pitchFamily="17" charset="-128"/>
+                <a:cs typeface="Times New Roman" panose="02020603050405020304" pitchFamily="18" charset="0"/>
+              </a:rPr>
+              <a:t>各活動プラットフォームの登録者数</a:t>
+            </a:r>
+          </a:p>
+          <a:p>
+            <a:pPr indent="133350" algn="just"/>
+            <a:r>
+              <a:rPr lang="ja-JP" altLang="ja-JP" sz="700" kern="100" dirty="0">
+                <a:effectLst/>
+                <a:latin typeface="Century" panose="02040604050505020304" pitchFamily="18" charset="0"/>
+                <a:ea typeface="ＭＳ 明朝" panose="02020609040205080304" pitchFamily="17" charset="-128"/>
+                <a:cs typeface="Times New Roman" panose="02020603050405020304" pitchFamily="18" charset="0"/>
+              </a:rPr>
+              <a:t>主なコンテンツ（動画、</a:t>
+            </a:r>
+            <a:r>
+              <a:rPr lang="en-US" altLang="ja-JP" sz="700" kern="100" dirty="0">
+                <a:effectLst/>
+                <a:latin typeface="Century" panose="02040604050505020304" pitchFamily="18" charset="0"/>
+                <a:ea typeface="ＭＳ 明朝" panose="02020609040205080304" pitchFamily="17" charset="-128"/>
+                <a:cs typeface="Times New Roman" panose="02020603050405020304" pitchFamily="18" charset="0"/>
+              </a:rPr>
+              <a:t>short</a:t>
+            </a:r>
+            <a:r>
+              <a:rPr lang="ja-JP" altLang="ja-JP" sz="700" kern="100" dirty="0">
+                <a:effectLst/>
+                <a:latin typeface="Century" panose="02040604050505020304" pitchFamily="18" charset="0"/>
+                <a:ea typeface="ＭＳ 明朝" panose="02020609040205080304" pitchFamily="17" charset="-128"/>
+                <a:cs typeface="Times New Roman" panose="02020603050405020304" pitchFamily="18" charset="0"/>
+              </a:rPr>
+              <a:t>動画、配信、そのほか）</a:t>
+            </a:r>
+          </a:p>
+          <a:p>
+            <a:pPr indent="133350" algn="just"/>
+            <a:r>
+              <a:rPr lang="ja-JP" altLang="ja-JP" sz="700" kern="100" dirty="0">
+                <a:effectLst/>
+                <a:latin typeface="Century" panose="02040604050505020304" pitchFamily="18" charset="0"/>
+                <a:ea typeface="ＭＳ 明朝" panose="02020609040205080304" pitchFamily="17" charset="-128"/>
+                <a:cs typeface="Times New Roman" panose="02020603050405020304" pitchFamily="18" charset="0"/>
+              </a:rPr>
+              <a:t>タグ（サイト内での紐づけ）</a:t>
+            </a:r>
+          </a:p>
+          <a:p>
+            <a:pPr indent="133350" algn="just"/>
+            <a:r>
+              <a:rPr lang="en-US" altLang="ja-JP" sz="700" kern="100" dirty="0">
+                <a:effectLst/>
+                <a:latin typeface="Century" panose="02040604050505020304" pitchFamily="18" charset="0"/>
+                <a:ea typeface="ＭＳ 明朝" panose="02020609040205080304" pitchFamily="17" charset="-128"/>
+                <a:cs typeface="Times New Roman" panose="02020603050405020304" pitchFamily="18" charset="0"/>
+              </a:rPr>
+              <a:t>Twitter</a:t>
+            </a:r>
+            <a:r>
+              <a:rPr lang="ja-JP" altLang="ja-JP" sz="700" kern="100" dirty="0">
+                <a:effectLst/>
+                <a:latin typeface="Century" panose="02040604050505020304" pitchFamily="18" charset="0"/>
+                <a:ea typeface="ＭＳ 明朝" panose="02020609040205080304" pitchFamily="17" charset="-128"/>
+                <a:cs typeface="Times New Roman" panose="02020603050405020304" pitchFamily="18" charset="0"/>
+              </a:rPr>
+              <a:t>などでの配信時、ファンアート投稿などのハッシュタグ</a:t>
+            </a:r>
+          </a:p>
+          <a:p>
+            <a:pPr indent="133350" algn="just"/>
+            <a:r>
+              <a:rPr lang="ja-JP" altLang="ja-JP" sz="700" kern="100" dirty="0">
+                <a:effectLst/>
+                <a:latin typeface="Century" panose="02040604050505020304" pitchFamily="18" charset="0"/>
+                <a:ea typeface="ＭＳ 明朝" panose="02020609040205080304" pitchFamily="17" charset="-128"/>
+                <a:cs typeface="Times New Roman" panose="02020603050405020304" pitchFamily="18" charset="0"/>
+              </a:rPr>
+              <a:t>フリーコメント</a:t>
+            </a:r>
+            <a:endParaRPr lang="en-US" altLang="ja-JP" sz="700" kern="100" dirty="0">
+              <a:effectLst/>
+              <a:latin typeface="Century" panose="02040604050505020304" pitchFamily="18" charset="0"/>
+              <a:ea typeface="ＭＳ 明朝" panose="02020609040205080304" pitchFamily="17" charset="-128"/>
+              <a:cs typeface="Times New Roman" panose="02020603050405020304" pitchFamily="18" charset="0"/>
+            </a:endParaRPr>
+          </a:p>
+          <a:p>
+            <a:pPr indent="133350" algn="just"/>
+            <a:r>
+              <a:rPr lang="ja-JP" altLang="en-US" sz="700" kern="100" dirty="0">
+                <a:latin typeface="Century" panose="02040604050505020304" pitchFamily="18" charset="0"/>
+                <a:ea typeface="ＭＳ 明朝" panose="02020609040205080304" pitchFamily="17" charset="-128"/>
+                <a:cs typeface="Times New Roman" panose="02020603050405020304" pitchFamily="18" charset="0"/>
+              </a:rPr>
+              <a:t>掲示板（</a:t>
+            </a:r>
+            <a:r>
+              <a:rPr lang="en-US" altLang="ja-JP" sz="700" kern="100" dirty="0">
+                <a:latin typeface="Century" panose="02040604050505020304" pitchFamily="18" charset="0"/>
+                <a:ea typeface="ＭＳ 明朝" panose="02020609040205080304" pitchFamily="17" charset="-128"/>
+                <a:cs typeface="Times New Roman" panose="02020603050405020304" pitchFamily="18" charset="0"/>
+              </a:rPr>
+              <a:t>+</a:t>
+            </a:r>
+            <a:r>
+              <a:rPr lang="ja-JP" altLang="en-US" sz="700" kern="100" dirty="0">
+                <a:latin typeface="Century" panose="02040604050505020304" pitchFamily="18" charset="0"/>
+                <a:ea typeface="ＭＳ 明朝" panose="02020609040205080304" pitchFamily="17" charset="-128"/>
+                <a:cs typeface="Times New Roman" panose="02020603050405020304" pitchFamily="18" charset="0"/>
+              </a:rPr>
+              <a:t>修正履歴）</a:t>
+            </a:r>
+            <a:endParaRPr lang="en-US" altLang="ja-JP" sz="700" kern="100" dirty="0">
+              <a:latin typeface="Century" panose="02040604050505020304" pitchFamily="18" charset="0"/>
+              <a:ea typeface="ＭＳ 明朝" panose="02020609040205080304" pitchFamily="17" charset="-128"/>
+              <a:cs typeface="Times New Roman" panose="02020603050405020304" pitchFamily="18" charset="0"/>
+            </a:endParaRPr>
+          </a:p>
+        </p:txBody>
+      </p:sp>
+      <p:sp>
+        <p:nvSpPr>
+          <p:cNvPr id="13" name="コンテンツ プレースホルダー 2">
+            <a:extLst>
+              <a:ext uri="{FF2B5EF4-FFF2-40B4-BE49-F238E27FC236}">
+                <a16:creationId xmlns:a16="http://schemas.microsoft.com/office/drawing/2014/main" id="{4F658520-C47D-EBC1-5B30-58034C8555CA}"/>
+              </a:ext>
+            </a:extLst>
+          </p:cNvPr>
+          <p:cNvSpPr txBox="1">
+            <a:spLocks/>
+          </p:cNvSpPr>
+          <p:nvPr/>
+        </p:nvSpPr>
+        <p:spPr>
+          <a:xfrm>
+            <a:off x="304799" y="872006"/>
+            <a:ext cx="1479007" cy="5376394"/>
+          </a:xfrm>
+          <a:prstGeom prst="rect">
+            <a:avLst/>
+          </a:prstGeom>
+        </p:spPr>
+        <p:txBody>
+          <a:bodyPr vert="horz" lIns="91440" tIns="45720" rIns="91440" bIns="45720" rtlCol="0">
+            <a:noAutofit/>
+          </a:bodyPr>
+          <a:lstStyle>
+            <a:lvl1pPr marL="228600" indent="-228600" algn="l" defTabSz="914400" rtl="0" eaLnBrk="1" latinLnBrk="0" hangingPunct="1">
+              <a:lnSpc>
+                <a:spcPct val="90000"/>
+              </a:lnSpc>
+              <a:spcBef>
+                <a:spcPts val="1000"/>
+              </a:spcBef>
+              <a:buFont typeface="Arial" panose="020B0604020202020204" pitchFamily="34" charset="0"/>
+              <a:buChar char="•"/>
+              <a:defRPr kumimoji="1" sz="2800" kern="1200">
+                <a:solidFill>
+                  <a:schemeClr val="tx1"/>
+                </a:solidFill>
+                <a:latin typeface="+mn-lt"/>
+                <a:ea typeface="+mn-ea"/>
+                <a:cs typeface="+mn-cs"/>
+              </a:defRPr>
+            </a:lvl1pPr>
+            <a:lvl2pPr marL="685800" indent="-228600" algn="l" defTabSz="914400" rtl="0" eaLnBrk="1" latinLnBrk="0" hangingPunct="1">
+              <a:lnSpc>
+                <a:spcPct val="90000"/>
+              </a:lnSpc>
+              <a:spcBef>
+                <a:spcPts val="500"/>
+              </a:spcBef>
+              <a:buFont typeface="Arial" panose="020B0604020202020204" pitchFamily="34" charset="0"/>
+              <a:buChar char="•"/>
+              <a:defRPr kumimoji="1" sz="2400" kern="1200">
+                <a:solidFill>
+                  <a:schemeClr val="tx1"/>
+                </a:solidFill>
+                <a:latin typeface="+mn-lt"/>
+                <a:ea typeface="+mn-ea"/>
+                <a:cs typeface="+mn-cs"/>
+              </a:defRPr>
+            </a:lvl2pPr>
+            <a:lvl3pPr marL="1143000" indent="-228600" algn="l" defTabSz="914400" rtl="0" eaLnBrk="1" latinLnBrk="0" hangingPunct="1">
+              <a:lnSpc>
+                <a:spcPct val="90000"/>
+              </a:lnSpc>
+              <a:spcBef>
+                <a:spcPts val="500"/>
+              </a:spcBef>
+              <a:buFont typeface="Arial" panose="020B0604020202020204" pitchFamily="34" charset="0"/>
+              <a:buChar char="•"/>
+              <a:defRPr kumimoji="1" sz="2000" kern="1200">
+                <a:solidFill>
+                  <a:schemeClr val="tx1"/>
+                </a:solidFill>
+                <a:latin typeface="+mn-lt"/>
+                <a:ea typeface="+mn-ea"/>
+                <a:cs typeface="+mn-cs"/>
+              </a:defRPr>
+            </a:lvl3pPr>
+            <a:lvl4pPr marL="1600200" indent="-228600" algn="l" defTabSz="914400" rtl="0" eaLnBrk="1" latinLnBrk="0" hangingPunct="1">
+              <a:lnSpc>
+                <a:spcPct val="90000"/>
+              </a:lnSpc>
+              <a:spcBef>
+                <a:spcPts val="500"/>
+              </a:spcBef>
+              <a:buFont typeface="Arial" panose="020B0604020202020204" pitchFamily="34" charset="0"/>
+              <a:buChar char="•"/>
+              <a:defRPr kumimoji="1" sz="1800" kern="1200">
+                <a:solidFill>
+                  <a:schemeClr val="tx1"/>
+                </a:solidFill>
+                <a:latin typeface="+mn-lt"/>
+                <a:ea typeface="+mn-ea"/>
+                <a:cs typeface="+mn-cs"/>
+              </a:defRPr>
+            </a:lvl4pPr>
+            <a:lvl5pPr marL="2057400" indent="-228600" algn="l" defTabSz="914400" rtl="0" eaLnBrk="1" latinLnBrk="0" hangingPunct="1">
+              <a:lnSpc>
+                <a:spcPct val="90000"/>
+              </a:lnSpc>
+              <a:spcBef>
+                <a:spcPts val="500"/>
+              </a:spcBef>
+              <a:buFont typeface="Arial" panose="020B0604020202020204" pitchFamily="34" charset="0"/>
+              <a:buChar char="•"/>
+              <a:defRPr kumimoji="1" sz="1800" kern="1200">
+                <a:solidFill>
+                  <a:schemeClr val="tx1"/>
+                </a:solidFill>
+                <a:latin typeface="+mn-lt"/>
+                <a:ea typeface="+mn-ea"/>
+                <a:cs typeface="+mn-cs"/>
+              </a:defRPr>
+            </a:lvl5pPr>
+            <a:lvl6pPr marL="2514600" indent="-228600" algn="l" defTabSz="914400" rtl="0" eaLnBrk="1" latinLnBrk="0" hangingPunct="1">
+              <a:lnSpc>
+                <a:spcPct val="90000"/>
+              </a:lnSpc>
+              <a:spcBef>
+                <a:spcPts val="500"/>
+              </a:spcBef>
+              <a:buFont typeface="Arial" panose="020B0604020202020204" pitchFamily="34" charset="0"/>
+              <a:buChar char="•"/>
+              <a:defRPr kumimoji="1" sz="1800" kern="1200">
+                <a:solidFill>
+                  <a:schemeClr val="tx1"/>
+                </a:solidFill>
+                <a:latin typeface="+mn-lt"/>
+                <a:ea typeface="+mn-ea"/>
+                <a:cs typeface="+mn-cs"/>
+              </a:defRPr>
+            </a:lvl6pPr>
+            <a:lvl7pPr marL="2971800" indent="-228600" algn="l" defTabSz="914400" rtl="0" eaLnBrk="1" latinLnBrk="0" hangingPunct="1">
+              <a:lnSpc>
+                <a:spcPct val="90000"/>
+              </a:lnSpc>
+              <a:spcBef>
+                <a:spcPts val="500"/>
+              </a:spcBef>
+              <a:buFont typeface="Arial" panose="020B0604020202020204" pitchFamily="34" charset="0"/>
+              <a:buChar char="•"/>
+              <a:defRPr kumimoji="1" sz="1800" kern="1200">
+                <a:solidFill>
+                  <a:schemeClr val="tx1"/>
+                </a:solidFill>
+                <a:latin typeface="+mn-lt"/>
+                <a:ea typeface="+mn-ea"/>
+                <a:cs typeface="+mn-cs"/>
+              </a:defRPr>
+            </a:lvl7pPr>
+            <a:lvl8pPr marL="3429000" indent="-228600" algn="l" defTabSz="914400" rtl="0" eaLnBrk="1" latinLnBrk="0" hangingPunct="1">
+              <a:lnSpc>
+                <a:spcPct val="90000"/>
+              </a:lnSpc>
+              <a:spcBef>
+                <a:spcPts val="500"/>
+              </a:spcBef>
+              <a:buFont typeface="Arial" panose="020B0604020202020204" pitchFamily="34" charset="0"/>
+              <a:buChar char="•"/>
+              <a:defRPr kumimoji="1" sz="1800" kern="1200">
+                <a:solidFill>
+                  <a:schemeClr val="tx1"/>
+                </a:solidFill>
+                <a:latin typeface="+mn-lt"/>
+                <a:ea typeface="+mn-ea"/>
+                <a:cs typeface="+mn-cs"/>
+              </a:defRPr>
+            </a:lvl8pPr>
+            <a:lvl9pPr marL="3886200" indent="-228600" algn="l" defTabSz="914400" rtl="0" eaLnBrk="1" latinLnBrk="0" hangingPunct="1">
+              <a:lnSpc>
+                <a:spcPct val="90000"/>
+              </a:lnSpc>
+              <a:spcBef>
+                <a:spcPts val="500"/>
+              </a:spcBef>
+              <a:buFont typeface="Arial" panose="020B0604020202020204" pitchFamily="34" charset="0"/>
+              <a:buChar char="•"/>
+              <a:defRPr kumimoji="1" sz="1800" kern="1200">
+                <a:solidFill>
+                  <a:schemeClr val="tx1"/>
+                </a:solidFill>
+                <a:latin typeface="+mn-lt"/>
+                <a:ea typeface="+mn-ea"/>
+                <a:cs typeface="+mn-cs"/>
+              </a:defRPr>
+            </a:lvl9pPr>
+          </a:lstStyle>
+          <a:p>
+            <a:pPr indent="0" algn="just">
+              <a:buNone/>
+            </a:pPr>
+            <a:r>
+              <a:rPr lang="en-US" altLang="ja-JP" sz="500" kern="100" dirty="0" err="1">
+                <a:latin typeface="Century" panose="02040604050505020304" pitchFamily="18" charset="0"/>
+                <a:ea typeface="ＭＳ 明朝" panose="02020609040205080304" pitchFamily="17" charset="-128"/>
+                <a:cs typeface="Times New Roman" panose="02020603050405020304" pitchFamily="18" charset="0"/>
+              </a:rPr>
+              <a:t>aaa</a:t>
+            </a:r>
+            <a:endParaRPr lang="en-US" altLang="ja-JP" sz="500" kern="100" dirty="0">
+              <a:latin typeface="Century" panose="02040604050505020304" pitchFamily="18" charset="0"/>
+              <a:ea typeface="ＭＳ 明朝" panose="02020609040205080304" pitchFamily="17" charset="-128"/>
+              <a:cs typeface="Times New Roman" panose="02020603050405020304" pitchFamily="18" charset="0"/>
+            </a:endParaRPr>
+          </a:p>
+          <a:p>
+            <a:pPr indent="0" algn="just">
+              <a:buNone/>
+            </a:pPr>
+            <a:endParaRPr lang="ja-JP" altLang="ja-JP" sz="500" kern="100" dirty="0">
+              <a:latin typeface="Century" panose="02040604050505020304" pitchFamily="18" charset="0"/>
+              <a:ea typeface="ＭＳ 明朝" panose="02020609040205080304" pitchFamily="17" charset="-128"/>
+              <a:cs typeface="Times New Roman" panose="02020603050405020304" pitchFamily="18" charset="0"/>
+            </a:endParaRPr>
+          </a:p>
+        </p:txBody>
+      </p:sp>
+    </p:spTree>
+    <p:extLst>
+      <p:ext uri="{BB962C8B-B14F-4D97-AF65-F5344CB8AC3E}">
+        <p14:creationId xmlns:p14="http://schemas.microsoft.com/office/powerpoint/2010/main" val="3979185508"/>
+      </p:ext>
+    </p:extLst>
+  </p:cSld>
+  <p:clrMapOvr>
+    <a:masterClrMapping/>
+  </p:clrMapOvr>
+</p:sld>
+</file>
+
+<file path=ppt/slides/slide11.xml><?xml version="1.0" encoding="utf-8"?>
 <p:sld xmlns:a="http://schemas.openxmlformats.org/drawingml/2006/main" xmlns:r="http://schemas.openxmlformats.org/officeDocument/2006/relationships" xmlns:p="http://schemas.openxmlformats.org/presentationml/2006/main">
   <p:cSld>
     <p:spTree>
@@ -12368,7 +16148,7 @@
 </p:sld>
 </file>
 
-<file path=ppt/slides/slide11.xml><?xml version="1.0" encoding="utf-8"?>
+<file path=ppt/slides/slide12.xml><?xml version="1.0" encoding="utf-8"?>
 <p:sld xmlns:a="http://schemas.openxmlformats.org/drawingml/2006/main" xmlns:r="http://schemas.openxmlformats.org/officeDocument/2006/relationships" xmlns:p="http://schemas.openxmlformats.org/presentationml/2006/main">
   <p:cSld>
     <p:spTree>
@@ -16146,7 +19926,7 @@
 </p:sld>
 </file>
 
-<file path=ppt/slides/slide12.xml><?xml version="1.0" encoding="utf-8"?>
+<file path=ppt/slides/slide13.xml><?xml version="1.0" encoding="utf-8"?>
 <p:sld xmlns:a="http://schemas.openxmlformats.org/drawingml/2006/main" xmlns:r="http://schemas.openxmlformats.org/officeDocument/2006/relationships" xmlns:p="http://schemas.openxmlformats.org/presentationml/2006/main">
   <p:cSld>
     <p:spTree>
@@ -19924,7 +23704,7 @@
 </p:sld>
 </file>
 
-<file path=ppt/slides/slide13.xml><?xml version="1.0" encoding="utf-8"?>
+<file path=ppt/slides/slide14.xml><?xml version="1.0" encoding="utf-8"?>
 <p:sld xmlns:a="http://schemas.openxmlformats.org/drawingml/2006/main" xmlns:r="http://schemas.openxmlformats.org/officeDocument/2006/relationships" xmlns:p="http://schemas.openxmlformats.org/presentationml/2006/main">
   <p:cSld>
     <p:spTree>
@@ -23719,6 +27499,194 @@
           <a:chExt cx="0" cy="0"/>
         </a:xfrm>
       </p:grpSpPr>
+      <p:sp>
+        <p:nvSpPr>
+          <p:cNvPr id="4" name="正方形/長方形 3">
+            <a:extLst>
+              <a:ext uri="{FF2B5EF4-FFF2-40B4-BE49-F238E27FC236}">
+                <a16:creationId xmlns:a16="http://schemas.microsoft.com/office/drawing/2014/main" id="{379A12FA-20CD-895F-5012-50311CE8D62D}"/>
+              </a:ext>
+            </a:extLst>
+          </p:cNvPr>
+          <p:cNvSpPr/>
+          <p:nvPr/>
+        </p:nvSpPr>
+        <p:spPr>
+          <a:xfrm>
+            <a:off x="2023263" y="1211732"/>
+            <a:ext cx="6750829" cy="3726028"/>
+          </a:xfrm>
+          <a:prstGeom prst="rect">
+            <a:avLst/>
+          </a:prstGeom>
+          <a:solidFill>
+            <a:schemeClr val="bg1">
+              <a:lumMod val="65000"/>
+            </a:schemeClr>
+          </a:solidFill>
+          <a:ln>
+            <a:noFill/>
+          </a:ln>
+        </p:spPr>
+        <p:style>
+          <a:lnRef idx="2">
+            <a:schemeClr val="accent1">
+              <a:shade val="15000"/>
+            </a:schemeClr>
+          </a:lnRef>
+          <a:fillRef idx="1">
+            <a:schemeClr val="accent1"/>
+          </a:fillRef>
+          <a:effectRef idx="0">
+            <a:schemeClr val="accent1"/>
+          </a:effectRef>
+          <a:fontRef idx="minor">
+            <a:schemeClr val="lt1"/>
+          </a:fontRef>
+        </p:style>
+        <p:txBody>
+          <a:bodyPr rtlCol="0" anchor="ctr"/>
+          <a:lstStyle/>
+          <a:p>
+            <a:pPr algn="ctr"/>
+            <a:endParaRPr kumimoji="1" lang="ja-JP" altLang="en-US" dirty="0"/>
+          </a:p>
+        </p:txBody>
+      </p:sp>
+      <p:sp>
+        <p:nvSpPr>
+          <p:cNvPr id="5" name="楕円 4">
+            <a:extLst>
+              <a:ext uri="{FF2B5EF4-FFF2-40B4-BE49-F238E27FC236}">
+                <a16:creationId xmlns:a16="http://schemas.microsoft.com/office/drawing/2014/main" id="{6101BC8D-D9A4-7E8B-7DD9-2F15362D8584}"/>
+              </a:ext>
+            </a:extLst>
+          </p:cNvPr>
+          <p:cNvSpPr/>
+          <p:nvPr/>
+        </p:nvSpPr>
+        <p:spPr>
+          <a:xfrm>
+            <a:off x="4988575" y="2737540"/>
+            <a:ext cx="1998211" cy="1998211"/>
+          </a:xfrm>
+          <a:prstGeom prst="ellipse">
+            <a:avLst/>
+          </a:prstGeom>
+          <a:solidFill>
+            <a:srgbClr val="F1EF8B"/>
+          </a:solidFill>
+          <a:ln>
+            <a:noFill/>
+          </a:ln>
+        </p:spPr>
+        <p:style>
+          <a:lnRef idx="2">
+            <a:schemeClr val="accent1">
+              <a:shade val="15000"/>
+            </a:schemeClr>
+          </a:lnRef>
+          <a:fillRef idx="1">
+            <a:schemeClr val="accent1"/>
+          </a:fillRef>
+          <a:effectRef idx="0">
+            <a:schemeClr val="accent1"/>
+          </a:effectRef>
+          <a:fontRef idx="minor">
+            <a:schemeClr val="lt1"/>
+          </a:fontRef>
+        </p:style>
+        <p:txBody>
+          <a:bodyPr rtlCol="0" anchor="ctr"/>
+          <a:lstStyle/>
+          <a:p>
+            <a:pPr algn="ctr"/>
+            <a:endParaRPr kumimoji="1" lang="ja-JP" altLang="en-US"/>
+          </a:p>
+        </p:txBody>
+      </p:sp>
+      <p:sp>
+        <p:nvSpPr>
+          <p:cNvPr id="6" name="楕円 5">
+            <a:extLst>
+              <a:ext uri="{FF2B5EF4-FFF2-40B4-BE49-F238E27FC236}">
+                <a16:creationId xmlns:a16="http://schemas.microsoft.com/office/drawing/2014/main" id="{F3E50B42-36BC-C121-D1D4-56E336907169}"/>
+              </a:ext>
+            </a:extLst>
+          </p:cNvPr>
+          <p:cNvSpPr/>
+          <p:nvPr/>
+        </p:nvSpPr>
+        <p:spPr>
+          <a:xfrm>
+            <a:off x="4399571" y="2075640"/>
+            <a:ext cx="1998211" cy="1998211"/>
+          </a:xfrm>
+          <a:prstGeom prst="ellipse">
+            <a:avLst/>
+          </a:prstGeom>
+          <a:noFill/>
+          <a:ln w="38100">
+            <a:solidFill>
+              <a:schemeClr val="tx1"/>
+            </a:solidFill>
+          </a:ln>
+        </p:spPr>
+        <p:style>
+          <a:lnRef idx="2">
+            <a:schemeClr val="accent1">
+              <a:shade val="15000"/>
+            </a:schemeClr>
+          </a:lnRef>
+          <a:fillRef idx="1">
+            <a:schemeClr val="accent1"/>
+          </a:fillRef>
+          <a:effectRef idx="0">
+            <a:schemeClr val="accent1"/>
+          </a:effectRef>
+          <a:fontRef idx="minor">
+            <a:schemeClr val="lt1"/>
+          </a:fontRef>
+        </p:style>
+        <p:txBody>
+          <a:bodyPr rtlCol="0" anchor="ctr"/>
+          <a:lstStyle/>
+          <a:p>
+            <a:pPr algn="ctr"/>
+            <a:endParaRPr kumimoji="1" lang="ja-JP" altLang="en-US"/>
+          </a:p>
+        </p:txBody>
+      </p:sp>
+    </p:spTree>
+    <p:extLst>
+      <p:ext uri="{BB962C8B-B14F-4D97-AF65-F5344CB8AC3E}">
+        <p14:creationId xmlns:p14="http://schemas.microsoft.com/office/powerpoint/2010/main" val="2283655639"/>
+      </p:ext>
+    </p:extLst>
+  </p:cSld>
+  <p:clrMapOvr>
+    <a:masterClrMapping/>
+  </p:clrMapOvr>
+</p:sld>
+</file>
+
+<file path=ppt/slides/slide3.xml><?xml version="1.0" encoding="utf-8"?>
+<p:sld xmlns:a="http://schemas.openxmlformats.org/drawingml/2006/main" xmlns:r="http://schemas.openxmlformats.org/officeDocument/2006/relationships" xmlns:p="http://schemas.openxmlformats.org/presentationml/2006/main">
+  <p:cSld>
+    <p:spTree>
+      <p:nvGrpSpPr>
+        <p:cNvPr id="1" name=""/>
+        <p:cNvGrpSpPr/>
+        <p:nvPr/>
+      </p:nvGrpSpPr>
+      <p:grpSpPr>
+        <a:xfrm>
+          <a:off x="0" y="0"/>
+          <a:ext cx="0" cy="0"/>
+          <a:chOff x="0" y="0"/>
+          <a:chExt cx="0" cy="0"/>
+        </a:xfrm>
+      </p:grpSpPr>
       <p:pic>
         <p:nvPicPr>
           <p:cNvPr id="4" name="図 3">
@@ -24950,7 +28918,7 @@
 </p:sld>
 </file>
 
-<file path=ppt/slides/slide3.xml><?xml version="1.0" encoding="utf-8"?>
+<file path=ppt/slides/slide4.xml><?xml version="1.0" encoding="utf-8"?>
 <p:sld xmlns:a="http://schemas.openxmlformats.org/drawingml/2006/main" xmlns:r="http://schemas.openxmlformats.org/officeDocument/2006/relationships" xmlns:p="http://schemas.openxmlformats.org/presentationml/2006/main">
   <p:cSld>
     <p:spTree>
@@ -26563,7 +30531,7 @@
 </p:sld>
 </file>
 
-<file path=ppt/slides/slide4.xml><?xml version="1.0" encoding="utf-8"?>
+<file path=ppt/slides/slide5.xml><?xml version="1.0" encoding="utf-8"?>
 <p:sld xmlns:a="http://schemas.openxmlformats.org/drawingml/2006/main" xmlns:r="http://schemas.openxmlformats.org/officeDocument/2006/relationships" xmlns:p="http://schemas.openxmlformats.org/presentationml/2006/main">
   <p:cSld>
     <p:spTree>
@@ -28054,7 +32022,7 @@
 </p:sld>
 </file>
 
-<file path=ppt/slides/slide5.xml><?xml version="1.0" encoding="utf-8"?>
+<file path=ppt/slides/slide6.xml><?xml version="1.0" encoding="utf-8"?>
 <p:sld xmlns:a="http://schemas.openxmlformats.org/drawingml/2006/main" xmlns:r="http://schemas.openxmlformats.org/officeDocument/2006/relationships" xmlns:p="http://schemas.openxmlformats.org/presentationml/2006/main">
   <p:cSld>
     <p:spTree>
@@ -32474,7 +36442,7 @@
 </p:sld>
 </file>
 
-<file path=ppt/slides/slide6.xml><?xml version="1.0" encoding="utf-8"?>
+<file path=ppt/slides/slide7.xml><?xml version="1.0" encoding="utf-8"?>
 <p:sld xmlns:a="http://schemas.openxmlformats.org/drawingml/2006/main" xmlns:r="http://schemas.openxmlformats.org/officeDocument/2006/relationships" xmlns:p="http://schemas.openxmlformats.org/presentationml/2006/main">
   <p:cSld>
     <p:spTree>
@@ -36723,7 +40691,7 @@
 </p:sld>
 </file>
 
-<file path=ppt/slides/slide7.xml><?xml version="1.0" encoding="utf-8"?>
+<file path=ppt/slides/slide8.xml><?xml version="1.0" encoding="utf-8"?>
 <p:sld xmlns:a="http://schemas.openxmlformats.org/drawingml/2006/main" xmlns:r="http://schemas.openxmlformats.org/officeDocument/2006/relationships" xmlns:p="http://schemas.openxmlformats.org/presentationml/2006/main">
   <p:cSld>
     <p:spTree>
@@ -42522,7 +46490,7 @@
 </p:sld>
 </file>
 
-<file path=ppt/slides/slide8.xml><?xml version="1.0" encoding="utf-8"?>
+<file path=ppt/slides/slide9.xml><?xml version="1.0" encoding="utf-8"?>
 <p:sld xmlns:a="http://schemas.openxmlformats.org/drawingml/2006/main" xmlns:r="http://schemas.openxmlformats.org/officeDocument/2006/relationships" xmlns:p="http://schemas.openxmlformats.org/presentationml/2006/main">
   <p:cSld>
     <p:spTree>
@@ -48338,3784 +52306,6 @@
 </p:sld>
 </file>
 
-<file path=ppt/slides/slide9.xml><?xml version="1.0" encoding="utf-8"?>
-<p:sld xmlns:a="http://schemas.openxmlformats.org/drawingml/2006/main" xmlns:r="http://schemas.openxmlformats.org/officeDocument/2006/relationships" xmlns:p="http://schemas.openxmlformats.org/presentationml/2006/main">
-  <p:cSld>
-    <p:spTree>
-      <p:nvGrpSpPr>
-        <p:cNvPr id="1" name="">
-          <a:extLst>
-            <a:ext uri="{FF2B5EF4-FFF2-40B4-BE49-F238E27FC236}">
-              <a16:creationId xmlns:a16="http://schemas.microsoft.com/office/drawing/2014/main" id="{FE073E69-EA10-0023-11BA-24CFE7936431}"/>
-            </a:ext>
-          </a:extLst>
-        </p:cNvPr>
-        <p:cNvGrpSpPr/>
-        <p:nvPr/>
-      </p:nvGrpSpPr>
-      <p:grpSpPr>
-        <a:xfrm>
-          <a:off x="0" y="0"/>
-          <a:ext cx="0" cy="0"/>
-          <a:chOff x="0" y="0"/>
-          <a:chExt cx="0" cy="0"/>
-        </a:xfrm>
-      </p:grpSpPr>
-      <p:sp>
-        <p:nvSpPr>
-          <p:cNvPr id="4" name="正方形/長方形 3">
-            <a:extLst>
-              <a:ext uri="{FF2B5EF4-FFF2-40B4-BE49-F238E27FC236}">
-                <a16:creationId xmlns:a16="http://schemas.microsoft.com/office/drawing/2014/main" id="{5C90A426-844F-4A71-5A24-0366C6F4F927}"/>
-              </a:ext>
-            </a:extLst>
-          </p:cNvPr>
-          <p:cNvSpPr/>
-          <p:nvPr/>
-        </p:nvSpPr>
-        <p:spPr>
-          <a:xfrm>
-            <a:off x="0" y="0"/>
-            <a:ext cx="12192000" cy="6858000"/>
-          </a:xfrm>
-          <a:prstGeom prst="rect">
-            <a:avLst/>
-          </a:prstGeom>
-          <a:solidFill>
-            <a:srgbClr val="ECEBCD"/>
-          </a:solidFill>
-          <a:ln>
-            <a:noFill/>
-          </a:ln>
-        </p:spPr>
-        <p:style>
-          <a:lnRef idx="2">
-            <a:schemeClr val="accent1">
-              <a:shade val="15000"/>
-            </a:schemeClr>
-          </a:lnRef>
-          <a:fillRef idx="1">
-            <a:schemeClr val="accent1"/>
-          </a:fillRef>
-          <a:effectRef idx="0">
-            <a:schemeClr val="accent1"/>
-          </a:effectRef>
-          <a:fontRef idx="minor">
-            <a:schemeClr val="lt1"/>
-          </a:fontRef>
-        </p:style>
-        <p:txBody>
-          <a:bodyPr rtlCol="0" anchor="ctr"/>
-          <a:lstStyle/>
-          <a:p>
-            <a:pPr algn="ctr"/>
-            <a:endParaRPr kumimoji="1" lang="ja-JP" altLang="en-US"/>
-          </a:p>
-        </p:txBody>
-      </p:sp>
-      <p:grpSp>
-        <p:nvGrpSpPr>
-          <p:cNvPr id="44" name="グループ化 43">
-            <a:extLst>
-              <a:ext uri="{FF2B5EF4-FFF2-40B4-BE49-F238E27FC236}">
-                <a16:creationId xmlns:a16="http://schemas.microsoft.com/office/drawing/2014/main" id="{A0102573-A6CD-2557-000A-9780A2AEAE15}"/>
-              </a:ext>
-            </a:extLst>
-          </p:cNvPr>
-          <p:cNvGrpSpPr/>
-          <p:nvPr/>
-        </p:nvGrpSpPr>
-        <p:grpSpPr>
-          <a:xfrm>
-            <a:off x="1893570" y="784858"/>
-            <a:ext cx="10001250" cy="5539729"/>
-            <a:chOff x="1893570" y="784858"/>
-            <a:chExt cx="10001250" cy="5539729"/>
-          </a:xfrm>
-        </p:grpSpPr>
-        <p:sp>
-          <p:nvSpPr>
-            <p:cNvPr id="11" name="正方形/長方形 10">
-              <a:extLst>
-                <a:ext uri="{FF2B5EF4-FFF2-40B4-BE49-F238E27FC236}">
-                  <a16:creationId xmlns:a16="http://schemas.microsoft.com/office/drawing/2014/main" id="{176EE672-DB23-8561-3213-FC63C79385DA}"/>
-                </a:ext>
-              </a:extLst>
-            </p:cNvPr>
-            <p:cNvSpPr/>
-            <p:nvPr/>
-          </p:nvSpPr>
-          <p:spPr>
-            <a:xfrm>
-              <a:off x="1893570" y="784858"/>
-              <a:ext cx="10001250" cy="5539729"/>
-            </a:xfrm>
-            <a:prstGeom prst="rect">
-              <a:avLst/>
-            </a:prstGeom>
-            <a:solidFill>
-              <a:schemeClr val="bg1"/>
-            </a:solidFill>
-            <a:ln>
-              <a:noFill/>
-            </a:ln>
-            <a:effectLst>
-              <a:outerShdw blurRad="50800" dist="152400" dir="2700000" algn="ctr" rotWithShape="0">
-                <a:srgbClr val="000000">
-                  <a:alpha val="43137"/>
-                </a:srgbClr>
-              </a:outerShdw>
-            </a:effectLst>
-          </p:spPr>
-          <p:style>
-            <a:lnRef idx="2">
-              <a:schemeClr val="accent1">
-                <a:shade val="15000"/>
-              </a:schemeClr>
-            </a:lnRef>
-            <a:fillRef idx="1">
-              <a:schemeClr val="accent1"/>
-            </a:fillRef>
-            <a:effectRef idx="0">
-              <a:schemeClr val="accent1"/>
-            </a:effectRef>
-            <a:fontRef idx="minor">
-              <a:schemeClr val="lt1"/>
-            </a:fontRef>
-          </p:style>
-          <p:txBody>
-            <a:bodyPr rtlCol="0" anchor="ctr"/>
-            <a:lstStyle/>
-            <a:p>
-              <a:pPr algn="ctr"/>
-              <a:endParaRPr kumimoji="1" lang="ja-JP" altLang="en-US"/>
-            </a:p>
-          </p:txBody>
-        </p:sp>
-        <p:grpSp>
-          <p:nvGrpSpPr>
-            <p:cNvPr id="43" name="グループ化 42">
-              <a:extLst>
-                <a:ext uri="{FF2B5EF4-FFF2-40B4-BE49-F238E27FC236}">
-                  <a16:creationId xmlns:a16="http://schemas.microsoft.com/office/drawing/2014/main" id="{C9CD1361-9505-4335-9A77-99168D4652D3}"/>
-                </a:ext>
-              </a:extLst>
-            </p:cNvPr>
-            <p:cNvGrpSpPr/>
-            <p:nvPr/>
-          </p:nvGrpSpPr>
-          <p:grpSpPr>
-            <a:xfrm>
-              <a:off x="1988820" y="894229"/>
-              <a:ext cx="252119" cy="5349329"/>
-              <a:chOff x="1988820" y="894229"/>
-              <a:chExt cx="252119" cy="5349329"/>
-            </a:xfrm>
-          </p:grpSpPr>
-          <p:sp>
-            <p:nvSpPr>
-              <p:cNvPr id="6" name="楕円 5">
-                <a:extLst>
-                  <a:ext uri="{FF2B5EF4-FFF2-40B4-BE49-F238E27FC236}">
-                    <a16:creationId xmlns:a16="http://schemas.microsoft.com/office/drawing/2014/main" id="{88F76ABE-6A7D-C844-F319-C01279EB2BBC}"/>
-                  </a:ext>
-                </a:extLst>
-              </p:cNvPr>
-              <p:cNvSpPr>
-                <a:spLocks noChangeAspect="1"/>
-              </p:cNvSpPr>
-              <p:nvPr/>
-            </p:nvSpPr>
-            <p:spPr>
-              <a:xfrm>
-                <a:off x="1988820" y="894229"/>
-                <a:ext cx="235320" cy="235320"/>
-              </a:xfrm>
-              <a:prstGeom prst="ellipse">
-                <a:avLst/>
-              </a:prstGeom>
-              <a:solidFill>
-                <a:srgbClr val="ECEBCD"/>
-              </a:solidFill>
-              <a:ln>
-                <a:noFill/>
-              </a:ln>
-              <a:effectLst>
-                <a:innerShdw blurRad="76200" dist="152400" dir="13500000">
-                  <a:prstClr val="black">
-                    <a:alpha val="50000"/>
-                  </a:prstClr>
-                </a:innerShdw>
-              </a:effectLst>
-            </p:spPr>
-            <p:style>
-              <a:lnRef idx="2">
-                <a:schemeClr val="accent1">
-                  <a:shade val="15000"/>
-                </a:schemeClr>
-              </a:lnRef>
-              <a:fillRef idx="1">
-                <a:schemeClr val="accent1"/>
-              </a:fillRef>
-              <a:effectRef idx="0">
-                <a:schemeClr val="accent1"/>
-              </a:effectRef>
-              <a:fontRef idx="minor">
-                <a:schemeClr val="lt1"/>
-              </a:fontRef>
-            </p:style>
-            <p:txBody>
-              <a:bodyPr rtlCol="0" anchor="ctr"/>
-              <a:lstStyle/>
-              <a:p>
-                <a:pPr algn="ctr"/>
-                <a:endParaRPr kumimoji="1" lang="ja-JP" altLang="en-US"/>
-              </a:p>
-            </p:txBody>
-          </p:sp>
-          <p:sp>
-            <p:nvSpPr>
-              <p:cNvPr id="8" name="楕円 7">
-                <a:extLst>
-                  <a:ext uri="{FF2B5EF4-FFF2-40B4-BE49-F238E27FC236}">
-                    <a16:creationId xmlns:a16="http://schemas.microsoft.com/office/drawing/2014/main" id="{2E159E7A-E84C-5321-87A7-14E526C02A4A}"/>
-                  </a:ext>
-                </a:extLst>
-              </p:cNvPr>
-              <p:cNvSpPr>
-                <a:spLocks noChangeAspect="1"/>
-              </p:cNvSpPr>
-              <p:nvPr/>
-            </p:nvSpPr>
-            <p:spPr>
-              <a:xfrm>
-                <a:off x="1988820" y="1288253"/>
-                <a:ext cx="235320" cy="235320"/>
-              </a:xfrm>
-              <a:prstGeom prst="ellipse">
-                <a:avLst/>
-              </a:prstGeom>
-              <a:solidFill>
-                <a:srgbClr val="ECEBCD"/>
-              </a:solidFill>
-              <a:ln>
-                <a:noFill/>
-              </a:ln>
-              <a:effectLst>
-                <a:innerShdw blurRad="76200" dist="152400" dir="13500000">
-                  <a:prstClr val="black">
-                    <a:alpha val="50000"/>
-                  </a:prstClr>
-                </a:innerShdw>
-              </a:effectLst>
-            </p:spPr>
-            <p:style>
-              <a:lnRef idx="2">
-                <a:schemeClr val="accent1">
-                  <a:shade val="15000"/>
-                </a:schemeClr>
-              </a:lnRef>
-              <a:fillRef idx="1">
-                <a:schemeClr val="accent1"/>
-              </a:fillRef>
-              <a:effectRef idx="0">
-                <a:schemeClr val="accent1"/>
-              </a:effectRef>
-              <a:fontRef idx="minor">
-                <a:schemeClr val="lt1"/>
-              </a:fontRef>
-            </p:style>
-            <p:txBody>
-              <a:bodyPr rtlCol="0" anchor="ctr"/>
-              <a:lstStyle/>
-              <a:p>
-                <a:pPr algn="ctr"/>
-                <a:endParaRPr kumimoji="1" lang="ja-JP" altLang="en-US"/>
-              </a:p>
-            </p:txBody>
-          </p:sp>
-          <p:sp>
-            <p:nvSpPr>
-              <p:cNvPr id="14" name="楕円 13">
-                <a:extLst>
-                  <a:ext uri="{FF2B5EF4-FFF2-40B4-BE49-F238E27FC236}">
-                    <a16:creationId xmlns:a16="http://schemas.microsoft.com/office/drawing/2014/main" id="{BD1B902C-0248-B4EE-AEAF-19064266150F}"/>
-                  </a:ext>
-                </a:extLst>
-              </p:cNvPr>
-              <p:cNvSpPr>
-                <a:spLocks noChangeAspect="1"/>
-              </p:cNvSpPr>
-              <p:nvPr/>
-            </p:nvSpPr>
-            <p:spPr>
-              <a:xfrm>
-                <a:off x="1992387" y="1682193"/>
-                <a:ext cx="235320" cy="235320"/>
-              </a:xfrm>
-              <a:prstGeom prst="ellipse">
-                <a:avLst/>
-              </a:prstGeom>
-              <a:solidFill>
-                <a:srgbClr val="ECEBCD"/>
-              </a:solidFill>
-              <a:ln>
-                <a:noFill/>
-              </a:ln>
-              <a:effectLst>
-                <a:innerShdw blurRad="76200" dist="152400" dir="13500000">
-                  <a:prstClr val="black">
-                    <a:alpha val="50000"/>
-                  </a:prstClr>
-                </a:innerShdw>
-              </a:effectLst>
-            </p:spPr>
-            <p:style>
-              <a:lnRef idx="2">
-                <a:schemeClr val="accent1">
-                  <a:shade val="15000"/>
-                </a:schemeClr>
-              </a:lnRef>
-              <a:fillRef idx="1">
-                <a:schemeClr val="accent1"/>
-              </a:fillRef>
-              <a:effectRef idx="0">
-                <a:schemeClr val="accent1"/>
-              </a:effectRef>
-              <a:fontRef idx="minor">
-                <a:schemeClr val="lt1"/>
-              </a:fontRef>
-            </p:style>
-            <p:txBody>
-              <a:bodyPr rtlCol="0" anchor="ctr"/>
-              <a:lstStyle/>
-              <a:p>
-                <a:pPr algn="ctr"/>
-                <a:endParaRPr kumimoji="1" lang="ja-JP" altLang="en-US"/>
-              </a:p>
-            </p:txBody>
-          </p:sp>
-          <p:sp>
-            <p:nvSpPr>
-              <p:cNvPr id="15" name="楕円 14">
-                <a:extLst>
-                  <a:ext uri="{FF2B5EF4-FFF2-40B4-BE49-F238E27FC236}">
-                    <a16:creationId xmlns:a16="http://schemas.microsoft.com/office/drawing/2014/main" id="{48453785-5FC9-5596-6C65-F6966A7F48D7}"/>
-                  </a:ext>
-                </a:extLst>
-              </p:cNvPr>
-              <p:cNvSpPr>
-                <a:spLocks noChangeAspect="1"/>
-              </p:cNvSpPr>
-              <p:nvPr/>
-            </p:nvSpPr>
-            <p:spPr>
-              <a:xfrm>
-                <a:off x="1991937" y="2073111"/>
-                <a:ext cx="235320" cy="235320"/>
-              </a:xfrm>
-              <a:prstGeom prst="ellipse">
-                <a:avLst/>
-              </a:prstGeom>
-              <a:solidFill>
-                <a:srgbClr val="ECEBCD"/>
-              </a:solidFill>
-              <a:ln>
-                <a:noFill/>
-              </a:ln>
-              <a:effectLst>
-                <a:innerShdw blurRad="76200" dist="152400" dir="13500000">
-                  <a:prstClr val="black">
-                    <a:alpha val="50000"/>
-                  </a:prstClr>
-                </a:innerShdw>
-              </a:effectLst>
-            </p:spPr>
-            <p:style>
-              <a:lnRef idx="2">
-                <a:schemeClr val="accent1">
-                  <a:shade val="15000"/>
-                </a:schemeClr>
-              </a:lnRef>
-              <a:fillRef idx="1">
-                <a:schemeClr val="accent1"/>
-              </a:fillRef>
-              <a:effectRef idx="0">
-                <a:schemeClr val="accent1"/>
-              </a:effectRef>
-              <a:fontRef idx="minor">
-                <a:schemeClr val="lt1"/>
-              </a:fontRef>
-            </p:style>
-            <p:txBody>
-              <a:bodyPr rtlCol="0" anchor="ctr"/>
-              <a:lstStyle/>
-              <a:p>
-                <a:pPr algn="ctr"/>
-                <a:endParaRPr kumimoji="1" lang="ja-JP" altLang="en-US"/>
-              </a:p>
-            </p:txBody>
-          </p:sp>
-          <p:sp>
-            <p:nvSpPr>
-              <p:cNvPr id="16" name="楕円 15">
-                <a:extLst>
-                  <a:ext uri="{FF2B5EF4-FFF2-40B4-BE49-F238E27FC236}">
-                    <a16:creationId xmlns:a16="http://schemas.microsoft.com/office/drawing/2014/main" id="{F581266C-E629-8168-D6F5-A527A56BE3C3}"/>
-                  </a:ext>
-                </a:extLst>
-              </p:cNvPr>
-              <p:cNvSpPr>
-                <a:spLocks noChangeAspect="1"/>
-              </p:cNvSpPr>
-              <p:nvPr/>
-            </p:nvSpPr>
-            <p:spPr>
-              <a:xfrm>
-                <a:off x="1988820" y="2464029"/>
-                <a:ext cx="235320" cy="235320"/>
-              </a:xfrm>
-              <a:prstGeom prst="ellipse">
-                <a:avLst/>
-              </a:prstGeom>
-              <a:solidFill>
-                <a:srgbClr val="ECEBCD"/>
-              </a:solidFill>
-              <a:ln>
-                <a:noFill/>
-              </a:ln>
-              <a:effectLst>
-                <a:innerShdw blurRad="76200" dist="152400" dir="13500000">
-                  <a:prstClr val="black">
-                    <a:alpha val="50000"/>
-                  </a:prstClr>
-                </a:innerShdw>
-              </a:effectLst>
-            </p:spPr>
-            <p:style>
-              <a:lnRef idx="2">
-                <a:schemeClr val="accent1">
-                  <a:shade val="15000"/>
-                </a:schemeClr>
-              </a:lnRef>
-              <a:fillRef idx="1">
-                <a:schemeClr val="accent1"/>
-              </a:fillRef>
-              <a:effectRef idx="0">
-                <a:schemeClr val="accent1"/>
-              </a:effectRef>
-              <a:fontRef idx="minor">
-                <a:schemeClr val="lt1"/>
-              </a:fontRef>
-            </p:style>
-            <p:txBody>
-              <a:bodyPr rtlCol="0" anchor="ctr"/>
-              <a:lstStyle/>
-              <a:p>
-                <a:pPr algn="ctr"/>
-                <a:endParaRPr kumimoji="1" lang="ja-JP" altLang="en-US"/>
-              </a:p>
-            </p:txBody>
-          </p:sp>
-          <p:sp>
-            <p:nvSpPr>
-              <p:cNvPr id="17" name="楕円 16">
-                <a:extLst>
-                  <a:ext uri="{FF2B5EF4-FFF2-40B4-BE49-F238E27FC236}">
-                    <a16:creationId xmlns:a16="http://schemas.microsoft.com/office/drawing/2014/main" id="{6EE16515-CC2D-143B-27F0-8980C5278A98}"/>
-                  </a:ext>
-                </a:extLst>
-              </p:cNvPr>
-              <p:cNvSpPr>
-                <a:spLocks noChangeAspect="1"/>
-              </p:cNvSpPr>
-              <p:nvPr/>
-            </p:nvSpPr>
-            <p:spPr>
-              <a:xfrm>
-                <a:off x="1997272" y="2857969"/>
-                <a:ext cx="235320" cy="235320"/>
-              </a:xfrm>
-              <a:prstGeom prst="ellipse">
-                <a:avLst/>
-              </a:prstGeom>
-              <a:solidFill>
-                <a:srgbClr val="ECEBCD"/>
-              </a:solidFill>
-              <a:ln>
-                <a:noFill/>
-              </a:ln>
-              <a:effectLst>
-                <a:innerShdw blurRad="76200" dist="152400" dir="13500000">
-                  <a:prstClr val="black">
-                    <a:alpha val="50000"/>
-                  </a:prstClr>
-                </a:innerShdw>
-              </a:effectLst>
-            </p:spPr>
-            <p:style>
-              <a:lnRef idx="2">
-                <a:schemeClr val="accent1">
-                  <a:shade val="15000"/>
-                </a:schemeClr>
-              </a:lnRef>
-              <a:fillRef idx="1">
-                <a:schemeClr val="accent1"/>
-              </a:fillRef>
-              <a:effectRef idx="0">
-                <a:schemeClr val="accent1"/>
-              </a:effectRef>
-              <a:fontRef idx="minor">
-                <a:schemeClr val="lt1"/>
-              </a:fontRef>
-            </p:style>
-            <p:txBody>
-              <a:bodyPr rtlCol="0" anchor="ctr"/>
-              <a:lstStyle/>
-              <a:p>
-                <a:pPr algn="ctr"/>
-                <a:endParaRPr kumimoji="1" lang="ja-JP" altLang="en-US"/>
-              </a:p>
-            </p:txBody>
-          </p:sp>
-          <p:sp>
-            <p:nvSpPr>
-              <p:cNvPr id="18" name="楕円 17">
-                <a:extLst>
-                  <a:ext uri="{FF2B5EF4-FFF2-40B4-BE49-F238E27FC236}">
-                    <a16:creationId xmlns:a16="http://schemas.microsoft.com/office/drawing/2014/main" id="{17940602-9A3C-ABDD-A365-47B5EF2F9C81}"/>
-                  </a:ext>
-                </a:extLst>
-              </p:cNvPr>
-              <p:cNvSpPr>
-                <a:spLocks noChangeAspect="1"/>
-              </p:cNvSpPr>
-              <p:nvPr/>
-            </p:nvSpPr>
-            <p:spPr>
-              <a:xfrm>
-                <a:off x="1997272" y="3252014"/>
-                <a:ext cx="235320" cy="235320"/>
-              </a:xfrm>
-              <a:prstGeom prst="ellipse">
-                <a:avLst/>
-              </a:prstGeom>
-              <a:solidFill>
-                <a:srgbClr val="ECEBCD"/>
-              </a:solidFill>
-              <a:ln>
-                <a:noFill/>
-              </a:ln>
-              <a:effectLst>
-                <a:innerShdw blurRad="76200" dist="152400" dir="13500000">
-                  <a:prstClr val="black">
-                    <a:alpha val="50000"/>
-                  </a:prstClr>
-                </a:innerShdw>
-              </a:effectLst>
-            </p:spPr>
-            <p:style>
-              <a:lnRef idx="2">
-                <a:schemeClr val="accent1">
-                  <a:shade val="15000"/>
-                </a:schemeClr>
-              </a:lnRef>
-              <a:fillRef idx="1">
-                <a:schemeClr val="accent1"/>
-              </a:fillRef>
-              <a:effectRef idx="0">
-                <a:schemeClr val="accent1"/>
-              </a:effectRef>
-              <a:fontRef idx="minor">
-                <a:schemeClr val="lt1"/>
-              </a:fontRef>
-            </p:style>
-            <p:txBody>
-              <a:bodyPr rtlCol="0" anchor="ctr"/>
-              <a:lstStyle/>
-              <a:p>
-                <a:pPr algn="ctr"/>
-                <a:endParaRPr kumimoji="1" lang="ja-JP" altLang="en-US"/>
-              </a:p>
-            </p:txBody>
-          </p:sp>
-          <p:sp>
-            <p:nvSpPr>
-              <p:cNvPr id="19" name="楕円 18">
-                <a:extLst>
-                  <a:ext uri="{FF2B5EF4-FFF2-40B4-BE49-F238E27FC236}">
-                    <a16:creationId xmlns:a16="http://schemas.microsoft.com/office/drawing/2014/main" id="{495BD4F3-722F-BAD5-2B75-5A6939C82B9E}"/>
-                  </a:ext>
-                </a:extLst>
-              </p:cNvPr>
-              <p:cNvSpPr>
-                <a:spLocks noChangeAspect="1"/>
-              </p:cNvSpPr>
-              <p:nvPr/>
-            </p:nvSpPr>
-            <p:spPr>
-              <a:xfrm>
-                <a:off x="1997167" y="3650453"/>
-                <a:ext cx="235320" cy="235320"/>
-              </a:xfrm>
-              <a:prstGeom prst="ellipse">
-                <a:avLst/>
-              </a:prstGeom>
-              <a:solidFill>
-                <a:srgbClr val="ECEBCD"/>
-              </a:solidFill>
-              <a:ln>
-                <a:noFill/>
-              </a:ln>
-              <a:effectLst>
-                <a:innerShdw blurRad="76200" dist="152400" dir="13500000">
-                  <a:prstClr val="black">
-                    <a:alpha val="50000"/>
-                  </a:prstClr>
-                </a:innerShdw>
-              </a:effectLst>
-            </p:spPr>
-            <p:style>
-              <a:lnRef idx="2">
-                <a:schemeClr val="accent1">
-                  <a:shade val="15000"/>
-                </a:schemeClr>
-              </a:lnRef>
-              <a:fillRef idx="1">
-                <a:schemeClr val="accent1"/>
-              </a:fillRef>
-              <a:effectRef idx="0">
-                <a:schemeClr val="accent1"/>
-              </a:effectRef>
-              <a:fontRef idx="minor">
-                <a:schemeClr val="lt1"/>
-              </a:fontRef>
-            </p:style>
-            <p:txBody>
-              <a:bodyPr rtlCol="0" anchor="ctr"/>
-              <a:lstStyle/>
-              <a:p>
-                <a:pPr algn="ctr"/>
-                <a:endParaRPr kumimoji="1" lang="ja-JP" altLang="en-US"/>
-              </a:p>
-            </p:txBody>
-          </p:sp>
-          <p:sp>
-            <p:nvSpPr>
-              <p:cNvPr id="20" name="楕円 19">
-                <a:extLst>
-                  <a:ext uri="{FF2B5EF4-FFF2-40B4-BE49-F238E27FC236}">
-                    <a16:creationId xmlns:a16="http://schemas.microsoft.com/office/drawing/2014/main" id="{BDAD25DE-A368-CCCA-8520-73D72C7D39EA}"/>
-                  </a:ext>
-                </a:extLst>
-              </p:cNvPr>
-              <p:cNvSpPr>
-                <a:spLocks noChangeAspect="1"/>
-              </p:cNvSpPr>
-              <p:nvPr/>
-            </p:nvSpPr>
-            <p:spPr>
-              <a:xfrm>
-                <a:off x="1997167" y="4044477"/>
-                <a:ext cx="235320" cy="235320"/>
-              </a:xfrm>
-              <a:prstGeom prst="ellipse">
-                <a:avLst/>
-              </a:prstGeom>
-              <a:solidFill>
-                <a:srgbClr val="ECEBCD"/>
-              </a:solidFill>
-              <a:ln>
-                <a:noFill/>
-              </a:ln>
-              <a:effectLst>
-                <a:innerShdw blurRad="76200" dist="152400" dir="13500000">
-                  <a:prstClr val="black">
-                    <a:alpha val="50000"/>
-                  </a:prstClr>
-                </a:innerShdw>
-              </a:effectLst>
-            </p:spPr>
-            <p:style>
-              <a:lnRef idx="2">
-                <a:schemeClr val="accent1">
-                  <a:shade val="15000"/>
-                </a:schemeClr>
-              </a:lnRef>
-              <a:fillRef idx="1">
-                <a:schemeClr val="accent1"/>
-              </a:fillRef>
-              <a:effectRef idx="0">
-                <a:schemeClr val="accent1"/>
-              </a:effectRef>
-              <a:fontRef idx="minor">
-                <a:schemeClr val="lt1"/>
-              </a:fontRef>
-            </p:style>
-            <p:txBody>
-              <a:bodyPr rtlCol="0" anchor="ctr"/>
-              <a:lstStyle/>
-              <a:p>
-                <a:pPr algn="ctr"/>
-                <a:endParaRPr kumimoji="1" lang="ja-JP" altLang="en-US"/>
-              </a:p>
-            </p:txBody>
-          </p:sp>
-          <p:sp>
-            <p:nvSpPr>
-              <p:cNvPr id="21" name="楕円 20">
-                <a:extLst>
-                  <a:ext uri="{FF2B5EF4-FFF2-40B4-BE49-F238E27FC236}">
-                    <a16:creationId xmlns:a16="http://schemas.microsoft.com/office/drawing/2014/main" id="{40F17BE0-596B-2B6C-53DC-47E3560BF2E1}"/>
-                  </a:ext>
-                </a:extLst>
-              </p:cNvPr>
-              <p:cNvSpPr>
-                <a:spLocks noChangeAspect="1"/>
-              </p:cNvSpPr>
-              <p:nvPr/>
-            </p:nvSpPr>
-            <p:spPr>
-              <a:xfrm>
-                <a:off x="2000734" y="4438417"/>
-                <a:ext cx="235320" cy="235320"/>
-              </a:xfrm>
-              <a:prstGeom prst="ellipse">
-                <a:avLst/>
-              </a:prstGeom>
-              <a:solidFill>
-                <a:srgbClr val="ECEBCD"/>
-              </a:solidFill>
-              <a:ln>
-                <a:noFill/>
-              </a:ln>
-              <a:effectLst>
-                <a:innerShdw blurRad="76200" dist="152400" dir="13500000">
-                  <a:prstClr val="black">
-                    <a:alpha val="50000"/>
-                  </a:prstClr>
-                </a:innerShdw>
-              </a:effectLst>
-            </p:spPr>
-            <p:style>
-              <a:lnRef idx="2">
-                <a:schemeClr val="accent1">
-                  <a:shade val="15000"/>
-                </a:schemeClr>
-              </a:lnRef>
-              <a:fillRef idx="1">
-                <a:schemeClr val="accent1"/>
-              </a:fillRef>
-              <a:effectRef idx="0">
-                <a:schemeClr val="accent1"/>
-              </a:effectRef>
-              <a:fontRef idx="minor">
-                <a:schemeClr val="lt1"/>
-              </a:fontRef>
-            </p:style>
-            <p:txBody>
-              <a:bodyPr rtlCol="0" anchor="ctr"/>
-              <a:lstStyle/>
-              <a:p>
-                <a:pPr algn="ctr"/>
-                <a:endParaRPr kumimoji="1" lang="ja-JP" altLang="en-US"/>
-              </a:p>
-            </p:txBody>
-          </p:sp>
-          <p:sp>
-            <p:nvSpPr>
-              <p:cNvPr id="22" name="楕円 21">
-                <a:extLst>
-                  <a:ext uri="{FF2B5EF4-FFF2-40B4-BE49-F238E27FC236}">
-                    <a16:creationId xmlns:a16="http://schemas.microsoft.com/office/drawing/2014/main" id="{A9E856C1-DB0A-4F96-841F-443E4201A4AA}"/>
-                  </a:ext>
-                </a:extLst>
-              </p:cNvPr>
-              <p:cNvSpPr>
-                <a:spLocks noChangeAspect="1"/>
-              </p:cNvSpPr>
-              <p:nvPr/>
-            </p:nvSpPr>
-            <p:spPr>
-              <a:xfrm>
-                <a:off x="2000284" y="4829335"/>
-                <a:ext cx="235320" cy="235320"/>
-              </a:xfrm>
-              <a:prstGeom prst="ellipse">
-                <a:avLst/>
-              </a:prstGeom>
-              <a:solidFill>
-                <a:srgbClr val="ECEBCD"/>
-              </a:solidFill>
-              <a:ln>
-                <a:noFill/>
-              </a:ln>
-              <a:effectLst>
-                <a:innerShdw blurRad="76200" dist="152400" dir="13500000">
-                  <a:prstClr val="black">
-                    <a:alpha val="50000"/>
-                  </a:prstClr>
-                </a:innerShdw>
-              </a:effectLst>
-            </p:spPr>
-            <p:style>
-              <a:lnRef idx="2">
-                <a:schemeClr val="accent1">
-                  <a:shade val="15000"/>
-                </a:schemeClr>
-              </a:lnRef>
-              <a:fillRef idx="1">
-                <a:schemeClr val="accent1"/>
-              </a:fillRef>
-              <a:effectRef idx="0">
-                <a:schemeClr val="accent1"/>
-              </a:effectRef>
-              <a:fontRef idx="minor">
-                <a:schemeClr val="lt1"/>
-              </a:fontRef>
-            </p:style>
-            <p:txBody>
-              <a:bodyPr rtlCol="0" anchor="ctr"/>
-              <a:lstStyle/>
-              <a:p>
-                <a:pPr algn="ctr"/>
-                <a:endParaRPr kumimoji="1" lang="ja-JP" altLang="en-US"/>
-              </a:p>
-            </p:txBody>
-          </p:sp>
-          <p:sp>
-            <p:nvSpPr>
-              <p:cNvPr id="23" name="楕円 22">
-                <a:extLst>
-                  <a:ext uri="{FF2B5EF4-FFF2-40B4-BE49-F238E27FC236}">
-                    <a16:creationId xmlns:a16="http://schemas.microsoft.com/office/drawing/2014/main" id="{8A5D187B-28DF-CBFD-FB4C-45FD1C169095}"/>
-                  </a:ext>
-                </a:extLst>
-              </p:cNvPr>
-              <p:cNvSpPr>
-                <a:spLocks noChangeAspect="1"/>
-              </p:cNvSpPr>
-              <p:nvPr/>
-            </p:nvSpPr>
-            <p:spPr>
-              <a:xfrm>
-                <a:off x="1997167" y="5220253"/>
-                <a:ext cx="235320" cy="235320"/>
-              </a:xfrm>
-              <a:prstGeom prst="ellipse">
-                <a:avLst/>
-              </a:prstGeom>
-              <a:solidFill>
-                <a:srgbClr val="ECEBCD"/>
-              </a:solidFill>
-              <a:ln>
-                <a:noFill/>
-              </a:ln>
-              <a:effectLst>
-                <a:innerShdw blurRad="76200" dist="152400" dir="13500000">
-                  <a:prstClr val="black">
-                    <a:alpha val="50000"/>
-                  </a:prstClr>
-                </a:innerShdw>
-              </a:effectLst>
-            </p:spPr>
-            <p:style>
-              <a:lnRef idx="2">
-                <a:schemeClr val="accent1">
-                  <a:shade val="15000"/>
-                </a:schemeClr>
-              </a:lnRef>
-              <a:fillRef idx="1">
-                <a:schemeClr val="accent1"/>
-              </a:fillRef>
-              <a:effectRef idx="0">
-                <a:schemeClr val="accent1"/>
-              </a:effectRef>
-              <a:fontRef idx="minor">
-                <a:schemeClr val="lt1"/>
-              </a:fontRef>
-            </p:style>
-            <p:txBody>
-              <a:bodyPr rtlCol="0" anchor="ctr"/>
-              <a:lstStyle/>
-              <a:p>
-                <a:pPr algn="ctr"/>
-                <a:endParaRPr kumimoji="1" lang="ja-JP" altLang="en-US"/>
-              </a:p>
-            </p:txBody>
-          </p:sp>
-          <p:sp>
-            <p:nvSpPr>
-              <p:cNvPr id="24" name="楕円 23">
-                <a:extLst>
-                  <a:ext uri="{FF2B5EF4-FFF2-40B4-BE49-F238E27FC236}">
-                    <a16:creationId xmlns:a16="http://schemas.microsoft.com/office/drawing/2014/main" id="{2E602FC9-52DE-531D-C8FA-B76EE355F92B}"/>
-                  </a:ext>
-                </a:extLst>
-              </p:cNvPr>
-              <p:cNvSpPr>
-                <a:spLocks noChangeAspect="1"/>
-              </p:cNvSpPr>
-              <p:nvPr/>
-            </p:nvSpPr>
-            <p:spPr>
-              <a:xfrm>
-                <a:off x="2005619" y="5614193"/>
-                <a:ext cx="235320" cy="235320"/>
-              </a:xfrm>
-              <a:prstGeom prst="ellipse">
-                <a:avLst/>
-              </a:prstGeom>
-              <a:solidFill>
-                <a:srgbClr val="ECEBCD"/>
-              </a:solidFill>
-              <a:ln>
-                <a:noFill/>
-              </a:ln>
-              <a:effectLst>
-                <a:innerShdw blurRad="76200" dist="152400" dir="13500000">
-                  <a:prstClr val="black">
-                    <a:alpha val="50000"/>
-                  </a:prstClr>
-                </a:innerShdw>
-              </a:effectLst>
-            </p:spPr>
-            <p:style>
-              <a:lnRef idx="2">
-                <a:schemeClr val="accent1">
-                  <a:shade val="15000"/>
-                </a:schemeClr>
-              </a:lnRef>
-              <a:fillRef idx="1">
-                <a:schemeClr val="accent1"/>
-              </a:fillRef>
-              <a:effectRef idx="0">
-                <a:schemeClr val="accent1"/>
-              </a:effectRef>
-              <a:fontRef idx="minor">
-                <a:schemeClr val="lt1"/>
-              </a:fontRef>
-            </p:style>
-            <p:txBody>
-              <a:bodyPr rtlCol="0" anchor="ctr"/>
-              <a:lstStyle/>
-              <a:p>
-                <a:pPr algn="ctr"/>
-                <a:endParaRPr kumimoji="1" lang="ja-JP" altLang="en-US"/>
-              </a:p>
-            </p:txBody>
-          </p:sp>
-          <p:sp>
-            <p:nvSpPr>
-              <p:cNvPr id="25" name="楕円 24">
-                <a:extLst>
-                  <a:ext uri="{FF2B5EF4-FFF2-40B4-BE49-F238E27FC236}">
-                    <a16:creationId xmlns:a16="http://schemas.microsoft.com/office/drawing/2014/main" id="{5F2ABC73-290C-DCE7-3391-04B2C5E8203D}"/>
-                  </a:ext>
-                </a:extLst>
-              </p:cNvPr>
-              <p:cNvSpPr>
-                <a:spLocks noChangeAspect="1"/>
-              </p:cNvSpPr>
-              <p:nvPr/>
-            </p:nvSpPr>
-            <p:spPr>
-              <a:xfrm>
-                <a:off x="2005619" y="6008238"/>
-                <a:ext cx="235320" cy="235320"/>
-              </a:xfrm>
-              <a:prstGeom prst="ellipse">
-                <a:avLst/>
-              </a:prstGeom>
-              <a:solidFill>
-                <a:srgbClr val="ECEBCD"/>
-              </a:solidFill>
-              <a:ln>
-                <a:noFill/>
-              </a:ln>
-              <a:effectLst>
-                <a:innerShdw blurRad="76200" dist="152400" dir="13500000">
-                  <a:prstClr val="black">
-                    <a:alpha val="50000"/>
-                  </a:prstClr>
-                </a:innerShdw>
-              </a:effectLst>
-            </p:spPr>
-            <p:style>
-              <a:lnRef idx="2">
-                <a:schemeClr val="accent1">
-                  <a:shade val="15000"/>
-                </a:schemeClr>
-              </a:lnRef>
-              <a:fillRef idx="1">
-                <a:schemeClr val="accent1"/>
-              </a:fillRef>
-              <a:effectRef idx="0">
-                <a:schemeClr val="accent1"/>
-              </a:effectRef>
-              <a:fontRef idx="minor">
-                <a:schemeClr val="lt1"/>
-              </a:fontRef>
-            </p:style>
-            <p:txBody>
-              <a:bodyPr rtlCol="0" anchor="ctr"/>
-              <a:lstStyle/>
-              <a:p>
-                <a:pPr algn="ctr"/>
-                <a:endParaRPr kumimoji="1" lang="ja-JP" altLang="en-US"/>
-              </a:p>
-            </p:txBody>
-          </p:sp>
-        </p:grpSp>
-      </p:grpSp>
-      <p:grpSp>
-        <p:nvGrpSpPr>
-          <p:cNvPr id="46" name="グループ化 45">
-            <a:extLst>
-              <a:ext uri="{FF2B5EF4-FFF2-40B4-BE49-F238E27FC236}">
-                <a16:creationId xmlns:a16="http://schemas.microsoft.com/office/drawing/2014/main" id="{4918AA33-E727-7E57-5965-D583BC47DB81}"/>
-              </a:ext>
-            </a:extLst>
-          </p:cNvPr>
-          <p:cNvGrpSpPr/>
-          <p:nvPr/>
-        </p:nvGrpSpPr>
-        <p:grpSpPr>
-          <a:xfrm>
-            <a:off x="179070" y="784859"/>
-            <a:ext cx="1606988" cy="5539729"/>
-            <a:chOff x="179070" y="784859"/>
-            <a:chExt cx="1606988" cy="5539729"/>
-          </a:xfrm>
-        </p:grpSpPr>
-        <p:sp>
-          <p:nvSpPr>
-            <p:cNvPr id="10" name="正方形/長方形 9">
-              <a:extLst>
-                <a:ext uri="{FF2B5EF4-FFF2-40B4-BE49-F238E27FC236}">
-                  <a16:creationId xmlns:a16="http://schemas.microsoft.com/office/drawing/2014/main" id="{2441564A-353C-F9D9-5C13-3ADD1345E7DA}"/>
-                </a:ext>
-              </a:extLst>
-            </p:cNvPr>
-            <p:cNvSpPr/>
-            <p:nvPr/>
-          </p:nvSpPr>
-          <p:spPr>
-            <a:xfrm>
-              <a:off x="179070" y="784859"/>
-              <a:ext cx="1606988" cy="5539729"/>
-            </a:xfrm>
-            <a:prstGeom prst="rect">
-              <a:avLst/>
-            </a:prstGeom>
-            <a:solidFill>
-              <a:schemeClr val="bg1"/>
-            </a:solidFill>
-            <a:ln>
-              <a:noFill/>
-            </a:ln>
-            <a:effectLst>
-              <a:outerShdw blurRad="50800" dist="152400" dir="2700000" algn="ctr" rotWithShape="0">
-                <a:srgbClr val="000000">
-                  <a:alpha val="43137"/>
-                </a:srgbClr>
-              </a:outerShdw>
-            </a:effectLst>
-          </p:spPr>
-          <p:style>
-            <a:lnRef idx="2">
-              <a:schemeClr val="accent1">
-                <a:shade val="15000"/>
-              </a:schemeClr>
-            </a:lnRef>
-            <a:fillRef idx="1">
-              <a:schemeClr val="accent1"/>
-            </a:fillRef>
-            <a:effectRef idx="0">
-              <a:schemeClr val="accent1"/>
-            </a:effectRef>
-            <a:fontRef idx="minor">
-              <a:schemeClr val="lt1"/>
-            </a:fontRef>
-          </p:style>
-          <p:txBody>
-            <a:bodyPr rtlCol="0" anchor="ctr"/>
-            <a:lstStyle/>
-            <a:p>
-              <a:pPr algn="ctr"/>
-              <a:endParaRPr kumimoji="1" lang="ja-JP" altLang="en-US"/>
-            </a:p>
-          </p:txBody>
-        </p:sp>
-        <p:grpSp>
-          <p:nvGrpSpPr>
-            <p:cNvPr id="45" name="グループ化 44">
-              <a:extLst>
-                <a:ext uri="{FF2B5EF4-FFF2-40B4-BE49-F238E27FC236}">
-                  <a16:creationId xmlns:a16="http://schemas.microsoft.com/office/drawing/2014/main" id="{7354D695-2602-2A25-5529-AD69D0D1420F}"/>
-                </a:ext>
-              </a:extLst>
-            </p:cNvPr>
-            <p:cNvGrpSpPr/>
-            <p:nvPr/>
-          </p:nvGrpSpPr>
-          <p:grpSpPr>
-            <a:xfrm>
-              <a:off x="280589" y="856557"/>
-              <a:ext cx="252119" cy="5349329"/>
-              <a:chOff x="280589" y="856557"/>
-              <a:chExt cx="252119" cy="5349329"/>
-            </a:xfrm>
-          </p:grpSpPr>
-          <p:sp>
-            <p:nvSpPr>
-              <p:cNvPr id="26" name="楕円 25">
-                <a:extLst>
-                  <a:ext uri="{FF2B5EF4-FFF2-40B4-BE49-F238E27FC236}">
-                    <a16:creationId xmlns:a16="http://schemas.microsoft.com/office/drawing/2014/main" id="{A1E5D48D-AA02-F2E1-90FE-3C6AEF4CFE32}"/>
-                  </a:ext>
-                </a:extLst>
-              </p:cNvPr>
-              <p:cNvSpPr>
-                <a:spLocks noChangeAspect="1"/>
-              </p:cNvSpPr>
-              <p:nvPr/>
-            </p:nvSpPr>
-            <p:spPr>
-              <a:xfrm>
-                <a:off x="280589" y="856557"/>
-                <a:ext cx="235320" cy="235320"/>
-              </a:xfrm>
-              <a:prstGeom prst="ellipse">
-                <a:avLst/>
-              </a:prstGeom>
-              <a:solidFill>
-                <a:srgbClr val="ECEBCD"/>
-              </a:solidFill>
-              <a:ln>
-                <a:noFill/>
-              </a:ln>
-              <a:effectLst>
-                <a:innerShdw blurRad="76200" dist="152400" dir="13500000">
-                  <a:prstClr val="black">
-                    <a:alpha val="50000"/>
-                  </a:prstClr>
-                </a:innerShdw>
-              </a:effectLst>
-            </p:spPr>
-            <p:style>
-              <a:lnRef idx="2">
-                <a:schemeClr val="accent1">
-                  <a:shade val="15000"/>
-                </a:schemeClr>
-              </a:lnRef>
-              <a:fillRef idx="1">
-                <a:schemeClr val="accent1"/>
-              </a:fillRef>
-              <a:effectRef idx="0">
-                <a:schemeClr val="accent1"/>
-              </a:effectRef>
-              <a:fontRef idx="minor">
-                <a:schemeClr val="lt1"/>
-              </a:fontRef>
-            </p:style>
-            <p:txBody>
-              <a:bodyPr rtlCol="0" anchor="ctr"/>
-              <a:lstStyle/>
-              <a:p>
-                <a:pPr algn="ctr"/>
-                <a:endParaRPr kumimoji="1" lang="ja-JP" altLang="en-US"/>
-              </a:p>
-            </p:txBody>
-          </p:sp>
-          <p:sp>
-            <p:nvSpPr>
-              <p:cNvPr id="27" name="楕円 26">
-                <a:extLst>
-                  <a:ext uri="{FF2B5EF4-FFF2-40B4-BE49-F238E27FC236}">
-                    <a16:creationId xmlns:a16="http://schemas.microsoft.com/office/drawing/2014/main" id="{057CD408-3A2F-CECB-1BAA-EDF15AF6A3C0}"/>
-                  </a:ext>
-                </a:extLst>
-              </p:cNvPr>
-              <p:cNvSpPr>
-                <a:spLocks noChangeAspect="1"/>
-              </p:cNvSpPr>
-              <p:nvPr/>
-            </p:nvSpPr>
-            <p:spPr>
-              <a:xfrm>
-                <a:off x="280589" y="1250581"/>
-                <a:ext cx="235320" cy="235320"/>
-              </a:xfrm>
-              <a:prstGeom prst="ellipse">
-                <a:avLst/>
-              </a:prstGeom>
-              <a:solidFill>
-                <a:srgbClr val="ECEBCD"/>
-              </a:solidFill>
-              <a:ln>
-                <a:noFill/>
-              </a:ln>
-              <a:effectLst>
-                <a:innerShdw blurRad="76200" dist="152400" dir="13500000">
-                  <a:prstClr val="black">
-                    <a:alpha val="50000"/>
-                  </a:prstClr>
-                </a:innerShdw>
-              </a:effectLst>
-            </p:spPr>
-            <p:style>
-              <a:lnRef idx="2">
-                <a:schemeClr val="accent1">
-                  <a:shade val="15000"/>
-                </a:schemeClr>
-              </a:lnRef>
-              <a:fillRef idx="1">
-                <a:schemeClr val="accent1"/>
-              </a:fillRef>
-              <a:effectRef idx="0">
-                <a:schemeClr val="accent1"/>
-              </a:effectRef>
-              <a:fontRef idx="minor">
-                <a:schemeClr val="lt1"/>
-              </a:fontRef>
-            </p:style>
-            <p:txBody>
-              <a:bodyPr rtlCol="0" anchor="ctr"/>
-              <a:lstStyle/>
-              <a:p>
-                <a:pPr algn="ctr"/>
-                <a:endParaRPr kumimoji="1" lang="ja-JP" altLang="en-US"/>
-              </a:p>
-            </p:txBody>
-          </p:sp>
-          <p:sp>
-            <p:nvSpPr>
-              <p:cNvPr id="28" name="楕円 27">
-                <a:extLst>
-                  <a:ext uri="{FF2B5EF4-FFF2-40B4-BE49-F238E27FC236}">
-                    <a16:creationId xmlns:a16="http://schemas.microsoft.com/office/drawing/2014/main" id="{F0CC719F-3E2B-20EC-4599-8D78A68EA3D9}"/>
-                  </a:ext>
-                </a:extLst>
-              </p:cNvPr>
-              <p:cNvSpPr>
-                <a:spLocks noChangeAspect="1"/>
-              </p:cNvSpPr>
-              <p:nvPr/>
-            </p:nvSpPr>
-            <p:spPr>
-              <a:xfrm>
-                <a:off x="284156" y="1644521"/>
-                <a:ext cx="235320" cy="235320"/>
-              </a:xfrm>
-              <a:prstGeom prst="ellipse">
-                <a:avLst/>
-              </a:prstGeom>
-              <a:solidFill>
-                <a:srgbClr val="ECEBCD"/>
-              </a:solidFill>
-              <a:ln>
-                <a:noFill/>
-              </a:ln>
-              <a:effectLst>
-                <a:innerShdw blurRad="76200" dist="152400" dir="13500000">
-                  <a:prstClr val="black">
-                    <a:alpha val="50000"/>
-                  </a:prstClr>
-                </a:innerShdw>
-              </a:effectLst>
-            </p:spPr>
-            <p:style>
-              <a:lnRef idx="2">
-                <a:schemeClr val="accent1">
-                  <a:shade val="15000"/>
-                </a:schemeClr>
-              </a:lnRef>
-              <a:fillRef idx="1">
-                <a:schemeClr val="accent1"/>
-              </a:fillRef>
-              <a:effectRef idx="0">
-                <a:schemeClr val="accent1"/>
-              </a:effectRef>
-              <a:fontRef idx="minor">
-                <a:schemeClr val="lt1"/>
-              </a:fontRef>
-            </p:style>
-            <p:txBody>
-              <a:bodyPr rtlCol="0" anchor="ctr"/>
-              <a:lstStyle/>
-              <a:p>
-                <a:pPr algn="ctr"/>
-                <a:endParaRPr kumimoji="1" lang="ja-JP" altLang="en-US"/>
-              </a:p>
-            </p:txBody>
-          </p:sp>
-          <p:sp>
-            <p:nvSpPr>
-              <p:cNvPr id="29" name="楕円 28">
-                <a:extLst>
-                  <a:ext uri="{FF2B5EF4-FFF2-40B4-BE49-F238E27FC236}">
-                    <a16:creationId xmlns:a16="http://schemas.microsoft.com/office/drawing/2014/main" id="{30833EBC-36E9-5BC9-8D3B-DECA9B78ECCF}"/>
-                  </a:ext>
-                </a:extLst>
-              </p:cNvPr>
-              <p:cNvSpPr>
-                <a:spLocks noChangeAspect="1"/>
-              </p:cNvSpPr>
-              <p:nvPr/>
-            </p:nvSpPr>
-            <p:spPr>
-              <a:xfrm>
-                <a:off x="283706" y="2035439"/>
-                <a:ext cx="235320" cy="235320"/>
-              </a:xfrm>
-              <a:prstGeom prst="ellipse">
-                <a:avLst/>
-              </a:prstGeom>
-              <a:solidFill>
-                <a:srgbClr val="ECEBCD"/>
-              </a:solidFill>
-              <a:ln>
-                <a:noFill/>
-              </a:ln>
-              <a:effectLst>
-                <a:innerShdw blurRad="76200" dist="152400" dir="13500000">
-                  <a:prstClr val="black">
-                    <a:alpha val="50000"/>
-                  </a:prstClr>
-                </a:innerShdw>
-              </a:effectLst>
-            </p:spPr>
-            <p:style>
-              <a:lnRef idx="2">
-                <a:schemeClr val="accent1">
-                  <a:shade val="15000"/>
-                </a:schemeClr>
-              </a:lnRef>
-              <a:fillRef idx="1">
-                <a:schemeClr val="accent1"/>
-              </a:fillRef>
-              <a:effectRef idx="0">
-                <a:schemeClr val="accent1"/>
-              </a:effectRef>
-              <a:fontRef idx="minor">
-                <a:schemeClr val="lt1"/>
-              </a:fontRef>
-            </p:style>
-            <p:txBody>
-              <a:bodyPr rtlCol="0" anchor="ctr"/>
-              <a:lstStyle/>
-              <a:p>
-                <a:pPr algn="ctr"/>
-                <a:endParaRPr kumimoji="1" lang="ja-JP" altLang="en-US"/>
-              </a:p>
-            </p:txBody>
-          </p:sp>
-          <p:sp>
-            <p:nvSpPr>
-              <p:cNvPr id="30" name="楕円 29">
-                <a:extLst>
-                  <a:ext uri="{FF2B5EF4-FFF2-40B4-BE49-F238E27FC236}">
-                    <a16:creationId xmlns:a16="http://schemas.microsoft.com/office/drawing/2014/main" id="{0C3B805C-E6E7-F21C-B0A7-557BBD4F2B2C}"/>
-                  </a:ext>
-                </a:extLst>
-              </p:cNvPr>
-              <p:cNvSpPr>
-                <a:spLocks noChangeAspect="1"/>
-              </p:cNvSpPr>
-              <p:nvPr/>
-            </p:nvSpPr>
-            <p:spPr>
-              <a:xfrm>
-                <a:off x="280589" y="2426357"/>
-                <a:ext cx="235320" cy="235320"/>
-              </a:xfrm>
-              <a:prstGeom prst="ellipse">
-                <a:avLst/>
-              </a:prstGeom>
-              <a:solidFill>
-                <a:srgbClr val="ECEBCD"/>
-              </a:solidFill>
-              <a:ln>
-                <a:noFill/>
-              </a:ln>
-              <a:effectLst>
-                <a:innerShdw blurRad="76200" dist="152400" dir="13500000">
-                  <a:prstClr val="black">
-                    <a:alpha val="50000"/>
-                  </a:prstClr>
-                </a:innerShdw>
-              </a:effectLst>
-            </p:spPr>
-            <p:style>
-              <a:lnRef idx="2">
-                <a:schemeClr val="accent1">
-                  <a:shade val="15000"/>
-                </a:schemeClr>
-              </a:lnRef>
-              <a:fillRef idx="1">
-                <a:schemeClr val="accent1"/>
-              </a:fillRef>
-              <a:effectRef idx="0">
-                <a:schemeClr val="accent1"/>
-              </a:effectRef>
-              <a:fontRef idx="minor">
-                <a:schemeClr val="lt1"/>
-              </a:fontRef>
-            </p:style>
-            <p:txBody>
-              <a:bodyPr rtlCol="0" anchor="ctr"/>
-              <a:lstStyle/>
-              <a:p>
-                <a:pPr algn="ctr"/>
-                <a:endParaRPr kumimoji="1" lang="ja-JP" altLang="en-US"/>
-              </a:p>
-            </p:txBody>
-          </p:sp>
-          <p:sp>
-            <p:nvSpPr>
-              <p:cNvPr id="31" name="楕円 30">
-                <a:extLst>
-                  <a:ext uri="{FF2B5EF4-FFF2-40B4-BE49-F238E27FC236}">
-                    <a16:creationId xmlns:a16="http://schemas.microsoft.com/office/drawing/2014/main" id="{9A30FD91-F1F5-5736-8798-1F43BBCB45FB}"/>
-                  </a:ext>
-                </a:extLst>
-              </p:cNvPr>
-              <p:cNvSpPr>
-                <a:spLocks noChangeAspect="1"/>
-              </p:cNvSpPr>
-              <p:nvPr/>
-            </p:nvSpPr>
-            <p:spPr>
-              <a:xfrm>
-                <a:off x="289041" y="2820297"/>
-                <a:ext cx="235320" cy="235320"/>
-              </a:xfrm>
-              <a:prstGeom prst="ellipse">
-                <a:avLst/>
-              </a:prstGeom>
-              <a:solidFill>
-                <a:srgbClr val="ECEBCD"/>
-              </a:solidFill>
-              <a:ln>
-                <a:noFill/>
-              </a:ln>
-              <a:effectLst>
-                <a:innerShdw blurRad="76200" dist="152400" dir="13500000">
-                  <a:prstClr val="black">
-                    <a:alpha val="50000"/>
-                  </a:prstClr>
-                </a:innerShdw>
-              </a:effectLst>
-            </p:spPr>
-            <p:style>
-              <a:lnRef idx="2">
-                <a:schemeClr val="accent1">
-                  <a:shade val="15000"/>
-                </a:schemeClr>
-              </a:lnRef>
-              <a:fillRef idx="1">
-                <a:schemeClr val="accent1"/>
-              </a:fillRef>
-              <a:effectRef idx="0">
-                <a:schemeClr val="accent1"/>
-              </a:effectRef>
-              <a:fontRef idx="minor">
-                <a:schemeClr val="lt1"/>
-              </a:fontRef>
-            </p:style>
-            <p:txBody>
-              <a:bodyPr rtlCol="0" anchor="ctr"/>
-              <a:lstStyle/>
-              <a:p>
-                <a:pPr algn="ctr"/>
-                <a:endParaRPr kumimoji="1" lang="ja-JP" altLang="en-US"/>
-              </a:p>
-            </p:txBody>
-          </p:sp>
-          <p:sp>
-            <p:nvSpPr>
-              <p:cNvPr id="32" name="楕円 31">
-                <a:extLst>
-                  <a:ext uri="{FF2B5EF4-FFF2-40B4-BE49-F238E27FC236}">
-                    <a16:creationId xmlns:a16="http://schemas.microsoft.com/office/drawing/2014/main" id="{918A3DD6-9769-AC1C-86E6-F15AE06A8155}"/>
-                  </a:ext>
-                </a:extLst>
-              </p:cNvPr>
-              <p:cNvSpPr>
-                <a:spLocks noChangeAspect="1"/>
-              </p:cNvSpPr>
-              <p:nvPr/>
-            </p:nvSpPr>
-            <p:spPr>
-              <a:xfrm>
-                <a:off x="289041" y="3214342"/>
-                <a:ext cx="235320" cy="235320"/>
-              </a:xfrm>
-              <a:prstGeom prst="ellipse">
-                <a:avLst/>
-              </a:prstGeom>
-              <a:solidFill>
-                <a:srgbClr val="ECEBCD"/>
-              </a:solidFill>
-              <a:ln>
-                <a:noFill/>
-              </a:ln>
-              <a:effectLst>
-                <a:innerShdw blurRad="76200" dist="152400" dir="13500000">
-                  <a:prstClr val="black">
-                    <a:alpha val="50000"/>
-                  </a:prstClr>
-                </a:innerShdw>
-              </a:effectLst>
-            </p:spPr>
-            <p:style>
-              <a:lnRef idx="2">
-                <a:schemeClr val="accent1">
-                  <a:shade val="15000"/>
-                </a:schemeClr>
-              </a:lnRef>
-              <a:fillRef idx="1">
-                <a:schemeClr val="accent1"/>
-              </a:fillRef>
-              <a:effectRef idx="0">
-                <a:schemeClr val="accent1"/>
-              </a:effectRef>
-              <a:fontRef idx="minor">
-                <a:schemeClr val="lt1"/>
-              </a:fontRef>
-            </p:style>
-            <p:txBody>
-              <a:bodyPr rtlCol="0" anchor="ctr"/>
-              <a:lstStyle/>
-              <a:p>
-                <a:pPr algn="ctr"/>
-                <a:endParaRPr kumimoji="1" lang="ja-JP" altLang="en-US"/>
-              </a:p>
-            </p:txBody>
-          </p:sp>
-          <p:sp>
-            <p:nvSpPr>
-              <p:cNvPr id="33" name="楕円 32">
-                <a:extLst>
-                  <a:ext uri="{FF2B5EF4-FFF2-40B4-BE49-F238E27FC236}">
-                    <a16:creationId xmlns:a16="http://schemas.microsoft.com/office/drawing/2014/main" id="{4EFC9971-20E9-5E17-6233-6F757A77B6B4}"/>
-                  </a:ext>
-                </a:extLst>
-              </p:cNvPr>
-              <p:cNvSpPr>
-                <a:spLocks noChangeAspect="1"/>
-              </p:cNvSpPr>
-              <p:nvPr/>
-            </p:nvSpPr>
-            <p:spPr>
-              <a:xfrm>
-                <a:off x="288936" y="3612781"/>
-                <a:ext cx="235320" cy="235320"/>
-              </a:xfrm>
-              <a:prstGeom prst="ellipse">
-                <a:avLst/>
-              </a:prstGeom>
-              <a:solidFill>
-                <a:srgbClr val="ECEBCD"/>
-              </a:solidFill>
-              <a:ln>
-                <a:noFill/>
-              </a:ln>
-              <a:effectLst>
-                <a:innerShdw blurRad="76200" dist="152400" dir="13500000">
-                  <a:prstClr val="black">
-                    <a:alpha val="50000"/>
-                  </a:prstClr>
-                </a:innerShdw>
-              </a:effectLst>
-            </p:spPr>
-            <p:style>
-              <a:lnRef idx="2">
-                <a:schemeClr val="accent1">
-                  <a:shade val="15000"/>
-                </a:schemeClr>
-              </a:lnRef>
-              <a:fillRef idx="1">
-                <a:schemeClr val="accent1"/>
-              </a:fillRef>
-              <a:effectRef idx="0">
-                <a:schemeClr val="accent1"/>
-              </a:effectRef>
-              <a:fontRef idx="minor">
-                <a:schemeClr val="lt1"/>
-              </a:fontRef>
-            </p:style>
-            <p:txBody>
-              <a:bodyPr rtlCol="0" anchor="ctr"/>
-              <a:lstStyle/>
-              <a:p>
-                <a:pPr algn="ctr"/>
-                <a:endParaRPr kumimoji="1" lang="ja-JP" altLang="en-US"/>
-              </a:p>
-            </p:txBody>
-          </p:sp>
-          <p:sp>
-            <p:nvSpPr>
-              <p:cNvPr id="34" name="楕円 33">
-                <a:extLst>
-                  <a:ext uri="{FF2B5EF4-FFF2-40B4-BE49-F238E27FC236}">
-                    <a16:creationId xmlns:a16="http://schemas.microsoft.com/office/drawing/2014/main" id="{1AC364CC-7FEE-572D-F03E-C97B2E0476A5}"/>
-                  </a:ext>
-                </a:extLst>
-              </p:cNvPr>
-              <p:cNvSpPr>
-                <a:spLocks noChangeAspect="1"/>
-              </p:cNvSpPr>
-              <p:nvPr/>
-            </p:nvSpPr>
-            <p:spPr>
-              <a:xfrm>
-                <a:off x="288936" y="4006805"/>
-                <a:ext cx="235320" cy="235320"/>
-              </a:xfrm>
-              <a:prstGeom prst="ellipse">
-                <a:avLst/>
-              </a:prstGeom>
-              <a:solidFill>
-                <a:srgbClr val="ECEBCD"/>
-              </a:solidFill>
-              <a:ln>
-                <a:noFill/>
-              </a:ln>
-              <a:effectLst>
-                <a:innerShdw blurRad="76200" dist="152400" dir="13500000">
-                  <a:prstClr val="black">
-                    <a:alpha val="50000"/>
-                  </a:prstClr>
-                </a:innerShdw>
-              </a:effectLst>
-            </p:spPr>
-            <p:style>
-              <a:lnRef idx="2">
-                <a:schemeClr val="accent1">
-                  <a:shade val="15000"/>
-                </a:schemeClr>
-              </a:lnRef>
-              <a:fillRef idx="1">
-                <a:schemeClr val="accent1"/>
-              </a:fillRef>
-              <a:effectRef idx="0">
-                <a:schemeClr val="accent1"/>
-              </a:effectRef>
-              <a:fontRef idx="minor">
-                <a:schemeClr val="lt1"/>
-              </a:fontRef>
-            </p:style>
-            <p:txBody>
-              <a:bodyPr rtlCol="0" anchor="ctr"/>
-              <a:lstStyle/>
-              <a:p>
-                <a:pPr algn="ctr"/>
-                <a:endParaRPr kumimoji="1" lang="ja-JP" altLang="en-US"/>
-              </a:p>
-            </p:txBody>
-          </p:sp>
-          <p:sp>
-            <p:nvSpPr>
-              <p:cNvPr id="35" name="楕円 34">
-                <a:extLst>
-                  <a:ext uri="{FF2B5EF4-FFF2-40B4-BE49-F238E27FC236}">
-                    <a16:creationId xmlns:a16="http://schemas.microsoft.com/office/drawing/2014/main" id="{01D89818-BB23-17A5-A761-3A019DD315EC}"/>
-                  </a:ext>
-                </a:extLst>
-              </p:cNvPr>
-              <p:cNvSpPr>
-                <a:spLocks noChangeAspect="1"/>
-              </p:cNvSpPr>
-              <p:nvPr/>
-            </p:nvSpPr>
-            <p:spPr>
-              <a:xfrm>
-                <a:off x="292503" y="4400745"/>
-                <a:ext cx="235320" cy="235320"/>
-              </a:xfrm>
-              <a:prstGeom prst="ellipse">
-                <a:avLst/>
-              </a:prstGeom>
-              <a:solidFill>
-                <a:srgbClr val="ECEBCD"/>
-              </a:solidFill>
-              <a:ln>
-                <a:noFill/>
-              </a:ln>
-              <a:effectLst>
-                <a:innerShdw blurRad="76200" dist="152400" dir="13500000">
-                  <a:prstClr val="black">
-                    <a:alpha val="50000"/>
-                  </a:prstClr>
-                </a:innerShdw>
-              </a:effectLst>
-            </p:spPr>
-            <p:style>
-              <a:lnRef idx="2">
-                <a:schemeClr val="accent1">
-                  <a:shade val="15000"/>
-                </a:schemeClr>
-              </a:lnRef>
-              <a:fillRef idx="1">
-                <a:schemeClr val="accent1"/>
-              </a:fillRef>
-              <a:effectRef idx="0">
-                <a:schemeClr val="accent1"/>
-              </a:effectRef>
-              <a:fontRef idx="minor">
-                <a:schemeClr val="lt1"/>
-              </a:fontRef>
-            </p:style>
-            <p:txBody>
-              <a:bodyPr rtlCol="0" anchor="ctr"/>
-              <a:lstStyle/>
-              <a:p>
-                <a:pPr algn="ctr"/>
-                <a:endParaRPr kumimoji="1" lang="ja-JP" altLang="en-US"/>
-              </a:p>
-            </p:txBody>
-          </p:sp>
-          <p:sp>
-            <p:nvSpPr>
-              <p:cNvPr id="36" name="楕円 35">
-                <a:extLst>
-                  <a:ext uri="{FF2B5EF4-FFF2-40B4-BE49-F238E27FC236}">
-                    <a16:creationId xmlns:a16="http://schemas.microsoft.com/office/drawing/2014/main" id="{1AA4435C-04AF-68DB-B337-408EB7F3AADB}"/>
-                  </a:ext>
-                </a:extLst>
-              </p:cNvPr>
-              <p:cNvSpPr>
-                <a:spLocks noChangeAspect="1"/>
-              </p:cNvSpPr>
-              <p:nvPr/>
-            </p:nvSpPr>
-            <p:spPr>
-              <a:xfrm>
-                <a:off x="292053" y="4791663"/>
-                <a:ext cx="235320" cy="235320"/>
-              </a:xfrm>
-              <a:prstGeom prst="ellipse">
-                <a:avLst/>
-              </a:prstGeom>
-              <a:solidFill>
-                <a:srgbClr val="ECEBCD"/>
-              </a:solidFill>
-              <a:ln>
-                <a:noFill/>
-              </a:ln>
-              <a:effectLst>
-                <a:innerShdw blurRad="76200" dist="152400" dir="13500000">
-                  <a:prstClr val="black">
-                    <a:alpha val="50000"/>
-                  </a:prstClr>
-                </a:innerShdw>
-              </a:effectLst>
-            </p:spPr>
-            <p:style>
-              <a:lnRef idx="2">
-                <a:schemeClr val="accent1">
-                  <a:shade val="15000"/>
-                </a:schemeClr>
-              </a:lnRef>
-              <a:fillRef idx="1">
-                <a:schemeClr val="accent1"/>
-              </a:fillRef>
-              <a:effectRef idx="0">
-                <a:schemeClr val="accent1"/>
-              </a:effectRef>
-              <a:fontRef idx="minor">
-                <a:schemeClr val="lt1"/>
-              </a:fontRef>
-            </p:style>
-            <p:txBody>
-              <a:bodyPr rtlCol="0" anchor="ctr"/>
-              <a:lstStyle/>
-              <a:p>
-                <a:pPr algn="ctr"/>
-                <a:endParaRPr kumimoji="1" lang="ja-JP" altLang="en-US"/>
-              </a:p>
-            </p:txBody>
-          </p:sp>
-          <p:sp>
-            <p:nvSpPr>
-              <p:cNvPr id="37" name="楕円 36">
-                <a:extLst>
-                  <a:ext uri="{FF2B5EF4-FFF2-40B4-BE49-F238E27FC236}">
-                    <a16:creationId xmlns:a16="http://schemas.microsoft.com/office/drawing/2014/main" id="{AA1292E6-A4E0-FEFA-C975-6247A9848810}"/>
-                  </a:ext>
-                </a:extLst>
-              </p:cNvPr>
-              <p:cNvSpPr>
-                <a:spLocks noChangeAspect="1"/>
-              </p:cNvSpPr>
-              <p:nvPr/>
-            </p:nvSpPr>
-            <p:spPr>
-              <a:xfrm>
-                <a:off x="288936" y="5182581"/>
-                <a:ext cx="235320" cy="235320"/>
-              </a:xfrm>
-              <a:prstGeom prst="ellipse">
-                <a:avLst/>
-              </a:prstGeom>
-              <a:solidFill>
-                <a:srgbClr val="ECEBCD"/>
-              </a:solidFill>
-              <a:ln>
-                <a:noFill/>
-              </a:ln>
-              <a:effectLst>
-                <a:innerShdw blurRad="76200" dist="152400" dir="13500000">
-                  <a:prstClr val="black">
-                    <a:alpha val="50000"/>
-                  </a:prstClr>
-                </a:innerShdw>
-              </a:effectLst>
-            </p:spPr>
-            <p:style>
-              <a:lnRef idx="2">
-                <a:schemeClr val="accent1">
-                  <a:shade val="15000"/>
-                </a:schemeClr>
-              </a:lnRef>
-              <a:fillRef idx="1">
-                <a:schemeClr val="accent1"/>
-              </a:fillRef>
-              <a:effectRef idx="0">
-                <a:schemeClr val="accent1"/>
-              </a:effectRef>
-              <a:fontRef idx="minor">
-                <a:schemeClr val="lt1"/>
-              </a:fontRef>
-            </p:style>
-            <p:txBody>
-              <a:bodyPr rtlCol="0" anchor="ctr"/>
-              <a:lstStyle/>
-              <a:p>
-                <a:pPr algn="ctr"/>
-                <a:endParaRPr kumimoji="1" lang="ja-JP" altLang="en-US"/>
-              </a:p>
-            </p:txBody>
-          </p:sp>
-          <p:sp>
-            <p:nvSpPr>
-              <p:cNvPr id="38" name="楕円 37">
-                <a:extLst>
-                  <a:ext uri="{FF2B5EF4-FFF2-40B4-BE49-F238E27FC236}">
-                    <a16:creationId xmlns:a16="http://schemas.microsoft.com/office/drawing/2014/main" id="{0764EEC9-3436-5E58-CB98-C9D528C78352}"/>
-                  </a:ext>
-                </a:extLst>
-              </p:cNvPr>
-              <p:cNvSpPr>
-                <a:spLocks noChangeAspect="1"/>
-              </p:cNvSpPr>
-              <p:nvPr/>
-            </p:nvSpPr>
-            <p:spPr>
-              <a:xfrm>
-                <a:off x="297388" y="5576521"/>
-                <a:ext cx="235320" cy="235320"/>
-              </a:xfrm>
-              <a:prstGeom prst="ellipse">
-                <a:avLst/>
-              </a:prstGeom>
-              <a:solidFill>
-                <a:srgbClr val="ECEBCD"/>
-              </a:solidFill>
-              <a:ln>
-                <a:noFill/>
-              </a:ln>
-              <a:effectLst>
-                <a:innerShdw blurRad="76200" dist="152400" dir="13500000">
-                  <a:prstClr val="black">
-                    <a:alpha val="50000"/>
-                  </a:prstClr>
-                </a:innerShdw>
-              </a:effectLst>
-            </p:spPr>
-            <p:style>
-              <a:lnRef idx="2">
-                <a:schemeClr val="accent1">
-                  <a:shade val="15000"/>
-                </a:schemeClr>
-              </a:lnRef>
-              <a:fillRef idx="1">
-                <a:schemeClr val="accent1"/>
-              </a:fillRef>
-              <a:effectRef idx="0">
-                <a:schemeClr val="accent1"/>
-              </a:effectRef>
-              <a:fontRef idx="minor">
-                <a:schemeClr val="lt1"/>
-              </a:fontRef>
-            </p:style>
-            <p:txBody>
-              <a:bodyPr rtlCol="0" anchor="ctr"/>
-              <a:lstStyle/>
-              <a:p>
-                <a:pPr algn="ctr"/>
-                <a:endParaRPr kumimoji="1" lang="ja-JP" altLang="en-US"/>
-              </a:p>
-            </p:txBody>
-          </p:sp>
-          <p:sp>
-            <p:nvSpPr>
-              <p:cNvPr id="39" name="楕円 38">
-                <a:extLst>
-                  <a:ext uri="{FF2B5EF4-FFF2-40B4-BE49-F238E27FC236}">
-                    <a16:creationId xmlns:a16="http://schemas.microsoft.com/office/drawing/2014/main" id="{C2CD3935-B61E-152A-B75A-43211FE5D5BD}"/>
-                  </a:ext>
-                </a:extLst>
-              </p:cNvPr>
-              <p:cNvSpPr>
-                <a:spLocks noChangeAspect="1"/>
-              </p:cNvSpPr>
-              <p:nvPr/>
-            </p:nvSpPr>
-            <p:spPr>
-              <a:xfrm>
-                <a:off x="297388" y="5970566"/>
-                <a:ext cx="235320" cy="235320"/>
-              </a:xfrm>
-              <a:prstGeom prst="ellipse">
-                <a:avLst/>
-              </a:prstGeom>
-              <a:solidFill>
-                <a:srgbClr val="ECEBCD"/>
-              </a:solidFill>
-              <a:ln>
-                <a:noFill/>
-              </a:ln>
-              <a:effectLst>
-                <a:innerShdw blurRad="76200" dist="152400" dir="13500000">
-                  <a:prstClr val="black">
-                    <a:alpha val="50000"/>
-                  </a:prstClr>
-                </a:innerShdw>
-              </a:effectLst>
-            </p:spPr>
-            <p:style>
-              <a:lnRef idx="2">
-                <a:schemeClr val="accent1">
-                  <a:shade val="15000"/>
-                </a:schemeClr>
-              </a:lnRef>
-              <a:fillRef idx="1">
-                <a:schemeClr val="accent1"/>
-              </a:fillRef>
-              <a:effectRef idx="0">
-                <a:schemeClr val="accent1"/>
-              </a:effectRef>
-              <a:fontRef idx="minor">
-                <a:schemeClr val="lt1"/>
-              </a:fontRef>
-            </p:style>
-            <p:txBody>
-              <a:bodyPr rtlCol="0" anchor="ctr"/>
-              <a:lstStyle/>
-              <a:p>
-                <a:pPr algn="ctr"/>
-                <a:endParaRPr kumimoji="1" lang="ja-JP" altLang="en-US"/>
-              </a:p>
-            </p:txBody>
-          </p:sp>
-        </p:grpSp>
-      </p:grpSp>
-      <p:sp>
-        <p:nvSpPr>
-          <p:cNvPr id="2" name="タイトル 1">
-            <a:extLst>
-              <a:ext uri="{FF2B5EF4-FFF2-40B4-BE49-F238E27FC236}">
-                <a16:creationId xmlns:a16="http://schemas.microsoft.com/office/drawing/2014/main" id="{C70E8776-15A8-2D46-6CED-8A7B98553EDB}"/>
-              </a:ext>
-            </a:extLst>
-          </p:cNvPr>
-          <p:cNvSpPr>
-            <a:spLocks noGrp="1"/>
-          </p:cNvSpPr>
-          <p:nvPr>
-            <p:ph type="title"/>
-          </p:nvPr>
-        </p:nvSpPr>
-        <p:spPr>
-          <a:xfrm>
-            <a:off x="83820" y="33735"/>
-            <a:ext cx="3116580" cy="880666"/>
-          </a:xfrm>
-        </p:spPr>
-        <p:txBody>
-          <a:bodyPr>
-            <a:noAutofit/>
-          </a:bodyPr>
-          <a:lstStyle/>
-          <a:p>
-            <a:r>
-              <a:rPr kumimoji="1" lang="en-US" altLang="ja-JP" dirty="0" err="1"/>
-              <a:t>Vtuber</a:t>
-            </a:r>
-            <a:r>
-              <a:rPr kumimoji="1" lang="ja-JP" altLang="en-US" dirty="0"/>
-              <a:t>名鑑</a:t>
-            </a:r>
-          </a:p>
-        </p:txBody>
-      </p:sp>
-      <p:sp>
-        <p:nvSpPr>
-          <p:cNvPr id="7" name="タイトル 1">
-            <a:extLst>
-              <a:ext uri="{FF2B5EF4-FFF2-40B4-BE49-F238E27FC236}">
-                <a16:creationId xmlns:a16="http://schemas.microsoft.com/office/drawing/2014/main" id="{39083CAA-4C4C-3923-C26D-68C355302B86}"/>
-              </a:ext>
-            </a:extLst>
-          </p:cNvPr>
-          <p:cNvSpPr txBox="1">
-            <a:spLocks/>
-          </p:cNvSpPr>
-          <p:nvPr/>
-        </p:nvSpPr>
-        <p:spPr>
-          <a:xfrm>
-            <a:off x="2615565" y="554353"/>
-            <a:ext cx="3192780" cy="1325563"/>
-          </a:xfrm>
-          <a:prstGeom prst="rect">
-            <a:avLst/>
-          </a:prstGeom>
-        </p:spPr>
-        <p:txBody>
-          <a:bodyPr vert="horz" lIns="91440" tIns="45720" rIns="91440" bIns="45720" rtlCol="0" anchor="ctr">
-            <a:noAutofit/>
-          </a:bodyPr>
-          <a:lstStyle>
-            <a:lvl1pPr algn="l" defTabSz="914400" rtl="0" eaLnBrk="1" latinLnBrk="0" hangingPunct="1">
-              <a:lnSpc>
-                <a:spcPct val="90000"/>
-              </a:lnSpc>
-              <a:spcBef>
-                <a:spcPct val="0"/>
-              </a:spcBef>
-              <a:buNone/>
-              <a:defRPr kumimoji="1" sz="4400" kern="1200">
-                <a:solidFill>
-                  <a:schemeClr val="tx1"/>
-                </a:solidFill>
-                <a:latin typeface="+mj-lt"/>
-                <a:ea typeface="+mj-ea"/>
-                <a:cs typeface="+mj-cs"/>
-              </a:defRPr>
-            </a:lvl1pPr>
-          </a:lstStyle>
-          <a:p>
-            <a:r>
-              <a:rPr lang="ja-JP" altLang="en-US" sz="2400" dirty="0"/>
-              <a:t>な</a:t>
-            </a:r>
-            <a:r>
-              <a:rPr lang="en-US" altLang="ja-JP" sz="2400" dirty="0"/>
-              <a:t>Na</a:t>
-            </a:r>
-            <a:r>
-              <a:rPr lang="ja-JP" altLang="en-US" sz="2400" dirty="0"/>
-              <a:t>シの　権兵∀</a:t>
-            </a:r>
-          </a:p>
-        </p:txBody>
-      </p:sp>
-      <p:cxnSp>
-        <p:nvCxnSpPr>
-          <p:cNvPr id="9" name="直線コネクタ 8">
-            <a:extLst>
-              <a:ext uri="{FF2B5EF4-FFF2-40B4-BE49-F238E27FC236}">
-                <a16:creationId xmlns:a16="http://schemas.microsoft.com/office/drawing/2014/main" id="{F46C5A5F-5432-1947-679E-8711314F1490}"/>
-              </a:ext>
-            </a:extLst>
-          </p:cNvPr>
-          <p:cNvCxnSpPr/>
-          <p:nvPr/>
-        </p:nvCxnSpPr>
-        <p:spPr>
-          <a:xfrm>
-            <a:off x="2585258" y="910591"/>
-            <a:ext cx="4667250" cy="0"/>
-          </a:xfrm>
-          <a:prstGeom prst="line">
-            <a:avLst/>
-          </a:prstGeom>
-          <a:ln>
-            <a:solidFill>
-              <a:srgbClr val="00ABF5"/>
-            </a:solidFill>
-          </a:ln>
-        </p:spPr>
-        <p:style>
-          <a:lnRef idx="1">
-            <a:schemeClr val="accent1"/>
-          </a:lnRef>
-          <a:fillRef idx="0">
-            <a:schemeClr val="accent1"/>
-          </a:fillRef>
-          <a:effectRef idx="0">
-            <a:schemeClr val="accent1"/>
-          </a:effectRef>
-          <a:fontRef idx="minor">
-            <a:schemeClr val="tx1"/>
-          </a:fontRef>
-        </p:style>
-      </p:cxnSp>
-      <p:cxnSp>
-        <p:nvCxnSpPr>
-          <p:cNvPr id="12" name="直線コネクタ 11">
-            <a:extLst>
-              <a:ext uri="{FF2B5EF4-FFF2-40B4-BE49-F238E27FC236}">
-                <a16:creationId xmlns:a16="http://schemas.microsoft.com/office/drawing/2014/main" id="{B993CA88-ABB6-4359-5A89-777D847EDF36}"/>
-              </a:ext>
-            </a:extLst>
-          </p:cNvPr>
-          <p:cNvCxnSpPr/>
-          <p:nvPr/>
-        </p:nvCxnSpPr>
-        <p:spPr>
-          <a:xfrm>
-            <a:off x="2585258" y="1485901"/>
-            <a:ext cx="4667250" cy="0"/>
-          </a:xfrm>
-          <a:prstGeom prst="line">
-            <a:avLst/>
-          </a:prstGeom>
-          <a:ln>
-            <a:solidFill>
-              <a:srgbClr val="00ABF5"/>
-            </a:solidFill>
-          </a:ln>
-        </p:spPr>
-        <p:style>
-          <a:lnRef idx="1">
-            <a:schemeClr val="accent1"/>
-          </a:lnRef>
-          <a:fillRef idx="0">
-            <a:schemeClr val="accent1"/>
-          </a:fillRef>
-          <a:effectRef idx="0">
-            <a:schemeClr val="accent1"/>
-          </a:effectRef>
-          <a:fontRef idx="minor">
-            <a:schemeClr val="tx1"/>
-          </a:fontRef>
-        </p:style>
-      </p:cxnSp>
-      <p:cxnSp>
-        <p:nvCxnSpPr>
-          <p:cNvPr id="40" name="直線コネクタ 39">
-            <a:extLst>
-              <a:ext uri="{FF2B5EF4-FFF2-40B4-BE49-F238E27FC236}">
-                <a16:creationId xmlns:a16="http://schemas.microsoft.com/office/drawing/2014/main" id="{5D358E9F-D3FF-1F10-CD4E-5137EB43142A}"/>
-              </a:ext>
-            </a:extLst>
-          </p:cNvPr>
-          <p:cNvCxnSpPr/>
-          <p:nvPr/>
-        </p:nvCxnSpPr>
-        <p:spPr>
-          <a:xfrm>
-            <a:off x="2522740" y="1837806"/>
-            <a:ext cx="4667250" cy="0"/>
-          </a:xfrm>
-          <a:prstGeom prst="line">
-            <a:avLst/>
-          </a:prstGeom>
-          <a:ln>
-            <a:solidFill>
-              <a:srgbClr val="00ABF5"/>
-            </a:solidFill>
-          </a:ln>
-        </p:spPr>
-        <p:style>
-          <a:lnRef idx="1">
-            <a:schemeClr val="accent1"/>
-          </a:lnRef>
-          <a:fillRef idx="0">
-            <a:schemeClr val="accent1"/>
-          </a:fillRef>
-          <a:effectRef idx="0">
-            <a:schemeClr val="accent1"/>
-          </a:effectRef>
-          <a:fontRef idx="minor">
-            <a:schemeClr val="tx1"/>
-          </a:fontRef>
-        </p:style>
-      </p:cxnSp>
-      <p:cxnSp>
-        <p:nvCxnSpPr>
-          <p:cNvPr id="41" name="直線コネクタ 40">
-            <a:extLst>
-              <a:ext uri="{FF2B5EF4-FFF2-40B4-BE49-F238E27FC236}">
-                <a16:creationId xmlns:a16="http://schemas.microsoft.com/office/drawing/2014/main" id="{80A0221C-B99C-5ACB-3D55-1E23EE0CBCB2}"/>
-              </a:ext>
-            </a:extLst>
-          </p:cNvPr>
-          <p:cNvCxnSpPr/>
-          <p:nvPr/>
-        </p:nvCxnSpPr>
-        <p:spPr>
-          <a:xfrm>
-            <a:off x="2522740" y="2035439"/>
-            <a:ext cx="4667250" cy="0"/>
-          </a:xfrm>
-          <a:prstGeom prst="line">
-            <a:avLst/>
-          </a:prstGeom>
-          <a:ln>
-            <a:solidFill>
-              <a:srgbClr val="00ABF5"/>
-            </a:solidFill>
-          </a:ln>
-        </p:spPr>
-        <p:style>
-          <a:lnRef idx="1">
-            <a:schemeClr val="accent1"/>
-          </a:lnRef>
-          <a:fillRef idx="0">
-            <a:schemeClr val="accent1"/>
-          </a:fillRef>
-          <a:effectRef idx="0">
-            <a:schemeClr val="accent1"/>
-          </a:effectRef>
-          <a:fontRef idx="minor">
-            <a:schemeClr val="tx1"/>
-          </a:fontRef>
-        </p:style>
-      </p:cxnSp>
-      <p:cxnSp>
-        <p:nvCxnSpPr>
-          <p:cNvPr id="42" name="直線コネクタ 41">
-            <a:extLst>
-              <a:ext uri="{FF2B5EF4-FFF2-40B4-BE49-F238E27FC236}">
-                <a16:creationId xmlns:a16="http://schemas.microsoft.com/office/drawing/2014/main" id="{9FD20C27-7503-FD44-0C0B-B4603E8A7AF8}"/>
-              </a:ext>
-            </a:extLst>
-          </p:cNvPr>
-          <p:cNvCxnSpPr/>
-          <p:nvPr/>
-        </p:nvCxnSpPr>
-        <p:spPr>
-          <a:xfrm>
-            <a:off x="2522740" y="2265910"/>
-            <a:ext cx="4667250" cy="0"/>
-          </a:xfrm>
-          <a:prstGeom prst="line">
-            <a:avLst/>
-          </a:prstGeom>
-          <a:ln>
-            <a:solidFill>
-              <a:srgbClr val="00ABF5"/>
-            </a:solidFill>
-          </a:ln>
-        </p:spPr>
-        <p:style>
-          <a:lnRef idx="1">
-            <a:schemeClr val="accent1"/>
-          </a:lnRef>
-          <a:fillRef idx="0">
-            <a:schemeClr val="accent1"/>
-          </a:fillRef>
-          <a:effectRef idx="0">
-            <a:schemeClr val="accent1"/>
-          </a:effectRef>
-          <a:fontRef idx="minor">
-            <a:schemeClr val="tx1"/>
-          </a:fontRef>
-        </p:style>
-      </p:cxnSp>
-      <p:grpSp>
-        <p:nvGrpSpPr>
-          <p:cNvPr id="49" name="グループ化 48">
-            <a:extLst>
-              <a:ext uri="{FF2B5EF4-FFF2-40B4-BE49-F238E27FC236}">
-                <a16:creationId xmlns:a16="http://schemas.microsoft.com/office/drawing/2014/main" id="{54089E3F-DEAA-028E-A0D8-17CFFA5D5D17}"/>
-              </a:ext>
-            </a:extLst>
-          </p:cNvPr>
-          <p:cNvGrpSpPr/>
-          <p:nvPr/>
-        </p:nvGrpSpPr>
-        <p:grpSpPr>
-          <a:xfrm>
-            <a:off x="0" y="5695953"/>
-            <a:ext cx="12192000" cy="1166336"/>
-            <a:chOff x="0" y="5695953"/>
-            <a:chExt cx="12192000" cy="1166336"/>
-          </a:xfrm>
-        </p:grpSpPr>
-        <p:sp>
-          <p:nvSpPr>
-            <p:cNvPr id="48" name="正方形/長方形 47">
-              <a:extLst>
-                <a:ext uri="{FF2B5EF4-FFF2-40B4-BE49-F238E27FC236}">
-                  <a16:creationId xmlns:a16="http://schemas.microsoft.com/office/drawing/2014/main" id="{4C6BB38A-9391-0B90-9D83-AFD7E87E3F6E}"/>
-                </a:ext>
-              </a:extLst>
-            </p:cNvPr>
-            <p:cNvSpPr/>
-            <p:nvPr/>
-          </p:nvSpPr>
-          <p:spPr>
-            <a:xfrm>
-              <a:off x="0" y="5695953"/>
-              <a:ext cx="12192000" cy="1166336"/>
-            </a:xfrm>
-            <a:prstGeom prst="rect">
-              <a:avLst/>
-            </a:prstGeom>
-            <a:gradFill>
-              <a:gsLst>
-                <a:gs pos="0">
-                  <a:srgbClr val="F6F8FC">
-                    <a:alpha val="0"/>
-                  </a:srgbClr>
-                </a:gs>
-                <a:gs pos="52000">
-                  <a:srgbClr val="ECEBCD"/>
-                </a:gs>
-              </a:gsLst>
-              <a:lin ang="5400000" scaled="1"/>
-            </a:gradFill>
-            <a:ln>
-              <a:noFill/>
-            </a:ln>
-          </p:spPr>
-          <p:style>
-            <a:lnRef idx="2">
-              <a:schemeClr val="accent1">
-                <a:shade val="15000"/>
-              </a:schemeClr>
-            </a:lnRef>
-            <a:fillRef idx="1">
-              <a:schemeClr val="accent1"/>
-            </a:fillRef>
-            <a:effectRef idx="0">
-              <a:schemeClr val="accent1"/>
-            </a:effectRef>
-            <a:fontRef idx="minor">
-              <a:schemeClr val="lt1"/>
-            </a:fontRef>
-          </p:style>
-          <p:txBody>
-            <a:bodyPr rtlCol="0" anchor="ctr"/>
-            <a:lstStyle/>
-            <a:p>
-              <a:pPr algn="ctr"/>
-              <a:endParaRPr kumimoji="1" lang="ja-JP" altLang="en-US" dirty="0"/>
-            </a:p>
-          </p:txBody>
-        </p:sp>
-        <p:sp>
-          <p:nvSpPr>
-            <p:cNvPr id="47" name="コンテンツ プレースホルダー 2">
-              <a:extLst>
-                <a:ext uri="{FF2B5EF4-FFF2-40B4-BE49-F238E27FC236}">
-                  <a16:creationId xmlns:a16="http://schemas.microsoft.com/office/drawing/2014/main" id="{854865CD-888C-8551-B27D-E148CCA9700E}"/>
-                </a:ext>
-              </a:extLst>
-            </p:cNvPr>
-            <p:cNvSpPr txBox="1">
-              <a:spLocks/>
-            </p:cNvSpPr>
-            <p:nvPr/>
-          </p:nvSpPr>
-          <p:spPr>
-            <a:xfrm>
-              <a:off x="5602432" y="6555057"/>
-              <a:ext cx="987136" cy="212702"/>
-            </a:xfrm>
-            <a:prstGeom prst="rect">
-              <a:avLst/>
-            </a:prstGeom>
-          </p:spPr>
-          <p:txBody>
-            <a:bodyPr vert="horz" lIns="91440" tIns="45720" rIns="91440" bIns="45720" rtlCol="0">
-              <a:normAutofit fontScale="92500" lnSpcReduction="20000"/>
-            </a:bodyPr>
-            <a:lstStyle>
-              <a:lvl1pPr marL="228600" indent="-228600" algn="l" defTabSz="914400" rtl="0" eaLnBrk="1" latinLnBrk="0" hangingPunct="1">
-                <a:lnSpc>
-                  <a:spcPct val="90000"/>
-                </a:lnSpc>
-                <a:spcBef>
-                  <a:spcPts val="1000"/>
-                </a:spcBef>
-                <a:buFont typeface="Arial" panose="020B0604020202020204" pitchFamily="34" charset="0"/>
-                <a:buChar char="•"/>
-                <a:defRPr kumimoji="1" sz="2800" kern="1200">
-                  <a:solidFill>
-                    <a:schemeClr val="tx1"/>
-                  </a:solidFill>
-                  <a:latin typeface="+mn-lt"/>
-                  <a:ea typeface="+mn-ea"/>
-                  <a:cs typeface="+mn-cs"/>
-                </a:defRPr>
-              </a:lvl1pPr>
-              <a:lvl2pPr marL="685800" indent="-228600" algn="l" defTabSz="914400" rtl="0" eaLnBrk="1" latinLnBrk="0" hangingPunct="1">
-                <a:lnSpc>
-                  <a:spcPct val="90000"/>
-                </a:lnSpc>
-                <a:spcBef>
-                  <a:spcPts val="500"/>
-                </a:spcBef>
-                <a:buFont typeface="Arial" panose="020B0604020202020204" pitchFamily="34" charset="0"/>
-                <a:buChar char="•"/>
-                <a:defRPr kumimoji="1" sz="2400" kern="1200">
-                  <a:solidFill>
-                    <a:schemeClr val="tx1"/>
-                  </a:solidFill>
-                  <a:latin typeface="+mn-lt"/>
-                  <a:ea typeface="+mn-ea"/>
-                  <a:cs typeface="+mn-cs"/>
-                </a:defRPr>
-              </a:lvl2pPr>
-              <a:lvl3pPr marL="1143000" indent="-228600" algn="l" defTabSz="914400" rtl="0" eaLnBrk="1" latinLnBrk="0" hangingPunct="1">
-                <a:lnSpc>
-                  <a:spcPct val="90000"/>
-                </a:lnSpc>
-                <a:spcBef>
-                  <a:spcPts val="500"/>
-                </a:spcBef>
-                <a:buFont typeface="Arial" panose="020B0604020202020204" pitchFamily="34" charset="0"/>
-                <a:buChar char="•"/>
-                <a:defRPr kumimoji="1" sz="2000" kern="1200">
-                  <a:solidFill>
-                    <a:schemeClr val="tx1"/>
-                  </a:solidFill>
-                  <a:latin typeface="+mn-lt"/>
-                  <a:ea typeface="+mn-ea"/>
-                  <a:cs typeface="+mn-cs"/>
-                </a:defRPr>
-              </a:lvl3pPr>
-              <a:lvl4pPr marL="1600200" indent="-228600" algn="l" defTabSz="914400" rtl="0" eaLnBrk="1" latinLnBrk="0" hangingPunct="1">
-                <a:lnSpc>
-                  <a:spcPct val="90000"/>
-                </a:lnSpc>
-                <a:spcBef>
-                  <a:spcPts val="500"/>
-                </a:spcBef>
-                <a:buFont typeface="Arial" panose="020B0604020202020204" pitchFamily="34" charset="0"/>
-                <a:buChar char="•"/>
-                <a:defRPr kumimoji="1" sz="1800" kern="1200">
-                  <a:solidFill>
-                    <a:schemeClr val="tx1"/>
-                  </a:solidFill>
-                  <a:latin typeface="+mn-lt"/>
-                  <a:ea typeface="+mn-ea"/>
-                  <a:cs typeface="+mn-cs"/>
-                </a:defRPr>
-              </a:lvl4pPr>
-              <a:lvl5pPr marL="2057400" indent="-228600" algn="l" defTabSz="914400" rtl="0" eaLnBrk="1" latinLnBrk="0" hangingPunct="1">
-                <a:lnSpc>
-                  <a:spcPct val="90000"/>
-                </a:lnSpc>
-                <a:spcBef>
-                  <a:spcPts val="500"/>
-                </a:spcBef>
-                <a:buFont typeface="Arial" panose="020B0604020202020204" pitchFamily="34" charset="0"/>
-                <a:buChar char="•"/>
-                <a:defRPr kumimoji="1" sz="1800" kern="1200">
-                  <a:solidFill>
-                    <a:schemeClr val="tx1"/>
-                  </a:solidFill>
-                  <a:latin typeface="+mn-lt"/>
-                  <a:ea typeface="+mn-ea"/>
-                  <a:cs typeface="+mn-cs"/>
-                </a:defRPr>
-              </a:lvl5pPr>
-              <a:lvl6pPr marL="2514600" indent="-228600" algn="l" defTabSz="914400" rtl="0" eaLnBrk="1" latinLnBrk="0" hangingPunct="1">
-                <a:lnSpc>
-                  <a:spcPct val="90000"/>
-                </a:lnSpc>
-                <a:spcBef>
-                  <a:spcPts val="500"/>
-                </a:spcBef>
-                <a:buFont typeface="Arial" panose="020B0604020202020204" pitchFamily="34" charset="0"/>
-                <a:buChar char="•"/>
-                <a:defRPr kumimoji="1" sz="1800" kern="1200">
-                  <a:solidFill>
-                    <a:schemeClr val="tx1"/>
-                  </a:solidFill>
-                  <a:latin typeface="+mn-lt"/>
-                  <a:ea typeface="+mn-ea"/>
-                  <a:cs typeface="+mn-cs"/>
-                </a:defRPr>
-              </a:lvl6pPr>
-              <a:lvl7pPr marL="2971800" indent="-228600" algn="l" defTabSz="914400" rtl="0" eaLnBrk="1" latinLnBrk="0" hangingPunct="1">
-                <a:lnSpc>
-                  <a:spcPct val="90000"/>
-                </a:lnSpc>
-                <a:spcBef>
-                  <a:spcPts val="500"/>
-                </a:spcBef>
-                <a:buFont typeface="Arial" panose="020B0604020202020204" pitchFamily="34" charset="0"/>
-                <a:buChar char="•"/>
-                <a:defRPr kumimoji="1" sz="1800" kern="1200">
-                  <a:solidFill>
-                    <a:schemeClr val="tx1"/>
-                  </a:solidFill>
-                  <a:latin typeface="+mn-lt"/>
-                  <a:ea typeface="+mn-ea"/>
-                  <a:cs typeface="+mn-cs"/>
-                </a:defRPr>
-              </a:lvl7pPr>
-              <a:lvl8pPr marL="3429000" indent="-228600" algn="l" defTabSz="914400" rtl="0" eaLnBrk="1" latinLnBrk="0" hangingPunct="1">
-                <a:lnSpc>
-                  <a:spcPct val="90000"/>
-                </a:lnSpc>
-                <a:spcBef>
-                  <a:spcPts val="500"/>
-                </a:spcBef>
-                <a:buFont typeface="Arial" panose="020B0604020202020204" pitchFamily="34" charset="0"/>
-                <a:buChar char="•"/>
-                <a:defRPr kumimoji="1" sz="1800" kern="1200">
-                  <a:solidFill>
-                    <a:schemeClr val="tx1"/>
-                  </a:solidFill>
-                  <a:latin typeface="+mn-lt"/>
-                  <a:ea typeface="+mn-ea"/>
-                  <a:cs typeface="+mn-cs"/>
-                </a:defRPr>
-              </a:lvl8pPr>
-              <a:lvl9pPr marL="3886200" indent="-228600" algn="l" defTabSz="914400" rtl="0" eaLnBrk="1" latinLnBrk="0" hangingPunct="1">
-                <a:lnSpc>
-                  <a:spcPct val="90000"/>
-                </a:lnSpc>
-                <a:spcBef>
-                  <a:spcPts val="500"/>
-                </a:spcBef>
-                <a:buFont typeface="Arial" panose="020B0604020202020204" pitchFamily="34" charset="0"/>
-                <a:buChar char="•"/>
-                <a:defRPr kumimoji="1" sz="1800" kern="1200">
-                  <a:solidFill>
-                    <a:schemeClr val="tx1"/>
-                  </a:solidFill>
-                  <a:latin typeface="+mn-lt"/>
-                  <a:ea typeface="+mn-ea"/>
-                  <a:cs typeface="+mn-cs"/>
-                </a:defRPr>
-              </a:lvl9pPr>
-            </a:lstStyle>
-            <a:p>
-              <a:pPr marL="0" indent="0" algn="ctr">
-                <a:buNone/>
-              </a:pPr>
-              <a:r>
-                <a:rPr lang="en-US" altLang="ja-JP" sz="1100" dirty="0"/>
-                <a:t>©</a:t>
-              </a:r>
-              <a:r>
-                <a:rPr lang="ja-JP" altLang="en-US" sz="1100" dirty="0"/>
-                <a:t>ソラノアナ</a:t>
-              </a:r>
-            </a:p>
-          </p:txBody>
-        </p:sp>
-      </p:grpSp>
-      <p:grpSp>
-        <p:nvGrpSpPr>
-          <p:cNvPr id="53" name="グループ化 52">
-            <a:extLst>
-              <a:ext uri="{FF2B5EF4-FFF2-40B4-BE49-F238E27FC236}">
-                <a16:creationId xmlns:a16="http://schemas.microsoft.com/office/drawing/2014/main" id="{0371EC01-31E2-2650-E317-8FC538BFDC73}"/>
-              </a:ext>
-            </a:extLst>
-          </p:cNvPr>
-          <p:cNvGrpSpPr>
-            <a:grpSpLocks noChangeAspect="1"/>
-          </p:cNvGrpSpPr>
-          <p:nvPr/>
-        </p:nvGrpSpPr>
-        <p:grpSpPr>
-          <a:xfrm>
-            <a:off x="7513617" y="897324"/>
-            <a:ext cx="2105198" cy="2109488"/>
-            <a:chOff x="6894195" y="2304141"/>
-            <a:chExt cx="2105198" cy="2109488"/>
-          </a:xfrm>
-        </p:grpSpPr>
-        <p:pic>
-          <p:nvPicPr>
-            <p:cNvPr id="50" name="図 49">
-              <a:extLst>
-                <a:ext uri="{FF2B5EF4-FFF2-40B4-BE49-F238E27FC236}">
-                  <a16:creationId xmlns:a16="http://schemas.microsoft.com/office/drawing/2014/main" id="{2C5B8D89-6560-D997-2BA0-EE246D9AC6E4}"/>
-                </a:ext>
-              </a:extLst>
-            </p:cNvPr>
-            <p:cNvPicPr>
-              <a:picLocks noChangeAspect="1"/>
-            </p:cNvPicPr>
-            <p:nvPr/>
-          </p:nvPicPr>
-          <p:blipFill>
-            <a:blip r:embed="rId2">
-              <a:extLst>
-                <a:ext uri="{28A0092B-C50C-407E-A947-70E740481C1C}">
-                  <a14:useLocalDpi xmlns:a14="http://schemas.microsoft.com/office/drawing/2010/main" val="0"/>
-                </a:ext>
-              </a:extLst>
-            </a:blip>
-            <a:stretch>
-              <a:fillRect/>
-            </a:stretch>
-          </p:blipFill>
-          <p:spPr>
-            <a:xfrm>
-              <a:off x="6894195" y="2308431"/>
-              <a:ext cx="2105198" cy="2105198"/>
-            </a:xfrm>
-            <a:prstGeom prst="rect">
-              <a:avLst/>
-            </a:prstGeom>
-          </p:spPr>
-        </p:pic>
-        <p:sp>
-          <p:nvSpPr>
-            <p:cNvPr id="52" name="正方形/長方形 51">
-              <a:extLst>
-                <a:ext uri="{FF2B5EF4-FFF2-40B4-BE49-F238E27FC236}">
-                  <a16:creationId xmlns:a16="http://schemas.microsoft.com/office/drawing/2014/main" id="{BBA6C0AA-436A-CB7A-1415-51513E7C2FDF}"/>
-                </a:ext>
-              </a:extLst>
-            </p:cNvPr>
-            <p:cNvSpPr>
-              <a:spLocks noChangeAspect="1"/>
-            </p:cNvSpPr>
-            <p:nvPr/>
-          </p:nvSpPr>
-          <p:spPr>
-            <a:xfrm>
-              <a:off x="6894200" y="2304141"/>
-              <a:ext cx="2105193" cy="2105193"/>
-            </a:xfrm>
-            <a:prstGeom prst="rect">
-              <a:avLst/>
-            </a:prstGeom>
-            <a:solidFill>
-              <a:srgbClr val="4472C4">
-                <a:alpha val="50196"/>
-              </a:srgbClr>
-            </a:solidFill>
-            <a:ln>
-              <a:noFill/>
-            </a:ln>
-          </p:spPr>
-          <p:style>
-            <a:lnRef idx="2">
-              <a:schemeClr val="accent1">
-                <a:shade val="15000"/>
-              </a:schemeClr>
-            </a:lnRef>
-            <a:fillRef idx="1">
-              <a:schemeClr val="accent1"/>
-            </a:fillRef>
-            <a:effectRef idx="0">
-              <a:schemeClr val="accent1"/>
-            </a:effectRef>
-            <a:fontRef idx="minor">
-              <a:schemeClr val="lt1"/>
-            </a:fontRef>
-          </p:style>
-          <p:txBody>
-            <a:bodyPr rtlCol="0" anchor="ctr"/>
-            <a:lstStyle/>
-            <a:p>
-              <a:pPr algn="ctr"/>
-              <a:r>
-                <a:rPr kumimoji="1" lang="en-US" altLang="ja-JP" sz="9600" dirty="0"/>
-                <a:t>1</a:t>
-              </a:r>
-              <a:endParaRPr kumimoji="1" lang="ja-JP" altLang="en-US" sz="9600" dirty="0"/>
-            </a:p>
-          </p:txBody>
-        </p:sp>
-      </p:grpSp>
-      <p:grpSp>
-        <p:nvGrpSpPr>
-          <p:cNvPr id="54" name="グループ化 53">
-            <a:extLst>
-              <a:ext uri="{FF2B5EF4-FFF2-40B4-BE49-F238E27FC236}">
-                <a16:creationId xmlns:a16="http://schemas.microsoft.com/office/drawing/2014/main" id="{53FF2B3F-925D-D2F6-42E0-7CDC88444679}"/>
-              </a:ext>
-            </a:extLst>
-          </p:cNvPr>
-          <p:cNvGrpSpPr>
-            <a:grpSpLocks noChangeAspect="1"/>
-          </p:cNvGrpSpPr>
-          <p:nvPr/>
-        </p:nvGrpSpPr>
-        <p:grpSpPr>
-          <a:xfrm>
-            <a:off x="9823826" y="901614"/>
-            <a:ext cx="942994" cy="944915"/>
-            <a:chOff x="6894195" y="2304141"/>
-            <a:chExt cx="2105198" cy="2109488"/>
-          </a:xfrm>
-        </p:grpSpPr>
-        <p:pic>
-          <p:nvPicPr>
-            <p:cNvPr id="55" name="図 54">
-              <a:extLst>
-                <a:ext uri="{FF2B5EF4-FFF2-40B4-BE49-F238E27FC236}">
-                  <a16:creationId xmlns:a16="http://schemas.microsoft.com/office/drawing/2014/main" id="{B5EE8A67-0022-0D6C-4097-5D33723A1D1F}"/>
-                </a:ext>
-              </a:extLst>
-            </p:cNvPr>
-            <p:cNvPicPr>
-              <a:picLocks noChangeAspect="1"/>
-            </p:cNvPicPr>
-            <p:nvPr/>
-          </p:nvPicPr>
-          <p:blipFill>
-            <a:blip r:embed="rId2">
-              <a:extLst>
-                <a:ext uri="{28A0092B-C50C-407E-A947-70E740481C1C}">
-                  <a14:useLocalDpi xmlns:a14="http://schemas.microsoft.com/office/drawing/2010/main" val="0"/>
-                </a:ext>
-              </a:extLst>
-            </a:blip>
-            <a:stretch>
-              <a:fillRect/>
-            </a:stretch>
-          </p:blipFill>
-          <p:spPr>
-            <a:xfrm>
-              <a:off x="6894195" y="2308431"/>
-              <a:ext cx="2105198" cy="2105198"/>
-            </a:xfrm>
-            <a:prstGeom prst="rect">
-              <a:avLst/>
-            </a:prstGeom>
-          </p:spPr>
-        </p:pic>
-        <p:sp>
-          <p:nvSpPr>
-            <p:cNvPr id="56" name="正方形/長方形 55">
-              <a:extLst>
-                <a:ext uri="{FF2B5EF4-FFF2-40B4-BE49-F238E27FC236}">
-                  <a16:creationId xmlns:a16="http://schemas.microsoft.com/office/drawing/2014/main" id="{D414521A-2346-826C-07ED-3BCDFE836107}"/>
-                </a:ext>
-              </a:extLst>
-            </p:cNvPr>
-            <p:cNvSpPr>
-              <a:spLocks noChangeAspect="1"/>
-            </p:cNvSpPr>
-            <p:nvPr/>
-          </p:nvSpPr>
-          <p:spPr>
-            <a:xfrm>
-              <a:off x="6894200" y="2304141"/>
-              <a:ext cx="2105193" cy="2105193"/>
-            </a:xfrm>
-            <a:prstGeom prst="rect">
-              <a:avLst/>
-            </a:prstGeom>
-            <a:solidFill>
-              <a:srgbClr val="4472C4">
-                <a:alpha val="50196"/>
-              </a:srgbClr>
-            </a:solidFill>
-            <a:ln>
-              <a:noFill/>
-            </a:ln>
-          </p:spPr>
-          <p:style>
-            <a:lnRef idx="2">
-              <a:schemeClr val="accent1">
-                <a:shade val="15000"/>
-              </a:schemeClr>
-            </a:lnRef>
-            <a:fillRef idx="1">
-              <a:schemeClr val="accent1"/>
-            </a:fillRef>
-            <a:effectRef idx="0">
-              <a:schemeClr val="accent1"/>
-            </a:effectRef>
-            <a:fontRef idx="minor">
-              <a:schemeClr val="lt1"/>
-            </a:fontRef>
-          </p:style>
-          <p:txBody>
-            <a:bodyPr rtlCol="0" anchor="ctr"/>
-            <a:lstStyle/>
-            <a:p>
-              <a:pPr algn="ctr"/>
-              <a:r>
-                <a:rPr kumimoji="1" lang="en-US" altLang="ja-JP" sz="4400" dirty="0"/>
-                <a:t>2</a:t>
-              </a:r>
-              <a:endParaRPr kumimoji="1" lang="ja-JP" altLang="en-US" sz="4400" dirty="0"/>
-            </a:p>
-          </p:txBody>
-        </p:sp>
-      </p:grpSp>
-      <p:grpSp>
-        <p:nvGrpSpPr>
-          <p:cNvPr id="57" name="グループ化 56">
-            <a:extLst>
-              <a:ext uri="{FF2B5EF4-FFF2-40B4-BE49-F238E27FC236}">
-                <a16:creationId xmlns:a16="http://schemas.microsoft.com/office/drawing/2014/main" id="{06A6C84F-D7F7-869A-7EB9-D3A660991141}"/>
-              </a:ext>
-            </a:extLst>
-          </p:cNvPr>
-          <p:cNvGrpSpPr>
-            <a:grpSpLocks noChangeAspect="1"/>
-          </p:cNvGrpSpPr>
-          <p:nvPr/>
-        </p:nvGrpSpPr>
-        <p:grpSpPr>
-          <a:xfrm>
-            <a:off x="9823826" y="2057602"/>
-            <a:ext cx="942994" cy="944915"/>
-            <a:chOff x="6894195" y="2304141"/>
-            <a:chExt cx="2105198" cy="2109488"/>
-          </a:xfrm>
-        </p:grpSpPr>
-        <p:pic>
-          <p:nvPicPr>
-            <p:cNvPr id="58" name="図 57">
-              <a:extLst>
-                <a:ext uri="{FF2B5EF4-FFF2-40B4-BE49-F238E27FC236}">
-                  <a16:creationId xmlns:a16="http://schemas.microsoft.com/office/drawing/2014/main" id="{F578941F-72EF-59F7-023C-4DBC7D746044}"/>
-                </a:ext>
-              </a:extLst>
-            </p:cNvPr>
-            <p:cNvPicPr>
-              <a:picLocks noChangeAspect="1"/>
-            </p:cNvPicPr>
-            <p:nvPr/>
-          </p:nvPicPr>
-          <p:blipFill>
-            <a:blip r:embed="rId2">
-              <a:extLst>
-                <a:ext uri="{28A0092B-C50C-407E-A947-70E740481C1C}">
-                  <a14:useLocalDpi xmlns:a14="http://schemas.microsoft.com/office/drawing/2010/main" val="0"/>
-                </a:ext>
-              </a:extLst>
-            </a:blip>
-            <a:stretch>
-              <a:fillRect/>
-            </a:stretch>
-          </p:blipFill>
-          <p:spPr>
-            <a:xfrm>
-              <a:off x="6894195" y="2308431"/>
-              <a:ext cx="2105198" cy="2105198"/>
-            </a:xfrm>
-            <a:prstGeom prst="rect">
-              <a:avLst/>
-            </a:prstGeom>
-          </p:spPr>
-        </p:pic>
-        <p:sp>
-          <p:nvSpPr>
-            <p:cNvPr id="59" name="正方形/長方形 58">
-              <a:extLst>
-                <a:ext uri="{FF2B5EF4-FFF2-40B4-BE49-F238E27FC236}">
-                  <a16:creationId xmlns:a16="http://schemas.microsoft.com/office/drawing/2014/main" id="{35CC7AE5-782E-33E1-F4C6-4966C7CDC675}"/>
-                </a:ext>
-              </a:extLst>
-            </p:cNvPr>
-            <p:cNvSpPr>
-              <a:spLocks noChangeAspect="1"/>
-            </p:cNvSpPr>
-            <p:nvPr/>
-          </p:nvSpPr>
-          <p:spPr>
-            <a:xfrm>
-              <a:off x="6894200" y="2304141"/>
-              <a:ext cx="2105193" cy="2105193"/>
-            </a:xfrm>
-            <a:prstGeom prst="rect">
-              <a:avLst/>
-            </a:prstGeom>
-            <a:solidFill>
-              <a:srgbClr val="4472C4">
-                <a:alpha val="50196"/>
-              </a:srgbClr>
-            </a:solidFill>
-            <a:ln>
-              <a:noFill/>
-            </a:ln>
-          </p:spPr>
-          <p:style>
-            <a:lnRef idx="2">
-              <a:schemeClr val="accent1">
-                <a:shade val="15000"/>
-              </a:schemeClr>
-            </a:lnRef>
-            <a:fillRef idx="1">
-              <a:schemeClr val="accent1"/>
-            </a:fillRef>
-            <a:effectRef idx="0">
-              <a:schemeClr val="accent1"/>
-            </a:effectRef>
-            <a:fontRef idx="minor">
-              <a:schemeClr val="lt1"/>
-            </a:fontRef>
-          </p:style>
-          <p:txBody>
-            <a:bodyPr rtlCol="0" anchor="ctr"/>
-            <a:lstStyle/>
-            <a:p>
-              <a:pPr algn="ctr"/>
-              <a:r>
-                <a:rPr kumimoji="1" lang="en-US" altLang="ja-JP" sz="4400" dirty="0"/>
-                <a:t>3+</a:t>
-              </a:r>
-              <a:endParaRPr kumimoji="1" lang="ja-JP" altLang="en-US" sz="9600" dirty="0"/>
-            </a:p>
-          </p:txBody>
-        </p:sp>
-      </p:grpSp>
-      <p:sp>
-        <p:nvSpPr>
-          <p:cNvPr id="3" name="コンテンツ プレースホルダー 2">
-            <a:extLst>
-              <a:ext uri="{FF2B5EF4-FFF2-40B4-BE49-F238E27FC236}">
-                <a16:creationId xmlns:a16="http://schemas.microsoft.com/office/drawing/2014/main" id="{E1785444-5FE9-9C5A-2C39-646AA64B9C31}"/>
-              </a:ext>
-            </a:extLst>
-          </p:cNvPr>
-          <p:cNvSpPr>
-            <a:spLocks noGrp="1"/>
-          </p:cNvSpPr>
-          <p:nvPr>
-            <p:ph idx="1"/>
-          </p:nvPr>
-        </p:nvSpPr>
-        <p:spPr>
-          <a:xfrm>
-            <a:off x="2202180" y="1661715"/>
-            <a:ext cx="8463815" cy="4351338"/>
-          </a:xfrm>
-        </p:spPr>
-        <p:txBody>
-          <a:bodyPr>
-            <a:noAutofit/>
-          </a:bodyPr>
-          <a:lstStyle/>
-          <a:p>
-            <a:pPr indent="133350" algn="just"/>
-            <a:r>
-              <a:rPr lang="ja-JP" altLang="ja-JP" sz="700" kern="100" dirty="0">
-                <a:effectLst/>
-                <a:latin typeface="Century" panose="02040604050505020304" pitchFamily="18" charset="0"/>
-                <a:ea typeface="ＭＳ 明朝" panose="02020609040205080304" pitchFamily="17" charset="-128"/>
-                <a:cs typeface="Times New Roman" panose="02020603050405020304" pitchFamily="18" charset="0"/>
-              </a:rPr>
-              <a:t>名前</a:t>
-            </a:r>
-          </a:p>
-          <a:p>
-            <a:pPr indent="133350" algn="just"/>
-            <a:r>
-              <a:rPr lang="ja-JP" altLang="ja-JP" sz="700" kern="100" dirty="0">
-                <a:effectLst/>
-                <a:latin typeface="Century" panose="02040604050505020304" pitchFamily="18" charset="0"/>
-                <a:ea typeface="ＭＳ 明朝" panose="02020609040205080304" pitchFamily="17" charset="-128"/>
-                <a:cs typeface="Times New Roman" panose="02020603050405020304" pitchFamily="18" charset="0"/>
-              </a:rPr>
-              <a:t>名前のよみがな</a:t>
-            </a:r>
-          </a:p>
-          <a:p>
-            <a:pPr indent="133350" algn="just"/>
-            <a:r>
-              <a:rPr lang="ja-JP" altLang="ja-JP" sz="700" kern="100" dirty="0">
-                <a:effectLst/>
-                <a:latin typeface="Century" panose="02040604050505020304" pitchFamily="18" charset="0"/>
-                <a:ea typeface="ＭＳ 明朝" panose="02020609040205080304" pitchFamily="17" charset="-128"/>
-                <a:cs typeface="Times New Roman" panose="02020603050405020304" pitchFamily="18" charset="0"/>
-              </a:rPr>
-              <a:t>キャラモデル画像（複数。</a:t>
-            </a:r>
-            <a:r>
-              <a:rPr lang="en-US" altLang="ja-JP" sz="700" kern="100" dirty="0">
-                <a:effectLst/>
-                <a:latin typeface="Century" panose="02040604050505020304" pitchFamily="18" charset="0"/>
-                <a:ea typeface="ＭＳ 明朝" panose="02020609040205080304" pitchFamily="17" charset="-128"/>
-                <a:cs typeface="Times New Roman" panose="02020603050405020304" pitchFamily="18" charset="0"/>
-              </a:rPr>
-              <a:t>3D</a:t>
-            </a:r>
-            <a:r>
-              <a:rPr lang="ja-JP" altLang="ja-JP" sz="700" kern="100" dirty="0">
-                <a:effectLst/>
-                <a:latin typeface="Century" panose="02040604050505020304" pitchFamily="18" charset="0"/>
-                <a:ea typeface="ＭＳ 明朝" panose="02020609040205080304" pitchFamily="17" charset="-128"/>
-                <a:cs typeface="Times New Roman" panose="02020603050405020304" pitchFamily="18" charset="0"/>
-              </a:rPr>
-              <a:t>モデルをどうするか）</a:t>
-            </a:r>
-          </a:p>
-          <a:p>
-            <a:pPr indent="133350" algn="just"/>
-            <a:r>
-              <a:rPr lang="ja-JP" altLang="ja-JP" sz="700" kern="100" dirty="0">
-                <a:effectLst/>
-                <a:latin typeface="Century" panose="02040604050505020304" pitchFamily="18" charset="0"/>
-                <a:ea typeface="ＭＳ 明朝" panose="02020609040205080304" pitchFamily="17" charset="-128"/>
-                <a:cs typeface="Times New Roman" panose="02020603050405020304" pitchFamily="18" charset="0"/>
-              </a:rPr>
-              <a:t>ママ（担当イラストレーター）</a:t>
-            </a:r>
-          </a:p>
-          <a:p>
-            <a:pPr indent="133350" algn="just"/>
-            <a:r>
-              <a:rPr lang="ja-JP" altLang="ja-JP" sz="700" kern="100" dirty="0">
-                <a:effectLst/>
-                <a:latin typeface="Century" panose="02040604050505020304" pitchFamily="18" charset="0"/>
-                <a:ea typeface="ＭＳ 明朝" panose="02020609040205080304" pitchFamily="17" charset="-128"/>
-                <a:cs typeface="Times New Roman" panose="02020603050405020304" pitchFamily="18" charset="0"/>
-              </a:rPr>
-              <a:t>パパ（担当</a:t>
-            </a:r>
-            <a:r>
-              <a:rPr lang="en-US" altLang="ja-JP" sz="700" kern="100" dirty="0">
-                <a:effectLst/>
-                <a:latin typeface="Century" panose="02040604050505020304" pitchFamily="18" charset="0"/>
-                <a:ea typeface="ＭＳ 明朝" panose="02020609040205080304" pitchFamily="17" charset="-128"/>
-                <a:cs typeface="Times New Roman" panose="02020603050405020304" pitchFamily="18" charset="0"/>
-              </a:rPr>
-              <a:t>Live2D</a:t>
-            </a:r>
-            <a:r>
-              <a:rPr lang="ja-JP" altLang="ja-JP" sz="700" kern="100" dirty="0">
-                <a:effectLst/>
-                <a:latin typeface="Century" panose="02040604050505020304" pitchFamily="18" charset="0"/>
-                <a:ea typeface="ＭＳ 明朝" panose="02020609040205080304" pitchFamily="17" charset="-128"/>
-                <a:cs typeface="Times New Roman" panose="02020603050405020304" pitchFamily="18" charset="0"/>
-              </a:rPr>
-              <a:t>、</a:t>
-            </a:r>
-            <a:r>
-              <a:rPr lang="en-US" altLang="ja-JP" sz="700" kern="100" dirty="0">
-                <a:effectLst/>
-                <a:latin typeface="Century" panose="02040604050505020304" pitchFamily="18" charset="0"/>
-                <a:ea typeface="ＭＳ 明朝" panose="02020609040205080304" pitchFamily="17" charset="-128"/>
-                <a:cs typeface="Times New Roman" panose="02020603050405020304" pitchFamily="18" charset="0"/>
-              </a:rPr>
-              <a:t>3D</a:t>
-            </a:r>
-            <a:r>
-              <a:rPr lang="ja-JP" altLang="ja-JP" sz="700" kern="100" dirty="0">
-                <a:effectLst/>
-                <a:latin typeface="Century" panose="02040604050505020304" pitchFamily="18" charset="0"/>
-                <a:ea typeface="ＭＳ 明朝" panose="02020609040205080304" pitchFamily="17" charset="-128"/>
-                <a:cs typeface="Times New Roman" panose="02020603050405020304" pitchFamily="18" charset="0"/>
-              </a:rPr>
-              <a:t>モデリングなど）</a:t>
-            </a:r>
-          </a:p>
-          <a:p>
-            <a:pPr indent="133350" algn="just"/>
-            <a:r>
-              <a:rPr lang="ja-JP" altLang="ja-JP" sz="700" kern="100" dirty="0">
-                <a:effectLst/>
-                <a:latin typeface="Century" panose="02040604050505020304" pitchFamily="18" charset="0"/>
-                <a:ea typeface="ＭＳ 明朝" panose="02020609040205080304" pitchFamily="17" charset="-128"/>
-                <a:cs typeface="Times New Roman" panose="02020603050405020304" pitchFamily="18" charset="0"/>
-              </a:rPr>
-              <a:t>箱（所属事務所）</a:t>
-            </a:r>
-          </a:p>
-          <a:p>
-            <a:pPr indent="133350" algn="just"/>
-            <a:r>
-              <a:rPr lang="ja-JP" altLang="ja-JP" sz="700" kern="100" dirty="0">
-                <a:effectLst/>
-                <a:latin typeface="Century" panose="02040604050505020304" pitchFamily="18" charset="0"/>
-                <a:ea typeface="ＭＳ 明朝" panose="02020609040205080304" pitchFamily="17" charset="-128"/>
-                <a:cs typeface="Times New Roman" panose="02020603050405020304" pitchFamily="18" charset="0"/>
-              </a:rPr>
-              <a:t>性別（男、女、バ美肉、その他）</a:t>
-            </a:r>
-            <a:endParaRPr lang="en-US" altLang="ja-JP" sz="700" kern="100" dirty="0">
-              <a:effectLst/>
-              <a:latin typeface="Century" panose="02040604050505020304" pitchFamily="18" charset="0"/>
-              <a:ea typeface="ＭＳ 明朝" panose="02020609040205080304" pitchFamily="17" charset="-128"/>
-              <a:cs typeface="Times New Roman" panose="02020603050405020304" pitchFamily="18" charset="0"/>
-            </a:endParaRPr>
-          </a:p>
-          <a:p>
-            <a:pPr indent="133350" algn="just"/>
-            <a:r>
-              <a:rPr lang="ja-JP" altLang="en-US" sz="700" kern="100" dirty="0">
-                <a:effectLst/>
-                <a:latin typeface="Century" panose="02040604050505020304" pitchFamily="18" charset="0"/>
-                <a:ea typeface="ＭＳ 明朝" panose="02020609040205080304" pitchFamily="17" charset="-128"/>
-                <a:cs typeface="Times New Roman" panose="02020603050405020304" pitchFamily="18" charset="0"/>
-              </a:rPr>
-              <a:t>イメージカラー</a:t>
-            </a:r>
-            <a:endParaRPr lang="ja-JP" altLang="ja-JP" sz="700" kern="100" dirty="0">
-              <a:effectLst/>
-              <a:latin typeface="Century" panose="02040604050505020304" pitchFamily="18" charset="0"/>
-              <a:ea typeface="ＭＳ 明朝" panose="02020609040205080304" pitchFamily="17" charset="-128"/>
-              <a:cs typeface="Times New Roman" panose="02020603050405020304" pitchFamily="18" charset="0"/>
-            </a:endParaRPr>
-          </a:p>
-          <a:p>
-            <a:pPr indent="133350" algn="just"/>
-            <a:r>
-              <a:rPr lang="en-US" altLang="ja-JP" sz="700" kern="100" dirty="0" err="1">
-                <a:effectLst/>
-                <a:latin typeface="Century" panose="02040604050505020304" pitchFamily="18" charset="0"/>
-                <a:ea typeface="ＭＳ 明朝" panose="02020609040205080304" pitchFamily="17" charset="-128"/>
-                <a:cs typeface="Times New Roman" panose="02020603050405020304" pitchFamily="18" charset="0"/>
-              </a:rPr>
-              <a:t>Youtube</a:t>
-            </a:r>
-            <a:r>
-              <a:rPr lang="ja-JP" altLang="ja-JP" sz="700" kern="100" dirty="0">
-                <a:effectLst/>
-                <a:latin typeface="Century" panose="02040604050505020304" pitchFamily="18" charset="0"/>
-                <a:ea typeface="ＭＳ 明朝" panose="02020609040205080304" pitchFamily="17" charset="-128"/>
-                <a:cs typeface="Times New Roman" panose="02020603050405020304" pitchFamily="18" charset="0"/>
-              </a:rPr>
-              <a:t>、</a:t>
-            </a:r>
-            <a:r>
-              <a:rPr lang="en-US" altLang="ja-JP" sz="700" kern="100" dirty="0" err="1">
-                <a:effectLst/>
-                <a:latin typeface="Century" panose="02040604050505020304" pitchFamily="18" charset="0"/>
-                <a:ea typeface="ＭＳ 明朝" panose="02020609040205080304" pitchFamily="17" charset="-128"/>
-                <a:cs typeface="Times New Roman" panose="02020603050405020304" pitchFamily="18" charset="0"/>
-              </a:rPr>
-              <a:t>Tiktok</a:t>
-            </a:r>
-            <a:r>
-              <a:rPr lang="ja-JP" altLang="ja-JP" sz="700" kern="100" dirty="0">
-                <a:effectLst/>
-                <a:latin typeface="Century" panose="02040604050505020304" pitchFamily="18" charset="0"/>
-                <a:ea typeface="ＭＳ 明朝" panose="02020609040205080304" pitchFamily="17" charset="-128"/>
-                <a:cs typeface="Times New Roman" panose="02020603050405020304" pitchFamily="18" charset="0"/>
-              </a:rPr>
-              <a:t>、</a:t>
-            </a:r>
-            <a:r>
-              <a:rPr lang="en-US" altLang="ja-JP" sz="700" kern="100" dirty="0">
-                <a:effectLst/>
-                <a:latin typeface="Century" panose="02040604050505020304" pitchFamily="18" charset="0"/>
-                <a:ea typeface="ＭＳ 明朝" panose="02020609040205080304" pitchFamily="17" charset="-128"/>
-                <a:cs typeface="Times New Roman" panose="02020603050405020304" pitchFamily="18" charset="0"/>
-              </a:rPr>
-              <a:t>Twitter</a:t>
-            </a:r>
-            <a:r>
-              <a:rPr lang="ja-JP" altLang="ja-JP" sz="700" kern="100" dirty="0">
-                <a:effectLst/>
-                <a:latin typeface="Century" panose="02040604050505020304" pitchFamily="18" charset="0"/>
-                <a:ea typeface="ＭＳ 明朝" panose="02020609040205080304" pitchFamily="17" charset="-128"/>
-                <a:cs typeface="Times New Roman" panose="02020603050405020304" pitchFamily="18" charset="0"/>
-              </a:rPr>
-              <a:t>、</a:t>
-            </a:r>
-            <a:r>
-              <a:rPr lang="en-US" altLang="ja-JP" sz="700" kern="100" dirty="0">
-                <a:effectLst/>
-                <a:latin typeface="Century" panose="02040604050505020304" pitchFamily="18" charset="0"/>
-                <a:ea typeface="ＭＳ 明朝" panose="02020609040205080304" pitchFamily="17" charset="-128"/>
-                <a:cs typeface="Times New Roman" panose="02020603050405020304" pitchFamily="18" charset="0"/>
-              </a:rPr>
-              <a:t>Instagram</a:t>
-            </a:r>
-            <a:r>
-              <a:rPr lang="ja-JP" altLang="ja-JP" sz="700" kern="100" dirty="0">
-                <a:effectLst/>
-                <a:latin typeface="Century" panose="02040604050505020304" pitchFamily="18" charset="0"/>
-                <a:ea typeface="ＭＳ 明朝" panose="02020609040205080304" pitchFamily="17" charset="-128"/>
-                <a:cs typeface="Times New Roman" panose="02020603050405020304" pitchFamily="18" charset="0"/>
-              </a:rPr>
-              <a:t>、公式</a:t>
-            </a:r>
-            <a:r>
-              <a:rPr lang="en-US" altLang="ja-JP" sz="700" kern="100" dirty="0">
-                <a:effectLst/>
-                <a:latin typeface="Century" panose="02040604050505020304" pitchFamily="18" charset="0"/>
-                <a:ea typeface="ＭＳ 明朝" panose="02020609040205080304" pitchFamily="17" charset="-128"/>
-                <a:cs typeface="Times New Roman" panose="02020603050405020304" pitchFamily="18" charset="0"/>
-              </a:rPr>
-              <a:t>LINE</a:t>
-            </a:r>
-            <a:r>
-              <a:rPr lang="ja-JP" altLang="ja-JP" sz="700" kern="100" dirty="0">
-                <a:effectLst/>
-                <a:latin typeface="Century" panose="02040604050505020304" pitchFamily="18" charset="0"/>
-                <a:ea typeface="ＭＳ 明朝" panose="02020609040205080304" pitchFamily="17" charset="-128"/>
-                <a:cs typeface="Times New Roman" panose="02020603050405020304" pitchFamily="18" charset="0"/>
-              </a:rPr>
-              <a:t>アカウント、</a:t>
-            </a:r>
-            <a:r>
-              <a:rPr lang="en-US" altLang="ja-JP" sz="700" kern="100" dirty="0">
-                <a:effectLst/>
-                <a:latin typeface="Century" panose="02040604050505020304" pitchFamily="18" charset="0"/>
-                <a:ea typeface="ＭＳ 明朝" panose="02020609040205080304" pitchFamily="17" charset="-128"/>
-                <a:cs typeface="Times New Roman" panose="02020603050405020304" pitchFamily="18" charset="0"/>
-              </a:rPr>
-              <a:t>Twitch</a:t>
-            </a:r>
-            <a:r>
-              <a:rPr lang="ja-JP" altLang="ja-JP" sz="700" kern="100" dirty="0">
-                <a:effectLst/>
-                <a:latin typeface="Century" panose="02040604050505020304" pitchFamily="18" charset="0"/>
-                <a:ea typeface="ＭＳ 明朝" panose="02020609040205080304" pitchFamily="17" charset="-128"/>
-                <a:cs typeface="Times New Roman" panose="02020603050405020304" pitchFamily="18" charset="0"/>
-              </a:rPr>
-              <a:t>、ミルダム、</a:t>
-            </a:r>
-            <a:r>
-              <a:rPr lang="en-US" altLang="ja-JP" sz="700" kern="100" dirty="0" err="1">
-                <a:effectLst/>
-                <a:latin typeface="Century" panose="02040604050505020304" pitchFamily="18" charset="0"/>
-                <a:ea typeface="ＭＳ 明朝" panose="02020609040205080304" pitchFamily="17" charset="-128"/>
-                <a:cs typeface="Times New Roman" panose="02020603050405020304" pitchFamily="18" charset="0"/>
-              </a:rPr>
-              <a:t>Fantia</a:t>
-            </a:r>
-            <a:r>
-              <a:rPr lang="ja-JP" altLang="ja-JP" sz="700" kern="100" dirty="0">
-                <a:effectLst/>
-                <a:latin typeface="Century" panose="02040604050505020304" pitchFamily="18" charset="0"/>
-                <a:ea typeface="ＭＳ 明朝" panose="02020609040205080304" pitchFamily="17" charset="-128"/>
-                <a:cs typeface="Times New Roman" panose="02020603050405020304" pitchFamily="18" charset="0"/>
-              </a:rPr>
-              <a:t>、マシュマロ、</a:t>
-            </a:r>
-            <a:r>
-              <a:rPr lang="en-US" altLang="ja-JP" sz="700" kern="100" dirty="0">
-                <a:effectLst/>
-                <a:latin typeface="Century" panose="02040604050505020304" pitchFamily="18" charset="0"/>
-                <a:ea typeface="ＭＳ 明朝" panose="02020609040205080304" pitchFamily="17" charset="-128"/>
-                <a:cs typeface="Times New Roman" panose="02020603050405020304" pitchFamily="18" charset="0"/>
-              </a:rPr>
-              <a:t>Booth</a:t>
-            </a:r>
-            <a:r>
-              <a:rPr lang="ja-JP" altLang="ja-JP" sz="700" kern="100" dirty="0">
-                <a:effectLst/>
-                <a:latin typeface="Century" panose="02040604050505020304" pitchFamily="18" charset="0"/>
-                <a:ea typeface="ＭＳ 明朝" panose="02020609040205080304" pitchFamily="17" charset="-128"/>
-                <a:cs typeface="Times New Roman" panose="02020603050405020304" pitchFamily="18" charset="0"/>
-              </a:rPr>
-              <a:t>等の活動プラットフォームのアカウントリンク</a:t>
-            </a:r>
-          </a:p>
-          <a:p>
-            <a:pPr indent="133350" algn="just"/>
-            <a:r>
-              <a:rPr lang="ja-JP" altLang="ja-JP" sz="700" kern="100" dirty="0">
-                <a:effectLst/>
-                <a:latin typeface="Century" panose="02040604050505020304" pitchFamily="18" charset="0"/>
-                <a:ea typeface="ＭＳ 明朝" panose="02020609040205080304" pitchFamily="17" charset="-128"/>
-                <a:cs typeface="Times New Roman" panose="02020603050405020304" pitchFamily="18" charset="0"/>
-              </a:rPr>
-              <a:t>活動開始日</a:t>
-            </a:r>
-            <a:endParaRPr lang="en-US" altLang="ja-JP" sz="700" kern="100" dirty="0">
-              <a:effectLst/>
-              <a:latin typeface="Century" panose="02040604050505020304" pitchFamily="18" charset="0"/>
-              <a:ea typeface="ＭＳ 明朝" panose="02020609040205080304" pitchFamily="17" charset="-128"/>
-              <a:cs typeface="Times New Roman" panose="02020603050405020304" pitchFamily="18" charset="0"/>
-            </a:endParaRPr>
-          </a:p>
-          <a:p>
-            <a:pPr indent="133350" algn="just"/>
-            <a:r>
-              <a:rPr lang="ja-JP" altLang="en-US" sz="700" kern="100" dirty="0">
-                <a:effectLst/>
-                <a:latin typeface="Century" panose="02040604050505020304" pitchFamily="18" charset="0"/>
-                <a:ea typeface="ＭＳ 明朝" panose="02020609040205080304" pitchFamily="17" charset="-128"/>
-                <a:cs typeface="Times New Roman" panose="02020603050405020304" pitchFamily="18" charset="0"/>
-              </a:rPr>
-              <a:t>活動終了日</a:t>
-            </a:r>
-            <a:endParaRPr lang="ja-JP" altLang="ja-JP" sz="700" kern="100" dirty="0">
-              <a:effectLst/>
-              <a:latin typeface="Century" panose="02040604050505020304" pitchFamily="18" charset="0"/>
-              <a:ea typeface="ＭＳ 明朝" panose="02020609040205080304" pitchFamily="17" charset="-128"/>
-              <a:cs typeface="Times New Roman" panose="02020603050405020304" pitchFamily="18" charset="0"/>
-            </a:endParaRPr>
-          </a:p>
-          <a:p>
-            <a:pPr indent="133350" algn="just"/>
-            <a:r>
-              <a:rPr lang="ja-JP" altLang="ja-JP" sz="700" kern="100" dirty="0">
-                <a:effectLst/>
-                <a:latin typeface="Century" panose="02040604050505020304" pitchFamily="18" charset="0"/>
-                <a:ea typeface="ＭＳ 明朝" panose="02020609040205080304" pitchFamily="17" charset="-128"/>
-                <a:cs typeface="Times New Roman" panose="02020603050405020304" pitchFamily="18" charset="0"/>
-              </a:rPr>
-              <a:t>ファンの呼称</a:t>
-            </a:r>
-          </a:p>
-          <a:p>
-            <a:pPr indent="133350" algn="just"/>
-            <a:r>
-              <a:rPr lang="ja-JP" altLang="ja-JP" sz="700" kern="100" dirty="0">
-                <a:effectLst/>
-                <a:latin typeface="Century" panose="02040604050505020304" pitchFamily="18" charset="0"/>
-                <a:ea typeface="ＭＳ 明朝" panose="02020609040205080304" pitchFamily="17" charset="-128"/>
-                <a:cs typeface="Times New Roman" panose="02020603050405020304" pitchFamily="18" charset="0"/>
-              </a:rPr>
-              <a:t>ファンマーク</a:t>
-            </a:r>
-          </a:p>
-          <a:p>
-            <a:pPr indent="133350" algn="just"/>
-            <a:r>
-              <a:rPr lang="ja-JP" altLang="ja-JP" sz="700" kern="100" dirty="0">
-                <a:effectLst/>
-                <a:latin typeface="Century" panose="02040604050505020304" pitchFamily="18" charset="0"/>
-                <a:ea typeface="ＭＳ 明朝" panose="02020609040205080304" pitchFamily="17" charset="-128"/>
-                <a:cs typeface="Times New Roman" panose="02020603050405020304" pitchFamily="18" charset="0"/>
-              </a:rPr>
-              <a:t>一人称の呼び名</a:t>
-            </a:r>
-          </a:p>
-          <a:p>
-            <a:pPr indent="133350" algn="just"/>
-            <a:r>
-              <a:rPr lang="ja-JP" altLang="ja-JP" sz="700" kern="100" dirty="0">
-                <a:effectLst/>
-                <a:latin typeface="Century" panose="02040604050505020304" pitchFamily="18" charset="0"/>
-                <a:ea typeface="ＭＳ 明朝" panose="02020609040205080304" pitchFamily="17" charset="-128"/>
-                <a:cs typeface="Times New Roman" panose="02020603050405020304" pitchFamily="18" charset="0"/>
-              </a:rPr>
-              <a:t>活動内容（動画投稿、ゲーム配信、雑談、</a:t>
-            </a:r>
-            <a:r>
-              <a:rPr lang="en-US" altLang="ja-JP" sz="700" kern="100" dirty="0">
-                <a:effectLst/>
-                <a:latin typeface="Century" panose="02040604050505020304" pitchFamily="18" charset="0"/>
-                <a:ea typeface="ＭＳ 明朝" panose="02020609040205080304" pitchFamily="17" charset="-128"/>
-                <a:cs typeface="Times New Roman" panose="02020603050405020304" pitchFamily="18" charset="0"/>
-              </a:rPr>
-              <a:t>ASMR</a:t>
-            </a:r>
-            <a:r>
-              <a:rPr lang="ja-JP" altLang="ja-JP" sz="700" kern="100" dirty="0">
-                <a:effectLst/>
-                <a:latin typeface="Century" panose="02040604050505020304" pitchFamily="18" charset="0"/>
-                <a:ea typeface="ＭＳ 明朝" panose="02020609040205080304" pitchFamily="17" charset="-128"/>
-                <a:cs typeface="Times New Roman" panose="02020603050405020304" pitchFamily="18" charset="0"/>
-              </a:rPr>
-              <a:t>、ものづくり、歌</a:t>
-            </a:r>
-            <a:r>
-              <a:rPr lang="en-US" altLang="ja-JP" sz="700" kern="100" dirty="0" err="1">
-                <a:effectLst/>
-                <a:latin typeface="Century" panose="02040604050505020304" pitchFamily="18" charset="0"/>
-                <a:ea typeface="ＭＳ 明朝" panose="02020609040205080304" pitchFamily="17" charset="-128"/>
-                <a:cs typeface="Times New Roman" panose="02020603050405020304" pitchFamily="18" charset="0"/>
-              </a:rPr>
-              <a:t>etc</a:t>
-            </a:r>
-            <a:r>
-              <a:rPr lang="ja-JP" altLang="ja-JP" sz="700" kern="100" dirty="0">
-                <a:effectLst/>
-                <a:latin typeface="Century" panose="02040604050505020304" pitchFamily="18" charset="0"/>
-                <a:ea typeface="ＭＳ 明朝" panose="02020609040205080304" pitchFamily="17" charset="-128"/>
-                <a:cs typeface="Times New Roman" panose="02020603050405020304" pitchFamily="18" charset="0"/>
-              </a:rPr>
-              <a:t>）</a:t>
-            </a:r>
-          </a:p>
-          <a:p>
-            <a:pPr indent="133350" algn="just"/>
-            <a:r>
-              <a:rPr lang="ja-JP" altLang="ja-JP" sz="700" kern="100" dirty="0">
-                <a:effectLst/>
-                <a:latin typeface="Century" panose="02040604050505020304" pitchFamily="18" charset="0"/>
-                <a:ea typeface="ＭＳ 明朝" panose="02020609040205080304" pitchFamily="17" charset="-128"/>
-                <a:cs typeface="Times New Roman" panose="02020603050405020304" pitchFamily="18" charset="0"/>
-              </a:rPr>
-              <a:t>前世</a:t>
-            </a:r>
-          </a:p>
-          <a:p>
-            <a:pPr indent="133350" algn="just"/>
-            <a:r>
-              <a:rPr lang="ja-JP" altLang="ja-JP" sz="700" kern="100" dirty="0">
-                <a:effectLst/>
-                <a:latin typeface="Century" panose="02040604050505020304" pitchFamily="18" charset="0"/>
-                <a:ea typeface="ＭＳ 明朝" panose="02020609040205080304" pitchFamily="17" charset="-128"/>
-                <a:cs typeface="Times New Roman" panose="02020603050405020304" pitchFamily="18" charset="0"/>
-              </a:rPr>
-              <a:t>卒業済みかどうか</a:t>
-            </a:r>
-          </a:p>
-          <a:p>
-            <a:pPr indent="133350" algn="just"/>
-            <a:r>
-              <a:rPr lang="ja-JP" altLang="ja-JP" sz="700" kern="100" dirty="0">
-                <a:effectLst/>
-                <a:latin typeface="Century" panose="02040604050505020304" pitchFamily="18" charset="0"/>
-                <a:ea typeface="ＭＳ 明朝" panose="02020609040205080304" pitchFamily="17" charset="-128"/>
-                <a:cs typeface="Times New Roman" panose="02020603050405020304" pitchFamily="18" charset="0"/>
-              </a:rPr>
-              <a:t>各活動プラットフォームの登録者数</a:t>
-            </a:r>
-          </a:p>
-          <a:p>
-            <a:pPr indent="133350" algn="just"/>
-            <a:r>
-              <a:rPr lang="ja-JP" altLang="ja-JP" sz="700" kern="100" dirty="0">
-                <a:effectLst/>
-                <a:latin typeface="Century" panose="02040604050505020304" pitchFamily="18" charset="0"/>
-                <a:ea typeface="ＭＳ 明朝" panose="02020609040205080304" pitchFamily="17" charset="-128"/>
-                <a:cs typeface="Times New Roman" panose="02020603050405020304" pitchFamily="18" charset="0"/>
-              </a:rPr>
-              <a:t>主なコンテンツ（動画、</a:t>
-            </a:r>
-            <a:r>
-              <a:rPr lang="en-US" altLang="ja-JP" sz="700" kern="100" dirty="0">
-                <a:effectLst/>
-                <a:latin typeface="Century" panose="02040604050505020304" pitchFamily="18" charset="0"/>
-                <a:ea typeface="ＭＳ 明朝" panose="02020609040205080304" pitchFamily="17" charset="-128"/>
-                <a:cs typeface="Times New Roman" panose="02020603050405020304" pitchFamily="18" charset="0"/>
-              </a:rPr>
-              <a:t>short</a:t>
-            </a:r>
-            <a:r>
-              <a:rPr lang="ja-JP" altLang="ja-JP" sz="700" kern="100" dirty="0">
-                <a:effectLst/>
-                <a:latin typeface="Century" panose="02040604050505020304" pitchFamily="18" charset="0"/>
-                <a:ea typeface="ＭＳ 明朝" panose="02020609040205080304" pitchFamily="17" charset="-128"/>
-                <a:cs typeface="Times New Roman" panose="02020603050405020304" pitchFamily="18" charset="0"/>
-              </a:rPr>
-              <a:t>動画、配信、そのほか）</a:t>
-            </a:r>
-          </a:p>
-          <a:p>
-            <a:pPr indent="133350" algn="just"/>
-            <a:r>
-              <a:rPr lang="ja-JP" altLang="ja-JP" sz="700" kern="100" dirty="0">
-                <a:effectLst/>
-                <a:latin typeface="Century" panose="02040604050505020304" pitchFamily="18" charset="0"/>
-                <a:ea typeface="ＭＳ 明朝" panose="02020609040205080304" pitchFamily="17" charset="-128"/>
-                <a:cs typeface="Times New Roman" panose="02020603050405020304" pitchFamily="18" charset="0"/>
-              </a:rPr>
-              <a:t>タグ（サイト内での紐づけ）</a:t>
-            </a:r>
-          </a:p>
-          <a:p>
-            <a:pPr indent="133350" algn="just"/>
-            <a:r>
-              <a:rPr lang="en-US" altLang="ja-JP" sz="700" kern="100" dirty="0">
-                <a:effectLst/>
-                <a:latin typeface="Century" panose="02040604050505020304" pitchFamily="18" charset="0"/>
-                <a:ea typeface="ＭＳ 明朝" panose="02020609040205080304" pitchFamily="17" charset="-128"/>
-                <a:cs typeface="Times New Roman" panose="02020603050405020304" pitchFamily="18" charset="0"/>
-              </a:rPr>
-              <a:t>Twitter</a:t>
-            </a:r>
-            <a:r>
-              <a:rPr lang="ja-JP" altLang="ja-JP" sz="700" kern="100" dirty="0">
-                <a:effectLst/>
-                <a:latin typeface="Century" panose="02040604050505020304" pitchFamily="18" charset="0"/>
-                <a:ea typeface="ＭＳ 明朝" panose="02020609040205080304" pitchFamily="17" charset="-128"/>
-                <a:cs typeface="Times New Roman" panose="02020603050405020304" pitchFamily="18" charset="0"/>
-              </a:rPr>
-              <a:t>などでの配信時、ファンアート投稿などのハッシュタグ</a:t>
-            </a:r>
-          </a:p>
-          <a:p>
-            <a:pPr indent="133350" algn="just"/>
-            <a:r>
-              <a:rPr lang="ja-JP" altLang="ja-JP" sz="700" kern="100" dirty="0">
-                <a:effectLst/>
-                <a:latin typeface="Century" panose="02040604050505020304" pitchFamily="18" charset="0"/>
-                <a:ea typeface="ＭＳ 明朝" panose="02020609040205080304" pitchFamily="17" charset="-128"/>
-                <a:cs typeface="Times New Roman" panose="02020603050405020304" pitchFamily="18" charset="0"/>
-              </a:rPr>
-              <a:t>フリーコメント</a:t>
-            </a:r>
-            <a:endParaRPr lang="en-US" altLang="ja-JP" sz="700" kern="100" dirty="0">
-              <a:effectLst/>
-              <a:latin typeface="Century" panose="02040604050505020304" pitchFamily="18" charset="0"/>
-              <a:ea typeface="ＭＳ 明朝" panose="02020609040205080304" pitchFamily="17" charset="-128"/>
-              <a:cs typeface="Times New Roman" panose="02020603050405020304" pitchFamily="18" charset="0"/>
-            </a:endParaRPr>
-          </a:p>
-          <a:p>
-            <a:pPr indent="133350" algn="just"/>
-            <a:r>
-              <a:rPr lang="ja-JP" altLang="en-US" sz="700" kern="100" dirty="0">
-                <a:latin typeface="Century" panose="02040604050505020304" pitchFamily="18" charset="0"/>
-                <a:ea typeface="ＭＳ 明朝" panose="02020609040205080304" pitchFamily="17" charset="-128"/>
-                <a:cs typeface="Times New Roman" panose="02020603050405020304" pitchFamily="18" charset="0"/>
-              </a:rPr>
-              <a:t>掲示板（</a:t>
-            </a:r>
-            <a:r>
-              <a:rPr lang="en-US" altLang="ja-JP" sz="700" kern="100" dirty="0">
-                <a:latin typeface="Century" panose="02040604050505020304" pitchFamily="18" charset="0"/>
-                <a:ea typeface="ＭＳ 明朝" panose="02020609040205080304" pitchFamily="17" charset="-128"/>
-                <a:cs typeface="Times New Roman" panose="02020603050405020304" pitchFamily="18" charset="0"/>
-              </a:rPr>
-              <a:t>+</a:t>
-            </a:r>
-            <a:r>
-              <a:rPr lang="ja-JP" altLang="en-US" sz="700" kern="100" dirty="0">
-                <a:latin typeface="Century" panose="02040604050505020304" pitchFamily="18" charset="0"/>
-                <a:ea typeface="ＭＳ 明朝" panose="02020609040205080304" pitchFamily="17" charset="-128"/>
-                <a:cs typeface="Times New Roman" panose="02020603050405020304" pitchFamily="18" charset="0"/>
-              </a:rPr>
-              <a:t>修正履歴）</a:t>
-            </a:r>
-            <a:endParaRPr lang="en-US" altLang="ja-JP" sz="700" kern="100" dirty="0">
-              <a:latin typeface="Century" panose="02040604050505020304" pitchFamily="18" charset="0"/>
-              <a:ea typeface="ＭＳ 明朝" panose="02020609040205080304" pitchFamily="17" charset="-128"/>
-              <a:cs typeface="Times New Roman" panose="02020603050405020304" pitchFamily="18" charset="0"/>
-            </a:endParaRPr>
-          </a:p>
-        </p:txBody>
-      </p:sp>
-      <p:sp>
-        <p:nvSpPr>
-          <p:cNvPr id="13" name="コンテンツ プレースホルダー 2">
-            <a:extLst>
-              <a:ext uri="{FF2B5EF4-FFF2-40B4-BE49-F238E27FC236}">
-                <a16:creationId xmlns:a16="http://schemas.microsoft.com/office/drawing/2014/main" id="{4F658520-C47D-EBC1-5B30-58034C8555CA}"/>
-              </a:ext>
-            </a:extLst>
-          </p:cNvPr>
-          <p:cNvSpPr txBox="1">
-            <a:spLocks/>
-          </p:cNvSpPr>
-          <p:nvPr/>
-        </p:nvSpPr>
-        <p:spPr>
-          <a:xfrm>
-            <a:off x="304799" y="872006"/>
-            <a:ext cx="1479007" cy="5376394"/>
-          </a:xfrm>
-          <a:prstGeom prst="rect">
-            <a:avLst/>
-          </a:prstGeom>
-        </p:spPr>
-        <p:txBody>
-          <a:bodyPr vert="horz" lIns="91440" tIns="45720" rIns="91440" bIns="45720" rtlCol="0">
-            <a:noAutofit/>
-          </a:bodyPr>
-          <a:lstStyle>
-            <a:lvl1pPr marL="228600" indent="-228600" algn="l" defTabSz="914400" rtl="0" eaLnBrk="1" latinLnBrk="0" hangingPunct="1">
-              <a:lnSpc>
-                <a:spcPct val="90000"/>
-              </a:lnSpc>
-              <a:spcBef>
-                <a:spcPts val="1000"/>
-              </a:spcBef>
-              <a:buFont typeface="Arial" panose="020B0604020202020204" pitchFamily="34" charset="0"/>
-              <a:buChar char="•"/>
-              <a:defRPr kumimoji="1" sz="2800" kern="1200">
-                <a:solidFill>
-                  <a:schemeClr val="tx1"/>
-                </a:solidFill>
-                <a:latin typeface="+mn-lt"/>
-                <a:ea typeface="+mn-ea"/>
-                <a:cs typeface="+mn-cs"/>
-              </a:defRPr>
-            </a:lvl1pPr>
-            <a:lvl2pPr marL="685800" indent="-228600" algn="l" defTabSz="914400" rtl="0" eaLnBrk="1" latinLnBrk="0" hangingPunct="1">
-              <a:lnSpc>
-                <a:spcPct val="90000"/>
-              </a:lnSpc>
-              <a:spcBef>
-                <a:spcPts val="500"/>
-              </a:spcBef>
-              <a:buFont typeface="Arial" panose="020B0604020202020204" pitchFamily="34" charset="0"/>
-              <a:buChar char="•"/>
-              <a:defRPr kumimoji="1" sz="2400" kern="1200">
-                <a:solidFill>
-                  <a:schemeClr val="tx1"/>
-                </a:solidFill>
-                <a:latin typeface="+mn-lt"/>
-                <a:ea typeface="+mn-ea"/>
-                <a:cs typeface="+mn-cs"/>
-              </a:defRPr>
-            </a:lvl2pPr>
-            <a:lvl3pPr marL="1143000" indent="-228600" algn="l" defTabSz="914400" rtl="0" eaLnBrk="1" latinLnBrk="0" hangingPunct="1">
-              <a:lnSpc>
-                <a:spcPct val="90000"/>
-              </a:lnSpc>
-              <a:spcBef>
-                <a:spcPts val="500"/>
-              </a:spcBef>
-              <a:buFont typeface="Arial" panose="020B0604020202020204" pitchFamily="34" charset="0"/>
-              <a:buChar char="•"/>
-              <a:defRPr kumimoji="1" sz="2000" kern="1200">
-                <a:solidFill>
-                  <a:schemeClr val="tx1"/>
-                </a:solidFill>
-                <a:latin typeface="+mn-lt"/>
-                <a:ea typeface="+mn-ea"/>
-                <a:cs typeface="+mn-cs"/>
-              </a:defRPr>
-            </a:lvl3pPr>
-            <a:lvl4pPr marL="1600200" indent="-228600" algn="l" defTabSz="914400" rtl="0" eaLnBrk="1" latinLnBrk="0" hangingPunct="1">
-              <a:lnSpc>
-                <a:spcPct val="90000"/>
-              </a:lnSpc>
-              <a:spcBef>
-                <a:spcPts val="500"/>
-              </a:spcBef>
-              <a:buFont typeface="Arial" panose="020B0604020202020204" pitchFamily="34" charset="0"/>
-              <a:buChar char="•"/>
-              <a:defRPr kumimoji="1" sz="1800" kern="1200">
-                <a:solidFill>
-                  <a:schemeClr val="tx1"/>
-                </a:solidFill>
-                <a:latin typeface="+mn-lt"/>
-                <a:ea typeface="+mn-ea"/>
-                <a:cs typeface="+mn-cs"/>
-              </a:defRPr>
-            </a:lvl4pPr>
-            <a:lvl5pPr marL="2057400" indent="-228600" algn="l" defTabSz="914400" rtl="0" eaLnBrk="1" latinLnBrk="0" hangingPunct="1">
-              <a:lnSpc>
-                <a:spcPct val="90000"/>
-              </a:lnSpc>
-              <a:spcBef>
-                <a:spcPts val="500"/>
-              </a:spcBef>
-              <a:buFont typeface="Arial" panose="020B0604020202020204" pitchFamily="34" charset="0"/>
-              <a:buChar char="•"/>
-              <a:defRPr kumimoji="1" sz="1800" kern="1200">
-                <a:solidFill>
-                  <a:schemeClr val="tx1"/>
-                </a:solidFill>
-                <a:latin typeface="+mn-lt"/>
-                <a:ea typeface="+mn-ea"/>
-                <a:cs typeface="+mn-cs"/>
-              </a:defRPr>
-            </a:lvl5pPr>
-            <a:lvl6pPr marL="2514600" indent="-228600" algn="l" defTabSz="914400" rtl="0" eaLnBrk="1" latinLnBrk="0" hangingPunct="1">
-              <a:lnSpc>
-                <a:spcPct val="90000"/>
-              </a:lnSpc>
-              <a:spcBef>
-                <a:spcPts val="500"/>
-              </a:spcBef>
-              <a:buFont typeface="Arial" panose="020B0604020202020204" pitchFamily="34" charset="0"/>
-              <a:buChar char="•"/>
-              <a:defRPr kumimoji="1" sz="1800" kern="1200">
-                <a:solidFill>
-                  <a:schemeClr val="tx1"/>
-                </a:solidFill>
-                <a:latin typeface="+mn-lt"/>
-                <a:ea typeface="+mn-ea"/>
-                <a:cs typeface="+mn-cs"/>
-              </a:defRPr>
-            </a:lvl6pPr>
-            <a:lvl7pPr marL="2971800" indent="-228600" algn="l" defTabSz="914400" rtl="0" eaLnBrk="1" latinLnBrk="0" hangingPunct="1">
-              <a:lnSpc>
-                <a:spcPct val="90000"/>
-              </a:lnSpc>
-              <a:spcBef>
-                <a:spcPts val="500"/>
-              </a:spcBef>
-              <a:buFont typeface="Arial" panose="020B0604020202020204" pitchFamily="34" charset="0"/>
-              <a:buChar char="•"/>
-              <a:defRPr kumimoji="1" sz="1800" kern="1200">
-                <a:solidFill>
-                  <a:schemeClr val="tx1"/>
-                </a:solidFill>
-                <a:latin typeface="+mn-lt"/>
-                <a:ea typeface="+mn-ea"/>
-                <a:cs typeface="+mn-cs"/>
-              </a:defRPr>
-            </a:lvl7pPr>
-            <a:lvl8pPr marL="3429000" indent="-228600" algn="l" defTabSz="914400" rtl="0" eaLnBrk="1" latinLnBrk="0" hangingPunct="1">
-              <a:lnSpc>
-                <a:spcPct val="90000"/>
-              </a:lnSpc>
-              <a:spcBef>
-                <a:spcPts val="500"/>
-              </a:spcBef>
-              <a:buFont typeface="Arial" panose="020B0604020202020204" pitchFamily="34" charset="0"/>
-              <a:buChar char="•"/>
-              <a:defRPr kumimoji="1" sz="1800" kern="1200">
-                <a:solidFill>
-                  <a:schemeClr val="tx1"/>
-                </a:solidFill>
-                <a:latin typeface="+mn-lt"/>
-                <a:ea typeface="+mn-ea"/>
-                <a:cs typeface="+mn-cs"/>
-              </a:defRPr>
-            </a:lvl8pPr>
-            <a:lvl9pPr marL="3886200" indent="-228600" algn="l" defTabSz="914400" rtl="0" eaLnBrk="1" latinLnBrk="0" hangingPunct="1">
-              <a:lnSpc>
-                <a:spcPct val="90000"/>
-              </a:lnSpc>
-              <a:spcBef>
-                <a:spcPts val="500"/>
-              </a:spcBef>
-              <a:buFont typeface="Arial" panose="020B0604020202020204" pitchFamily="34" charset="0"/>
-              <a:buChar char="•"/>
-              <a:defRPr kumimoji="1" sz="1800" kern="1200">
-                <a:solidFill>
-                  <a:schemeClr val="tx1"/>
-                </a:solidFill>
-                <a:latin typeface="+mn-lt"/>
-                <a:ea typeface="+mn-ea"/>
-                <a:cs typeface="+mn-cs"/>
-              </a:defRPr>
-            </a:lvl9pPr>
-          </a:lstStyle>
-          <a:p>
-            <a:pPr indent="0" algn="just">
-              <a:buNone/>
-            </a:pPr>
-            <a:r>
-              <a:rPr lang="en-US" altLang="ja-JP" sz="500" kern="100" dirty="0" err="1">
-                <a:latin typeface="Century" panose="02040604050505020304" pitchFamily="18" charset="0"/>
-                <a:ea typeface="ＭＳ 明朝" panose="02020609040205080304" pitchFamily="17" charset="-128"/>
-                <a:cs typeface="Times New Roman" panose="02020603050405020304" pitchFamily="18" charset="0"/>
-              </a:rPr>
-              <a:t>aaa</a:t>
-            </a:r>
-            <a:endParaRPr lang="en-US" altLang="ja-JP" sz="500" kern="100" dirty="0">
-              <a:latin typeface="Century" panose="02040604050505020304" pitchFamily="18" charset="0"/>
-              <a:ea typeface="ＭＳ 明朝" panose="02020609040205080304" pitchFamily="17" charset="-128"/>
-              <a:cs typeface="Times New Roman" panose="02020603050405020304" pitchFamily="18" charset="0"/>
-            </a:endParaRPr>
-          </a:p>
-          <a:p>
-            <a:pPr indent="0" algn="just">
-              <a:buNone/>
-            </a:pPr>
-            <a:endParaRPr lang="ja-JP" altLang="ja-JP" sz="500" kern="100" dirty="0">
-              <a:latin typeface="Century" panose="02040604050505020304" pitchFamily="18" charset="0"/>
-              <a:ea typeface="ＭＳ 明朝" panose="02020609040205080304" pitchFamily="17" charset="-128"/>
-              <a:cs typeface="Times New Roman" panose="02020603050405020304" pitchFamily="18" charset="0"/>
-            </a:endParaRPr>
-          </a:p>
-        </p:txBody>
-      </p:sp>
-    </p:spTree>
-    <p:extLst>
-      <p:ext uri="{BB962C8B-B14F-4D97-AF65-F5344CB8AC3E}">
-        <p14:creationId xmlns:p14="http://schemas.microsoft.com/office/powerpoint/2010/main" val="3979185508"/>
-      </p:ext>
-    </p:extLst>
-  </p:cSld>
-  <p:clrMapOvr>
-    <a:masterClrMapping/>
-  </p:clrMapOvr>
-</p:sld>
-</file>
-
 <file path=ppt/theme/theme1.xml><?xml version="1.0" encoding="utf-8"?>
 <a:theme xmlns:a="http://schemas.openxmlformats.org/drawingml/2006/main" name="Office テーマ">
   <a:themeElements>

--- a/ページデザイン.pptx
+++ b/ページデザイン.pptx
@@ -318,7 +318,7 @@
           <a:p>
             <a:fld id="{BABA1FC8-398B-47CD-8BE5-64901F5BCC36}" type="datetimeFigureOut">
               <a:rPr kumimoji="1" lang="ja-JP" altLang="en-US" smtClean="0"/>
-              <a:t>2024/4/9</a:t>
+              <a:t>2024/4/28</a:t>
             </a:fld>
             <a:endParaRPr kumimoji="1" lang="ja-JP" altLang="en-US"/>
           </a:p>
@@ -548,7 +548,7 @@
           <a:p>
             <a:fld id="{BABA1FC8-398B-47CD-8BE5-64901F5BCC36}" type="datetimeFigureOut">
               <a:rPr kumimoji="1" lang="ja-JP" altLang="en-US" smtClean="0"/>
-              <a:t>2024/4/9</a:t>
+              <a:t>2024/4/28</a:t>
             </a:fld>
             <a:endParaRPr kumimoji="1" lang="ja-JP" altLang="en-US"/>
           </a:p>
@@ -788,7 +788,7 @@
           <a:p>
             <a:fld id="{BABA1FC8-398B-47CD-8BE5-64901F5BCC36}" type="datetimeFigureOut">
               <a:rPr kumimoji="1" lang="ja-JP" altLang="en-US" smtClean="0"/>
-              <a:t>2024/4/9</a:t>
+              <a:t>2024/4/28</a:t>
             </a:fld>
             <a:endParaRPr kumimoji="1" lang="ja-JP" altLang="en-US"/>
           </a:p>
@@ -1018,7 +1018,7 @@
           <a:p>
             <a:fld id="{BABA1FC8-398B-47CD-8BE5-64901F5BCC36}" type="datetimeFigureOut">
               <a:rPr kumimoji="1" lang="ja-JP" altLang="en-US" smtClean="0"/>
-              <a:t>2024/4/9</a:t>
+              <a:t>2024/4/28</a:t>
             </a:fld>
             <a:endParaRPr kumimoji="1" lang="ja-JP" altLang="en-US"/>
           </a:p>
@@ -1293,7 +1293,7 @@
           <a:p>
             <a:fld id="{BABA1FC8-398B-47CD-8BE5-64901F5BCC36}" type="datetimeFigureOut">
               <a:rPr kumimoji="1" lang="ja-JP" altLang="en-US" smtClean="0"/>
-              <a:t>2024/4/9</a:t>
+              <a:t>2024/4/28</a:t>
             </a:fld>
             <a:endParaRPr kumimoji="1" lang="ja-JP" altLang="en-US"/>
           </a:p>
@@ -1622,7 +1622,7 @@
           <a:p>
             <a:fld id="{BABA1FC8-398B-47CD-8BE5-64901F5BCC36}" type="datetimeFigureOut">
               <a:rPr kumimoji="1" lang="ja-JP" altLang="en-US" smtClean="0"/>
-              <a:t>2024/4/9</a:t>
+              <a:t>2024/4/28</a:t>
             </a:fld>
             <a:endParaRPr kumimoji="1" lang="ja-JP" altLang="en-US"/>
           </a:p>
@@ -2098,7 +2098,7 @@
           <a:p>
             <a:fld id="{BABA1FC8-398B-47CD-8BE5-64901F5BCC36}" type="datetimeFigureOut">
               <a:rPr kumimoji="1" lang="ja-JP" altLang="en-US" smtClean="0"/>
-              <a:t>2024/4/9</a:t>
+              <a:t>2024/4/28</a:t>
             </a:fld>
             <a:endParaRPr kumimoji="1" lang="ja-JP" altLang="en-US"/>
           </a:p>
@@ -2239,7 +2239,7 @@
           <a:p>
             <a:fld id="{BABA1FC8-398B-47CD-8BE5-64901F5BCC36}" type="datetimeFigureOut">
               <a:rPr kumimoji="1" lang="ja-JP" altLang="en-US" smtClean="0"/>
-              <a:t>2024/4/9</a:t>
+              <a:t>2024/4/28</a:t>
             </a:fld>
             <a:endParaRPr kumimoji="1" lang="ja-JP" altLang="en-US"/>
           </a:p>
@@ -2352,7 +2352,7 @@
           <a:p>
             <a:fld id="{BABA1FC8-398B-47CD-8BE5-64901F5BCC36}" type="datetimeFigureOut">
               <a:rPr kumimoji="1" lang="ja-JP" altLang="en-US" smtClean="0"/>
-              <a:t>2024/4/9</a:t>
+              <a:t>2024/4/28</a:t>
             </a:fld>
             <a:endParaRPr kumimoji="1" lang="ja-JP" altLang="en-US"/>
           </a:p>
@@ -2695,7 +2695,7 @@
           <a:p>
             <a:fld id="{BABA1FC8-398B-47CD-8BE5-64901F5BCC36}" type="datetimeFigureOut">
               <a:rPr kumimoji="1" lang="ja-JP" altLang="en-US" smtClean="0"/>
-              <a:t>2024/4/9</a:t>
+              <a:t>2024/4/28</a:t>
             </a:fld>
             <a:endParaRPr kumimoji="1" lang="ja-JP" altLang="en-US"/>
           </a:p>
@@ -2983,7 +2983,7 @@
           <a:p>
             <a:fld id="{BABA1FC8-398B-47CD-8BE5-64901F5BCC36}" type="datetimeFigureOut">
               <a:rPr kumimoji="1" lang="ja-JP" altLang="en-US" smtClean="0"/>
-              <a:t>2024/4/9</a:t>
+              <a:t>2024/4/28</a:t>
             </a:fld>
             <a:endParaRPr kumimoji="1" lang="ja-JP" altLang="en-US"/>
           </a:p>
@@ -3256,7 +3256,7 @@
           <a:p>
             <a:fld id="{BABA1FC8-398B-47CD-8BE5-64901F5BCC36}" type="datetimeFigureOut">
               <a:rPr kumimoji="1" lang="ja-JP" altLang="en-US" smtClean="0"/>
-              <a:t>2024/4/9</a:t>
+              <a:t>2024/4/28</a:t>
             </a:fld>
             <a:endParaRPr kumimoji="1" lang="ja-JP" altLang="en-US"/>
           </a:p>
@@ -31426,15 +31426,7 @@
                   <a:srgbClr val="FFC000"/>
                 </a:solidFill>
               </a:rPr>
-              <a:t>10</a:t>
-            </a:r>
-            <a:r>
-              <a:rPr kumimoji="1" lang="en-US" altLang="ja-JP" dirty="0">
-                <a:solidFill>
-                  <a:srgbClr val="FFC000"/>
-                </a:solidFill>
-              </a:rPr>
-              <a:t>px(0.6%)</a:t>
+              <a:t>10rem</a:t>
             </a:r>
             <a:endParaRPr kumimoji="1" lang="ja-JP" altLang="en-US" dirty="0">
               <a:solidFill>

--- a/ページデザイン.pptx
+++ b/ページデザイン.pptx
@@ -318,7 +318,7 @@
           <a:p>
             <a:fld id="{BABA1FC8-398B-47CD-8BE5-64901F5BCC36}" type="datetimeFigureOut">
               <a:rPr kumimoji="1" lang="ja-JP" altLang="en-US" smtClean="0"/>
-              <a:t>2024/4/28</a:t>
+              <a:t>2024/5/25</a:t>
             </a:fld>
             <a:endParaRPr kumimoji="1" lang="ja-JP" altLang="en-US"/>
           </a:p>
@@ -548,7 +548,7 @@
           <a:p>
             <a:fld id="{BABA1FC8-398B-47CD-8BE5-64901F5BCC36}" type="datetimeFigureOut">
               <a:rPr kumimoji="1" lang="ja-JP" altLang="en-US" smtClean="0"/>
-              <a:t>2024/4/28</a:t>
+              <a:t>2024/5/25</a:t>
             </a:fld>
             <a:endParaRPr kumimoji="1" lang="ja-JP" altLang="en-US"/>
           </a:p>
@@ -788,7 +788,7 @@
           <a:p>
             <a:fld id="{BABA1FC8-398B-47CD-8BE5-64901F5BCC36}" type="datetimeFigureOut">
               <a:rPr kumimoji="1" lang="ja-JP" altLang="en-US" smtClean="0"/>
-              <a:t>2024/4/28</a:t>
+              <a:t>2024/5/25</a:t>
             </a:fld>
             <a:endParaRPr kumimoji="1" lang="ja-JP" altLang="en-US"/>
           </a:p>
@@ -1018,7 +1018,7 @@
           <a:p>
             <a:fld id="{BABA1FC8-398B-47CD-8BE5-64901F5BCC36}" type="datetimeFigureOut">
               <a:rPr kumimoji="1" lang="ja-JP" altLang="en-US" smtClean="0"/>
-              <a:t>2024/4/28</a:t>
+              <a:t>2024/5/25</a:t>
             </a:fld>
             <a:endParaRPr kumimoji="1" lang="ja-JP" altLang="en-US"/>
           </a:p>
@@ -1293,7 +1293,7 @@
           <a:p>
             <a:fld id="{BABA1FC8-398B-47CD-8BE5-64901F5BCC36}" type="datetimeFigureOut">
               <a:rPr kumimoji="1" lang="ja-JP" altLang="en-US" smtClean="0"/>
-              <a:t>2024/4/28</a:t>
+              <a:t>2024/5/25</a:t>
             </a:fld>
             <a:endParaRPr kumimoji="1" lang="ja-JP" altLang="en-US"/>
           </a:p>
@@ -1622,7 +1622,7 @@
           <a:p>
             <a:fld id="{BABA1FC8-398B-47CD-8BE5-64901F5BCC36}" type="datetimeFigureOut">
               <a:rPr kumimoji="1" lang="ja-JP" altLang="en-US" smtClean="0"/>
-              <a:t>2024/4/28</a:t>
+              <a:t>2024/5/25</a:t>
             </a:fld>
             <a:endParaRPr kumimoji="1" lang="ja-JP" altLang="en-US"/>
           </a:p>
@@ -2098,7 +2098,7 @@
           <a:p>
             <a:fld id="{BABA1FC8-398B-47CD-8BE5-64901F5BCC36}" type="datetimeFigureOut">
               <a:rPr kumimoji="1" lang="ja-JP" altLang="en-US" smtClean="0"/>
-              <a:t>2024/4/28</a:t>
+              <a:t>2024/5/25</a:t>
             </a:fld>
             <a:endParaRPr kumimoji="1" lang="ja-JP" altLang="en-US"/>
           </a:p>
@@ -2239,7 +2239,7 @@
           <a:p>
             <a:fld id="{BABA1FC8-398B-47CD-8BE5-64901F5BCC36}" type="datetimeFigureOut">
               <a:rPr kumimoji="1" lang="ja-JP" altLang="en-US" smtClean="0"/>
-              <a:t>2024/4/28</a:t>
+              <a:t>2024/5/25</a:t>
             </a:fld>
             <a:endParaRPr kumimoji="1" lang="ja-JP" altLang="en-US"/>
           </a:p>
@@ -2352,7 +2352,7 @@
           <a:p>
             <a:fld id="{BABA1FC8-398B-47CD-8BE5-64901F5BCC36}" type="datetimeFigureOut">
               <a:rPr kumimoji="1" lang="ja-JP" altLang="en-US" smtClean="0"/>
-              <a:t>2024/4/28</a:t>
+              <a:t>2024/5/25</a:t>
             </a:fld>
             <a:endParaRPr kumimoji="1" lang="ja-JP" altLang="en-US"/>
           </a:p>
@@ -2695,7 +2695,7 @@
           <a:p>
             <a:fld id="{BABA1FC8-398B-47CD-8BE5-64901F5BCC36}" type="datetimeFigureOut">
               <a:rPr kumimoji="1" lang="ja-JP" altLang="en-US" smtClean="0"/>
-              <a:t>2024/4/28</a:t>
+              <a:t>2024/5/25</a:t>
             </a:fld>
             <a:endParaRPr kumimoji="1" lang="ja-JP" altLang="en-US"/>
           </a:p>
@@ -2983,7 +2983,7 @@
           <a:p>
             <a:fld id="{BABA1FC8-398B-47CD-8BE5-64901F5BCC36}" type="datetimeFigureOut">
               <a:rPr kumimoji="1" lang="ja-JP" altLang="en-US" smtClean="0"/>
-              <a:t>2024/4/28</a:t>
+              <a:t>2024/5/25</a:t>
             </a:fld>
             <a:endParaRPr kumimoji="1" lang="ja-JP" altLang="en-US"/>
           </a:p>
@@ -3256,7 +3256,7 @@
           <a:p>
             <a:fld id="{BABA1FC8-398B-47CD-8BE5-64901F5BCC36}" type="datetimeFigureOut">
               <a:rPr kumimoji="1" lang="ja-JP" altLang="en-US" smtClean="0"/>
-              <a:t>2024/4/28</a:t>
+              <a:t>2024/5/25</a:t>
             </a:fld>
             <a:endParaRPr kumimoji="1" lang="ja-JP" altLang="en-US"/>
           </a:p>
@@ -35348,6 +35348,41 @@
             <a:noAutofit/>
           </a:bodyPr>
           <a:lstStyle/>
+          <a:p>
+            <a:pPr indent="133350" algn="just"/>
+            <a:r>
+              <a:rPr lang="ja-JP" altLang="en-US" sz="700" kern="100" dirty="0">
+                <a:effectLst/>
+                <a:latin typeface="Century" panose="02040604050505020304" pitchFamily="18" charset="0"/>
+                <a:ea typeface="ＭＳ 明朝" panose="02020609040205080304" pitchFamily="17" charset="-128"/>
+                <a:cs typeface="Times New Roman" panose="02020603050405020304" pitchFamily="18" charset="0"/>
+              </a:rPr>
+              <a:t>作成日</a:t>
+            </a:r>
+            <a:endParaRPr lang="en-US" altLang="ja-JP" sz="700" kern="100" dirty="0">
+              <a:effectLst/>
+              <a:latin typeface="Century" panose="02040604050505020304" pitchFamily="18" charset="0"/>
+              <a:ea typeface="ＭＳ 明朝" panose="02020609040205080304" pitchFamily="17" charset="-128"/>
+              <a:cs typeface="Times New Roman" panose="02020603050405020304" pitchFamily="18" charset="0"/>
+            </a:endParaRPr>
+          </a:p>
+          <a:p>
+            <a:pPr indent="133350" algn="just"/>
+            <a:r>
+              <a:rPr lang="ja-JP" altLang="en-US" sz="700" kern="100">
+                <a:latin typeface="Century" panose="02040604050505020304" pitchFamily="18" charset="0"/>
+                <a:ea typeface="ＭＳ 明朝" panose="02020609040205080304" pitchFamily="17" charset="-128"/>
+                <a:cs typeface="Times New Roman" panose="02020603050405020304" pitchFamily="18" charset="0"/>
+              </a:rPr>
+              <a:t>更新日</a:t>
+            </a:r>
+            <a:endParaRPr lang="en-US" altLang="ja-JP" sz="700" kern="100" dirty="0">
+              <a:effectLst/>
+              <a:latin typeface="Century" panose="02040604050505020304" pitchFamily="18" charset="0"/>
+              <a:ea typeface="ＭＳ 明朝" panose="02020609040205080304" pitchFamily="17" charset="-128"/>
+              <a:cs typeface="Times New Roman" panose="02020603050405020304" pitchFamily="18" charset="0"/>
+            </a:endParaRPr>
+          </a:p>
           <a:p>
             <a:pPr indent="133350" algn="just"/>
             <a:r>
